--- a/How_to_connect_to_university_of_edinburgh_private_blockchain.pptx
+++ b/How_to_connect_to_university_of_edinburgh_private_blockchain.pptx
@@ -23,9 +23,14 @@
     <p:sldId id="270" r:id="rId18"/>
     <p:sldId id="271" r:id="rId19"/>
     <p:sldId id="272" r:id="rId20"/>
+    <p:sldId id="273" r:id="rId21"/>
+    <p:sldId id="274" r:id="rId22"/>
+    <p:sldId id="275" r:id="rId23"/>
+    <p:sldId id="276" r:id="rId24"/>
+    <p:sldId id="277" r:id="rId25"/>
   </p:sldIdLst>
   <p:sldSz cx="13004800" cy="9753600"/>
-  <p:notesSz cx="6858000" cy="9144000"/>
+  <p:notesSz cx="7559675" cy="10691812"/>
 </p:presentation>
 </file>
 
@@ -70,7 +75,7 @@
       </p:grpSpPr>
       <p:sp>
         <p:nvSpPr>
-          <p:cNvPr id="24" name="PlaceHolder 1"/>
+          <p:cNvPr id="23" name="PlaceHolder 1"/>
           <p:cNvSpPr>
             <a:spLocks noGrp="1"/>
           </p:cNvSpPr>
@@ -81,7 +86,7 @@
         <p:spPr>
           <a:xfrm>
             <a:off x="952560" y="444600"/>
-            <a:ext cx="11099520" cy="2158560"/>
+            <a:ext cx="11099160" cy="2158200"/>
           </a:xfrm>
           <a:prstGeom prst="rect">
             <a:avLst/>
@@ -90,18 +95,16 @@
         <p:txBody>
           <a:bodyPr lIns="0" rIns="0" tIns="0" bIns="0" anchor="ctr"/>
           <a:p>
-            <a:endParaRPr b="0" lang="en-GB" sz="1400" spc="-1" strike="noStrike">
-              <a:solidFill>
-                <a:srgbClr val="000000"/>
-              </a:solidFill>
-              <a:latin typeface="Arial"/>
-            </a:endParaRPr>
-          </a:p>
-        </p:txBody>
-      </p:sp>
-      <p:sp>
-        <p:nvSpPr>
-          <p:cNvPr id="25" name="PlaceHolder 2"/>
+            <a:pPr algn="ctr"/>
+            <a:endParaRPr b="0" lang="en-GB" sz="4400" spc="-1" strike="noStrike">
+              <a:latin typeface="Arial"/>
+            </a:endParaRPr>
+          </a:p>
+        </p:txBody>
+      </p:sp>
+      <p:sp>
+        <p:nvSpPr>
+          <p:cNvPr id="24" name="PlaceHolder 2"/>
           <p:cNvSpPr>
             <a:spLocks noGrp="1"/>
           </p:cNvSpPr>
@@ -111,8 +114,8 @@
         </p:nvSpPr>
         <p:spPr>
           <a:xfrm>
-            <a:off x="952560" y="2603520"/>
-            <a:ext cx="11099520" cy="2998440"/>
+            <a:off x="650160" y="2282040"/>
+            <a:ext cx="11703600" cy="2697840"/>
           </a:xfrm>
           <a:prstGeom prst="rect">
             <a:avLst/>
@@ -123,18 +126,15 @@
             <a:normAutofit/>
           </a:bodyPr>
           <a:p>
-            <a:endParaRPr b="0" lang="en-GB" sz="1400" spc="-1" strike="noStrike">
-              <a:solidFill>
-                <a:srgbClr val="000000"/>
-              </a:solidFill>
-              <a:latin typeface="Arial"/>
-            </a:endParaRPr>
-          </a:p>
-        </p:txBody>
-      </p:sp>
-      <p:sp>
-        <p:nvSpPr>
-          <p:cNvPr id="26" name="PlaceHolder 3"/>
+            <a:endParaRPr b="0" lang="en-GB" sz="3200" spc="-1" strike="noStrike">
+              <a:latin typeface="Arial"/>
+            </a:endParaRPr>
+          </a:p>
+        </p:txBody>
+      </p:sp>
+      <p:sp>
+        <p:nvSpPr>
+          <p:cNvPr id="25" name="PlaceHolder 3"/>
           <p:cNvSpPr>
             <a:spLocks noGrp="1"/>
           </p:cNvSpPr>
@@ -144,8 +144,8 @@
         </p:nvSpPr>
         <p:spPr>
           <a:xfrm>
-            <a:off x="952560" y="5887080"/>
-            <a:ext cx="11099520" cy="2998440"/>
+            <a:off x="650160" y="5236560"/>
+            <a:ext cx="11703600" cy="2697840"/>
           </a:xfrm>
           <a:prstGeom prst="rect">
             <a:avLst/>
@@ -156,10 +156,7 @@
             <a:normAutofit/>
           </a:bodyPr>
           <a:p>
-            <a:endParaRPr b="0" lang="en-GB" sz="1400" spc="-1" strike="noStrike">
-              <a:solidFill>
-                <a:srgbClr val="000000"/>
-              </a:solidFill>
+            <a:endParaRPr b="0" lang="en-GB" sz="3200" spc="-1" strike="noStrike">
               <a:latin typeface="Arial"/>
             </a:endParaRPr>
           </a:p>
@@ -189,7 +186,7 @@
       </p:grpSpPr>
       <p:sp>
         <p:nvSpPr>
-          <p:cNvPr id="27" name="PlaceHolder 1"/>
+          <p:cNvPr id="26" name="PlaceHolder 1"/>
           <p:cNvSpPr>
             <a:spLocks noGrp="1"/>
           </p:cNvSpPr>
@@ -200,7 +197,7 @@
         <p:spPr>
           <a:xfrm>
             <a:off x="952560" y="444600"/>
-            <a:ext cx="11099520" cy="2158560"/>
+            <a:ext cx="11099160" cy="2158200"/>
           </a:xfrm>
           <a:prstGeom prst="rect">
             <a:avLst/>
@@ -209,18 +206,16 @@
         <p:txBody>
           <a:bodyPr lIns="0" rIns="0" tIns="0" bIns="0" anchor="ctr"/>
           <a:p>
-            <a:endParaRPr b="0" lang="en-GB" sz="1400" spc="-1" strike="noStrike">
-              <a:solidFill>
-                <a:srgbClr val="000000"/>
-              </a:solidFill>
-              <a:latin typeface="Arial"/>
-            </a:endParaRPr>
-          </a:p>
-        </p:txBody>
-      </p:sp>
-      <p:sp>
-        <p:nvSpPr>
-          <p:cNvPr id="28" name="PlaceHolder 2"/>
+            <a:pPr algn="ctr"/>
+            <a:endParaRPr b="0" lang="en-GB" sz="4400" spc="-1" strike="noStrike">
+              <a:latin typeface="Arial"/>
+            </a:endParaRPr>
+          </a:p>
+        </p:txBody>
+      </p:sp>
+      <p:sp>
+        <p:nvSpPr>
+          <p:cNvPr id="27" name="PlaceHolder 2"/>
           <p:cNvSpPr>
             <a:spLocks noGrp="1"/>
           </p:cNvSpPr>
@@ -230,8 +225,8 @@
         </p:nvSpPr>
         <p:spPr>
           <a:xfrm>
-            <a:off x="952560" y="2603520"/>
-            <a:ext cx="5416560" cy="2998440"/>
+            <a:off x="650160" y="2282040"/>
+            <a:ext cx="5711040" cy="2697840"/>
           </a:xfrm>
           <a:prstGeom prst="rect">
             <a:avLst/>
@@ -242,18 +237,15 @@
             <a:normAutofit/>
           </a:bodyPr>
           <a:p>
-            <a:endParaRPr b="0" lang="en-GB" sz="1400" spc="-1" strike="noStrike">
-              <a:solidFill>
-                <a:srgbClr val="000000"/>
-              </a:solidFill>
-              <a:latin typeface="Arial"/>
-            </a:endParaRPr>
-          </a:p>
-        </p:txBody>
-      </p:sp>
-      <p:sp>
-        <p:nvSpPr>
-          <p:cNvPr id="29" name="PlaceHolder 3"/>
+            <a:endParaRPr b="0" lang="en-GB" sz="3200" spc="-1" strike="noStrike">
+              <a:latin typeface="Arial"/>
+            </a:endParaRPr>
+          </a:p>
+        </p:txBody>
+      </p:sp>
+      <p:sp>
+        <p:nvSpPr>
+          <p:cNvPr id="28" name="PlaceHolder 3"/>
           <p:cNvSpPr>
             <a:spLocks noGrp="1"/>
           </p:cNvSpPr>
@@ -263,8 +255,8 @@
         </p:nvSpPr>
         <p:spPr>
           <a:xfrm>
-            <a:off x="6640200" y="2603520"/>
-            <a:ext cx="5416560" cy="2998440"/>
+            <a:off x="6647040" y="2282040"/>
+            <a:ext cx="5711040" cy="2697840"/>
           </a:xfrm>
           <a:prstGeom prst="rect">
             <a:avLst/>
@@ -275,18 +267,15 @@
             <a:normAutofit/>
           </a:bodyPr>
           <a:p>
-            <a:endParaRPr b="0" lang="en-GB" sz="1400" spc="-1" strike="noStrike">
-              <a:solidFill>
-                <a:srgbClr val="000000"/>
-              </a:solidFill>
-              <a:latin typeface="Arial"/>
-            </a:endParaRPr>
-          </a:p>
-        </p:txBody>
-      </p:sp>
-      <p:sp>
-        <p:nvSpPr>
-          <p:cNvPr id="30" name="PlaceHolder 4"/>
+            <a:endParaRPr b="0" lang="en-GB" sz="3200" spc="-1" strike="noStrike">
+              <a:latin typeface="Arial"/>
+            </a:endParaRPr>
+          </a:p>
+        </p:txBody>
+      </p:sp>
+      <p:sp>
+        <p:nvSpPr>
+          <p:cNvPr id="29" name="PlaceHolder 4"/>
           <p:cNvSpPr>
             <a:spLocks noGrp="1"/>
           </p:cNvSpPr>
@@ -296,8 +285,8 @@
         </p:nvSpPr>
         <p:spPr>
           <a:xfrm>
-            <a:off x="952560" y="5887080"/>
-            <a:ext cx="5416560" cy="2998440"/>
+            <a:off x="650160" y="5236560"/>
+            <a:ext cx="5711040" cy="2697840"/>
           </a:xfrm>
           <a:prstGeom prst="rect">
             <a:avLst/>
@@ -308,18 +297,15 @@
             <a:normAutofit/>
           </a:bodyPr>
           <a:p>
-            <a:endParaRPr b="0" lang="en-GB" sz="1400" spc="-1" strike="noStrike">
-              <a:solidFill>
-                <a:srgbClr val="000000"/>
-              </a:solidFill>
-              <a:latin typeface="Arial"/>
-            </a:endParaRPr>
-          </a:p>
-        </p:txBody>
-      </p:sp>
-      <p:sp>
-        <p:nvSpPr>
-          <p:cNvPr id="31" name="PlaceHolder 5"/>
+            <a:endParaRPr b="0" lang="en-GB" sz="3200" spc="-1" strike="noStrike">
+              <a:latin typeface="Arial"/>
+            </a:endParaRPr>
+          </a:p>
+        </p:txBody>
+      </p:sp>
+      <p:sp>
+        <p:nvSpPr>
+          <p:cNvPr id="30" name="PlaceHolder 5"/>
           <p:cNvSpPr>
             <a:spLocks noGrp="1"/>
           </p:cNvSpPr>
@@ -329,8 +315,8 @@
         </p:nvSpPr>
         <p:spPr>
           <a:xfrm>
-            <a:off x="6640200" y="5887080"/>
-            <a:ext cx="5416560" cy="2998440"/>
+            <a:off x="6647040" y="5236560"/>
+            <a:ext cx="5711040" cy="2697840"/>
           </a:xfrm>
           <a:prstGeom prst="rect">
             <a:avLst/>
@@ -341,10 +327,7 @@
             <a:normAutofit/>
           </a:bodyPr>
           <a:p>
-            <a:endParaRPr b="0" lang="en-GB" sz="1400" spc="-1" strike="noStrike">
-              <a:solidFill>
-                <a:srgbClr val="000000"/>
-              </a:solidFill>
+            <a:endParaRPr b="0" lang="en-GB" sz="3200" spc="-1" strike="noStrike">
               <a:latin typeface="Arial"/>
             </a:endParaRPr>
           </a:p>
@@ -374,7 +357,7 @@
       </p:grpSpPr>
       <p:sp>
         <p:nvSpPr>
-          <p:cNvPr id="32" name="PlaceHolder 1"/>
+          <p:cNvPr id="31" name="PlaceHolder 1"/>
           <p:cNvSpPr>
             <a:spLocks noGrp="1"/>
           </p:cNvSpPr>
@@ -385,7 +368,7 @@
         <p:spPr>
           <a:xfrm>
             <a:off x="952560" y="444600"/>
-            <a:ext cx="11099520" cy="2158560"/>
+            <a:ext cx="11099160" cy="2158200"/>
           </a:xfrm>
           <a:prstGeom prst="rect">
             <a:avLst/>
@@ -394,18 +377,16 @@
         <p:txBody>
           <a:bodyPr lIns="0" rIns="0" tIns="0" bIns="0" anchor="ctr"/>
           <a:p>
-            <a:endParaRPr b="0" lang="en-GB" sz="1400" spc="-1" strike="noStrike">
-              <a:solidFill>
-                <a:srgbClr val="000000"/>
-              </a:solidFill>
-              <a:latin typeface="Arial"/>
-            </a:endParaRPr>
-          </a:p>
-        </p:txBody>
-      </p:sp>
-      <p:sp>
-        <p:nvSpPr>
-          <p:cNvPr id="33" name="PlaceHolder 2"/>
+            <a:pPr algn="ctr"/>
+            <a:endParaRPr b="0" lang="en-GB" sz="4400" spc="-1" strike="noStrike">
+              <a:latin typeface="Arial"/>
+            </a:endParaRPr>
+          </a:p>
+        </p:txBody>
+      </p:sp>
+      <p:sp>
+        <p:nvSpPr>
+          <p:cNvPr id="32" name="PlaceHolder 2"/>
           <p:cNvSpPr>
             <a:spLocks noGrp="1"/>
           </p:cNvSpPr>
@@ -415,8 +396,8 @@
         </p:nvSpPr>
         <p:spPr>
           <a:xfrm>
-            <a:off x="952560" y="2603520"/>
-            <a:ext cx="3573720" cy="2998440"/>
+            <a:off x="650160" y="2282040"/>
+            <a:ext cx="3768480" cy="2697840"/>
           </a:xfrm>
           <a:prstGeom prst="rect">
             <a:avLst/>
@@ -427,18 +408,15 @@
             <a:normAutofit/>
           </a:bodyPr>
           <a:p>
-            <a:endParaRPr b="0" lang="en-GB" sz="1400" spc="-1" strike="noStrike">
-              <a:solidFill>
-                <a:srgbClr val="000000"/>
-              </a:solidFill>
-              <a:latin typeface="Arial"/>
-            </a:endParaRPr>
-          </a:p>
-        </p:txBody>
-      </p:sp>
-      <p:sp>
-        <p:nvSpPr>
-          <p:cNvPr id="34" name="PlaceHolder 3"/>
+            <a:endParaRPr b="0" lang="en-GB" sz="3200" spc="-1" strike="noStrike">
+              <a:latin typeface="Arial"/>
+            </a:endParaRPr>
+          </a:p>
+        </p:txBody>
+      </p:sp>
+      <p:sp>
+        <p:nvSpPr>
+          <p:cNvPr id="33" name="PlaceHolder 3"/>
           <p:cNvSpPr>
             <a:spLocks noGrp="1"/>
           </p:cNvSpPr>
@@ -448,8 +426,8 @@
         </p:nvSpPr>
         <p:spPr>
           <a:xfrm>
-            <a:off x="4705200" y="2603520"/>
-            <a:ext cx="3573720" cy="2998440"/>
+            <a:off x="4607280" y="2282040"/>
+            <a:ext cx="3768480" cy="2697840"/>
           </a:xfrm>
           <a:prstGeom prst="rect">
             <a:avLst/>
@@ -460,18 +438,15 @@
             <a:normAutofit/>
           </a:bodyPr>
           <a:p>
-            <a:endParaRPr b="0" lang="en-GB" sz="1400" spc="-1" strike="noStrike">
-              <a:solidFill>
-                <a:srgbClr val="000000"/>
-              </a:solidFill>
-              <a:latin typeface="Arial"/>
-            </a:endParaRPr>
-          </a:p>
-        </p:txBody>
-      </p:sp>
-      <p:sp>
-        <p:nvSpPr>
-          <p:cNvPr id="35" name="PlaceHolder 4"/>
+            <a:endParaRPr b="0" lang="en-GB" sz="3200" spc="-1" strike="noStrike">
+              <a:latin typeface="Arial"/>
+            </a:endParaRPr>
+          </a:p>
+        </p:txBody>
+      </p:sp>
+      <p:sp>
+        <p:nvSpPr>
+          <p:cNvPr id="34" name="PlaceHolder 4"/>
           <p:cNvSpPr>
             <a:spLocks noGrp="1"/>
           </p:cNvSpPr>
@@ -481,8 +456,8 @@
         </p:nvSpPr>
         <p:spPr>
           <a:xfrm>
-            <a:off x="8458200" y="2603520"/>
-            <a:ext cx="3573720" cy="2998440"/>
+            <a:off x="8564760" y="2282040"/>
+            <a:ext cx="3768480" cy="2697840"/>
           </a:xfrm>
           <a:prstGeom prst="rect">
             <a:avLst/>
@@ -493,18 +468,15 @@
             <a:normAutofit/>
           </a:bodyPr>
           <a:p>
-            <a:endParaRPr b="0" lang="en-GB" sz="1400" spc="-1" strike="noStrike">
-              <a:solidFill>
-                <a:srgbClr val="000000"/>
-              </a:solidFill>
-              <a:latin typeface="Arial"/>
-            </a:endParaRPr>
-          </a:p>
-        </p:txBody>
-      </p:sp>
-      <p:sp>
-        <p:nvSpPr>
-          <p:cNvPr id="36" name="PlaceHolder 5"/>
+            <a:endParaRPr b="0" lang="en-GB" sz="3200" spc="-1" strike="noStrike">
+              <a:latin typeface="Arial"/>
+            </a:endParaRPr>
+          </a:p>
+        </p:txBody>
+      </p:sp>
+      <p:sp>
+        <p:nvSpPr>
+          <p:cNvPr id="35" name="PlaceHolder 5"/>
           <p:cNvSpPr>
             <a:spLocks noGrp="1"/>
           </p:cNvSpPr>
@@ -514,8 +486,8 @@
         </p:nvSpPr>
         <p:spPr>
           <a:xfrm>
-            <a:off x="952560" y="5887080"/>
-            <a:ext cx="3573720" cy="2998440"/>
+            <a:off x="650160" y="5236560"/>
+            <a:ext cx="3768480" cy="2697840"/>
           </a:xfrm>
           <a:prstGeom prst="rect">
             <a:avLst/>
@@ -526,18 +498,15 @@
             <a:normAutofit/>
           </a:bodyPr>
           <a:p>
-            <a:endParaRPr b="0" lang="en-GB" sz="1400" spc="-1" strike="noStrike">
-              <a:solidFill>
-                <a:srgbClr val="000000"/>
-              </a:solidFill>
-              <a:latin typeface="Arial"/>
-            </a:endParaRPr>
-          </a:p>
-        </p:txBody>
-      </p:sp>
-      <p:sp>
-        <p:nvSpPr>
-          <p:cNvPr id="37" name="PlaceHolder 6"/>
+            <a:endParaRPr b="0" lang="en-GB" sz="3200" spc="-1" strike="noStrike">
+              <a:latin typeface="Arial"/>
+            </a:endParaRPr>
+          </a:p>
+        </p:txBody>
+      </p:sp>
+      <p:sp>
+        <p:nvSpPr>
+          <p:cNvPr id="36" name="PlaceHolder 6"/>
           <p:cNvSpPr>
             <a:spLocks noGrp="1"/>
           </p:cNvSpPr>
@@ -547,8 +516,8 @@
         </p:nvSpPr>
         <p:spPr>
           <a:xfrm>
-            <a:off x="4705200" y="5887080"/>
-            <a:ext cx="3573720" cy="2998440"/>
+            <a:off x="4607280" y="5236560"/>
+            <a:ext cx="3768480" cy="2697840"/>
           </a:xfrm>
           <a:prstGeom prst="rect">
             <a:avLst/>
@@ -559,18 +528,15 @@
             <a:normAutofit/>
           </a:bodyPr>
           <a:p>
-            <a:endParaRPr b="0" lang="en-GB" sz="1400" spc="-1" strike="noStrike">
-              <a:solidFill>
-                <a:srgbClr val="000000"/>
-              </a:solidFill>
-              <a:latin typeface="Arial"/>
-            </a:endParaRPr>
-          </a:p>
-        </p:txBody>
-      </p:sp>
-      <p:sp>
-        <p:nvSpPr>
-          <p:cNvPr id="38" name="PlaceHolder 7"/>
+            <a:endParaRPr b="0" lang="en-GB" sz="3200" spc="-1" strike="noStrike">
+              <a:latin typeface="Arial"/>
+            </a:endParaRPr>
+          </a:p>
+        </p:txBody>
+      </p:sp>
+      <p:sp>
+        <p:nvSpPr>
+          <p:cNvPr id="37" name="PlaceHolder 7"/>
           <p:cNvSpPr>
             <a:spLocks noGrp="1"/>
           </p:cNvSpPr>
@@ -580,8 +546,8 @@
         </p:nvSpPr>
         <p:spPr>
           <a:xfrm>
-            <a:off x="8458200" y="5887080"/>
-            <a:ext cx="3573720" cy="2998440"/>
+            <a:off x="8564760" y="5236560"/>
+            <a:ext cx="3768480" cy="2697840"/>
           </a:xfrm>
           <a:prstGeom prst="rect">
             <a:avLst/>
@@ -592,10 +558,7 @@
             <a:normAutofit/>
           </a:bodyPr>
           <a:p>
-            <a:endParaRPr b="0" lang="en-GB" sz="1400" spc="-1" strike="noStrike">
-              <a:solidFill>
-                <a:srgbClr val="000000"/>
-              </a:solidFill>
+            <a:endParaRPr b="0" lang="en-GB" sz="3200" spc="-1" strike="noStrike">
               <a:latin typeface="Arial"/>
             </a:endParaRPr>
           </a:p>
@@ -647,7 +610,7 @@
       </p:grpSpPr>
       <p:sp>
         <p:nvSpPr>
-          <p:cNvPr id="42" name="PlaceHolder 1"/>
+          <p:cNvPr id="40" name="PlaceHolder 1"/>
           <p:cNvSpPr>
             <a:spLocks noGrp="1"/>
           </p:cNvSpPr>
@@ -658,7 +621,7 @@
         <p:spPr>
           <a:xfrm>
             <a:off x="952560" y="444600"/>
-            <a:ext cx="11099520" cy="2158560"/>
+            <a:ext cx="11099160" cy="2158200"/>
           </a:xfrm>
           <a:prstGeom prst="rect">
             <a:avLst/>
@@ -667,18 +630,16 @@
         <p:txBody>
           <a:bodyPr lIns="0" rIns="0" tIns="0" bIns="0" anchor="ctr"/>
           <a:p>
-            <a:endParaRPr b="0" lang="en-GB" sz="1400" spc="-1" strike="noStrike">
-              <a:solidFill>
-                <a:srgbClr val="000000"/>
-              </a:solidFill>
-              <a:latin typeface="Arial"/>
-            </a:endParaRPr>
-          </a:p>
-        </p:txBody>
-      </p:sp>
-      <p:sp>
-        <p:nvSpPr>
-          <p:cNvPr id="43" name="PlaceHolder 2"/>
+            <a:pPr algn="ctr"/>
+            <a:endParaRPr b="0" lang="en-GB" sz="4400" spc="-1" strike="noStrike">
+              <a:latin typeface="Arial"/>
+            </a:endParaRPr>
+          </a:p>
+        </p:txBody>
+      </p:sp>
+      <p:sp>
+        <p:nvSpPr>
+          <p:cNvPr id="41" name="PlaceHolder 2"/>
           <p:cNvSpPr>
             <a:spLocks noGrp="1"/>
           </p:cNvSpPr>
@@ -688,8 +649,8 @@
         </p:nvSpPr>
         <p:spPr>
           <a:xfrm>
-            <a:off x="952560" y="2603520"/>
-            <a:ext cx="11099520" cy="6286320"/>
+            <a:off x="650160" y="2282040"/>
+            <a:ext cx="11703600" cy="5656320"/>
           </a:xfrm>
           <a:prstGeom prst="rect">
             <a:avLst/>
@@ -729,7 +690,7 @@
       </p:grpSpPr>
       <p:sp>
         <p:nvSpPr>
-          <p:cNvPr id="44" name="PlaceHolder 1"/>
+          <p:cNvPr id="42" name="PlaceHolder 1"/>
           <p:cNvSpPr>
             <a:spLocks noGrp="1"/>
           </p:cNvSpPr>
@@ -740,7 +701,7 @@
         <p:spPr>
           <a:xfrm>
             <a:off x="952560" y="444600"/>
-            <a:ext cx="11099520" cy="2158560"/>
+            <a:ext cx="11099160" cy="2158200"/>
           </a:xfrm>
           <a:prstGeom prst="rect">
             <a:avLst/>
@@ -749,18 +710,16 @@
         <p:txBody>
           <a:bodyPr lIns="0" rIns="0" tIns="0" bIns="0" anchor="ctr"/>
           <a:p>
-            <a:endParaRPr b="0" lang="en-GB" sz="1400" spc="-1" strike="noStrike">
-              <a:solidFill>
-                <a:srgbClr val="000000"/>
-              </a:solidFill>
-              <a:latin typeface="Arial"/>
-            </a:endParaRPr>
-          </a:p>
-        </p:txBody>
-      </p:sp>
-      <p:sp>
-        <p:nvSpPr>
-          <p:cNvPr id="45" name="PlaceHolder 2"/>
+            <a:pPr algn="ctr"/>
+            <a:endParaRPr b="0" lang="en-GB" sz="4400" spc="-1" strike="noStrike">
+              <a:latin typeface="Arial"/>
+            </a:endParaRPr>
+          </a:p>
+        </p:txBody>
+      </p:sp>
+      <p:sp>
+        <p:nvSpPr>
+          <p:cNvPr id="43" name="PlaceHolder 2"/>
           <p:cNvSpPr>
             <a:spLocks noGrp="1"/>
           </p:cNvSpPr>
@@ -770,8 +729,8 @@
         </p:nvSpPr>
         <p:spPr>
           <a:xfrm>
-            <a:off x="952560" y="2603520"/>
-            <a:ext cx="11099520" cy="6286320"/>
+            <a:off x="650160" y="2282040"/>
+            <a:ext cx="11703600" cy="5656320"/>
           </a:xfrm>
           <a:prstGeom prst="rect">
             <a:avLst/>
@@ -782,10 +741,7 @@
             <a:normAutofit/>
           </a:bodyPr>
           <a:p>
-            <a:endParaRPr b="0" lang="en-GB" sz="1400" spc="-1" strike="noStrike">
-              <a:solidFill>
-                <a:srgbClr val="000000"/>
-              </a:solidFill>
+            <a:endParaRPr b="0" lang="en-GB" sz="3200" spc="-1" strike="noStrike">
               <a:latin typeface="Arial"/>
             </a:endParaRPr>
           </a:p>
@@ -815,7 +771,7 @@
       </p:grpSpPr>
       <p:sp>
         <p:nvSpPr>
-          <p:cNvPr id="46" name="PlaceHolder 1"/>
+          <p:cNvPr id="44" name="PlaceHolder 1"/>
           <p:cNvSpPr>
             <a:spLocks noGrp="1"/>
           </p:cNvSpPr>
@@ -826,7 +782,7 @@
         <p:spPr>
           <a:xfrm>
             <a:off x="952560" y="444600"/>
-            <a:ext cx="11099520" cy="2158560"/>
+            <a:ext cx="11099160" cy="2158200"/>
           </a:xfrm>
           <a:prstGeom prst="rect">
             <a:avLst/>
@@ -835,18 +791,16 @@
         <p:txBody>
           <a:bodyPr lIns="0" rIns="0" tIns="0" bIns="0" anchor="ctr"/>
           <a:p>
-            <a:endParaRPr b="0" lang="en-GB" sz="1400" spc="-1" strike="noStrike">
-              <a:solidFill>
-                <a:srgbClr val="000000"/>
-              </a:solidFill>
-              <a:latin typeface="Arial"/>
-            </a:endParaRPr>
-          </a:p>
-        </p:txBody>
-      </p:sp>
-      <p:sp>
-        <p:nvSpPr>
-          <p:cNvPr id="47" name="PlaceHolder 2"/>
+            <a:pPr algn="ctr"/>
+            <a:endParaRPr b="0" lang="en-GB" sz="4400" spc="-1" strike="noStrike">
+              <a:latin typeface="Arial"/>
+            </a:endParaRPr>
+          </a:p>
+        </p:txBody>
+      </p:sp>
+      <p:sp>
+        <p:nvSpPr>
+          <p:cNvPr id="45" name="PlaceHolder 2"/>
           <p:cNvSpPr>
             <a:spLocks noGrp="1"/>
           </p:cNvSpPr>
@@ -856,8 +810,8 @@
         </p:nvSpPr>
         <p:spPr>
           <a:xfrm>
-            <a:off x="952560" y="2603520"/>
-            <a:ext cx="5416560" cy="6286320"/>
+            <a:off x="650160" y="2282040"/>
+            <a:ext cx="5711040" cy="5656320"/>
           </a:xfrm>
           <a:prstGeom prst="rect">
             <a:avLst/>
@@ -868,18 +822,15 @@
             <a:normAutofit/>
           </a:bodyPr>
           <a:p>
-            <a:endParaRPr b="0" lang="en-GB" sz="1400" spc="-1" strike="noStrike">
-              <a:solidFill>
-                <a:srgbClr val="000000"/>
-              </a:solidFill>
-              <a:latin typeface="Arial"/>
-            </a:endParaRPr>
-          </a:p>
-        </p:txBody>
-      </p:sp>
-      <p:sp>
-        <p:nvSpPr>
-          <p:cNvPr id="48" name="PlaceHolder 3"/>
+            <a:endParaRPr b="0" lang="en-GB" sz="3200" spc="-1" strike="noStrike">
+              <a:latin typeface="Arial"/>
+            </a:endParaRPr>
+          </a:p>
+        </p:txBody>
+      </p:sp>
+      <p:sp>
+        <p:nvSpPr>
+          <p:cNvPr id="46" name="PlaceHolder 3"/>
           <p:cNvSpPr>
             <a:spLocks noGrp="1"/>
           </p:cNvSpPr>
@@ -889,8 +840,8 @@
         </p:nvSpPr>
         <p:spPr>
           <a:xfrm>
-            <a:off x="6640200" y="2603520"/>
-            <a:ext cx="5416560" cy="6286320"/>
+            <a:off x="6647040" y="2282040"/>
+            <a:ext cx="5711040" cy="5656320"/>
           </a:xfrm>
           <a:prstGeom prst="rect">
             <a:avLst/>
@@ -901,10 +852,7 @@
             <a:normAutofit/>
           </a:bodyPr>
           <a:p>
-            <a:endParaRPr b="0" lang="en-GB" sz="1400" spc="-1" strike="noStrike">
-              <a:solidFill>
-                <a:srgbClr val="000000"/>
-              </a:solidFill>
+            <a:endParaRPr b="0" lang="en-GB" sz="3200" spc="-1" strike="noStrike">
               <a:latin typeface="Arial"/>
             </a:endParaRPr>
           </a:p>
@@ -934,7 +882,7 @@
       </p:grpSpPr>
       <p:sp>
         <p:nvSpPr>
-          <p:cNvPr id="49" name="PlaceHolder 1"/>
+          <p:cNvPr id="47" name="PlaceHolder 1"/>
           <p:cNvSpPr>
             <a:spLocks noGrp="1"/>
           </p:cNvSpPr>
@@ -945,7 +893,7 @@
         <p:spPr>
           <a:xfrm>
             <a:off x="952560" y="444600"/>
-            <a:ext cx="11099520" cy="2158560"/>
+            <a:ext cx="11099160" cy="2158200"/>
           </a:xfrm>
           <a:prstGeom prst="rect">
             <a:avLst/>
@@ -954,10 +902,8 @@
         <p:txBody>
           <a:bodyPr lIns="0" rIns="0" tIns="0" bIns="0" anchor="ctr"/>
           <a:p>
-            <a:endParaRPr b="0" lang="en-GB" sz="1400" spc="-1" strike="noStrike">
-              <a:solidFill>
-                <a:srgbClr val="000000"/>
-              </a:solidFill>
+            <a:pPr algn="ctr"/>
+            <a:endParaRPr b="0" lang="en-GB" sz="4400" spc="-1" strike="noStrike">
               <a:latin typeface="Arial"/>
             </a:endParaRPr>
           </a:p>
@@ -987,7 +933,7 @@
       </p:grpSpPr>
       <p:sp>
         <p:nvSpPr>
-          <p:cNvPr id="50" name="PlaceHolder 1"/>
+          <p:cNvPr id="48" name="PlaceHolder 1"/>
           <p:cNvSpPr>
             <a:spLocks noGrp="1"/>
           </p:cNvSpPr>
@@ -998,7 +944,7 @@
         <p:spPr>
           <a:xfrm>
             <a:off x="952560" y="444600"/>
-            <a:ext cx="11099520" cy="10006920"/>
+            <a:ext cx="11099160" cy="10005480"/>
           </a:xfrm>
           <a:prstGeom prst="rect">
             <a:avLst/>
@@ -1038,7 +984,7 @@
       </p:grpSpPr>
       <p:sp>
         <p:nvSpPr>
-          <p:cNvPr id="51" name="PlaceHolder 1"/>
+          <p:cNvPr id="49" name="PlaceHolder 1"/>
           <p:cNvSpPr>
             <a:spLocks noGrp="1"/>
           </p:cNvSpPr>
@@ -1049,7 +995,7 @@
         <p:spPr>
           <a:xfrm>
             <a:off x="952560" y="444600"/>
-            <a:ext cx="11099520" cy="2158560"/>
+            <a:ext cx="11099160" cy="2158200"/>
           </a:xfrm>
           <a:prstGeom prst="rect">
             <a:avLst/>
@@ -1058,18 +1004,16 @@
         <p:txBody>
           <a:bodyPr lIns="0" rIns="0" tIns="0" bIns="0" anchor="ctr"/>
           <a:p>
-            <a:endParaRPr b="0" lang="en-GB" sz="1400" spc="-1" strike="noStrike">
-              <a:solidFill>
-                <a:srgbClr val="000000"/>
-              </a:solidFill>
-              <a:latin typeface="Arial"/>
-            </a:endParaRPr>
-          </a:p>
-        </p:txBody>
-      </p:sp>
-      <p:sp>
-        <p:nvSpPr>
-          <p:cNvPr id="52" name="PlaceHolder 2"/>
+            <a:pPr algn="ctr"/>
+            <a:endParaRPr b="0" lang="en-GB" sz="4400" spc="-1" strike="noStrike">
+              <a:latin typeface="Arial"/>
+            </a:endParaRPr>
+          </a:p>
+        </p:txBody>
+      </p:sp>
+      <p:sp>
+        <p:nvSpPr>
+          <p:cNvPr id="50" name="PlaceHolder 2"/>
           <p:cNvSpPr>
             <a:spLocks noGrp="1"/>
           </p:cNvSpPr>
@@ -1079,8 +1023,8 @@
         </p:nvSpPr>
         <p:spPr>
           <a:xfrm>
-            <a:off x="952560" y="2603520"/>
-            <a:ext cx="5416560" cy="2998440"/>
+            <a:off x="650160" y="2282040"/>
+            <a:ext cx="5711040" cy="2697840"/>
           </a:xfrm>
           <a:prstGeom prst="rect">
             <a:avLst/>
@@ -1091,18 +1035,15 @@
             <a:normAutofit/>
           </a:bodyPr>
           <a:p>
-            <a:endParaRPr b="0" lang="en-GB" sz="1400" spc="-1" strike="noStrike">
-              <a:solidFill>
-                <a:srgbClr val="000000"/>
-              </a:solidFill>
-              <a:latin typeface="Arial"/>
-            </a:endParaRPr>
-          </a:p>
-        </p:txBody>
-      </p:sp>
-      <p:sp>
-        <p:nvSpPr>
-          <p:cNvPr id="53" name="PlaceHolder 3"/>
+            <a:endParaRPr b="0" lang="en-GB" sz="3200" spc="-1" strike="noStrike">
+              <a:latin typeface="Arial"/>
+            </a:endParaRPr>
+          </a:p>
+        </p:txBody>
+      </p:sp>
+      <p:sp>
+        <p:nvSpPr>
+          <p:cNvPr id="51" name="PlaceHolder 3"/>
           <p:cNvSpPr>
             <a:spLocks noGrp="1"/>
           </p:cNvSpPr>
@@ -1112,8 +1053,8 @@
         </p:nvSpPr>
         <p:spPr>
           <a:xfrm>
-            <a:off x="6640200" y="2603520"/>
-            <a:ext cx="5416560" cy="6286320"/>
+            <a:off x="6647040" y="2282040"/>
+            <a:ext cx="5711040" cy="5656320"/>
           </a:xfrm>
           <a:prstGeom prst="rect">
             <a:avLst/>
@@ -1124,18 +1065,15 @@
             <a:normAutofit/>
           </a:bodyPr>
           <a:p>
-            <a:endParaRPr b="0" lang="en-GB" sz="1400" spc="-1" strike="noStrike">
-              <a:solidFill>
-                <a:srgbClr val="000000"/>
-              </a:solidFill>
-              <a:latin typeface="Arial"/>
-            </a:endParaRPr>
-          </a:p>
-        </p:txBody>
-      </p:sp>
-      <p:sp>
-        <p:nvSpPr>
-          <p:cNvPr id="54" name="PlaceHolder 4"/>
+            <a:endParaRPr b="0" lang="en-GB" sz="3200" spc="-1" strike="noStrike">
+              <a:latin typeface="Arial"/>
+            </a:endParaRPr>
+          </a:p>
+        </p:txBody>
+      </p:sp>
+      <p:sp>
+        <p:nvSpPr>
+          <p:cNvPr id="52" name="PlaceHolder 4"/>
           <p:cNvSpPr>
             <a:spLocks noGrp="1"/>
           </p:cNvSpPr>
@@ -1145,8 +1083,8 @@
         </p:nvSpPr>
         <p:spPr>
           <a:xfrm>
-            <a:off x="952560" y="5887080"/>
-            <a:ext cx="5416560" cy="2998440"/>
+            <a:off x="650160" y="5236560"/>
+            <a:ext cx="5711040" cy="2697840"/>
           </a:xfrm>
           <a:prstGeom prst="rect">
             <a:avLst/>
@@ -1157,10 +1095,7 @@
             <a:normAutofit/>
           </a:bodyPr>
           <a:p>
-            <a:endParaRPr b="0" lang="en-GB" sz="1400" spc="-1" strike="noStrike">
-              <a:solidFill>
-                <a:srgbClr val="000000"/>
-              </a:solidFill>
+            <a:endParaRPr b="0" lang="en-GB" sz="3200" spc="-1" strike="noStrike">
               <a:latin typeface="Arial"/>
             </a:endParaRPr>
           </a:p>
@@ -1190,7 +1125,7 @@
       </p:grpSpPr>
       <p:sp>
         <p:nvSpPr>
-          <p:cNvPr id="3" name="PlaceHolder 1"/>
+          <p:cNvPr id="2" name="PlaceHolder 1"/>
           <p:cNvSpPr>
             <a:spLocks noGrp="1"/>
           </p:cNvSpPr>
@@ -1201,7 +1136,7 @@
         <p:spPr>
           <a:xfrm>
             <a:off x="952560" y="444600"/>
-            <a:ext cx="11099520" cy="2158560"/>
+            <a:ext cx="11099160" cy="2158200"/>
           </a:xfrm>
           <a:prstGeom prst="rect">
             <a:avLst/>
@@ -1210,18 +1145,16 @@
         <p:txBody>
           <a:bodyPr lIns="0" rIns="0" tIns="0" bIns="0" anchor="ctr"/>
           <a:p>
-            <a:endParaRPr b="0" lang="en-GB" sz="1400" spc="-1" strike="noStrike">
-              <a:solidFill>
-                <a:srgbClr val="000000"/>
-              </a:solidFill>
-              <a:latin typeface="Arial"/>
-            </a:endParaRPr>
-          </a:p>
-        </p:txBody>
-      </p:sp>
-      <p:sp>
-        <p:nvSpPr>
-          <p:cNvPr id="4" name="PlaceHolder 2"/>
+            <a:pPr algn="ctr"/>
+            <a:endParaRPr b="0" lang="en-GB" sz="4400" spc="-1" strike="noStrike">
+              <a:latin typeface="Arial"/>
+            </a:endParaRPr>
+          </a:p>
+        </p:txBody>
+      </p:sp>
+      <p:sp>
+        <p:nvSpPr>
+          <p:cNvPr id="3" name="PlaceHolder 2"/>
           <p:cNvSpPr>
             <a:spLocks noGrp="1"/>
           </p:cNvSpPr>
@@ -1231,8 +1164,8 @@
         </p:nvSpPr>
         <p:spPr>
           <a:xfrm>
-            <a:off x="952560" y="2603520"/>
-            <a:ext cx="11099520" cy="6286320"/>
+            <a:off x="650160" y="2282040"/>
+            <a:ext cx="11703600" cy="5656320"/>
           </a:xfrm>
           <a:prstGeom prst="rect">
             <a:avLst/>
@@ -1272,7 +1205,7 @@
       </p:grpSpPr>
       <p:sp>
         <p:nvSpPr>
-          <p:cNvPr id="55" name="PlaceHolder 1"/>
+          <p:cNvPr id="53" name="PlaceHolder 1"/>
           <p:cNvSpPr>
             <a:spLocks noGrp="1"/>
           </p:cNvSpPr>
@@ -1283,7 +1216,7 @@
         <p:spPr>
           <a:xfrm>
             <a:off x="952560" y="444600"/>
-            <a:ext cx="11099520" cy="2158560"/>
+            <a:ext cx="11099160" cy="2158200"/>
           </a:xfrm>
           <a:prstGeom prst="rect">
             <a:avLst/>
@@ -1292,18 +1225,16 @@
         <p:txBody>
           <a:bodyPr lIns="0" rIns="0" tIns="0" bIns="0" anchor="ctr"/>
           <a:p>
-            <a:endParaRPr b="0" lang="en-GB" sz="1400" spc="-1" strike="noStrike">
-              <a:solidFill>
-                <a:srgbClr val="000000"/>
-              </a:solidFill>
-              <a:latin typeface="Arial"/>
-            </a:endParaRPr>
-          </a:p>
-        </p:txBody>
-      </p:sp>
-      <p:sp>
-        <p:nvSpPr>
-          <p:cNvPr id="56" name="PlaceHolder 2"/>
+            <a:pPr algn="ctr"/>
+            <a:endParaRPr b="0" lang="en-GB" sz="4400" spc="-1" strike="noStrike">
+              <a:latin typeface="Arial"/>
+            </a:endParaRPr>
+          </a:p>
+        </p:txBody>
+      </p:sp>
+      <p:sp>
+        <p:nvSpPr>
+          <p:cNvPr id="54" name="PlaceHolder 2"/>
           <p:cNvSpPr>
             <a:spLocks noGrp="1"/>
           </p:cNvSpPr>
@@ -1313,8 +1244,8 @@
         </p:nvSpPr>
         <p:spPr>
           <a:xfrm>
-            <a:off x="952560" y="2603520"/>
-            <a:ext cx="5416560" cy="6286320"/>
+            <a:off x="650160" y="2282040"/>
+            <a:ext cx="5711040" cy="5656320"/>
           </a:xfrm>
           <a:prstGeom prst="rect">
             <a:avLst/>
@@ -1325,18 +1256,15 @@
             <a:normAutofit/>
           </a:bodyPr>
           <a:p>
-            <a:endParaRPr b="0" lang="en-GB" sz="1400" spc="-1" strike="noStrike">
-              <a:solidFill>
-                <a:srgbClr val="000000"/>
-              </a:solidFill>
-              <a:latin typeface="Arial"/>
-            </a:endParaRPr>
-          </a:p>
-        </p:txBody>
-      </p:sp>
-      <p:sp>
-        <p:nvSpPr>
-          <p:cNvPr id="57" name="PlaceHolder 3"/>
+            <a:endParaRPr b="0" lang="en-GB" sz="3200" spc="-1" strike="noStrike">
+              <a:latin typeface="Arial"/>
+            </a:endParaRPr>
+          </a:p>
+        </p:txBody>
+      </p:sp>
+      <p:sp>
+        <p:nvSpPr>
+          <p:cNvPr id="55" name="PlaceHolder 3"/>
           <p:cNvSpPr>
             <a:spLocks noGrp="1"/>
           </p:cNvSpPr>
@@ -1346,8 +1274,8 @@
         </p:nvSpPr>
         <p:spPr>
           <a:xfrm>
-            <a:off x="6640200" y="2603520"/>
-            <a:ext cx="5416560" cy="2998440"/>
+            <a:off x="6647040" y="2282040"/>
+            <a:ext cx="5711040" cy="2697840"/>
           </a:xfrm>
           <a:prstGeom prst="rect">
             <a:avLst/>
@@ -1358,18 +1286,15 @@
             <a:normAutofit/>
           </a:bodyPr>
           <a:p>
-            <a:endParaRPr b="0" lang="en-GB" sz="1400" spc="-1" strike="noStrike">
-              <a:solidFill>
-                <a:srgbClr val="000000"/>
-              </a:solidFill>
-              <a:latin typeface="Arial"/>
-            </a:endParaRPr>
-          </a:p>
-        </p:txBody>
-      </p:sp>
-      <p:sp>
-        <p:nvSpPr>
-          <p:cNvPr id="58" name="PlaceHolder 4"/>
+            <a:endParaRPr b="0" lang="en-GB" sz="3200" spc="-1" strike="noStrike">
+              <a:latin typeface="Arial"/>
+            </a:endParaRPr>
+          </a:p>
+        </p:txBody>
+      </p:sp>
+      <p:sp>
+        <p:nvSpPr>
+          <p:cNvPr id="56" name="PlaceHolder 4"/>
           <p:cNvSpPr>
             <a:spLocks noGrp="1"/>
           </p:cNvSpPr>
@@ -1379,8 +1304,8 @@
         </p:nvSpPr>
         <p:spPr>
           <a:xfrm>
-            <a:off x="6640200" y="5887080"/>
-            <a:ext cx="5416560" cy="2998440"/>
+            <a:off x="6647040" y="5236560"/>
+            <a:ext cx="5711040" cy="2697840"/>
           </a:xfrm>
           <a:prstGeom prst="rect">
             <a:avLst/>
@@ -1391,10 +1316,7 @@
             <a:normAutofit/>
           </a:bodyPr>
           <a:p>
-            <a:endParaRPr b="0" lang="en-GB" sz="1400" spc="-1" strike="noStrike">
-              <a:solidFill>
-                <a:srgbClr val="000000"/>
-              </a:solidFill>
+            <a:endParaRPr b="0" lang="en-GB" sz="3200" spc="-1" strike="noStrike">
               <a:latin typeface="Arial"/>
             </a:endParaRPr>
           </a:p>
@@ -1424,7 +1346,7 @@
       </p:grpSpPr>
       <p:sp>
         <p:nvSpPr>
-          <p:cNvPr id="59" name="PlaceHolder 1"/>
+          <p:cNvPr id="57" name="PlaceHolder 1"/>
           <p:cNvSpPr>
             <a:spLocks noGrp="1"/>
           </p:cNvSpPr>
@@ -1435,7 +1357,7 @@
         <p:spPr>
           <a:xfrm>
             <a:off x="952560" y="444600"/>
-            <a:ext cx="11099520" cy="2158560"/>
+            <a:ext cx="11099160" cy="2158200"/>
           </a:xfrm>
           <a:prstGeom prst="rect">
             <a:avLst/>
@@ -1444,18 +1366,16 @@
         <p:txBody>
           <a:bodyPr lIns="0" rIns="0" tIns="0" bIns="0" anchor="ctr"/>
           <a:p>
-            <a:endParaRPr b="0" lang="en-GB" sz="1400" spc="-1" strike="noStrike">
-              <a:solidFill>
-                <a:srgbClr val="000000"/>
-              </a:solidFill>
-              <a:latin typeface="Arial"/>
-            </a:endParaRPr>
-          </a:p>
-        </p:txBody>
-      </p:sp>
-      <p:sp>
-        <p:nvSpPr>
-          <p:cNvPr id="60" name="PlaceHolder 2"/>
+            <a:pPr algn="ctr"/>
+            <a:endParaRPr b="0" lang="en-GB" sz="4400" spc="-1" strike="noStrike">
+              <a:latin typeface="Arial"/>
+            </a:endParaRPr>
+          </a:p>
+        </p:txBody>
+      </p:sp>
+      <p:sp>
+        <p:nvSpPr>
+          <p:cNvPr id="58" name="PlaceHolder 2"/>
           <p:cNvSpPr>
             <a:spLocks noGrp="1"/>
           </p:cNvSpPr>
@@ -1465,8 +1385,8 @@
         </p:nvSpPr>
         <p:spPr>
           <a:xfrm>
-            <a:off x="952560" y="2603520"/>
-            <a:ext cx="5416560" cy="2998440"/>
+            <a:off x="650160" y="2282040"/>
+            <a:ext cx="5711040" cy="2697840"/>
           </a:xfrm>
           <a:prstGeom prst="rect">
             <a:avLst/>
@@ -1477,18 +1397,15 @@
             <a:normAutofit/>
           </a:bodyPr>
           <a:p>
-            <a:endParaRPr b="0" lang="en-GB" sz="1400" spc="-1" strike="noStrike">
-              <a:solidFill>
-                <a:srgbClr val="000000"/>
-              </a:solidFill>
-              <a:latin typeface="Arial"/>
-            </a:endParaRPr>
-          </a:p>
-        </p:txBody>
-      </p:sp>
-      <p:sp>
-        <p:nvSpPr>
-          <p:cNvPr id="61" name="PlaceHolder 3"/>
+            <a:endParaRPr b="0" lang="en-GB" sz="3200" spc="-1" strike="noStrike">
+              <a:latin typeface="Arial"/>
+            </a:endParaRPr>
+          </a:p>
+        </p:txBody>
+      </p:sp>
+      <p:sp>
+        <p:nvSpPr>
+          <p:cNvPr id="59" name="PlaceHolder 3"/>
           <p:cNvSpPr>
             <a:spLocks noGrp="1"/>
           </p:cNvSpPr>
@@ -1498,8 +1415,8 @@
         </p:nvSpPr>
         <p:spPr>
           <a:xfrm>
-            <a:off x="6640200" y="2603520"/>
-            <a:ext cx="5416560" cy="2998440"/>
+            <a:off x="6647040" y="2282040"/>
+            <a:ext cx="5711040" cy="2697840"/>
           </a:xfrm>
           <a:prstGeom prst="rect">
             <a:avLst/>
@@ -1510,18 +1427,15 @@
             <a:normAutofit/>
           </a:bodyPr>
           <a:p>
-            <a:endParaRPr b="0" lang="en-GB" sz="1400" spc="-1" strike="noStrike">
-              <a:solidFill>
-                <a:srgbClr val="000000"/>
-              </a:solidFill>
-              <a:latin typeface="Arial"/>
-            </a:endParaRPr>
-          </a:p>
-        </p:txBody>
-      </p:sp>
-      <p:sp>
-        <p:nvSpPr>
-          <p:cNvPr id="62" name="PlaceHolder 4"/>
+            <a:endParaRPr b="0" lang="en-GB" sz="3200" spc="-1" strike="noStrike">
+              <a:latin typeface="Arial"/>
+            </a:endParaRPr>
+          </a:p>
+        </p:txBody>
+      </p:sp>
+      <p:sp>
+        <p:nvSpPr>
+          <p:cNvPr id="60" name="PlaceHolder 4"/>
           <p:cNvSpPr>
             <a:spLocks noGrp="1"/>
           </p:cNvSpPr>
@@ -1531,8 +1445,8 @@
         </p:nvSpPr>
         <p:spPr>
           <a:xfrm>
-            <a:off x="952560" y="5887080"/>
-            <a:ext cx="11099520" cy="2998440"/>
+            <a:off x="650160" y="5236560"/>
+            <a:ext cx="11703600" cy="2697840"/>
           </a:xfrm>
           <a:prstGeom prst="rect">
             <a:avLst/>
@@ -1543,10 +1457,7 @@
             <a:normAutofit/>
           </a:bodyPr>
           <a:p>
-            <a:endParaRPr b="0" lang="en-GB" sz="1400" spc="-1" strike="noStrike">
-              <a:solidFill>
-                <a:srgbClr val="000000"/>
-              </a:solidFill>
+            <a:endParaRPr b="0" lang="en-GB" sz="3200" spc="-1" strike="noStrike">
               <a:latin typeface="Arial"/>
             </a:endParaRPr>
           </a:p>
@@ -1576,7 +1487,7 @@
       </p:grpSpPr>
       <p:sp>
         <p:nvSpPr>
-          <p:cNvPr id="63" name="PlaceHolder 1"/>
+          <p:cNvPr id="61" name="PlaceHolder 1"/>
           <p:cNvSpPr>
             <a:spLocks noGrp="1"/>
           </p:cNvSpPr>
@@ -1587,7 +1498,7 @@
         <p:spPr>
           <a:xfrm>
             <a:off x="952560" y="444600"/>
-            <a:ext cx="11099520" cy="2158560"/>
+            <a:ext cx="11099160" cy="2158200"/>
           </a:xfrm>
           <a:prstGeom prst="rect">
             <a:avLst/>
@@ -1596,18 +1507,16 @@
         <p:txBody>
           <a:bodyPr lIns="0" rIns="0" tIns="0" bIns="0" anchor="ctr"/>
           <a:p>
-            <a:endParaRPr b="0" lang="en-GB" sz="1400" spc="-1" strike="noStrike">
-              <a:solidFill>
-                <a:srgbClr val="000000"/>
-              </a:solidFill>
-              <a:latin typeface="Arial"/>
-            </a:endParaRPr>
-          </a:p>
-        </p:txBody>
-      </p:sp>
-      <p:sp>
-        <p:nvSpPr>
-          <p:cNvPr id="64" name="PlaceHolder 2"/>
+            <a:pPr algn="ctr"/>
+            <a:endParaRPr b="0" lang="en-GB" sz="4400" spc="-1" strike="noStrike">
+              <a:latin typeface="Arial"/>
+            </a:endParaRPr>
+          </a:p>
+        </p:txBody>
+      </p:sp>
+      <p:sp>
+        <p:nvSpPr>
+          <p:cNvPr id="62" name="PlaceHolder 2"/>
           <p:cNvSpPr>
             <a:spLocks noGrp="1"/>
           </p:cNvSpPr>
@@ -1617,8 +1526,8 @@
         </p:nvSpPr>
         <p:spPr>
           <a:xfrm>
-            <a:off x="952560" y="2603520"/>
-            <a:ext cx="11099520" cy="2998440"/>
+            <a:off x="650160" y="2282040"/>
+            <a:ext cx="11703600" cy="2697840"/>
           </a:xfrm>
           <a:prstGeom prst="rect">
             <a:avLst/>
@@ -1629,18 +1538,15 @@
             <a:normAutofit/>
           </a:bodyPr>
           <a:p>
-            <a:endParaRPr b="0" lang="en-GB" sz="1400" spc="-1" strike="noStrike">
-              <a:solidFill>
-                <a:srgbClr val="000000"/>
-              </a:solidFill>
-              <a:latin typeface="Arial"/>
-            </a:endParaRPr>
-          </a:p>
-        </p:txBody>
-      </p:sp>
-      <p:sp>
-        <p:nvSpPr>
-          <p:cNvPr id="65" name="PlaceHolder 3"/>
+            <a:endParaRPr b="0" lang="en-GB" sz="3200" spc="-1" strike="noStrike">
+              <a:latin typeface="Arial"/>
+            </a:endParaRPr>
+          </a:p>
+        </p:txBody>
+      </p:sp>
+      <p:sp>
+        <p:nvSpPr>
+          <p:cNvPr id="63" name="PlaceHolder 3"/>
           <p:cNvSpPr>
             <a:spLocks noGrp="1"/>
           </p:cNvSpPr>
@@ -1650,8 +1556,8 @@
         </p:nvSpPr>
         <p:spPr>
           <a:xfrm>
-            <a:off x="952560" y="5887080"/>
-            <a:ext cx="11099520" cy="2998440"/>
+            <a:off x="650160" y="5236560"/>
+            <a:ext cx="11703600" cy="2697840"/>
           </a:xfrm>
           <a:prstGeom prst="rect">
             <a:avLst/>
@@ -1662,10 +1568,7 @@
             <a:normAutofit/>
           </a:bodyPr>
           <a:p>
-            <a:endParaRPr b="0" lang="en-GB" sz="1400" spc="-1" strike="noStrike">
-              <a:solidFill>
-                <a:srgbClr val="000000"/>
-              </a:solidFill>
+            <a:endParaRPr b="0" lang="en-GB" sz="3200" spc="-1" strike="noStrike">
               <a:latin typeface="Arial"/>
             </a:endParaRPr>
           </a:p>
@@ -1695,7 +1598,7 @@
       </p:grpSpPr>
       <p:sp>
         <p:nvSpPr>
-          <p:cNvPr id="66" name="PlaceHolder 1"/>
+          <p:cNvPr id="64" name="PlaceHolder 1"/>
           <p:cNvSpPr>
             <a:spLocks noGrp="1"/>
           </p:cNvSpPr>
@@ -1706,7 +1609,7 @@
         <p:spPr>
           <a:xfrm>
             <a:off x="952560" y="444600"/>
-            <a:ext cx="11099520" cy="2158560"/>
+            <a:ext cx="11099160" cy="2158200"/>
           </a:xfrm>
           <a:prstGeom prst="rect">
             <a:avLst/>
@@ -1715,18 +1618,16 @@
         <p:txBody>
           <a:bodyPr lIns="0" rIns="0" tIns="0" bIns="0" anchor="ctr"/>
           <a:p>
-            <a:endParaRPr b="0" lang="en-GB" sz="1400" spc="-1" strike="noStrike">
-              <a:solidFill>
-                <a:srgbClr val="000000"/>
-              </a:solidFill>
-              <a:latin typeface="Arial"/>
-            </a:endParaRPr>
-          </a:p>
-        </p:txBody>
-      </p:sp>
-      <p:sp>
-        <p:nvSpPr>
-          <p:cNvPr id="67" name="PlaceHolder 2"/>
+            <a:pPr algn="ctr"/>
+            <a:endParaRPr b="0" lang="en-GB" sz="4400" spc="-1" strike="noStrike">
+              <a:latin typeface="Arial"/>
+            </a:endParaRPr>
+          </a:p>
+        </p:txBody>
+      </p:sp>
+      <p:sp>
+        <p:nvSpPr>
+          <p:cNvPr id="65" name="PlaceHolder 2"/>
           <p:cNvSpPr>
             <a:spLocks noGrp="1"/>
           </p:cNvSpPr>
@@ -1736,8 +1637,8 @@
         </p:nvSpPr>
         <p:spPr>
           <a:xfrm>
-            <a:off x="952560" y="2603520"/>
-            <a:ext cx="5416560" cy="2998440"/>
+            <a:off x="650160" y="2282040"/>
+            <a:ext cx="5711040" cy="2697840"/>
           </a:xfrm>
           <a:prstGeom prst="rect">
             <a:avLst/>
@@ -1748,18 +1649,15 @@
             <a:normAutofit/>
           </a:bodyPr>
           <a:p>
-            <a:endParaRPr b="0" lang="en-GB" sz="1400" spc="-1" strike="noStrike">
-              <a:solidFill>
-                <a:srgbClr val="000000"/>
-              </a:solidFill>
-              <a:latin typeface="Arial"/>
-            </a:endParaRPr>
-          </a:p>
-        </p:txBody>
-      </p:sp>
-      <p:sp>
-        <p:nvSpPr>
-          <p:cNvPr id="68" name="PlaceHolder 3"/>
+            <a:endParaRPr b="0" lang="en-GB" sz="3200" spc="-1" strike="noStrike">
+              <a:latin typeface="Arial"/>
+            </a:endParaRPr>
+          </a:p>
+        </p:txBody>
+      </p:sp>
+      <p:sp>
+        <p:nvSpPr>
+          <p:cNvPr id="66" name="PlaceHolder 3"/>
           <p:cNvSpPr>
             <a:spLocks noGrp="1"/>
           </p:cNvSpPr>
@@ -1769,8 +1667,8 @@
         </p:nvSpPr>
         <p:spPr>
           <a:xfrm>
-            <a:off x="6640200" y="2603520"/>
-            <a:ext cx="5416560" cy="2998440"/>
+            <a:off x="6647040" y="2282040"/>
+            <a:ext cx="5711040" cy="2697840"/>
           </a:xfrm>
           <a:prstGeom prst="rect">
             <a:avLst/>
@@ -1781,18 +1679,15 @@
             <a:normAutofit/>
           </a:bodyPr>
           <a:p>
-            <a:endParaRPr b="0" lang="en-GB" sz="1400" spc="-1" strike="noStrike">
-              <a:solidFill>
-                <a:srgbClr val="000000"/>
-              </a:solidFill>
-              <a:latin typeface="Arial"/>
-            </a:endParaRPr>
-          </a:p>
-        </p:txBody>
-      </p:sp>
-      <p:sp>
-        <p:nvSpPr>
-          <p:cNvPr id="69" name="PlaceHolder 4"/>
+            <a:endParaRPr b="0" lang="en-GB" sz="3200" spc="-1" strike="noStrike">
+              <a:latin typeface="Arial"/>
+            </a:endParaRPr>
+          </a:p>
+        </p:txBody>
+      </p:sp>
+      <p:sp>
+        <p:nvSpPr>
+          <p:cNvPr id="67" name="PlaceHolder 4"/>
           <p:cNvSpPr>
             <a:spLocks noGrp="1"/>
           </p:cNvSpPr>
@@ -1802,8 +1697,8 @@
         </p:nvSpPr>
         <p:spPr>
           <a:xfrm>
-            <a:off x="952560" y="5887080"/>
-            <a:ext cx="5416560" cy="2998440"/>
+            <a:off x="650160" y="5236560"/>
+            <a:ext cx="5711040" cy="2697840"/>
           </a:xfrm>
           <a:prstGeom prst="rect">
             <a:avLst/>
@@ -1814,18 +1709,15 @@
             <a:normAutofit/>
           </a:bodyPr>
           <a:p>
-            <a:endParaRPr b="0" lang="en-GB" sz="1400" spc="-1" strike="noStrike">
-              <a:solidFill>
-                <a:srgbClr val="000000"/>
-              </a:solidFill>
-              <a:latin typeface="Arial"/>
-            </a:endParaRPr>
-          </a:p>
-        </p:txBody>
-      </p:sp>
-      <p:sp>
-        <p:nvSpPr>
-          <p:cNvPr id="70" name="PlaceHolder 5"/>
+            <a:endParaRPr b="0" lang="en-GB" sz="3200" spc="-1" strike="noStrike">
+              <a:latin typeface="Arial"/>
+            </a:endParaRPr>
+          </a:p>
+        </p:txBody>
+      </p:sp>
+      <p:sp>
+        <p:nvSpPr>
+          <p:cNvPr id="68" name="PlaceHolder 5"/>
           <p:cNvSpPr>
             <a:spLocks noGrp="1"/>
           </p:cNvSpPr>
@@ -1835,8 +1727,8 @@
         </p:nvSpPr>
         <p:spPr>
           <a:xfrm>
-            <a:off x="6640200" y="5887080"/>
-            <a:ext cx="5416560" cy="2998440"/>
+            <a:off x="6647040" y="5236560"/>
+            <a:ext cx="5711040" cy="2697840"/>
           </a:xfrm>
           <a:prstGeom prst="rect">
             <a:avLst/>
@@ -1847,10 +1739,7 @@
             <a:normAutofit/>
           </a:bodyPr>
           <a:p>
-            <a:endParaRPr b="0" lang="en-GB" sz="1400" spc="-1" strike="noStrike">
-              <a:solidFill>
-                <a:srgbClr val="000000"/>
-              </a:solidFill>
+            <a:endParaRPr b="0" lang="en-GB" sz="3200" spc="-1" strike="noStrike">
               <a:latin typeface="Arial"/>
             </a:endParaRPr>
           </a:p>
@@ -1880,7 +1769,7 @@
       </p:grpSpPr>
       <p:sp>
         <p:nvSpPr>
-          <p:cNvPr id="71" name="PlaceHolder 1"/>
+          <p:cNvPr id="69" name="PlaceHolder 1"/>
           <p:cNvSpPr>
             <a:spLocks noGrp="1"/>
           </p:cNvSpPr>
@@ -1891,7 +1780,7 @@
         <p:spPr>
           <a:xfrm>
             <a:off x="952560" y="444600"/>
-            <a:ext cx="11099520" cy="2158560"/>
+            <a:ext cx="11099160" cy="2158200"/>
           </a:xfrm>
           <a:prstGeom prst="rect">
             <a:avLst/>
@@ -1900,18 +1789,16 @@
         <p:txBody>
           <a:bodyPr lIns="0" rIns="0" tIns="0" bIns="0" anchor="ctr"/>
           <a:p>
-            <a:endParaRPr b="0" lang="en-GB" sz="1400" spc="-1" strike="noStrike">
-              <a:solidFill>
-                <a:srgbClr val="000000"/>
-              </a:solidFill>
-              <a:latin typeface="Arial"/>
-            </a:endParaRPr>
-          </a:p>
-        </p:txBody>
-      </p:sp>
-      <p:sp>
-        <p:nvSpPr>
-          <p:cNvPr id="72" name="PlaceHolder 2"/>
+            <a:pPr algn="ctr"/>
+            <a:endParaRPr b="0" lang="en-GB" sz="4400" spc="-1" strike="noStrike">
+              <a:latin typeface="Arial"/>
+            </a:endParaRPr>
+          </a:p>
+        </p:txBody>
+      </p:sp>
+      <p:sp>
+        <p:nvSpPr>
+          <p:cNvPr id="70" name="PlaceHolder 2"/>
           <p:cNvSpPr>
             <a:spLocks noGrp="1"/>
           </p:cNvSpPr>
@@ -1921,8 +1808,8 @@
         </p:nvSpPr>
         <p:spPr>
           <a:xfrm>
-            <a:off x="952560" y="2603520"/>
-            <a:ext cx="3573720" cy="2998440"/>
+            <a:off x="650160" y="2282040"/>
+            <a:ext cx="3768480" cy="2697840"/>
           </a:xfrm>
           <a:prstGeom prst="rect">
             <a:avLst/>
@@ -1933,18 +1820,15 @@
             <a:normAutofit/>
           </a:bodyPr>
           <a:p>
-            <a:endParaRPr b="0" lang="en-GB" sz="1400" spc="-1" strike="noStrike">
-              <a:solidFill>
-                <a:srgbClr val="000000"/>
-              </a:solidFill>
-              <a:latin typeface="Arial"/>
-            </a:endParaRPr>
-          </a:p>
-        </p:txBody>
-      </p:sp>
-      <p:sp>
-        <p:nvSpPr>
-          <p:cNvPr id="73" name="PlaceHolder 3"/>
+            <a:endParaRPr b="0" lang="en-GB" sz="3200" spc="-1" strike="noStrike">
+              <a:latin typeface="Arial"/>
+            </a:endParaRPr>
+          </a:p>
+        </p:txBody>
+      </p:sp>
+      <p:sp>
+        <p:nvSpPr>
+          <p:cNvPr id="71" name="PlaceHolder 3"/>
           <p:cNvSpPr>
             <a:spLocks noGrp="1"/>
           </p:cNvSpPr>
@@ -1954,8 +1838,8 @@
         </p:nvSpPr>
         <p:spPr>
           <a:xfrm>
-            <a:off x="4705200" y="2603520"/>
-            <a:ext cx="3573720" cy="2998440"/>
+            <a:off x="4607280" y="2282040"/>
+            <a:ext cx="3768480" cy="2697840"/>
           </a:xfrm>
           <a:prstGeom prst="rect">
             <a:avLst/>
@@ -1966,18 +1850,15 @@
             <a:normAutofit/>
           </a:bodyPr>
           <a:p>
-            <a:endParaRPr b="0" lang="en-GB" sz="1400" spc="-1" strike="noStrike">
-              <a:solidFill>
-                <a:srgbClr val="000000"/>
-              </a:solidFill>
-              <a:latin typeface="Arial"/>
-            </a:endParaRPr>
-          </a:p>
-        </p:txBody>
-      </p:sp>
-      <p:sp>
-        <p:nvSpPr>
-          <p:cNvPr id="74" name="PlaceHolder 4"/>
+            <a:endParaRPr b="0" lang="en-GB" sz="3200" spc="-1" strike="noStrike">
+              <a:latin typeface="Arial"/>
+            </a:endParaRPr>
+          </a:p>
+        </p:txBody>
+      </p:sp>
+      <p:sp>
+        <p:nvSpPr>
+          <p:cNvPr id="72" name="PlaceHolder 4"/>
           <p:cNvSpPr>
             <a:spLocks noGrp="1"/>
           </p:cNvSpPr>
@@ -1987,8 +1868,8 @@
         </p:nvSpPr>
         <p:spPr>
           <a:xfrm>
-            <a:off x="8458200" y="2603520"/>
-            <a:ext cx="3573720" cy="2998440"/>
+            <a:off x="8564760" y="2282040"/>
+            <a:ext cx="3768480" cy="2697840"/>
           </a:xfrm>
           <a:prstGeom prst="rect">
             <a:avLst/>
@@ -1999,18 +1880,15 @@
             <a:normAutofit/>
           </a:bodyPr>
           <a:p>
-            <a:endParaRPr b="0" lang="en-GB" sz="1400" spc="-1" strike="noStrike">
-              <a:solidFill>
-                <a:srgbClr val="000000"/>
-              </a:solidFill>
-              <a:latin typeface="Arial"/>
-            </a:endParaRPr>
-          </a:p>
-        </p:txBody>
-      </p:sp>
-      <p:sp>
-        <p:nvSpPr>
-          <p:cNvPr id="75" name="PlaceHolder 5"/>
+            <a:endParaRPr b="0" lang="en-GB" sz="3200" spc="-1" strike="noStrike">
+              <a:latin typeface="Arial"/>
+            </a:endParaRPr>
+          </a:p>
+        </p:txBody>
+      </p:sp>
+      <p:sp>
+        <p:nvSpPr>
+          <p:cNvPr id="73" name="PlaceHolder 5"/>
           <p:cNvSpPr>
             <a:spLocks noGrp="1"/>
           </p:cNvSpPr>
@@ -2020,8 +1898,8 @@
         </p:nvSpPr>
         <p:spPr>
           <a:xfrm>
-            <a:off x="952560" y="5887080"/>
-            <a:ext cx="3573720" cy="2998440"/>
+            <a:off x="650160" y="5236560"/>
+            <a:ext cx="3768480" cy="2697840"/>
           </a:xfrm>
           <a:prstGeom prst="rect">
             <a:avLst/>
@@ -2032,18 +1910,15 @@
             <a:normAutofit/>
           </a:bodyPr>
           <a:p>
-            <a:endParaRPr b="0" lang="en-GB" sz="1400" spc="-1" strike="noStrike">
-              <a:solidFill>
-                <a:srgbClr val="000000"/>
-              </a:solidFill>
-              <a:latin typeface="Arial"/>
-            </a:endParaRPr>
-          </a:p>
-        </p:txBody>
-      </p:sp>
-      <p:sp>
-        <p:nvSpPr>
-          <p:cNvPr id="76" name="PlaceHolder 6"/>
+            <a:endParaRPr b="0" lang="en-GB" sz="3200" spc="-1" strike="noStrike">
+              <a:latin typeface="Arial"/>
+            </a:endParaRPr>
+          </a:p>
+        </p:txBody>
+      </p:sp>
+      <p:sp>
+        <p:nvSpPr>
+          <p:cNvPr id="74" name="PlaceHolder 6"/>
           <p:cNvSpPr>
             <a:spLocks noGrp="1"/>
           </p:cNvSpPr>
@@ -2053,8 +1928,8 @@
         </p:nvSpPr>
         <p:spPr>
           <a:xfrm>
-            <a:off x="4705200" y="5887080"/>
-            <a:ext cx="3573720" cy="2998440"/>
+            <a:off x="4607280" y="5236560"/>
+            <a:ext cx="3768480" cy="2697840"/>
           </a:xfrm>
           <a:prstGeom prst="rect">
             <a:avLst/>
@@ -2065,18 +1940,15 @@
             <a:normAutofit/>
           </a:bodyPr>
           <a:p>
-            <a:endParaRPr b="0" lang="en-GB" sz="1400" spc="-1" strike="noStrike">
-              <a:solidFill>
-                <a:srgbClr val="000000"/>
-              </a:solidFill>
-              <a:latin typeface="Arial"/>
-            </a:endParaRPr>
-          </a:p>
-        </p:txBody>
-      </p:sp>
-      <p:sp>
-        <p:nvSpPr>
-          <p:cNvPr id="77" name="PlaceHolder 7"/>
+            <a:endParaRPr b="0" lang="en-GB" sz="3200" spc="-1" strike="noStrike">
+              <a:latin typeface="Arial"/>
+            </a:endParaRPr>
+          </a:p>
+        </p:txBody>
+      </p:sp>
+      <p:sp>
+        <p:nvSpPr>
+          <p:cNvPr id="75" name="PlaceHolder 7"/>
           <p:cNvSpPr>
             <a:spLocks noGrp="1"/>
           </p:cNvSpPr>
@@ -2086,8 +1958,8 @@
         </p:nvSpPr>
         <p:spPr>
           <a:xfrm>
-            <a:off x="8458200" y="5887080"/>
-            <a:ext cx="3573720" cy="2998440"/>
+            <a:off x="8564760" y="5236560"/>
+            <a:ext cx="3768480" cy="2697840"/>
           </a:xfrm>
           <a:prstGeom prst="rect">
             <a:avLst/>
@@ -2098,10 +1970,7 @@
             <a:normAutofit/>
           </a:bodyPr>
           <a:p>
-            <a:endParaRPr b="0" lang="en-GB" sz="1400" spc="-1" strike="noStrike">
-              <a:solidFill>
-                <a:srgbClr val="000000"/>
-              </a:solidFill>
+            <a:endParaRPr b="0" lang="en-GB" sz="3200" spc="-1" strike="noStrike">
               <a:latin typeface="Arial"/>
             </a:endParaRPr>
           </a:p>
@@ -2131,7 +2000,7 @@
       </p:grpSpPr>
       <p:sp>
         <p:nvSpPr>
-          <p:cNvPr id="5" name="PlaceHolder 1"/>
+          <p:cNvPr id="4" name="PlaceHolder 1"/>
           <p:cNvSpPr>
             <a:spLocks noGrp="1"/>
           </p:cNvSpPr>
@@ -2142,7 +2011,7 @@
         <p:spPr>
           <a:xfrm>
             <a:off x="952560" y="444600"/>
-            <a:ext cx="11099520" cy="2158560"/>
+            <a:ext cx="11099160" cy="2158200"/>
           </a:xfrm>
           <a:prstGeom prst="rect">
             <a:avLst/>
@@ -2151,18 +2020,16 @@
         <p:txBody>
           <a:bodyPr lIns="0" rIns="0" tIns="0" bIns="0" anchor="ctr"/>
           <a:p>
-            <a:endParaRPr b="0" lang="en-GB" sz="1400" spc="-1" strike="noStrike">
-              <a:solidFill>
-                <a:srgbClr val="000000"/>
-              </a:solidFill>
-              <a:latin typeface="Arial"/>
-            </a:endParaRPr>
-          </a:p>
-        </p:txBody>
-      </p:sp>
-      <p:sp>
-        <p:nvSpPr>
-          <p:cNvPr id="6" name="PlaceHolder 2"/>
+            <a:pPr algn="ctr"/>
+            <a:endParaRPr b="0" lang="en-GB" sz="4400" spc="-1" strike="noStrike">
+              <a:latin typeface="Arial"/>
+            </a:endParaRPr>
+          </a:p>
+        </p:txBody>
+      </p:sp>
+      <p:sp>
+        <p:nvSpPr>
+          <p:cNvPr id="5" name="PlaceHolder 2"/>
           <p:cNvSpPr>
             <a:spLocks noGrp="1"/>
           </p:cNvSpPr>
@@ -2172,8 +2039,8 @@
         </p:nvSpPr>
         <p:spPr>
           <a:xfrm>
-            <a:off x="952560" y="2603520"/>
-            <a:ext cx="11099520" cy="6286320"/>
+            <a:off x="650160" y="2282040"/>
+            <a:ext cx="11703600" cy="5656320"/>
           </a:xfrm>
           <a:prstGeom prst="rect">
             <a:avLst/>
@@ -2184,10 +2051,7 @@
             <a:normAutofit/>
           </a:bodyPr>
           <a:p>
-            <a:endParaRPr b="0" lang="en-GB" sz="1400" spc="-1" strike="noStrike">
-              <a:solidFill>
-                <a:srgbClr val="000000"/>
-              </a:solidFill>
+            <a:endParaRPr b="0" lang="en-GB" sz="3200" spc="-1" strike="noStrike">
               <a:latin typeface="Arial"/>
             </a:endParaRPr>
           </a:p>
@@ -2217,7 +2081,7 @@
       </p:grpSpPr>
       <p:sp>
         <p:nvSpPr>
-          <p:cNvPr id="7" name="PlaceHolder 1"/>
+          <p:cNvPr id="6" name="PlaceHolder 1"/>
           <p:cNvSpPr>
             <a:spLocks noGrp="1"/>
           </p:cNvSpPr>
@@ -2228,7 +2092,7 @@
         <p:spPr>
           <a:xfrm>
             <a:off x="952560" y="444600"/>
-            <a:ext cx="11099520" cy="2158560"/>
+            <a:ext cx="11099160" cy="2158200"/>
           </a:xfrm>
           <a:prstGeom prst="rect">
             <a:avLst/>
@@ -2237,18 +2101,16 @@
         <p:txBody>
           <a:bodyPr lIns="0" rIns="0" tIns="0" bIns="0" anchor="ctr"/>
           <a:p>
-            <a:endParaRPr b="0" lang="en-GB" sz="1400" spc="-1" strike="noStrike">
-              <a:solidFill>
-                <a:srgbClr val="000000"/>
-              </a:solidFill>
-              <a:latin typeface="Arial"/>
-            </a:endParaRPr>
-          </a:p>
-        </p:txBody>
-      </p:sp>
-      <p:sp>
-        <p:nvSpPr>
-          <p:cNvPr id="8" name="PlaceHolder 2"/>
+            <a:pPr algn="ctr"/>
+            <a:endParaRPr b="0" lang="en-GB" sz="4400" spc="-1" strike="noStrike">
+              <a:latin typeface="Arial"/>
+            </a:endParaRPr>
+          </a:p>
+        </p:txBody>
+      </p:sp>
+      <p:sp>
+        <p:nvSpPr>
+          <p:cNvPr id="7" name="PlaceHolder 2"/>
           <p:cNvSpPr>
             <a:spLocks noGrp="1"/>
           </p:cNvSpPr>
@@ -2258,8 +2120,8 @@
         </p:nvSpPr>
         <p:spPr>
           <a:xfrm>
-            <a:off x="952560" y="2603520"/>
-            <a:ext cx="5416560" cy="6286320"/>
+            <a:off x="650160" y="2282040"/>
+            <a:ext cx="5711040" cy="5656320"/>
           </a:xfrm>
           <a:prstGeom prst="rect">
             <a:avLst/>
@@ -2270,18 +2132,15 @@
             <a:normAutofit/>
           </a:bodyPr>
           <a:p>
-            <a:endParaRPr b="0" lang="en-GB" sz="1400" spc="-1" strike="noStrike">
-              <a:solidFill>
-                <a:srgbClr val="000000"/>
-              </a:solidFill>
-              <a:latin typeface="Arial"/>
-            </a:endParaRPr>
-          </a:p>
-        </p:txBody>
-      </p:sp>
-      <p:sp>
-        <p:nvSpPr>
-          <p:cNvPr id="9" name="PlaceHolder 3"/>
+            <a:endParaRPr b="0" lang="en-GB" sz="3200" spc="-1" strike="noStrike">
+              <a:latin typeface="Arial"/>
+            </a:endParaRPr>
+          </a:p>
+        </p:txBody>
+      </p:sp>
+      <p:sp>
+        <p:nvSpPr>
+          <p:cNvPr id="8" name="PlaceHolder 3"/>
           <p:cNvSpPr>
             <a:spLocks noGrp="1"/>
           </p:cNvSpPr>
@@ -2291,8 +2150,8 @@
         </p:nvSpPr>
         <p:spPr>
           <a:xfrm>
-            <a:off x="6640200" y="2603520"/>
-            <a:ext cx="5416560" cy="6286320"/>
+            <a:off x="6647040" y="2282040"/>
+            <a:ext cx="5711040" cy="5656320"/>
           </a:xfrm>
           <a:prstGeom prst="rect">
             <a:avLst/>
@@ -2303,10 +2162,7 @@
             <a:normAutofit/>
           </a:bodyPr>
           <a:p>
-            <a:endParaRPr b="0" lang="en-GB" sz="1400" spc="-1" strike="noStrike">
-              <a:solidFill>
-                <a:srgbClr val="000000"/>
-              </a:solidFill>
+            <a:endParaRPr b="0" lang="en-GB" sz="3200" spc="-1" strike="noStrike">
               <a:latin typeface="Arial"/>
             </a:endParaRPr>
           </a:p>
@@ -2336,7 +2192,7 @@
       </p:grpSpPr>
       <p:sp>
         <p:nvSpPr>
-          <p:cNvPr id="10" name="PlaceHolder 1"/>
+          <p:cNvPr id="9" name="PlaceHolder 1"/>
           <p:cNvSpPr>
             <a:spLocks noGrp="1"/>
           </p:cNvSpPr>
@@ -2347,7 +2203,7 @@
         <p:spPr>
           <a:xfrm>
             <a:off x="952560" y="444600"/>
-            <a:ext cx="11099520" cy="2158560"/>
+            <a:ext cx="11099160" cy="2158200"/>
           </a:xfrm>
           <a:prstGeom prst="rect">
             <a:avLst/>
@@ -2356,10 +2212,8 @@
         <p:txBody>
           <a:bodyPr lIns="0" rIns="0" tIns="0" bIns="0" anchor="ctr"/>
           <a:p>
-            <a:endParaRPr b="0" lang="en-GB" sz="1400" spc="-1" strike="noStrike">
-              <a:solidFill>
-                <a:srgbClr val="000000"/>
-              </a:solidFill>
+            <a:pPr algn="ctr"/>
+            <a:endParaRPr b="0" lang="en-GB" sz="4400" spc="-1" strike="noStrike">
               <a:latin typeface="Arial"/>
             </a:endParaRPr>
           </a:p>
@@ -2389,7 +2243,7 @@
       </p:grpSpPr>
       <p:sp>
         <p:nvSpPr>
-          <p:cNvPr id="11" name="PlaceHolder 1"/>
+          <p:cNvPr id="10" name="PlaceHolder 1"/>
           <p:cNvSpPr>
             <a:spLocks noGrp="1"/>
           </p:cNvSpPr>
@@ -2400,7 +2254,7 @@
         <p:spPr>
           <a:xfrm>
             <a:off x="952560" y="444600"/>
-            <a:ext cx="11099520" cy="10006920"/>
+            <a:ext cx="11099160" cy="10005480"/>
           </a:xfrm>
           <a:prstGeom prst="rect">
             <a:avLst/>
@@ -2440,7 +2294,7 @@
       </p:grpSpPr>
       <p:sp>
         <p:nvSpPr>
-          <p:cNvPr id="12" name="PlaceHolder 1"/>
+          <p:cNvPr id="11" name="PlaceHolder 1"/>
           <p:cNvSpPr>
             <a:spLocks noGrp="1"/>
           </p:cNvSpPr>
@@ -2451,7 +2305,7 @@
         <p:spPr>
           <a:xfrm>
             <a:off x="952560" y="444600"/>
-            <a:ext cx="11099520" cy="2158560"/>
+            <a:ext cx="11099160" cy="2158200"/>
           </a:xfrm>
           <a:prstGeom prst="rect">
             <a:avLst/>
@@ -2460,18 +2314,16 @@
         <p:txBody>
           <a:bodyPr lIns="0" rIns="0" tIns="0" bIns="0" anchor="ctr"/>
           <a:p>
-            <a:endParaRPr b="0" lang="en-GB" sz="1400" spc="-1" strike="noStrike">
-              <a:solidFill>
-                <a:srgbClr val="000000"/>
-              </a:solidFill>
-              <a:latin typeface="Arial"/>
-            </a:endParaRPr>
-          </a:p>
-        </p:txBody>
-      </p:sp>
-      <p:sp>
-        <p:nvSpPr>
-          <p:cNvPr id="13" name="PlaceHolder 2"/>
+            <a:pPr algn="ctr"/>
+            <a:endParaRPr b="0" lang="en-GB" sz="4400" spc="-1" strike="noStrike">
+              <a:latin typeface="Arial"/>
+            </a:endParaRPr>
+          </a:p>
+        </p:txBody>
+      </p:sp>
+      <p:sp>
+        <p:nvSpPr>
+          <p:cNvPr id="12" name="PlaceHolder 2"/>
           <p:cNvSpPr>
             <a:spLocks noGrp="1"/>
           </p:cNvSpPr>
@@ -2481,8 +2333,8 @@
         </p:nvSpPr>
         <p:spPr>
           <a:xfrm>
-            <a:off x="952560" y="2603520"/>
-            <a:ext cx="5416560" cy="2998440"/>
+            <a:off x="650160" y="2282040"/>
+            <a:ext cx="5711040" cy="2697840"/>
           </a:xfrm>
           <a:prstGeom prst="rect">
             <a:avLst/>
@@ -2493,18 +2345,15 @@
             <a:normAutofit/>
           </a:bodyPr>
           <a:p>
-            <a:endParaRPr b="0" lang="en-GB" sz="1400" spc="-1" strike="noStrike">
-              <a:solidFill>
-                <a:srgbClr val="000000"/>
-              </a:solidFill>
-              <a:latin typeface="Arial"/>
-            </a:endParaRPr>
-          </a:p>
-        </p:txBody>
-      </p:sp>
-      <p:sp>
-        <p:nvSpPr>
-          <p:cNvPr id="14" name="PlaceHolder 3"/>
+            <a:endParaRPr b="0" lang="en-GB" sz="3200" spc="-1" strike="noStrike">
+              <a:latin typeface="Arial"/>
+            </a:endParaRPr>
+          </a:p>
+        </p:txBody>
+      </p:sp>
+      <p:sp>
+        <p:nvSpPr>
+          <p:cNvPr id="13" name="PlaceHolder 3"/>
           <p:cNvSpPr>
             <a:spLocks noGrp="1"/>
           </p:cNvSpPr>
@@ -2514,8 +2363,8 @@
         </p:nvSpPr>
         <p:spPr>
           <a:xfrm>
-            <a:off x="6640200" y="2603520"/>
-            <a:ext cx="5416560" cy="6286320"/>
+            <a:off x="6647040" y="2282040"/>
+            <a:ext cx="5711040" cy="5656320"/>
           </a:xfrm>
           <a:prstGeom prst="rect">
             <a:avLst/>
@@ -2526,18 +2375,15 @@
             <a:normAutofit/>
           </a:bodyPr>
           <a:p>
-            <a:endParaRPr b="0" lang="en-GB" sz="1400" spc="-1" strike="noStrike">
-              <a:solidFill>
-                <a:srgbClr val="000000"/>
-              </a:solidFill>
-              <a:latin typeface="Arial"/>
-            </a:endParaRPr>
-          </a:p>
-        </p:txBody>
-      </p:sp>
-      <p:sp>
-        <p:nvSpPr>
-          <p:cNvPr id="15" name="PlaceHolder 4"/>
+            <a:endParaRPr b="0" lang="en-GB" sz="3200" spc="-1" strike="noStrike">
+              <a:latin typeface="Arial"/>
+            </a:endParaRPr>
+          </a:p>
+        </p:txBody>
+      </p:sp>
+      <p:sp>
+        <p:nvSpPr>
+          <p:cNvPr id="14" name="PlaceHolder 4"/>
           <p:cNvSpPr>
             <a:spLocks noGrp="1"/>
           </p:cNvSpPr>
@@ -2547,8 +2393,8 @@
         </p:nvSpPr>
         <p:spPr>
           <a:xfrm>
-            <a:off x="952560" y="5887080"/>
-            <a:ext cx="5416560" cy="2998440"/>
+            <a:off x="650160" y="5236560"/>
+            <a:ext cx="5711040" cy="2697840"/>
           </a:xfrm>
           <a:prstGeom prst="rect">
             <a:avLst/>
@@ -2559,10 +2405,7 @@
             <a:normAutofit/>
           </a:bodyPr>
           <a:p>
-            <a:endParaRPr b="0" lang="en-GB" sz="1400" spc="-1" strike="noStrike">
-              <a:solidFill>
-                <a:srgbClr val="000000"/>
-              </a:solidFill>
+            <a:endParaRPr b="0" lang="en-GB" sz="3200" spc="-1" strike="noStrike">
               <a:latin typeface="Arial"/>
             </a:endParaRPr>
           </a:p>
@@ -2592,7 +2435,7 @@
       </p:grpSpPr>
       <p:sp>
         <p:nvSpPr>
-          <p:cNvPr id="16" name="PlaceHolder 1"/>
+          <p:cNvPr id="15" name="PlaceHolder 1"/>
           <p:cNvSpPr>
             <a:spLocks noGrp="1"/>
           </p:cNvSpPr>
@@ -2603,7 +2446,7 @@
         <p:spPr>
           <a:xfrm>
             <a:off x="952560" y="444600"/>
-            <a:ext cx="11099520" cy="2158560"/>
+            <a:ext cx="11099160" cy="2158200"/>
           </a:xfrm>
           <a:prstGeom prst="rect">
             <a:avLst/>
@@ -2612,18 +2455,16 @@
         <p:txBody>
           <a:bodyPr lIns="0" rIns="0" tIns="0" bIns="0" anchor="ctr"/>
           <a:p>
-            <a:endParaRPr b="0" lang="en-GB" sz="1400" spc="-1" strike="noStrike">
-              <a:solidFill>
-                <a:srgbClr val="000000"/>
-              </a:solidFill>
-              <a:latin typeface="Arial"/>
-            </a:endParaRPr>
-          </a:p>
-        </p:txBody>
-      </p:sp>
-      <p:sp>
-        <p:nvSpPr>
-          <p:cNvPr id="17" name="PlaceHolder 2"/>
+            <a:pPr algn="ctr"/>
+            <a:endParaRPr b="0" lang="en-GB" sz="4400" spc="-1" strike="noStrike">
+              <a:latin typeface="Arial"/>
+            </a:endParaRPr>
+          </a:p>
+        </p:txBody>
+      </p:sp>
+      <p:sp>
+        <p:nvSpPr>
+          <p:cNvPr id="16" name="PlaceHolder 2"/>
           <p:cNvSpPr>
             <a:spLocks noGrp="1"/>
           </p:cNvSpPr>
@@ -2633,8 +2474,8 @@
         </p:nvSpPr>
         <p:spPr>
           <a:xfrm>
-            <a:off x="952560" y="2603520"/>
-            <a:ext cx="5416560" cy="6286320"/>
+            <a:off x="650160" y="2282040"/>
+            <a:ext cx="5711040" cy="5656320"/>
           </a:xfrm>
           <a:prstGeom prst="rect">
             <a:avLst/>
@@ -2645,18 +2486,15 @@
             <a:normAutofit/>
           </a:bodyPr>
           <a:p>
-            <a:endParaRPr b="0" lang="en-GB" sz="1400" spc="-1" strike="noStrike">
-              <a:solidFill>
-                <a:srgbClr val="000000"/>
-              </a:solidFill>
-              <a:latin typeface="Arial"/>
-            </a:endParaRPr>
-          </a:p>
-        </p:txBody>
-      </p:sp>
-      <p:sp>
-        <p:nvSpPr>
-          <p:cNvPr id="18" name="PlaceHolder 3"/>
+            <a:endParaRPr b="0" lang="en-GB" sz="3200" spc="-1" strike="noStrike">
+              <a:latin typeface="Arial"/>
+            </a:endParaRPr>
+          </a:p>
+        </p:txBody>
+      </p:sp>
+      <p:sp>
+        <p:nvSpPr>
+          <p:cNvPr id="17" name="PlaceHolder 3"/>
           <p:cNvSpPr>
             <a:spLocks noGrp="1"/>
           </p:cNvSpPr>
@@ -2666,8 +2504,8 @@
         </p:nvSpPr>
         <p:spPr>
           <a:xfrm>
-            <a:off x="6640200" y="2603520"/>
-            <a:ext cx="5416560" cy="2998440"/>
+            <a:off x="6647040" y="2282040"/>
+            <a:ext cx="5711040" cy="2697840"/>
           </a:xfrm>
           <a:prstGeom prst="rect">
             <a:avLst/>
@@ -2678,18 +2516,15 @@
             <a:normAutofit/>
           </a:bodyPr>
           <a:p>
-            <a:endParaRPr b="0" lang="en-GB" sz="1400" spc="-1" strike="noStrike">
-              <a:solidFill>
-                <a:srgbClr val="000000"/>
-              </a:solidFill>
-              <a:latin typeface="Arial"/>
-            </a:endParaRPr>
-          </a:p>
-        </p:txBody>
-      </p:sp>
-      <p:sp>
-        <p:nvSpPr>
-          <p:cNvPr id="19" name="PlaceHolder 4"/>
+            <a:endParaRPr b="0" lang="en-GB" sz="3200" spc="-1" strike="noStrike">
+              <a:latin typeface="Arial"/>
+            </a:endParaRPr>
+          </a:p>
+        </p:txBody>
+      </p:sp>
+      <p:sp>
+        <p:nvSpPr>
+          <p:cNvPr id="18" name="PlaceHolder 4"/>
           <p:cNvSpPr>
             <a:spLocks noGrp="1"/>
           </p:cNvSpPr>
@@ -2699,8 +2534,8 @@
         </p:nvSpPr>
         <p:spPr>
           <a:xfrm>
-            <a:off x="6640200" y="5887080"/>
-            <a:ext cx="5416560" cy="2998440"/>
+            <a:off x="6647040" y="5236560"/>
+            <a:ext cx="5711040" cy="2697840"/>
           </a:xfrm>
           <a:prstGeom prst="rect">
             <a:avLst/>
@@ -2711,10 +2546,7 @@
             <a:normAutofit/>
           </a:bodyPr>
           <a:p>
-            <a:endParaRPr b="0" lang="en-GB" sz="1400" spc="-1" strike="noStrike">
-              <a:solidFill>
-                <a:srgbClr val="000000"/>
-              </a:solidFill>
+            <a:endParaRPr b="0" lang="en-GB" sz="3200" spc="-1" strike="noStrike">
               <a:latin typeface="Arial"/>
             </a:endParaRPr>
           </a:p>
@@ -2744,7 +2576,7 @@
       </p:grpSpPr>
       <p:sp>
         <p:nvSpPr>
-          <p:cNvPr id="20" name="PlaceHolder 1"/>
+          <p:cNvPr id="19" name="PlaceHolder 1"/>
           <p:cNvSpPr>
             <a:spLocks noGrp="1"/>
           </p:cNvSpPr>
@@ -2755,7 +2587,7 @@
         <p:spPr>
           <a:xfrm>
             <a:off x="952560" y="444600"/>
-            <a:ext cx="11099520" cy="2158560"/>
+            <a:ext cx="11099160" cy="2158200"/>
           </a:xfrm>
           <a:prstGeom prst="rect">
             <a:avLst/>
@@ -2764,18 +2596,16 @@
         <p:txBody>
           <a:bodyPr lIns="0" rIns="0" tIns="0" bIns="0" anchor="ctr"/>
           <a:p>
-            <a:endParaRPr b="0" lang="en-GB" sz="1400" spc="-1" strike="noStrike">
-              <a:solidFill>
-                <a:srgbClr val="000000"/>
-              </a:solidFill>
-              <a:latin typeface="Arial"/>
-            </a:endParaRPr>
-          </a:p>
-        </p:txBody>
-      </p:sp>
-      <p:sp>
-        <p:nvSpPr>
-          <p:cNvPr id="21" name="PlaceHolder 2"/>
+            <a:pPr algn="ctr"/>
+            <a:endParaRPr b="0" lang="en-GB" sz="4400" spc="-1" strike="noStrike">
+              <a:latin typeface="Arial"/>
+            </a:endParaRPr>
+          </a:p>
+        </p:txBody>
+      </p:sp>
+      <p:sp>
+        <p:nvSpPr>
+          <p:cNvPr id="20" name="PlaceHolder 2"/>
           <p:cNvSpPr>
             <a:spLocks noGrp="1"/>
           </p:cNvSpPr>
@@ -2785,8 +2615,8 @@
         </p:nvSpPr>
         <p:spPr>
           <a:xfrm>
-            <a:off x="952560" y="2603520"/>
-            <a:ext cx="5416560" cy="2998440"/>
+            <a:off x="650160" y="2282040"/>
+            <a:ext cx="5711040" cy="2697840"/>
           </a:xfrm>
           <a:prstGeom prst="rect">
             <a:avLst/>
@@ -2797,18 +2627,15 @@
             <a:normAutofit/>
           </a:bodyPr>
           <a:p>
-            <a:endParaRPr b="0" lang="en-GB" sz="1400" spc="-1" strike="noStrike">
-              <a:solidFill>
-                <a:srgbClr val="000000"/>
-              </a:solidFill>
-              <a:latin typeface="Arial"/>
-            </a:endParaRPr>
-          </a:p>
-        </p:txBody>
-      </p:sp>
-      <p:sp>
-        <p:nvSpPr>
-          <p:cNvPr id="22" name="PlaceHolder 3"/>
+            <a:endParaRPr b="0" lang="en-GB" sz="3200" spc="-1" strike="noStrike">
+              <a:latin typeface="Arial"/>
+            </a:endParaRPr>
+          </a:p>
+        </p:txBody>
+      </p:sp>
+      <p:sp>
+        <p:nvSpPr>
+          <p:cNvPr id="21" name="PlaceHolder 3"/>
           <p:cNvSpPr>
             <a:spLocks noGrp="1"/>
           </p:cNvSpPr>
@@ -2818,8 +2645,8 @@
         </p:nvSpPr>
         <p:spPr>
           <a:xfrm>
-            <a:off x="6640200" y="2603520"/>
-            <a:ext cx="5416560" cy="2998440"/>
+            <a:off x="6647040" y="2282040"/>
+            <a:ext cx="5711040" cy="2697840"/>
           </a:xfrm>
           <a:prstGeom prst="rect">
             <a:avLst/>
@@ -2830,18 +2657,15 @@
             <a:normAutofit/>
           </a:bodyPr>
           <a:p>
-            <a:endParaRPr b="0" lang="en-GB" sz="1400" spc="-1" strike="noStrike">
-              <a:solidFill>
-                <a:srgbClr val="000000"/>
-              </a:solidFill>
-              <a:latin typeface="Arial"/>
-            </a:endParaRPr>
-          </a:p>
-        </p:txBody>
-      </p:sp>
-      <p:sp>
-        <p:nvSpPr>
-          <p:cNvPr id="23" name="PlaceHolder 4"/>
+            <a:endParaRPr b="0" lang="en-GB" sz="3200" spc="-1" strike="noStrike">
+              <a:latin typeface="Arial"/>
+            </a:endParaRPr>
+          </a:p>
+        </p:txBody>
+      </p:sp>
+      <p:sp>
+        <p:nvSpPr>
+          <p:cNvPr id="22" name="PlaceHolder 4"/>
           <p:cNvSpPr>
             <a:spLocks noGrp="1"/>
           </p:cNvSpPr>
@@ -2851,8 +2675,8 @@
         </p:nvSpPr>
         <p:spPr>
           <a:xfrm>
-            <a:off x="952560" y="5887080"/>
-            <a:ext cx="11099520" cy="2998440"/>
+            <a:off x="650160" y="5236560"/>
+            <a:ext cx="11703600" cy="2697840"/>
           </a:xfrm>
           <a:prstGeom prst="rect">
             <a:avLst/>
@@ -2863,10 +2687,7 @@
             <a:normAutofit/>
           </a:bodyPr>
           <a:p>
-            <a:endParaRPr b="0" lang="en-GB" sz="1400" spc="-1" strike="noStrike">
-              <a:solidFill>
-                <a:srgbClr val="000000"/>
-              </a:solidFill>
+            <a:endParaRPr b="0" lang="en-GB" sz="3200" spc="-1" strike="noStrike">
               <a:latin typeface="Arial"/>
             </a:endParaRPr>
           </a:p>
@@ -2913,29 +2734,24 @@
         </p:nvSpPr>
         <p:spPr>
           <a:xfrm>
-            <a:off x="1270080" y="1638360"/>
-            <a:ext cx="10464480" cy="3301560"/>
-          </a:xfrm>
-          <a:prstGeom prst="rect">
-            <a:avLst/>
-          </a:prstGeom>
-        </p:spPr>
-        <p:txBody>
-          <a:bodyPr lIns="50760" rIns="50760" tIns="50760" bIns="50760" anchor="b"/>
-          <a:p>
-            <a:r>
-              <a:rPr b="0" lang="en-GB" sz="8000" spc="-1" strike="noStrike">
-                <a:solidFill>
-                  <a:srgbClr val="000000"/>
-                </a:solidFill>
+            <a:off x="952560" y="444600"/>
+            <a:ext cx="11099160" cy="2158200"/>
+          </a:xfrm>
+          <a:prstGeom prst="rect">
+            <a:avLst/>
+          </a:prstGeom>
+        </p:spPr>
+        <p:txBody>
+          <a:bodyPr lIns="0" rIns="0" tIns="0" bIns="0" anchor="ctr"/>
+          <a:p>
+            <a:pPr algn="ctr"/>
+            <a:r>
+              <a:rPr b="0" lang="en-GB" sz="4400" spc="-1" strike="noStrike">
                 <a:latin typeface="Arial"/>
               </a:rPr>
               <a:t>Click to edit the title text format</a:t>
             </a:r>
-            <a:endParaRPr b="0" lang="en-GB" sz="8000" spc="-1" strike="noStrike">
-              <a:solidFill>
-                <a:srgbClr val="000000"/>
-              </a:solidFill>
+            <a:endParaRPr b="0" lang="en-GB" sz="4400" spc="-1" strike="noStrike">
               <a:latin typeface="Arial"/>
             </a:endParaRPr>
           </a:p>
@@ -2953,15 +2769,17 @@
         </p:nvSpPr>
         <p:spPr>
           <a:xfrm>
-            <a:off x="1270080" y="5029200"/>
-            <a:ext cx="10464480" cy="1130040"/>
-          </a:xfrm>
-          <a:prstGeom prst="rect">
-            <a:avLst/>
-          </a:prstGeom>
-        </p:spPr>
-        <p:txBody>
-          <a:bodyPr lIns="50760" rIns="50760" tIns="50760" bIns="50760"/>
+            <a:off x="650160" y="2282040"/>
+            <a:ext cx="11703600" cy="5656320"/>
+          </a:xfrm>
+          <a:prstGeom prst="rect">
+            <a:avLst/>
+          </a:prstGeom>
+        </p:spPr>
+        <p:txBody>
+          <a:bodyPr lIns="0" rIns="0" tIns="0" bIns="0">
+            <a:normAutofit/>
+          </a:bodyPr>
           <a:p>
             <a:pPr marL="432000" indent="-324000">
               <a:spcBef>
@@ -2976,17 +2794,11 @@
             </a:pPr>
             <a:r>
               <a:rPr b="0" lang="en-GB" sz="3200" spc="-1" strike="noStrike">
-                <a:solidFill>
-                  <a:srgbClr val="000000"/>
-                </a:solidFill>
                 <a:latin typeface="Arial"/>
               </a:rPr>
               <a:t>Click to edit the outline text format</a:t>
             </a:r>
             <a:endParaRPr b="0" lang="en-GB" sz="3200" spc="-1" strike="noStrike">
-              <a:solidFill>
-                <a:srgbClr val="000000"/>
-              </a:solidFill>
               <a:latin typeface="Arial"/>
             </a:endParaRPr>
           </a:p>
@@ -3003,18 +2815,12 @@
               <a:buChar char=""/>
             </a:pPr>
             <a:r>
-              <a:rPr b="0" lang="en-GB" sz="3200" spc="-1" strike="noStrike">
-                <a:solidFill>
-                  <a:srgbClr val="000000"/>
-                </a:solidFill>
+              <a:rPr b="0" lang="en-GB" sz="2800" spc="-1" strike="noStrike">
                 <a:latin typeface="Arial"/>
               </a:rPr>
               <a:t>Second Outline Level</a:t>
             </a:r>
-            <a:endParaRPr b="0" lang="en-GB" sz="3200" spc="-1" strike="noStrike">
-              <a:solidFill>
-                <a:srgbClr val="000000"/>
-              </a:solidFill>
+            <a:endParaRPr b="0" lang="en-GB" sz="2800" spc="-1" strike="noStrike">
               <a:latin typeface="Arial"/>
             </a:endParaRPr>
           </a:p>
@@ -3031,18 +2837,12 @@
               <a:buChar char=""/>
             </a:pPr>
             <a:r>
-              <a:rPr b="0" lang="en-GB" sz="3200" spc="-1" strike="noStrike">
-                <a:solidFill>
-                  <a:srgbClr val="000000"/>
-                </a:solidFill>
+              <a:rPr b="0" lang="en-GB" sz="2400" spc="-1" strike="noStrike">
                 <a:latin typeface="Arial"/>
               </a:rPr>
               <a:t>Third Outline Level</a:t>
             </a:r>
-            <a:endParaRPr b="0" lang="en-GB" sz="3200" spc="-1" strike="noStrike">
-              <a:solidFill>
-                <a:srgbClr val="000000"/>
-              </a:solidFill>
+            <a:endParaRPr b="0" lang="en-GB" sz="2400" spc="-1" strike="noStrike">
               <a:latin typeface="Arial"/>
             </a:endParaRPr>
           </a:p>
@@ -3059,18 +2859,12 @@
               <a:buChar char=""/>
             </a:pPr>
             <a:r>
-              <a:rPr b="0" lang="en-GB" sz="3200" spc="-1" strike="noStrike">
-                <a:solidFill>
-                  <a:srgbClr val="000000"/>
-                </a:solidFill>
+              <a:rPr b="0" lang="en-GB" sz="2000" spc="-1" strike="noStrike">
                 <a:latin typeface="Arial"/>
               </a:rPr>
               <a:t>Fourth Outline Level</a:t>
             </a:r>
-            <a:endParaRPr b="0" lang="en-GB" sz="3200" spc="-1" strike="noStrike">
-              <a:solidFill>
-                <a:srgbClr val="000000"/>
-              </a:solidFill>
+            <a:endParaRPr b="0" lang="en-GB" sz="2000" spc="-1" strike="noStrike">
               <a:latin typeface="Arial"/>
             </a:endParaRPr>
           </a:p>
@@ -3087,18 +2881,12 @@
               <a:buChar char=""/>
             </a:pPr>
             <a:r>
-              <a:rPr b="0" lang="en-GB" sz="3200" spc="-1" strike="noStrike">
-                <a:solidFill>
-                  <a:srgbClr val="000000"/>
-                </a:solidFill>
+              <a:rPr b="0" lang="en-GB" sz="2000" spc="-1" strike="noStrike">
                 <a:latin typeface="Arial"/>
               </a:rPr>
               <a:t>Fifth Outline Level</a:t>
             </a:r>
-            <a:endParaRPr b="0" lang="en-GB" sz="3200" spc="-1" strike="noStrike">
-              <a:solidFill>
-                <a:srgbClr val="000000"/>
-              </a:solidFill>
+            <a:endParaRPr b="0" lang="en-GB" sz="2000" spc="-1" strike="noStrike">
               <a:latin typeface="Arial"/>
             </a:endParaRPr>
           </a:p>
@@ -3115,18 +2903,12 @@
               <a:buChar char=""/>
             </a:pPr>
             <a:r>
-              <a:rPr b="0" lang="en-GB" sz="3200" spc="-1" strike="noStrike">
-                <a:solidFill>
-                  <a:srgbClr val="000000"/>
-                </a:solidFill>
+              <a:rPr b="0" lang="en-GB" sz="2000" spc="-1" strike="noStrike">
                 <a:latin typeface="Arial"/>
               </a:rPr>
               <a:t>Sixth Outline Level</a:t>
             </a:r>
-            <a:endParaRPr b="0" lang="en-GB" sz="3200" spc="-1" strike="noStrike">
-              <a:solidFill>
-                <a:srgbClr val="000000"/>
-              </a:solidFill>
+            <a:endParaRPr b="0" lang="en-GB" sz="2000" spc="-1" strike="noStrike">
               <a:latin typeface="Arial"/>
             </a:endParaRPr>
           </a:p>
@@ -3143,62 +2925,13 @@
               <a:buChar char=""/>
             </a:pPr>
             <a:r>
-              <a:rPr b="0" lang="en-GB" sz="3200" spc="-1" strike="noStrike">
-                <a:solidFill>
-                  <a:srgbClr val="000000"/>
-                </a:solidFill>
+              <a:rPr b="0" lang="en-GB" sz="2000" spc="-1" strike="noStrike">
                 <a:latin typeface="Arial"/>
               </a:rPr>
               <a:t>Seventh Outline Level</a:t>
             </a:r>
-            <a:endParaRPr b="0" lang="en-GB" sz="3200" spc="-1" strike="noStrike">
-              <a:solidFill>
-                <a:srgbClr val="000000"/>
-              </a:solidFill>
-              <a:latin typeface="Arial"/>
-            </a:endParaRPr>
-          </a:p>
-        </p:txBody>
-      </p:sp>
-      <p:sp>
-        <p:nvSpPr>
-          <p:cNvPr id="2" name="PlaceHolder 3"/>
-          <p:cNvSpPr>
-            <a:spLocks noGrp="1"/>
-          </p:cNvSpPr>
-          <p:nvPr>
-            <p:ph type="sldNum"/>
-          </p:nvPr>
-        </p:nvSpPr>
-        <p:spPr>
-          <a:xfrm>
-            <a:off x="6311880" y="9252000"/>
-            <a:ext cx="368280" cy="380520"/>
-          </a:xfrm>
-          <a:prstGeom prst="rect">
-            <a:avLst/>
-          </a:prstGeom>
-        </p:spPr>
-        <p:txBody>
-          <a:bodyPr lIns="50760" rIns="50760" tIns="50760" bIns="50760"/>
-          <a:p>
-            <a:pPr algn="ctr">
-              <a:lnSpc>
-                <a:spcPct val="100000"/>
-              </a:lnSpc>
-            </a:pPr>
-            <a:fld id="{49F6A729-639A-492B-B40A-4F95529050C8}" type="slidenum">
-              <a:rPr b="0" lang="en-GB" sz="1800" spc="-1" strike="noStrike">
-                <a:solidFill>
-                  <a:srgbClr val="000000"/>
-                </a:solidFill>
-                <a:latin typeface="Helvetica Neue Light"/>
-                <a:ea typeface="Helvetica Neue Light"/>
-              </a:rPr>
-              <a:t>1</a:t>
-            </a:fld>
-            <a:endParaRPr b="0" lang="en-GB" sz="1800" spc="-1" strike="noStrike">
-              <a:latin typeface="Times New Roman"/>
+            <a:endParaRPr b="0" lang="en-GB" sz="2000" spc="-1" strike="noStrike">
+              <a:latin typeface="Arial"/>
             </a:endParaRPr>
           </a:p>
         </p:txBody>
@@ -3249,7 +2982,7 @@
       </p:grpSpPr>
       <p:sp>
         <p:nvSpPr>
-          <p:cNvPr id="39" name="PlaceHolder 1"/>
+          <p:cNvPr id="38" name="PlaceHolder 1"/>
           <p:cNvSpPr>
             <a:spLocks noGrp="1"/>
           </p:cNvSpPr>
@@ -3260,36 +2993,31 @@
         <p:spPr>
           <a:xfrm>
             <a:off x="952560" y="444600"/>
-            <a:ext cx="11099520" cy="2158560"/>
-          </a:xfrm>
-          <a:prstGeom prst="rect">
-            <a:avLst/>
-          </a:prstGeom>
-        </p:spPr>
-        <p:txBody>
-          <a:bodyPr lIns="50760" rIns="50760" tIns="50760" bIns="50760" anchor="ctr"/>
-          <a:p>
-            <a:r>
-              <a:rPr b="0" lang="en-GB" sz="8000" spc="-1" strike="noStrike">
-                <a:solidFill>
-                  <a:srgbClr val="000000"/>
-                </a:solidFill>
+            <a:ext cx="11099160" cy="2158200"/>
+          </a:xfrm>
+          <a:prstGeom prst="rect">
+            <a:avLst/>
+          </a:prstGeom>
+        </p:spPr>
+        <p:txBody>
+          <a:bodyPr lIns="0" rIns="0" tIns="0" bIns="0" anchor="ctr"/>
+          <a:p>
+            <a:pPr algn="ctr"/>
+            <a:r>
+              <a:rPr b="0" lang="en-GB" sz="4400" spc="-1" strike="noStrike">
                 <a:latin typeface="Arial"/>
               </a:rPr>
               <a:t>Click to edit the title text format</a:t>
             </a:r>
-            <a:endParaRPr b="0" lang="en-GB" sz="8000" spc="-1" strike="noStrike">
-              <a:solidFill>
-                <a:srgbClr val="000000"/>
-              </a:solidFill>
-              <a:latin typeface="Arial"/>
-            </a:endParaRPr>
-          </a:p>
-        </p:txBody>
-      </p:sp>
-      <p:sp>
-        <p:nvSpPr>
-          <p:cNvPr id="40" name="PlaceHolder 2"/>
+            <a:endParaRPr b="0" lang="en-GB" sz="4400" spc="-1" strike="noStrike">
+              <a:latin typeface="Arial"/>
+            </a:endParaRPr>
+          </a:p>
+        </p:txBody>
+      </p:sp>
+      <p:sp>
+        <p:nvSpPr>
+          <p:cNvPr id="39" name="PlaceHolder 2"/>
           <p:cNvSpPr>
             <a:spLocks noGrp="1"/>
           </p:cNvSpPr>
@@ -3300,14 +3028,16 @@
         <p:spPr>
           <a:xfrm>
             <a:off x="952560" y="2603520"/>
-            <a:ext cx="11099520" cy="6286320"/>
-          </a:xfrm>
-          <a:prstGeom prst="rect">
-            <a:avLst/>
-          </a:prstGeom>
-        </p:spPr>
-        <p:txBody>
-          <a:bodyPr lIns="50760" rIns="50760" tIns="50760" bIns="50760" anchor="ctr"/>
+            <a:ext cx="11099160" cy="6285960"/>
+          </a:xfrm>
+          <a:prstGeom prst="rect">
+            <a:avLst/>
+          </a:prstGeom>
+        </p:spPr>
+        <p:txBody>
+          <a:bodyPr lIns="0" rIns="0" tIns="0" bIns="0">
+            <a:normAutofit/>
+          </a:bodyPr>
           <a:p>
             <a:pPr marL="432000" indent="-324000">
               <a:spcBef>
@@ -3321,18 +3051,12 @@
               <a:buChar char=""/>
             </a:pPr>
             <a:r>
-              <a:rPr b="0" lang="en-GB" sz="3600" spc="-1" strike="noStrike">
-                <a:solidFill>
-                  <a:srgbClr val="000000"/>
-                </a:solidFill>
+              <a:rPr b="0" lang="en-GB" sz="3200" spc="-1" strike="noStrike">
                 <a:latin typeface="Arial"/>
               </a:rPr>
               <a:t>Click to edit the outline text format</a:t>
             </a:r>
-            <a:endParaRPr b="0" lang="en-GB" sz="3600" spc="-1" strike="noStrike">
-              <a:solidFill>
-                <a:srgbClr val="000000"/>
-              </a:solidFill>
+            <a:endParaRPr b="0" lang="en-GB" sz="3200" spc="-1" strike="noStrike">
               <a:latin typeface="Arial"/>
             </a:endParaRPr>
           </a:p>
@@ -3349,18 +3073,12 @@
               <a:buChar char=""/>
             </a:pPr>
             <a:r>
-              <a:rPr b="0" lang="en-GB" sz="3600" spc="-1" strike="noStrike">
-                <a:solidFill>
-                  <a:srgbClr val="000000"/>
-                </a:solidFill>
+              <a:rPr b="0" lang="en-GB" sz="2800" spc="-1" strike="noStrike">
                 <a:latin typeface="Arial"/>
               </a:rPr>
               <a:t>Second Outline Level</a:t>
             </a:r>
-            <a:endParaRPr b="0" lang="en-GB" sz="3600" spc="-1" strike="noStrike">
-              <a:solidFill>
-                <a:srgbClr val="000000"/>
-              </a:solidFill>
+            <a:endParaRPr b="0" lang="en-GB" sz="2800" spc="-1" strike="noStrike">
               <a:latin typeface="Arial"/>
             </a:endParaRPr>
           </a:p>
@@ -3377,18 +3095,12 @@
               <a:buChar char=""/>
             </a:pPr>
             <a:r>
-              <a:rPr b="0" lang="en-GB" sz="3600" spc="-1" strike="noStrike">
-                <a:solidFill>
-                  <a:srgbClr val="000000"/>
-                </a:solidFill>
+              <a:rPr b="0" lang="en-GB" sz="2400" spc="-1" strike="noStrike">
                 <a:latin typeface="Arial"/>
               </a:rPr>
               <a:t>Third Outline Level</a:t>
             </a:r>
-            <a:endParaRPr b="0" lang="en-GB" sz="3600" spc="-1" strike="noStrike">
-              <a:solidFill>
-                <a:srgbClr val="000000"/>
-              </a:solidFill>
+            <a:endParaRPr b="0" lang="en-GB" sz="2400" spc="-1" strike="noStrike">
               <a:latin typeface="Arial"/>
             </a:endParaRPr>
           </a:p>
@@ -3405,18 +3117,12 @@
               <a:buChar char=""/>
             </a:pPr>
             <a:r>
-              <a:rPr b="0" lang="en-GB" sz="3600" spc="-1" strike="noStrike">
-                <a:solidFill>
-                  <a:srgbClr val="000000"/>
-                </a:solidFill>
+              <a:rPr b="0" lang="en-GB" sz="2000" spc="-1" strike="noStrike">
                 <a:latin typeface="Arial"/>
               </a:rPr>
               <a:t>Fourth Outline Level</a:t>
             </a:r>
-            <a:endParaRPr b="0" lang="en-GB" sz="3600" spc="-1" strike="noStrike">
-              <a:solidFill>
-                <a:srgbClr val="000000"/>
-              </a:solidFill>
+            <a:endParaRPr b="0" lang="en-GB" sz="2000" spc="-1" strike="noStrike">
               <a:latin typeface="Arial"/>
             </a:endParaRPr>
           </a:p>
@@ -3433,18 +3139,12 @@
               <a:buChar char=""/>
             </a:pPr>
             <a:r>
-              <a:rPr b="0" lang="en-GB" sz="3600" spc="-1" strike="noStrike">
-                <a:solidFill>
-                  <a:srgbClr val="000000"/>
-                </a:solidFill>
+              <a:rPr b="0" lang="en-GB" sz="2000" spc="-1" strike="noStrike">
                 <a:latin typeface="Arial"/>
               </a:rPr>
               <a:t>Fifth Outline Level</a:t>
             </a:r>
-            <a:endParaRPr b="0" lang="en-GB" sz="3600" spc="-1" strike="noStrike">
-              <a:solidFill>
-                <a:srgbClr val="000000"/>
-              </a:solidFill>
+            <a:endParaRPr b="0" lang="en-GB" sz="2000" spc="-1" strike="noStrike">
               <a:latin typeface="Arial"/>
             </a:endParaRPr>
           </a:p>
@@ -3461,18 +3161,12 @@
               <a:buChar char=""/>
             </a:pPr>
             <a:r>
-              <a:rPr b="0" lang="en-GB" sz="3600" spc="-1" strike="noStrike">
-                <a:solidFill>
-                  <a:srgbClr val="000000"/>
-                </a:solidFill>
+              <a:rPr b="0" lang="en-GB" sz="2000" spc="-1" strike="noStrike">
                 <a:latin typeface="Arial"/>
               </a:rPr>
               <a:t>Sixth Outline Level</a:t>
             </a:r>
-            <a:endParaRPr b="0" lang="en-GB" sz="3600" spc="-1" strike="noStrike">
-              <a:solidFill>
-                <a:srgbClr val="000000"/>
-              </a:solidFill>
+            <a:endParaRPr b="0" lang="en-GB" sz="2000" spc="-1" strike="noStrike">
               <a:latin typeface="Arial"/>
             </a:endParaRPr>
           </a:p>
@@ -3489,62 +3183,13 @@
               <a:buChar char=""/>
             </a:pPr>
             <a:r>
-              <a:rPr b="0" lang="en-GB" sz="3600" spc="-1" strike="noStrike">
-                <a:solidFill>
-                  <a:srgbClr val="000000"/>
-                </a:solidFill>
+              <a:rPr b="0" lang="en-GB" sz="2000" spc="-1" strike="noStrike">
                 <a:latin typeface="Arial"/>
               </a:rPr>
               <a:t>Seventh Outline Level</a:t>
             </a:r>
-            <a:endParaRPr b="0" lang="en-GB" sz="3600" spc="-1" strike="noStrike">
-              <a:solidFill>
-                <a:srgbClr val="000000"/>
-              </a:solidFill>
-              <a:latin typeface="Arial"/>
-            </a:endParaRPr>
-          </a:p>
-        </p:txBody>
-      </p:sp>
-      <p:sp>
-        <p:nvSpPr>
-          <p:cNvPr id="41" name="PlaceHolder 3"/>
-          <p:cNvSpPr>
-            <a:spLocks noGrp="1"/>
-          </p:cNvSpPr>
-          <p:nvPr>
-            <p:ph type="sldNum"/>
-          </p:nvPr>
-        </p:nvSpPr>
-        <p:spPr>
-          <a:xfrm>
-            <a:off x="6311880" y="9252000"/>
-            <a:ext cx="368280" cy="380520"/>
-          </a:xfrm>
-          <a:prstGeom prst="rect">
-            <a:avLst/>
-          </a:prstGeom>
-        </p:spPr>
-        <p:txBody>
-          <a:bodyPr lIns="50760" rIns="50760" tIns="50760" bIns="50760"/>
-          <a:p>
-            <a:pPr algn="ctr">
-              <a:lnSpc>
-                <a:spcPct val="100000"/>
-              </a:lnSpc>
-            </a:pPr>
-            <a:fld id="{F6CB75D9-B8AD-409A-80C3-7C90C94DC8AE}" type="slidenum">
-              <a:rPr b="0" lang="en-GB" sz="1800" spc="-1" strike="noStrike">
-                <a:solidFill>
-                  <a:srgbClr val="000000"/>
-                </a:solidFill>
-                <a:latin typeface="Helvetica Neue Light"/>
-                <a:ea typeface="Helvetica Neue Light"/>
-              </a:rPr>
-              <a:t>1</a:t>
-            </a:fld>
-            <a:endParaRPr b="0" lang="en-GB" sz="1800" spc="-1" strike="noStrike">
-              <a:latin typeface="Times New Roman"/>
+            <a:endParaRPr b="0" lang="en-GB" sz="2000" spc="-1" strike="noStrike">
+              <a:latin typeface="Arial"/>
             </a:endParaRPr>
           </a:p>
         </p:txBody>
@@ -3588,14 +3233,14 @@
       </p:grpSpPr>
       <p:sp>
         <p:nvSpPr>
-          <p:cNvPr id="78" name="TextShape 1"/>
-          <p:cNvSpPr txBox="1"/>
+          <p:cNvPr id="76" name="CustomShape 1"/>
+          <p:cNvSpPr/>
           <p:nvPr/>
         </p:nvSpPr>
         <p:spPr>
           <a:xfrm>
             <a:off x="240840" y="2308320"/>
-            <a:ext cx="12258000" cy="5547960"/>
+            <a:ext cx="12257640" cy="5547600"/>
           </a:xfrm>
           <a:prstGeom prst="rect">
             <a:avLst/>
@@ -3605,6 +3250,12 @@
             <a:noFill/>
           </a:ln>
         </p:spPr>
+        <p:style>
+          <a:lnRef idx="0"/>
+          <a:fillRef idx="0"/>
+          <a:effectRef idx="0"/>
+          <a:fontRef idx="minor"/>
+        </p:style>
         <p:txBody>
           <a:bodyPr lIns="50760" rIns="50760" tIns="50760" bIns="50760"/>
           <a:p>
@@ -3718,7 +3369,7 @@
             </a:endParaRPr>
           </a:p>
           <a:p>
-            <a:pPr marL="736560" indent="-228240">
+            <a:pPr marL="736560" indent="-227880">
               <a:lnSpc>
                 <a:spcPct val="100000"/>
               </a:lnSpc>
@@ -3728,7 +3379,7 @@
               <a:buClr>
                 <a:srgbClr val="000000"/>
               </a:buClr>
-              <a:buFont typeface="Helvetica Neue Light"/>
+              <a:buFont typeface="StarSymbol"/>
               <a:buAutoNum type="arabicPeriod"/>
             </a:pPr>
             <a:r>
@@ -3756,7 +3407,7 @@
             </a:endParaRPr>
           </a:p>
           <a:p>
-            <a:pPr marL="736560" indent="-228240">
+            <a:pPr marL="736560" indent="-227880">
               <a:lnSpc>
                 <a:spcPct val="100000"/>
               </a:lnSpc>
@@ -3766,7 +3417,7 @@
               <a:buClr>
                 <a:srgbClr val="000000"/>
               </a:buClr>
-              <a:buFont typeface="Helvetica Neue Light"/>
+              <a:buFont typeface="StarSymbol"/>
               <a:buAutoNum type="arabicPeriod"/>
             </a:pPr>
             <a:r>
@@ -3794,7 +3445,7 @@
             </a:endParaRPr>
           </a:p>
           <a:p>
-            <a:pPr marL="736560" indent="-228240">
+            <a:pPr marL="736560" indent="-227880">
               <a:lnSpc>
                 <a:spcPct val="100000"/>
               </a:lnSpc>
@@ -3804,7 +3455,7 @@
               <a:buClr>
                 <a:srgbClr val="000000"/>
               </a:buClr>
-              <a:buFont typeface="Helvetica Neue Light"/>
+              <a:buFont typeface="StarSymbol"/>
               <a:buAutoNum type="arabicPeriod"/>
             </a:pPr>
             <a:r>
@@ -3835,33 +3486,6 @@
       </p:sp>
     </p:spTree>
   </p:cSld>
-  <p:timing>
-    <p:tnLst>
-      <p:par>
-        <p:cTn id="1" dur="indefinite" restart="never" nodeType="tmRoot">
-          <p:childTnLst>
-            <p:seq>
-              <p:cTn id="2" dur="indefinite" nodeType="mainSeq"/>
-              <p:prevCondLst>
-                <p:cond delay="0" evt="onPrev">
-                  <p:tgtEl>
-                    <p:sldTgt/>
-                  </p:tgtEl>
-                </p:cond>
-              </p:prevCondLst>
-              <p:nextCondLst>
-                <p:cond delay="0" evt="onNext">
-                  <p:tgtEl>
-                    <p:sldTgt/>
-                  </p:tgtEl>
-                </p:cond>
-              </p:nextCondLst>
-            </p:seq>
-          </p:childTnLst>
-        </p:cTn>
-      </p:par>
-    </p:tnLst>
-  </p:timing>
 </p:sld>
 </file>
 
@@ -3884,14 +3508,14 @@
       </p:grpSpPr>
       <p:sp>
         <p:nvSpPr>
-          <p:cNvPr id="104" name="TextShape 1"/>
-          <p:cNvSpPr txBox="1"/>
+          <p:cNvPr id="102" name="CustomShape 1"/>
+          <p:cNvSpPr/>
           <p:nvPr/>
         </p:nvSpPr>
         <p:spPr>
           <a:xfrm>
             <a:off x="952560" y="444600"/>
-            <a:ext cx="11099520" cy="2158560"/>
+            <a:ext cx="11099160" cy="2158200"/>
           </a:xfrm>
           <a:prstGeom prst="rect">
             <a:avLst/>
@@ -3901,6 +3525,12 @@
             <a:noFill/>
           </a:ln>
         </p:spPr>
+        <p:style>
+          <a:lnRef idx="0"/>
+          <a:fillRef idx="0"/>
+          <a:effectRef idx="0"/>
+          <a:fontRef idx="minor"/>
+        </p:style>
         <p:txBody>
           <a:bodyPr lIns="50760" rIns="50760" tIns="50760" bIns="50760" anchor="ctr"/>
           <a:p>
@@ -3942,24 +3572,21 @@
               <a:t>Online Solidity Compiler </a:t>
             </a:r>
             <a:endParaRPr b="0" lang="en-GB" sz="4560" spc="-1" strike="noStrike">
-              <a:solidFill>
-                <a:srgbClr val="000000"/>
-              </a:solidFill>
-              <a:latin typeface="Arial"/>
-            </a:endParaRPr>
-          </a:p>
-        </p:txBody>
-      </p:sp>
-      <p:sp>
-        <p:nvSpPr>
-          <p:cNvPr id="105" name="TextShape 2"/>
-          <p:cNvSpPr txBox="1"/>
+              <a:latin typeface="Arial"/>
+            </a:endParaRPr>
+          </a:p>
+        </p:txBody>
+      </p:sp>
+      <p:sp>
+        <p:nvSpPr>
+          <p:cNvPr id="103" name="CustomShape 2"/>
+          <p:cNvSpPr/>
           <p:nvPr/>
         </p:nvSpPr>
         <p:spPr>
           <a:xfrm>
             <a:off x="864000" y="3217680"/>
-            <a:ext cx="11099520" cy="6286320"/>
+            <a:ext cx="11099160" cy="6285960"/>
           </a:xfrm>
           <a:prstGeom prst="rect">
             <a:avLst/>
@@ -3969,10 +3596,16 @@
             <a:noFill/>
           </a:ln>
         </p:spPr>
+        <p:style>
+          <a:lnRef idx="0"/>
+          <a:fillRef idx="0"/>
+          <a:effectRef idx="0"/>
+          <a:fontRef idx="minor"/>
+        </p:style>
         <p:txBody>
           <a:bodyPr lIns="50760" rIns="50760" tIns="50760" bIns="50760" anchor="ctr"/>
           <a:p>
-            <a:pPr marL="444600" indent="-444240">
+            <a:pPr marL="444600" indent="-443880">
               <a:lnSpc>
                 <a:spcPct val="100000"/>
               </a:lnSpc>
@@ -4013,14 +3646,21 @@
               <a:t> </a:t>
             </a:r>
             <a:endParaRPr b="0" lang="en-GB" sz="3600" spc="-1" strike="noStrike">
-              <a:solidFill>
-                <a:srgbClr val="000000"/>
-              </a:solidFill>
-              <a:latin typeface="Arial"/>
-            </a:endParaRPr>
-          </a:p>
-          <a:p>
-            <a:pPr marL="444600" indent="-444240">
+              <a:latin typeface="Arial"/>
+            </a:endParaRPr>
+          </a:p>
+          <a:p>
+            <a:pPr>
+              <a:lnSpc>
+                <a:spcPct val="100000"/>
+              </a:lnSpc>
+            </a:pPr>
+            <a:endParaRPr b="0" lang="en-GB" sz="3600" spc="-1" strike="noStrike">
+              <a:latin typeface="Arial"/>
+            </a:endParaRPr>
+          </a:p>
+          <a:p>
+            <a:pPr marL="444600" indent="-443880">
               <a:lnSpc>
                 <a:spcPct val="100000"/>
               </a:lnSpc>
@@ -4030,43 +3670,22 @@
               <a:buFont typeface="Helvetica Neue Light"/>
               <a:buChar char="•"/>
             </a:pPr>
+            <a:r>
+              <a:rPr b="0" lang="en-GB" sz="3600" spc="-1" strike="noStrike">
+                <a:solidFill>
+                  <a:srgbClr val="000000"/>
+                </a:solidFill>
+                <a:latin typeface="Helvetica Neue Light"/>
+                <a:ea typeface="Helvetica Neue Light"/>
+              </a:rPr>
+              <a:t>If you are using Chrome, it is possible that an error message appears when you load Remix – you can ignore it and then compile your smart contracts as usual, or use Mozilla Firefox instead</a:t>
+            </a:r>
             <a:endParaRPr b="0" lang="en-GB" sz="3600" spc="-1" strike="noStrike">
-              <a:solidFill>
-                <a:srgbClr val="000000"/>
-              </a:solidFill>
-              <a:latin typeface="Arial"/>
-            </a:endParaRPr>
-          </a:p>
-          <a:p>
-            <a:pPr marL="444600" indent="-444240">
-              <a:lnSpc>
-                <a:spcPct val="100000"/>
-              </a:lnSpc>
-              <a:buClr>
-                <a:srgbClr val="000000"/>
-              </a:buClr>
-              <a:buFont typeface="Helvetica Neue Light"/>
-              <a:buChar char="•"/>
-            </a:pPr>
-            <a:r>
-              <a:rPr b="0" lang="en-GB" sz="3600" spc="-1" strike="noStrike">
-                <a:solidFill>
-                  <a:srgbClr val="000000"/>
-                </a:solidFill>
-                <a:latin typeface="Helvetica Neue Light"/>
-                <a:ea typeface="Helvetica Neue Light"/>
-              </a:rPr>
-              <a:t>(If you are using Chrome, it is possible that an error message appears when you load Remix – you can ignore it and then compile your smart contracts as usual, or use Mozilla Firefox instead</a:t>
-            </a:r>
-            <a:endParaRPr b="0" lang="en-GB" sz="3600" spc="-1" strike="noStrike">
-              <a:solidFill>
-                <a:srgbClr val="000000"/>
-              </a:solidFill>
-              <a:latin typeface="Arial"/>
-            </a:endParaRPr>
-          </a:p>
-          <a:p>
-            <a:pPr marL="444600" indent="-444240">
+              <a:latin typeface="Arial"/>
+            </a:endParaRPr>
+          </a:p>
+          <a:p>
+            <a:pPr marL="444600" indent="-443880">
               <a:lnSpc>
                 <a:spcPct val="100000"/>
               </a:lnSpc>
@@ -4087,12 +3706,9 @@
                 <a:latin typeface="Helvetica Neue Light"/>
                 <a:ea typeface="Helvetica Neue Light"/>
               </a:rPr>
-              <a:t>Also, you can interact with your deployed contract using Remix.  </a:t>
+              <a:t>After you deploy your contract, you can interact with it using Remix</a:t>
             </a:r>
             <a:endParaRPr b="0" lang="en-GB" sz="3600" spc="-1" strike="noStrike">
-              <a:solidFill>
-                <a:srgbClr val="000000"/>
-              </a:solidFill>
               <a:latin typeface="Arial"/>
             </a:endParaRPr>
           </a:p>
@@ -4103,10 +3719,10 @@
   <p:timing>
     <p:tnLst>
       <p:par>
-        <p:cTn id="19" dur="indefinite" restart="never" nodeType="tmRoot">
+        <p:cTn id="3" dur="indefinite" restart="never" nodeType="tmRoot">
           <p:childTnLst>
             <p:seq>
-              <p:cTn id="20" dur="indefinite" nodeType="mainSeq"/>
+              <p:cTn id="4" dur="indefinite" nodeType="mainSeq"/>
               <p:prevCondLst>
                 <p:cond delay="0" evt="onPrev">
                   <p:tgtEl>
@@ -4147,92 +3763,20 @@
           <a:chExt cx="0" cy="0"/>
         </a:xfrm>
       </p:grpSpPr>
-      <p:sp>
-        <p:nvSpPr>
-          <p:cNvPr id="106" name="TextShape 1"/>
-          <p:cNvSpPr txBox="1"/>
-          <p:nvPr/>
-        </p:nvSpPr>
-        <p:spPr>
-          <a:xfrm>
-            <a:off x="952560" y="2338920"/>
-            <a:ext cx="11099520" cy="6286320"/>
-          </a:xfrm>
-          <a:prstGeom prst="rect">
-            <a:avLst/>
-          </a:prstGeom>
-          <a:noFill/>
-          <a:ln>
-            <a:noFill/>
-          </a:ln>
-        </p:spPr>
-        <p:txBody>
-          <a:bodyPr lIns="50760" rIns="50760" tIns="50760" bIns="50760" anchor="ctr"/>
-          <a:p>
-            <a:pPr marL="444600" indent="-444240">
-              <a:lnSpc>
-                <a:spcPct val="100000"/>
-              </a:lnSpc>
-              <a:buClr>
-                <a:srgbClr val="000000"/>
-              </a:buClr>
-              <a:buFont typeface="Helvetica Neue Light"/>
-              <a:buChar char="•"/>
-            </a:pPr>
-            <a:r>
-              <a:rPr b="0" lang="en-GB" sz="3600" spc="-1" strike="noStrike">
-                <a:solidFill>
-                  <a:srgbClr val="000000"/>
-                </a:solidFill>
-                <a:latin typeface="Helvetica Neue Light"/>
-                <a:ea typeface="Helvetica Neue Light"/>
-              </a:rPr>
-              <a:t>In the case where you want to run it online, you should set environment to: </a:t>
-            </a:r>
-            <a:r>
-              <a:rPr b="0" lang="en-GB" sz="3600" spc="-1" strike="noStrike">
-                <a:solidFill>
-                  <a:srgbClr val="942192"/>
-                </a:solidFill>
-                <a:latin typeface="Helvetica Neue Light"/>
-                <a:ea typeface="Helvetica Neue Light"/>
-              </a:rPr>
-              <a:t>JavaScript VM</a:t>
-            </a:r>
-            <a:r>
-              <a:rPr b="0" lang="en-GB" sz="3600" spc="-1" strike="noStrike">
-                <a:solidFill>
-                  <a:srgbClr val="000000"/>
-                </a:solidFill>
-                <a:latin typeface="Helvetica Neue Light"/>
-                <a:ea typeface="Helvetica Neue Light"/>
-              </a:rPr>
-              <a:t>.</a:t>
-            </a:r>
-            <a:endParaRPr b="0" lang="en-GB" sz="3600" spc="-1" strike="noStrike">
-              <a:solidFill>
-                <a:srgbClr val="000000"/>
-              </a:solidFill>
-              <a:latin typeface="Arial"/>
-            </a:endParaRPr>
-          </a:p>
-        </p:txBody>
-      </p:sp>
       <p:pic>
         <p:nvPicPr>
-          <p:cNvPr id="107" name="Google Shape;128;p24" descr=""/>
+          <p:cNvPr id="104" name="" descr=""/>
           <p:cNvPicPr/>
           <p:nvPr/>
         </p:nvPicPr>
         <p:blipFill>
           <a:blip r:embed="rId1"/>
-          <a:srcRect l="12329" t="0" r="0" b="27689"/>
           <a:stretch/>
         </p:blipFill>
         <p:spPr>
           <a:xfrm>
-            <a:off x="1810440" y="6350760"/>
-            <a:ext cx="9838440" cy="3254400"/>
+            <a:off x="1774440" y="6552000"/>
+            <a:ext cx="10105560" cy="3161880"/>
           </a:xfrm>
           <a:prstGeom prst="rect">
             <a:avLst/>
@@ -4244,14 +3788,14 @@
       </p:pic>
       <p:sp>
         <p:nvSpPr>
-          <p:cNvPr id="108" name="CustomShape 2"/>
+          <p:cNvPr id="105" name="CustomShape 1"/>
           <p:cNvSpPr/>
           <p:nvPr/>
         </p:nvSpPr>
         <p:spPr>
           <a:xfrm>
-            <a:off x="212040" y="2835360"/>
-            <a:ext cx="12580200" cy="2273040"/>
+            <a:off x="952560" y="2338920"/>
+            <a:ext cx="11099160" cy="6285960"/>
           </a:xfrm>
           <a:prstGeom prst="rect">
             <a:avLst/>
@@ -4270,7 +3814,7 @@
         <p:txBody>
           <a:bodyPr lIns="50760" rIns="50760" tIns="50760" bIns="50760" anchor="ctr"/>
           <a:p>
-            <a:pPr marL="444600" indent="-444240">
+            <a:pPr marL="444600" indent="-443880">
               <a:lnSpc>
                 <a:spcPct val="100000"/>
               </a:lnSpc>
@@ -4282,33 +3826,10 @@
             </a:pPr>
             <a:r>
               <a:rPr b="0" lang="en-GB" sz="3600" spc="-1" strike="noStrike">
-                <a:solidFill>
-                  <a:srgbClr val="000000"/>
-                </a:solidFill>
-                <a:latin typeface="Helvetica Neue Light"/>
-                <a:ea typeface="Helvetica Neue Light"/>
-              </a:rPr>
-              <a:t>Before you deploy your smart contract to the</a:t>
-            </a:r>
-            <a:r>
-              <a:rPr b="0" lang="en-GB" sz="3600" spc="-1" strike="noStrike">
-                <a:solidFill>
-                  <a:srgbClr val="942192"/>
-                </a:solidFill>
-                <a:latin typeface="Helvetica Neue Light"/>
-                <a:ea typeface="Helvetica Neue Light"/>
-              </a:rPr>
-              <a:t> private chain</a:t>
-            </a:r>
-            <a:r>
-              <a:rPr b="0" lang="en-GB" sz="3600" spc="-1" strike="noStrike">
-                <a:solidFill>
-                  <a:srgbClr val="000000"/>
-                </a:solidFill>
-                <a:latin typeface="Helvetica Neue Light"/>
-                <a:ea typeface="Helvetica Neue Light"/>
-              </a:rPr>
-              <a:t>, run and debug it online. </a:t>
+                <a:latin typeface="Helvetica Neue Light"/>
+                <a:ea typeface="Helvetica Neue Light"/>
+              </a:rPr>
+              <a:t>In Remix you can choose the development environment</a:t>
             </a:r>
             <a:endParaRPr b="0" lang="en-GB" sz="3600" spc="-1" strike="noStrike">
               <a:latin typeface="Arial"/>
@@ -4318,14 +3839,88 @@
       </p:sp>
       <p:sp>
         <p:nvSpPr>
-          <p:cNvPr id="109" name="CustomShape 3"/>
+          <p:cNvPr id="106" name="CustomShape 2"/>
           <p:cNvSpPr/>
           <p:nvPr/>
         </p:nvSpPr>
         <p:spPr>
           <a:xfrm>
-            <a:off x="8048880" y="6120360"/>
-            <a:ext cx="869040" cy="1350000"/>
+            <a:off x="212040" y="2835360"/>
+            <a:ext cx="12579840" cy="2272680"/>
+          </a:xfrm>
+          <a:prstGeom prst="rect">
+            <a:avLst/>
+          </a:prstGeom>
+          <a:noFill/>
+          <a:ln>
+            <a:noFill/>
+          </a:ln>
+        </p:spPr>
+        <p:style>
+          <a:lnRef idx="0"/>
+          <a:fillRef idx="0"/>
+          <a:effectRef idx="0"/>
+          <a:fontRef idx="minor"/>
+        </p:style>
+        <p:txBody>
+          <a:bodyPr lIns="50760" rIns="50760" tIns="50760" bIns="50760" anchor="ctr"/>
+          <a:p>
+            <a:pPr marL="444600" indent="-443880">
+              <a:lnSpc>
+                <a:spcPct val="100000"/>
+              </a:lnSpc>
+              <a:buClr>
+                <a:srgbClr val="000000"/>
+              </a:buClr>
+              <a:buFont typeface="Helvetica Neue Light"/>
+              <a:buChar char="•"/>
+            </a:pPr>
+            <a:r>
+              <a:rPr b="0" lang="en-GB" sz="3600" spc="-1" strike="noStrike">
+                <a:solidFill>
+                  <a:srgbClr val="000000"/>
+                </a:solidFill>
+                <a:latin typeface="Helvetica Neue Light"/>
+                <a:ea typeface="Helvetica Neue Light"/>
+              </a:rPr>
+              <a:t>Before you deploy your smart contract to the</a:t>
+            </a:r>
+            <a:r>
+              <a:rPr b="0" lang="en-GB" sz="3600" spc="-1" strike="noStrike">
+                <a:solidFill>
+                  <a:srgbClr val="942192"/>
+                </a:solidFill>
+                <a:latin typeface="Helvetica Neue Light"/>
+                <a:ea typeface="Helvetica Neue Light"/>
+              </a:rPr>
+              <a:t> private chain</a:t>
+            </a:r>
+            <a:r>
+              <a:rPr b="0" lang="en-GB" sz="3600" spc="-1" strike="noStrike">
+                <a:solidFill>
+                  <a:srgbClr val="000000"/>
+                </a:solidFill>
+                <a:latin typeface="Helvetica Neue Light"/>
+                <a:ea typeface="Helvetica Neue Light"/>
+              </a:rPr>
+              <a:t>, run and debug it online. </a:t>
+            </a:r>
+            <a:endParaRPr b="0" lang="en-GB" sz="3600" spc="-1" strike="noStrike">
+              <a:latin typeface="Arial"/>
+            </a:endParaRPr>
+          </a:p>
+        </p:txBody>
+      </p:sp>
+      <p:sp>
+        <p:nvSpPr>
+          <p:cNvPr id="107" name="CustomShape 3"/>
+          <p:cNvSpPr/>
+          <p:nvPr/>
+        </p:nvSpPr>
+        <p:spPr>
+          <a:xfrm>
+            <a:off x="7987320" y="5778360"/>
+            <a:ext cx="868680" cy="1349640"/>
           </a:xfrm>
           <a:custGeom>
             <a:avLst/>
@@ -4361,14 +3956,14 @@
       </p:sp>
       <p:sp>
         <p:nvSpPr>
-          <p:cNvPr id="110" name="TextShape 4"/>
-          <p:cNvSpPr txBox="1"/>
+          <p:cNvPr id="108" name="CustomShape 4"/>
+          <p:cNvSpPr/>
           <p:nvPr/>
         </p:nvSpPr>
         <p:spPr>
           <a:xfrm>
             <a:off x="952560" y="444600"/>
-            <a:ext cx="11099520" cy="2158560"/>
+            <a:ext cx="11099160" cy="2158200"/>
           </a:xfrm>
           <a:prstGeom prst="rect">
             <a:avLst/>
@@ -4378,6 +3973,12 @@
             <a:noFill/>
           </a:ln>
         </p:spPr>
+        <p:style>
+          <a:lnRef idx="0"/>
+          <a:fillRef idx="0"/>
+          <a:effectRef idx="0"/>
+          <a:fontRef idx="minor"/>
+        </p:style>
         <p:txBody>
           <a:bodyPr lIns="50760" rIns="50760" tIns="50760" bIns="50760" anchor="ctr"/>
           <a:p>
@@ -4419,9 +4020,6 @@
               <a:t>Online Solidity Compiler </a:t>
             </a:r>
             <a:endParaRPr b="0" lang="en-GB" sz="4560" spc="-1" strike="noStrike">
-              <a:solidFill>
-                <a:srgbClr val="000000"/>
-              </a:solidFill>
               <a:latin typeface="Arial"/>
             </a:endParaRPr>
           </a:p>
@@ -4432,10 +4030,10 @@
   <p:timing>
     <p:tnLst>
       <p:par>
-        <p:cTn id="21" dur="indefinite" restart="never" nodeType="tmRoot">
+        <p:cTn id="5" dur="indefinite" restart="never" nodeType="tmRoot">
           <p:childTnLst>
             <p:seq>
-              <p:cTn id="22" dur="indefinite" nodeType="mainSeq"/>
+              <p:cTn id="6" dur="indefinite" nodeType="mainSeq"/>
               <p:prevCondLst>
                 <p:cond delay="0" evt="onPrev">
                   <p:tgtEl>
@@ -4476,40 +4074,16 @@
           <a:chExt cx="0" cy="0"/>
         </a:xfrm>
       </p:grpSpPr>
-      <p:pic>
-        <p:nvPicPr>
-          <p:cNvPr id="111" name="Google Shape;136;p25" descr=""/>
-          <p:cNvPicPr/>
-          <p:nvPr/>
-        </p:nvPicPr>
-        <p:blipFill>
-          <a:blip r:embed="rId1"/>
-          <a:srcRect l="12329" t="0" r="0" b="27689"/>
-          <a:stretch/>
-        </p:blipFill>
-        <p:spPr>
-          <a:xfrm>
-            <a:off x="1351800" y="6073920"/>
-            <a:ext cx="9838440" cy="3254400"/>
-          </a:xfrm>
-          <a:prstGeom prst="rect">
-            <a:avLst/>
-          </a:prstGeom>
-          <a:ln>
-            <a:noFill/>
-          </a:ln>
-        </p:spPr>
-      </p:pic>
-      <p:sp>
-        <p:nvSpPr>
-          <p:cNvPr id="112" name="CustomShape 1"/>
+      <p:sp>
+        <p:nvSpPr>
+          <p:cNvPr id="109" name="CustomShape 1"/>
           <p:cNvSpPr/>
           <p:nvPr/>
         </p:nvSpPr>
         <p:spPr>
           <a:xfrm>
-            <a:off x="212040" y="2632320"/>
-            <a:ext cx="12580200" cy="3898440"/>
+            <a:off x="144000" y="2835360"/>
+            <a:ext cx="12647880" cy="6668640"/>
           </a:xfrm>
           <a:prstGeom prst="rect">
             <a:avLst/>
@@ -4528,7 +4102,7 @@
         <p:txBody>
           <a:bodyPr lIns="50760" rIns="50760" tIns="50760" bIns="50760" anchor="ctr"/>
           <a:p>
-            <a:pPr marL="444600" indent="-444240">
+            <a:pPr marL="444600" indent="-443880">
               <a:lnSpc>
                 <a:spcPct val="100000"/>
               </a:lnSpc>
@@ -4539,49 +4113,30 @@
               <a:buChar char="•"/>
             </a:pPr>
             <a:r>
-              <a:rPr b="0" lang="en-GB" sz="3600" spc="-1" strike="noStrike">
-                <a:solidFill>
-                  <a:srgbClr val="000000"/>
-                </a:solidFill>
-                <a:latin typeface="Helvetica Neue Light"/>
-                <a:ea typeface="Helvetica Neue Light"/>
-              </a:rPr>
-              <a:t>To compile your smart contract, click on </a:t>
-            </a:r>
-            <a:r>
-              <a:rPr b="0" lang="en-GB" sz="3600" spc="-1" strike="noStrike">
-                <a:solidFill>
-                  <a:srgbClr val="942192"/>
-                </a:solidFill>
-                <a:latin typeface="Helvetica Neue Light"/>
-                <a:ea typeface="Helvetica Neue Light"/>
-              </a:rPr>
-              <a:t>Create</a:t>
-            </a:r>
-            <a:r>
-              <a:rPr b="0" lang="en-GB" sz="3600" spc="-1" strike="noStrike">
-                <a:solidFill>
-                  <a:srgbClr val="000000"/>
-                </a:solidFill>
-                <a:latin typeface="Helvetica Neue Light"/>
-                <a:ea typeface="Helvetica Neue Light"/>
-              </a:rPr>
-              <a:t> button. </a:t>
+              <a:rPr b="1" lang="en-GB" sz="3600" spc="-1" strike="noStrike">
+                <a:solidFill>
+                  <a:srgbClr val="000000"/>
+                </a:solidFill>
+                <a:latin typeface="Helvetica Neue Light"/>
+                <a:ea typeface="Helvetica Neue Light"/>
+              </a:rPr>
+              <a:t>Javascript VM</a:t>
             </a:r>
             <a:endParaRPr b="0" lang="en-GB" sz="3600" spc="-1" strike="noStrike">
               <a:latin typeface="Arial"/>
             </a:endParaRPr>
           </a:p>
           <a:p>
-            <a:pPr marL="444600" indent="-444240">
+            <a:pPr lvl="3" marL="864000" indent="-216000">
               <a:lnSpc>
                 <a:spcPct val="100000"/>
               </a:lnSpc>
               <a:buClr>
                 <a:srgbClr val="000000"/>
               </a:buClr>
-              <a:buFont typeface="Helvetica Neue Light"/>
-              <a:buChar char="•"/>
+              <a:buSzPct val="45000"/>
+              <a:buFont typeface="Wingdings" charset="2"/>
+              <a:buChar char=""/>
             </a:pPr>
             <a:r>
               <a:rPr b="0" lang="en-GB" sz="3600" spc="-1" strike="noStrike">
@@ -4591,48 +4146,151 @@
                 <a:latin typeface="Helvetica Neue Light"/>
                 <a:ea typeface="Helvetica Neue Light"/>
               </a:rPr>
-              <a:t>After compiling the contract, remix creates a user interface for the functions you defined in the contract and you can pass parameters to it. </a:t>
+              <a:t>This is a </a:t>
+            </a:r>
+            <a:r>
+              <a:rPr b="0" lang="en-GB" sz="3600" spc="-1" strike="noStrike" u="sng">
+                <a:solidFill>
+                  <a:srgbClr val="000000"/>
+                </a:solidFill>
+                <a:uFillTx/>
+                <a:latin typeface="Helvetica Neue Light"/>
+                <a:ea typeface="Helvetica Neue Light"/>
+              </a:rPr>
+              <a:t>testing</a:t>
+            </a:r>
+            <a:r>
+              <a:rPr b="0" lang="en-GB" sz="3600" spc="-1" strike="noStrike">
+                <a:solidFill>
+                  <a:srgbClr val="000000"/>
+                </a:solidFill>
+                <a:latin typeface="Helvetica Neue Light"/>
+                <a:ea typeface="Helvetica Neue Light"/>
+              </a:rPr>
+              <a:t> environment</a:t>
             </a:r>
             <a:endParaRPr b="0" lang="en-GB" sz="3600" spc="-1" strike="noStrike">
               <a:latin typeface="Arial"/>
             </a:endParaRPr>
           </a:p>
-        </p:txBody>
-      </p:sp>
-      <p:sp>
-        <p:nvSpPr>
-          <p:cNvPr id="113" name="CustomShape 2"/>
+          <a:p>
+            <a:pPr lvl="3" marL="864000" indent="-216000">
+              <a:lnSpc>
+                <a:spcPct val="100000"/>
+              </a:lnSpc>
+              <a:buClr>
+                <a:srgbClr val="000000"/>
+              </a:buClr>
+              <a:buSzPct val="45000"/>
+              <a:buFont typeface="Wingdings" charset="2"/>
+              <a:buChar char=""/>
+            </a:pPr>
+            <a:r>
+              <a:rPr b="0" lang="en-GB" sz="3600" spc="-1" strike="noStrike">
+                <a:solidFill>
+                  <a:srgbClr val="000000"/>
+                </a:solidFill>
+                <a:latin typeface="Helvetica Neue Light"/>
+                <a:ea typeface="Helvetica Neue Light"/>
+              </a:rPr>
+              <a:t>It is a local environment that lives on your browser’s tab</a:t>
+            </a:r>
+            <a:endParaRPr b="0" lang="en-GB" sz="3600" spc="-1" strike="noStrike">
+              <a:latin typeface="Arial"/>
+            </a:endParaRPr>
+          </a:p>
+          <a:p>
+            <a:pPr lvl="3" marL="864000" indent="-216000">
+              <a:lnSpc>
+                <a:spcPct val="100000"/>
+              </a:lnSpc>
+              <a:buClr>
+                <a:srgbClr val="000000"/>
+              </a:buClr>
+              <a:buSzPct val="45000"/>
+              <a:buFont typeface="Wingdings" charset="2"/>
+              <a:buChar char=""/>
+            </a:pPr>
+            <a:r>
+              <a:rPr b="0" lang="en-GB" sz="3600" spc="-1" strike="noStrike">
+                <a:solidFill>
+                  <a:srgbClr val="000000"/>
+                </a:solidFill>
+                <a:latin typeface="Helvetica Neue Light"/>
+                <a:ea typeface="Helvetica Neue Light"/>
+              </a:rPr>
+              <a:t>Whatever you do in this environment </a:t>
+            </a:r>
+            <a:r>
+              <a:rPr b="0" lang="en-GB" sz="3600" spc="-1" strike="noStrike" u="sng">
+                <a:solidFill>
+                  <a:srgbClr val="000000"/>
+                </a:solidFill>
+                <a:uFillTx/>
+                <a:latin typeface="Helvetica Neue Light"/>
+                <a:ea typeface="Helvetica Neue Light"/>
+              </a:rPr>
+              <a:t>does not</a:t>
+            </a:r>
+            <a:r>
+              <a:rPr b="0" lang="en-GB" sz="3600" spc="-1" strike="noStrike">
+                <a:solidFill>
+                  <a:srgbClr val="000000"/>
+                </a:solidFill>
+                <a:latin typeface="Helvetica Neue Light"/>
+                <a:ea typeface="Helvetica Neue Light"/>
+              </a:rPr>
+              <a:t> affect your funds, i.e. it does not have access to your wallet</a:t>
+            </a:r>
+            <a:endParaRPr b="0" lang="en-GB" sz="3600" spc="-1" strike="noStrike">
+              <a:latin typeface="Arial"/>
+            </a:endParaRPr>
+          </a:p>
+          <a:p>
+            <a:pPr lvl="3" marL="864000" indent="-216000">
+              <a:lnSpc>
+                <a:spcPct val="100000"/>
+              </a:lnSpc>
+              <a:buClr>
+                <a:srgbClr val="000000"/>
+              </a:buClr>
+              <a:buSzPct val="45000"/>
+              <a:buFont typeface="Wingdings" charset="2"/>
+              <a:buChar char=""/>
+            </a:pPr>
+            <a:r>
+              <a:rPr b="0" lang="en-GB" sz="3600" spc="-1" strike="noStrike">
+                <a:solidFill>
+                  <a:srgbClr val="000000"/>
+                </a:solidFill>
+                <a:latin typeface="Helvetica Neue Light"/>
+                <a:ea typeface="Helvetica Neue Light"/>
+              </a:rPr>
+              <a:t>When you close the browser it is deleted and when you open it again it is created fresh, so every time you use this environment you need to re-deploy your contracts</a:t>
+            </a:r>
+            <a:endParaRPr b="0" lang="en-GB" sz="3600" spc="-1" strike="noStrike">
+              <a:latin typeface="Arial"/>
+            </a:endParaRPr>
+          </a:p>
+        </p:txBody>
+      </p:sp>
+      <p:sp>
+        <p:nvSpPr>
+          <p:cNvPr id="110" name="CustomShape 2"/>
           <p:cNvSpPr/>
           <p:nvPr/>
         </p:nvSpPr>
         <p:spPr>
-          <a:xfrm flipH="1">
-            <a:off x="7957800" y="4284000"/>
-            <a:ext cx="1091520" cy="4612320"/>
-          </a:xfrm>
-          <a:custGeom>
-            <a:avLst/>
-            <a:gdLst/>
-            <a:ahLst/>
-            <a:rect l="l" t="t" r="r" b="b"/>
-            <a:pathLst>
-              <a:path w="21600" h="21600">
-                <a:moveTo>
-                  <a:pt x="0" y="0"/>
-                </a:moveTo>
-                <a:lnTo>
-                  <a:pt x="21600" y="21600"/>
-                </a:lnTo>
-              </a:path>
-            </a:pathLst>
-          </a:custGeom>
+          <a:xfrm>
+            <a:off x="952560" y="444600"/>
+            <a:ext cx="11099160" cy="2158200"/>
+          </a:xfrm>
+          <a:prstGeom prst="rect">
+            <a:avLst/>
+          </a:prstGeom>
           <a:noFill/>
-          <a:ln w="25560">
-            <a:solidFill>
-              <a:srgbClr val="000000"/>
-            </a:solidFill>
-            <a:miter/>
-            <a:tailEnd len="med" type="triangle" w="med"/>
+          <a:ln>
+            <a:noFill/>
           </a:ln>
         </p:spPr>
         <p:style>
@@ -4641,26 +4299,6 @@
           <a:effectRef idx="0"/>
           <a:fontRef idx="minor"/>
         </p:style>
-      </p:sp>
-      <p:sp>
-        <p:nvSpPr>
-          <p:cNvPr id="114" name="TextShape 3"/>
-          <p:cNvSpPr txBox="1"/>
-          <p:nvPr/>
-        </p:nvSpPr>
-        <p:spPr>
-          <a:xfrm>
-            <a:off x="952560" y="444600"/>
-            <a:ext cx="11099520" cy="2158560"/>
-          </a:xfrm>
-          <a:prstGeom prst="rect">
-            <a:avLst/>
-          </a:prstGeom>
-          <a:noFill/>
-          <a:ln>
-            <a:noFill/>
-          </a:ln>
-        </p:spPr>
         <p:txBody>
           <a:bodyPr lIns="50760" rIns="50760" tIns="50760" bIns="50760" anchor="ctr"/>
           <a:p>
@@ -4688,7 +4326,7 @@
                 <a:latin typeface="Helvetica Neue Light"/>
                 <a:ea typeface="Helvetica Neue Light"/>
               </a:rPr>
-              <a:t>Getting familiar with Remix Ethereum: </a:t>
+              <a:t>Getting familiar with Remix: </a:t>
             </a:r>
             <a:br/>
             <a:r>
@@ -4699,12 +4337,9 @@
                 <a:latin typeface="Helvetica Neue Light"/>
                 <a:ea typeface="Helvetica Neue Light"/>
               </a:rPr>
-              <a:t>Online Solidity Compiler </a:t>
+              <a:t>Javascript VM environment</a:t>
             </a:r>
             <a:endParaRPr b="0" lang="en-GB" sz="4560" spc="-1" strike="noStrike">
-              <a:solidFill>
-                <a:srgbClr val="000000"/>
-              </a:solidFill>
               <a:latin typeface="Arial"/>
             </a:endParaRPr>
           </a:p>
@@ -4715,10 +4350,10 @@
   <p:timing>
     <p:tnLst>
       <p:par>
-        <p:cTn id="23" dur="indefinite" restart="never" nodeType="tmRoot">
+        <p:cTn id="7" dur="indefinite" restart="never" nodeType="tmRoot">
           <p:childTnLst>
             <p:seq>
-              <p:cTn id="24" dur="indefinite" nodeType="mainSeq"/>
+              <p:cTn id="8" dur="indefinite" nodeType="mainSeq"/>
               <p:prevCondLst>
                 <p:cond delay="0" evt="onPrev">
                   <p:tgtEl>
@@ -4761,82 +4396,14 @@
       </p:grpSpPr>
       <p:sp>
         <p:nvSpPr>
-          <p:cNvPr id="115" name="TextShape 1"/>
-          <p:cNvSpPr txBox="1"/>
-          <p:nvPr/>
-        </p:nvSpPr>
-        <p:spPr>
-          <a:xfrm>
-            <a:off x="952560" y="444600"/>
-            <a:ext cx="11099520" cy="2158560"/>
-          </a:xfrm>
-          <a:prstGeom prst="rect">
-            <a:avLst/>
-          </a:prstGeom>
-          <a:noFill/>
-          <a:ln>
-            <a:noFill/>
-          </a:ln>
-        </p:spPr>
-        <p:txBody>
-          <a:bodyPr lIns="50760" rIns="50760" tIns="50760" bIns="50760" anchor="ctr"/>
-          <a:p>
-            <a:pPr algn="ctr">
-              <a:lnSpc>
-                <a:spcPct val="100000"/>
-              </a:lnSpc>
-            </a:pPr>
-            <a:r>
-              <a:rPr b="0" lang="en-GB" sz="4200" spc="-1" strike="noStrike">
-                <a:solidFill>
-                  <a:srgbClr val="000000"/>
-                </a:solidFill>
-                <a:latin typeface="Helvetica Neue Light"/>
-                <a:ea typeface="Helvetica Neue Light"/>
-              </a:rPr>
-              <a:t>Step 4.1:</a:t>
-            </a:r>
-            <a:br/>
-            <a:r>
-              <a:rPr b="0" lang="en-GB" sz="4200" spc="-1" strike="noStrike">
-                <a:solidFill>
-                  <a:srgbClr val="000000"/>
-                </a:solidFill>
-                <a:latin typeface="Helvetica Neue Light"/>
-                <a:ea typeface="Helvetica Neue Light"/>
-              </a:rPr>
-              <a:t>Deploying Smart Contract to the Private Chain</a:t>
-            </a:r>
-            <a:br/>
-            <a:r>
-              <a:rPr b="0" lang="en-GB" sz="2800" spc="-1" strike="noStrike">
-                <a:solidFill>
-                  <a:srgbClr val="000000"/>
-                </a:solidFill>
-                <a:latin typeface="Helvetica Neue Light"/>
-                <a:ea typeface="Helvetica Neue Light"/>
-              </a:rPr>
-              <a:t>Configurations</a:t>
-            </a:r>
-            <a:endParaRPr b="0" lang="en-GB" sz="2800" spc="-1" strike="noStrike">
-              <a:solidFill>
-                <a:srgbClr val="000000"/>
-              </a:solidFill>
-              <a:latin typeface="Arial"/>
-            </a:endParaRPr>
-          </a:p>
-        </p:txBody>
-      </p:sp>
-      <p:sp>
-        <p:nvSpPr>
-          <p:cNvPr id="116" name="CustomShape 2"/>
+          <p:cNvPr id="111" name="CustomShape 1"/>
           <p:cNvSpPr/>
           <p:nvPr/>
         </p:nvSpPr>
         <p:spPr>
           <a:xfrm>
-            <a:off x="212040" y="2793600"/>
-            <a:ext cx="12741120" cy="3352320"/>
+            <a:off x="96120" y="3384000"/>
+            <a:ext cx="12647880" cy="5012640"/>
           </a:xfrm>
           <a:prstGeom prst="rect">
             <a:avLst/>
@@ -4855,7 +4422,7 @@
         <p:txBody>
           <a:bodyPr lIns="50760" rIns="50760" tIns="50760" bIns="50760" anchor="ctr"/>
           <a:p>
-            <a:pPr marL="444600" indent="-444240">
+            <a:pPr marL="444600" indent="-443880">
               <a:lnSpc>
                 <a:spcPct val="100000"/>
               </a:lnSpc>
@@ -4866,29 +4433,30 @@
               <a:buChar char="•"/>
             </a:pPr>
             <a:r>
-              <a:rPr b="0" lang="en-GB" sz="3600" spc="-1" strike="noStrike">
-                <a:solidFill>
-                  <a:srgbClr val="000000"/>
-                </a:solidFill>
-                <a:latin typeface="Helvetica Neue Light"/>
-                <a:ea typeface="Helvetica Neue Light"/>
-              </a:rPr>
-              <a:t>First, you need to connect Metamask to the blockchain, as we described in the earlier slides. </a:t>
+              <a:rPr b="1" lang="en-GB" sz="3600" spc="-1" strike="noStrike">
+                <a:solidFill>
+                  <a:srgbClr val="000000"/>
+                </a:solidFill>
+                <a:latin typeface="Helvetica Neue Light"/>
+                <a:ea typeface="Helvetica Neue Light"/>
+              </a:rPr>
+              <a:t>Injected Web3</a:t>
             </a:r>
             <a:endParaRPr b="0" lang="en-GB" sz="3600" spc="-1" strike="noStrike">
               <a:latin typeface="Arial"/>
             </a:endParaRPr>
           </a:p>
           <a:p>
-            <a:pPr marL="444600" indent="-444240">
+            <a:pPr lvl="3" marL="864000" indent="-216000">
               <a:lnSpc>
                 <a:spcPct val="100000"/>
               </a:lnSpc>
               <a:buClr>
                 <a:srgbClr val="000000"/>
               </a:buClr>
-              <a:buFont typeface="Helvetica Neue Light"/>
-              <a:buChar char="•"/>
+              <a:buSzPct val="45000"/>
+              <a:buFont typeface="Wingdings" charset="2"/>
+              <a:buChar char=""/>
             </a:pPr>
             <a:r>
               <a:rPr b="0" lang="en-GB" sz="3600" spc="-1" strike="noStrike">
@@ -4898,17 +4466,44 @@
                 <a:latin typeface="Helvetica Neue Light"/>
                 <a:ea typeface="Helvetica Neue Light"/>
               </a:rPr>
-              <a:t>In remix, set the environment to: </a:t>
-            </a:r>
+              <a:t>This environment has access to your Metamask</a:t>
+            </a:r>
+            <a:endParaRPr b="0" lang="en-GB" sz="3600" spc="-1" strike="noStrike">
+              <a:latin typeface="Arial"/>
+            </a:endParaRPr>
+          </a:p>
+          <a:p>
+            <a:pPr lvl="3" marL="864000" indent="-216000">
+              <a:lnSpc>
+                <a:spcPct val="100000"/>
+              </a:lnSpc>
+              <a:buClr>
+                <a:srgbClr val="000000"/>
+              </a:buClr>
+              <a:buSzPct val="45000"/>
+              <a:buFont typeface="Wingdings" charset="2"/>
+              <a:buChar char=""/>
+            </a:pPr>
             <a:r>
               <a:rPr b="0" lang="en-GB" sz="3600" spc="-1" strike="noStrike">
                 <a:solidFill>
-                  <a:srgbClr val="942192"/>
-                </a:solidFill>
-                <a:latin typeface="Helvetica Neue Light"/>
-                <a:ea typeface="Helvetica Neue Light"/>
-              </a:rPr>
-              <a:t>Injected Web3</a:t>
+                  <a:srgbClr val="000000"/>
+                </a:solidFill>
+                <a:latin typeface="Helvetica Neue Light"/>
+                <a:ea typeface="Helvetica Neue Light"/>
+              </a:rPr>
+              <a:t>It </a:t>
+            </a:r>
+            <a:r>
+              <a:rPr b="0" lang="en-GB" sz="3600" spc="-1" strike="noStrike" u="sng">
+                <a:solidFill>
+                  <a:srgbClr val="000000"/>
+                </a:solidFill>
+                <a:uFillTx/>
+                <a:latin typeface="Helvetica Neue Light"/>
+                <a:ea typeface="Helvetica Neue Light"/>
+              </a:rPr>
+              <a:t>connects to the network</a:t>
             </a:r>
             <a:r>
               <a:rPr b="0" lang="en-GB" sz="3600" spc="-1" strike="noStrike">
@@ -4918,72 +4513,78 @@
                 <a:latin typeface="Helvetica Neue Light"/>
                 <a:ea typeface="Helvetica Neue Light"/>
               </a:rPr>
-              <a:t>. </a:t>
+              <a:t> to which Metamask is connected and </a:t>
+            </a:r>
+            <a:r>
+              <a:rPr b="0" lang="en-GB" sz="3600" spc="-1" strike="noStrike" u="sng">
+                <a:solidFill>
+                  <a:srgbClr val="000000"/>
+                </a:solidFill>
+                <a:uFillTx/>
+                <a:latin typeface="Helvetica Neue Light"/>
+                <a:ea typeface="Helvetica Neue Light"/>
+              </a:rPr>
+              <a:t>uses the funds</a:t>
+            </a:r>
+            <a:r>
+              <a:rPr b="0" lang="en-GB" sz="3600" spc="-1" strike="noStrike">
+                <a:solidFill>
+                  <a:srgbClr val="000000"/>
+                </a:solidFill>
+                <a:latin typeface="Helvetica Neue Light"/>
+                <a:ea typeface="Helvetica Neue Light"/>
+              </a:rPr>
+              <a:t> of your wallet</a:t>
             </a:r>
             <a:endParaRPr b="0" lang="en-GB" sz="3600" spc="-1" strike="noStrike">
               <a:latin typeface="Arial"/>
             </a:endParaRPr>
           </a:p>
-        </p:txBody>
-      </p:sp>
-      <p:pic>
-        <p:nvPicPr>
-          <p:cNvPr id="117" name="Google Shape;146;p26" descr=""/>
-          <p:cNvPicPr/>
+          <a:p>
+            <a:pPr lvl="3" marL="864000" indent="-216000">
+              <a:lnSpc>
+                <a:spcPct val="100000"/>
+              </a:lnSpc>
+              <a:buClr>
+                <a:srgbClr val="000000"/>
+              </a:buClr>
+              <a:buSzPct val="45000"/>
+              <a:buFont typeface="Wingdings" charset="2"/>
+              <a:buChar char=""/>
+            </a:pPr>
+            <a:r>
+              <a:rPr b="0" lang="en-GB" sz="3600" spc="-1" strike="noStrike">
+                <a:solidFill>
+                  <a:srgbClr val="000000"/>
+                </a:solidFill>
+                <a:latin typeface="Helvetica Neue Light"/>
+                <a:ea typeface="Helvetica Neue Light"/>
+              </a:rPr>
+              <a:t>Every time you try to use a contract, Metamask will request permission before completing the operation – this is because an actual transaction is posted and the actual funds in your wallet are used</a:t>
+            </a:r>
+            <a:endParaRPr b="0" lang="en-GB" sz="3600" spc="-1" strike="noStrike">
+              <a:latin typeface="Arial"/>
+            </a:endParaRPr>
+          </a:p>
+        </p:txBody>
+      </p:sp>
+      <p:sp>
+        <p:nvSpPr>
+          <p:cNvPr id="112" name="CustomShape 2"/>
+          <p:cNvSpPr/>
           <p:nvPr/>
-        </p:nvPicPr>
-        <p:blipFill>
-          <a:blip r:embed="rId1"/>
-          <a:srcRect l="8292" t="0" r="0" b="35201"/>
-          <a:stretch/>
-        </p:blipFill>
-        <p:spPr>
-          <a:xfrm>
-            <a:off x="131760" y="5659560"/>
-            <a:ext cx="11926080" cy="3850200"/>
-          </a:xfrm>
-          <a:prstGeom prst="rect">
-            <a:avLst/>
-          </a:prstGeom>
+        </p:nvSpPr>
+        <p:spPr>
+          <a:xfrm>
+            <a:off x="952560" y="444600"/>
+            <a:ext cx="11099160" cy="2158200"/>
+          </a:xfrm>
+          <a:prstGeom prst="rect">
+            <a:avLst/>
+          </a:prstGeom>
+          <a:noFill/>
           <a:ln>
             <a:noFill/>
-          </a:ln>
-        </p:spPr>
-      </p:pic>
-      <p:sp>
-        <p:nvSpPr>
-          <p:cNvPr id="118" name="CustomShape 3"/>
-          <p:cNvSpPr/>
-          <p:nvPr/>
-        </p:nvSpPr>
-        <p:spPr>
-          <a:xfrm>
-            <a:off x="8001000" y="5409360"/>
-            <a:ext cx="487800" cy="1635840"/>
-          </a:xfrm>
-          <a:custGeom>
-            <a:avLst/>
-            <a:gdLst/>
-            <a:ahLst/>
-            <a:rect l="l" t="t" r="r" b="b"/>
-            <a:pathLst>
-              <a:path w="21600" h="21600">
-                <a:moveTo>
-                  <a:pt x="0" y="0"/>
-                </a:moveTo>
-                <a:lnTo>
-                  <a:pt x="21600" y="21600"/>
-                </a:lnTo>
-              </a:path>
-            </a:pathLst>
-          </a:custGeom>
-          <a:noFill/>
-          <a:ln w="25560">
-            <a:solidFill>
-              <a:srgbClr val="000000"/>
-            </a:solidFill>
-            <a:miter/>
-            <a:tailEnd len="med" type="triangle" w="med"/>
           </a:ln>
         </p:spPr>
         <p:style>
@@ -4992,16 +4593,61 @@
           <a:effectRef idx="0"/>
           <a:fontRef idx="minor"/>
         </p:style>
+        <p:txBody>
+          <a:bodyPr lIns="50760" rIns="50760" tIns="50760" bIns="50760" anchor="ctr"/>
+          <a:p>
+            <a:pPr algn="ctr">
+              <a:lnSpc>
+                <a:spcPct val="100000"/>
+              </a:lnSpc>
+            </a:pPr>
+            <a:r>
+              <a:rPr b="0" lang="en-GB" sz="4560" spc="-1" strike="noStrike">
+                <a:solidFill>
+                  <a:srgbClr val="000000"/>
+                </a:solidFill>
+                <a:latin typeface="Helvetica Neue Light"/>
+                <a:ea typeface="Helvetica Neue Light"/>
+              </a:rPr>
+              <a:t>Step 3: </a:t>
+            </a:r>
+            <a:br/>
+            <a:r>
+              <a:rPr b="0" lang="en-GB" sz="4560" spc="-1" strike="noStrike">
+                <a:solidFill>
+                  <a:srgbClr val="000000"/>
+                </a:solidFill>
+                <a:latin typeface="Helvetica Neue Light"/>
+                <a:ea typeface="Helvetica Neue Light"/>
+              </a:rPr>
+              <a:t>Getting familiar with Remix: </a:t>
+            </a:r>
+            <a:br/>
+            <a:r>
+              <a:rPr b="0" lang="en-GB" sz="4560" spc="-1" strike="noStrike">
+                <a:solidFill>
+                  <a:srgbClr val="000000"/>
+                </a:solidFill>
+                <a:latin typeface="Helvetica Neue Light"/>
+                <a:ea typeface="Helvetica Neue Light"/>
+              </a:rPr>
+              <a:t>Injected Web3 environment</a:t>
+            </a:r>
+            <a:endParaRPr b="0" lang="en-GB" sz="4560" spc="-1" strike="noStrike">
+              <a:latin typeface="Arial"/>
+            </a:endParaRPr>
+          </a:p>
+        </p:txBody>
       </p:sp>
     </p:spTree>
   </p:cSld>
   <p:timing>
     <p:tnLst>
       <p:par>
-        <p:cTn id="25" dur="indefinite" restart="never" nodeType="tmRoot">
+        <p:cTn id="9" dur="indefinite" restart="never" nodeType="tmRoot">
           <p:childTnLst>
             <p:seq>
-              <p:cTn id="26" dur="indefinite" nodeType="mainSeq"/>
+              <p:cTn id="10" dur="indefinite" nodeType="mainSeq"/>
               <p:prevCondLst>
                 <p:cond delay="0" evt="onPrev">
                   <p:tgtEl>
@@ -5042,16 +4688,39 @@
           <a:chExt cx="0" cy="0"/>
         </a:xfrm>
       </p:grpSpPr>
-      <p:sp>
-        <p:nvSpPr>
-          <p:cNvPr id="119" name="CustomShape 1"/>
+      <p:pic>
+        <p:nvPicPr>
+          <p:cNvPr id="113" name="" descr=""/>
+          <p:cNvPicPr/>
+          <p:nvPr/>
+        </p:nvPicPr>
+        <p:blipFill>
+          <a:blip r:embed="rId1"/>
+          <a:stretch/>
+        </p:blipFill>
+        <p:spPr>
+          <a:xfrm>
+            <a:off x="1774800" y="6552360"/>
+            <a:ext cx="10105560" cy="3161880"/>
+          </a:xfrm>
+          <a:prstGeom prst="rect">
+            <a:avLst/>
+          </a:prstGeom>
+          <a:ln>
+            <a:noFill/>
+          </a:ln>
+        </p:spPr>
+      </p:pic>
+      <p:sp>
+        <p:nvSpPr>
+          <p:cNvPr id="114" name="CustomShape 1"/>
           <p:cNvSpPr/>
           <p:nvPr/>
         </p:nvSpPr>
         <p:spPr>
           <a:xfrm>
-            <a:off x="212040" y="2624040"/>
-            <a:ext cx="12741120" cy="3352320"/>
+            <a:off x="212040" y="2632320"/>
+            <a:ext cx="12579840" cy="3898080"/>
           </a:xfrm>
           <a:prstGeom prst="rect">
             <a:avLst/>
@@ -5070,7 +4739,7 @@
         <p:txBody>
           <a:bodyPr lIns="50760" rIns="50760" tIns="50760" bIns="50760" anchor="ctr"/>
           <a:p>
-            <a:pPr marL="444600" indent="-444240">
+            <a:pPr marL="444600" indent="-443880">
               <a:lnSpc>
                 <a:spcPct val="100000"/>
               </a:lnSpc>
@@ -5088,7 +4757,7 @@
                 <a:latin typeface="Helvetica Neue Light"/>
                 <a:ea typeface="Helvetica Neue Light"/>
               </a:rPr>
-              <a:t>Click on </a:t>
+              <a:t>To compile your smart contract, click on </a:t>
             </a:r>
             <a:r>
               <a:rPr b="0" lang="en-GB" sz="3600" spc="-1" strike="noStrike">
@@ -5098,30 +4767,17 @@
                 <a:latin typeface="Helvetica Neue Light"/>
                 <a:ea typeface="Helvetica Neue Light"/>
               </a:rPr>
-              <a:t>Create</a:t>
-            </a:r>
-            <a:r>
-              <a:rPr b="0" lang="en-GB" sz="3600" spc="-1" strike="noStrike">
-                <a:solidFill>
-                  <a:srgbClr val="000000"/>
-                </a:solidFill>
-                <a:latin typeface="Helvetica Neue Light"/>
-                <a:ea typeface="Helvetica Neue Light"/>
-              </a:rPr>
-              <a:t> button.</a:t>
+              <a:t>Deploy</a:t>
             </a:r>
             <a:endParaRPr b="0" lang="en-GB" sz="3600" spc="-1" strike="noStrike">
               <a:latin typeface="Arial"/>
             </a:endParaRPr>
           </a:p>
           <a:p>
-            <a:pPr marL="444600" indent="-444240">
-              <a:lnSpc>
-                <a:spcPct val="100000"/>
-              </a:lnSpc>
-              <a:spcBef>
-                <a:spcPts val="4201"/>
-              </a:spcBef>
+            <a:pPr marL="444600" indent="-443880">
+              <a:lnSpc>
+                <a:spcPct val="100000"/>
+              </a:lnSpc>
               <a:buClr>
                 <a:srgbClr val="000000"/>
               </a:buClr>
@@ -5136,27 +4792,28 @@
                 <a:latin typeface="Helvetica Neue Light"/>
                 <a:ea typeface="Helvetica Neue Light"/>
               </a:rPr>
-              <a:t>Next, MetaMask page will appear and by clicking on </a:t>
+              <a:t>After compiling the contract, Remix creates a </a:t>
+            </a:r>
+            <a:r>
+              <a:rPr b="0" lang="en-GB" sz="3600" spc="-1" strike="noStrike" u="sng">
+                <a:solidFill>
+                  <a:srgbClr val="000000"/>
+                </a:solidFill>
+                <a:uFillTx/>
+                <a:latin typeface="Helvetica Neue Light"/>
+                <a:ea typeface="Helvetica Neue Light"/>
+              </a:rPr>
+              <a:t>user interface</a:t>
             </a:r>
             <a:r>
               <a:rPr b="0" lang="en-GB" sz="3600" spc="-1" strike="noStrike">
                 <a:solidFill>
-                  <a:srgbClr val="942192"/>
-                </a:solidFill>
-                <a:latin typeface="Helvetica Neue Light"/>
-                <a:ea typeface="Helvetica Neue Light"/>
-              </a:rPr>
-              <a:t>submit</a:t>
-            </a:r>
-            <a:r>
-              <a:rPr b="0" lang="en-GB" sz="3600" spc="-1" strike="noStrike">
-                <a:solidFill>
-                  <a:srgbClr val="000000"/>
-                </a:solidFill>
-                <a:latin typeface="Helvetica Neue Light"/>
-                <a:ea typeface="Helvetica Neue Light"/>
-              </a:rPr>
-              <a:t>, you send your contract to the blockchain. </a:t>
+                  <a:srgbClr val="000000"/>
+                </a:solidFill>
+                <a:latin typeface="Helvetica Neue Light"/>
+                <a:ea typeface="Helvetica Neue Light"/>
+              </a:rPr>
+              <a:t> to interact with the contract </a:t>
             </a:r>
             <a:endParaRPr b="0" lang="en-GB" sz="3600" spc="-1" strike="noStrike">
               <a:latin typeface="Arial"/>
@@ -5164,40 +4821,16 @@
           </a:p>
         </p:txBody>
       </p:sp>
-      <p:pic>
-        <p:nvPicPr>
-          <p:cNvPr id="120" name="Google Shape;153;p27" descr=""/>
-          <p:cNvPicPr/>
-          <p:nvPr/>
-        </p:nvPicPr>
-        <p:blipFill>
-          <a:blip r:embed="rId1"/>
-          <a:srcRect l="0" t="0" r="0" b="26742"/>
-          <a:stretch/>
-        </p:blipFill>
-        <p:spPr>
-          <a:xfrm>
-            <a:off x="1790640" y="5786280"/>
-            <a:ext cx="9998640" cy="3832560"/>
-          </a:xfrm>
-          <a:prstGeom prst="rect">
-            <a:avLst/>
-          </a:prstGeom>
-          <a:ln>
-            <a:noFill/>
-          </a:ln>
-        </p:spPr>
-      </p:pic>
-      <p:sp>
-        <p:nvSpPr>
-          <p:cNvPr id="121" name="CustomShape 2"/>
+      <p:sp>
+        <p:nvSpPr>
+          <p:cNvPr id="115" name="CustomShape 2"/>
           <p:cNvSpPr/>
           <p:nvPr/>
         </p:nvSpPr>
         <p:spPr>
-          <a:xfrm>
-            <a:off x="1178640" y="5396040"/>
-            <a:ext cx="2217240" cy="2972160"/>
+          <a:xfrm flipH="1">
+            <a:off x="8280000" y="4320000"/>
+            <a:ext cx="2088000" cy="4464000"/>
           </a:xfrm>
           <a:custGeom>
             <a:avLst/>
@@ -5233,14 +4866,14 @@
       </p:sp>
       <p:sp>
         <p:nvSpPr>
-          <p:cNvPr id="122" name="CustomShape 3"/>
+          <p:cNvPr id="116" name="CustomShape 3"/>
           <p:cNvSpPr/>
           <p:nvPr/>
         </p:nvSpPr>
         <p:spPr>
           <a:xfrm>
             <a:off x="952560" y="444600"/>
-            <a:ext cx="11099520" cy="2158560"/>
+            <a:ext cx="11099160" cy="2158200"/>
           </a:xfrm>
           <a:prstGeom prst="rect">
             <a:avLst/>
@@ -5265,56 +4898,38 @@
               </a:lnSpc>
             </a:pPr>
             <a:r>
-              <a:rPr b="0" lang="en-GB" sz="4200" spc="-1" strike="noStrike">
-                <a:solidFill>
-                  <a:srgbClr val="000000"/>
-                </a:solidFill>
-                <a:latin typeface="Helvetica Neue Light"/>
-                <a:ea typeface="Helvetica Neue Light"/>
-              </a:rPr>
-              <a:t>Step 4.2:</a:t>
-            </a:r>
-            <a:endParaRPr b="0" lang="en-GB" sz="4200" spc="-1" strike="noStrike">
-              <a:latin typeface="Arial"/>
-            </a:endParaRPr>
-          </a:p>
-          <a:p>
-            <a:pPr algn="ctr">
-              <a:lnSpc>
-                <a:spcPct val="100000"/>
-              </a:lnSpc>
-            </a:pPr>
-            <a:r>
-              <a:rPr b="0" lang="en-GB" sz="4200" spc="-1" strike="noStrike">
-                <a:solidFill>
-                  <a:srgbClr val="000000"/>
-                </a:solidFill>
-                <a:latin typeface="Helvetica Neue Light"/>
-                <a:ea typeface="Helvetica Neue Light"/>
-              </a:rPr>
-              <a:t>Deploying Smart Contract to the Private Chain</a:t>
-            </a:r>
-            <a:endParaRPr b="0" lang="en-GB" sz="4200" spc="-1" strike="noStrike">
-              <a:latin typeface="Arial"/>
-            </a:endParaRPr>
-          </a:p>
-          <a:p>
-            <a:pPr algn="ctr">
-              <a:lnSpc>
-                <a:spcPct val="100000"/>
-              </a:lnSpc>
-            </a:pPr>
-            <a:r>
-              <a:rPr b="0" lang="en-GB" sz="2800" spc="-1" strike="noStrike">
-                <a:solidFill>
-                  <a:srgbClr val="000000"/>
-                </a:solidFill>
-                <a:latin typeface="Helvetica Neue Light"/>
-                <a:ea typeface="Helvetica Neue Light"/>
-              </a:rPr>
-              <a:t>Deploying a Contract to the Blockchain</a:t>
-            </a:r>
-            <a:endParaRPr b="0" lang="en-GB" sz="2800" spc="-1" strike="noStrike">
+              <a:rPr b="0" lang="en-GB" sz="4560" spc="-1" strike="noStrike">
+                <a:solidFill>
+                  <a:srgbClr val="000000"/>
+                </a:solidFill>
+                <a:latin typeface="Helvetica Neue Light"/>
+                <a:ea typeface="Helvetica Neue Light"/>
+              </a:rPr>
+              <a:t>Step 3: </a:t>
+            </a:r>
+            <a:br/>
+            <a:r>
+              <a:rPr b="0" lang="en-GB" sz="4560" spc="-1" strike="noStrike">
+                <a:solidFill>
+                  <a:srgbClr val="000000"/>
+                </a:solidFill>
+                <a:latin typeface="Helvetica Neue Light"/>
+                <a:ea typeface="Helvetica Neue Light"/>
+              </a:rPr>
+              <a:t>Getting familiar with Remix Ethereum: </a:t>
+            </a:r>
+            <a:br/>
+            <a:r>
+              <a:rPr b="0" lang="en-GB" sz="4560" spc="-1" strike="noStrike">
+                <a:solidFill>
+                  <a:srgbClr val="000000"/>
+                </a:solidFill>
+                <a:latin typeface="Helvetica Neue Light"/>
+                <a:ea typeface="Helvetica Neue Light"/>
+              </a:rPr>
+              <a:t>Online Solidity Compiler </a:t>
+            </a:r>
+            <a:endParaRPr b="0" lang="en-GB" sz="4560" spc="-1" strike="noStrike">
               <a:latin typeface="Arial"/>
             </a:endParaRPr>
           </a:p>
@@ -5325,10 +4940,10 @@
   <p:timing>
     <p:tnLst>
       <p:par>
-        <p:cTn id="27" dur="indefinite" restart="never" nodeType="tmRoot">
+        <p:cTn id="11" dur="indefinite" restart="never" nodeType="tmRoot">
           <p:childTnLst>
             <p:seq>
-              <p:cTn id="28" dur="indefinite" nodeType="mainSeq"/>
+              <p:cTn id="12" dur="indefinite" nodeType="mainSeq"/>
               <p:prevCondLst>
                 <p:cond delay="0" evt="onPrev">
                   <p:tgtEl>
@@ -5371,19 +4986,18 @@
       </p:grpSpPr>
       <p:pic>
         <p:nvPicPr>
-          <p:cNvPr id="123" name="Google Shape;160;p28" descr=""/>
+          <p:cNvPr id="117" name="" descr=""/>
           <p:cNvPicPr/>
           <p:nvPr/>
         </p:nvPicPr>
         <p:blipFill>
           <a:blip r:embed="rId1"/>
-          <a:srcRect l="55677" t="12383" r="1961" b="27830"/>
           <a:stretch/>
         </p:blipFill>
         <p:spPr>
           <a:xfrm>
-            <a:off x="7189920" y="2822040"/>
-            <a:ext cx="5490360" cy="6199920"/>
+            <a:off x="6124320" y="6264000"/>
+            <a:ext cx="6619680" cy="3428640"/>
           </a:xfrm>
           <a:prstGeom prst="rect">
             <a:avLst/>
@@ -5395,14 +5009,146 @@
       </p:pic>
       <p:sp>
         <p:nvSpPr>
-          <p:cNvPr id="124" name="CustomShape 1"/>
+          <p:cNvPr id="118" name="CustomShape 1"/>
           <p:cNvSpPr/>
           <p:nvPr/>
         </p:nvSpPr>
         <p:spPr>
           <a:xfrm>
-            <a:off x="6768360" y="5559840"/>
-            <a:ext cx="4480560" cy="1437840"/>
+            <a:off x="212040" y="2956320"/>
+            <a:ext cx="12792600" cy="3898080"/>
+          </a:xfrm>
+          <a:prstGeom prst="rect">
+            <a:avLst/>
+          </a:prstGeom>
+          <a:noFill/>
+          <a:ln>
+            <a:noFill/>
+          </a:ln>
+        </p:spPr>
+        <p:style>
+          <a:lnRef idx="0"/>
+          <a:fillRef idx="0"/>
+          <a:effectRef idx="0"/>
+          <a:fontRef idx="minor"/>
+        </p:style>
+        <p:txBody>
+          <a:bodyPr lIns="50760" rIns="50760" tIns="50760" bIns="50760" anchor="ctr"/>
+          <a:p>
+            <a:pPr marL="444600" indent="-443880">
+              <a:lnSpc>
+                <a:spcPct val="100000"/>
+              </a:lnSpc>
+              <a:buClr>
+                <a:srgbClr val="000000"/>
+              </a:buClr>
+              <a:buFont typeface="Helvetica Neue Light"/>
+              <a:buChar char="•"/>
+            </a:pPr>
+            <a:r>
+              <a:rPr b="0" lang="en-GB" sz="3600" spc="-1" strike="noStrike">
+                <a:solidFill>
+                  <a:srgbClr val="000000"/>
+                </a:solidFill>
+                <a:latin typeface="Helvetica Neue Light"/>
+                <a:ea typeface="Helvetica Neue Light"/>
+              </a:rPr>
+              <a:t>In the contract’s interface:</a:t>
+            </a:r>
+            <a:endParaRPr b="0" lang="en-GB" sz="3600" spc="-1" strike="noStrike">
+              <a:latin typeface="Arial"/>
+            </a:endParaRPr>
+          </a:p>
+          <a:p>
+            <a:pPr lvl="1" marL="432000" indent="-216000">
+              <a:lnSpc>
+                <a:spcPct val="100000"/>
+              </a:lnSpc>
+              <a:buClr>
+                <a:srgbClr val="000000"/>
+              </a:buClr>
+              <a:buSzPct val="45000"/>
+              <a:buFont typeface="Wingdings" charset="2"/>
+              <a:buChar char=""/>
+            </a:pPr>
+            <a:r>
+              <a:rPr b="0" lang="en-GB" sz="3600" spc="-1" strike="noStrike">
+                <a:solidFill>
+                  <a:srgbClr val="000000"/>
+                </a:solidFill>
+                <a:latin typeface="Helvetica Neue Light"/>
+                <a:ea typeface="Helvetica Neue Light"/>
+              </a:rPr>
+              <a:t>You can call functions</a:t>
+            </a:r>
+            <a:endParaRPr b="0" lang="en-GB" sz="3600" spc="-1" strike="noStrike">
+              <a:latin typeface="Arial"/>
+            </a:endParaRPr>
+          </a:p>
+          <a:p>
+            <a:pPr lvl="1" marL="432000" indent="-216000">
+              <a:lnSpc>
+                <a:spcPct val="100000"/>
+              </a:lnSpc>
+              <a:buClr>
+                <a:srgbClr val="000000"/>
+              </a:buClr>
+              <a:buSzPct val="45000"/>
+              <a:buFont typeface="Wingdings" charset="2"/>
+              <a:buChar char=""/>
+            </a:pPr>
+            <a:r>
+              <a:rPr b="0" lang="en-GB" sz="3600" spc="-1" strike="noStrike">
+                <a:solidFill>
+                  <a:srgbClr val="000000"/>
+                </a:solidFill>
+                <a:latin typeface="Helvetica Neue Light"/>
+                <a:ea typeface="Helvetica Neue Light"/>
+              </a:rPr>
+              <a:t>You can pass parameters when calling functions</a:t>
+            </a:r>
+            <a:endParaRPr b="0" lang="en-GB" sz="3600" spc="-1" strike="noStrike">
+              <a:latin typeface="Arial"/>
+            </a:endParaRPr>
+          </a:p>
+          <a:p>
+            <a:pPr lvl="1" marL="432000" indent="-216000">
+              <a:lnSpc>
+                <a:spcPct val="100000"/>
+              </a:lnSpc>
+              <a:buClr>
+                <a:srgbClr val="000000"/>
+              </a:buClr>
+              <a:buSzPct val="45000"/>
+              <a:buFont typeface="Wingdings" charset="2"/>
+              <a:buChar char=""/>
+            </a:pPr>
+            <a:r>
+              <a:rPr b="0" lang="en-GB" sz="3600" spc="-1" strike="noStrike">
+                <a:solidFill>
+                  <a:srgbClr val="000000"/>
+                </a:solidFill>
+                <a:latin typeface="Helvetica Neue Light"/>
+                <a:ea typeface="Helvetica Neue Light"/>
+              </a:rPr>
+              <a:t>You can access public variables of the contract</a:t>
+            </a:r>
+            <a:endParaRPr b="0" lang="en-GB" sz="3600" spc="-1" strike="noStrike">
+              <a:latin typeface="Arial"/>
+            </a:endParaRPr>
+          </a:p>
+        </p:txBody>
+      </p:sp>
+      <p:sp>
+        <p:nvSpPr>
+          <p:cNvPr id="119" name="CustomShape 2"/>
+          <p:cNvSpPr/>
+          <p:nvPr/>
+        </p:nvSpPr>
+        <p:spPr>
+          <a:xfrm>
+            <a:off x="6480000" y="6048000"/>
+            <a:ext cx="2088000" cy="2016000"/>
           </a:xfrm>
           <a:custGeom>
             <a:avLst/>
@@ -5423,7 +5169,7 @@
           <a:noFill/>
           <a:ln w="25560">
             <a:solidFill>
-              <a:srgbClr val="000000"/>
+              <a:srgbClr val="666666"/>
             </a:solidFill>
             <a:miter/>
             <a:tailEnd len="med" type="triangle" w="med"/>
@@ -5438,14 +5184,14 @@
       </p:sp>
       <p:sp>
         <p:nvSpPr>
-          <p:cNvPr id="125" name="CustomShape 2"/>
+          <p:cNvPr id="120" name="CustomShape 3"/>
           <p:cNvSpPr/>
           <p:nvPr/>
         </p:nvSpPr>
         <p:spPr>
           <a:xfrm>
-            <a:off x="372600" y="3321360"/>
-            <a:ext cx="6869520" cy="2920680"/>
+            <a:off x="952560" y="444600"/>
+            <a:ext cx="11099160" cy="2158200"/>
           </a:xfrm>
           <a:prstGeom prst="rect">
             <a:avLst/>
@@ -5464,97 +5210,83 @@
         <p:txBody>
           <a:bodyPr lIns="50760" rIns="50760" tIns="50760" bIns="50760" anchor="ctr"/>
           <a:p>
-            <a:pPr marL="444600" indent="-444240">
-              <a:lnSpc>
-                <a:spcPct val="100000"/>
-              </a:lnSpc>
-              <a:buClr>
-                <a:srgbClr val="000000"/>
-              </a:buClr>
-              <a:buFont typeface="Helvetica Neue Light"/>
-              <a:buChar char="•"/>
-            </a:pPr>
-            <a:r>
-              <a:rPr b="0" lang="en-GB" sz="3000" spc="-1" strike="noStrike">
-                <a:solidFill>
-                  <a:srgbClr val="000000"/>
-                </a:solidFill>
-                <a:latin typeface="Helvetica Neue Light"/>
-                <a:ea typeface="Helvetica Neue Light"/>
-              </a:rPr>
-              <a:t>When, your contract is successfully submitted/deployed, remix provides the contract </a:t>
-            </a:r>
-            <a:r>
-              <a:rPr b="0" lang="en-GB" sz="3000" spc="-1" strike="noStrike">
-                <a:solidFill>
-                  <a:srgbClr val="942192"/>
-                </a:solidFill>
-                <a:latin typeface="Helvetica Neue Light"/>
-                <a:ea typeface="Helvetica Neue Light"/>
-              </a:rPr>
-              <a:t>address</a:t>
-            </a:r>
-            <a:r>
-              <a:rPr b="0" lang="en-GB" sz="3000" spc="-1" strike="noStrike">
-                <a:solidFill>
-                  <a:srgbClr val="000000"/>
-                </a:solidFill>
-                <a:latin typeface="Helvetica Neue Light"/>
-                <a:ea typeface="Helvetica Neue Light"/>
-              </a:rPr>
-              <a:t> on the blockchain. </a:t>
-            </a:r>
-            <a:endParaRPr b="0" lang="en-GB" sz="3000" spc="-1" strike="noStrike">
-              <a:latin typeface="Arial"/>
-            </a:endParaRPr>
-          </a:p>
-          <a:p>
-            <a:pPr marL="444600" indent="-444240">
-              <a:lnSpc>
-                <a:spcPct val="100000"/>
-              </a:lnSpc>
-              <a:spcBef>
-                <a:spcPts val="4201"/>
-              </a:spcBef>
-              <a:buClr>
-                <a:srgbClr val="000000"/>
-              </a:buClr>
-              <a:buFont typeface="Helvetica Neue Light"/>
-              <a:buChar char="•"/>
-            </a:pPr>
-            <a:r>
-              <a:rPr b="0" lang="en-GB" sz="3000" spc="-1" strike="noStrike">
-                <a:solidFill>
-                  <a:srgbClr val="000000"/>
-                </a:solidFill>
-                <a:latin typeface="Helvetica Neue Light"/>
-                <a:ea typeface="Helvetica Neue Light"/>
-              </a:rPr>
-              <a:t>You can copy the address from here.</a:t>
-            </a:r>
-            <a:endParaRPr b="0" lang="en-GB" sz="3000" spc="-1" strike="noStrike">
-              <a:latin typeface="Arial"/>
-            </a:endParaRPr>
-          </a:p>
-        </p:txBody>
-      </p:sp>
-      <p:sp>
-        <p:nvSpPr>
-          <p:cNvPr id="126" name="CustomShape 3"/>
+            <a:pPr algn="ctr">
+              <a:lnSpc>
+                <a:spcPct val="100000"/>
+              </a:lnSpc>
+            </a:pPr>
+            <a:r>
+              <a:rPr b="0" lang="en-GB" sz="4560" spc="-1" strike="noStrike">
+                <a:solidFill>
+                  <a:srgbClr val="000000"/>
+                </a:solidFill>
+                <a:latin typeface="Helvetica Neue Light"/>
+                <a:ea typeface="Helvetica Neue Light"/>
+              </a:rPr>
+              <a:t>Step 3: </a:t>
+            </a:r>
+            <a:br/>
+            <a:r>
+              <a:rPr b="0" lang="en-GB" sz="4560" spc="-1" strike="noStrike">
+                <a:solidFill>
+                  <a:srgbClr val="000000"/>
+                </a:solidFill>
+                <a:latin typeface="Helvetica Neue Light"/>
+                <a:ea typeface="Helvetica Neue Light"/>
+              </a:rPr>
+              <a:t>Getting familiar with Remix Ethereum: </a:t>
+            </a:r>
+            <a:br/>
+            <a:r>
+              <a:rPr b="0" lang="en-GB" sz="4560" spc="-1" strike="noStrike">
+                <a:solidFill>
+                  <a:srgbClr val="000000"/>
+                </a:solidFill>
+                <a:latin typeface="Helvetica Neue Light"/>
+                <a:ea typeface="Helvetica Neue Light"/>
+              </a:rPr>
+              <a:t>Online Solidity Compiler </a:t>
+            </a:r>
+            <a:endParaRPr b="0" lang="en-GB" sz="4560" spc="-1" strike="noStrike">
+              <a:latin typeface="Arial"/>
+            </a:endParaRPr>
+          </a:p>
+        </p:txBody>
+      </p:sp>
+      <p:sp>
+        <p:nvSpPr>
+          <p:cNvPr id="121" name="CustomShape 4"/>
           <p:cNvSpPr/>
           <p:nvPr/>
         </p:nvSpPr>
         <p:spPr>
           <a:xfrm>
-            <a:off x="203040" y="7112160"/>
-            <a:ext cx="6869520" cy="1472760"/>
-          </a:xfrm>
-          <a:prstGeom prst="rect">
-            <a:avLst/>
-          </a:prstGeom>
+            <a:off x="3816000" y="4896000"/>
+            <a:ext cx="4752000" cy="2664000"/>
+          </a:xfrm>
+          <a:custGeom>
+            <a:avLst/>
+            <a:gdLst/>
+            <a:ahLst/>
+            <a:rect l="l" t="t" r="r" b="b"/>
+            <a:pathLst>
+              <a:path w="21600" h="21600">
+                <a:moveTo>
+                  <a:pt x="0" y="0"/>
+                </a:moveTo>
+                <a:lnTo>
+                  <a:pt x="21600" y="21600"/>
+                </a:lnTo>
+              </a:path>
+            </a:pathLst>
+          </a:custGeom>
           <a:noFill/>
-          <a:ln>
-            <a:noFill/>
+          <a:ln w="25560">
+            <a:solidFill>
+              <a:srgbClr val="666666"/>
+            </a:solidFill>
+            <a:miter/>
+            <a:tailEnd len="med" type="triangle" w="med"/>
           </a:ln>
         </p:spPr>
         <p:style>
@@ -5563,92 +5295,41 @@
           <a:effectRef idx="0"/>
           <a:fontRef idx="minor"/>
         </p:style>
-        <p:txBody>
-          <a:bodyPr lIns="50760" rIns="50760" tIns="50760" bIns="50760" anchor="ctr"/>
-          <a:p>
-            <a:pPr marL="444600" indent="-444240">
-              <a:lnSpc>
-                <a:spcPct val="100000"/>
-              </a:lnSpc>
-              <a:buClr>
-                <a:srgbClr val="000000"/>
-              </a:buClr>
-              <a:buFont typeface="Helvetica Neue Light"/>
-              <a:buChar char="•"/>
-            </a:pPr>
-            <a:r>
-              <a:rPr b="0" lang="en-GB" sz="3000" spc="-1" strike="noStrike">
-                <a:solidFill>
-                  <a:srgbClr val="000000"/>
-                </a:solidFill>
-                <a:latin typeface="Helvetica Neue Light"/>
-                <a:ea typeface="Helvetica Neue Light"/>
-              </a:rPr>
-              <a:t>You need the </a:t>
-            </a:r>
-            <a:r>
-              <a:rPr b="0" lang="en-GB" sz="3000" spc="-1" strike="noStrike">
-                <a:solidFill>
-                  <a:srgbClr val="942192"/>
-                </a:solidFill>
-                <a:latin typeface="Helvetica Neue Light"/>
-                <a:ea typeface="Helvetica Neue Light"/>
-              </a:rPr>
-              <a:t>contract code</a:t>
-            </a:r>
-            <a:r>
-              <a:rPr b="0" lang="en-GB" sz="3000" spc="-1" strike="noStrike">
-                <a:solidFill>
-                  <a:srgbClr val="000000"/>
-                </a:solidFill>
-                <a:latin typeface="Helvetica Neue Light"/>
-                <a:ea typeface="Helvetica Neue Light"/>
-              </a:rPr>
-              <a:t> and the </a:t>
-            </a:r>
-            <a:r>
-              <a:rPr b="0" lang="en-GB" sz="3000" spc="-1" strike="noStrike">
-                <a:solidFill>
-                  <a:srgbClr val="942192"/>
-                </a:solidFill>
-                <a:latin typeface="Helvetica Neue Light"/>
-                <a:ea typeface="Helvetica Neue Light"/>
-              </a:rPr>
-              <a:t>address</a:t>
-            </a:r>
-            <a:r>
-              <a:rPr b="0" lang="en-GB" sz="3000" spc="-1" strike="noStrike">
-                <a:solidFill>
-                  <a:srgbClr val="000000"/>
-                </a:solidFill>
-                <a:latin typeface="Helvetica Neue Light"/>
-                <a:ea typeface="Helvetica Neue Light"/>
-              </a:rPr>
-              <a:t> next time you want to interact with your deployed contract.</a:t>
-            </a:r>
-            <a:endParaRPr b="0" lang="en-GB" sz="3000" spc="-1" strike="noStrike">
-              <a:latin typeface="Arial"/>
-            </a:endParaRPr>
-          </a:p>
-        </p:txBody>
-      </p:sp>
-      <p:sp>
-        <p:nvSpPr>
-          <p:cNvPr id="127" name="CustomShape 4"/>
+      </p:sp>
+      <p:sp>
+        <p:nvSpPr>
+          <p:cNvPr id="122" name="CustomShape 5"/>
           <p:cNvSpPr/>
           <p:nvPr/>
         </p:nvSpPr>
         <p:spPr>
           <a:xfrm>
-            <a:off x="952560" y="444600"/>
-            <a:ext cx="11099520" cy="2158560"/>
-          </a:xfrm>
-          <a:prstGeom prst="rect">
-            <a:avLst/>
-          </a:prstGeom>
+            <a:off x="6336000" y="5400000"/>
+            <a:ext cx="3312000" cy="1584000"/>
+          </a:xfrm>
+          <a:custGeom>
+            <a:avLst/>
+            <a:gdLst/>
+            <a:ahLst/>
+            <a:rect l="l" t="t" r="r" b="b"/>
+            <a:pathLst>
+              <a:path w="21600" h="21600">
+                <a:moveTo>
+                  <a:pt x="0" y="0"/>
+                </a:moveTo>
+                <a:lnTo>
+                  <a:pt x="21600" y="21600"/>
+                </a:lnTo>
+              </a:path>
+            </a:pathLst>
+          </a:custGeom>
           <a:noFill/>
-          <a:ln>
-            <a:noFill/>
+          <a:ln w="25560">
+            <a:solidFill>
+              <a:srgbClr val="666666"/>
+            </a:solidFill>
+            <a:miter/>
+            <a:tailEnd len="med" type="triangle" w="med"/>
           </a:ln>
         </p:spPr>
         <p:style>
@@ -5657,79 +5338,16 @@
           <a:effectRef idx="0"/>
           <a:fontRef idx="minor"/>
         </p:style>
-        <p:txBody>
-          <a:bodyPr lIns="50760" rIns="50760" tIns="50760" bIns="50760" anchor="ctr"/>
-          <a:p>
-            <a:pPr algn="ctr">
-              <a:lnSpc>
-                <a:spcPct val="100000"/>
-              </a:lnSpc>
-            </a:pPr>
-            <a:r>
-              <a:rPr b="0" lang="en-GB" sz="4200" spc="-1" strike="noStrike">
-                <a:solidFill>
-                  <a:srgbClr val="000000"/>
-                </a:solidFill>
-                <a:latin typeface="Helvetica Neue Light"/>
-                <a:ea typeface="Helvetica Neue Light"/>
-              </a:rPr>
-              <a:t>Step 4.3:</a:t>
-            </a:r>
-            <a:endParaRPr b="0" lang="en-GB" sz="4200" spc="-1" strike="noStrike">
-              <a:latin typeface="Arial"/>
-            </a:endParaRPr>
-          </a:p>
-          <a:p>
-            <a:pPr algn="ctr">
-              <a:lnSpc>
-                <a:spcPct val="100000"/>
-              </a:lnSpc>
-            </a:pPr>
-            <a:r>
-              <a:rPr b="0" lang="en-GB" sz="4200" spc="-1" strike="noStrike">
-                <a:solidFill>
-                  <a:srgbClr val="000000"/>
-                </a:solidFill>
-                <a:latin typeface="Helvetica Neue Light"/>
-                <a:ea typeface="Helvetica Neue Light"/>
-              </a:rPr>
-              <a:t>Deploying Smart Contract to the Private Chain</a:t>
-            </a:r>
-            <a:endParaRPr b="0" lang="en-GB" sz="4200" spc="-1" strike="noStrike">
-              <a:latin typeface="Arial"/>
-            </a:endParaRPr>
-          </a:p>
-          <a:p>
-            <a:pPr algn="ctr">
-              <a:lnSpc>
-                <a:spcPct val="100000"/>
-              </a:lnSpc>
-            </a:pPr>
-            <a:r>
-              <a:rPr b="0" lang="en-GB" sz="2800" spc="-1" strike="noStrike">
-                <a:solidFill>
-                  <a:srgbClr val="000000"/>
-                </a:solidFill>
-                <a:latin typeface="Helvetica Neue Light"/>
-                <a:ea typeface="Helvetica Neue Light"/>
-              </a:rPr>
-              <a:t>Saving the Deployed Contract's Address</a:t>
-            </a:r>
-            <a:endParaRPr b="0" lang="en-GB" sz="2800" spc="-1" strike="noStrike">
-              <a:latin typeface="Arial"/>
-            </a:endParaRPr>
-          </a:p>
-        </p:txBody>
       </p:sp>
     </p:spTree>
   </p:cSld>
   <p:timing>
     <p:tnLst>
       <p:par>
-        <p:cTn id="29" dur="indefinite" restart="never" nodeType="tmRoot">
+        <p:cTn id="13" dur="indefinite" restart="never" nodeType="tmRoot">
           <p:childTnLst>
             <p:seq>
-              <p:cTn id="30" dur="indefinite" nodeType="mainSeq"/>
+              <p:cTn id="14" dur="indefinite" nodeType="mainSeq"/>
               <p:prevCondLst>
                 <p:cond delay="0" evt="onPrev">
                   <p:tgtEl>
@@ -5770,21 +5388,191 @@
           <a:chExt cx="0" cy="0"/>
         </a:xfrm>
       </p:grpSpPr>
+      <p:sp>
+        <p:nvSpPr>
+          <p:cNvPr id="123" name="CustomShape 1"/>
+          <p:cNvSpPr/>
+          <p:nvPr/>
+        </p:nvSpPr>
+        <p:spPr>
+          <a:xfrm>
+            <a:off x="952560" y="444600"/>
+            <a:ext cx="11099160" cy="2158200"/>
+          </a:xfrm>
+          <a:prstGeom prst="rect">
+            <a:avLst/>
+          </a:prstGeom>
+          <a:noFill/>
+          <a:ln>
+            <a:noFill/>
+          </a:ln>
+        </p:spPr>
+        <p:style>
+          <a:lnRef idx="0"/>
+          <a:fillRef idx="0"/>
+          <a:effectRef idx="0"/>
+          <a:fontRef idx="minor"/>
+        </p:style>
+        <p:txBody>
+          <a:bodyPr lIns="50760" rIns="50760" tIns="50760" bIns="50760" anchor="ctr"/>
+          <a:p>
+            <a:pPr algn="ctr">
+              <a:lnSpc>
+                <a:spcPct val="100000"/>
+              </a:lnSpc>
+            </a:pPr>
+            <a:r>
+              <a:rPr b="0" lang="en-GB" sz="4200" spc="-1" strike="noStrike">
+                <a:solidFill>
+                  <a:srgbClr val="000000"/>
+                </a:solidFill>
+                <a:latin typeface="Helvetica Neue Light"/>
+                <a:ea typeface="Helvetica Neue Light"/>
+              </a:rPr>
+              <a:t>Step 4.1:</a:t>
+            </a:r>
+            <a:br/>
+            <a:r>
+              <a:rPr b="0" lang="en-GB" sz="4200" spc="-1" strike="noStrike">
+                <a:solidFill>
+                  <a:srgbClr val="000000"/>
+                </a:solidFill>
+                <a:latin typeface="Helvetica Neue Light"/>
+                <a:ea typeface="Helvetica Neue Light"/>
+              </a:rPr>
+              <a:t>Deploying Smart Contract to the Private Chain</a:t>
+            </a:r>
+            <a:br/>
+            <a:r>
+              <a:rPr b="0" lang="en-GB" sz="2800" spc="-1" strike="noStrike">
+                <a:solidFill>
+                  <a:srgbClr val="000000"/>
+                </a:solidFill>
+                <a:latin typeface="Helvetica Neue Light"/>
+                <a:ea typeface="Helvetica Neue Light"/>
+              </a:rPr>
+              <a:t>Configurations</a:t>
+            </a:r>
+            <a:endParaRPr b="0" lang="en-GB" sz="2800" spc="-1" strike="noStrike">
+              <a:latin typeface="Arial"/>
+            </a:endParaRPr>
+          </a:p>
+        </p:txBody>
+      </p:sp>
+      <p:sp>
+        <p:nvSpPr>
+          <p:cNvPr id="124" name="CustomShape 2"/>
+          <p:cNvSpPr/>
+          <p:nvPr/>
+        </p:nvSpPr>
+        <p:spPr>
+          <a:xfrm>
+            <a:off x="212040" y="2793600"/>
+            <a:ext cx="12740760" cy="3351960"/>
+          </a:xfrm>
+          <a:prstGeom prst="rect">
+            <a:avLst/>
+          </a:prstGeom>
+          <a:noFill/>
+          <a:ln>
+            <a:noFill/>
+          </a:ln>
+        </p:spPr>
+        <p:style>
+          <a:lnRef idx="0"/>
+          <a:fillRef idx="0"/>
+          <a:effectRef idx="0"/>
+          <a:fontRef idx="minor"/>
+        </p:style>
+        <p:txBody>
+          <a:bodyPr lIns="50760" rIns="50760" tIns="50760" bIns="50760" anchor="ctr"/>
+          <a:p>
+            <a:pPr marL="444600" indent="-443880">
+              <a:lnSpc>
+                <a:spcPct val="100000"/>
+              </a:lnSpc>
+              <a:buClr>
+                <a:srgbClr val="000000"/>
+              </a:buClr>
+              <a:buFont typeface="Helvetica Neue Light"/>
+              <a:buChar char="•"/>
+            </a:pPr>
+            <a:r>
+              <a:rPr b="0" lang="en-GB" sz="3600" spc="-1" strike="noStrike">
+                <a:solidFill>
+                  <a:srgbClr val="000000"/>
+                </a:solidFill>
+                <a:latin typeface="Helvetica Neue Light"/>
+                <a:ea typeface="Helvetica Neue Light"/>
+              </a:rPr>
+              <a:t>First, you need to connect Metamask to the blockchain, as we described in the earlier slides. </a:t>
+            </a:r>
+            <a:endParaRPr b="0" lang="en-GB" sz="3600" spc="-1" strike="noStrike">
+              <a:latin typeface="Arial"/>
+            </a:endParaRPr>
+          </a:p>
+          <a:p>
+            <a:pPr marL="444600" indent="-443880">
+              <a:lnSpc>
+                <a:spcPct val="100000"/>
+              </a:lnSpc>
+              <a:buClr>
+                <a:srgbClr val="000000"/>
+              </a:buClr>
+              <a:buFont typeface="Helvetica Neue Light"/>
+              <a:buChar char="•"/>
+            </a:pPr>
+            <a:r>
+              <a:rPr b="0" lang="en-GB" sz="3600" spc="-1" strike="noStrike">
+                <a:solidFill>
+                  <a:srgbClr val="000000"/>
+                </a:solidFill>
+                <a:latin typeface="Helvetica Neue Light"/>
+                <a:ea typeface="Helvetica Neue Light"/>
+              </a:rPr>
+              <a:t>In Remix, set the environment to: </a:t>
+            </a:r>
+            <a:r>
+              <a:rPr b="0" lang="en-GB" sz="3600" spc="-1" strike="noStrike">
+                <a:solidFill>
+                  <a:srgbClr val="942192"/>
+                </a:solidFill>
+                <a:latin typeface="Helvetica Neue Light"/>
+                <a:ea typeface="Helvetica Neue Light"/>
+              </a:rPr>
+              <a:t>Injected Web3</a:t>
+            </a:r>
+            <a:r>
+              <a:rPr b="0" lang="en-GB" sz="3600" spc="-1" strike="noStrike">
+                <a:solidFill>
+                  <a:srgbClr val="000000"/>
+                </a:solidFill>
+                <a:latin typeface="Helvetica Neue Light"/>
+                <a:ea typeface="Helvetica Neue Light"/>
+              </a:rPr>
+              <a:t>. </a:t>
+            </a:r>
+            <a:endParaRPr b="0" lang="en-GB" sz="3600" spc="-1" strike="noStrike">
+              <a:latin typeface="Arial"/>
+            </a:endParaRPr>
+          </a:p>
+        </p:txBody>
+      </p:sp>
       <p:pic>
         <p:nvPicPr>
-          <p:cNvPr id="128" name="Google Shape;169;p29" descr=""/>
+          <p:cNvPr id="125" name="Google Shape;146;p26" descr=""/>
           <p:cNvPicPr/>
           <p:nvPr/>
         </p:nvPicPr>
         <p:blipFill>
           <a:blip r:embed="rId1"/>
-          <a:srcRect l="7751" t="12383" r="1961" b="27830"/>
+          <a:srcRect l="8291" t="0" r="0" b="35198"/>
           <a:stretch/>
         </p:blipFill>
         <p:spPr>
           <a:xfrm>
-            <a:off x="3862800" y="4740840"/>
-            <a:ext cx="9087840" cy="4813920"/>
+            <a:off x="131760" y="5659560"/>
+            <a:ext cx="11925720" cy="3849840"/>
           </a:xfrm>
           <a:prstGeom prst="rect">
             <a:avLst/>
@@ -5796,14 +5584,14 @@
       </p:pic>
       <p:sp>
         <p:nvSpPr>
-          <p:cNvPr id="129" name="CustomShape 1"/>
+          <p:cNvPr id="126" name="CustomShape 3"/>
           <p:cNvSpPr/>
           <p:nvPr/>
         </p:nvSpPr>
         <p:spPr>
-          <a:xfrm flipH="1" rot="10800000">
-            <a:off x="4881960" y="6654960"/>
-            <a:ext cx="985320" cy="351720"/>
+          <a:xfrm>
+            <a:off x="8001000" y="5409360"/>
+            <a:ext cx="487440" cy="1635480"/>
           </a:xfrm>
           <a:custGeom>
             <a:avLst/>
@@ -5837,378 +5625,15 @@
           <a:fontRef idx="minor"/>
         </p:style>
       </p:sp>
-      <p:sp>
-        <p:nvSpPr>
-          <p:cNvPr id="130" name="CustomShape 2"/>
-          <p:cNvSpPr/>
-          <p:nvPr/>
-        </p:nvSpPr>
-        <p:spPr>
-          <a:xfrm>
-            <a:off x="320760" y="2014200"/>
-            <a:ext cx="10384920" cy="2997000"/>
-          </a:xfrm>
-          <a:prstGeom prst="rect">
-            <a:avLst/>
-          </a:prstGeom>
-          <a:noFill/>
-          <a:ln>
-            <a:noFill/>
-          </a:ln>
-        </p:spPr>
-        <p:style>
-          <a:lnRef idx="0"/>
-          <a:fillRef idx="0"/>
-          <a:effectRef idx="0"/>
-          <a:fontRef idx="minor"/>
-        </p:style>
-        <p:txBody>
-          <a:bodyPr lIns="50760" rIns="50760" tIns="50760" bIns="50760" anchor="ctr"/>
-          <a:p>
-            <a:pPr marL="529200" indent="-528840">
-              <a:lnSpc>
-                <a:spcPct val="100000"/>
-              </a:lnSpc>
-              <a:buClr>
-                <a:srgbClr val="000000"/>
-              </a:buClr>
-              <a:buFont typeface="Helvetica Neue Light"/>
-              <a:buAutoNum type="arabicPeriod"/>
-            </a:pPr>
-            <a:r>
-              <a:rPr b="0" lang="en-GB" sz="3000" spc="-1" strike="noStrike">
-                <a:solidFill>
-                  <a:srgbClr val="000000"/>
-                </a:solidFill>
-                <a:latin typeface="Helvetica Neue Light"/>
-                <a:ea typeface="Helvetica Neue Light"/>
-              </a:rPr>
-              <a:t>Log in to MetaMask and connect to the blockchain (as previously explained)</a:t>
-            </a:r>
-            <a:endParaRPr b="0" lang="en-GB" sz="3000" spc="-1" strike="noStrike">
-              <a:latin typeface="Arial"/>
-            </a:endParaRPr>
-          </a:p>
-          <a:p>
-            <a:pPr marL="529200" indent="-528840">
-              <a:lnSpc>
-                <a:spcPct val="100000"/>
-              </a:lnSpc>
-              <a:buClr>
-                <a:srgbClr val="000000"/>
-              </a:buClr>
-              <a:buFont typeface="Helvetica Neue Light"/>
-              <a:buAutoNum type="arabicPeriod"/>
-            </a:pPr>
-            <a:r>
-              <a:rPr b="0" lang="en-GB" sz="3000" spc="-1" strike="noStrike">
-                <a:solidFill>
-                  <a:srgbClr val="000000"/>
-                </a:solidFill>
-                <a:latin typeface="Helvetica Neue Light"/>
-                <a:ea typeface="Helvetica Neue Light"/>
-              </a:rPr>
-              <a:t>In remix, set the environment to: </a:t>
-            </a:r>
-            <a:r>
-              <a:rPr b="0" lang="en-GB" sz="3000" spc="-1" strike="noStrike">
-                <a:solidFill>
-                  <a:srgbClr val="942192"/>
-                </a:solidFill>
-                <a:latin typeface="Helvetica Neue Light"/>
-                <a:ea typeface="Helvetica Neue Light"/>
-              </a:rPr>
-              <a:t>Injected Web3</a:t>
-            </a:r>
-            <a:r>
-              <a:rPr b="0" lang="en-GB" sz="3000" spc="-1" strike="noStrike">
-                <a:solidFill>
-                  <a:srgbClr val="000000"/>
-                </a:solidFill>
-                <a:latin typeface="Helvetica Neue Light"/>
-                <a:ea typeface="Helvetica Neue Light"/>
-              </a:rPr>
-              <a:t>.</a:t>
-            </a:r>
-            <a:endParaRPr b="0" lang="en-GB" sz="3000" spc="-1" strike="noStrike">
-              <a:latin typeface="Arial"/>
-            </a:endParaRPr>
-          </a:p>
-        </p:txBody>
-      </p:sp>
-      <p:sp>
-        <p:nvSpPr>
-          <p:cNvPr id="131" name="CustomShape 3"/>
-          <p:cNvSpPr/>
-          <p:nvPr/>
-        </p:nvSpPr>
-        <p:spPr>
-          <a:xfrm>
-            <a:off x="129240" y="5860440"/>
-            <a:ext cx="4046760" cy="2387520"/>
-          </a:xfrm>
-          <a:prstGeom prst="rect">
-            <a:avLst/>
-          </a:prstGeom>
-          <a:noFill/>
-          <a:ln>
-            <a:noFill/>
-          </a:ln>
-        </p:spPr>
-        <p:style>
-          <a:lnRef idx="0"/>
-          <a:fillRef idx="0"/>
-          <a:effectRef idx="0"/>
-          <a:fontRef idx="minor"/>
-        </p:style>
-        <p:txBody>
-          <a:bodyPr lIns="50760" rIns="50760" tIns="50760" bIns="50760" anchor="ctr"/>
-          <a:p>
-            <a:pPr>
-              <a:lnSpc>
-                <a:spcPct val="100000"/>
-              </a:lnSpc>
-            </a:pPr>
-            <a:r>
-              <a:rPr b="0" lang="en-GB" sz="3000" spc="-1" strike="noStrike">
-                <a:solidFill>
-                  <a:srgbClr val="000000"/>
-                </a:solidFill>
-                <a:latin typeface="Helvetica Neue Light"/>
-                <a:ea typeface="Helvetica Neue Light"/>
-              </a:rPr>
-              <a:t>3. In remix, insert the contract </a:t>
-            </a:r>
-            <a:r>
-              <a:rPr b="0" lang="en-GB" sz="3000" spc="-1" strike="noStrike">
-                <a:solidFill>
-                  <a:srgbClr val="942192"/>
-                </a:solidFill>
-                <a:latin typeface="Helvetica Neue Light"/>
-                <a:ea typeface="Helvetica Neue Light"/>
-              </a:rPr>
-              <a:t>code</a:t>
-            </a:r>
-            <a:r>
-              <a:rPr b="0" lang="en-GB" sz="3000" spc="-1" strike="noStrike">
-                <a:solidFill>
-                  <a:srgbClr val="000000"/>
-                </a:solidFill>
-                <a:latin typeface="Helvetica Neue Light"/>
-                <a:ea typeface="Helvetica Neue Light"/>
-              </a:rPr>
-              <a:t>, insert the deployed contract’s address and click on: </a:t>
-            </a:r>
-            <a:r>
-              <a:rPr b="0" lang="en-GB" sz="3000" spc="-1" strike="noStrike">
-                <a:solidFill>
-                  <a:srgbClr val="942192"/>
-                </a:solidFill>
-                <a:latin typeface="Helvetica Neue Light"/>
-                <a:ea typeface="Helvetica Neue Light"/>
-              </a:rPr>
-              <a:t>At Address</a:t>
-            </a:r>
-            <a:r>
-              <a:rPr b="0" lang="en-GB" sz="3000" spc="-1" strike="noStrike">
-                <a:solidFill>
-                  <a:srgbClr val="000000"/>
-                </a:solidFill>
-                <a:latin typeface="Helvetica Neue Light"/>
-                <a:ea typeface="Helvetica Neue Light"/>
-              </a:rPr>
-              <a:t>.</a:t>
-            </a:r>
-            <a:endParaRPr b="0" lang="en-GB" sz="3000" spc="-1" strike="noStrike">
-              <a:latin typeface="Arial"/>
-            </a:endParaRPr>
-          </a:p>
-        </p:txBody>
-      </p:sp>
-      <p:sp>
-        <p:nvSpPr>
-          <p:cNvPr id="132" name="CustomShape 4"/>
-          <p:cNvSpPr/>
-          <p:nvPr/>
-        </p:nvSpPr>
-        <p:spPr>
-          <a:xfrm flipH="1" rot="10800000">
-            <a:off x="9859680" y="7054200"/>
-            <a:ext cx="5684040" cy="229320"/>
-          </a:xfrm>
-          <a:custGeom>
-            <a:avLst/>
-            <a:gdLst/>
-            <a:ahLst/>
-            <a:rect l="l" t="t" r="r" b="b"/>
-            <a:pathLst>
-              <a:path w="21600" h="21600">
-                <a:moveTo>
-                  <a:pt x="0" y="0"/>
-                </a:moveTo>
-                <a:lnTo>
-                  <a:pt x="21600" y="21600"/>
-                </a:lnTo>
-              </a:path>
-            </a:pathLst>
-          </a:custGeom>
-          <a:noFill/>
-          <a:ln w="25560">
-            <a:solidFill>
-              <a:srgbClr val="000000"/>
-            </a:solidFill>
-            <a:miter/>
-            <a:tailEnd len="med" type="triangle" w="med"/>
-          </a:ln>
-        </p:spPr>
-        <p:style>
-          <a:lnRef idx="0"/>
-          <a:fillRef idx="0"/>
-          <a:effectRef idx="0"/>
-          <a:fontRef idx="minor"/>
-        </p:style>
-      </p:sp>
-      <p:sp>
-        <p:nvSpPr>
-          <p:cNvPr id="133" name="CustomShape 5"/>
-          <p:cNvSpPr/>
-          <p:nvPr/>
-        </p:nvSpPr>
-        <p:spPr>
-          <a:xfrm flipH="1" rot="10800000">
-            <a:off x="8922600" y="8004600"/>
-            <a:ext cx="6669720" cy="1216800"/>
-          </a:xfrm>
-          <a:custGeom>
-            <a:avLst/>
-            <a:gdLst/>
-            <a:ahLst/>
-            <a:rect l="l" t="t" r="r" b="b"/>
-            <a:pathLst>
-              <a:path w="21600" h="21600">
-                <a:moveTo>
-                  <a:pt x="0" y="0"/>
-                </a:moveTo>
-                <a:lnTo>
-                  <a:pt x="21600" y="21600"/>
-                </a:lnTo>
-              </a:path>
-            </a:pathLst>
-          </a:custGeom>
-          <a:noFill/>
-          <a:ln w="25560">
-            <a:solidFill>
-              <a:srgbClr val="000000"/>
-            </a:solidFill>
-            <a:miter/>
-            <a:tailEnd len="med" type="triangle" w="med"/>
-          </a:ln>
-        </p:spPr>
-        <p:style>
-          <a:lnRef idx="0"/>
-          <a:fillRef idx="0"/>
-          <a:effectRef idx="0"/>
-          <a:fontRef idx="minor"/>
-        </p:style>
-      </p:sp>
-      <p:sp>
-        <p:nvSpPr>
-          <p:cNvPr id="134" name="CustomShape 6"/>
-          <p:cNvSpPr/>
-          <p:nvPr/>
-        </p:nvSpPr>
-        <p:spPr>
-          <a:xfrm>
-            <a:off x="952560" y="444600"/>
-            <a:ext cx="11099520" cy="2158560"/>
-          </a:xfrm>
-          <a:prstGeom prst="rect">
-            <a:avLst/>
-          </a:prstGeom>
-          <a:noFill/>
-          <a:ln>
-            <a:noFill/>
-          </a:ln>
-        </p:spPr>
-        <p:style>
-          <a:lnRef idx="0"/>
-          <a:fillRef idx="0"/>
-          <a:effectRef idx="0"/>
-          <a:fontRef idx="minor"/>
-        </p:style>
-        <p:txBody>
-          <a:bodyPr lIns="50760" rIns="50760" tIns="50760" bIns="50760" anchor="ctr"/>
-          <a:p>
-            <a:pPr algn="ctr">
-              <a:lnSpc>
-                <a:spcPct val="100000"/>
-              </a:lnSpc>
-            </a:pPr>
-            <a:r>
-              <a:rPr b="0" lang="en-GB" sz="4200" spc="-1" strike="noStrike">
-                <a:solidFill>
-                  <a:srgbClr val="000000"/>
-                </a:solidFill>
-                <a:latin typeface="Helvetica Neue Light"/>
-                <a:ea typeface="Helvetica Neue Light"/>
-              </a:rPr>
-              <a:t>Step 4.3:</a:t>
-            </a:r>
-            <a:endParaRPr b="0" lang="en-GB" sz="4200" spc="-1" strike="noStrike">
-              <a:latin typeface="Arial"/>
-            </a:endParaRPr>
-          </a:p>
-          <a:p>
-            <a:pPr algn="ctr">
-              <a:lnSpc>
-                <a:spcPct val="100000"/>
-              </a:lnSpc>
-            </a:pPr>
-            <a:r>
-              <a:rPr b="0" lang="en-GB" sz="4200" spc="-1" strike="noStrike">
-                <a:solidFill>
-                  <a:srgbClr val="000000"/>
-                </a:solidFill>
-                <a:latin typeface="Helvetica Neue Light"/>
-                <a:ea typeface="Helvetica Neue Light"/>
-              </a:rPr>
-              <a:t>Deploying Smart Contract to the Private Chain</a:t>
-            </a:r>
-            <a:endParaRPr b="0" lang="en-GB" sz="4200" spc="-1" strike="noStrike">
-              <a:latin typeface="Arial"/>
-            </a:endParaRPr>
-          </a:p>
-          <a:p>
-            <a:pPr algn="ctr">
-              <a:lnSpc>
-                <a:spcPct val="100000"/>
-              </a:lnSpc>
-            </a:pPr>
-            <a:r>
-              <a:rPr b="0" lang="en-GB" sz="2800" spc="-1" strike="noStrike">
-                <a:solidFill>
-                  <a:srgbClr val="000000"/>
-                </a:solidFill>
-                <a:latin typeface="Helvetica Neue Light"/>
-                <a:ea typeface="Helvetica Neue Light"/>
-              </a:rPr>
-              <a:t>Interacting with a Deployed Contract</a:t>
-            </a:r>
-            <a:endParaRPr b="0" lang="en-GB" sz="2800" spc="-1" strike="noStrike">
-              <a:latin typeface="Arial"/>
-            </a:endParaRPr>
-          </a:p>
-        </p:txBody>
-      </p:sp>
     </p:spTree>
   </p:cSld>
   <p:timing>
     <p:tnLst>
       <p:par>
-        <p:cTn id="31" dur="indefinite" restart="never" nodeType="tmRoot">
+        <p:cTn id="15" dur="indefinite" restart="never" nodeType="tmRoot">
           <p:childTnLst>
             <p:seq>
-              <p:cTn id="32" dur="indefinite" nodeType="mainSeq"/>
+              <p:cTn id="16" dur="indefinite" nodeType="mainSeq"/>
               <p:prevCondLst>
                 <p:cond delay="0" evt="onPrev">
                   <p:tgtEl>
@@ -6249,40 +5674,16 @@
           <a:chExt cx="0" cy="0"/>
         </a:xfrm>
       </p:grpSpPr>
-      <p:pic>
-        <p:nvPicPr>
-          <p:cNvPr id="135" name="Google Shape;180;p30" descr=""/>
-          <p:cNvPicPr/>
-          <p:nvPr/>
-        </p:nvPicPr>
-        <p:blipFill>
-          <a:blip r:embed="rId1"/>
-          <a:srcRect l="56967" t="12383" r="1961" b="27830"/>
-          <a:stretch/>
-        </p:blipFill>
-        <p:spPr>
-          <a:xfrm>
-            <a:off x="7485480" y="3926880"/>
-            <a:ext cx="4964040" cy="5781600"/>
-          </a:xfrm>
-          <a:prstGeom prst="rect">
-            <a:avLst/>
-          </a:prstGeom>
-          <a:ln>
-            <a:noFill/>
-          </a:ln>
-        </p:spPr>
-      </p:pic>
-      <p:sp>
-        <p:nvSpPr>
-          <p:cNvPr id="136" name="CustomShape 1"/>
+      <p:sp>
+        <p:nvSpPr>
+          <p:cNvPr id="127" name="CustomShape 1"/>
           <p:cNvSpPr/>
           <p:nvPr/>
         </p:nvSpPr>
         <p:spPr>
           <a:xfrm>
-            <a:off x="386640" y="3001320"/>
-            <a:ext cx="6925320" cy="2463480"/>
+            <a:off x="212040" y="2516040"/>
+            <a:ext cx="12740760" cy="3351960"/>
           </a:xfrm>
           <a:prstGeom prst="rect">
             <a:avLst/>
@@ -6301,37 +5702,137 @@
         <p:txBody>
           <a:bodyPr lIns="50760" rIns="50760" tIns="50760" bIns="50760" anchor="ctr"/>
           <a:p>
-            <a:pPr>
-              <a:lnSpc>
-                <a:spcPct val="100000"/>
-              </a:lnSpc>
-            </a:pPr>
-            <a:r>
-              <a:rPr b="0" lang="en-GB" sz="3000" spc="-1" strike="noStrike">
-                <a:solidFill>
-                  <a:srgbClr val="000000"/>
-                </a:solidFill>
-                <a:latin typeface="Helvetica Neue Light"/>
-                <a:ea typeface="Helvetica Neue Light"/>
-              </a:rPr>
-              <a:t>4- All the public/external functions in the contract are provided and you can pass arguments on them and invoke them. </a:t>
-            </a:r>
-            <a:endParaRPr b="0" lang="en-GB" sz="3000" spc="-1" strike="noStrike">
-              <a:latin typeface="Arial"/>
-            </a:endParaRPr>
-          </a:p>
-        </p:txBody>
-      </p:sp>
-      <p:sp>
-        <p:nvSpPr>
-          <p:cNvPr id="137" name="CustomShape 2"/>
+            <a:pPr marL="444600" indent="-443880">
+              <a:lnSpc>
+                <a:spcPct val="100000"/>
+              </a:lnSpc>
+              <a:spcBef>
+                <a:spcPts val="4201"/>
+              </a:spcBef>
+              <a:buClr>
+                <a:srgbClr val="000000"/>
+              </a:buClr>
+              <a:buFont typeface="Helvetica Neue Light"/>
+              <a:buChar char="•"/>
+            </a:pPr>
+            <a:r>
+              <a:rPr b="0" lang="en-GB" sz="3600" spc="-1" strike="noStrike">
+                <a:solidFill>
+                  <a:srgbClr val="000000"/>
+                </a:solidFill>
+                <a:latin typeface="Helvetica Neue Light"/>
+                <a:ea typeface="Helvetica Neue Light"/>
+              </a:rPr>
+              <a:t>Click on </a:t>
+            </a:r>
+            <a:r>
+              <a:rPr b="0" lang="en-GB" sz="3600" spc="-1" strike="noStrike">
+                <a:solidFill>
+                  <a:srgbClr val="942192"/>
+                </a:solidFill>
+                <a:latin typeface="Helvetica Neue Light"/>
+                <a:ea typeface="Helvetica Neue Light"/>
+              </a:rPr>
+              <a:t>Deploy</a:t>
+            </a:r>
+            <a:endParaRPr b="0" lang="en-GB" sz="3600" spc="-1" strike="noStrike">
+              <a:latin typeface="Arial"/>
+            </a:endParaRPr>
+          </a:p>
+          <a:p>
+            <a:pPr marL="444600" indent="-443880">
+              <a:lnSpc>
+                <a:spcPct val="100000"/>
+              </a:lnSpc>
+              <a:spcBef>
+                <a:spcPts val="4201"/>
+              </a:spcBef>
+              <a:buClr>
+                <a:srgbClr val="000000"/>
+              </a:buClr>
+              <a:buFont typeface="Helvetica Neue Light"/>
+              <a:buChar char="•"/>
+            </a:pPr>
+            <a:r>
+              <a:rPr b="0" lang="en-GB" sz="3600" spc="-1" strike="noStrike">
+                <a:solidFill>
+                  <a:srgbClr val="000000"/>
+                </a:solidFill>
+                <a:latin typeface="Helvetica Neue Light"/>
+                <a:ea typeface="Helvetica Neue Light"/>
+              </a:rPr>
+              <a:t>MetaMask will request your permission to send your contract to the blockchain -</a:t>
+            </a:r>
+            <a:r>
+              <a:rPr b="0" lang="en-GB" sz="3600" spc="-1" strike="noStrike">
+                <a:solidFill>
+                  <a:srgbClr val="000000"/>
+                </a:solidFill>
+                <a:latin typeface="Helvetica Neue Light"/>
+                <a:ea typeface="Helvetica Neue Light"/>
+              </a:rPr>
+              <a:t> by clicking on </a:t>
+            </a:r>
+            <a:r>
+              <a:rPr b="0" lang="en-GB" sz="3600" spc="-1" strike="noStrike">
+                <a:solidFill>
+                  <a:srgbClr val="942192"/>
+                </a:solidFill>
+                <a:latin typeface="Helvetica Neue Light"/>
+                <a:ea typeface="Helvetica Neue Light"/>
+              </a:rPr>
+              <a:t>submit</a:t>
+            </a:r>
+            <a:r>
+              <a:rPr b="0" lang="en-GB" sz="3600" spc="-1" strike="noStrike">
+                <a:solidFill>
+                  <a:srgbClr val="000000"/>
+                </a:solidFill>
+                <a:latin typeface="Helvetica Neue Light"/>
+                <a:ea typeface="Helvetica Neue Light"/>
+              </a:rPr>
+              <a:t>, you publish your contract (and pay the fee) </a:t>
+            </a:r>
+            <a:endParaRPr b="0" lang="en-GB" sz="3600" spc="-1" strike="noStrike">
+              <a:latin typeface="Arial"/>
+            </a:endParaRPr>
+          </a:p>
+        </p:txBody>
+      </p:sp>
+      <p:pic>
+        <p:nvPicPr>
+          <p:cNvPr id="128" name="Google Shape;153;p27" descr=""/>
+          <p:cNvPicPr/>
+          <p:nvPr/>
+        </p:nvPicPr>
+        <p:blipFill>
+          <a:blip r:embed="rId1"/>
+          <a:srcRect l="0" t="0" r="0" b="26739"/>
+          <a:stretch/>
+        </p:blipFill>
+        <p:spPr>
+          <a:xfrm>
+            <a:off x="1790640" y="5786280"/>
+            <a:ext cx="9998280" cy="3832200"/>
+          </a:xfrm>
+          <a:prstGeom prst="rect">
+            <a:avLst/>
+          </a:prstGeom>
+          <a:ln>
+            <a:noFill/>
+          </a:ln>
+        </p:spPr>
+      </p:pic>
+      <p:sp>
+        <p:nvSpPr>
+          <p:cNvPr id="129" name="CustomShape 2"/>
           <p:cNvSpPr/>
           <p:nvPr/>
         </p:nvSpPr>
         <p:spPr>
-          <a:xfrm>
-            <a:off x="3709080" y="4976640"/>
-            <a:ext cx="4164480" cy="3781800"/>
+          <a:xfrm flipH="1">
+            <a:off x="3395520" y="5040000"/>
+            <a:ext cx="7764480" cy="3327840"/>
           </a:xfrm>
           <a:custGeom>
             <a:avLst/>
@@ -6367,14 +5868,14 @@
       </p:sp>
       <p:sp>
         <p:nvSpPr>
-          <p:cNvPr id="138" name="CustomShape 3"/>
+          <p:cNvPr id="130" name="CustomShape 3"/>
           <p:cNvSpPr/>
           <p:nvPr/>
         </p:nvSpPr>
         <p:spPr>
           <a:xfrm>
-            <a:off x="-60120" y="6974640"/>
-            <a:ext cx="6865200" cy="2463480"/>
+            <a:off x="952560" y="444600"/>
+            <a:ext cx="11099160" cy="2158200"/>
           </a:xfrm>
           <a:prstGeom prst="rect">
             <a:avLst/>
@@ -6393,42 +5894,150 @@
         <p:txBody>
           <a:bodyPr lIns="50760" rIns="50760" tIns="50760" bIns="50760" anchor="ctr"/>
           <a:p>
-            <a:pPr marL="1005480" indent="-370080">
-              <a:lnSpc>
-                <a:spcPct val="100000"/>
-              </a:lnSpc>
-              <a:buClr>
-                <a:srgbClr val="000000"/>
-              </a:buClr>
-              <a:buFont typeface="Helvetica Neue Light"/>
-              <a:buChar char="•"/>
-            </a:pPr>
-            <a:r>
-              <a:rPr b="0" lang="en-GB" sz="3000" spc="-1" strike="noStrike">
-                <a:solidFill>
-                  <a:srgbClr val="000000"/>
-                </a:solidFill>
-                <a:latin typeface="Helvetica Neue Light"/>
-                <a:ea typeface="Helvetica Neue Light"/>
-              </a:rPr>
-              <a:t>The invocation of a function, that changes the contract state, will result in new transaction. </a:t>
-            </a:r>
-            <a:endParaRPr b="0" lang="en-GB" sz="3000" spc="-1" strike="noStrike">
-              <a:latin typeface="Arial"/>
-            </a:endParaRPr>
-          </a:p>
-        </p:txBody>
-      </p:sp>
-      <p:sp>
-        <p:nvSpPr>
-          <p:cNvPr id="139" name="CustomShape 4"/>
+            <a:pPr algn="ctr">
+              <a:lnSpc>
+                <a:spcPct val="100000"/>
+              </a:lnSpc>
+            </a:pPr>
+            <a:r>
+              <a:rPr b="0" lang="en-GB" sz="4200" spc="-1" strike="noStrike">
+                <a:solidFill>
+                  <a:srgbClr val="000000"/>
+                </a:solidFill>
+                <a:latin typeface="Helvetica Neue Light"/>
+                <a:ea typeface="Helvetica Neue Light"/>
+              </a:rPr>
+              <a:t>Step 4.2:</a:t>
+            </a:r>
+            <a:endParaRPr b="0" lang="en-GB" sz="4200" spc="-1" strike="noStrike">
+              <a:latin typeface="Arial"/>
+            </a:endParaRPr>
+          </a:p>
+          <a:p>
+            <a:pPr algn="ctr">
+              <a:lnSpc>
+                <a:spcPct val="100000"/>
+              </a:lnSpc>
+            </a:pPr>
+            <a:r>
+              <a:rPr b="0" lang="en-GB" sz="4200" spc="-1" strike="noStrike">
+                <a:solidFill>
+                  <a:srgbClr val="000000"/>
+                </a:solidFill>
+                <a:latin typeface="Helvetica Neue Light"/>
+                <a:ea typeface="Helvetica Neue Light"/>
+              </a:rPr>
+              <a:t>Deploying Smart Contract to the Private Chain</a:t>
+            </a:r>
+            <a:endParaRPr b="0" lang="en-GB" sz="4200" spc="-1" strike="noStrike">
+              <a:latin typeface="Arial"/>
+            </a:endParaRPr>
+          </a:p>
+          <a:p>
+            <a:pPr algn="ctr">
+              <a:lnSpc>
+                <a:spcPct val="100000"/>
+              </a:lnSpc>
+            </a:pPr>
+            <a:r>
+              <a:rPr b="0" lang="en-GB" sz="2800" spc="-1" strike="noStrike">
+                <a:solidFill>
+                  <a:srgbClr val="000000"/>
+                </a:solidFill>
+                <a:latin typeface="Helvetica Neue Light"/>
+                <a:ea typeface="Helvetica Neue Light"/>
+              </a:rPr>
+              <a:t>Deploying a Contract to the Blockchain</a:t>
+            </a:r>
+            <a:endParaRPr b="0" lang="en-GB" sz="2800" spc="-1" strike="noStrike">
+              <a:latin typeface="Arial"/>
+            </a:endParaRPr>
+          </a:p>
+        </p:txBody>
+      </p:sp>
+    </p:spTree>
+  </p:cSld>
+  <p:timing>
+    <p:tnLst>
+      <p:par>
+        <p:cTn id="17" dur="indefinite" restart="never" nodeType="tmRoot">
+          <p:childTnLst>
+            <p:seq>
+              <p:cTn id="18" dur="indefinite" nodeType="mainSeq"/>
+              <p:prevCondLst>
+                <p:cond delay="0" evt="onPrev">
+                  <p:tgtEl>
+                    <p:sldTgt/>
+                  </p:tgtEl>
+                </p:cond>
+              </p:prevCondLst>
+              <p:nextCondLst>
+                <p:cond delay="0" evt="onNext">
+                  <p:tgtEl>
+                    <p:sldTgt/>
+                  </p:tgtEl>
+                </p:cond>
+              </p:nextCondLst>
+            </p:seq>
+          </p:childTnLst>
+        </p:cTn>
+      </p:par>
+    </p:tnLst>
+  </p:timing>
+</p:sld>
+</file>
+
+<file path=ppt/slides/slide18.xml><?xml version="1.0" encoding="utf-8"?>
+<p:sld xmlns:a="http://schemas.openxmlformats.org/drawingml/2006/main" xmlns:p="http://schemas.openxmlformats.org/presentationml/2006/main" xmlns:r="http://schemas.openxmlformats.org/officeDocument/2006/relationships" xmlns:p14="http://schemas.microsoft.com/office/powerpoint/2010/main" xmlns:p15="http://schemas.microsoft.com/office/powerpoint/2012/main" xmlns:mc="http://schemas.openxmlformats.org/markup-compatibility/2006">
+  <p:cSld>
+    <p:spTree>
+      <p:nvGrpSpPr>
+        <p:cNvPr id="1" name=""/>
+        <p:cNvGrpSpPr/>
+        <p:nvPr/>
+      </p:nvGrpSpPr>
+      <p:grpSpPr>
+        <a:xfrm>
+          <a:off x="0" y="0"/>
+          <a:ext cx="0" cy="0"/>
+          <a:chOff x="0" y="0"/>
+          <a:chExt cx="0" cy="0"/>
+        </a:xfrm>
+      </p:grpSpPr>
+      <p:pic>
+        <p:nvPicPr>
+          <p:cNvPr id="131" name="Google Shape;160;p28" descr=""/>
+          <p:cNvPicPr/>
+          <p:nvPr/>
+        </p:nvPicPr>
+        <p:blipFill>
+          <a:blip r:embed="rId1"/>
+          <a:srcRect l="55668" t="12383" r="1961" b="27826"/>
+          <a:stretch/>
+        </p:blipFill>
+        <p:spPr>
+          <a:xfrm>
+            <a:off x="7189920" y="2822040"/>
+            <a:ext cx="5490000" cy="6199560"/>
+          </a:xfrm>
+          <a:prstGeom prst="rect">
+            <a:avLst/>
+          </a:prstGeom>
+          <a:ln>
+            <a:noFill/>
+          </a:ln>
+        </p:spPr>
+      </p:pic>
+      <p:sp>
+        <p:nvSpPr>
+          <p:cNvPr id="132" name="CustomShape 1"/>
           <p:cNvSpPr/>
           <p:nvPr/>
         </p:nvSpPr>
         <p:spPr>
           <a:xfrm>
-            <a:off x="6269760" y="7251480"/>
-            <a:ext cx="1631880" cy="1909440"/>
+            <a:off x="4392000" y="5472000"/>
+            <a:ext cx="6856560" cy="1525320"/>
           </a:xfrm>
           <a:custGeom>
             <a:avLst/>
@@ -6464,14 +6073,337 @@
       </p:sp>
       <p:sp>
         <p:nvSpPr>
-          <p:cNvPr id="140" name="CustomShape 5"/>
+          <p:cNvPr id="133" name="CustomShape 2"/>
           <p:cNvSpPr/>
           <p:nvPr/>
         </p:nvSpPr>
         <p:spPr>
           <a:xfrm>
-            <a:off x="6404040" y="7383960"/>
-            <a:ext cx="1364040" cy="2151720"/>
+            <a:off x="372600" y="3321360"/>
+            <a:ext cx="6869160" cy="2920320"/>
+          </a:xfrm>
+          <a:prstGeom prst="rect">
+            <a:avLst/>
+          </a:prstGeom>
+          <a:noFill/>
+          <a:ln>
+            <a:noFill/>
+          </a:ln>
+        </p:spPr>
+        <p:style>
+          <a:lnRef idx="0"/>
+          <a:fillRef idx="0"/>
+          <a:effectRef idx="0"/>
+          <a:fontRef idx="minor"/>
+        </p:style>
+        <p:txBody>
+          <a:bodyPr lIns="50760" rIns="50760" tIns="50760" bIns="50760" anchor="ctr"/>
+          <a:p>
+            <a:pPr marL="444600" indent="-443880">
+              <a:lnSpc>
+                <a:spcPct val="100000"/>
+              </a:lnSpc>
+              <a:spcBef>
+                <a:spcPts val="4201"/>
+              </a:spcBef>
+              <a:buClr>
+                <a:srgbClr val="000000"/>
+              </a:buClr>
+              <a:buFont typeface="Helvetica Neue Light"/>
+              <a:buChar char="•"/>
+            </a:pPr>
+            <a:r>
+              <a:rPr b="0" lang="en-GB" sz="3000" spc="-1" strike="noStrike">
+                <a:solidFill>
+                  <a:srgbClr val="000000"/>
+                </a:solidFill>
+                <a:latin typeface="Helvetica Neue Light"/>
+                <a:ea typeface="Helvetica Neue Light"/>
+              </a:rPr>
+              <a:t>When, your contract is successfully submitted &amp; deployed, Remix provides the contract’s </a:t>
+            </a:r>
+            <a:r>
+              <a:rPr b="0" lang="en-GB" sz="3000" spc="-1" strike="noStrike">
+                <a:solidFill>
+                  <a:srgbClr val="942192"/>
+                </a:solidFill>
+                <a:latin typeface="Helvetica Neue Light"/>
+                <a:ea typeface="Helvetica Neue Light"/>
+              </a:rPr>
+              <a:t>address</a:t>
+            </a:r>
+            <a:endParaRPr b="0" lang="en-GB" sz="3000" spc="-1" strike="noStrike">
+              <a:latin typeface="Arial"/>
+            </a:endParaRPr>
+          </a:p>
+        </p:txBody>
+      </p:sp>
+      <p:sp>
+        <p:nvSpPr>
+          <p:cNvPr id="134" name="CustomShape 3"/>
+          <p:cNvSpPr/>
+          <p:nvPr/>
+        </p:nvSpPr>
+        <p:spPr>
+          <a:xfrm>
+            <a:off x="203040" y="6320160"/>
+            <a:ext cx="6869160" cy="1472400"/>
+          </a:xfrm>
+          <a:prstGeom prst="rect">
+            <a:avLst/>
+          </a:prstGeom>
+          <a:noFill/>
+          <a:ln>
+            <a:noFill/>
+          </a:ln>
+        </p:spPr>
+        <p:style>
+          <a:lnRef idx="0"/>
+          <a:fillRef idx="0"/>
+          <a:effectRef idx="0"/>
+          <a:fontRef idx="minor"/>
+        </p:style>
+        <p:txBody>
+          <a:bodyPr lIns="50760" rIns="50760" tIns="50760" bIns="50760" anchor="ctr"/>
+          <a:p>
+            <a:pPr marL="444600" indent="-443880">
+              <a:lnSpc>
+                <a:spcPct val="100000"/>
+              </a:lnSpc>
+              <a:buClr>
+                <a:srgbClr val="000000"/>
+              </a:buClr>
+              <a:buFont typeface="Helvetica Neue Light"/>
+              <a:buChar char="•"/>
+            </a:pPr>
+            <a:r>
+              <a:rPr b="0" lang="en-GB" sz="3000" spc="-1" strike="noStrike">
+                <a:solidFill>
+                  <a:srgbClr val="000000"/>
+                </a:solidFill>
+                <a:latin typeface="Helvetica Neue Light"/>
+                <a:ea typeface="Helvetica Neue Light"/>
+              </a:rPr>
+              <a:t>You need the </a:t>
+            </a:r>
+            <a:r>
+              <a:rPr b="0" lang="en-GB" sz="3000" spc="-1" strike="noStrike">
+                <a:solidFill>
+                  <a:srgbClr val="942192"/>
+                </a:solidFill>
+                <a:latin typeface="Helvetica Neue Light"/>
+                <a:ea typeface="Helvetica Neue Light"/>
+              </a:rPr>
+              <a:t>contract’s code</a:t>
+            </a:r>
+            <a:r>
+              <a:rPr b="0" lang="en-GB" sz="3000" spc="-1" strike="noStrike">
+                <a:solidFill>
+                  <a:srgbClr val="000000"/>
+                </a:solidFill>
+                <a:latin typeface="Helvetica Neue Light"/>
+                <a:ea typeface="Helvetica Neue Light"/>
+              </a:rPr>
+              <a:t> and the </a:t>
+            </a:r>
+            <a:r>
+              <a:rPr b="0" lang="en-GB" sz="3000" spc="-1" strike="noStrike">
+                <a:solidFill>
+                  <a:srgbClr val="942192"/>
+                </a:solidFill>
+                <a:latin typeface="Helvetica Neue Light"/>
+                <a:ea typeface="Helvetica Neue Light"/>
+              </a:rPr>
+              <a:t>address</a:t>
+            </a:r>
+            <a:r>
+              <a:rPr b="0" lang="en-GB" sz="3000" spc="-1" strike="noStrike">
+                <a:solidFill>
+                  <a:srgbClr val="000000"/>
+                </a:solidFill>
+                <a:latin typeface="Helvetica Neue Light"/>
+                <a:ea typeface="Helvetica Neue Light"/>
+              </a:rPr>
+              <a:t> next time you want to interact with your deployed contract.</a:t>
+            </a:r>
+            <a:endParaRPr b="0" lang="en-GB" sz="3000" spc="-1" strike="noStrike">
+              <a:latin typeface="Arial"/>
+            </a:endParaRPr>
+          </a:p>
+        </p:txBody>
+      </p:sp>
+      <p:sp>
+        <p:nvSpPr>
+          <p:cNvPr id="135" name="CustomShape 4"/>
+          <p:cNvSpPr/>
+          <p:nvPr/>
+        </p:nvSpPr>
+        <p:spPr>
+          <a:xfrm>
+            <a:off x="952560" y="444600"/>
+            <a:ext cx="11099160" cy="2158200"/>
+          </a:xfrm>
+          <a:prstGeom prst="rect">
+            <a:avLst/>
+          </a:prstGeom>
+          <a:noFill/>
+          <a:ln>
+            <a:noFill/>
+          </a:ln>
+        </p:spPr>
+        <p:style>
+          <a:lnRef idx="0"/>
+          <a:fillRef idx="0"/>
+          <a:effectRef idx="0"/>
+          <a:fontRef idx="minor"/>
+        </p:style>
+        <p:txBody>
+          <a:bodyPr lIns="50760" rIns="50760" tIns="50760" bIns="50760" anchor="ctr"/>
+          <a:p>
+            <a:pPr algn="ctr">
+              <a:lnSpc>
+                <a:spcPct val="100000"/>
+              </a:lnSpc>
+            </a:pPr>
+            <a:r>
+              <a:rPr b="0" lang="en-GB" sz="4200" spc="-1" strike="noStrike">
+                <a:solidFill>
+                  <a:srgbClr val="000000"/>
+                </a:solidFill>
+                <a:latin typeface="Helvetica Neue Light"/>
+                <a:ea typeface="Helvetica Neue Light"/>
+              </a:rPr>
+              <a:t>Step 4.3:</a:t>
+            </a:r>
+            <a:endParaRPr b="0" lang="en-GB" sz="4200" spc="-1" strike="noStrike">
+              <a:latin typeface="Arial"/>
+            </a:endParaRPr>
+          </a:p>
+          <a:p>
+            <a:pPr algn="ctr">
+              <a:lnSpc>
+                <a:spcPct val="100000"/>
+              </a:lnSpc>
+            </a:pPr>
+            <a:r>
+              <a:rPr b="0" lang="en-GB" sz="4200" spc="-1" strike="noStrike">
+                <a:solidFill>
+                  <a:srgbClr val="000000"/>
+                </a:solidFill>
+                <a:latin typeface="Helvetica Neue Light"/>
+                <a:ea typeface="Helvetica Neue Light"/>
+              </a:rPr>
+              <a:t>Deploying Smart Contract to the Private Chain</a:t>
+            </a:r>
+            <a:endParaRPr b="0" lang="en-GB" sz="4200" spc="-1" strike="noStrike">
+              <a:latin typeface="Arial"/>
+            </a:endParaRPr>
+          </a:p>
+          <a:p>
+            <a:pPr algn="ctr">
+              <a:lnSpc>
+                <a:spcPct val="100000"/>
+              </a:lnSpc>
+            </a:pPr>
+            <a:r>
+              <a:rPr b="0" lang="en-GB" sz="2800" spc="-1" strike="noStrike">
+                <a:solidFill>
+                  <a:srgbClr val="000000"/>
+                </a:solidFill>
+                <a:latin typeface="Helvetica Neue Light"/>
+                <a:ea typeface="Helvetica Neue Light"/>
+              </a:rPr>
+              <a:t>Saving the Deployed Contract's Address</a:t>
+            </a:r>
+            <a:endParaRPr b="0" lang="en-GB" sz="2800" spc="-1" strike="noStrike">
+              <a:latin typeface="Arial"/>
+            </a:endParaRPr>
+          </a:p>
+        </p:txBody>
+      </p:sp>
+    </p:spTree>
+  </p:cSld>
+  <p:timing>
+    <p:tnLst>
+      <p:par>
+        <p:cTn id="19" dur="indefinite" restart="never" nodeType="tmRoot">
+          <p:childTnLst>
+            <p:seq>
+              <p:cTn id="20" dur="indefinite" nodeType="mainSeq"/>
+              <p:prevCondLst>
+                <p:cond delay="0" evt="onPrev">
+                  <p:tgtEl>
+                    <p:sldTgt/>
+                  </p:tgtEl>
+                </p:cond>
+              </p:prevCondLst>
+              <p:nextCondLst>
+                <p:cond delay="0" evt="onNext">
+                  <p:tgtEl>
+                    <p:sldTgt/>
+                  </p:tgtEl>
+                </p:cond>
+              </p:nextCondLst>
+            </p:seq>
+          </p:childTnLst>
+        </p:cTn>
+      </p:par>
+    </p:tnLst>
+  </p:timing>
+</p:sld>
+</file>
+
+<file path=ppt/slides/slide19.xml><?xml version="1.0" encoding="utf-8"?>
+<p:sld xmlns:a="http://schemas.openxmlformats.org/drawingml/2006/main" xmlns:p="http://schemas.openxmlformats.org/presentationml/2006/main" xmlns:r="http://schemas.openxmlformats.org/officeDocument/2006/relationships" xmlns:p14="http://schemas.microsoft.com/office/powerpoint/2010/main" xmlns:p15="http://schemas.microsoft.com/office/powerpoint/2012/main" xmlns:mc="http://schemas.openxmlformats.org/markup-compatibility/2006">
+  <p:cSld>
+    <p:spTree>
+      <p:nvGrpSpPr>
+        <p:cNvPr id="1" name=""/>
+        <p:cNvGrpSpPr/>
+        <p:nvPr/>
+      </p:nvGrpSpPr>
+      <p:grpSpPr>
+        <a:xfrm>
+          <a:off x="0" y="0"/>
+          <a:ext cx="0" cy="0"/>
+          <a:chOff x="0" y="0"/>
+          <a:chExt cx="0" cy="0"/>
+        </a:xfrm>
+      </p:grpSpPr>
+      <p:pic>
+        <p:nvPicPr>
+          <p:cNvPr id="136" name="Google Shape;169;p29" descr=""/>
+          <p:cNvPicPr/>
+          <p:nvPr/>
+        </p:nvPicPr>
+        <p:blipFill>
+          <a:blip r:embed="rId1"/>
+          <a:srcRect l="7751" t="12383" r="1961" b="27826"/>
+          <a:stretch/>
+        </p:blipFill>
+        <p:spPr>
+          <a:xfrm>
+            <a:off x="3862800" y="4740840"/>
+            <a:ext cx="9087480" cy="4813560"/>
+          </a:xfrm>
+          <a:prstGeom prst="rect">
+            <a:avLst/>
+          </a:prstGeom>
+          <a:ln>
+            <a:noFill/>
+          </a:ln>
+        </p:spPr>
+      </p:pic>
+      <p:sp>
+        <p:nvSpPr>
+          <p:cNvPr id="137" name="CustomShape 1"/>
+          <p:cNvSpPr/>
+          <p:nvPr/>
+        </p:nvSpPr>
+        <p:spPr>
+          <a:xfrm flipH="1" rot="10800000">
+            <a:off x="4968000" y="6407280"/>
+            <a:ext cx="1105200" cy="215640"/>
           </a:xfrm>
           <a:custGeom>
             <a:avLst/>
@@ -6507,14 +6439,14 @@
       </p:sp>
       <p:sp>
         <p:nvSpPr>
-          <p:cNvPr id="141" name="CustomShape 6"/>
+          <p:cNvPr id="138" name="CustomShape 2"/>
           <p:cNvSpPr/>
           <p:nvPr/>
         </p:nvSpPr>
         <p:spPr>
           <a:xfrm>
-            <a:off x="952560" y="444600"/>
-            <a:ext cx="11099520" cy="2158560"/>
+            <a:off x="320760" y="2014200"/>
+            <a:ext cx="10384560" cy="2996640"/>
           </a:xfrm>
           <a:prstGeom prst="rect">
             <a:avLst/>
@@ -6533,6 +6465,300 @@
         <p:txBody>
           <a:bodyPr lIns="50760" rIns="50760" tIns="50760" bIns="50760" anchor="ctr"/>
           <a:p>
+            <a:pPr marL="529200" indent="-528480">
+              <a:lnSpc>
+                <a:spcPct val="100000"/>
+              </a:lnSpc>
+              <a:buClr>
+                <a:srgbClr val="000000"/>
+              </a:buClr>
+              <a:buFont typeface="StarSymbol"/>
+              <a:buAutoNum type="arabicPeriod"/>
+            </a:pPr>
+            <a:r>
+              <a:rPr b="0" lang="en-GB" sz="3000" spc="-1" strike="noStrike">
+                <a:solidFill>
+                  <a:srgbClr val="000000"/>
+                </a:solidFill>
+                <a:latin typeface="Helvetica Neue Light"/>
+                <a:ea typeface="Helvetica Neue Light"/>
+              </a:rPr>
+              <a:t>Log in to MetaMask and connect to the blockchain (as previously explained)</a:t>
+            </a:r>
+            <a:endParaRPr b="0" lang="en-GB" sz="3000" spc="-1" strike="noStrike">
+              <a:latin typeface="Arial"/>
+            </a:endParaRPr>
+          </a:p>
+          <a:p>
+            <a:pPr marL="529200" indent="-528480">
+              <a:lnSpc>
+                <a:spcPct val="100000"/>
+              </a:lnSpc>
+              <a:buClr>
+                <a:srgbClr val="000000"/>
+              </a:buClr>
+              <a:buFont typeface="StarSymbol"/>
+              <a:buAutoNum type="arabicPeriod"/>
+            </a:pPr>
+            <a:r>
+              <a:rPr b="0" lang="en-GB" sz="3000" spc="-1" strike="noStrike">
+                <a:solidFill>
+                  <a:srgbClr val="000000"/>
+                </a:solidFill>
+                <a:latin typeface="Helvetica Neue Light"/>
+                <a:ea typeface="Helvetica Neue Light"/>
+              </a:rPr>
+              <a:t>In Remix, set the environment to: </a:t>
+            </a:r>
+            <a:r>
+              <a:rPr b="0" lang="en-GB" sz="3000" spc="-1" strike="noStrike">
+                <a:solidFill>
+                  <a:srgbClr val="942192"/>
+                </a:solidFill>
+                <a:latin typeface="Helvetica Neue Light"/>
+                <a:ea typeface="Helvetica Neue Light"/>
+              </a:rPr>
+              <a:t>Injected Web3</a:t>
+            </a:r>
+            <a:r>
+              <a:rPr b="0" lang="en-GB" sz="3000" spc="-1" strike="noStrike">
+                <a:solidFill>
+                  <a:srgbClr val="000000"/>
+                </a:solidFill>
+                <a:latin typeface="Helvetica Neue Light"/>
+                <a:ea typeface="Helvetica Neue Light"/>
+              </a:rPr>
+              <a:t>.</a:t>
+            </a:r>
+            <a:endParaRPr b="0" lang="en-GB" sz="3000" spc="-1" strike="noStrike">
+              <a:latin typeface="Arial"/>
+            </a:endParaRPr>
+          </a:p>
+        </p:txBody>
+      </p:sp>
+      <p:sp>
+        <p:nvSpPr>
+          <p:cNvPr id="139" name="CustomShape 3"/>
+          <p:cNvSpPr/>
+          <p:nvPr/>
+        </p:nvSpPr>
+        <p:spPr>
+          <a:xfrm>
+            <a:off x="129240" y="5860440"/>
+            <a:ext cx="4046400" cy="2387160"/>
+          </a:xfrm>
+          <a:prstGeom prst="rect">
+            <a:avLst/>
+          </a:prstGeom>
+          <a:noFill/>
+          <a:ln>
+            <a:noFill/>
+          </a:ln>
+        </p:spPr>
+        <p:style>
+          <a:lnRef idx="0"/>
+          <a:fillRef idx="0"/>
+          <a:effectRef idx="0"/>
+          <a:fontRef idx="minor"/>
+        </p:style>
+        <p:txBody>
+          <a:bodyPr lIns="50760" rIns="50760" tIns="50760" bIns="50760" anchor="ctr"/>
+          <a:p>
+            <a:pPr>
+              <a:lnSpc>
+                <a:spcPct val="100000"/>
+              </a:lnSpc>
+            </a:pPr>
+            <a:r>
+              <a:rPr b="0" lang="en-GB" sz="3000" spc="-1" strike="noStrike">
+                <a:solidFill>
+                  <a:srgbClr val="000000"/>
+                </a:solidFill>
+                <a:latin typeface="Helvetica Neue Light"/>
+                <a:ea typeface="Helvetica Neue Light"/>
+              </a:rPr>
+              <a:t>3. In Remix, insert the </a:t>
+            </a:r>
+            <a:r>
+              <a:rPr b="0" lang="en-GB" sz="3000" spc="-1" strike="noStrike">
+                <a:solidFill>
+                  <a:srgbClr val="942192"/>
+                </a:solidFill>
+                <a:latin typeface="Helvetica Neue Light"/>
+                <a:ea typeface="Helvetica Neue Light"/>
+              </a:rPr>
+              <a:t>contract’s code</a:t>
+            </a:r>
+            <a:r>
+              <a:rPr b="0" lang="en-GB" sz="3000" spc="-1" strike="noStrike">
+                <a:solidFill>
+                  <a:srgbClr val="000000"/>
+                </a:solidFill>
+                <a:latin typeface="Helvetica Neue Light"/>
+                <a:ea typeface="Helvetica Neue Light"/>
+              </a:rPr>
+              <a:t>, insert the deployed </a:t>
+            </a:r>
+            <a:r>
+              <a:rPr b="0" lang="en-GB" sz="3000" spc="-1" strike="noStrike">
+                <a:solidFill>
+                  <a:srgbClr val="942192"/>
+                </a:solidFill>
+                <a:latin typeface="Helvetica Neue Light"/>
+                <a:ea typeface="Helvetica Neue Light"/>
+              </a:rPr>
+              <a:t>contract’s address</a:t>
+            </a:r>
+            <a:r>
+              <a:rPr b="0" lang="en-GB" sz="3000" spc="-1" strike="noStrike">
+                <a:solidFill>
+                  <a:srgbClr val="000000"/>
+                </a:solidFill>
+                <a:latin typeface="Helvetica Neue Light"/>
+                <a:ea typeface="Helvetica Neue Light"/>
+              </a:rPr>
+              <a:t> and click on: </a:t>
+            </a:r>
+            <a:r>
+              <a:rPr b="0" lang="en-GB" sz="3000" spc="-1" strike="noStrike">
+                <a:solidFill>
+                  <a:srgbClr val="942192"/>
+                </a:solidFill>
+                <a:latin typeface="Helvetica Neue Light"/>
+                <a:ea typeface="Helvetica Neue Light"/>
+              </a:rPr>
+              <a:t>At Address</a:t>
+            </a:r>
+            <a:r>
+              <a:rPr b="0" lang="en-GB" sz="3000" spc="-1" strike="noStrike">
+                <a:solidFill>
+                  <a:srgbClr val="000000"/>
+                </a:solidFill>
+                <a:latin typeface="Helvetica Neue Light"/>
+                <a:ea typeface="Helvetica Neue Light"/>
+              </a:rPr>
+              <a:t>.</a:t>
+            </a:r>
+            <a:endParaRPr b="0" lang="en-GB" sz="3000" spc="-1" strike="noStrike">
+              <a:latin typeface="Arial"/>
+            </a:endParaRPr>
+          </a:p>
+        </p:txBody>
+      </p:sp>
+      <p:sp>
+        <p:nvSpPr>
+          <p:cNvPr id="140" name="CustomShape 4"/>
+          <p:cNvSpPr/>
+          <p:nvPr/>
+        </p:nvSpPr>
+        <p:spPr>
+          <a:xfrm flipH="1" rot="10800000">
+            <a:off x="10872000" y="7284960"/>
+            <a:ext cx="7051680" cy="444960"/>
+          </a:xfrm>
+          <a:custGeom>
+            <a:avLst/>
+            <a:gdLst/>
+            <a:ahLst/>
+            <a:rect l="l" t="t" r="r" b="b"/>
+            <a:pathLst>
+              <a:path w="21600" h="21600">
+                <a:moveTo>
+                  <a:pt x="0" y="0"/>
+                </a:moveTo>
+                <a:lnTo>
+                  <a:pt x="21600" y="21600"/>
+                </a:lnTo>
+              </a:path>
+            </a:pathLst>
+          </a:custGeom>
+          <a:noFill/>
+          <a:ln w="25560">
+            <a:solidFill>
+              <a:srgbClr val="000000"/>
+            </a:solidFill>
+            <a:miter/>
+            <a:tailEnd len="med" type="triangle" w="med"/>
+          </a:ln>
+        </p:spPr>
+        <p:style>
+          <a:lnRef idx="0"/>
+          <a:fillRef idx="0"/>
+          <a:effectRef idx="0"/>
+          <a:fontRef idx="minor"/>
+        </p:style>
+      </p:sp>
+      <p:sp>
+        <p:nvSpPr>
+          <p:cNvPr id="141" name="CustomShape 5"/>
+          <p:cNvSpPr/>
+          <p:nvPr/>
+        </p:nvSpPr>
+        <p:spPr>
+          <a:xfrm flipH="1" rot="10800000">
+            <a:off x="9144000" y="8208000"/>
+            <a:ext cx="6696000" cy="1368000"/>
+          </a:xfrm>
+          <a:custGeom>
+            <a:avLst/>
+            <a:gdLst/>
+            <a:ahLst/>
+            <a:rect l="l" t="t" r="r" b="b"/>
+            <a:pathLst>
+              <a:path w="21600" h="21600">
+                <a:moveTo>
+                  <a:pt x="0" y="0"/>
+                </a:moveTo>
+                <a:lnTo>
+                  <a:pt x="21600" y="21600"/>
+                </a:lnTo>
+              </a:path>
+            </a:pathLst>
+          </a:custGeom>
+          <a:noFill/>
+          <a:ln w="25560">
+            <a:solidFill>
+              <a:srgbClr val="000000"/>
+            </a:solidFill>
+            <a:miter/>
+            <a:tailEnd len="med" type="triangle" w="med"/>
+          </a:ln>
+        </p:spPr>
+        <p:style>
+          <a:lnRef idx="0"/>
+          <a:fillRef idx="0"/>
+          <a:effectRef idx="0"/>
+          <a:fontRef idx="minor"/>
+        </p:style>
+      </p:sp>
+      <p:sp>
+        <p:nvSpPr>
+          <p:cNvPr id="142" name="CustomShape 6"/>
+          <p:cNvSpPr/>
+          <p:nvPr/>
+        </p:nvSpPr>
+        <p:spPr>
+          <a:xfrm>
+            <a:off x="952560" y="444600"/>
+            <a:ext cx="11099160" cy="2158200"/>
+          </a:xfrm>
+          <a:prstGeom prst="rect">
+            <a:avLst/>
+          </a:prstGeom>
+          <a:noFill/>
+          <a:ln>
+            <a:noFill/>
+          </a:ln>
+        </p:spPr>
+        <p:style>
+          <a:lnRef idx="0"/>
+          <a:fillRef idx="0"/>
+          <a:effectRef idx="0"/>
+          <a:fontRef idx="minor"/>
+        </p:style>
+        <p:txBody>
+          <a:bodyPr lIns="50760" rIns="50760" tIns="50760" bIns="50760" anchor="ctr"/>
+          <a:p>
             <a:pPr algn="ctr">
               <a:lnSpc>
                 <a:spcPct val="100000"/>
@@ -6599,10 +6825,10 @@
   <p:timing>
     <p:tnLst>
       <p:par>
-        <p:cTn id="33" dur="indefinite" restart="never" nodeType="tmRoot">
+        <p:cTn id="21" dur="indefinite" restart="never" nodeType="tmRoot">
           <p:childTnLst>
             <p:seq>
-              <p:cTn id="34" dur="indefinite" nodeType="mainSeq"/>
+              <p:cTn id="22" dur="indefinite" nodeType="mainSeq"/>
               <p:prevCondLst>
                 <p:cond delay="0" evt="onPrev">
                   <p:tgtEl>
@@ -6645,14 +6871,14 @@
       </p:grpSpPr>
       <p:sp>
         <p:nvSpPr>
-          <p:cNvPr id="79" name="TextShape 1"/>
-          <p:cNvSpPr txBox="1"/>
+          <p:cNvPr id="77" name="CustomShape 1"/>
+          <p:cNvSpPr/>
           <p:nvPr/>
         </p:nvSpPr>
         <p:spPr>
           <a:xfrm>
             <a:off x="952560" y="2603520"/>
-            <a:ext cx="11099520" cy="6286320"/>
+            <a:ext cx="11099160" cy="6285960"/>
           </a:xfrm>
           <a:prstGeom prst="rect">
             <a:avLst/>
@@ -6662,10 +6888,16 @@
             <a:noFill/>
           </a:ln>
         </p:spPr>
+        <p:style>
+          <a:lnRef idx="0"/>
+          <a:fillRef idx="0"/>
+          <a:effectRef idx="0"/>
+          <a:fontRef idx="minor"/>
+        </p:style>
         <p:txBody>
           <a:bodyPr lIns="50760" rIns="50760" tIns="50760" bIns="50760" anchor="ctr"/>
           <a:p>
-            <a:pPr marL="280080" indent="-279720">
+            <a:pPr marL="280080" indent="-279360">
               <a:lnSpc>
                 <a:spcPct val="100000"/>
               </a:lnSpc>
@@ -6690,7 +6922,7 @@
             </a:endParaRPr>
           </a:p>
           <a:p>
-            <a:pPr marL="280080" indent="-279720">
+            <a:pPr marL="280080" indent="-279360">
               <a:lnSpc>
                 <a:spcPct val="100000"/>
               </a:lnSpc>
@@ -6718,7 +6950,7 @@
             </a:endParaRPr>
           </a:p>
           <a:p>
-            <a:pPr marL="384120" indent="-143640">
+            <a:pPr marL="384120" indent="-143280">
               <a:lnSpc>
                 <a:spcPct val="100000"/>
               </a:lnSpc>
@@ -6728,7 +6960,7 @@
               <a:buClr>
                 <a:srgbClr val="000000"/>
               </a:buClr>
-              <a:buFont typeface="Helvetica Neue Light"/>
+              <a:buFont typeface="StarSymbol"/>
               <a:buAutoNum type="arabicPeriod"/>
             </a:pPr>
             <a:r>
@@ -6756,7 +6988,7 @@
             </a:endParaRPr>
           </a:p>
           <a:p>
-            <a:pPr marL="384120" indent="-143640">
+            <a:pPr marL="384120" indent="-143280">
               <a:lnSpc>
                 <a:spcPct val="100000"/>
               </a:lnSpc>
@@ -6766,7 +6998,7 @@
               <a:buClr>
                 <a:srgbClr val="000000"/>
               </a:buClr>
-              <a:buFont typeface="Helvetica Neue Light"/>
+              <a:buFont typeface="StarSymbol"/>
               <a:buAutoNum type="arabicPeriod"/>
             </a:pPr>
             <a:r>
@@ -6794,7 +7026,7 @@
             </a:endParaRPr>
           </a:p>
           <a:p>
-            <a:pPr marL="384120" indent="-143640">
+            <a:pPr marL="384120" indent="-143280">
               <a:lnSpc>
                 <a:spcPct val="100000"/>
               </a:lnSpc>
@@ -6804,7 +7036,7 @@
               <a:buClr>
                 <a:srgbClr val="000000"/>
               </a:buClr>
-              <a:buFont typeface="Helvetica Neue Light"/>
+              <a:buFont typeface="StarSymbol"/>
               <a:buAutoNum type="arabicPeriod"/>
             </a:pPr>
             <a:r>
@@ -6832,7 +7064,7 @@
             </a:endParaRPr>
           </a:p>
           <a:p>
-            <a:pPr marL="744120" indent="-279720">
+            <a:pPr marL="744120" indent="-279360">
               <a:lnSpc>
                 <a:spcPct val="100000"/>
               </a:lnSpc>
@@ -6860,7 +7092,7 @@
             </a:endParaRPr>
           </a:p>
           <a:p>
-            <a:pPr marL="384120" indent="-143640">
+            <a:pPr marL="384120" indent="-143280">
               <a:lnSpc>
                 <a:spcPct val="100000"/>
               </a:lnSpc>
@@ -6870,7 +7102,7 @@
               <a:buClr>
                 <a:srgbClr val="000000"/>
               </a:buClr>
-              <a:buFont typeface="Helvetica Neue Light"/>
+              <a:buFont typeface="StarSymbol"/>
               <a:buAutoNum type="arabicPeriod" startAt="4"/>
             </a:pPr>
             <a:r>
@@ -6901,14 +7133,14 @@
       </p:sp>
       <p:sp>
         <p:nvSpPr>
-          <p:cNvPr id="80" name="CustomShape 2"/>
+          <p:cNvPr id="78" name="CustomShape 2"/>
           <p:cNvSpPr/>
           <p:nvPr/>
         </p:nvSpPr>
         <p:spPr>
           <a:xfrm>
             <a:off x="952560" y="444240"/>
-            <a:ext cx="11099520" cy="2158920"/>
+            <a:ext cx="11099160" cy="2158560"/>
           </a:xfrm>
           <a:prstGeom prst="rect">
             <a:avLst/>
@@ -6950,13 +7182,1062 @@
       </p:sp>
     </p:spTree>
   </p:cSld>
+</p:sld>
+</file>
+
+<file path=ppt/slides/slide20.xml><?xml version="1.0" encoding="utf-8"?>
+<p:sld xmlns:a="http://schemas.openxmlformats.org/drawingml/2006/main" xmlns:p="http://schemas.openxmlformats.org/presentationml/2006/main" xmlns:r="http://schemas.openxmlformats.org/officeDocument/2006/relationships" xmlns:p14="http://schemas.microsoft.com/office/powerpoint/2010/main" xmlns:p15="http://schemas.microsoft.com/office/powerpoint/2012/main" xmlns:mc="http://schemas.openxmlformats.org/markup-compatibility/2006">
+  <p:cSld>
+    <p:spTree>
+      <p:nvGrpSpPr>
+        <p:cNvPr id="1" name=""/>
+        <p:cNvGrpSpPr/>
+        <p:nvPr/>
+      </p:nvGrpSpPr>
+      <p:grpSpPr>
+        <a:xfrm>
+          <a:off x="0" y="0"/>
+          <a:ext cx="0" cy="0"/>
+          <a:chOff x="0" y="0"/>
+          <a:chExt cx="0" cy="0"/>
+        </a:xfrm>
+      </p:grpSpPr>
+      <p:pic>
+        <p:nvPicPr>
+          <p:cNvPr id="143" name="" descr=""/>
+          <p:cNvPicPr/>
+          <p:nvPr/>
+        </p:nvPicPr>
+        <p:blipFill>
+          <a:blip r:embed="rId1"/>
+          <a:stretch/>
+        </p:blipFill>
+        <p:spPr>
+          <a:xfrm>
+            <a:off x="6480000" y="4752000"/>
+            <a:ext cx="6619680" cy="3428640"/>
+          </a:xfrm>
+          <a:prstGeom prst="rect">
+            <a:avLst/>
+          </a:prstGeom>
+          <a:ln>
+            <a:noFill/>
+          </a:ln>
+        </p:spPr>
+      </p:pic>
+      <p:sp>
+        <p:nvSpPr>
+          <p:cNvPr id="144" name="CustomShape 1"/>
+          <p:cNvSpPr/>
+          <p:nvPr/>
+        </p:nvSpPr>
+        <p:spPr>
+          <a:xfrm>
+            <a:off x="386640" y="3001320"/>
+            <a:ext cx="6924960" cy="2463120"/>
+          </a:xfrm>
+          <a:prstGeom prst="rect">
+            <a:avLst/>
+          </a:prstGeom>
+          <a:noFill/>
+          <a:ln>
+            <a:noFill/>
+          </a:ln>
+        </p:spPr>
+        <p:style>
+          <a:lnRef idx="0"/>
+          <a:fillRef idx="0"/>
+          <a:effectRef idx="0"/>
+          <a:fontRef idx="minor"/>
+        </p:style>
+        <p:txBody>
+          <a:bodyPr lIns="50760" rIns="50760" tIns="50760" bIns="50760" anchor="ctr"/>
+          <a:p>
+            <a:pPr>
+              <a:lnSpc>
+                <a:spcPct val="100000"/>
+              </a:lnSpc>
+            </a:pPr>
+            <a:r>
+              <a:rPr b="0" lang="en-GB" sz="3000" spc="-1" strike="noStrike">
+                <a:solidFill>
+                  <a:srgbClr val="000000"/>
+                </a:solidFill>
+                <a:latin typeface="Helvetica Neue Light"/>
+                <a:ea typeface="Helvetica Neue Light"/>
+              </a:rPr>
+              <a:t>4- All the public/external functions in the contract are provided and you can pass arguments on them and invoke them </a:t>
+            </a:r>
+            <a:endParaRPr b="0" lang="en-GB" sz="3000" spc="-1" strike="noStrike">
+              <a:latin typeface="Arial"/>
+            </a:endParaRPr>
+          </a:p>
+        </p:txBody>
+      </p:sp>
+      <p:sp>
+        <p:nvSpPr>
+          <p:cNvPr id="145" name="CustomShape 2"/>
+          <p:cNvSpPr/>
+          <p:nvPr/>
+        </p:nvSpPr>
+        <p:spPr>
+          <a:xfrm>
+            <a:off x="3709080" y="4976640"/>
+            <a:ext cx="5074920" cy="495360"/>
+          </a:xfrm>
+          <a:custGeom>
+            <a:avLst/>
+            <a:gdLst/>
+            <a:ahLst/>
+            <a:rect l="l" t="t" r="r" b="b"/>
+            <a:pathLst>
+              <a:path w="21600" h="21600">
+                <a:moveTo>
+                  <a:pt x="0" y="0"/>
+                </a:moveTo>
+                <a:lnTo>
+                  <a:pt x="21600" y="21600"/>
+                </a:lnTo>
+              </a:path>
+            </a:pathLst>
+          </a:custGeom>
+          <a:noFill/>
+          <a:ln w="25560">
+            <a:solidFill>
+              <a:srgbClr val="000000"/>
+            </a:solidFill>
+            <a:miter/>
+            <a:tailEnd len="med" type="triangle" w="med"/>
+          </a:ln>
+        </p:spPr>
+        <p:style>
+          <a:lnRef idx="0"/>
+          <a:fillRef idx="0"/>
+          <a:effectRef idx="0"/>
+          <a:fontRef idx="minor"/>
+        </p:style>
+      </p:sp>
+      <p:sp>
+        <p:nvSpPr>
+          <p:cNvPr id="146" name="CustomShape 3"/>
+          <p:cNvSpPr/>
+          <p:nvPr/>
+        </p:nvSpPr>
+        <p:spPr>
+          <a:xfrm>
+            <a:off x="-420120" y="5256000"/>
+            <a:ext cx="6864840" cy="4392000"/>
+          </a:xfrm>
+          <a:prstGeom prst="rect">
+            <a:avLst/>
+          </a:prstGeom>
+          <a:noFill/>
+          <a:ln>
+            <a:noFill/>
+          </a:ln>
+        </p:spPr>
+        <p:style>
+          <a:lnRef idx="0"/>
+          <a:fillRef idx="0"/>
+          <a:effectRef idx="0"/>
+          <a:fontRef idx="minor"/>
+        </p:style>
+        <p:txBody>
+          <a:bodyPr lIns="50760" rIns="50760" tIns="50760" bIns="50760" anchor="ctr"/>
+          <a:p>
+            <a:pPr marL="1005480" indent="-369720">
+              <a:lnSpc>
+                <a:spcPct val="100000"/>
+              </a:lnSpc>
+              <a:buClr>
+                <a:srgbClr val="000000"/>
+              </a:buClr>
+              <a:buFont typeface="Helvetica Neue Light"/>
+              <a:buChar char="•"/>
+            </a:pPr>
+            <a:r>
+              <a:rPr b="0" lang="en-GB" sz="3000" spc="-1" strike="noStrike">
+                <a:solidFill>
+                  <a:srgbClr val="f04e4d"/>
+                </a:solidFill>
+                <a:latin typeface="Helvetica Neue Light"/>
+                <a:ea typeface="Helvetica Neue Light"/>
+              </a:rPr>
+              <a:t>Red</a:t>
+            </a:r>
+            <a:r>
+              <a:rPr b="0" lang="en-GB" sz="3000" spc="-1" strike="noStrike">
+                <a:solidFill>
+                  <a:srgbClr val="000000"/>
+                </a:solidFill>
+                <a:latin typeface="Helvetica Neue Light"/>
+                <a:ea typeface="Helvetica Neue Light"/>
+              </a:rPr>
+              <a:t> fields change the contract’s state, so you create a transaction and spend funds - at minimum you pay the fees, if your transaction does not send funds to the contract</a:t>
+            </a:r>
+            <a:endParaRPr b="0" lang="en-GB" sz="3000" spc="-1" strike="noStrike">
+              <a:latin typeface="Arial"/>
+            </a:endParaRPr>
+          </a:p>
+          <a:p>
+            <a:pPr marL="1005480" indent="-369720">
+              <a:lnSpc>
+                <a:spcPct val="100000"/>
+              </a:lnSpc>
+              <a:buClr>
+                <a:srgbClr val="000000"/>
+              </a:buClr>
+              <a:buFont typeface="Helvetica Neue Light"/>
+              <a:buChar char="•"/>
+            </a:pPr>
+            <a:r>
+              <a:rPr b="0" lang="en-GB" sz="3000" spc="-1" strike="noStrike">
+                <a:solidFill>
+                  <a:srgbClr val="7da7d8"/>
+                </a:solidFill>
+                <a:latin typeface="Helvetica Neue Light"/>
+                <a:ea typeface="Helvetica Neue Light"/>
+              </a:rPr>
+              <a:t>Blue</a:t>
+            </a:r>
+            <a:r>
+              <a:rPr b="0" lang="en-GB" sz="3000" spc="-1" strike="noStrike">
+                <a:solidFill>
+                  <a:srgbClr val="000000"/>
+                </a:solidFill>
+                <a:latin typeface="Helvetica Neue Light"/>
+                <a:ea typeface="Helvetica Neue Light"/>
+              </a:rPr>
+              <a:t> fields just show you the contract’s state and are free</a:t>
+            </a:r>
+            <a:endParaRPr b="0" lang="en-GB" sz="3000" spc="-1" strike="noStrike">
+              <a:latin typeface="Arial"/>
+            </a:endParaRPr>
+          </a:p>
+        </p:txBody>
+      </p:sp>
+      <p:sp>
+        <p:nvSpPr>
+          <p:cNvPr id="147" name="CustomShape 4"/>
+          <p:cNvSpPr/>
+          <p:nvPr/>
+        </p:nvSpPr>
+        <p:spPr>
+          <a:xfrm>
+            <a:off x="6264000" y="5218920"/>
+            <a:ext cx="2520000" cy="1045080"/>
+          </a:xfrm>
+          <a:custGeom>
+            <a:avLst/>
+            <a:gdLst/>
+            <a:ahLst/>
+            <a:rect l="l" t="t" r="r" b="b"/>
+            <a:pathLst>
+              <a:path w="21600" h="21600">
+                <a:moveTo>
+                  <a:pt x="0" y="0"/>
+                </a:moveTo>
+                <a:lnTo>
+                  <a:pt x="21600" y="21600"/>
+                </a:lnTo>
+              </a:path>
+            </a:pathLst>
+          </a:custGeom>
+          <a:noFill/>
+          <a:ln w="25560">
+            <a:solidFill>
+              <a:srgbClr val="000000"/>
+            </a:solidFill>
+            <a:miter/>
+            <a:tailEnd len="med" type="triangle" w="med"/>
+          </a:ln>
+        </p:spPr>
+        <p:style>
+          <a:lnRef idx="0"/>
+          <a:fillRef idx="0"/>
+          <a:effectRef idx="0"/>
+          <a:fontRef idx="minor"/>
+        </p:style>
+      </p:sp>
+      <p:sp>
+        <p:nvSpPr>
+          <p:cNvPr id="148" name="CustomShape 5"/>
+          <p:cNvSpPr/>
+          <p:nvPr/>
+        </p:nvSpPr>
+        <p:spPr>
+          <a:xfrm>
+            <a:off x="6268320" y="5232600"/>
+            <a:ext cx="2515680" cy="2471400"/>
+          </a:xfrm>
+          <a:custGeom>
+            <a:avLst/>
+            <a:gdLst/>
+            <a:ahLst/>
+            <a:rect l="l" t="t" r="r" b="b"/>
+            <a:pathLst>
+              <a:path w="21600" h="21600">
+                <a:moveTo>
+                  <a:pt x="0" y="0"/>
+                </a:moveTo>
+                <a:lnTo>
+                  <a:pt x="21600" y="21600"/>
+                </a:lnTo>
+              </a:path>
+            </a:pathLst>
+          </a:custGeom>
+          <a:noFill/>
+          <a:ln w="25560">
+            <a:solidFill>
+              <a:srgbClr val="000000"/>
+            </a:solidFill>
+            <a:miter/>
+            <a:tailEnd len="med" type="triangle" w="med"/>
+          </a:ln>
+        </p:spPr>
+        <p:style>
+          <a:lnRef idx="0"/>
+          <a:fillRef idx="0"/>
+          <a:effectRef idx="0"/>
+          <a:fontRef idx="minor"/>
+        </p:style>
+      </p:sp>
+      <p:sp>
+        <p:nvSpPr>
+          <p:cNvPr id="149" name="CustomShape 6"/>
+          <p:cNvSpPr/>
+          <p:nvPr/>
+        </p:nvSpPr>
+        <p:spPr>
+          <a:xfrm>
+            <a:off x="952560" y="444600"/>
+            <a:ext cx="11099160" cy="2158200"/>
+          </a:xfrm>
+          <a:prstGeom prst="rect">
+            <a:avLst/>
+          </a:prstGeom>
+          <a:noFill/>
+          <a:ln>
+            <a:noFill/>
+          </a:ln>
+        </p:spPr>
+        <p:style>
+          <a:lnRef idx="0"/>
+          <a:fillRef idx="0"/>
+          <a:effectRef idx="0"/>
+          <a:fontRef idx="minor"/>
+        </p:style>
+        <p:txBody>
+          <a:bodyPr lIns="50760" rIns="50760" tIns="50760" bIns="50760" anchor="ctr"/>
+          <a:p>
+            <a:pPr algn="ctr">
+              <a:lnSpc>
+                <a:spcPct val="100000"/>
+              </a:lnSpc>
+            </a:pPr>
+            <a:r>
+              <a:rPr b="0" lang="en-GB" sz="4200" spc="-1" strike="noStrike">
+                <a:solidFill>
+                  <a:srgbClr val="000000"/>
+                </a:solidFill>
+                <a:latin typeface="Helvetica Neue Light"/>
+                <a:ea typeface="Helvetica Neue Light"/>
+              </a:rPr>
+              <a:t>Step 4.3:</a:t>
+            </a:r>
+            <a:endParaRPr b="0" lang="en-GB" sz="4200" spc="-1" strike="noStrike">
+              <a:latin typeface="Arial"/>
+            </a:endParaRPr>
+          </a:p>
+          <a:p>
+            <a:pPr algn="ctr">
+              <a:lnSpc>
+                <a:spcPct val="100000"/>
+              </a:lnSpc>
+            </a:pPr>
+            <a:r>
+              <a:rPr b="0" lang="en-GB" sz="4200" spc="-1" strike="noStrike">
+                <a:solidFill>
+                  <a:srgbClr val="000000"/>
+                </a:solidFill>
+                <a:latin typeface="Helvetica Neue Light"/>
+                <a:ea typeface="Helvetica Neue Light"/>
+              </a:rPr>
+              <a:t>Deploying Smart Contract to the Private Chain</a:t>
+            </a:r>
+            <a:endParaRPr b="0" lang="en-GB" sz="4200" spc="-1" strike="noStrike">
+              <a:latin typeface="Arial"/>
+            </a:endParaRPr>
+          </a:p>
+          <a:p>
+            <a:pPr algn="ctr">
+              <a:lnSpc>
+                <a:spcPct val="100000"/>
+              </a:lnSpc>
+            </a:pPr>
+            <a:r>
+              <a:rPr b="0" lang="en-GB" sz="2800" spc="-1" strike="noStrike">
+                <a:solidFill>
+                  <a:srgbClr val="000000"/>
+                </a:solidFill>
+                <a:latin typeface="Helvetica Neue Light"/>
+                <a:ea typeface="Helvetica Neue Light"/>
+              </a:rPr>
+              <a:t>Interacting with a Deployed Contract</a:t>
+            </a:r>
+            <a:endParaRPr b="0" lang="en-GB" sz="2800" spc="-1" strike="noStrike">
+              <a:latin typeface="Arial"/>
+            </a:endParaRPr>
+          </a:p>
+        </p:txBody>
+      </p:sp>
+    </p:spTree>
+  </p:cSld>
   <p:timing>
     <p:tnLst>
       <p:par>
-        <p:cTn id="3" dur="indefinite" restart="never" nodeType="tmRoot">
+        <p:cTn id="23" dur="indefinite" restart="never" nodeType="tmRoot">
           <p:childTnLst>
             <p:seq>
-              <p:cTn id="4" dur="indefinite" nodeType="mainSeq"/>
+              <p:cTn id="24" dur="indefinite" nodeType="mainSeq"/>
+              <p:prevCondLst>
+                <p:cond delay="0" evt="onPrev">
+                  <p:tgtEl>
+                    <p:sldTgt/>
+                  </p:tgtEl>
+                </p:cond>
+              </p:prevCondLst>
+              <p:nextCondLst>
+                <p:cond delay="0" evt="onNext">
+                  <p:tgtEl>
+                    <p:sldTgt/>
+                  </p:tgtEl>
+                </p:cond>
+              </p:nextCondLst>
+            </p:seq>
+          </p:childTnLst>
+        </p:cTn>
+      </p:par>
+    </p:tnLst>
+  </p:timing>
+</p:sld>
+</file>
+
+<file path=ppt/slides/slide21.xml><?xml version="1.0" encoding="utf-8"?>
+<p:sld xmlns:a="http://schemas.openxmlformats.org/drawingml/2006/main" xmlns:p="http://schemas.openxmlformats.org/presentationml/2006/main" xmlns:r="http://schemas.openxmlformats.org/officeDocument/2006/relationships" xmlns:p14="http://schemas.microsoft.com/office/powerpoint/2010/main" xmlns:p15="http://schemas.microsoft.com/office/powerpoint/2012/main" xmlns:mc="http://schemas.openxmlformats.org/markup-compatibility/2006">
+  <p:cSld>
+    <p:spTree>
+      <p:nvGrpSpPr>
+        <p:cNvPr id="1" name=""/>
+        <p:cNvGrpSpPr/>
+        <p:nvPr/>
+      </p:nvGrpSpPr>
+      <p:grpSpPr>
+        <a:xfrm>
+          <a:off x="0" y="0"/>
+          <a:ext cx="0" cy="0"/>
+          <a:chOff x="0" y="0"/>
+          <a:chExt cx="0" cy="0"/>
+        </a:xfrm>
+      </p:grpSpPr>
+      <p:sp>
+        <p:nvSpPr>
+          <p:cNvPr id="150" name="CustomShape 1"/>
+          <p:cNvSpPr/>
+          <p:nvPr/>
+        </p:nvSpPr>
+        <p:spPr>
+          <a:xfrm>
+            <a:off x="952560" y="1512000"/>
+            <a:ext cx="11099160" cy="8136000"/>
+          </a:xfrm>
+          <a:prstGeom prst="rect">
+            <a:avLst/>
+          </a:prstGeom>
+          <a:noFill/>
+          <a:ln>
+            <a:noFill/>
+          </a:ln>
+        </p:spPr>
+        <p:style>
+          <a:lnRef idx="0"/>
+          <a:fillRef idx="0"/>
+          <a:effectRef idx="0"/>
+          <a:fontRef idx="minor"/>
+        </p:style>
+        <p:txBody>
+          <a:bodyPr lIns="50760" rIns="50760" tIns="50760" bIns="50760" anchor="ctr"/>
+          <a:p>
+            <a:pPr marL="280080" indent="-279360">
+              <a:lnSpc>
+                <a:spcPct val="100000"/>
+              </a:lnSpc>
+              <a:buClr>
+                <a:srgbClr val="000000"/>
+              </a:buClr>
+              <a:buFont typeface="Helvetica Neue Light"/>
+              <a:buChar char="•"/>
+            </a:pPr>
+            <a:r>
+              <a:rPr b="0" lang="en-GB" sz="2270" spc="-1" strike="noStrike" u="sng">
+                <a:solidFill>
+                  <a:srgbClr val="000000"/>
+                </a:solidFill>
+                <a:uFillTx/>
+                <a:latin typeface="Helvetica Neue Light"/>
+                <a:ea typeface="Helvetica Neue Light"/>
+              </a:rPr>
+              <a:t>If you don’t see your funds in Metamask</a:t>
+            </a:r>
+            <a:endParaRPr b="0" lang="en-GB" sz="2270" spc="-1" strike="noStrike">
+              <a:latin typeface="Arial"/>
+            </a:endParaRPr>
+          </a:p>
+          <a:p>
+            <a:pPr lvl="1" marL="432000" indent="-216000">
+              <a:lnSpc>
+                <a:spcPct val="100000"/>
+              </a:lnSpc>
+              <a:buClr>
+                <a:srgbClr val="000000"/>
+              </a:buClr>
+              <a:buSzPct val="45000"/>
+              <a:buFont typeface="Wingdings" charset="2"/>
+              <a:buChar char=""/>
+            </a:pPr>
+            <a:r>
+              <a:rPr b="0" lang="en-GB" sz="2270" spc="-1" strike="noStrike">
+                <a:solidFill>
+                  <a:srgbClr val="000000"/>
+                </a:solidFill>
+                <a:latin typeface="Helvetica Neue Light"/>
+                <a:ea typeface="Helvetica Neue Light"/>
+              </a:rPr>
+              <a:t>Double check that you are connected to the correct network, i.e. the private network and not e.g. the Ethereum mainnet</a:t>
+            </a:r>
+            <a:endParaRPr b="0" lang="en-GB" sz="2270" spc="-1" strike="noStrike">
+              <a:latin typeface="Arial"/>
+            </a:endParaRPr>
+          </a:p>
+          <a:p>
+            <a:pPr lvl="1" marL="432000" indent="-216000">
+              <a:lnSpc>
+                <a:spcPct val="100000"/>
+              </a:lnSpc>
+              <a:buClr>
+                <a:srgbClr val="000000"/>
+              </a:buClr>
+              <a:buSzPct val="45000"/>
+              <a:buFont typeface="Wingdings" charset="2"/>
+              <a:buChar char=""/>
+            </a:pPr>
+            <a:r>
+              <a:rPr b="0" lang="en-GB" sz="2270" spc="-1" strike="noStrike">
+                <a:solidFill>
+                  <a:srgbClr val="000000"/>
+                </a:solidFill>
+                <a:latin typeface="Helvetica Neue Light"/>
+                <a:ea typeface="Helvetica Neue Light"/>
+              </a:rPr>
+              <a:t>If you are connected to the private network, try connecting to a different network (e.g. the Ethereum mainnet) and then reconnecting back to the private network – sometimes Metamask’s connection breaks down, so this will reset the network</a:t>
+            </a:r>
+            <a:endParaRPr b="0" lang="en-GB" sz="2270" spc="-1" strike="noStrike">
+              <a:latin typeface="Arial"/>
+            </a:endParaRPr>
+          </a:p>
+          <a:p>
+            <a:pPr lvl="1" marL="432000" indent="-216000">
+              <a:lnSpc>
+                <a:spcPct val="100000"/>
+              </a:lnSpc>
+              <a:buClr>
+                <a:srgbClr val="000000"/>
+              </a:buClr>
+              <a:buSzPct val="45000"/>
+              <a:buFont typeface="Wingdings" charset="2"/>
+              <a:buChar char=""/>
+            </a:pPr>
+            <a:r>
+              <a:rPr b="0" lang="en-GB" sz="2270" spc="-1" strike="noStrike">
+                <a:solidFill>
+                  <a:srgbClr val="000000"/>
+                </a:solidFill>
+                <a:latin typeface="Helvetica Neue Light"/>
+                <a:ea typeface="Helvetica Neue Light"/>
+              </a:rPr>
+              <a:t>If you still don’t see your funds, try deleting Metamask from your browser (remember to </a:t>
+            </a:r>
+            <a:r>
+              <a:rPr b="1" lang="en-GB" sz="2270" spc="-1" strike="noStrike">
+                <a:solidFill>
+                  <a:srgbClr val="000000"/>
+                </a:solidFill>
+                <a:latin typeface="Helvetica Neue Light"/>
+                <a:ea typeface="Helvetica Neue Light"/>
+              </a:rPr>
+              <a:t>store your seed</a:t>
+            </a:r>
+            <a:r>
+              <a:rPr b="0" lang="en-GB" sz="2270" spc="-1" strike="noStrike">
+                <a:solidFill>
+                  <a:srgbClr val="000000"/>
+                </a:solidFill>
+                <a:latin typeface="Helvetica Neue Light"/>
+                <a:ea typeface="Helvetica Neue Light"/>
+              </a:rPr>
+              <a:t> first), and then re-install it, recreate your wallet using your seed (if you have more than one accounts in your wallet, you have to create them all manually again) and connect to the private network – sometimes Metamask’s internal transaction generator breaks down (due to temporary network issues), so this will reset your wallet from scratch</a:t>
+            </a:r>
+            <a:endParaRPr b="0" lang="en-GB" sz="2270" spc="-1" strike="noStrike">
+              <a:latin typeface="Arial"/>
+            </a:endParaRPr>
+          </a:p>
+          <a:p>
+            <a:pPr lvl="1" marL="432000" indent="-216000">
+              <a:lnSpc>
+                <a:spcPct val="100000"/>
+              </a:lnSpc>
+              <a:buClr>
+                <a:srgbClr val="000000"/>
+              </a:buClr>
+              <a:buSzPct val="45000"/>
+              <a:buFont typeface="Wingdings" charset="2"/>
+              <a:buChar char=""/>
+            </a:pPr>
+            <a:r>
+              <a:rPr b="0" lang="en-GB" sz="2270" spc="-1" strike="noStrike">
+                <a:solidFill>
+                  <a:srgbClr val="000000"/>
+                </a:solidFill>
+                <a:latin typeface="Helvetica Neue Light"/>
+                <a:ea typeface="Helvetica Neue Light"/>
+              </a:rPr>
+              <a:t>If you still don’t see your funds contact the course’s TA</a:t>
+            </a:r>
+            <a:endParaRPr b="0" lang="en-GB" sz="2270" spc="-1" strike="noStrike">
+              <a:latin typeface="Arial"/>
+            </a:endParaRPr>
+          </a:p>
+        </p:txBody>
+      </p:sp>
+      <p:sp>
+        <p:nvSpPr>
+          <p:cNvPr id="151" name="CustomShape 2"/>
+          <p:cNvSpPr/>
+          <p:nvPr/>
+        </p:nvSpPr>
+        <p:spPr>
+          <a:xfrm>
+            <a:off x="952560" y="-23760"/>
+            <a:ext cx="11099160" cy="2158560"/>
+          </a:xfrm>
+          <a:prstGeom prst="rect">
+            <a:avLst/>
+          </a:prstGeom>
+          <a:noFill/>
+          <a:ln>
+            <a:noFill/>
+          </a:ln>
+        </p:spPr>
+        <p:style>
+          <a:lnRef idx="0"/>
+          <a:fillRef idx="0"/>
+          <a:effectRef idx="0"/>
+          <a:fontRef idx="minor"/>
+        </p:style>
+        <p:txBody>
+          <a:bodyPr lIns="50760" rIns="50760" tIns="50760" bIns="50760" anchor="ctr"/>
+          <a:p>
+            <a:pPr algn="ctr">
+              <a:lnSpc>
+                <a:spcPct val="100000"/>
+              </a:lnSpc>
+            </a:pPr>
+            <a:r>
+              <a:rPr b="0" lang="en-GB" sz="8000" spc="-1" strike="noStrike">
+                <a:solidFill>
+                  <a:srgbClr val="000000"/>
+                </a:solidFill>
+                <a:latin typeface="Helvetica Neue Light"/>
+                <a:ea typeface="Helvetica Neue Light"/>
+              </a:rPr>
+              <a:t>Debugging</a:t>
+            </a:r>
+            <a:endParaRPr b="0" lang="en-GB" sz="8000" spc="-1" strike="noStrike">
+              <a:latin typeface="Arial"/>
+            </a:endParaRPr>
+          </a:p>
+        </p:txBody>
+      </p:sp>
+    </p:spTree>
+  </p:cSld>
+  <p:timing>
+    <p:tnLst>
+      <p:par>
+        <p:cTn id="25" dur="indefinite" restart="never" nodeType="tmRoot">
+          <p:childTnLst>
+            <p:seq>
+              <p:cTn id="26" dur="indefinite" nodeType="mainSeq"/>
+              <p:prevCondLst>
+                <p:cond delay="0" evt="onPrev">
+                  <p:tgtEl>
+                    <p:sldTgt/>
+                  </p:tgtEl>
+                </p:cond>
+              </p:prevCondLst>
+              <p:nextCondLst>
+                <p:cond delay="0" evt="onNext">
+                  <p:tgtEl>
+                    <p:sldTgt/>
+                  </p:tgtEl>
+                </p:cond>
+              </p:nextCondLst>
+            </p:seq>
+          </p:childTnLst>
+        </p:cTn>
+      </p:par>
+    </p:tnLst>
+  </p:timing>
+</p:sld>
+</file>
+
+<file path=ppt/slides/slide22.xml><?xml version="1.0" encoding="utf-8"?>
+<p:sld xmlns:a="http://schemas.openxmlformats.org/drawingml/2006/main" xmlns:p="http://schemas.openxmlformats.org/presentationml/2006/main" xmlns:r="http://schemas.openxmlformats.org/officeDocument/2006/relationships" xmlns:p14="http://schemas.microsoft.com/office/powerpoint/2010/main" xmlns:p15="http://schemas.microsoft.com/office/powerpoint/2012/main" xmlns:mc="http://schemas.openxmlformats.org/markup-compatibility/2006">
+  <p:cSld>
+    <p:spTree>
+      <p:nvGrpSpPr>
+        <p:cNvPr id="1" name=""/>
+        <p:cNvGrpSpPr/>
+        <p:nvPr/>
+      </p:nvGrpSpPr>
+      <p:grpSpPr>
+        <a:xfrm>
+          <a:off x="0" y="0"/>
+          <a:ext cx="0" cy="0"/>
+          <a:chOff x="0" y="0"/>
+          <a:chExt cx="0" cy="0"/>
+        </a:xfrm>
+      </p:grpSpPr>
+      <p:sp>
+        <p:nvSpPr>
+          <p:cNvPr id="152" name="CustomShape 1"/>
+          <p:cNvSpPr/>
+          <p:nvPr/>
+        </p:nvSpPr>
+        <p:spPr>
+          <a:xfrm>
+            <a:off x="952560" y="1512000"/>
+            <a:ext cx="11099160" cy="8136000"/>
+          </a:xfrm>
+          <a:prstGeom prst="rect">
+            <a:avLst/>
+          </a:prstGeom>
+          <a:noFill/>
+          <a:ln>
+            <a:noFill/>
+          </a:ln>
+        </p:spPr>
+        <p:style>
+          <a:lnRef idx="0"/>
+          <a:fillRef idx="0"/>
+          <a:effectRef idx="0"/>
+          <a:fontRef idx="minor"/>
+        </p:style>
+        <p:txBody>
+          <a:bodyPr lIns="50760" rIns="50760" tIns="50760" bIns="50760" anchor="ctr"/>
+          <a:p>
+            <a:pPr marL="280080" indent="-279360">
+              <a:lnSpc>
+                <a:spcPct val="100000"/>
+              </a:lnSpc>
+              <a:buClr>
+                <a:srgbClr val="000000"/>
+              </a:buClr>
+              <a:buFont typeface="Helvetica Neue Light"/>
+              <a:buChar char="•"/>
+            </a:pPr>
+            <a:r>
+              <a:rPr b="0" lang="en-GB" sz="2270" spc="-1" strike="noStrike" u="sng">
+                <a:solidFill>
+                  <a:srgbClr val="000000"/>
+                </a:solidFill>
+                <a:uFillTx/>
+                <a:latin typeface="Helvetica Neue Light"/>
+                <a:ea typeface="Helvetica Neue Light"/>
+              </a:rPr>
+              <a:t>If you want to find past transactions’ IDs</a:t>
+            </a:r>
+            <a:endParaRPr b="0" lang="en-GB" sz="2270" spc="-1" strike="noStrike">
+              <a:latin typeface="Arial"/>
+            </a:endParaRPr>
+          </a:p>
+          <a:p>
+            <a:pPr lvl="1" marL="432000" indent="-216000">
+              <a:lnSpc>
+                <a:spcPct val="100000"/>
+              </a:lnSpc>
+              <a:buClr>
+                <a:srgbClr val="000000"/>
+              </a:buClr>
+              <a:buSzPct val="45000"/>
+              <a:buFont typeface="Wingdings" charset="2"/>
+              <a:buChar char=""/>
+            </a:pPr>
+            <a:r>
+              <a:rPr b="0" lang="en-GB" sz="2270" spc="-1" strike="noStrike">
+                <a:solidFill>
+                  <a:srgbClr val="000000"/>
+                </a:solidFill>
+                <a:latin typeface="Helvetica Neue Light"/>
+                <a:ea typeface="Helvetica Neue Light"/>
+              </a:rPr>
+              <a:t>Metamask keeps a list of all transactions that you have made</a:t>
+            </a:r>
+            <a:endParaRPr b="0" lang="en-GB" sz="2270" spc="-1" strike="noStrike">
+              <a:latin typeface="Arial"/>
+            </a:endParaRPr>
+          </a:p>
+          <a:p>
+            <a:pPr lvl="1" marL="432000" indent="-216000">
+              <a:lnSpc>
+                <a:spcPct val="100000"/>
+              </a:lnSpc>
+              <a:buClr>
+                <a:srgbClr val="000000"/>
+              </a:buClr>
+              <a:buSzPct val="45000"/>
+              <a:buFont typeface="Wingdings" charset="2"/>
+              <a:buChar char=""/>
+            </a:pPr>
+            <a:r>
+              <a:rPr b="0" lang="en-GB" sz="2270" spc="-1" strike="noStrike">
+                <a:solidFill>
+                  <a:srgbClr val="000000"/>
+                </a:solidFill>
+                <a:latin typeface="Helvetica Neue Light"/>
+                <a:ea typeface="Helvetica Neue Light"/>
+              </a:rPr>
+              <a:t>Click on a transaction and it will redirect you to Etherscan – the public Ethereum network’s explorer</a:t>
+            </a:r>
+            <a:endParaRPr b="0" lang="en-GB" sz="2270" spc="-1" strike="noStrike">
+              <a:latin typeface="Arial"/>
+            </a:endParaRPr>
+          </a:p>
+          <a:p>
+            <a:pPr lvl="1" marL="432000" indent="-216000">
+              <a:lnSpc>
+                <a:spcPct val="100000"/>
+              </a:lnSpc>
+              <a:buClr>
+                <a:srgbClr val="000000"/>
+              </a:buClr>
+              <a:buSzPct val="45000"/>
+              <a:buFont typeface="Wingdings" charset="2"/>
+              <a:buChar char=""/>
+            </a:pPr>
+            <a:r>
+              <a:rPr b="0" lang="en-GB" sz="2270" spc="-1" strike="noStrike">
+                <a:solidFill>
+                  <a:srgbClr val="000000"/>
+                </a:solidFill>
+                <a:latin typeface="Helvetica Neue Light"/>
+                <a:ea typeface="Helvetica Neue Light"/>
+              </a:rPr>
+              <a:t>Etherscan will not show you anything, because it does not track the private network but the public Ethereum</a:t>
+            </a:r>
+            <a:endParaRPr b="0" lang="en-GB" sz="2270" spc="-1" strike="noStrike">
+              <a:latin typeface="Arial"/>
+            </a:endParaRPr>
+          </a:p>
+          <a:p>
+            <a:pPr lvl="1" marL="432000" indent="-216000">
+              <a:lnSpc>
+                <a:spcPct val="100000"/>
+              </a:lnSpc>
+              <a:buClr>
+                <a:srgbClr val="000000"/>
+              </a:buClr>
+              <a:buSzPct val="45000"/>
+              <a:buFont typeface="Wingdings" charset="2"/>
+              <a:buChar char=""/>
+            </a:pPr>
+            <a:r>
+              <a:rPr b="0" lang="en-GB" sz="2270" spc="-1" strike="noStrike">
+                <a:solidFill>
+                  <a:srgbClr val="000000"/>
+                </a:solidFill>
+                <a:latin typeface="Helvetica Neue Light"/>
+                <a:ea typeface="Helvetica Neue Light"/>
+              </a:rPr>
+              <a:t>Either in the URL or in Etherscan’s page you will find the transaction ID</a:t>
+            </a:r>
+            <a:endParaRPr b="0" lang="en-GB" sz="2270" spc="-1" strike="noStrike">
+              <a:latin typeface="Arial"/>
+            </a:endParaRPr>
+          </a:p>
+          <a:p>
+            <a:pPr lvl="1" marL="432000" indent="-216000">
+              <a:lnSpc>
+                <a:spcPct val="100000"/>
+              </a:lnSpc>
+              <a:buClr>
+                <a:srgbClr val="000000"/>
+              </a:buClr>
+              <a:buSzPct val="45000"/>
+              <a:buFont typeface="Wingdings" charset="2"/>
+              <a:buChar char=""/>
+            </a:pPr>
+            <a:endParaRPr b="0" lang="en-GB" sz="2270" spc="-1" strike="noStrike">
+              <a:latin typeface="Arial"/>
+            </a:endParaRPr>
+          </a:p>
+          <a:p>
+            <a:pPr marL="280080" indent="-279360">
+              <a:lnSpc>
+                <a:spcPct val="100000"/>
+              </a:lnSpc>
+              <a:buClr>
+                <a:srgbClr val="000000"/>
+              </a:buClr>
+              <a:buFont typeface="Helvetica Neue Light"/>
+              <a:buChar char="•"/>
+            </a:pPr>
+            <a:r>
+              <a:rPr b="0" lang="en-GB" sz="2270" spc="-1" strike="noStrike" u="sng">
+                <a:solidFill>
+                  <a:srgbClr val="000000"/>
+                </a:solidFill>
+                <a:uFillTx/>
+                <a:latin typeface="Helvetica Neue Light"/>
+                <a:ea typeface="Helvetica Neue Light"/>
+              </a:rPr>
+              <a:t>If you interact with a contract but don’t see your changes published</a:t>
+            </a:r>
+            <a:endParaRPr b="0" lang="en-GB" sz="2270" spc="-1" strike="noStrike">
+              <a:latin typeface="Arial"/>
+            </a:endParaRPr>
+          </a:p>
+          <a:p>
+            <a:pPr lvl="1" marL="432000" indent="-216000">
+              <a:lnSpc>
+                <a:spcPct val="100000"/>
+              </a:lnSpc>
+              <a:buClr>
+                <a:srgbClr val="000000"/>
+              </a:buClr>
+              <a:buSzPct val="45000"/>
+              <a:buFont typeface="Wingdings" charset="2"/>
+              <a:buChar char=""/>
+            </a:pPr>
+            <a:r>
+              <a:rPr b="0" lang="en-GB" sz="2270" spc="-1" strike="noStrike">
+                <a:solidFill>
+                  <a:srgbClr val="000000"/>
+                </a:solidFill>
+                <a:latin typeface="Helvetica Neue Light"/>
+                <a:ea typeface="Helvetica Neue Light"/>
+              </a:rPr>
+              <a:t>Make sure that you have set the environment to </a:t>
+            </a:r>
+            <a:r>
+              <a:rPr b="0" i="1" lang="en-GB" sz="2270" spc="-1" strike="noStrike">
+                <a:solidFill>
+                  <a:srgbClr val="000000"/>
+                </a:solidFill>
+                <a:latin typeface="Helvetica Neue Light"/>
+                <a:ea typeface="Helvetica Neue Light"/>
+              </a:rPr>
+              <a:t>Injected Web3</a:t>
+            </a:r>
+            <a:endParaRPr b="0" lang="en-GB" sz="2270" spc="-1" strike="noStrike">
+              <a:latin typeface="Arial"/>
+            </a:endParaRPr>
+          </a:p>
+          <a:p>
+            <a:pPr lvl="1" marL="432000" indent="-216000">
+              <a:lnSpc>
+                <a:spcPct val="100000"/>
+              </a:lnSpc>
+              <a:buClr>
+                <a:srgbClr val="000000"/>
+              </a:buClr>
+              <a:buSzPct val="45000"/>
+              <a:buFont typeface="Wingdings" charset="2"/>
+              <a:buChar char=""/>
+            </a:pPr>
+            <a:r>
+              <a:rPr b="0" lang="en-GB" sz="2270" spc="-1" strike="noStrike">
+                <a:solidFill>
+                  <a:srgbClr val="000000"/>
+                </a:solidFill>
+                <a:latin typeface="Helvetica Neue Light"/>
+                <a:ea typeface="Helvetica Neue Light"/>
+              </a:rPr>
+              <a:t>Double check that the address of the contract to which you connect is the correct one</a:t>
+            </a:r>
+            <a:endParaRPr b="0" lang="en-GB" sz="2270" spc="-1" strike="noStrike">
+              <a:latin typeface="Arial"/>
+            </a:endParaRPr>
+          </a:p>
+        </p:txBody>
+      </p:sp>
+      <p:sp>
+        <p:nvSpPr>
+          <p:cNvPr id="153" name="CustomShape 2"/>
+          <p:cNvSpPr/>
+          <p:nvPr/>
+        </p:nvSpPr>
+        <p:spPr>
+          <a:xfrm>
+            <a:off x="952560" y="-23760"/>
+            <a:ext cx="11099160" cy="2158560"/>
+          </a:xfrm>
+          <a:prstGeom prst="rect">
+            <a:avLst/>
+          </a:prstGeom>
+          <a:noFill/>
+          <a:ln>
+            <a:noFill/>
+          </a:ln>
+        </p:spPr>
+        <p:style>
+          <a:lnRef idx="0"/>
+          <a:fillRef idx="0"/>
+          <a:effectRef idx="0"/>
+          <a:fontRef idx="minor"/>
+        </p:style>
+        <p:txBody>
+          <a:bodyPr lIns="50760" rIns="50760" tIns="50760" bIns="50760" anchor="ctr"/>
+          <a:p>
+            <a:pPr algn="ctr">
+              <a:lnSpc>
+                <a:spcPct val="100000"/>
+              </a:lnSpc>
+            </a:pPr>
+            <a:r>
+              <a:rPr b="0" lang="en-GB" sz="8000" spc="-1" strike="noStrike">
+                <a:solidFill>
+                  <a:srgbClr val="000000"/>
+                </a:solidFill>
+                <a:latin typeface="Helvetica Neue Light"/>
+                <a:ea typeface="Helvetica Neue Light"/>
+              </a:rPr>
+              <a:t>Debugging</a:t>
+            </a:r>
+            <a:endParaRPr b="0" lang="en-GB" sz="8000" spc="-1" strike="noStrike">
+              <a:latin typeface="Arial"/>
+            </a:endParaRPr>
+          </a:p>
+        </p:txBody>
+      </p:sp>
+    </p:spTree>
+  </p:cSld>
+  <p:timing>
+    <p:tnLst>
+      <p:par>
+        <p:cTn id="27" dur="indefinite" restart="never" nodeType="tmRoot">
+          <p:childTnLst>
+            <p:seq>
+              <p:cTn id="28" dur="indefinite" nodeType="mainSeq"/>
               <p:prevCondLst>
                 <p:cond delay="0" evt="onPrev">
                   <p:tgtEl>
@@ -6999,14 +8280,14 @@
       </p:grpSpPr>
       <p:sp>
         <p:nvSpPr>
-          <p:cNvPr id="81" name="TextShape 1"/>
-          <p:cNvSpPr txBox="1"/>
+          <p:cNvPr id="79" name="CustomShape 1"/>
+          <p:cNvSpPr/>
           <p:nvPr/>
         </p:nvSpPr>
         <p:spPr>
           <a:xfrm>
             <a:off x="952560" y="444600"/>
-            <a:ext cx="11099520" cy="2158560"/>
+            <a:ext cx="11099160" cy="2158200"/>
           </a:xfrm>
           <a:prstGeom prst="rect">
             <a:avLst/>
@@ -7016,6 +8297,12 @@
             <a:noFill/>
           </a:ln>
         </p:spPr>
+        <p:style>
+          <a:lnRef idx="0"/>
+          <a:fillRef idx="0"/>
+          <a:effectRef idx="0"/>
+          <a:fontRef idx="minor"/>
+        </p:style>
         <p:txBody>
           <a:bodyPr lIns="50760" rIns="50760" tIns="50760" bIns="50760" anchor="ctr"/>
           <a:p>
@@ -7046,24 +8333,21 @@
               <a:t>Install Metamask</a:t>
             </a:r>
             <a:endParaRPr b="0" lang="en-GB" sz="6719" spc="-1" strike="noStrike">
-              <a:solidFill>
-                <a:srgbClr val="000000"/>
-              </a:solidFill>
-              <a:latin typeface="Arial"/>
-            </a:endParaRPr>
-          </a:p>
-        </p:txBody>
-      </p:sp>
-      <p:sp>
-        <p:nvSpPr>
-          <p:cNvPr id="82" name="TextShape 2"/>
-          <p:cNvSpPr txBox="1"/>
+              <a:latin typeface="Arial"/>
+            </a:endParaRPr>
+          </a:p>
+        </p:txBody>
+      </p:sp>
+      <p:sp>
+        <p:nvSpPr>
+          <p:cNvPr id="80" name="CustomShape 2"/>
+          <p:cNvSpPr/>
           <p:nvPr/>
         </p:nvSpPr>
         <p:spPr>
           <a:xfrm>
             <a:off x="952560" y="2603520"/>
-            <a:ext cx="11099520" cy="6286320"/>
+            <a:ext cx="11099160" cy="6285960"/>
           </a:xfrm>
           <a:prstGeom prst="rect">
             <a:avLst/>
@@ -7073,10 +8357,16 @@
             <a:noFill/>
           </a:ln>
         </p:spPr>
+        <p:style>
+          <a:lnRef idx="0"/>
+          <a:fillRef idx="0"/>
+          <a:effectRef idx="0"/>
+          <a:fontRef idx="minor"/>
+        </p:style>
         <p:txBody>
           <a:bodyPr lIns="50760" rIns="50760" tIns="50760" bIns="50760" anchor="ctr"/>
           <a:p>
-            <a:pPr marL="382320" indent="-381960">
+            <a:pPr marL="382320" indent="-381600">
               <a:lnSpc>
                 <a:spcPct val="100000"/>
               </a:lnSpc>
@@ -7097,14 +8387,11 @@
               <a:t>It is an extension for Firefox and Google Chrome.</a:t>
             </a:r>
             <a:endParaRPr b="0" lang="en-GB" sz="3100" spc="-1" strike="noStrike">
-              <a:solidFill>
-                <a:srgbClr val="000000"/>
-              </a:solidFill>
-              <a:latin typeface="Arial"/>
-            </a:endParaRPr>
-          </a:p>
-          <a:p>
-            <a:pPr marL="382320" indent="-381960">
+              <a:latin typeface="Arial"/>
+            </a:endParaRPr>
+          </a:p>
+          <a:p>
+            <a:pPr marL="382320" indent="-381600">
               <a:lnSpc>
                 <a:spcPct val="100000"/>
               </a:lnSpc>
@@ -7128,14 +8415,11 @@
               <a:t>Allows us to create our public/private keys and connect to the blockchain. </a:t>
             </a:r>
             <a:endParaRPr b="0" lang="en-GB" sz="3100" spc="-1" strike="noStrike">
-              <a:solidFill>
-                <a:srgbClr val="000000"/>
-              </a:solidFill>
-              <a:latin typeface="Arial"/>
-            </a:endParaRPr>
-          </a:p>
-          <a:p>
-            <a:pPr marL="382320" indent="-381960">
+              <a:latin typeface="Arial"/>
+            </a:endParaRPr>
+          </a:p>
+          <a:p>
+            <a:pPr marL="382320" indent="-381600">
               <a:lnSpc>
                 <a:spcPct val="100000"/>
               </a:lnSpc>
@@ -7159,14 +8443,11 @@
               <a:t>We recommend using MetaMask for Firefox or Chrome</a:t>
             </a:r>
             <a:endParaRPr b="0" lang="en-GB" sz="3100" spc="-1" strike="noStrike">
-              <a:solidFill>
-                <a:srgbClr val="000000"/>
-              </a:solidFill>
-              <a:latin typeface="Arial"/>
-            </a:endParaRPr>
-          </a:p>
-          <a:p>
-            <a:pPr marL="928440" indent="-381960">
+              <a:latin typeface="Arial"/>
+            </a:endParaRPr>
+          </a:p>
+          <a:p>
+            <a:pPr marL="928440" indent="-381600">
               <a:lnSpc>
                 <a:spcPct val="100000"/>
               </a:lnSpc>
@@ -7190,9 +8471,6 @@
               <a:t>Download it from:</a:t>
             </a:r>
             <a:endParaRPr b="0" lang="en-GB" sz="2580" spc="-1" strike="noStrike">
-              <a:solidFill>
-                <a:srgbClr val="000000"/>
-              </a:solidFill>
               <a:latin typeface="Arial"/>
             </a:endParaRPr>
           </a:p>
@@ -7218,14 +8496,11 @@
               <a:t>https://metamask.io/</a:t>
             </a:r>
             <a:endParaRPr b="0" lang="en-GB" sz="2150" spc="-1" strike="noStrike">
-              <a:solidFill>
-                <a:srgbClr val="000000"/>
-              </a:solidFill>
-              <a:latin typeface="Arial"/>
-            </a:endParaRPr>
-          </a:p>
-          <a:p>
-            <a:pPr marL="282960" indent="-282600">
+              <a:latin typeface="Arial"/>
+            </a:endParaRPr>
+          </a:p>
+          <a:p>
+            <a:pPr marL="282960" indent="-282240">
               <a:lnSpc>
                 <a:spcPct val="100000"/>
               </a:lnSpc>
@@ -7249,9 +8524,6 @@
               <a:t>Follow the instructions to install it.</a:t>
             </a:r>
             <a:endParaRPr b="0" lang="en-GB" sz="3100" spc="-1" strike="noStrike">
-              <a:solidFill>
-                <a:srgbClr val="000000"/>
-              </a:solidFill>
               <a:latin typeface="Arial"/>
             </a:endParaRPr>
           </a:p>
@@ -7259,33 +8531,6 @@
       </p:sp>
     </p:spTree>
   </p:cSld>
-  <p:timing>
-    <p:tnLst>
-      <p:par>
-        <p:cTn id="5" dur="indefinite" restart="never" nodeType="tmRoot">
-          <p:childTnLst>
-            <p:seq>
-              <p:cTn id="6" dur="indefinite" nodeType="mainSeq"/>
-              <p:prevCondLst>
-                <p:cond delay="0" evt="onPrev">
-                  <p:tgtEl>
-                    <p:sldTgt/>
-                  </p:tgtEl>
-                </p:cond>
-              </p:prevCondLst>
-              <p:nextCondLst>
-                <p:cond delay="0" evt="onNext">
-                  <p:tgtEl>
-                    <p:sldTgt/>
-                  </p:tgtEl>
-                </p:cond>
-              </p:nextCondLst>
-            </p:seq>
-          </p:childTnLst>
-        </p:cTn>
-      </p:par>
-    </p:tnLst>
-  </p:timing>
 </p:sld>
 </file>
 
@@ -7308,14 +8553,14 @@
       </p:grpSpPr>
       <p:sp>
         <p:nvSpPr>
-          <p:cNvPr id="83" name="TextShape 1"/>
-          <p:cNvSpPr txBox="1"/>
+          <p:cNvPr id="81" name="CustomShape 1"/>
+          <p:cNvSpPr/>
           <p:nvPr/>
         </p:nvSpPr>
         <p:spPr>
           <a:xfrm>
             <a:off x="1117440" y="488880"/>
-            <a:ext cx="11099520" cy="6286320"/>
+            <a:ext cx="11099160" cy="6285960"/>
           </a:xfrm>
           <a:prstGeom prst="rect">
             <a:avLst/>
@@ -7325,10 +8570,16 @@
             <a:noFill/>
           </a:ln>
         </p:spPr>
+        <p:style>
+          <a:lnRef idx="0"/>
+          <a:fillRef idx="0"/>
+          <a:effectRef idx="0"/>
+          <a:fontRef idx="minor"/>
+        </p:style>
         <p:txBody>
           <a:bodyPr lIns="50760" rIns="50760" tIns="50760" bIns="50760" anchor="ctr"/>
           <a:p>
-            <a:pPr marL="444600" indent="-444240">
+            <a:pPr marL="444600" indent="-443880">
               <a:lnSpc>
                 <a:spcPct val="100000"/>
               </a:lnSpc>
@@ -7346,27 +8597,24 @@
                 <a:latin typeface="Helvetica Neue Light"/>
                 <a:ea typeface="Helvetica Neue Light"/>
               </a:rPr>
-              <a:t>Click on the MetaMask icon on the top right side of your Firefox browser.</a:t>
+              <a:t>Click on the MetaMask icon on the top right side of your browser.</a:t>
             </a:r>
             <a:endParaRPr b="0" lang="en-GB" sz="3600" spc="-1" strike="noStrike">
-              <a:solidFill>
-                <a:srgbClr val="000000"/>
-              </a:solidFill>
-              <a:latin typeface="Arial"/>
-            </a:endParaRPr>
-          </a:p>
-        </p:txBody>
-      </p:sp>
-      <p:sp>
-        <p:nvSpPr>
-          <p:cNvPr id="84" name="TextShape 2"/>
-          <p:cNvSpPr txBox="1"/>
+              <a:latin typeface="Arial"/>
+            </a:endParaRPr>
+          </a:p>
+        </p:txBody>
+      </p:sp>
+      <p:sp>
+        <p:nvSpPr>
+          <p:cNvPr id="82" name="CustomShape 2"/>
+          <p:cNvSpPr/>
           <p:nvPr/>
         </p:nvSpPr>
         <p:spPr>
           <a:xfrm>
             <a:off x="952560" y="444600"/>
-            <a:ext cx="11099520" cy="2158560"/>
+            <a:ext cx="11099160" cy="2158200"/>
           </a:xfrm>
           <a:prstGeom prst="rect">
             <a:avLst/>
@@ -7376,6 +8624,12 @@
             <a:noFill/>
           </a:ln>
         </p:spPr>
+        <p:style>
+          <a:lnRef idx="0"/>
+          <a:fillRef idx="0"/>
+          <a:effectRef idx="0"/>
+          <a:fontRef idx="minor"/>
+        </p:style>
         <p:txBody>
           <a:bodyPr lIns="50760" rIns="50760" tIns="50760" bIns="50760" anchor="ctr"/>
           <a:p>
@@ -7406,9 +8660,6 @@
               <a:t> Set Up an Account in MetaMask</a:t>
             </a:r>
             <a:endParaRPr b="0" lang="en-GB" sz="5840" spc="-1" strike="noStrike">
-              <a:solidFill>
-                <a:srgbClr val="000000"/>
-              </a:solidFill>
               <a:latin typeface="Arial"/>
             </a:endParaRPr>
           </a:p>
@@ -7416,19 +8667,19 @@
       </p:sp>
       <p:pic>
         <p:nvPicPr>
-          <p:cNvPr id="85" name="Google Shape;78;p17" descr=""/>
+          <p:cNvPr id="83" name="Google Shape;78;p17" descr=""/>
           <p:cNvPicPr/>
           <p:nvPr/>
         </p:nvPicPr>
         <p:blipFill>
           <a:blip r:embed="rId1"/>
-          <a:srcRect l="47067" t="0" r="0" b="62660"/>
+          <a:srcRect l="47061" t="0" r="0" b="62651"/>
           <a:stretch/>
         </p:blipFill>
         <p:spPr>
           <a:xfrm>
             <a:off x="2353320" y="5514120"/>
-            <a:ext cx="8297640" cy="2812320"/>
+            <a:ext cx="8297280" cy="2811960"/>
           </a:xfrm>
           <a:prstGeom prst="rect">
             <a:avLst/>
@@ -7440,14 +8691,14 @@
       </p:pic>
       <p:sp>
         <p:nvSpPr>
-          <p:cNvPr id="86" name="CustomShape 3"/>
+          <p:cNvPr id="84" name="CustomShape 3"/>
           <p:cNvSpPr/>
           <p:nvPr/>
         </p:nvSpPr>
         <p:spPr>
           <a:xfrm>
             <a:off x="7305120" y="3590640"/>
-            <a:ext cx="2739240" cy="2404080"/>
+            <a:ext cx="2738880" cy="2403720"/>
           </a:xfrm>
           <a:custGeom>
             <a:avLst/>
@@ -7483,33 +8734,6 @@
       </p:sp>
     </p:spTree>
   </p:cSld>
-  <p:timing>
-    <p:tnLst>
-      <p:par>
-        <p:cTn id="7" dur="indefinite" restart="never" nodeType="tmRoot">
-          <p:childTnLst>
-            <p:seq>
-              <p:cTn id="8" dur="indefinite" nodeType="mainSeq"/>
-              <p:prevCondLst>
-                <p:cond delay="0" evt="onPrev">
-                  <p:tgtEl>
-                    <p:sldTgt/>
-                  </p:tgtEl>
-                </p:cond>
-              </p:prevCondLst>
-              <p:nextCondLst>
-                <p:cond delay="0" evt="onNext">
-                  <p:tgtEl>
-                    <p:sldTgt/>
-                  </p:tgtEl>
-                </p:cond>
-              </p:nextCondLst>
-            </p:seq>
-          </p:childTnLst>
-        </p:cTn>
-      </p:par>
-    </p:tnLst>
-  </p:timing>
 </p:sld>
 </file>
 
@@ -7532,14 +8756,14 @@
       </p:grpSpPr>
       <p:sp>
         <p:nvSpPr>
-          <p:cNvPr id="87" name="TextShape 1"/>
-          <p:cNvSpPr txBox="1"/>
+          <p:cNvPr id="85" name="CustomShape 1"/>
+          <p:cNvSpPr/>
           <p:nvPr/>
         </p:nvSpPr>
         <p:spPr>
           <a:xfrm>
-            <a:off x="952560" y="2610000"/>
-            <a:ext cx="11099520" cy="6286320"/>
+            <a:off x="952560" y="2826000"/>
+            <a:ext cx="11099160" cy="6285960"/>
           </a:xfrm>
           <a:prstGeom prst="rect">
             <a:avLst/>
@@ -7549,10 +8773,16 @@
             <a:noFill/>
           </a:ln>
         </p:spPr>
+        <p:style>
+          <a:lnRef idx="0"/>
+          <a:fillRef idx="0"/>
+          <a:effectRef idx="0"/>
+          <a:fontRef idx="minor"/>
+        </p:style>
         <p:txBody>
           <a:bodyPr lIns="50760" rIns="50760" tIns="50760" bIns="50760" anchor="ctr"/>
           <a:p>
-            <a:pPr marL="444600" indent="-444240">
+            <a:pPr marL="444600" indent="-443880">
               <a:lnSpc>
                 <a:spcPct val="100000"/>
               </a:lnSpc>
@@ -7570,17 +8800,14 @@
                 <a:latin typeface="Helvetica Neue Light"/>
                 <a:ea typeface="Helvetica Neue Light"/>
               </a:rPr>
-              <a:t>Follow the instructions to create an account. </a:t>
+              <a:t>Follow the instructions to create an account – you can choose the beta version which is more user friendly</a:t>
             </a:r>
             <a:endParaRPr b="0" lang="en-GB" sz="3600" spc="-1" strike="noStrike">
-              <a:solidFill>
-                <a:srgbClr val="000000"/>
-              </a:solidFill>
-              <a:latin typeface="Arial"/>
-            </a:endParaRPr>
-          </a:p>
-          <a:p>
-            <a:pPr marL="444600" indent="-444240">
+              <a:latin typeface="Arial"/>
+            </a:endParaRPr>
+          </a:p>
+          <a:p>
+            <a:pPr marL="444600" indent="-443880">
               <a:lnSpc>
                 <a:spcPct val="100000"/>
               </a:lnSpc>
@@ -7601,17 +8828,14 @@
                 <a:latin typeface="Helvetica Neue Light"/>
                 <a:ea typeface="Helvetica Neue Light"/>
               </a:rPr>
-              <a:t>After you provide a password, an account (i.e. an address, public and secret keys) will be created for you.</a:t>
+              <a:t>After you provide a password, an account (i.e. an address, public and secret keys) will be created for you – you can also create more than one accounts per wallet</a:t>
             </a:r>
             <a:endParaRPr b="0" lang="en-GB" sz="3600" spc="-1" strike="noStrike">
-              <a:solidFill>
-                <a:srgbClr val="000000"/>
-              </a:solidFill>
-              <a:latin typeface="Arial"/>
-            </a:endParaRPr>
-          </a:p>
-          <a:p>
-            <a:pPr marL="444600" indent="-444240">
+              <a:latin typeface="Arial"/>
+            </a:endParaRPr>
+          </a:p>
+          <a:p>
+            <a:pPr marL="444600" indent="-443880">
               <a:lnSpc>
                 <a:spcPct val="100000"/>
               </a:lnSpc>
@@ -7642,27 +8866,24 @@
                 <a:latin typeface="Helvetica Neue Light"/>
                 <a:ea typeface="Helvetica Neue Light"/>
               </a:rPr>
-              <a:t>: you want it to restore your wallet in case you delete Metamask</a:t>
+              <a:t>: you will need it to restore your wallet in case you delete Metamask</a:t>
             </a:r>
             <a:endParaRPr b="0" lang="en-GB" sz="3600" spc="-1" strike="noStrike">
-              <a:solidFill>
-                <a:srgbClr val="000000"/>
-              </a:solidFill>
-              <a:latin typeface="Arial"/>
-            </a:endParaRPr>
-          </a:p>
-        </p:txBody>
-      </p:sp>
-      <p:sp>
-        <p:nvSpPr>
-          <p:cNvPr id="88" name="TextShape 2"/>
-          <p:cNvSpPr txBox="1"/>
+              <a:latin typeface="Arial"/>
+            </a:endParaRPr>
+          </a:p>
+        </p:txBody>
+      </p:sp>
+      <p:sp>
+        <p:nvSpPr>
+          <p:cNvPr id="86" name="CustomShape 2"/>
+          <p:cNvSpPr/>
           <p:nvPr/>
         </p:nvSpPr>
         <p:spPr>
           <a:xfrm>
             <a:off x="952560" y="444600"/>
-            <a:ext cx="11099520" cy="2158560"/>
+            <a:ext cx="11099160" cy="2158200"/>
           </a:xfrm>
           <a:prstGeom prst="rect">
             <a:avLst/>
@@ -7672,6 +8893,12 @@
             <a:noFill/>
           </a:ln>
         </p:spPr>
+        <p:style>
+          <a:lnRef idx="0"/>
+          <a:fillRef idx="0"/>
+          <a:effectRef idx="0"/>
+          <a:fontRef idx="minor"/>
+        </p:style>
         <p:txBody>
           <a:bodyPr lIns="50760" rIns="50760" tIns="50760" bIns="50760" anchor="ctr"/>
           <a:p>
@@ -7702,9 +8929,6 @@
               <a:t> Create an Account in MetaMask</a:t>
             </a:r>
             <a:endParaRPr b="0" lang="en-GB" sz="5920" spc="-1" strike="noStrike">
-              <a:solidFill>
-                <a:srgbClr val="000000"/>
-              </a:solidFill>
               <a:latin typeface="Arial"/>
             </a:endParaRPr>
           </a:p>
@@ -7712,33 +8936,6 @@
       </p:sp>
     </p:spTree>
   </p:cSld>
-  <p:timing>
-    <p:tnLst>
-      <p:par>
-        <p:cTn id="9" dur="indefinite" restart="never" nodeType="tmRoot">
-          <p:childTnLst>
-            <p:seq>
-              <p:cTn id="10" dur="indefinite" nodeType="mainSeq"/>
-              <p:prevCondLst>
-                <p:cond delay="0" evt="onPrev">
-                  <p:tgtEl>
-                    <p:sldTgt/>
-                  </p:tgtEl>
-                </p:cond>
-              </p:prevCondLst>
-              <p:nextCondLst>
-                <p:cond delay="0" evt="onNext">
-                  <p:tgtEl>
-                    <p:sldTgt/>
-                  </p:tgtEl>
-                </p:cond>
-              </p:nextCondLst>
-            </p:seq>
-          </p:childTnLst>
-        </p:cTn>
-      </p:par>
-    </p:tnLst>
-  </p:timing>
 </p:sld>
 </file>
 
@@ -7761,14 +8958,14 @@
       </p:grpSpPr>
       <p:sp>
         <p:nvSpPr>
-          <p:cNvPr id="89" name="TextShape 1"/>
-          <p:cNvSpPr txBox="1"/>
+          <p:cNvPr id="87" name="CustomShape 1"/>
+          <p:cNvSpPr/>
           <p:nvPr/>
         </p:nvSpPr>
         <p:spPr>
           <a:xfrm>
             <a:off x="952560" y="1396800"/>
-            <a:ext cx="11099520" cy="6286320"/>
+            <a:ext cx="11099160" cy="6285960"/>
           </a:xfrm>
           <a:prstGeom prst="rect">
             <a:avLst/>
@@ -7778,6 +8975,12 @@
             <a:noFill/>
           </a:ln>
         </p:spPr>
+        <p:style>
+          <a:lnRef idx="0"/>
+          <a:fillRef idx="0"/>
+          <a:effectRef idx="0"/>
+          <a:fontRef idx="minor"/>
+        </p:style>
         <p:txBody>
           <a:bodyPr lIns="50760" rIns="50760" tIns="50760" bIns="50760" anchor="ctr"/>
           <a:p>
@@ -7797,9 +9000,6 @@
               <a:t>3.1. Click the MetaMask icon.</a:t>
             </a:r>
             <a:endParaRPr b="0" lang="en-GB" sz="3600" spc="-1" strike="noStrike">
-              <a:solidFill>
-                <a:srgbClr val="000000"/>
-              </a:solidFill>
               <a:latin typeface="Arial"/>
             </a:endParaRPr>
           </a:p>
@@ -7823,9 +9023,6 @@
               <a:t>3.2. Click on the Network option</a:t>
             </a:r>
             <a:endParaRPr b="0" lang="en-GB" sz="3600" spc="-1" strike="noStrike">
-              <a:solidFill>
-                <a:srgbClr val="000000"/>
-              </a:solidFill>
               <a:latin typeface="Arial"/>
             </a:endParaRPr>
           </a:p>
@@ -7849,24 +9046,21 @@
               <a:t>3.3. Click on “Custom RPC”</a:t>
             </a:r>
             <a:endParaRPr b="0" lang="en-GB" sz="3600" spc="-1" strike="noStrike">
-              <a:solidFill>
-                <a:srgbClr val="000000"/>
-              </a:solidFill>
-              <a:latin typeface="Arial"/>
-            </a:endParaRPr>
-          </a:p>
-        </p:txBody>
-      </p:sp>
-      <p:sp>
-        <p:nvSpPr>
-          <p:cNvPr id="90" name="TextShape 2"/>
-          <p:cNvSpPr txBox="1"/>
+              <a:latin typeface="Arial"/>
+            </a:endParaRPr>
+          </a:p>
+        </p:txBody>
+      </p:sp>
+      <p:sp>
+        <p:nvSpPr>
+          <p:cNvPr id="88" name="CustomShape 2"/>
+          <p:cNvSpPr/>
           <p:nvPr/>
         </p:nvSpPr>
         <p:spPr>
           <a:xfrm>
             <a:off x="952560" y="444600"/>
-            <a:ext cx="11099520" cy="2158920"/>
+            <a:ext cx="11099160" cy="2158560"/>
           </a:xfrm>
           <a:prstGeom prst="rect">
             <a:avLst/>
@@ -7876,6 +9070,12 @@
             <a:noFill/>
           </a:ln>
         </p:spPr>
+        <p:style>
+          <a:lnRef idx="0"/>
+          <a:fillRef idx="0"/>
+          <a:effectRef idx="0"/>
+          <a:fontRef idx="minor"/>
+        </p:style>
         <p:txBody>
           <a:bodyPr lIns="50760" rIns="50760" tIns="50760" bIns="50760" anchor="ctr"/>
           <a:p>
@@ -7916,9 +9116,6 @@
               <a:t>Connect MetaMask to the Private Blockchain</a:t>
             </a:r>
             <a:endParaRPr b="0" lang="en-GB" sz="4200" spc="-1" strike="noStrike">
-              <a:solidFill>
-                <a:srgbClr val="000000"/>
-              </a:solidFill>
               <a:latin typeface="Arial"/>
             </a:endParaRPr>
           </a:p>
@@ -7926,7 +9123,7 @@
       </p:sp>
       <p:pic>
         <p:nvPicPr>
-          <p:cNvPr id="91" name="Google Shape;92;p19" descr=""/>
+          <p:cNvPr id="89" name="Google Shape;92;p19" descr=""/>
           <p:cNvPicPr/>
           <p:nvPr/>
         </p:nvPicPr>
@@ -7937,7 +9134,7 @@
         <p:spPr>
           <a:xfrm>
             <a:off x="8773920" y="3186720"/>
-            <a:ext cx="3742920" cy="6267240"/>
+            <a:ext cx="3742560" cy="6266880"/>
           </a:xfrm>
           <a:prstGeom prst="rect">
             <a:avLst/>
@@ -7949,14 +9146,14 @@
       </p:pic>
       <p:sp>
         <p:nvSpPr>
-          <p:cNvPr id="92" name="CustomShape 3"/>
+          <p:cNvPr id="90" name="CustomShape 3"/>
           <p:cNvSpPr/>
           <p:nvPr/>
         </p:nvSpPr>
         <p:spPr>
           <a:xfrm flipH="1" rot="10800000">
-            <a:off x="9788040" y="4460040"/>
-            <a:ext cx="2288520" cy="621720"/>
+            <a:off x="9936000" y="4680000"/>
+            <a:ext cx="1512000" cy="792000"/>
           </a:xfrm>
           <a:custGeom>
             <a:avLst/>
@@ -7977,7 +9174,7 @@
           <a:noFill/>
           <a:ln w="28440">
             <a:solidFill>
-              <a:schemeClr val="dk2"/>
+              <a:srgbClr val="53585f"/>
             </a:solidFill>
             <a:round/>
             <a:tailEnd len="med" type="triangle" w="med"/>
@@ -7992,33 +9189,6 @@
       </p:sp>
     </p:spTree>
   </p:cSld>
-  <p:timing>
-    <p:tnLst>
-      <p:par>
-        <p:cTn id="11" dur="indefinite" restart="never" nodeType="tmRoot">
-          <p:childTnLst>
-            <p:seq>
-              <p:cTn id="12" dur="indefinite" nodeType="mainSeq"/>
-              <p:prevCondLst>
-                <p:cond delay="0" evt="onPrev">
-                  <p:tgtEl>
-                    <p:sldTgt/>
-                  </p:tgtEl>
-                </p:cond>
-              </p:prevCondLst>
-              <p:nextCondLst>
-                <p:cond delay="0" evt="onNext">
-                  <p:tgtEl>
-                    <p:sldTgt/>
-                  </p:tgtEl>
-                </p:cond>
-              </p:nextCondLst>
-            </p:seq>
-          </p:childTnLst>
-        </p:cTn>
-      </p:par>
-    </p:tnLst>
-  </p:timing>
 </p:sld>
 </file>
 
@@ -8041,14 +9211,14 @@
       </p:grpSpPr>
       <p:sp>
         <p:nvSpPr>
-          <p:cNvPr id="93" name="TextShape 1"/>
-          <p:cNvSpPr txBox="1"/>
+          <p:cNvPr id="91" name="CustomShape 1"/>
+          <p:cNvSpPr/>
           <p:nvPr/>
         </p:nvSpPr>
         <p:spPr>
           <a:xfrm>
-            <a:off x="952560" y="1509840"/>
-            <a:ext cx="11099520" cy="6286320"/>
+            <a:off x="952560" y="1905840"/>
+            <a:ext cx="11099160" cy="6285960"/>
           </a:xfrm>
           <a:prstGeom prst="rect">
             <a:avLst/>
@@ -8058,6 +9228,12 @@
             <a:noFill/>
           </a:ln>
         </p:spPr>
+        <p:style>
+          <a:lnRef idx="0"/>
+          <a:fillRef idx="0"/>
+          <a:effectRef idx="0"/>
+          <a:fontRef idx="minor"/>
+        </p:style>
         <p:txBody>
           <a:bodyPr lIns="50760" rIns="50760" tIns="50760" bIns="50760" anchor="ctr"/>
           <a:p>
@@ -8074,12 +9250,9 @@
                 <a:latin typeface="Helvetica Neue Light"/>
                 <a:ea typeface="Helvetica Neue Light"/>
               </a:rPr>
-              <a:t>3.1. In the box on the top, insert the following link:</a:t>
+              <a:t>3.1. In the “New RPC URL” box, insert the following link:</a:t>
             </a:r>
             <a:endParaRPr b="0" lang="en-GB" sz="3600" spc="-1" strike="noStrike">
-              <a:solidFill>
-                <a:srgbClr val="000000"/>
-              </a:solidFill>
               <a:latin typeface="Arial"/>
             </a:endParaRPr>
           </a:p>
@@ -8113,9 +9286,6 @@
               <a:t>http://213.168.251.249:8543/</a:t>
             </a:r>
             <a:endParaRPr b="0" lang="en-GB" sz="2400" spc="-1" strike="noStrike">
-              <a:solidFill>
-                <a:srgbClr val="000000"/>
-              </a:solidFill>
               <a:latin typeface="Arial"/>
             </a:endParaRPr>
           </a:p>
@@ -8136,12 +9306,9 @@
                 <a:latin typeface="Helvetica Neue Light"/>
                 <a:ea typeface="Helvetica Neue Light"/>
               </a:rPr>
-              <a:t>3.2. Click on Save to save it.</a:t>
+              <a:t>3.2. Click on Save</a:t>
             </a:r>
             <a:endParaRPr b="0" lang="en-GB" sz="3600" spc="-1" strike="noStrike">
-              <a:solidFill>
-                <a:srgbClr val="000000"/>
-              </a:solidFill>
               <a:latin typeface="Arial"/>
             </a:endParaRPr>
           </a:p>
@@ -8162,27 +9329,24 @@
                 <a:latin typeface="Helvetica Neue Light"/>
                 <a:ea typeface="Helvetica Neue Light"/>
               </a:rPr>
-              <a:t>3.3. Press X to go to the main page.</a:t>
+              <a:t>3.3. Press X to go to the main page</a:t>
             </a:r>
             <a:endParaRPr b="0" lang="en-GB" sz="3600" spc="-1" strike="noStrike">
-              <a:solidFill>
-                <a:srgbClr val="000000"/>
-              </a:solidFill>
-              <a:latin typeface="Arial"/>
-            </a:endParaRPr>
-          </a:p>
-        </p:txBody>
-      </p:sp>
-      <p:sp>
-        <p:nvSpPr>
-          <p:cNvPr id="94" name="TextShape 2"/>
-          <p:cNvSpPr txBox="1"/>
+              <a:latin typeface="Arial"/>
+            </a:endParaRPr>
+          </a:p>
+        </p:txBody>
+      </p:sp>
+      <p:sp>
+        <p:nvSpPr>
+          <p:cNvPr id="92" name="CustomShape 2"/>
+          <p:cNvSpPr/>
           <p:nvPr/>
         </p:nvSpPr>
         <p:spPr>
           <a:xfrm>
             <a:off x="952560" y="444600"/>
-            <a:ext cx="11099520" cy="2158560"/>
+            <a:ext cx="11099160" cy="2158200"/>
           </a:xfrm>
           <a:prstGeom prst="rect">
             <a:avLst/>
@@ -8192,6 +9356,12 @@
             <a:noFill/>
           </a:ln>
         </p:spPr>
+        <p:style>
+          <a:lnRef idx="0"/>
+          <a:fillRef idx="0"/>
+          <a:effectRef idx="0"/>
+          <a:fontRef idx="minor"/>
+        </p:style>
         <p:txBody>
           <a:bodyPr lIns="50760" rIns="50760" tIns="50760" bIns="50760" anchor="ctr"/>
           <a:p>
@@ -8232,9 +9402,6 @@
               <a:t>Connect MetaMask to the Private Blockchain</a:t>
             </a:r>
             <a:endParaRPr b="0" lang="en-GB" sz="4200" spc="-1" strike="noStrike">
-              <a:solidFill>
-                <a:srgbClr val="000000"/>
-              </a:solidFill>
               <a:latin typeface="Arial"/>
             </a:endParaRPr>
           </a:p>
@@ -8242,7 +9409,7 @@
       </p:sp>
       <p:pic>
         <p:nvPicPr>
-          <p:cNvPr id="95" name="Google Shape;100;p20" descr=""/>
+          <p:cNvPr id="93" name="Google Shape;100;p20" descr=""/>
           <p:cNvPicPr/>
           <p:nvPr/>
         </p:nvPicPr>
@@ -8253,7 +9420,7 @@
         <p:spPr>
           <a:xfrm>
             <a:off x="9082800" y="3554640"/>
-            <a:ext cx="3571560" cy="6048000"/>
+            <a:ext cx="3571200" cy="6047640"/>
           </a:xfrm>
           <a:prstGeom prst="rect">
             <a:avLst/>
@@ -8265,14 +9432,14 @@
       </p:pic>
       <p:sp>
         <p:nvSpPr>
-          <p:cNvPr id="96" name="CustomShape 3"/>
+          <p:cNvPr id="94" name="CustomShape 3"/>
           <p:cNvSpPr/>
           <p:nvPr/>
         </p:nvSpPr>
         <p:spPr>
           <a:xfrm>
             <a:off x="6666840" y="3709080"/>
-            <a:ext cx="3884760" cy="3872880"/>
+            <a:ext cx="3884400" cy="3872520"/>
           </a:xfrm>
           <a:custGeom>
             <a:avLst/>
@@ -8293,7 +9460,7 @@
           <a:noFill/>
           <a:ln w="28440">
             <a:solidFill>
-              <a:schemeClr val="dk2"/>
+              <a:srgbClr val="53585f"/>
             </a:solidFill>
             <a:round/>
             <a:tailEnd len="med" type="triangle" w="med"/>
@@ -8308,33 +9475,6 @@
       </p:sp>
     </p:spTree>
   </p:cSld>
-  <p:timing>
-    <p:tnLst>
-      <p:par>
-        <p:cTn id="13" dur="indefinite" restart="never" nodeType="tmRoot">
-          <p:childTnLst>
-            <p:seq>
-              <p:cTn id="14" dur="indefinite" nodeType="mainSeq"/>
-              <p:prevCondLst>
-                <p:cond delay="0" evt="onPrev">
-                  <p:tgtEl>
-                    <p:sldTgt/>
-                  </p:tgtEl>
-                </p:cond>
-              </p:prevCondLst>
-              <p:nextCondLst>
-                <p:cond delay="0" evt="onNext">
-                  <p:tgtEl>
-                    <p:sldTgt/>
-                  </p:tgtEl>
-                </p:cond>
-              </p:nextCondLst>
-            </p:seq>
-          </p:childTnLst>
-        </p:cTn>
-      </p:par>
-    </p:tnLst>
-  </p:timing>
 </p:sld>
 </file>
 
@@ -8357,14 +9497,14 @@
       </p:grpSpPr>
       <p:sp>
         <p:nvSpPr>
-          <p:cNvPr id="97" name="TextShape 1"/>
-          <p:cNvSpPr txBox="1"/>
+          <p:cNvPr id="95" name="CustomShape 1"/>
+          <p:cNvSpPr/>
           <p:nvPr/>
         </p:nvSpPr>
         <p:spPr>
           <a:xfrm>
             <a:off x="495360" y="5525640"/>
-            <a:ext cx="11099520" cy="3363840"/>
+            <a:ext cx="9944640" cy="3363480"/>
           </a:xfrm>
           <a:prstGeom prst="rect">
             <a:avLst/>
@@ -8374,23 +9514,26 @@
             <a:noFill/>
           </a:ln>
         </p:spPr>
+        <p:style>
+          <a:lnRef idx="0"/>
+          <a:fillRef idx="0"/>
+          <a:effectRef idx="0"/>
+          <a:fontRef idx="minor"/>
+        </p:style>
         <p:txBody>
           <a:bodyPr lIns="50760" rIns="50760" tIns="50760" bIns="50760" anchor="ctr"/>
           <a:p>
-            <a:pPr marL="444600" indent="-272520">
-              <a:lnSpc>
-                <a:spcPct val="100000"/>
-              </a:lnSpc>
-            </a:pPr>
-            <a:endParaRPr b="0" lang="en-GB" sz="1400" spc="-1" strike="noStrike">
-              <a:solidFill>
-                <a:srgbClr val="000000"/>
-              </a:solidFill>
-              <a:latin typeface="Arial"/>
-            </a:endParaRPr>
-          </a:p>
-          <a:p>
-            <a:pPr marL="444600" indent="-444240">
+            <a:pPr marL="444600" indent="-272160">
+              <a:lnSpc>
+                <a:spcPct val="100000"/>
+              </a:lnSpc>
+            </a:pPr>
+            <a:endParaRPr b="0" lang="en-GB" sz="1800" spc="-1" strike="noStrike">
+              <a:latin typeface="Arial"/>
+            </a:endParaRPr>
+          </a:p>
+          <a:p>
+            <a:pPr marL="444600" indent="-443880">
               <a:lnSpc>
                 <a:spcPct val="100000"/>
               </a:lnSpc>
@@ -8411,27 +9554,52 @@
                 <a:latin typeface="Helvetica Neue Light"/>
                 <a:ea typeface="Helvetica Neue Light"/>
               </a:rPr>
-              <a:t>This is your address; click on it to copy and send it to those who want to pay you.  </a:t>
+              <a:t>Your address is under the account’s name – here it starts with “0x8c” and ends with “c9d9”</a:t>
             </a:r>
             <a:endParaRPr b="0" lang="en-GB" sz="3600" spc="-1" strike="noStrike">
-              <a:solidFill>
+              <a:latin typeface="Arial"/>
+            </a:endParaRPr>
+          </a:p>
+          <a:p>
+            <a:pPr marL="444600" indent="-443880">
+              <a:lnSpc>
+                <a:spcPct val="100000"/>
+              </a:lnSpc>
+              <a:spcBef>
+                <a:spcPts val="4201"/>
+              </a:spcBef>
+              <a:buClr>
                 <a:srgbClr val="000000"/>
-              </a:solidFill>
-              <a:latin typeface="Arial"/>
-            </a:endParaRPr>
-          </a:p>
-        </p:txBody>
-      </p:sp>
-      <p:sp>
-        <p:nvSpPr>
-          <p:cNvPr id="98" name="CustomShape 2"/>
+              </a:buClr>
+              <a:buFont typeface="Helvetica Neue Light"/>
+              <a:buChar char="•"/>
+            </a:pPr>
+            <a:r>
+              <a:rPr b="0" lang="en-GB" sz="3600" spc="-1" strike="noStrike">
+                <a:solidFill>
+                  <a:srgbClr val="000000"/>
+                </a:solidFill>
+                <a:latin typeface="Helvetica Neue Light"/>
+                <a:ea typeface="Helvetica Neue Light"/>
+              </a:rPr>
+              <a:t>Click on it to copy it and then send it to those who want to pay you</a:t>
+            </a:r>
+            <a:endParaRPr b="0" lang="en-GB" sz="3600" spc="-1" strike="noStrike">
+              <a:latin typeface="Arial"/>
+            </a:endParaRPr>
+          </a:p>
+        </p:txBody>
+      </p:sp>
+      <p:sp>
+        <p:nvSpPr>
+          <p:cNvPr id="96" name="CustomShape 2"/>
           <p:cNvSpPr/>
           <p:nvPr/>
         </p:nvSpPr>
         <p:spPr>
           <a:xfrm>
             <a:off x="745200" y="3477600"/>
-            <a:ext cx="6573240" cy="1739520"/>
+            <a:ext cx="6572880" cy="1739160"/>
           </a:xfrm>
           <a:prstGeom prst="rect">
             <a:avLst/>
@@ -8450,7 +9618,7 @@
         <p:txBody>
           <a:bodyPr lIns="50760" rIns="50760" tIns="50760" bIns="50760" anchor="ctr"/>
           <a:p>
-            <a:pPr marL="444600" indent="-444240">
+            <a:pPr marL="444600" indent="-443880">
               <a:lnSpc>
                 <a:spcPct val="100000"/>
               </a:lnSpc>
@@ -8468,7 +9636,7 @@
                 <a:latin typeface="Helvetica Neue Light"/>
                 <a:ea typeface="Helvetica Neue Light"/>
               </a:rPr>
-              <a:t>When you’ve successfully connected to the chain, this page will appear.</a:t>
+              <a:t>When you’ve successfully connected to the chain, this page will appear</a:t>
             </a:r>
             <a:endParaRPr b="0" lang="en-GB" sz="3600" spc="-1" strike="noStrike">
               <a:latin typeface="Arial"/>
@@ -8478,14 +9646,14 @@
       </p:sp>
       <p:sp>
         <p:nvSpPr>
-          <p:cNvPr id="99" name="TextShape 3"/>
-          <p:cNvSpPr txBox="1"/>
+          <p:cNvPr id="97" name="CustomShape 3"/>
+          <p:cNvSpPr/>
           <p:nvPr/>
         </p:nvSpPr>
         <p:spPr>
           <a:xfrm>
             <a:off x="952560" y="444600"/>
-            <a:ext cx="11099520" cy="2158560"/>
+            <a:ext cx="11099160" cy="2158200"/>
           </a:xfrm>
           <a:prstGeom prst="rect">
             <a:avLst/>
@@ -8495,6 +9663,12 @@
             <a:noFill/>
           </a:ln>
         </p:spPr>
+        <p:style>
+          <a:lnRef idx="0"/>
+          <a:fillRef idx="0"/>
+          <a:effectRef idx="0"/>
+          <a:fontRef idx="minor"/>
+        </p:style>
         <p:txBody>
           <a:bodyPr lIns="50760" rIns="50760" tIns="50760" bIns="50760" anchor="ctr"/>
           <a:p>
@@ -8525,9 +9699,6 @@
               <a:t>Your Address</a:t>
             </a:r>
             <a:endParaRPr b="0" lang="en-GB" sz="6719" spc="-1" strike="noStrike">
-              <a:solidFill>
-                <a:srgbClr val="000000"/>
-              </a:solidFill>
               <a:latin typeface="Arial"/>
             </a:endParaRPr>
           </a:p>
@@ -8535,7 +9706,7 @@
       </p:sp>
       <p:pic>
         <p:nvPicPr>
-          <p:cNvPr id="100" name="Google Shape;109;p21" descr=""/>
+          <p:cNvPr id="98" name="Google Shape;109;p21" descr=""/>
           <p:cNvPicPr/>
           <p:nvPr/>
         </p:nvPicPr>
@@ -8545,8 +9716,8 @@
         </p:blipFill>
         <p:spPr>
           <a:xfrm>
-            <a:off x="9201960" y="1051200"/>
-            <a:ext cx="3638160" cy="6171840"/>
+            <a:off x="9288000" y="360000"/>
+            <a:ext cx="3637800" cy="6171480"/>
           </a:xfrm>
           <a:prstGeom prst="rect">
             <a:avLst/>
@@ -8558,14 +9729,14 @@
       </p:pic>
       <p:sp>
         <p:nvSpPr>
-          <p:cNvPr id="101" name="CustomShape 4"/>
+          <p:cNvPr id="99" name="CustomShape 4"/>
           <p:cNvSpPr/>
           <p:nvPr/>
         </p:nvSpPr>
         <p:spPr>
           <a:xfrm flipH="1" rot="10800000">
-            <a:off x="10738800" y="7206480"/>
-            <a:ext cx="6196680" cy="4659120"/>
+            <a:off x="16935480" y="11865600"/>
+            <a:ext cx="6196320" cy="4658760"/>
           </a:xfrm>
           <a:custGeom>
             <a:avLst/>
@@ -8586,7 +9757,7 @@
           <a:noFill/>
           <a:ln w="28440">
             <a:solidFill>
-              <a:schemeClr val="dk2"/>
+              <a:srgbClr val="53585f"/>
             </a:solidFill>
             <a:round/>
             <a:tailEnd len="med" type="triangle" w="med"/>
@@ -8601,33 +9772,6 @@
       </p:sp>
     </p:spTree>
   </p:cSld>
-  <p:timing>
-    <p:tnLst>
-      <p:par>
-        <p:cTn id="15" dur="indefinite" restart="never" nodeType="tmRoot">
-          <p:childTnLst>
-            <p:seq>
-              <p:cTn id="16" dur="indefinite" nodeType="mainSeq"/>
-              <p:prevCondLst>
-                <p:cond delay="0" evt="onPrev">
-                  <p:tgtEl>
-                    <p:sldTgt/>
-                  </p:tgtEl>
-                </p:cond>
-              </p:prevCondLst>
-              <p:nextCondLst>
-                <p:cond delay="0" evt="onNext">
-                  <p:tgtEl>
-                    <p:sldTgt/>
-                  </p:tgtEl>
-                </p:cond>
-              </p:nextCondLst>
-            </p:seq>
-          </p:childTnLst>
-        </p:cTn>
-      </p:par>
-    </p:tnLst>
-  </p:timing>
 </p:sld>
 </file>
 
@@ -8650,71 +9794,14 @@
       </p:grpSpPr>
       <p:sp>
         <p:nvSpPr>
-          <p:cNvPr id="102" name="TextShape 1"/>
-          <p:cNvSpPr txBox="1"/>
-          <p:nvPr/>
-        </p:nvSpPr>
-        <p:spPr>
-          <a:xfrm>
-            <a:off x="952560" y="444600"/>
-            <a:ext cx="11099520" cy="2158560"/>
-          </a:xfrm>
-          <a:prstGeom prst="rect">
-            <a:avLst/>
-          </a:prstGeom>
-          <a:noFill/>
-          <a:ln>
-            <a:noFill/>
-          </a:ln>
-        </p:spPr>
-        <p:txBody>
-          <a:bodyPr lIns="50760" rIns="50760" tIns="50760" bIns="50760" anchor="ctr"/>
-          <a:p>
-            <a:pPr algn="ctr">
-              <a:lnSpc>
-                <a:spcPct val="100000"/>
-              </a:lnSpc>
-            </a:pPr>
-            <a:r>
-              <a:rPr b="0" lang="en-GB" sz="6000" spc="-1" strike="noStrike">
-                <a:solidFill>
-                  <a:srgbClr val="000000"/>
-                </a:solidFill>
-                <a:latin typeface="Helvetica Neue Light"/>
-                <a:ea typeface="Helvetica Neue Light"/>
-              </a:rPr>
-              <a:t>Step 2:</a:t>
-            </a:r>
-            <a:br/>
-            <a:r>
-              <a:rPr b="0" lang="en-GB" sz="6000" spc="-1" strike="noStrike">
-                <a:solidFill>
-                  <a:srgbClr val="000000"/>
-                </a:solidFill>
-                <a:latin typeface="Helvetica Neue Light"/>
-                <a:ea typeface="Helvetica Neue Light"/>
-              </a:rPr>
-              <a:t>Send us Your Account Address</a:t>
-            </a:r>
-            <a:endParaRPr b="0" lang="en-GB" sz="6000" spc="-1" strike="noStrike">
-              <a:solidFill>
-                <a:srgbClr val="000000"/>
-              </a:solidFill>
-              <a:latin typeface="Arial"/>
-            </a:endParaRPr>
-          </a:p>
-        </p:txBody>
-      </p:sp>
-      <p:sp>
-        <p:nvSpPr>
-          <p:cNvPr id="103" name="CustomShape 2"/>
+          <p:cNvPr id="100" name="CustomShape 1"/>
           <p:cNvSpPr/>
           <p:nvPr/>
         </p:nvSpPr>
         <p:spPr>
           <a:xfrm>
-            <a:off x="952560" y="2652840"/>
-            <a:ext cx="11099520" cy="6286320"/>
+            <a:off x="952560" y="444600"/>
+            <a:ext cx="11099160" cy="2158200"/>
           </a:xfrm>
           <a:prstGeom prst="rect">
             <a:avLst/>
@@ -8733,7 +9820,67 @@
         <p:txBody>
           <a:bodyPr lIns="50760" rIns="50760" tIns="50760" bIns="50760" anchor="ctr"/>
           <a:p>
-            <a:pPr marL="444600" indent="-444240">
+            <a:pPr algn="ctr">
+              <a:lnSpc>
+                <a:spcPct val="100000"/>
+              </a:lnSpc>
+            </a:pPr>
+            <a:r>
+              <a:rPr b="0" lang="en-GB" sz="6000" spc="-1" strike="noStrike">
+                <a:solidFill>
+                  <a:srgbClr val="000000"/>
+                </a:solidFill>
+                <a:latin typeface="Helvetica Neue Light"/>
+                <a:ea typeface="Helvetica Neue Light"/>
+              </a:rPr>
+              <a:t>Step 2:</a:t>
+            </a:r>
+            <a:br/>
+            <a:r>
+              <a:rPr b="0" lang="en-GB" sz="6000" spc="-1" strike="noStrike">
+                <a:solidFill>
+                  <a:srgbClr val="000000"/>
+                </a:solidFill>
+                <a:latin typeface="Helvetica Neue Light"/>
+                <a:ea typeface="Helvetica Neue Light"/>
+              </a:rPr>
+              <a:t>Send us Your Account Address</a:t>
+            </a:r>
+            <a:endParaRPr b="0" lang="en-GB" sz="6000" spc="-1" strike="noStrike">
+              <a:latin typeface="Arial"/>
+            </a:endParaRPr>
+          </a:p>
+        </p:txBody>
+      </p:sp>
+      <p:sp>
+        <p:nvSpPr>
+          <p:cNvPr id="101" name="CustomShape 2"/>
+          <p:cNvSpPr/>
+          <p:nvPr/>
+        </p:nvSpPr>
+        <p:spPr>
+          <a:xfrm>
+            <a:off x="952560" y="2652840"/>
+            <a:ext cx="11099160" cy="6285960"/>
+          </a:xfrm>
+          <a:prstGeom prst="rect">
+            <a:avLst/>
+          </a:prstGeom>
+          <a:noFill/>
+          <a:ln>
+            <a:noFill/>
+          </a:ln>
+        </p:spPr>
+        <p:style>
+          <a:lnRef idx="0"/>
+          <a:fillRef idx="0"/>
+          <a:effectRef idx="0"/>
+          <a:fontRef idx="minor"/>
+        </p:style>
+        <p:txBody>
+          <a:bodyPr lIns="50760" rIns="50760" tIns="50760" bIns="50760" anchor="ctr"/>
+          <a:p>
+            <a:pPr marL="444600" indent="-443880">
               <a:lnSpc>
                 <a:spcPct val="100000"/>
               </a:lnSpc>
@@ -8758,7 +9905,7 @@
             </a:endParaRPr>
           </a:p>
           <a:p>
-            <a:pPr marL="444600" indent="-444240">
+            <a:pPr marL="444600" indent="-443880">
               <a:lnSpc>
                 <a:spcPct val="100000"/>
               </a:lnSpc>
@@ -8786,7 +9933,7 @@
             </a:endParaRPr>
           </a:p>
           <a:p>
-            <a:pPr marL="444600" indent="-444240">
+            <a:pPr marL="444600" indent="-443880">
               <a:lnSpc>
                 <a:spcPct val="100000"/>
               </a:lnSpc>
@@ -8855,10 +10002,10 @@
   <p:timing>
     <p:tnLst>
       <p:par>
-        <p:cTn id="17" dur="indefinite" restart="never" nodeType="tmRoot">
+        <p:cTn id="1" dur="indefinite" restart="never" nodeType="tmRoot">
           <p:childTnLst>
             <p:seq>
-              <p:cTn id="18" dur="indefinite" nodeType="mainSeq"/>
+              <p:cTn id="2" dur="indefinite" nodeType="mainSeq"/>
               <p:prevCondLst>
                 <p:cond delay="0" evt="onPrev">
                   <p:tgtEl>
@@ -8893,34 +10040,34 @@
         <a:sysClr val="window" lastClr="FFFFFF"/>
       </a:lt1>
       <a:dk2>
-        <a:srgbClr val="53585f"/>
+        <a:srgbClr val="1f497d"/>
       </a:dk2>
       <a:lt2>
-        <a:srgbClr val="dcdee0"/>
+        <a:srgbClr val="eeece1"/>
       </a:lt2>
       <a:accent1>
-        <a:srgbClr val="0365c0"/>
+        <a:srgbClr val="4f81bd"/>
       </a:accent1>
       <a:accent2>
-        <a:srgbClr val="00882b"/>
+        <a:srgbClr val="c0504d"/>
       </a:accent2>
       <a:accent3>
-        <a:srgbClr val="dcbd23"/>
+        <a:srgbClr val="9bbb59"/>
       </a:accent3>
       <a:accent4>
-        <a:srgbClr val="de6a10"/>
+        <a:srgbClr val="8064a2"/>
       </a:accent4>
       <a:accent5>
-        <a:srgbClr val="c82506"/>
+        <a:srgbClr val="4bacc6"/>
       </a:accent5>
       <a:accent6>
-        <a:srgbClr val="773f9b"/>
+        <a:srgbClr val="f79646"/>
       </a:accent6>
       <a:hlink>
         <a:srgbClr val="0000ff"/>
       </a:hlink>
       <a:folHlink>
-        <a:srgbClr val="ff00ff"/>
+        <a:srgbClr val="800080"/>
       </a:folHlink>
     </a:clrScheme>
     <a:fontScheme name="Office">
@@ -9116,34 +10263,34 @@
         <a:sysClr val="window" lastClr="FFFFFF"/>
       </a:lt1>
       <a:dk2>
-        <a:srgbClr val="53585f"/>
+        <a:srgbClr val="1f497d"/>
       </a:dk2>
       <a:lt2>
-        <a:srgbClr val="dcdee0"/>
+        <a:srgbClr val="eeece1"/>
       </a:lt2>
       <a:accent1>
-        <a:srgbClr val="0365c0"/>
+        <a:srgbClr val="4f81bd"/>
       </a:accent1>
       <a:accent2>
-        <a:srgbClr val="00882b"/>
+        <a:srgbClr val="c0504d"/>
       </a:accent2>
       <a:accent3>
-        <a:srgbClr val="dcbd23"/>
+        <a:srgbClr val="9bbb59"/>
       </a:accent3>
       <a:accent4>
-        <a:srgbClr val="de6a10"/>
+        <a:srgbClr val="8064a2"/>
       </a:accent4>
       <a:accent5>
-        <a:srgbClr val="c82506"/>
+        <a:srgbClr val="4bacc6"/>
       </a:accent5>
       <a:accent6>
-        <a:srgbClr val="773f9b"/>
+        <a:srgbClr val="f79646"/>
       </a:accent6>
       <a:hlink>
         <a:srgbClr val="0000ff"/>
       </a:hlink>
       <a:folHlink>
-        <a:srgbClr val="ff00ff"/>
+        <a:srgbClr val="800080"/>
       </a:folHlink>
     </a:clrScheme>
     <a:fontScheme name="Office">

--- a/How_to_connect_to_university_of_edinburgh_private_blockchain.pptx
+++ b/How_to_connect_to_university_of_edinburgh_private_blockchain.pptx
@@ -86,7 +86,7 @@
         <p:spPr>
           <a:xfrm>
             <a:off x="952560" y="444600"/>
-            <a:ext cx="11099160" cy="2158200"/>
+            <a:ext cx="11098800" cy="2157840"/>
           </a:xfrm>
           <a:prstGeom prst="rect">
             <a:avLst/>
@@ -115,7 +115,7 @@
         <p:spPr>
           <a:xfrm>
             <a:off x="650160" y="2282040"/>
-            <a:ext cx="11703600" cy="2697840"/>
+            <a:ext cx="11703240" cy="2697840"/>
           </a:xfrm>
           <a:prstGeom prst="rect">
             <a:avLst/>
@@ -145,7 +145,7 @@
         <p:spPr>
           <a:xfrm>
             <a:off x="650160" y="5236560"/>
-            <a:ext cx="11703600" cy="2697840"/>
+            <a:ext cx="11703240" cy="2697840"/>
           </a:xfrm>
           <a:prstGeom prst="rect">
             <a:avLst/>
@@ -197,7 +197,7 @@
         <p:spPr>
           <a:xfrm>
             <a:off x="952560" y="444600"/>
-            <a:ext cx="11099160" cy="2158200"/>
+            <a:ext cx="11098800" cy="2157840"/>
           </a:xfrm>
           <a:prstGeom prst="rect">
             <a:avLst/>
@@ -368,7 +368,7 @@
         <p:spPr>
           <a:xfrm>
             <a:off x="952560" y="444600"/>
-            <a:ext cx="11099160" cy="2158200"/>
+            <a:ext cx="11098800" cy="2157840"/>
           </a:xfrm>
           <a:prstGeom prst="rect">
             <a:avLst/>
@@ -397,7 +397,7 @@
         <p:spPr>
           <a:xfrm>
             <a:off x="650160" y="2282040"/>
-            <a:ext cx="3768480" cy="2697840"/>
+            <a:ext cx="3768120" cy="2697840"/>
           </a:xfrm>
           <a:prstGeom prst="rect">
             <a:avLst/>
@@ -426,8 +426,8 @@
         </p:nvSpPr>
         <p:spPr>
           <a:xfrm>
-            <a:off x="4607280" y="2282040"/>
-            <a:ext cx="3768480" cy="2697840"/>
+            <a:off x="4606920" y="2282040"/>
+            <a:ext cx="3768120" cy="2697840"/>
           </a:xfrm>
           <a:prstGeom prst="rect">
             <a:avLst/>
@@ -456,8 +456,8 @@
         </p:nvSpPr>
         <p:spPr>
           <a:xfrm>
-            <a:off x="8564760" y="2282040"/>
-            <a:ext cx="3768480" cy="2697840"/>
+            <a:off x="8564040" y="2282040"/>
+            <a:ext cx="3768120" cy="2697840"/>
           </a:xfrm>
           <a:prstGeom prst="rect">
             <a:avLst/>
@@ -487,7 +487,7 @@
         <p:spPr>
           <a:xfrm>
             <a:off x="650160" y="5236560"/>
-            <a:ext cx="3768480" cy="2697840"/>
+            <a:ext cx="3768120" cy="2697840"/>
           </a:xfrm>
           <a:prstGeom prst="rect">
             <a:avLst/>
@@ -516,8 +516,8 @@
         </p:nvSpPr>
         <p:spPr>
           <a:xfrm>
-            <a:off x="4607280" y="5236560"/>
-            <a:ext cx="3768480" cy="2697840"/>
+            <a:off x="4606920" y="5236560"/>
+            <a:ext cx="3768120" cy="2697840"/>
           </a:xfrm>
           <a:prstGeom prst="rect">
             <a:avLst/>
@@ -546,8 +546,8 @@
         </p:nvSpPr>
         <p:spPr>
           <a:xfrm>
-            <a:off x="8564760" y="5236560"/>
-            <a:ext cx="3768480" cy="2697840"/>
+            <a:off x="8564040" y="5236560"/>
+            <a:ext cx="3768120" cy="2697840"/>
           </a:xfrm>
           <a:prstGeom prst="rect">
             <a:avLst/>
@@ -621,7 +621,7 @@
         <p:spPr>
           <a:xfrm>
             <a:off x="952560" y="444600"/>
-            <a:ext cx="11099160" cy="2158200"/>
+            <a:ext cx="11098800" cy="2157840"/>
           </a:xfrm>
           <a:prstGeom prst="rect">
             <a:avLst/>
@@ -650,7 +650,7 @@
         <p:spPr>
           <a:xfrm>
             <a:off x="650160" y="2282040"/>
-            <a:ext cx="11703600" cy="5656320"/>
+            <a:ext cx="11703240" cy="5655960"/>
           </a:xfrm>
           <a:prstGeom prst="rect">
             <a:avLst/>
@@ -701,7 +701,7 @@
         <p:spPr>
           <a:xfrm>
             <a:off x="952560" y="444600"/>
-            <a:ext cx="11099160" cy="2158200"/>
+            <a:ext cx="11098800" cy="2157840"/>
           </a:xfrm>
           <a:prstGeom prst="rect">
             <a:avLst/>
@@ -730,7 +730,7 @@
         <p:spPr>
           <a:xfrm>
             <a:off x="650160" y="2282040"/>
-            <a:ext cx="11703600" cy="5656320"/>
+            <a:ext cx="11703240" cy="5655960"/>
           </a:xfrm>
           <a:prstGeom prst="rect">
             <a:avLst/>
@@ -782,7 +782,7 @@
         <p:spPr>
           <a:xfrm>
             <a:off x="952560" y="444600"/>
-            <a:ext cx="11099160" cy="2158200"/>
+            <a:ext cx="11098800" cy="2157840"/>
           </a:xfrm>
           <a:prstGeom prst="rect">
             <a:avLst/>
@@ -811,7 +811,7 @@
         <p:spPr>
           <a:xfrm>
             <a:off x="650160" y="2282040"/>
-            <a:ext cx="5711040" cy="5656320"/>
+            <a:ext cx="5711040" cy="5655960"/>
           </a:xfrm>
           <a:prstGeom prst="rect">
             <a:avLst/>
@@ -841,7 +841,7 @@
         <p:spPr>
           <a:xfrm>
             <a:off x="6647040" y="2282040"/>
-            <a:ext cx="5711040" cy="5656320"/>
+            <a:ext cx="5711040" cy="5655960"/>
           </a:xfrm>
           <a:prstGeom prst="rect">
             <a:avLst/>
@@ -893,7 +893,7 @@
         <p:spPr>
           <a:xfrm>
             <a:off x="952560" y="444600"/>
-            <a:ext cx="11099160" cy="2158200"/>
+            <a:ext cx="11098800" cy="2157840"/>
           </a:xfrm>
           <a:prstGeom prst="rect">
             <a:avLst/>
@@ -944,7 +944,7 @@
         <p:spPr>
           <a:xfrm>
             <a:off x="952560" y="444600"/>
-            <a:ext cx="11099160" cy="10005480"/>
+            <a:ext cx="11098800" cy="10003680"/>
           </a:xfrm>
           <a:prstGeom prst="rect">
             <a:avLst/>
@@ -995,7 +995,7 @@
         <p:spPr>
           <a:xfrm>
             <a:off x="952560" y="444600"/>
-            <a:ext cx="11099160" cy="2158200"/>
+            <a:ext cx="11098800" cy="2157840"/>
           </a:xfrm>
           <a:prstGeom prst="rect">
             <a:avLst/>
@@ -1054,7 +1054,7 @@
         <p:spPr>
           <a:xfrm>
             <a:off x="6647040" y="2282040"/>
-            <a:ext cx="5711040" cy="5656320"/>
+            <a:ext cx="5711040" cy="5655960"/>
           </a:xfrm>
           <a:prstGeom prst="rect">
             <a:avLst/>
@@ -1136,7 +1136,7 @@
         <p:spPr>
           <a:xfrm>
             <a:off x="952560" y="444600"/>
-            <a:ext cx="11099160" cy="2158200"/>
+            <a:ext cx="11098800" cy="2157840"/>
           </a:xfrm>
           <a:prstGeom prst="rect">
             <a:avLst/>
@@ -1165,7 +1165,7 @@
         <p:spPr>
           <a:xfrm>
             <a:off x="650160" y="2282040"/>
-            <a:ext cx="11703600" cy="5656320"/>
+            <a:ext cx="11703240" cy="5655960"/>
           </a:xfrm>
           <a:prstGeom prst="rect">
             <a:avLst/>
@@ -1216,7 +1216,7 @@
         <p:spPr>
           <a:xfrm>
             <a:off x="952560" y="444600"/>
-            <a:ext cx="11099160" cy="2158200"/>
+            <a:ext cx="11098800" cy="2157840"/>
           </a:xfrm>
           <a:prstGeom prst="rect">
             <a:avLst/>
@@ -1245,7 +1245,7 @@
         <p:spPr>
           <a:xfrm>
             <a:off x="650160" y="2282040"/>
-            <a:ext cx="5711040" cy="5656320"/>
+            <a:ext cx="5711040" cy="5655960"/>
           </a:xfrm>
           <a:prstGeom prst="rect">
             <a:avLst/>
@@ -1357,7 +1357,7 @@
         <p:spPr>
           <a:xfrm>
             <a:off x="952560" y="444600"/>
-            <a:ext cx="11099160" cy="2158200"/>
+            <a:ext cx="11098800" cy="2157840"/>
           </a:xfrm>
           <a:prstGeom prst="rect">
             <a:avLst/>
@@ -1446,7 +1446,7 @@
         <p:spPr>
           <a:xfrm>
             <a:off x="650160" y="5236560"/>
-            <a:ext cx="11703600" cy="2697840"/>
+            <a:ext cx="11703240" cy="2697840"/>
           </a:xfrm>
           <a:prstGeom prst="rect">
             <a:avLst/>
@@ -1498,7 +1498,7 @@
         <p:spPr>
           <a:xfrm>
             <a:off x="952560" y="444600"/>
-            <a:ext cx="11099160" cy="2158200"/>
+            <a:ext cx="11098800" cy="2157840"/>
           </a:xfrm>
           <a:prstGeom prst="rect">
             <a:avLst/>
@@ -1527,7 +1527,7 @@
         <p:spPr>
           <a:xfrm>
             <a:off x="650160" y="2282040"/>
-            <a:ext cx="11703600" cy="2697840"/>
+            <a:ext cx="11703240" cy="2697840"/>
           </a:xfrm>
           <a:prstGeom prst="rect">
             <a:avLst/>
@@ -1557,7 +1557,7 @@
         <p:spPr>
           <a:xfrm>
             <a:off x="650160" y="5236560"/>
-            <a:ext cx="11703600" cy="2697840"/>
+            <a:ext cx="11703240" cy="2697840"/>
           </a:xfrm>
           <a:prstGeom prst="rect">
             <a:avLst/>
@@ -1609,7 +1609,7 @@
         <p:spPr>
           <a:xfrm>
             <a:off x="952560" y="444600"/>
-            <a:ext cx="11099160" cy="2158200"/>
+            <a:ext cx="11098800" cy="2157840"/>
           </a:xfrm>
           <a:prstGeom prst="rect">
             <a:avLst/>
@@ -1780,7 +1780,7 @@
         <p:spPr>
           <a:xfrm>
             <a:off x="952560" y="444600"/>
-            <a:ext cx="11099160" cy="2158200"/>
+            <a:ext cx="11098800" cy="2157840"/>
           </a:xfrm>
           <a:prstGeom prst="rect">
             <a:avLst/>
@@ -1809,7 +1809,7 @@
         <p:spPr>
           <a:xfrm>
             <a:off x="650160" y="2282040"/>
-            <a:ext cx="3768480" cy="2697840"/>
+            <a:ext cx="3768120" cy="2697840"/>
           </a:xfrm>
           <a:prstGeom prst="rect">
             <a:avLst/>
@@ -1838,8 +1838,8 @@
         </p:nvSpPr>
         <p:spPr>
           <a:xfrm>
-            <a:off x="4607280" y="2282040"/>
-            <a:ext cx="3768480" cy="2697840"/>
+            <a:off x="4606920" y="2282040"/>
+            <a:ext cx="3768120" cy="2697840"/>
           </a:xfrm>
           <a:prstGeom prst="rect">
             <a:avLst/>
@@ -1868,8 +1868,8 @@
         </p:nvSpPr>
         <p:spPr>
           <a:xfrm>
-            <a:off x="8564760" y="2282040"/>
-            <a:ext cx="3768480" cy="2697840"/>
+            <a:off x="8564040" y="2282040"/>
+            <a:ext cx="3768120" cy="2697840"/>
           </a:xfrm>
           <a:prstGeom prst="rect">
             <a:avLst/>
@@ -1899,7 +1899,7 @@
         <p:spPr>
           <a:xfrm>
             <a:off x="650160" y="5236560"/>
-            <a:ext cx="3768480" cy="2697840"/>
+            <a:ext cx="3768120" cy="2697840"/>
           </a:xfrm>
           <a:prstGeom prst="rect">
             <a:avLst/>
@@ -1928,8 +1928,8 @@
         </p:nvSpPr>
         <p:spPr>
           <a:xfrm>
-            <a:off x="4607280" y="5236560"/>
-            <a:ext cx="3768480" cy="2697840"/>
+            <a:off x="4606920" y="5236560"/>
+            <a:ext cx="3768120" cy="2697840"/>
           </a:xfrm>
           <a:prstGeom prst="rect">
             <a:avLst/>
@@ -1958,8 +1958,8 @@
         </p:nvSpPr>
         <p:spPr>
           <a:xfrm>
-            <a:off x="8564760" y="5236560"/>
-            <a:ext cx="3768480" cy="2697840"/>
+            <a:off x="8564040" y="5236560"/>
+            <a:ext cx="3768120" cy="2697840"/>
           </a:xfrm>
           <a:prstGeom prst="rect">
             <a:avLst/>
@@ -2011,7 +2011,7 @@
         <p:spPr>
           <a:xfrm>
             <a:off x="952560" y="444600"/>
-            <a:ext cx="11099160" cy="2158200"/>
+            <a:ext cx="11098800" cy="2157840"/>
           </a:xfrm>
           <a:prstGeom prst="rect">
             <a:avLst/>
@@ -2040,7 +2040,7 @@
         <p:spPr>
           <a:xfrm>
             <a:off x="650160" y="2282040"/>
-            <a:ext cx="11703600" cy="5656320"/>
+            <a:ext cx="11703240" cy="5655960"/>
           </a:xfrm>
           <a:prstGeom prst="rect">
             <a:avLst/>
@@ -2092,7 +2092,7 @@
         <p:spPr>
           <a:xfrm>
             <a:off x="952560" y="444600"/>
-            <a:ext cx="11099160" cy="2158200"/>
+            <a:ext cx="11098800" cy="2157840"/>
           </a:xfrm>
           <a:prstGeom prst="rect">
             <a:avLst/>
@@ -2121,7 +2121,7 @@
         <p:spPr>
           <a:xfrm>
             <a:off x="650160" y="2282040"/>
-            <a:ext cx="5711040" cy="5656320"/>
+            <a:ext cx="5711040" cy="5655960"/>
           </a:xfrm>
           <a:prstGeom prst="rect">
             <a:avLst/>
@@ -2151,7 +2151,7 @@
         <p:spPr>
           <a:xfrm>
             <a:off x="6647040" y="2282040"/>
-            <a:ext cx="5711040" cy="5656320"/>
+            <a:ext cx="5711040" cy="5655960"/>
           </a:xfrm>
           <a:prstGeom prst="rect">
             <a:avLst/>
@@ -2203,7 +2203,7 @@
         <p:spPr>
           <a:xfrm>
             <a:off x="952560" y="444600"/>
-            <a:ext cx="11099160" cy="2158200"/>
+            <a:ext cx="11098800" cy="2157840"/>
           </a:xfrm>
           <a:prstGeom prst="rect">
             <a:avLst/>
@@ -2254,7 +2254,7 @@
         <p:spPr>
           <a:xfrm>
             <a:off x="952560" y="444600"/>
-            <a:ext cx="11099160" cy="10005480"/>
+            <a:ext cx="11098800" cy="10003680"/>
           </a:xfrm>
           <a:prstGeom prst="rect">
             <a:avLst/>
@@ -2305,7 +2305,7 @@
         <p:spPr>
           <a:xfrm>
             <a:off x="952560" y="444600"/>
-            <a:ext cx="11099160" cy="2158200"/>
+            <a:ext cx="11098800" cy="2157840"/>
           </a:xfrm>
           <a:prstGeom prst="rect">
             <a:avLst/>
@@ -2364,7 +2364,7 @@
         <p:spPr>
           <a:xfrm>
             <a:off x="6647040" y="2282040"/>
-            <a:ext cx="5711040" cy="5656320"/>
+            <a:ext cx="5711040" cy="5655960"/>
           </a:xfrm>
           <a:prstGeom prst="rect">
             <a:avLst/>
@@ -2446,7 +2446,7 @@
         <p:spPr>
           <a:xfrm>
             <a:off x="952560" y="444600"/>
-            <a:ext cx="11099160" cy="2158200"/>
+            <a:ext cx="11098800" cy="2157840"/>
           </a:xfrm>
           <a:prstGeom prst="rect">
             <a:avLst/>
@@ -2475,7 +2475,7 @@
         <p:spPr>
           <a:xfrm>
             <a:off x="650160" y="2282040"/>
-            <a:ext cx="5711040" cy="5656320"/>
+            <a:ext cx="5711040" cy="5655960"/>
           </a:xfrm>
           <a:prstGeom prst="rect">
             <a:avLst/>
@@ -2587,7 +2587,7 @@
         <p:spPr>
           <a:xfrm>
             <a:off x="952560" y="444600"/>
-            <a:ext cx="11099160" cy="2158200"/>
+            <a:ext cx="11098800" cy="2157840"/>
           </a:xfrm>
           <a:prstGeom prst="rect">
             <a:avLst/>
@@ -2676,7 +2676,7 @@
         <p:spPr>
           <a:xfrm>
             <a:off x="650160" y="5236560"/>
-            <a:ext cx="11703600" cy="2697840"/>
+            <a:ext cx="11703240" cy="2697840"/>
           </a:xfrm>
           <a:prstGeom prst="rect">
             <a:avLst/>
@@ -2735,7 +2735,7 @@
         <p:spPr>
           <a:xfrm>
             <a:off x="952560" y="444600"/>
-            <a:ext cx="11099160" cy="2158200"/>
+            <a:ext cx="11098800" cy="2157840"/>
           </a:xfrm>
           <a:prstGeom prst="rect">
             <a:avLst/>
@@ -2744,14 +2744,13 @@
         <p:txBody>
           <a:bodyPr lIns="0" rIns="0" tIns="0" bIns="0" anchor="ctr"/>
           <a:p>
-            <a:pPr algn="ctr"/>
-            <a:r>
-              <a:rPr b="0" lang="en-GB" sz="4400" spc="-1" strike="noStrike">
+            <a:r>
+              <a:rPr b="0" lang="en-GB" sz="1800" spc="-1" strike="noStrike">
                 <a:latin typeface="Arial"/>
               </a:rPr>
               <a:t>Click to edit the title text format</a:t>
             </a:r>
-            <a:endParaRPr b="0" lang="en-GB" sz="4400" spc="-1" strike="noStrike">
+            <a:endParaRPr b="0" lang="en-GB" sz="1800" spc="-1" strike="noStrike">
               <a:latin typeface="Arial"/>
             </a:endParaRPr>
           </a:p>
@@ -2770,7 +2769,7 @@
         <p:spPr>
           <a:xfrm>
             <a:off x="650160" y="2282040"/>
-            <a:ext cx="11703600" cy="5656320"/>
+            <a:ext cx="11703240" cy="5655960"/>
           </a:xfrm>
           <a:prstGeom prst="rect">
             <a:avLst/>
@@ -2793,12 +2792,12 @@
               <a:buChar char=""/>
             </a:pPr>
             <a:r>
-              <a:rPr b="0" lang="en-GB" sz="3200" spc="-1" strike="noStrike">
+              <a:rPr b="0" lang="en-GB" sz="1800" spc="-1" strike="noStrike">
                 <a:latin typeface="Arial"/>
               </a:rPr>
               <a:t>Click to edit the outline text format</a:t>
             </a:r>
-            <a:endParaRPr b="0" lang="en-GB" sz="3200" spc="-1" strike="noStrike">
+            <a:endParaRPr b="0" lang="en-GB" sz="1800" spc="-1" strike="noStrike">
               <a:latin typeface="Arial"/>
             </a:endParaRPr>
           </a:p>
@@ -2815,12 +2814,12 @@
               <a:buChar char=""/>
             </a:pPr>
             <a:r>
-              <a:rPr b="0" lang="en-GB" sz="2800" spc="-1" strike="noStrike">
+              <a:rPr b="0" lang="en-GB" sz="1800" spc="-1" strike="noStrike">
                 <a:latin typeface="Arial"/>
               </a:rPr>
               <a:t>Second Outline Level</a:t>
             </a:r>
-            <a:endParaRPr b="0" lang="en-GB" sz="2800" spc="-1" strike="noStrike">
+            <a:endParaRPr b="0" lang="en-GB" sz="1800" spc="-1" strike="noStrike">
               <a:latin typeface="Arial"/>
             </a:endParaRPr>
           </a:p>
@@ -2837,12 +2836,12 @@
               <a:buChar char=""/>
             </a:pPr>
             <a:r>
-              <a:rPr b="0" lang="en-GB" sz="2400" spc="-1" strike="noStrike">
+              <a:rPr b="0" lang="en-GB" sz="1800" spc="-1" strike="noStrike">
                 <a:latin typeface="Arial"/>
               </a:rPr>
               <a:t>Third Outline Level</a:t>
             </a:r>
-            <a:endParaRPr b="0" lang="en-GB" sz="2400" spc="-1" strike="noStrike">
+            <a:endParaRPr b="0" lang="en-GB" sz="1800" spc="-1" strike="noStrike">
               <a:latin typeface="Arial"/>
             </a:endParaRPr>
           </a:p>
@@ -2859,12 +2858,12 @@
               <a:buChar char=""/>
             </a:pPr>
             <a:r>
-              <a:rPr b="0" lang="en-GB" sz="2000" spc="-1" strike="noStrike">
+              <a:rPr b="0" lang="en-GB" sz="1800" spc="-1" strike="noStrike">
                 <a:latin typeface="Arial"/>
               </a:rPr>
               <a:t>Fourth Outline Level</a:t>
             </a:r>
-            <a:endParaRPr b="0" lang="en-GB" sz="2000" spc="-1" strike="noStrike">
+            <a:endParaRPr b="0" lang="en-GB" sz="1800" spc="-1" strike="noStrike">
               <a:latin typeface="Arial"/>
             </a:endParaRPr>
           </a:p>
@@ -2881,12 +2880,12 @@
               <a:buChar char=""/>
             </a:pPr>
             <a:r>
-              <a:rPr b="0" lang="en-GB" sz="2000" spc="-1" strike="noStrike">
+              <a:rPr b="0" lang="en-GB" sz="1800" spc="-1" strike="noStrike">
                 <a:latin typeface="Arial"/>
               </a:rPr>
               <a:t>Fifth Outline Level</a:t>
             </a:r>
-            <a:endParaRPr b="0" lang="en-GB" sz="2000" spc="-1" strike="noStrike">
+            <a:endParaRPr b="0" lang="en-GB" sz="1800" spc="-1" strike="noStrike">
               <a:latin typeface="Arial"/>
             </a:endParaRPr>
           </a:p>
@@ -2903,12 +2902,12 @@
               <a:buChar char=""/>
             </a:pPr>
             <a:r>
-              <a:rPr b="0" lang="en-GB" sz="2000" spc="-1" strike="noStrike">
+              <a:rPr b="0" lang="en-GB" sz="1800" spc="-1" strike="noStrike">
                 <a:latin typeface="Arial"/>
               </a:rPr>
               <a:t>Sixth Outline Level</a:t>
             </a:r>
-            <a:endParaRPr b="0" lang="en-GB" sz="2000" spc="-1" strike="noStrike">
+            <a:endParaRPr b="0" lang="en-GB" sz="1800" spc="-1" strike="noStrike">
               <a:latin typeface="Arial"/>
             </a:endParaRPr>
           </a:p>
@@ -2925,12 +2924,12 @@
               <a:buChar char=""/>
             </a:pPr>
             <a:r>
-              <a:rPr b="0" lang="en-GB" sz="2000" spc="-1" strike="noStrike">
+              <a:rPr b="0" lang="en-GB" sz="1800" spc="-1" strike="noStrike">
                 <a:latin typeface="Arial"/>
               </a:rPr>
               <a:t>Seventh Outline Level</a:t>
             </a:r>
-            <a:endParaRPr b="0" lang="en-GB" sz="2000" spc="-1" strike="noStrike">
+            <a:endParaRPr b="0" lang="en-GB" sz="1800" spc="-1" strike="noStrike">
               <a:latin typeface="Arial"/>
             </a:endParaRPr>
           </a:p>
@@ -2992,8 +2991,8 @@
         </p:nvSpPr>
         <p:spPr>
           <a:xfrm>
-            <a:off x="952560" y="444600"/>
-            <a:ext cx="11099160" cy="2158200"/>
+            <a:off x="650160" y="389160"/>
+            <a:ext cx="11703600" cy="1628280"/>
           </a:xfrm>
           <a:prstGeom prst="rect">
             <a:avLst/>
@@ -3027,8 +3026,8 @@
         </p:nvSpPr>
         <p:spPr>
           <a:xfrm>
-            <a:off x="952560" y="2603520"/>
-            <a:ext cx="11099160" cy="6285960"/>
+            <a:off x="650160" y="2282040"/>
+            <a:ext cx="11703600" cy="5656320"/>
           </a:xfrm>
           <a:prstGeom prst="rect">
             <a:avLst/>
@@ -3240,7 +3239,7 @@
         <p:spPr>
           <a:xfrm>
             <a:off x="240840" y="2308320"/>
-            <a:ext cx="12257640" cy="5547600"/>
+            <a:ext cx="12257280" cy="5547240"/>
           </a:xfrm>
           <a:prstGeom prst="rect">
             <a:avLst/>
@@ -3369,7 +3368,7 @@
             </a:endParaRPr>
           </a:p>
           <a:p>
-            <a:pPr marL="736560" indent="-227880">
+            <a:pPr marL="736560" indent="-227520">
               <a:lnSpc>
                 <a:spcPct val="100000"/>
               </a:lnSpc>
@@ -3407,7 +3406,7 @@
             </a:endParaRPr>
           </a:p>
           <a:p>
-            <a:pPr marL="736560" indent="-227880">
+            <a:pPr marL="736560" indent="-227520">
               <a:lnSpc>
                 <a:spcPct val="100000"/>
               </a:lnSpc>
@@ -3445,7 +3444,7 @@
             </a:endParaRPr>
           </a:p>
           <a:p>
-            <a:pPr marL="736560" indent="-227880">
+            <a:pPr marL="736560" indent="-227520">
               <a:lnSpc>
                 <a:spcPct val="100000"/>
               </a:lnSpc>
@@ -3486,6 +3485,33 @@
       </p:sp>
     </p:spTree>
   </p:cSld>
+  <p:timing>
+    <p:tnLst>
+      <p:par>
+        <p:cTn id="1" dur="indefinite" restart="never" nodeType="tmRoot">
+          <p:childTnLst>
+            <p:seq>
+              <p:cTn id="2" dur="indefinite" nodeType="mainSeq"/>
+              <p:prevCondLst>
+                <p:cond delay="0" evt="onPrev">
+                  <p:tgtEl>
+                    <p:sldTgt/>
+                  </p:tgtEl>
+                </p:cond>
+              </p:prevCondLst>
+              <p:nextCondLst>
+                <p:cond delay="0" evt="onNext">
+                  <p:tgtEl>
+                    <p:sldTgt/>
+                  </p:tgtEl>
+                </p:cond>
+              </p:nextCondLst>
+            </p:seq>
+          </p:childTnLst>
+        </p:cTn>
+      </p:par>
+    </p:tnLst>
+  </p:timing>
 </p:sld>
 </file>
 
@@ -3515,7 +3541,7 @@
         <p:spPr>
           <a:xfrm>
             <a:off x="952560" y="444600"/>
-            <a:ext cx="11099160" cy="2158200"/>
+            <a:ext cx="11098800" cy="2157840"/>
           </a:xfrm>
           <a:prstGeom prst="rect">
             <a:avLst/>
@@ -3586,7 +3612,7 @@
         <p:spPr>
           <a:xfrm>
             <a:off x="864000" y="3217680"/>
-            <a:ext cx="11099160" cy="6285960"/>
+            <a:ext cx="11098800" cy="6285600"/>
           </a:xfrm>
           <a:prstGeom prst="rect">
             <a:avLst/>
@@ -3605,7 +3631,7 @@
         <p:txBody>
           <a:bodyPr lIns="50760" rIns="50760" tIns="50760" bIns="50760" anchor="ctr"/>
           <a:p>
-            <a:pPr marL="444600" indent="-443880">
+            <a:pPr marL="444600" indent="-443520">
               <a:lnSpc>
                 <a:spcPct val="100000"/>
               </a:lnSpc>
@@ -3660,7 +3686,7 @@
             </a:endParaRPr>
           </a:p>
           <a:p>
-            <a:pPr marL="444600" indent="-443880">
+            <a:pPr marL="444600" indent="-443520">
               <a:lnSpc>
                 <a:spcPct val="100000"/>
               </a:lnSpc>
@@ -3685,7 +3711,7 @@
             </a:endParaRPr>
           </a:p>
           <a:p>
-            <a:pPr marL="444600" indent="-443880">
+            <a:pPr marL="444600" indent="-443520">
               <a:lnSpc>
                 <a:spcPct val="100000"/>
               </a:lnSpc>
@@ -3719,10 +3745,10 @@
   <p:timing>
     <p:tnLst>
       <p:par>
-        <p:cTn id="3" dur="indefinite" restart="never" nodeType="tmRoot">
+        <p:cTn id="19" dur="indefinite" restart="never" nodeType="tmRoot">
           <p:childTnLst>
             <p:seq>
-              <p:cTn id="4" dur="indefinite" nodeType="mainSeq"/>
+              <p:cTn id="20" dur="indefinite" nodeType="mainSeq"/>
               <p:prevCondLst>
                 <p:cond delay="0" evt="onPrev">
                   <p:tgtEl>
@@ -3776,7 +3802,7 @@
         <p:spPr>
           <a:xfrm>
             <a:off x="1774440" y="6552000"/>
-            <a:ext cx="10105560" cy="3161880"/>
+            <a:ext cx="10105200" cy="3161520"/>
           </a:xfrm>
           <a:prstGeom prst="rect">
             <a:avLst/>
@@ -3795,7 +3821,7 @@
         <p:spPr>
           <a:xfrm>
             <a:off x="952560" y="2338920"/>
-            <a:ext cx="11099160" cy="6285960"/>
+            <a:ext cx="11098800" cy="6285600"/>
           </a:xfrm>
           <a:prstGeom prst="rect">
             <a:avLst/>
@@ -3814,7 +3840,7 @@
         <p:txBody>
           <a:bodyPr lIns="50760" rIns="50760" tIns="50760" bIns="50760" anchor="ctr"/>
           <a:p>
-            <a:pPr marL="444600" indent="-443880">
+            <a:pPr marL="444600" indent="-443520">
               <a:lnSpc>
                 <a:spcPct val="100000"/>
               </a:lnSpc>
@@ -3826,6 +3852,9 @@
             </a:pPr>
             <a:r>
               <a:rPr b="0" lang="en-GB" sz="3600" spc="-1" strike="noStrike">
+                <a:solidFill>
+                  <a:srgbClr val="000000"/>
+                </a:solidFill>
                 <a:latin typeface="Helvetica Neue Light"/>
                 <a:ea typeface="Helvetica Neue Light"/>
               </a:rPr>
@@ -3846,7 +3875,7 @@
         <p:spPr>
           <a:xfrm>
             <a:off x="212040" y="2835360"/>
-            <a:ext cx="12579840" cy="2272680"/>
+            <a:ext cx="12579480" cy="2272320"/>
           </a:xfrm>
           <a:prstGeom prst="rect">
             <a:avLst/>
@@ -3865,7 +3894,7 @@
         <p:txBody>
           <a:bodyPr lIns="50760" rIns="50760" tIns="50760" bIns="50760" anchor="ctr"/>
           <a:p>
-            <a:pPr marL="444600" indent="-443880">
+            <a:pPr marL="444600" indent="-443520">
               <a:lnSpc>
                 <a:spcPct val="100000"/>
               </a:lnSpc>
@@ -3920,7 +3949,7 @@
         <p:spPr>
           <a:xfrm>
             <a:off x="7987320" y="5778360"/>
-            <a:ext cx="868680" cy="1349640"/>
+            <a:ext cx="868320" cy="1349280"/>
           </a:xfrm>
           <a:custGeom>
             <a:avLst/>
@@ -3963,7 +3992,7 @@
         <p:spPr>
           <a:xfrm>
             <a:off x="952560" y="444600"/>
-            <a:ext cx="11099160" cy="2158200"/>
+            <a:ext cx="11098800" cy="2157840"/>
           </a:xfrm>
           <a:prstGeom prst="rect">
             <a:avLst/>
@@ -4030,10 +4059,10 @@
   <p:timing>
     <p:tnLst>
       <p:par>
-        <p:cTn id="5" dur="indefinite" restart="never" nodeType="tmRoot">
+        <p:cTn id="21" dur="indefinite" restart="never" nodeType="tmRoot">
           <p:childTnLst>
             <p:seq>
-              <p:cTn id="6" dur="indefinite" nodeType="mainSeq"/>
+              <p:cTn id="22" dur="indefinite" nodeType="mainSeq"/>
               <p:prevCondLst>
                 <p:cond delay="0" evt="onPrev">
                   <p:tgtEl>
@@ -4083,7 +4112,7 @@
         <p:spPr>
           <a:xfrm>
             <a:off x="144000" y="2835360"/>
-            <a:ext cx="12647880" cy="6668640"/>
+            <a:ext cx="12647520" cy="6668280"/>
           </a:xfrm>
           <a:prstGeom prst="rect">
             <a:avLst/>
@@ -4102,7 +4131,7 @@
         <p:txBody>
           <a:bodyPr lIns="50760" rIns="50760" tIns="50760" bIns="50760" anchor="ctr"/>
           <a:p>
-            <a:pPr marL="444600" indent="-443880">
+            <a:pPr marL="444600" indent="-443520">
               <a:lnSpc>
                 <a:spcPct val="100000"/>
               </a:lnSpc>
@@ -4127,7 +4156,7 @@
             </a:endParaRPr>
           </a:p>
           <a:p>
-            <a:pPr lvl="3" marL="864000" indent="-216000">
+            <a:pPr lvl="3" marL="864000" indent="-215640">
               <a:lnSpc>
                 <a:spcPct val="100000"/>
               </a:lnSpc>
@@ -4174,7 +4203,7 @@
             </a:endParaRPr>
           </a:p>
           <a:p>
-            <a:pPr lvl="3" marL="864000" indent="-216000">
+            <a:pPr lvl="3" marL="864000" indent="-215640">
               <a:lnSpc>
                 <a:spcPct val="100000"/>
               </a:lnSpc>
@@ -4200,7 +4229,7 @@
             </a:endParaRPr>
           </a:p>
           <a:p>
-            <a:pPr lvl="3" marL="864000" indent="-216000">
+            <a:pPr lvl="3" marL="864000" indent="-215640">
               <a:lnSpc>
                 <a:spcPct val="100000"/>
               </a:lnSpc>
@@ -4247,7 +4276,7 @@
             </a:endParaRPr>
           </a:p>
           <a:p>
-            <a:pPr lvl="3" marL="864000" indent="-216000">
+            <a:pPr lvl="3" marL="864000" indent="-215640">
               <a:lnSpc>
                 <a:spcPct val="100000"/>
               </a:lnSpc>
@@ -4283,7 +4312,7 @@
         <p:spPr>
           <a:xfrm>
             <a:off x="952560" y="444600"/>
-            <a:ext cx="11099160" cy="2158200"/>
+            <a:ext cx="11098800" cy="2157840"/>
           </a:xfrm>
           <a:prstGeom prst="rect">
             <a:avLst/>
@@ -4350,10 +4379,10 @@
   <p:timing>
     <p:tnLst>
       <p:par>
-        <p:cTn id="7" dur="indefinite" restart="never" nodeType="tmRoot">
+        <p:cTn id="23" dur="indefinite" restart="never" nodeType="tmRoot">
           <p:childTnLst>
             <p:seq>
-              <p:cTn id="8" dur="indefinite" nodeType="mainSeq"/>
+              <p:cTn id="24" dur="indefinite" nodeType="mainSeq"/>
               <p:prevCondLst>
                 <p:cond delay="0" evt="onPrev">
                   <p:tgtEl>
@@ -4403,7 +4432,7 @@
         <p:spPr>
           <a:xfrm>
             <a:off x="96120" y="3384000"/>
-            <a:ext cx="12647880" cy="5012640"/>
+            <a:ext cx="12647520" cy="5012280"/>
           </a:xfrm>
           <a:prstGeom prst="rect">
             <a:avLst/>
@@ -4422,7 +4451,7 @@
         <p:txBody>
           <a:bodyPr lIns="50760" rIns="50760" tIns="50760" bIns="50760" anchor="ctr"/>
           <a:p>
-            <a:pPr marL="444600" indent="-443880">
+            <a:pPr marL="444600" indent="-443520">
               <a:lnSpc>
                 <a:spcPct val="100000"/>
               </a:lnSpc>
@@ -4447,7 +4476,7 @@
             </a:endParaRPr>
           </a:p>
           <a:p>
-            <a:pPr lvl="3" marL="864000" indent="-216000">
+            <a:pPr lvl="3" marL="864000" indent="-215640">
               <a:lnSpc>
                 <a:spcPct val="100000"/>
               </a:lnSpc>
@@ -4473,7 +4502,7 @@
             </a:endParaRPr>
           </a:p>
           <a:p>
-            <a:pPr lvl="3" marL="864000" indent="-216000">
+            <a:pPr lvl="3" marL="864000" indent="-215640">
               <a:lnSpc>
                 <a:spcPct val="100000"/>
               </a:lnSpc>
@@ -4541,7 +4570,7 @@
             </a:endParaRPr>
           </a:p>
           <a:p>
-            <a:pPr lvl="3" marL="864000" indent="-216000">
+            <a:pPr lvl="3" marL="864000" indent="-215640">
               <a:lnSpc>
                 <a:spcPct val="100000"/>
               </a:lnSpc>
@@ -4577,7 +4606,7 @@
         <p:spPr>
           <a:xfrm>
             <a:off x="952560" y="444600"/>
-            <a:ext cx="11099160" cy="2158200"/>
+            <a:ext cx="11098800" cy="2157840"/>
           </a:xfrm>
           <a:prstGeom prst="rect">
             <a:avLst/>
@@ -4644,10 +4673,10 @@
   <p:timing>
     <p:tnLst>
       <p:par>
-        <p:cTn id="9" dur="indefinite" restart="never" nodeType="tmRoot">
+        <p:cTn id="25" dur="indefinite" restart="never" nodeType="tmRoot">
           <p:childTnLst>
             <p:seq>
-              <p:cTn id="10" dur="indefinite" nodeType="mainSeq"/>
+              <p:cTn id="26" dur="indefinite" nodeType="mainSeq"/>
               <p:prevCondLst>
                 <p:cond delay="0" evt="onPrev">
                   <p:tgtEl>
@@ -4701,7 +4730,7 @@
         <p:spPr>
           <a:xfrm>
             <a:off x="1774800" y="6552360"/>
-            <a:ext cx="10105560" cy="3161880"/>
+            <a:ext cx="10105200" cy="3161520"/>
           </a:xfrm>
           <a:prstGeom prst="rect">
             <a:avLst/>
@@ -4720,7 +4749,7 @@
         <p:spPr>
           <a:xfrm>
             <a:off x="212040" y="2632320"/>
-            <a:ext cx="12579840" cy="3898080"/>
+            <a:ext cx="12579480" cy="3897720"/>
           </a:xfrm>
           <a:prstGeom prst="rect">
             <a:avLst/>
@@ -4739,7 +4768,7 @@
         <p:txBody>
           <a:bodyPr lIns="50760" rIns="50760" tIns="50760" bIns="50760" anchor="ctr"/>
           <a:p>
-            <a:pPr marL="444600" indent="-443880">
+            <a:pPr marL="444600" indent="-443520">
               <a:lnSpc>
                 <a:spcPct val="100000"/>
               </a:lnSpc>
@@ -4774,7 +4803,7 @@
             </a:endParaRPr>
           </a:p>
           <a:p>
-            <a:pPr marL="444600" indent="-443880">
+            <a:pPr marL="444600" indent="-443520">
               <a:lnSpc>
                 <a:spcPct val="100000"/>
               </a:lnSpc>
@@ -4829,8 +4858,8 @@
         </p:nvSpPr>
         <p:spPr>
           <a:xfrm flipH="1">
-            <a:off x="8280000" y="4320000"/>
-            <a:ext cx="2088000" cy="4464000"/>
+            <a:off x="8279280" y="4320000"/>
+            <a:ext cx="2087640" cy="4463640"/>
           </a:xfrm>
           <a:custGeom>
             <a:avLst/>
@@ -4873,7 +4902,7 @@
         <p:spPr>
           <a:xfrm>
             <a:off x="952560" y="444600"/>
-            <a:ext cx="11099160" cy="2158200"/>
+            <a:ext cx="11098800" cy="2157840"/>
           </a:xfrm>
           <a:prstGeom prst="rect">
             <a:avLst/>
@@ -4940,10 +4969,10 @@
   <p:timing>
     <p:tnLst>
       <p:par>
-        <p:cTn id="11" dur="indefinite" restart="never" nodeType="tmRoot">
+        <p:cTn id="27" dur="indefinite" restart="never" nodeType="tmRoot">
           <p:childTnLst>
             <p:seq>
-              <p:cTn id="12" dur="indefinite" nodeType="mainSeq"/>
+              <p:cTn id="28" dur="indefinite" nodeType="mainSeq"/>
               <p:prevCondLst>
                 <p:cond delay="0" evt="onPrev">
                   <p:tgtEl>
@@ -4997,7 +5026,7 @@
         <p:spPr>
           <a:xfrm>
             <a:off x="6124320" y="6264000"/>
-            <a:ext cx="6619680" cy="3428640"/>
+            <a:ext cx="6619320" cy="3428280"/>
           </a:xfrm>
           <a:prstGeom prst="rect">
             <a:avLst/>
@@ -5016,7 +5045,7 @@
         <p:spPr>
           <a:xfrm>
             <a:off x="212040" y="2956320"/>
-            <a:ext cx="12792600" cy="3898080"/>
+            <a:ext cx="12792240" cy="3897720"/>
           </a:xfrm>
           <a:prstGeom prst="rect">
             <a:avLst/>
@@ -5035,7 +5064,7 @@
         <p:txBody>
           <a:bodyPr lIns="50760" rIns="50760" tIns="50760" bIns="50760" anchor="ctr"/>
           <a:p>
-            <a:pPr marL="444600" indent="-443880">
+            <a:pPr marL="444600" indent="-443520">
               <a:lnSpc>
                 <a:spcPct val="100000"/>
               </a:lnSpc>
@@ -5060,7 +5089,7 @@
             </a:endParaRPr>
           </a:p>
           <a:p>
-            <a:pPr lvl="1" marL="432000" indent="-216000">
+            <a:pPr lvl="1" marL="432000" indent="-215640">
               <a:lnSpc>
                 <a:spcPct val="100000"/>
               </a:lnSpc>
@@ -5086,7 +5115,7 @@
             </a:endParaRPr>
           </a:p>
           <a:p>
-            <a:pPr lvl="1" marL="432000" indent="-216000">
+            <a:pPr lvl="1" marL="432000" indent="-215640">
               <a:lnSpc>
                 <a:spcPct val="100000"/>
               </a:lnSpc>
@@ -5112,7 +5141,7 @@
             </a:endParaRPr>
           </a:p>
           <a:p>
-            <a:pPr lvl="1" marL="432000" indent="-216000">
+            <a:pPr lvl="1" marL="432000" indent="-215640">
               <a:lnSpc>
                 <a:spcPct val="100000"/>
               </a:lnSpc>
@@ -5148,7 +5177,7 @@
         <p:spPr>
           <a:xfrm>
             <a:off x="6480000" y="6048000"/>
-            <a:ext cx="2088000" cy="2016000"/>
+            <a:ext cx="2087640" cy="2015640"/>
           </a:xfrm>
           <a:custGeom>
             <a:avLst/>
@@ -5191,7 +5220,7 @@
         <p:spPr>
           <a:xfrm>
             <a:off x="952560" y="444600"/>
-            <a:ext cx="11099160" cy="2158200"/>
+            <a:ext cx="11098800" cy="2157840"/>
           </a:xfrm>
           <a:prstGeom prst="rect">
             <a:avLst/>
@@ -5262,7 +5291,7 @@
         <p:spPr>
           <a:xfrm>
             <a:off x="3816000" y="4896000"/>
-            <a:ext cx="4752000" cy="2664000"/>
+            <a:ext cx="4751640" cy="2663640"/>
           </a:xfrm>
           <a:custGeom>
             <a:avLst/>
@@ -5305,7 +5334,7 @@
         <p:spPr>
           <a:xfrm>
             <a:off x="6336000" y="5400000"/>
-            <a:ext cx="3312000" cy="1584000"/>
+            <a:ext cx="3311640" cy="1583640"/>
           </a:xfrm>
           <a:custGeom>
             <a:avLst/>
@@ -5344,10 +5373,10 @@
   <p:timing>
     <p:tnLst>
       <p:par>
-        <p:cTn id="13" dur="indefinite" restart="never" nodeType="tmRoot">
+        <p:cTn id="29" dur="indefinite" restart="never" nodeType="tmRoot">
           <p:childTnLst>
             <p:seq>
-              <p:cTn id="14" dur="indefinite" nodeType="mainSeq"/>
+              <p:cTn id="30" dur="indefinite" nodeType="mainSeq"/>
               <p:prevCondLst>
                 <p:cond delay="0" evt="onPrev">
                   <p:tgtEl>
@@ -5397,7 +5426,7 @@
         <p:spPr>
           <a:xfrm>
             <a:off x="952560" y="444600"/>
-            <a:ext cx="11099160" cy="2158200"/>
+            <a:ext cx="11098800" cy="2157840"/>
           </a:xfrm>
           <a:prstGeom prst="rect">
             <a:avLst/>
@@ -5468,7 +5497,7 @@
         <p:spPr>
           <a:xfrm>
             <a:off x="212040" y="2793600"/>
-            <a:ext cx="12740760" cy="3351960"/>
+            <a:ext cx="12740400" cy="3351600"/>
           </a:xfrm>
           <a:prstGeom prst="rect">
             <a:avLst/>
@@ -5487,7 +5516,7 @@
         <p:txBody>
           <a:bodyPr lIns="50760" rIns="50760" tIns="50760" bIns="50760" anchor="ctr"/>
           <a:p>
-            <a:pPr marL="444600" indent="-443880">
+            <a:pPr marL="444600" indent="-443520">
               <a:lnSpc>
                 <a:spcPct val="100000"/>
               </a:lnSpc>
@@ -5512,7 +5541,7 @@
             </a:endParaRPr>
           </a:p>
           <a:p>
-            <a:pPr marL="444600" indent="-443880">
+            <a:pPr marL="444600" indent="-443520">
               <a:lnSpc>
                 <a:spcPct val="100000"/>
               </a:lnSpc>
@@ -5566,13 +5595,13 @@
         </p:nvPicPr>
         <p:blipFill>
           <a:blip r:embed="rId1"/>
-          <a:srcRect l="8291" t="0" r="0" b="35198"/>
+          <a:srcRect l="8291" t="0" r="0" b="35194"/>
           <a:stretch/>
         </p:blipFill>
         <p:spPr>
           <a:xfrm>
             <a:off x="131760" y="5659560"/>
-            <a:ext cx="11925720" cy="3849840"/>
+            <a:ext cx="11925360" cy="3849480"/>
           </a:xfrm>
           <a:prstGeom prst="rect">
             <a:avLst/>
@@ -5591,7 +5620,7 @@
         <p:spPr>
           <a:xfrm>
             <a:off x="8001000" y="5409360"/>
-            <a:ext cx="487440" cy="1635480"/>
+            <a:ext cx="487080" cy="1635120"/>
           </a:xfrm>
           <a:custGeom>
             <a:avLst/>
@@ -5630,10 +5659,10 @@
   <p:timing>
     <p:tnLst>
       <p:par>
-        <p:cTn id="15" dur="indefinite" restart="never" nodeType="tmRoot">
+        <p:cTn id="31" dur="indefinite" restart="never" nodeType="tmRoot">
           <p:childTnLst>
             <p:seq>
-              <p:cTn id="16" dur="indefinite" nodeType="mainSeq"/>
+              <p:cTn id="32" dur="indefinite" nodeType="mainSeq"/>
               <p:prevCondLst>
                 <p:cond delay="0" evt="onPrev">
                   <p:tgtEl>
@@ -5683,7 +5712,7 @@
         <p:spPr>
           <a:xfrm>
             <a:off x="212040" y="2516040"/>
-            <a:ext cx="12740760" cy="3351960"/>
+            <a:ext cx="12740400" cy="3351600"/>
           </a:xfrm>
           <a:prstGeom prst="rect">
             <a:avLst/>
@@ -5702,7 +5731,7 @@
         <p:txBody>
           <a:bodyPr lIns="50760" rIns="50760" tIns="50760" bIns="50760" anchor="ctr"/>
           <a:p>
-            <a:pPr marL="444600" indent="-443880">
+            <a:pPr marL="444600" indent="-443520">
               <a:lnSpc>
                 <a:spcPct val="100000"/>
               </a:lnSpc>
@@ -5740,7 +5769,7 @@
             </a:endParaRPr>
           </a:p>
           <a:p>
-            <a:pPr marL="444600" indent="-443880">
+            <a:pPr marL="444600" indent="-443520">
               <a:lnSpc>
                 <a:spcPct val="100000"/>
               </a:lnSpc>
@@ -5761,17 +5790,7 @@
                 <a:latin typeface="Helvetica Neue Light"/>
                 <a:ea typeface="Helvetica Neue Light"/>
               </a:rPr>
-              <a:t>MetaMask will request your permission to send your contract to the blockchain -</a:t>
-            </a:r>
-            <a:r>
-              <a:rPr b="0" lang="en-GB" sz="3600" spc="-1" strike="noStrike">
-                <a:solidFill>
-                  <a:srgbClr val="000000"/>
-                </a:solidFill>
-                <a:latin typeface="Helvetica Neue Light"/>
-                <a:ea typeface="Helvetica Neue Light"/>
-              </a:rPr>
-              <a:t> by clicking on </a:t>
+              <a:t>MetaMask will request your permission to send your contract to the blockchain - by clicking on </a:t>
             </a:r>
             <a:r>
               <a:rPr b="0" lang="en-GB" sz="3600" spc="-1" strike="noStrike">
@@ -5807,13 +5826,13 @@
         </p:nvPicPr>
         <p:blipFill>
           <a:blip r:embed="rId1"/>
-          <a:srcRect l="0" t="0" r="0" b="26739"/>
+          <a:srcRect l="0" t="0" r="0" b="26734"/>
           <a:stretch/>
         </p:blipFill>
         <p:spPr>
           <a:xfrm>
             <a:off x="1790640" y="5786280"/>
-            <a:ext cx="9998280" cy="3832200"/>
+            <a:ext cx="9997920" cy="3831840"/>
           </a:xfrm>
           <a:prstGeom prst="rect">
             <a:avLst/>
@@ -5831,8 +5850,8 @@
         </p:nvSpPr>
         <p:spPr>
           <a:xfrm flipH="1">
-            <a:off x="3395520" y="5040000"/>
-            <a:ext cx="7764480" cy="3327840"/>
+            <a:off x="3394800" y="5040000"/>
+            <a:ext cx="7764120" cy="3327480"/>
           </a:xfrm>
           <a:custGeom>
             <a:avLst/>
@@ -5875,7 +5894,7 @@
         <p:spPr>
           <a:xfrm>
             <a:off x="952560" y="444600"/>
-            <a:ext cx="11099160" cy="2158200"/>
+            <a:ext cx="11098800" cy="2157840"/>
           </a:xfrm>
           <a:prstGeom prst="rect">
             <a:avLst/>
@@ -5960,10 +5979,10 @@
   <p:timing>
     <p:tnLst>
       <p:par>
-        <p:cTn id="17" dur="indefinite" restart="never" nodeType="tmRoot">
+        <p:cTn id="33" dur="indefinite" restart="never" nodeType="tmRoot">
           <p:childTnLst>
             <p:seq>
-              <p:cTn id="18" dur="indefinite" nodeType="mainSeq"/>
+              <p:cTn id="34" dur="indefinite" nodeType="mainSeq"/>
               <p:prevCondLst>
                 <p:cond delay="0" evt="onPrev">
                   <p:tgtEl>
@@ -6012,13 +6031,13 @@
         </p:nvPicPr>
         <p:blipFill>
           <a:blip r:embed="rId1"/>
-          <a:srcRect l="55668" t="12383" r="1961" b="27826"/>
+          <a:srcRect l="55659" t="12383" r="1961" b="27823"/>
           <a:stretch/>
         </p:blipFill>
         <p:spPr>
           <a:xfrm>
             <a:off x="7189920" y="2822040"/>
-            <a:ext cx="5490000" cy="6199560"/>
+            <a:ext cx="5489640" cy="6199200"/>
           </a:xfrm>
           <a:prstGeom prst="rect">
             <a:avLst/>
@@ -6037,7 +6056,7 @@
         <p:spPr>
           <a:xfrm>
             <a:off x="4392000" y="5472000"/>
-            <a:ext cx="6856560" cy="1525320"/>
+            <a:ext cx="6856200" cy="1524960"/>
           </a:xfrm>
           <a:custGeom>
             <a:avLst/>
@@ -6080,7 +6099,7 @@
         <p:spPr>
           <a:xfrm>
             <a:off x="372600" y="3321360"/>
-            <a:ext cx="6869160" cy="2920320"/>
+            <a:ext cx="6868800" cy="2919960"/>
           </a:xfrm>
           <a:prstGeom prst="rect">
             <a:avLst/>
@@ -6099,7 +6118,7 @@
         <p:txBody>
           <a:bodyPr lIns="50760" rIns="50760" tIns="50760" bIns="50760" anchor="ctr"/>
           <a:p>
-            <a:pPr marL="444600" indent="-443880">
+            <a:pPr marL="444600" indent="-443520">
               <a:lnSpc>
                 <a:spcPct val="100000"/>
               </a:lnSpc>
@@ -6147,7 +6166,7 @@
         <p:spPr>
           <a:xfrm>
             <a:off x="203040" y="6320160"/>
-            <a:ext cx="6869160" cy="1472400"/>
+            <a:ext cx="6868800" cy="1472040"/>
           </a:xfrm>
           <a:prstGeom prst="rect">
             <a:avLst/>
@@ -6166,7 +6185,7 @@
         <p:txBody>
           <a:bodyPr lIns="50760" rIns="50760" tIns="50760" bIns="50760" anchor="ctr"/>
           <a:p>
-            <a:pPr marL="444600" indent="-443880">
+            <a:pPr marL="444600" indent="-443520">
               <a:lnSpc>
                 <a:spcPct val="100000"/>
               </a:lnSpc>
@@ -6241,7 +6260,7 @@
         <p:spPr>
           <a:xfrm>
             <a:off x="952560" y="444600"/>
-            <a:ext cx="11099160" cy="2158200"/>
+            <a:ext cx="11098800" cy="2157840"/>
           </a:xfrm>
           <a:prstGeom prst="rect">
             <a:avLst/>
@@ -6326,10 +6345,10 @@
   <p:timing>
     <p:tnLst>
       <p:par>
-        <p:cTn id="19" dur="indefinite" restart="never" nodeType="tmRoot">
+        <p:cTn id="35" dur="indefinite" restart="never" nodeType="tmRoot">
           <p:childTnLst>
             <p:seq>
-              <p:cTn id="20" dur="indefinite" nodeType="mainSeq"/>
+              <p:cTn id="36" dur="indefinite" nodeType="mainSeq"/>
               <p:prevCondLst>
                 <p:cond delay="0" evt="onPrev">
                   <p:tgtEl>
@@ -6378,13 +6397,13 @@
         </p:nvPicPr>
         <p:blipFill>
           <a:blip r:embed="rId1"/>
-          <a:srcRect l="7751" t="12383" r="1961" b="27826"/>
+          <a:srcRect l="7751" t="12383" r="1961" b="27823"/>
           <a:stretch/>
         </p:blipFill>
         <p:spPr>
           <a:xfrm>
             <a:off x="3862800" y="4740840"/>
-            <a:ext cx="9087480" cy="4813560"/>
+            <a:ext cx="9087120" cy="4813200"/>
           </a:xfrm>
           <a:prstGeom prst="rect">
             <a:avLst/>
@@ -6402,8 +6421,8 @@
         </p:nvSpPr>
         <p:spPr>
           <a:xfrm flipH="1" rot="10800000">
-            <a:off x="4968000" y="6407280"/>
-            <a:ext cx="1105200" cy="215640"/>
+            <a:off x="6072480" y="6622920"/>
+            <a:ext cx="1104840" cy="215280"/>
           </a:xfrm>
           <a:custGeom>
             <a:avLst/>
@@ -6446,7 +6465,7 @@
         <p:spPr>
           <a:xfrm>
             <a:off x="320760" y="2014200"/>
-            <a:ext cx="10384560" cy="2996640"/>
+            <a:ext cx="10384200" cy="2996280"/>
           </a:xfrm>
           <a:prstGeom prst="rect">
             <a:avLst/>
@@ -6465,7 +6484,7 @@
         <p:txBody>
           <a:bodyPr lIns="50760" rIns="50760" tIns="50760" bIns="50760" anchor="ctr"/>
           <a:p>
-            <a:pPr marL="529200" indent="-528480">
+            <a:pPr marL="529200" indent="-528120">
               <a:lnSpc>
                 <a:spcPct val="100000"/>
               </a:lnSpc>
@@ -6490,7 +6509,7 @@
             </a:endParaRPr>
           </a:p>
           <a:p>
-            <a:pPr marL="529200" indent="-528480">
+            <a:pPr marL="529200" indent="-528120">
               <a:lnSpc>
                 <a:spcPct val="100000"/>
               </a:lnSpc>
@@ -6545,7 +6564,7 @@
         <p:spPr>
           <a:xfrm>
             <a:off x="129240" y="5860440"/>
-            <a:ext cx="4046400" cy="2387160"/>
+            <a:ext cx="4046040" cy="2386800"/>
           </a:xfrm>
           <a:prstGeom prst="rect">
             <a:avLst/>
@@ -6653,8 +6672,8 @@
         </p:nvSpPr>
         <p:spPr>
           <a:xfrm flipH="1" rot="10800000">
-            <a:off x="10872000" y="7284960"/>
-            <a:ext cx="7051680" cy="444960"/>
+            <a:off x="17922960" y="7729920"/>
+            <a:ext cx="7051320" cy="444600"/>
           </a:xfrm>
           <a:custGeom>
             <a:avLst/>
@@ -6696,8 +6715,8 @@
         </p:nvSpPr>
         <p:spPr>
           <a:xfrm flipH="1" rot="10800000">
-            <a:off x="9144000" y="8208000"/>
-            <a:ext cx="6696000" cy="1368000"/>
+            <a:off x="15839280" y="9576000"/>
+            <a:ext cx="6695640" cy="1367640"/>
           </a:xfrm>
           <a:custGeom>
             <a:avLst/>
@@ -6740,7 +6759,7 @@
         <p:spPr>
           <a:xfrm>
             <a:off x="952560" y="444600"/>
-            <a:ext cx="11099160" cy="2158200"/>
+            <a:ext cx="11098800" cy="2157840"/>
           </a:xfrm>
           <a:prstGeom prst="rect">
             <a:avLst/>
@@ -6825,10 +6844,10 @@
   <p:timing>
     <p:tnLst>
       <p:par>
-        <p:cTn id="21" dur="indefinite" restart="never" nodeType="tmRoot">
+        <p:cTn id="37" dur="indefinite" restart="never" nodeType="tmRoot">
           <p:childTnLst>
             <p:seq>
-              <p:cTn id="22" dur="indefinite" nodeType="mainSeq"/>
+              <p:cTn id="38" dur="indefinite" nodeType="mainSeq"/>
               <p:prevCondLst>
                 <p:cond delay="0" evt="onPrev">
                   <p:tgtEl>
@@ -6878,7 +6897,7 @@
         <p:spPr>
           <a:xfrm>
             <a:off x="952560" y="2603520"/>
-            <a:ext cx="11099160" cy="6285960"/>
+            <a:ext cx="11098800" cy="6285600"/>
           </a:xfrm>
           <a:prstGeom prst="rect">
             <a:avLst/>
@@ -6897,7 +6916,7 @@
         <p:txBody>
           <a:bodyPr lIns="50760" rIns="50760" tIns="50760" bIns="50760" anchor="ctr"/>
           <a:p>
-            <a:pPr marL="280080" indent="-279360">
+            <a:pPr marL="280080" indent="-279000">
               <a:lnSpc>
                 <a:spcPct val="100000"/>
               </a:lnSpc>
@@ -6922,7 +6941,7 @@
             </a:endParaRPr>
           </a:p>
           <a:p>
-            <a:pPr marL="280080" indent="-279360">
+            <a:pPr marL="280080" indent="-279000">
               <a:lnSpc>
                 <a:spcPct val="100000"/>
               </a:lnSpc>
@@ -6950,7 +6969,7 @@
             </a:endParaRPr>
           </a:p>
           <a:p>
-            <a:pPr marL="384120" indent="-143280">
+            <a:pPr marL="384120" indent="-142920">
               <a:lnSpc>
                 <a:spcPct val="100000"/>
               </a:lnSpc>
@@ -6988,7 +7007,7 @@
             </a:endParaRPr>
           </a:p>
           <a:p>
-            <a:pPr marL="384120" indent="-143280">
+            <a:pPr marL="384120" indent="-142920">
               <a:lnSpc>
                 <a:spcPct val="100000"/>
               </a:lnSpc>
@@ -7026,7 +7045,7 @@
             </a:endParaRPr>
           </a:p>
           <a:p>
-            <a:pPr marL="384120" indent="-143280">
+            <a:pPr marL="384120" indent="-142920">
               <a:lnSpc>
                 <a:spcPct val="100000"/>
               </a:lnSpc>
@@ -7064,7 +7083,7 @@
             </a:endParaRPr>
           </a:p>
           <a:p>
-            <a:pPr marL="744120" indent="-279360">
+            <a:pPr marL="744120" indent="-279000">
               <a:lnSpc>
                 <a:spcPct val="100000"/>
               </a:lnSpc>
@@ -7092,7 +7111,7 @@
             </a:endParaRPr>
           </a:p>
           <a:p>
-            <a:pPr marL="384120" indent="-143280">
+            <a:pPr marL="384120" indent="-142920">
               <a:lnSpc>
                 <a:spcPct val="100000"/>
               </a:lnSpc>
@@ -7140,7 +7159,7 @@
         <p:spPr>
           <a:xfrm>
             <a:off x="952560" y="444240"/>
-            <a:ext cx="11099160" cy="2158560"/>
+            <a:ext cx="11098800" cy="2158200"/>
           </a:xfrm>
           <a:prstGeom prst="rect">
             <a:avLst/>
@@ -7182,6 +7201,33 @@
       </p:sp>
     </p:spTree>
   </p:cSld>
+  <p:timing>
+    <p:tnLst>
+      <p:par>
+        <p:cTn id="3" dur="indefinite" restart="never" nodeType="tmRoot">
+          <p:childTnLst>
+            <p:seq>
+              <p:cTn id="4" dur="indefinite" nodeType="mainSeq"/>
+              <p:prevCondLst>
+                <p:cond delay="0" evt="onPrev">
+                  <p:tgtEl>
+                    <p:sldTgt/>
+                  </p:tgtEl>
+                </p:cond>
+              </p:prevCondLst>
+              <p:nextCondLst>
+                <p:cond delay="0" evt="onNext">
+                  <p:tgtEl>
+                    <p:sldTgt/>
+                  </p:tgtEl>
+                </p:cond>
+              </p:nextCondLst>
+            </p:seq>
+          </p:childTnLst>
+        </p:cTn>
+      </p:par>
+    </p:tnLst>
+  </p:timing>
 </p:sld>
 </file>
 
@@ -7215,7 +7261,7 @@
         <p:spPr>
           <a:xfrm>
             <a:off x="6480000" y="4752000"/>
-            <a:ext cx="6619680" cy="3428640"/>
+            <a:ext cx="6619320" cy="3428280"/>
           </a:xfrm>
           <a:prstGeom prst="rect">
             <a:avLst/>
@@ -7234,7 +7280,7 @@
         <p:spPr>
           <a:xfrm>
             <a:off x="386640" y="3001320"/>
-            <a:ext cx="6924960" cy="2463120"/>
+            <a:ext cx="6924600" cy="2462760"/>
           </a:xfrm>
           <a:prstGeom prst="rect">
             <a:avLst/>
@@ -7283,7 +7329,7 @@
         <p:spPr>
           <a:xfrm>
             <a:off x="3709080" y="4976640"/>
-            <a:ext cx="5074920" cy="495360"/>
+            <a:ext cx="5074560" cy="495000"/>
           </a:xfrm>
           <a:custGeom>
             <a:avLst/>
@@ -7326,7 +7372,7 @@
         <p:spPr>
           <a:xfrm>
             <a:off x="-420120" y="5256000"/>
-            <a:ext cx="6864840" cy="4392000"/>
+            <a:ext cx="6864480" cy="4391640"/>
           </a:xfrm>
           <a:prstGeom prst="rect">
             <a:avLst/>
@@ -7345,7 +7391,7 @@
         <p:txBody>
           <a:bodyPr lIns="50760" rIns="50760" tIns="50760" bIns="50760" anchor="ctr"/>
           <a:p>
-            <a:pPr marL="1005480" indent="-369720">
+            <a:pPr marL="1005480" indent="-369360">
               <a:lnSpc>
                 <a:spcPct val="100000"/>
               </a:lnSpc>
@@ -7380,7 +7426,7 @@
             </a:endParaRPr>
           </a:p>
           <a:p>
-            <a:pPr marL="1005480" indent="-369720">
+            <a:pPr marL="1005480" indent="-369360">
               <a:lnSpc>
                 <a:spcPct val="100000"/>
               </a:lnSpc>
@@ -7425,7 +7471,7 @@
         <p:spPr>
           <a:xfrm>
             <a:off x="6264000" y="5218920"/>
-            <a:ext cx="2520000" cy="1045080"/>
+            <a:ext cx="2519640" cy="1044720"/>
           </a:xfrm>
           <a:custGeom>
             <a:avLst/>
@@ -7468,7 +7514,7 @@
         <p:spPr>
           <a:xfrm>
             <a:off x="6268320" y="5232600"/>
-            <a:ext cx="2515680" cy="2471400"/>
+            <a:ext cx="2515320" cy="2471040"/>
           </a:xfrm>
           <a:custGeom>
             <a:avLst/>
@@ -7511,7 +7557,7 @@
         <p:spPr>
           <a:xfrm>
             <a:off x="952560" y="444600"/>
-            <a:ext cx="11099160" cy="2158200"/>
+            <a:ext cx="11098800" cy="2157840"/>
           </a:xfrm>
           <a:prstGeom prst="rect">
             <a:avLst/>
@@ -7596,10 +7642,10 @@
   <p:timing>
     <p:tnLst>
       <p:par>
-        <p:cTn id="23" dur="indefinite" restart="never" nodeType="tmRoot">
+        <p:cTn id="39" dur="indefinite" restart="never" nodeType="tmRoot">
           <p:childTnLst>
             <p:seq>
-              <p:cTn id="24" dur="indefinite" nodeType="mainSeq"/>
+              <p:cTn id="40" dur="indefinite" nodeType="mainSeq"/>
               <p:prevCondLst>
                 <p:cond delay="0" evt="onPrev">
                   <p:tgtEl>
@@ -7649,7 +7695,7 @@
         <p:spPr>
           <a:xfrm>
             <a:off x="952560" y="1512000"/>
-            <a:ext cx="11099160" cy="8136000"/>
+            <a:ext cx="11098800" cy="8135640"/>
           </a:xfrm>
           <a:prstGeom prst="rect">
             <a:avLst/>
@@ -7668,7 +7714,7 @@
         <p:txBody>
           <a:bodyPr lIns="50760" rIns="50760" tIns="50760" bIns="50760" anchor="ctr"/>
           <a:p>
-            <a:pPr marL="280080" indent="-279360">
+            <a:pPr marL="280080" indent="-279000">
               <a:lnSpc>
                 <a:spcPct val="100000"/>
               </a:lnSpc>
@@ -7694,7 +7740,7 @@
             </a:endParaRPr>
           </a:p>
           <a:p>
-            <a:pPr lvl="1" marL="432000" indent="-216000">
+            <a:pPr lvl="1" marL="432000" indent="-215640">
               <a:lnSpc>
                 <a:spcPct val="100000"/>
               </a:lnSpc>
@@ -7720,7 +7766,7 @@
             </a:endParaRPr>
           </a:p>
           <a:p>
-            <a:pPr lvl="1" marL="432000" indent="-216000">
+            <a:pPr lvl="1" marL="432000" indent="-215640">
               <a:lnSpc>
                 <a:spcPct val="100000"/>
               </a:lnSpc>
@@ -7746,7 +7792,7 @@
             </a:endParaRPr>
           </a:p>
           <a:p>
-            <a:pPr lvl="1" marL="432000" indent="-216000">
+            <a:pPr lvl="1" marL="432000" indent="-215640">
               <a:lnSpc>
                 <a:spcPct val="100000"/>
               </a:lnSpc>
@@ -7792,7 +7838,7 @@
             </a:endParaRPr>
           </a:p>
           <a:p>
-            <a:pPr lvl="1" marL="432000" indent="-216000">
+            <a:pPr lvl="1" marL="432000" indent="-215640">
               <a:lnSpc>
                 <a:spcPct val="100000"/>
               </a:lnSpc>
@@ -7828,7 +7874,7 @@
         <p:spPr>
           <a:xfrm>
             <a:off x="952560" y="-23760"/>
-            <a:ext cx="11099160" cy="2158560"/>
+            <a:ext cx="11098800" cy="2158200"/>
           </a:xfrm>
           <a:prstGeom prst="rect">
             <a:avLst/>
@@ -7873,10 +7919,10 @@
   <p:timing>
     <p:tnLst>
       <p:par>
-        <p:cTn id="25" dur="indefinite" restart="never" nodeType="tmRoot">
+        <p:cTn id="41" dur="indefinite" restart="never" nodeType="tmRoot">
           <p:childTnLst>
             <p:seq>
-              <p:cTn id="26" dur="indefinite" nodeType="mainSeq"/>
+              <p:cTn id="42" dur="indefinite" nodeType="mainSeq"/>
               <p:prevCondLst>
                 <p:cond delay="0" evt="onPrev">
                   <p:tgtEl>
@@ -7926,7 +7972,7 @@
         <p:spPr>
           <a:xfrm>
             <a:off x="952560" y="1512000"/>
-            <a:ext cx="11099160" cy="8136000"/>
+            <a:ext cx="11098800" cy="8135640"/>
           </a:xfrm>
           <a:prstGeom prst="rect">
             <a:avLst/>
@@ -7945,7 +7991,7 @@
         <p:txBody>
           <a:bodyPr lIns="50760" rIns="50760" tIns="50760" bIns="50760" anchor="ctr"/>
           <a:p>
-            <a:pPr marL="280080" indent="-279360">
+            <a:pPr marL="280080" indent="-279000">
               <a:lnSpc>
                 <a:spcPct val="100000"/>
               </a:lnSpc>
@@ -7971,7 +8017,7 @@
             </a:endParaRPr>
           </a:p>
           <a:p>
-            <a:pPr lvl="1" marL="432000" indent="-216000">
+            <a:pPr lvl="1" marL="432000" indent="-215640">
               <a:lnSpc>
                 <a:spcPct val="100000"/>
               </a:lnSpc>
@@ -7997,7 +8043,7 @@
             </a:endParaRPr>
           </a:p>
           <a:p>
-            <a:pPr lvl="1" marL="432000" indent="-216000">
+            <a:pPr lvl="1" marL="432000" indent="-215640">
               <a:lnSpc>
                 <a:spcPct val="100000"/>
               </a:lnSpc>
@@ -8023,7 +8069,7 @@
             </a:endParaRPr>
           </a:p>
           <a:p>
-            <a:pPr lvl="1" marL="432000" indent="-216000">
+            <a:pPr lvl="1" marL="432000" indent="-215640">
               <a:lnSpc>
                 <a:spcPct val="100000"/>
               </a:lnSpc>
@@ -8049,7 +8095,7 @@
             </a:endParaRPr>
           </a:p>
           <a:p>
-            <a:pPr lvl="1" marL="432000" indent="-216000">
+            <a:pPr lvl="1" marL="432000" indent="-215640">
               <a:lnSpc>
                 <a:spcPct val="100000"/>
               </a:lnSpc>
@@ -8075,7 +8121,43 @@
             </a:endParaRPr>
           </a:p>
           <a:p>
-            <a:pPr lvl="1" marL="432000" indent="-216000">
+            <a:pPr>
+              <a:lnSpc>
+                <a:spcPct val="100000"/>
+              </a:lnSpc>
+            </a:pPr>
+            <a:endParaRPr b="0" lang="en-GB" sz="2270" spc="-1" strike="noStrike">
+              <a:latin typeface="Arial"/>
+            </a:endParaRPr>
+          </a:p>
+          <a:p>
+            <a:pPr marL="280080" indent="-279000">
+              <a:lnSpc>
+                <a:spcPct val="100000"/>
+              </a:lnSpc>
+              <a:buClr>
+                <a:srgbClr val="000000"/>
+              </a:buClr>
+              <a:buFont typeface="Helvetica Neue Light"/>
+              <a:buChar char="•"/>
+            </a:pPr>
+            <a:r>
+              <a:rPr b="0" lang="en-GB" sz="2270" spc="-1" strike="noStrike" u="sng">
+                <a:solidFill>
+                  <a:srgbClr val="000000"/>
+                </a:solidFill>
+                <a:uFillTx/>
+                <a:latin typeface="Helvetica Neue Light"/>
+                <a:ea typeface="Helvetica Neue Light"/>
+              </a:rPr>
+              <a:t>If you interact with a contract but don’t see your changes published</a:t>
+            </a:r>
+            <a:endParaRPr b="0" lang="en-GB" sz="2270" spc="-1" strike="noStrike">
+              <a:latin typeface="Arial"/>
+            </a:endParaRPr>
+          </a:p>
+          <a:p>
+            <a:pPr lvl="1" marL="432000" indent="-215640">
               <a:lnSpc>
                 <a:spcPct val="100000"/>
               </a:lnSpc>
@@ -8086,38 +8168,32 @@
               <a:buFont typeface="Wingdings" charset="2"/>
               <a:buChar char=""/>
             </a:pPr>
+            <a:r>
+              <a:rPr b="0" lang="en-GB" sz="2270" spc="-1" strike="noStrike">
+                <a:solidFill>
+                  <a:srgbClr val="000000"/>
+                </a:solidFill>
+                <a:latin typeface="Helvetica Neue Light"/>
+                <a:ea typeface="Helvetica Neue Light"/>
+              </a:rPr>
+              <a:t>Make sure that you have set the environment to </a:t>
+            </a:r>
+            <a:r>
+              <a:rPr b="0" i="1" lang="en-GB" sz="2270" spc="-1" strike="noStrike">
+                <a:solidFill>
+                  <a:srgbClr val="000000"/>
+                </a:solidFill>
+                <a:latin typeface="Helvetica Neue Light"/>
+                <a:ea typeface="Helvetica Neue Light"/>
+              </a:rPr>
+              <a:t>Injected Web3</a:t>
+            </a:r>
             <a:endParaRPr b="0" lang="en-GB" sz="2270" spc="-1" strike="noStrike">
               <a:latin typeface="Arial"/>
             </a:endParaRPr>
           </a:p>
           <a:p>
-            <a:pPr marL="280080" indent="-279360">
-              <a:lnSpc>
-                <a:spcPct val="100000"/>
-              </a:lnSpc>
-              <a:buClr>
-                <a:srgbClr val="000000"/>
-              </a:buClr>
-              <a:buFont typeface="Helvetica Neue Light"/>
-              <a:buChar char="•"/>
-            </a:pPr>
-            <a:r>
-              <a:rPr b="0" lang="en-GB" sz="2270" spc="-1" strike="noStrike" u="sng">
-                <a:solidFill>
-                  <a:srgbClr val="000000"/>
-                </a:solidFill>
-                <a:uFillTx/>
-                <a:latin typeface="Helvetica Neue Light"/>
-                <a:ea typeface="Helvetica Neue Light"/>
-              </a:rPr>
-              <a:t>If you interact with a contract but don’t see your changes published</a:t>
-            </a:r>
-            <a:endParaRPr b="0" lang="en-GB" sz="2270" spc="-1" strike="noStrike">
-              <a:latin typeface="Arial"/>
-            </a:endParaRPr>
-          </a:p>
-          <a:p>
-            <a:pPr lvl="1" marL="432000" indent="-216000">
+            <a:pPr lvl="1" marL="432000" indent="-215640">
               <a:lnSpc>
                 <a:spcPct val="100000"/>
               </a:lnSpc>
@@ -8136,42 +8212,6 @@
                 <a:latin typeface="Helvetica Neue Light"/>
                 <a:ea typeface="Helvetica Neue Light"/>
               </a:rPr>
-              <a:t>Make sure that you have set the environment to </a:t>
-            </a:r>
-            <a:r>
-              <a:rPr b="0" i="1" lang="en-GB" sz="2270" spc="-1" strike="noStrike">
-                <a:solidFill>
-                  <a:srgbClr val="000000"/>
-                </a:solidFill>
-                <a:latin typeface="Helvetica Neue Light"/>
-                <a:ea typeface="Helvetica Neue Light"/>
-              </a:rPr>
-              <a:t>Injected Web3</a:t>
-            </a:r>
-            <a:endParaRPr b="0" lang="en-GB" sz="2270" spc="-1" strike="noStrike">
-              <a:latin typeface="Arial"/>
-            </a:endParaRPr>
-          </a:p>
-          <a:p>
-            <a:pPr lvl="1" marL="432000" indent="-216000">
-              <a:lnSpc>
-                <a:spcPct val="100000"/>
-              </a:lnSpc>
-              <a:buClr>
-                <a:srgbClr val="000000"/>
-              </a:buClr>
-              <a:buSzPct val="45000"/>
-              <a:buFont typeface="Wingdings" charset="2"/>
-              <a:buChar char=""/>
-            </a:pPr>
-            <a:r>
-              <a:rPr b="0" lang="en-GB" sz="2270" spc="-1" strike="noStrike">
-                <a:solidFill>
-                  <a:srgbClr val="000000"/>
-                </a:solidFill>
-                <a:latin typeface="Helvetica Neue Light"/>
-                <a:ea typeface="Helvetica Neue Light"/>
-              </a:rPr>
               <a:t>Double check that the address of the contract to which you connect is the correct one</a:t>
             </a:r>
             <a:endParaRPr b="0" lang="en-GB" sz="2270" spc="-1" strike="noStrike">
@@ -8189,7 +8229,7 @@
         <p:spPr>
           <a:xfrm>
             <a:off x="952560" y="-23760"/>
-            <a:ext cx="11099160" cy="2158560"/>
+            <a:ext cx="11098800" cy="2158200"/>
           </a:xfrm>
           <a:prstGeom prst="rect">
             <a:avLst/>
@@ -8234,10 +8274,10 @@
   <p:timing>
     <p:tnLst>
       <p:par>
-        <p:cTn id="27" dur="indefinite" restart="never" nodeType="tmRoot">
+        <p:cTn id="43" dur="indefinite" restart="never" nodeType="tmRoot">
           <p:childTnLst>
             <p:seq>
-              <p:cTn id="28" dur="indefinite" nodeType="mainSeq"/>
+              <p:cTn id="44" dur="indefinite" nodeType="mainSeq"/>
               <p:prevCondLst>
                 <p:cond delay="0" evt="onPrev">
                   <p:tgtEl>
@@ -8287,7 +8327,7 @@
         <p:spPr>
           <a:xfrm>
             <a:off x="952560" y="444600"/>
-            <a:ext cx="11099160" cy="2158200"/>
+            <a:ext cx="11098800" cy="2157840"/>
           </a:xfrm>
           <a:prstGeom prst="rect">
             <a:avLst/>
@@ -8347,7 +8387,7 @@
         <p:spPr>
           <a:xfrm>
             <a:off x="952560" y="2603520"/>
-            <a:ext cx="11099160" cy="6285960"/>
+            <a:ext cx="11098800" cy="6285600"/>
           </a:xfrm>
           <a:prstGeom prst="rect">
             <a:avLst/>
@@ -8366,7 +8406,7 @@
         <p:txBody>
           <a:bodyPr lIns="50760" rIns="50760" tIns="50760" bIns="50760" anchor="ctr"/>
           <a:p>
-            <a:pPr marL="382320" indent="-381600">
+            <a:pPr marL="382320" indent="-381240">
               <a:lnSpc>
                 <a:spcPct val="100000"/>
               </a:lnSpc>
@@ -8391,7 +8431,7 @@
             </a:endParaRPr>
           </a:p>
           <a:p>
-            <a:pPr marL="382320" indent="-381600">
+            <a:pPr marL="382320" indent="-381240">
               <a:lnSpc>
                 <a:spcPct val="100000"/>
               </a:lnSpc>
@@ -8419,7 +8459,7 @@
             </a:endParaRPr>
           </a:p>
           <a:p>
-            <a:pPr marL="382320" indent="-381600">
+            <a:pPr marL="382320" indent="-381240">
               <a:lnSpc>
                 <a:spcPct val="100000"/>
               </a:lnSpc>
@@ -8447,7 +8487,7 @@
             </a:endParaRPr>
           </a:p>
           <a:p>
-            <a:pPr marL="928440" indent="-381600">
+            <a:pPr marL="928440" indent="-381240">
               <a:lnSpc>
                 <a:spcPct val="100000"/>
               </a:lnSpc>
@@ -8500,7 +8540,7 @@
             </a:endParaRPr>
           </a:p>
           <a:p>
-            <a:pPr marL="282960" indent="-282240">
+            <a:pPr marL="282960" indent="-281880">
               <a:lnSpc>
                 <a:spcPct val="100000"/>
               </a:lnSpc>
@@ -8531,6 +8571,33 @@
       </p:sp>
     </p:spTree>
   </p:cSld>
+  <p:timing>
+    <p:tnLst>
+      <p:par>
+        <p:cTn id="5" dur="indefinite" restart="never" nodeType="tmRoot">
+          <p:childTnLst>
+            <p:seq>
+              <p:cTn id="6" dur="indefinite" nodeType="mainSeq"/>
+              <p:prevCondLst>
+                <p:cond delay="0" evt="onPrev">
+                  <p:tgtEl>
+                    <p:sldTgt/>
+                  </p:tgtEl>
+                </p:cond>
+              </p:prevCondLst>
+              <p:nextCondLst>
+                <p:cond delay="0" evt="onNext">
+                  <p:tgtEl>
+                    <p:sldTgt/>
+                  </p:tgtEl>
+                </p:cond>
+              </p:nextCondLst>
+            </p:seq>
+          </p:childTnLst>
+        </p:cTn>
+      </p:par>
+    </p:tnLst>
+  </p:timing>
 </p:sld>
 </file>
 
@@ -8560,7 +8627,7 @@
         <p:spPr>
           <a:xfrm>
             <a:off x="1117440" y="488880"/>
-            <a:ext cx="11099160" cy="6285960"/>
+            <a:ext cx="11098800" cy="6285600"/>
           </a:xfrm>
           <a:prstGeom prst="rect">
             <a:avLst/>
@@ -8579,7 +8646,7 @@
         <p:txBody>
           <a:bodyPr lIns="50760" rIns="50760" tIns="50760" bIns="50760" anchor="ctr"/>
           <a:p>
-            <a:pPr marL="444600" indent="-443880">
+            <a:pPr marL="444600" indent="-443520">
               <a:lnSpc>
                 <a:spcPct val="100000"/>
               </a:lnSpc>
@@ -8614,7 +8681,7 @@
         <p:spPr>
           <a:xfrm>
             <a:off x="952560" y="444600"/>
-            <a:ext cx="11099160" cy="2158200"/>
+            <a:ext cx="11098800" cy="2157840"/>
           </a:xfrm>
           <a:prstGeom prst="rect">
             <a:avLst/>
@@ -8673,13 +8740,13 @@
         </p:nvPicPr>
         <p:blipFill>
           <a:blip r:embed="rId1"/>
-          <a:srcRect l="47061" t="0" r="0" b="62651"/>
+          <a:srcRect l="47055" t="0" r="0" b="62642"/>
           <a:stretch/>
         </p:blipFill>
         <p:spPr>
           <a:xfrm>
             <a:off x="2353320" y="5514120"/>
-            <a:ext cx="8297280" cy="2811960"/>
+            <a:ext cx="8296920" cy="2811600"/>
           </a:xfrm>
           <a:prstGeom prst="rect">
             <a:avLst/>
@@ -8698,7 +8765,7 @@
         <p:spPr>
           <a:xfrm>
             <a:off x="7305120" y="3590640"/>
-            <a:ext cx="2738880" cy="2403720"/>
+            <a:ext cx="2738520" cy="2403360"/>
           </a:xfrm>
           <a:custGeom>
             <a:avLst/>
@@ -8734,6 +8801,33 @@
       </p:sp>
     </p:spTree>
   </p:cSld>
+  <p:timing>
+    <p:tnLst>
+      <p:par>
+        <p:cTn id="7" dur="indefinite" restart="never" nodeType="tmRoot">
+          <p:childTnLst>
+            <p:seq>
+              <p:cTn id="8" dur="indefinite" nodeType="mainSeq"/>
+              <p:prevCondLst>
+                <p:cond delay="0" evt="onPrev">
+                  <p:tgtEl>
+                    <p:sldTgt/>
+                  </p:tgtEl>
+                </p:cond>
+              </p:prevCondLst>
+              <p:nextCondLst>
+                <p:cond delay="0" evt="onNext">
+                  <p:tgtEl>
+                    <p:sldTgt/>
+                  </p:tgtEl>
+                </p:cond>
+              </p:nextCondLst>
+            </p:seq>
+          </p:childTnLst>
+        </p:cTn>
+      </p:par>
+    </p:tnLst>
+  </p:timing>
 </p:sld>
 </file>
 
@@ -8763,7 +8857,7 @@
         <p:spPr>
           <a:xfrm>
             <a:off x="952560" y="2826000"/>
-            <a:ext cx="11099160" cy="6285960"/>
+            <a:ext cx="11098800" cy="6285600"/>
           </a:xfrm>
           <a:prstGeom prst="rect">
             <a:avLst/>
@@ -8782,7 +8876,7 @@
         <p:txBody>
           <a:bodyPr lIns="50760" rIns="50760" tIns="50760" bIns="50760" anchor="ctr"/>
           <a:p>
-            <a:pPr marL="444600" indent="-443880">
+            <a:pPr marL="444600" indent="-443520">
               <a:lnSpc>
                 <a:spcPct val="100000"/>
               </a:lnSpc>
@@ -8807,7 +8901,7 @@
             </a:endParaRPr>
           </a:p>
           <a:p>
-            <a:pPr marL="444600" indent="-443880">
+            <a:pPr marL="444600" indent="-443520">
               <a:lnSpc>
                 <a:spcPct val="100000"/>
               </a:lnSpc>
@@ -8835,7 +8929,7 @@
             </a:endParaRPr>
           </a:p>
           <a:p>
-            <a:pPr marL="444600" indent="-443880">
+            <a:pPr marL="444600" indent="-443520">
               <a:lnSpc>
                 <a:spcPct val="100000"/>
               </a:lnSpc>
@@ -8883,7 +8977,7 @@
         <p:spPr>
           <a:xfrm>
             <a:off x="952560" y="444600"/>
-            <a:ext cx="11099160" cy="2158200"/>
+            <a:ext cx="11098800" cy="2157840"/>
           </a:xfrm>
           <a:prstGeom prst="rect">
             <a:avLst/>
@@ -8936,6 +9030,33 @@
       </p:sp>
     </p:spTree>
   </p:cSld>
+  <p:timing>
+    <p:tnLst>
+      <p:par>
+        <p:cTn id="9" dur="indefinite" restart="never" nodeType="tmRoot">
+          <p:childTnLst>
+            <p:seq>
+              <p:cTn id="10" dur="indefinite" nodeType="mainSeq"/>
+              <p:prevCondLst>
+                <p:cond delay="0" evt="onPrev">
+                  <p:tgtEl>
+                    <p:sldTgt/>
+                  </p:tgtEl>
+                </p:cond>
+              </p:prevCondLst>
+              <p:nextCondLst>
+                <p:cond delay="0" evt="onNext">
+                  <p:tgtEl>
+                    <p:sldTgt/>
+                  </p:tgtEl>
+                </p:cond>
+              </p:nextCondLst>
+            </p:seq>
+          </p:childTnLst>
+        </p:cTn>
+      </p:par>
+    </p:tnLst>
+  </p:timing>
 </p:sld>
 </file>
 
@@ -8965,7 +9086,7 @@
         <p:spPr>
           <a:xfrm>
             <a:off x="952560" y="1396800"/>
-            <a:ext cx="11099160" cy="6285960"/>
+            <a:ext cx="11098800" cy="6285600"/>
           </a:xfrm>
           <a:prstGeom prst="rect">
             <a:avLst/>
@@ -9060,7 +9181,7 @@
         <p:spPr>
           <a:xfrm>
             <a:off x="952560" y="444600"/>
-            <a:ext cx="11099160" cy="2158560"/>
+            <a:ext cx="11098800" cy="2158200"/>
           </a:xfrm>
           <a:prstGeom prst="rect">
             <a:avLst/>
@@ -9134,7 +9255,7 @@
         <p:spPr>
           <a:xfrm>
             <a:off x="8773920" y="3186720"/>
-            <a:ext cx="3742560" cy="6266880"/>
+            <a:ext cx="3742200" cy="6266520"/>
           </a:xfrm>
           <a:prstGeom prst="rect">
             <a:avLst/>
@@ -9152,8 +9273,8 @@
         </p:nvSpPr>
         <p:spPr>
           <a:xfrm flipH="1" rot="10800000">
-            <a:off x="9936000" y="4680000"/>
-            <a:ext cx="1512000" cy="792000"/>
+            <a:off x="11447280" y="5472000"/>
+            <a:ext cx="1511640" cy="791640"/>
           </a:xfrm>
           <a:custGeom>
             <a:avLst/>
@@ -9189,6 +9310,33 @@
       </p:sp>
     </p:spTree>
   </p:cSld>
+  <p:timing>
+    <p:tnLst>
+      <p:par>
+        <p:cTn id="11" dur="indefinite" restart="never" nodeType="tmRoot">
+          <p:childTnLst>
+            <p:seq>
+              <p:cTn id="12" dur="indefinite" nodeType="mainSeq"/>
+              <p:prevCondLst>
+                <p:cond delay="0" evt="onPrev">
+                  <p:tgtEl>
+                    <p:sldTgt/>
+                  </p:tgtEl>
+                </p:cond>
+              </p:prevCondLst>
+              <p:nextCondLst>
+                <p:cond delay="0" evt="onNext">
+                  <p:tgtEl>
+                    <p:sldTgt/>
+                  </p:tgtEl>
+                </p:cond>
+              </p:nextCondLst>
+            </p:seq>
+          </p:childTnLst>
+        </p:cTn>
+      </p:par>
+    </p:tnLst>
+  </p:timing>
 </p:sld>
 </file>
 
@@ -9218,7 +9366,7 @@
         <p:spPr>
           <a:xfrm>
             <a:off x="952560" y="1905840"/>
-            <a:ext cx="11099160" cy="6285960"/>
+            <a:ext cx="11098800" cy="6285600"/>
           </a:xfrm>
           <a:prstGeom prst="rect">
             <a:avLst/>
@@ -9346,7 +9494,7 @@
         <p:spPr>
           <a:xfrm>
             <a:off x="952560" y="444600"/>
-            <a:ext cx="11099160" cy="2158200"/>
+            <a:ext cx="11098800" cy="2157840"/>
           </a:xfrm>
           <a:prstGeom prst="rect">
             <a:avLst/>
@@ -9420,7 +9568,7 @@
         <p:spPr>
           <a:xfrm>
             <a:off x="9082800" y="3554640"/>
-            <a:ext cx="3571200" cy="6047640"/>
+            <a:ext cx="3570840" cy="6047280"/>
           </a:xfrm>
           <a:prstGeom prst="rect">
             <a:avLst/>
@@ -9439,7 +9587,7 @@
         <p:spPr>
           <a:xfrm>
             <a:off x="6666840" y="3709080"/>
-            <a:ext cx="3884400" cy="3872520"/>
+            <a:ext cx="3884040" cy="3872160"/>
           </a:xfrm>
           <a:custGeom>
             <a:avLst/>
@@ -9475,6 +9623,33 @@
       </p:sp>
     </p:spTree>
   </p:cSld>
+  <p:timing>
+    <p:tnLst>
+      <p:par>
+        <p:cTn id="13" dur="indefinite" restart="never" nodeType="tmRoot">
+          <p:childTnLst>
+            <p:seq>
+              <p:cTn id="14" dur="indefinite" nodeType="mainSeq"/>
+              <p:prevCondLst>
+                <p:cond delay="0" evt="onPrev">
+                  <p:tgtEl>
+                    <p:sldTgt/>
+                  </p:tgtEl>
+                </p:cond>
+              </p:prevCondLst>
+              <p:nextCondLst>
+                <p:cond delay="0" evt="onNext">
+                  <p:tgtEl>
+                    <p:sldTgt/>
+                  </p:tgtEl>
+                </p:cond>
+              </p:nextCondLst>
+            </p:seq>
+          </p:childTnLst>
+        </p:cTn>
+      </p:par>
+    </p:tnLst>
+  </p:timing>
 </p:sld>
 </file>
 
@@ -9504,7 +9679,7 @@
         <p:spPr>
           <a:xfrm>
             <a:off x="495360" y="5525640"/>
-            <a:ext cx="9944640" cy="3363480"/>
+            <a:ext cx="9944280" cy="3363120"/>
           </a:xfrm>
           <a:prstGeom prst="rect">
             <a:avLst/>
@@ -9523,7 +9698,7 @@
         <p:txBody>
           <a:bodyPr lIns="50760" rIns="50760" tIns="50760" bIns="50760" anchor="ctr"/>
           <a:p>
-            <a:pPr marL="444600" indent="-272160">
+            <a:pPr marL="444600" indent="-271800">
               <a:lnSpc>
                 <a:spcPct val="100000"/>
               </a:lnSpc>
@@ -9533,7 +9708,7 @@
             </a:endParaRPr>
           </a:p>
           <a:p>
-            <a:pPr marL="444600" indent="-443880">
+            <a:pPr marL="444600" indent="-443520">
               <a:lnSpc>
                 <a:spcPct val="100000"/>
               </a:lnSpc>
@@ -9561,7 +9736,7 @@
             </a:endParaRPr>
           </a:p>
           <a:p>
-            <a:pPr marL="444600" indent="-443880">
+            <a:pPr marL="444600" indent="-443520">
               <a:lnSpc>
                 <a:spcPct val="100000"/>
               </a:lnSpc>
@@ -9599,7 +9774,7 @@
         <p:spPr>
           <a:xfrm>
             <a:off x="745200" y="3477600"/>
-            <a:ext cx="6572880" cy="1739160"/>
+            <a:ext cx="6572520" cy="1738800"/>
           </a:xfrm>
           <a:prstGeom prst="rect">
             <a:avLst/>
@@ -9618,7 +9793,7 @@
         <p:txBody>
           <a:bodyPr lIns="50760" rIns="50760" tIns="50760" bIns="50760" anchor="ctr"/>
           <a:p>
-            <a:pPr marL="444600" indent="-443880">
+            <a:pPr marL="444600" indent="-443520">
               <a:lnSpc>
                 <a:spcPct val="100000"/>
               </a:lnSpc>
@@ -9653,7 +9828,7 @@
         <p:spPr>
           <a:xfrm>
             <a:off x="952560" y="444600"/>
-            <a:ext cx="11099160" cy="2158200"/>
+            <a:ext cx="11098800" cy="2157840"/>
           </a:xfrm>
           <a:prstGeom prst="rect">
             <a:avLst/>
@@ -9717,7 +9892,7 @@
         <p:spPr>
           <a:xfrm>
             <a:off x="9288000" y="360000"/>
-            <a:ext cx="3637800" cy="6171480"/>
+            <a:ext cx="3637440" cy="6171120"/>
           </a:xfrm>
           <a:prstGeom prst="rect">
             <a:avLst/>
@@ -9735,8 +9910,8 @@
         </p:nvSpPr>
         <p:spPr>
           <a:xfrm flipH="1" rot="10800000">
-            <a:off x="16935480" y="11865600"/>
-            <a:ext cx="6196320" cy="4658760"/>
+            <a:off x="23131080" y="16524360"/>
+            <a:ext cx="6195960" cy="4658400"/>
           </a:xfrm>
           <a:custGeom>
             <a:avLst/>
@@ -9772,6 +9947,33 @@
       </p:sp>
     </p:spTree>
   </p:cSld>
+  <p:timing>
+    <p:tnLst>
+      <p:par>
+        <p:cTn id="15" dur="indefinite" restart="never" nodeType="tmRoot">
+          <p:childTnLst>
+            <p:seq>
+              <p:cTn id="16" dur="indefinite" nodeType="mainSeq"/>
+              <p:prevCondLst>
+                <p:cond delay="0" evt="onPrev">
+                  <p:tgtEl>
+                    <p:sldTgt/>
+                  </p:tgtEl>
+                </p:cond>
+              </p:prevCondLst>
+              <p:nextCondLst>
+                <p:cond delay="0" evt="onNext">
+                  <p:tgtEl>
+                    <p:sldTgt/>
+                  </p:tgtEl>
+                </p:cond>
+              </p:nextCondLst>
+            </p:seq>
+          </p:childTnLst>
+        </p:cTn>
+      </p:par>
+    </p:tnLst>
+  </p:timing>
 </p:sld>
 </file>
 
@@ -9801,7 +10003,7 @@
         <p:spPr>
           <a:xfrm>
             <a:off x="952560" y="444600"/>
-            <a:ext cx="11099160" cy="2158200"/>
+            <a:ext cx="11098800" cy="2157840"/>
           </a:xfrm>
           <a:prstGeom prst="rect">
             <a:avLst/>
@@ -9861,7 +10063,7 @@
         <p:spPr>
           <a:xfrm>
             <a:off x="952560" y="2652840"/>
-            <a:ext cx="11099160" cy="6285960"/>
+            <a:ext cx="11098800" cy="6285600"/>
           </a:xfrm>
           <a:prstGeom prst="rect">
             <a:avLst/>
@@ -9880,7 +10082,7 @@
         <p:txBody>
           <a:bodyPr lIns="50760" rIns="50760" tIns="50760" bIns="50760" anchor="ctr"/>
           <a:p>
-            <a:pPr marL="444600" indent="-443880">
+            <a:pPr marL="444600" indent="-443520">
               <a:lnSpc>
                 <a:spcPct val="100000"/>
               </a:lnSpc>
@@ -9905,7 +10107,7 @@
             </a:endParaRPr>
           </a:p>
           <a:p>
-            <a:pPr marL="444600" indent="-443880">
+            <a:pPr marL="444600" indent="-443520">
               <a:lnSpc>
                 <a:spcPct val="100000"/>
               </a:lnSpc>
@@ -9933,7 +10135,7 @@
             </a:endParaRPr>
           </a:p>
           <a:p>
-            <a:pPr marL="444600" indent="-443880">
+            <a:pPr marL="444600" indent="-443520">
               <a:lnSpc>
                 <a:spcPct val="100000"/>
               </a:lnSpc>
@@ -10002,10 +10204,10 @@
   <p:timing>
     <p:tnLst>
       <p:par>
-        <p:cTn id="1" dur="indefinite" restart="never" nodeType="tmRoot">
+        <p:cTn id="17" dur="indefinite" restart="never" nodeType="tmRoot">
           <p:childTnLst>
             <p:seq>
-              <p:cTn id="2" dur="indefinite" nodeType="mainSeq"/>
+              <p:cTn id="18" dur="indefinite" nodeType="mainSeq"/>
               <p:prevCondLst>
                 <p:cond delay="0" evt="onPrev">
                   <p:tgtEl>

--- a/How_to_connect_to_university_of_edinburgh_private_blockchain.pptx
+++ b/How_to_connect_to_university_of_edinburgh_private_blockchain.pptx
@@ -28,6 +28,9 @@
     <p:sldId id="275" r:id="rId23"/>
     <p:sldId id="276" r:id="rId24"/>
     <p:sldId id="277" r:id="rId25"/>
+    <p:sldId id="278" r:id="rId26"/>
+    <p:sldId id="279" r:id="rId27"/>
+    <p:sldId id="280" r:id="rId28"/>
   </p:sldIdLst>
   <p:sldSz cx="13004800" cy="9753600"/>
   <p:notesSz cx="7559675" cy="10691812"/>
@@ -85,8 +88,8 @@
         </p:nvSpPr>
         <p:spPr>
           <a:xfrm>
-            <a:off x="952560" y="444600"/>
-            <a:ext cx="11098800" cy="2157840"/>
+            <a:off x="650160" y="389160"/>
+            <a:ext cx="11703600" cy="1628280"/>
           </a:xfrm>
           <a:prstGeom prst="rect">
             <a:avLst/>
@@ -115,7 +118,7 @@
         <p:spPr>
           <a:xfrm>
             <a:off x="650160" y="2282040"/>
-            <a:ext cx="11703240" cy="2697840"/>
+            <a:ext cx="11703600" cy="2697840"/>
           </a:xfrm>
           <a:prstGeom prst="rect">
             <a:avLst/>
@@ -145,7 +148,7 @@
         <p:spPr>
           <a:xfrm>
             <a:off x="650160" y="5236560"/>
-            <a:ext cx="11703240" cy="2697840"/>
+            <a:ext cx="11703600" cy="2697840"/>
           </a:xfrm>
           <a:prstGeom prst="rect">
             <a:avLst/>
@@ -196,8 +199,8 @@
         </p:nvSpPr>
         <p:spPr>
           <a:xfrm>
-            <a:off x="952560" y="444600"/>
-            <a:ext cx="11098800" cy="2157840"/>
+            <a:off x="650160" y="389160"/>
+            <a:ext cx="11703600" cy="1628280"/>
           </a:xfrm>
           <a:prstGeom prst="rect">
             <a:avLst/>
@@ -367,8 +370,8 @@
         </p:nvSpPr>
         <p:spPr>
           <a:xfrm>
-            <a:off x="952560" y="444600"/>
-            <a:ext cx="11098800" cy="2157840"/>
+            <a:off x="650160" y="389160"/>
+            <a:ext cx="11703600" cy="1628280"/>
           </a:xfrm>
           <a:prstGeom prst="rect">
             <a:avLst/>
@@ -397,7 +400,7 @@
         <p:spPr>
           <a:xfrm>
             <a:off x="650160" y="2282040"/>
-            <a:ext cx="3768120" cy="2697840"/>
+            <a:ext cx="3768480" cy="2697840"/>
           </a:xfrm>
           <a:prstGeom prst="rect">
             <a:avLst/>
@@ -426,8 +429,8 @@
         </p:nvSpPr>
         <p:spPr>
           <a:xfrm>
-            <a:off x="4606920" y="2282040"/>
-            <a:ext cx="3768120" cy="2697840"/>
+            <a:off x="4607280" y="2282040"/>
+            <a:ext cx="3768480" cy="2697840"/>
           </a:xfrm>
           <a:prstGeom prst="rect">
             <a:avLst/>
@@ -456,8 +459,8 @@
         </p:nvSpPr>
         <p:spPr>
           <a:xfrm>
-            <a:off x="8564040" y="2282040"/>
-            <a:ext cx="3768120" cy="2697840"/>
+            <a:off x="8564760" y="2282040"/>
+            <a:ext cx="3768480" cy="2697840"/>
           </a:xfrm>
           <a:prstGeom prst="rect">
             <a:avLst/>
@@ -487,7 +490,7 @@
         <p:spPr>
           <a:xfrm>
             <a:off x="650160" y="5236560"/>
-            <a:ext cx="3768120" cy="2697840"/>
+            <a:ext cx="3768480" cy="2697840"/>
           </a:xfrm>
           <a:prstGeom prst="rect">
             <a:avLst/>
@@ -516,8 +519,8 @@
         </p:nvSpPr>
         <p:spPr>
           <a:xfrm>
-            <a:off x="4606920" y="5236560"/>
-            <a:ext cx="3768120" cy="2697840"/>
+            <a:off x="4607280" y="5236560"/>
+            <a:ext cx="3768480" cy="2697840"/>
           </a:xfrm>
           <a:prstGeom prst="rect">
             <a:avLst/>
@@ -546,8 +549,8 @@
         </p:nvSpPr>
         <p:spPr>
           <a:xfrm>
-            <a:off x="8564040" y="5236560"/>
-            <a:ext cx="3768120" cy="2697840"/>
+            <a:off x="8564760" y="5236560"/>
+            <a:ext cx="3768480" cy="2697840"/>
           </a:xfrm>
           <a:prstGeom prst="rect">
             <a:avLst/>
@@ -620,8 +623,8 @@
         </p:nvSpPr>
         <p:spPr>
           <a:xfrm>
-            <a:off x="952560" y="444600"/>
-            <a:ext cx="11098800" cy="2157840"/>
+            <a:off x="650160" y="389160"/>
+            <a:ext cx="11703600" cy="1628280"/>
           </a:xfrm>
           <a:prstGeom prst="rect">
             <a:avLst/>
@@ -650,7 +653,7 @@
         <p:spPr>
           <a:xfrm>
             <a:off x="650160" y="2282040"/>
-            <a:ext cx="11703240" cy="5655960"/>
+            <a:ext cx="11703600" cy="5656320"/>
           </a:xfrm>
           <a:prstGeom prst="rect">
             <a:avLst/>
@@ -700,8 +703,8 @@
         </p:nvSpPr>
         <p:spPr>
           <a:xfrm>
-            <a:off x="952560" y="444600"/>
-            <a:ext cx="11098800" cy="2157840"/>
+            <a:off x="650160" y="389160"/>
+            <a:ext cx="11703600" cy="1628280"/>
           </a:xfrm>
           <a:prstGeom prst="rect">
             <a:avLst/>
@@ -730,7 +733,7 @@
         <p:spPr>
           <a:xfrm>
             <a:off x="650160" y="2282040"/>
-            <a:ext cx="11703240" cy="5655960"/>
+            <a:ext cx="11703600" cy="5656320"/>
           </a:xfrm>
           <a:prstGeom prst="rect">
             <a:avLst/>
@@ -781,8 +784,8 @@
         </p:nvSpPr>
         <p:spPr>
           <a:xfrm>
-            <a:off x="952560" y="444600"/>
-            <a:ext cx="11098800" cy="2157840"/>
+            <a:off x="650160" y="389160"/>
+            <a:ext cx="11703600" cy="1628280"/>
           </a:xfrm>
           <a:prstGeom prst="rect">
             <a:avLst/>
@@ -811,7 +814,7 @@
         <p:spPr>
           <a:xfrm>
             <a:off x="650160" y="2282040"/>
-            <a:ext cx="5711040" cy="5655960"/>
+            <a:ext cx="5711040" cy="5656320"/>
           </a:xfrm>
           <a:prstGeom prst="rect">
             <a:avLst/>
@@ -841,7 +844,7 @@
         <p:spPr>
           <a:xfrm>
             <a:off x="6647040" y="2282040"/>
-            <a:ext cx="5711040" cy="5655960"/>
+            <a:ext cx="5711040" cy="5656320"/>
           </a:xfrm>
           <a:prstGeom prst="rect">
             <a:avLst/>
@@ -892,8 +895,8 @@
         </p:nvSpPr>
         <p:spPr>
           <a:xfrm>
-            <a:off x="952560" y="444600"/>
-            <a:ext cx="11098800" cy="2157840"/>
+            <a:off x="650160" y="389160"/>
+            <a:ext cx="11703600" cy="1628280"/>
           </a:xfrm>
           <a:prstGeom prst="rect">
             <a:avLst/>
@@ -943,8 +946,8 @@
         </p:nvSpPr>
         <p:spPr>
           <a:xfrm>
-            <a:off x="952560" y="444600"/>
-            <a:ext cx="11098800" cy="10003680"/>
+            <a:off x="650160" y="389160"/>
+            <a:ext cx="11703600" cy="7549200"/>
           </a:xfrm>
           <a:prstGeom prst="rect">
             <a:avLst/>
@@ -994,8 +997,8 @@
         </p:nvSpPr>
         <p:spPr>
           <a:xfrm>
-            <a:off x="952560" y="444600"/>
-            <a:ext cx="11098800" cy="2157840"/>
+            <a:off x="650160" y="389160"/>
+            <a:ext cx="11703600" cy="1628280"/>
           </a:xfrm>
           <a:prstGeom prst="rect">
             <a:avLst/>
@@ -1054,7 +1057,7 @@
         <p:spPr>
           <a:xfrm>
             <a:off x="6647040" y="2282040"/>
-            <a:ext cx="5711040" cy="5655960"/>
+            <a:ext cx="5711040" cy="5656320"/>
           </a:xfrm>
           <a:prstGeom prst="rect">
             <a:avLst/>
@@ -1135,8 +1138,8 @@
         </p:nvSpPr>
         <p:spPr>
           <a:xfrm>
-            <a:off x="952560" y="444600"/>
-            <a:ext cx="11098800" cy="2157840"/>
+            <a:off x="650160" y="389160"/>
+            <a:ext cx="11703600" cy="1628280"/>
           </a:xfrm>
           <a:prstGeom prst="rect">
             <a:avLst/>
@@ -1165,7 +1168,7 @@
         <p:spPr>
           <a:xfrm>
             <a:off x="650160" y="2282040"/>
-            <a:ext cx="11703240" cy="5655960"/>
+            <a:ext cx="11703600" cy="5656320"/>
           </a:xfrm>
           <a:prstGeom prst="rect">
             <a:avLst/>
@@ -1215,8 +1218,8 @@
         </p:nvSpPr>
         <p:spPr>
           <a:xfrm>
-            <a:off x="952560" y="444600"/>
-            <a:ext cx="11098800" cy="2157840"/>
+            <a:off x="650160" y="389160"/>
+            <a:ext cx="11703600" cy="1628280"/>
           </a:xfrm>
           <a:prstGeom prst="rect">
             <a:avLst/>
@@ -1245,7 +1248,7 @@
         <p:spPr>
           <a:xfrm>
             <a:off x="650160" y="2282040"/>
-            <a:ext cx="5711040" cy="5655960"/>
+            <a:ext cx="5711040" cy="5656320"/>
           </a:xfrm>
           <a:prstGeom prst="rect">
             <a:avLst/>
@@ -1356,8 +1359,8 @@
         </p:nvSpPr>
         <p:spPr>
           <a:xfrm>
-            <a:off x="952560" y="444600"/>
-            <a:ext cx="11098800" cy="2157840"/>
+            <a:off x="650160" y="389160"/>
+            <a:ext cx="11703600" cy="1628280"/>
           </a:xfrm>
           <a:prstGeom prst="rect">
             <a:avLst/>
@@ -1446,7 +1449,7 @@
         <p:spPr>
           <a:xfrm>
             <a:off x="650160" y="5236560"/>
-            <a:ext cx="11703240" cy="2697840"/>
+            <a:ext cx="11703600" cy="2697840"/>
           </a:xfrm>
           <a:prstGeom prst="rect">
             <a:avLst/>
@@ -1497,8 +1500,8 @@
         </p:nvSpPr>
         <p:spPr>
           <a:xfrm>
-            <a:off x="952560" y="444600"/>
-            <a:ext cx="11098800" cy="2157840"/>
+            <a:off x="650160" y="389160"/>
+            <a:ext cx="11703600" cy="1628280"/>
           </a:xfrm>
           <a:prstGeom prst="rect">
             <a:avLst/>
@@ -1527,7 +1530,7 @@
         <p:spPr>
           <a:xfrm>
             <a:off x="650160" y="2282040"/>
-            <a:ext cx="11703240" cy="2697840"/>
+            <a:ext cx="11703600" cy="2697840"/>
           </a:xfrm>
           <a:prstGeom prst="rect">
             <a:avLst/>
@@ -1557,7 +1560,7 @@
         <p:spPr>
           <a:xfrm>
             <a:off x="650160" y="5236560"/>
-            <a:ext cx="11703240" cy="2697840"/>
+            <a:ext cx="11703600" cy="2697840"/>
           </a:xfrm>
           <a:prstGeom prst="rect">
             <a:avLst/>
@@ -1608,8 +1611,8 @@
         </p:nvSpPr>
         <p:spPr>
           <a:xfrm>
-            <a:off x="952560" y="444600"/>
-            <a:ext cx="11098800" cy="2157840"/>
+            <a:off x="650160" y="389160"/>
+            <a:ext cx="11703600" cy="1628280"/>
           </a:xfrm>
           <a:prstGeom prst="rect">
             <a:avLst/>
@@ -1779,8 +1782,8 @@
         </p:nvSpPr>
         <p:spPr>
           <a:xfrm>
-            <a:off x="952560" y="444600"/>
-            <a:ext cx="11098800" cy="2157840"/>
+            <a:off x="650160" y="389160"/>
+            <a:ext cx="11703600" cy="1628280"/>
           </a:xfrm>
           <a:prstGeom prst="rect">
             <a:avLst/>
@@ -1809,7 +1812,7 @@
         <p:spPr>
           <a:xfrm>
             <a:off x="650160" y="2282040"/>
-            <a:ext cx="3768120" cy="2697840"/>
+            <a:ext cx="3768480" cy="2697840"/>
           </a:xfrm>
           <a:prstGeom prst="rect">
             <a:avLst/>
@@ -1838,8 +1841,8 @@
         </p:nvSpPr>
         <p:spPr>
           <a:xfrm>
-            <a:off x="4606920" y="2282040"/>
-            <a:ext cx="3768120" cy="2697840"/>
+            <a:off x="4607280" y="2282040"/>
+            <a:ext cx="3768480" cy="2697840"/>
           </a:xfrm>
           <a:prstGeom prst="rect">
             <a:avLst/>
@@ -1868,8 +1871,8 @@
         </p:nvSpPr>
         <p:spPr>
           <a:xfrm>
-            <a:off x="8564040" y="2282040"/>
-            <a:ext cx="3768120" cy="2697840"/>
+            <a:off x="8564760" y="2282040"/>
+            <a:ext cx="3768480" cy="2697840"/>
           </a:xfrm>
           <a:prstGeom prst="rect">
             <a:avLst/>
@@ -1899,7 +1902,7 @@
         <p:spPr>
           <a:xfrm>
             <a:off x="650160" y="5236560"/>
-            <a:ext cx="3768120" cy="2697840"/>
+            <a:ext cx="3768480" cy="2697840"/>
           </a:xfrm>
           <a:prstGeom prst="rect">
             <a:avLst/>
@@ -1928,8 +1931,8 @@
         </p:nvSpPr>
         <p:spPr>
           <a:xfrm>
-            <a:off x="4606920" y="5236560"/>
-            <a:ext cx="3768120" cy="2697840"/>
+            <a:off x="4607280" y="5236560"/>
+            <a:ext cx="3768480" cy="2697840"/>
           </a:xfrm>
           <a:prstGeom prst="rect">
             <a:avLst/>
@@ -1958,8 +1961,8 @@
         </p:nvSpPr>
         <p:spPr>
           <a:xfrm>
-            <a:off x="8564040" y="5236560"/>
-            <a:ext cx="3768120" cy="2697840"/>
+            <a:off x="8564760" y="5236560"/>
+            <a:ext cx="3768480" cy="2697840"/>
           </a:xfrm>
           <a:prstGeom prst="rect">
             <a:avLst/>
@@ -2010,8 +2013,8 @@
         </p:nvSpPr>
         <p:spPr>
           <a:xfrm>
-            <a:off x="952560" y="444600"/>
-            <a:ext cx="11098800" cy="2157840"/>
+            <a:off x="650160" y="389160"/>
+            <a:ext cx="11703600" cy="1628280"/>
           </a:xfrm>
           <a:prstGeom prst="rect">
             <a:avLst/>
@@ -2040,7 +2043,7 @@
         <p:spPr>
           <a:xfrm>
             <a:off x="650160" y="2282040"/>
-            <a:ext cx="11703240" cy="5655960"/>
+            <a:ext cx="11703600" cy="5656320"/>
           </a:xfrm>
           <a:prstGeom prst="rect">
             <a:avLst/>
@@ -2091,8 +2094,8 @@
         </p:nvSpPr>
         <p:spPr>
           <a:xfrm>
-            <a:off x="952560" y="444600"/>
-            <a:ext cx="11098800" cy="2157840"/>
+            <a:off x="650160" y="389160"/>
+            <a:ext cx="11703600" cy="1628280"/>
           </a:xfrm>
           <a:prstGeom prst="rect">
             <a:avLst/>
@@ -2121,7 +2124,7 @@
         <p:spPr>
           <a:xfrm>
             <a:off x="650160" y="2282040"/>
-            <a:ext cx="5711040" cy="5655960"/>
+            <a:ext cx="5711040" cy="5656320"/>
           </a:xfrm>
           <a:prstGeom prst="rect">
             <a:avLst/>
@@ -2151,7 +2154,7 @@
         <p:spPr>
           <a:xfrm>
             <a:off x="6647040" y="2282040"/>
-            <a:ext cx="5711040" cy="5655960"/>
+            <a:ext cx="5711040" cy="5656320"/>
           </a:xfrm>
           <a:prstGeom prst="rect">
             <a:avLst/>
@@ -2202,8 +2205,8 @@
         </p:nvSpPr>
         <p:spPr>
           <a:xfrm>
-            <a:off x="952560" y="444600"/>
-            <a:ext cx="11098800" cy="2157840"/>
+            <a:off x="650160" y="389160"/>
+            <a:ext cx="11703600" cy="1628280"/>
           </a:xfrm>
           <a:prstGeom prst="rect">
             <a:avLst/>
@@ -2253,8 +2256,8 @@
         </p:nvSpPr>
         <p:spPr>
           <a:xfrm>
-            <a:off x="952560" y="444600"/>
-            <a:ext cx="11098800" cy="10003680"/>
+            <a:off x="650160" y="389160"/>
+            <a:ext cx="11703600" cy="7549200"/>
           </a:xfrm>
           <a:prstGeom prst="rect">
             <a:avLst/>
@@ -2304,8 +2307,8 @@
         </p:nvSpPr>
         <p:spPr>
           <a:xfrm>
-            <a:off x="952560" y="444600"/>
-            <a:ext cx="11098800" cy="2157840"/>
+            <a:off x="650160" y="389160"/>
+            <a:ext cx="11703600" cy="1628280"/>
           </a:xfrm>
           <a:prstGeom prst="rect">
             <a:avLst/>
@@ -2364,7 +2367,7 @@
         <p:spPr>
           <a:xfrm>
             <a:off x="6647040" y="2282040"/>
-            <a:ext cx="5711040" cy="5655960"/>
+            <a:ext cx="5711040" cy="5656320"/>
           </a:xfrm>
           <a:prstGeom prst="rect">
             <a:avLst/>
@@ -2445,8 +2448,8 @@
         </p:nvSpPr>
         <p:spPr>
           <a:xfrm>
-            <a:off x="952560" y="444600"/>
-            <a:ext cx="11098800" cy="2157840"/>
+            <a:off x="650160" y="389160"/>
+            <a:ext cx="11703600" cy="1628280"/>
           </a:xfrm>
           <a:prstGeom prst="rect">
             <a:avLst/>
@@ -2475,7 +2478,7 @@
         <p:spPr>
           <a:xfrm>
             <a:off x="650160" y="2282040"/>
-            <a:ext cx="5711040" cy="5655960"/>
+            <a:ext cx="5711040" cy="5656320"/>
           </a:xfrm>
           <a:prstGeom prst="rect">
             <a:avLst/>
@@ -2586,8 +2589,8 @@
         </p:nvSpPr>
         <p:spPr>
           <a:xfrm>
-            <a:off x="952560" y="444600"/>
-            <a:ext cx="11098800" cy="2157840"/>
+            <a:off x="650160" y="389160"/>
+            <a:ext cx="11703600" cy="1628280"/>
           </a:xfrm>
           <a:prstGeom prst="rect">
             <a:avLst/>
@@ -2676,7 +2679,7 @@
         <p:spPr>
           <a:xfrm>
             <a:off x="650160" y="5236560"/>
-            <a:ext cx="11703240" cy="2697840"/>
+            <a:ext cx="11703600" cy="2697840"/>
           </a:xfrm>
           <a:prstGeom prst="rect">
             <a:avLst/>
@@ -2734,8 +2737,8 @@
         </p:nvSpPr>
         <p:spPr>
           <a:xfrm>
-            <a:off x="952560" y="444600"/>
-            <a:ext cx="11098800" cy="2157840"/>
+            <a:off x="650160" y="389160"/>
+            <a:ext cx="11703600" cy="1628280"/>
           </a:xfrm>
           <a:prstGeom prst="rect">
             <a:avLst/>
@@ -2744,13 +2747,14 @@
         <p:txBody>
           <a:bodyPr lIns="0" rIns="0" tIns="0" bIns="0" anchor="ctr"/>
           <a:p>
-            <a:r>
-              <a:rPr b="0" lang="en-GB" sz="1800" spc="-1" strike="noStrike">
+            <a:pPr algn="ctr"/>
+            <a:r>
+              <a:rPr b="0" lang="en-GB" sz="4400" spc="-1" strike="noStrike">
                 <a:latin typeface="Arial"/>
               </a:rPr>
               <a:t>Click to edit the title text format</a:t>
             </a:r>
-            <a:endParaRPr b="0" lang="en-GB" sz="1800" spc="-1" strike="noStrike">
+            <a:endParaRPr b="0" lang="en-GB" sz="4400" spc="-1" strike="noStrike">
               <a:latin typeface="Arial"/>
             </a:endParaRPr>
           </a:p>
@@ -2769,7 +2773,7 @@
         <p:spPr>
           <a:xfrm>
             <a:off x="650160" y="2282040"/>
-            <a:ext cx="11703240" cy="5655960"/>
+            <a:ext cx="11703600" cy="5656320"/>
           </a:xfrm>
           <a:prstGeom prst="rect">
             <a:avLst/>
@@ -2792,12 +2796,12 @@
               <a:buChar char=""/>
             </a:pPr>
             <a:r>
-              <a:rPr b="0" lang="en-GB" sz="1800" spc="-1" strike="noStrike">
+              <a:rPr b="0" lang="en-GB" sz="3200" spc="-1" strike="noStrike">
                 <a:latin typeface="Arial"/>
               </a:rPr>
               <a:t>Click to edit the outline text format</a:t>
             </a:r>
-            <a:endParaRPr b="0" lang="en-GB" sz="1800" spc="-1" strike="noStrike">
+            <a:endParaRPr b="0" lang="en-GB" sz="3200" spc="-1" strike="noStrike">
               <a:latin typeface="Arial"/>
             </a:endParaRPr>
           </a:p>
@@ -2814,12 +2818,12 @@
               <a:buChar char=""/>
             </a:pPr>
             <a:r>
-              <a:rPr b="0" lang="en-GB" sz="1800" spc="-1" strike="noStrike">
+              <a:rPr b="0" lang="en-GB" sz="2800" spc="-1" strike="noStrike">
                 <a:latin typeface="Arial"/>
               </a:rPr>
               <a:t>Second Outline Level</a:t>
             </a:r>
-            <a:endParaRPr b="0" lang="en-GB" sz="1800" spc="-1" strike="noStrike">
+            <a:endParaRPr b="0" lang="en-GB" sz="2800" spc="-1" strike="noStrike">
               <a:latin typeface="Arial"/>
             </a:endParaRPr>
           </a:p>
@@ -2836,12 +2840,12 @@
               <a:buChar char=""/>
             </a:pPr>
             <a:r>
-              <a:rPr b="0" lang="en-GB" sz="1800" spc="-1" strike="noStrike">
+              <a:rPr b="0" lang="en-GB" sz="2400" spc="-1" strike="noStrike">
                 <a:latin typeface="Arial"/>
               </a:rPr>
               <a:t>Third Outline Level</a:t>
             </a:r>
-            <a:endParaRPr b="0" lang="en-GB" sz="1800" spc="-1" strike="noStrike">
+            <a:endParaRPr b="0" lang="en-GB" sz="2400" spc="-1" strike="noStrike">
               <a:latin typeface="Arial"/>
             </a:endParaRPr>
           </a:p>
@@ -2858,12 +2862,12 @@
               <a:buChar char=""/>
             </a:pPr>
             <a:r>
-              <a:rPr b="0" lang="en-GB" sz="1800" spc="-1" strike="noStrike">
+              <a:rPr b="0" lang="en-GB" sz="2000" spc="-1" strike="noStrike">
                 <a:latin typeface="Arial"/>
               </a:rPr>
               <a:t>Fourth Outline Level</a:t>
             </a:r>
-            <a:endParaRPr b="0" lang="en-GB" sz="1800" spc="-1" strike="noStrike">
+            <a:endParaRPr b="0" lang="en-GB" sz="2000" spc="-1" strike="noStrike">
               <a:latin typeface="Arial"/>
             </a:endParaRPr>
           </a:p>
@@ -2880,12 +2884,12 @@
               <a:buChar char=""/>
             </a:pPr>
             <a:r>
-              <a:rPr b="0" lang="en-GB" sz="1800" spc="-1" strike="noStrike">
+              <a:rPr b="0" lang="en-GB" sz="2000" spc="-1" strike="noStrike">
                 <a:latin typeface="Arial"/>
               </a:rPr>
               <a:t>Fifth Outline Level</a:t>
             </a:r>
-            <a:endParaRPr b="0" lang="en-GB" sz="1800" spc="-1" strike="noStrike">
+            <a:endParaRPr b="0" lang="en-GB" sz="2000" spc="-1" strike="noStrike">
               <a:latin typeface="Arial"/>
             </a:endParaRPr>
           </a:p>
@@ -2902,12 +2906,12 @@
               <a:buChar char=""/>
             </a:pPr>
             <a:r>
-              <a:rPr b="0" lang="en-GB" sz="1800" spc="-1" strike="noStrike">
+              <a:rPr b="0" lang="en-GB" sz="2000" spc="-1" strike="noStrike">
                 <a:latin typeface="Arial"/>
               </a:rPr>
               <a:t>Sixth Outline Level</a:t>
             </a:r>
-            <a:endParaRPr b="0" lang="en-GB" sz="1800" spc="-1" strike="noStrike">
+            <a:endParaRPr b="0" lang="en-GB" sz="2000" spc="-1" strike="noStrike">
               <a:latin typeface="Arial"/>
             </a:endParaRPr>
           </a:p>
@@ -2924,12 +2928,12 @@
               <a:buChar char=""/>
             </a:pPr>
             <a:r>
-              <a:rPr b="0" lang="en-GB" sz="1800" spc="-1" strike="noStrike">
+              <a:rPr b="0" lang="en-GB" sz="2000" spc="-1" strike="noStrike">
                 <a:latin typeface="Arial"/>
               </a:rPr>
               <a:t>Seventh Outline Level</a:t>
             </a:r>
-            <a:endParaRPr b="0" lang="en-GB" sz="1800" spc="-1" strike="noStrike">
+            <a:endParaRPr b="0" lang="en-GB" sz="2000" spc="-1" strike="noStrike">
               <a:latin typeface="Arial"/>
             </a:endParaRPr>
           </a:p>
@@ -3239,7 +3243,7 @@
         <p:spPr>
           <a:xfrm>
             <a:off x="240840" y="2308320"/>
-            <a:ext cx="12257280" cy="5547240"/>
+            <a:ext cx="12256920" cy="5546880"/>
           </a:xfrm>
           <a:prstGeom prst="rect">
             <a:avLst/>
@@ -3368,7 +3372,7 @@
             </a:endParaRPr>
           </a:p>
           <a:p>
-            <a:pPr marL="736560" indent="-227520">
+            <a:pPr marL="736560" indent="-227160">
               <a:lnSpc>
                 <a:spcPct val="100000"/>
               </a:lnSpc>
@@ -3406,7 +3410,7 @@
             </a:endParaRPr>
           </a:p>
           <a:p>
-            <a:pPr marL="736560" indent="-227520">
+            <a:pPr marL="736560" indent="-227160">
               <a:lnSpc>
                 <a:spcPct val="100000"/>
               </a:lnSpc>
@@ -3444,7 +3448,7 @@
             </a:endParaRPr>
           </a:p>
           <a:p>
-            <a:pPr marL="736560" indent="-227520">
+            <a:pPr marL="736560" indent="-227160">
               <a:lnSpc>
                 <a:spcPct val="100000"/>
               </a:lnSpc>
@@ -3541,7 +3545,7 @@
         <p:spPr>
           <a:xfrm>
             <a:off x="952560" y="444600"/>
-            <a:ext cx="11098800" cy="2157840"/>
+            <a:ext cx="11098440" cy="2157480"/>
           </a:xfrm>
           <a:prstGeom prst="rect">
             <a:avLst/>
@@ -3612,7 +3616,7 @@
         <p:spPr>
           <a:xfrm>
             <a:off x="864000" y="3217680"/>
-            <a:ext cx="11098800" cy="6285600"/>
+            <a:ext cx="11098440" cy="6285240"/>
           </a:xfrm>
           <a:prstGeom prst="rect">
             <a:avLst/>
@@ -3631,87 +3635,7 @@
         <p:txBody>
           <a:bodyPr lIns="50760" rIns="50760" tIns="50760" bIns="50760" anchor="ctr"/>
           <a:p>
-            <a:pPr marL="444600" indent="-443520">
-              <a:lnSpc>
-                <a:spcPct val="100000"/>
-              </a:lnSpc>
-              <a:buClr>
-                <a:srgbClr val="000000"/>
-              </a:buClr>
-              <a:buFont typeface="Helvetica Neue Light"/>
-              <a:buChar char="•"/>
-            </a:pPr>
-            <a:r>
-              <a:rPr b="0" lang="en-GB" sz="3600" spc="-1" strike="noStrike">
-                <a:solidFill>
-                  <a:srgbClr val="000000"/>
-                </a:solidFill>
-                <a:latin typeface="Helvetica Neue Light"/>
-                <a:ea typeface="Helvetica Neue Light"/>
-              </a:rPr>
-              <a:t>You can write, debug, deploy (i.e. send to a blockchain) your smart contract via remix Ethereum: </a:t>
-            </a:r>
-            <a:r>
-              <a:rPr b="0" lang="en-GB" sz="3600" spc="-1" strike="noStrike">
-                <a:solidFill>
-                  <a:srgbClr val="942192"/>
-                </a:solidFill>
-                <a:latin typeface="Helvetica Neue Light"/>
-                <a:ea typeface="Helvetica Neue Light"/>
-              </a:rPr>
-              <a:t>remix.ethereum.org</a:t>
-            </a:r>
-            <a:r>
-              <a:rPr b="0" lang="en-GB" sz="3600" spc="-1" strike="noStrike">
-                <a:solidFill>
-                  <a:srgbClr val="000000"/>
-                </a:solidFill>
-                <a:latin typeface="Helvetica Neue Light"/>
-                <a:ea typeface="Helvetica Neue Light"/>
-              </a:rPr>
-              <a:t> </a:t>
-            </a:r>
-            <a:endParaRPr b="0" lang="en-GB" sz="3600" spc="-1" strike="noStrike">
-              <a:latin typeface="Arial"/>
-            </a:endParaRPr>
-          </a:p>
-          <a:p>
-            <a:pPr>
-              <a:lnSpc>
-                <a:spcPct val="100000"/>
-              </a:lnSpc>
-            </a:pPr>
-            <a:endParaRPr b="0" lang="en-GB" sz="3600" spc="-1" strike="noStrike">
-              <a:latin typeface="Arial"/>
-            </a:endParaRPr>
-          </a:p>
-          <a:p>
-            <a:pPr marL="444600" indent="-443520">
-              <a:lnSpc>
-                <a:spcPct val="100000"/>
-              </a:lnSpc>
-              <a:buClr>
-                <a:srgbClr val="000000"/>
-              </a:buClr>
-              <a:buFont typeface="Helvetica Neue Light"/>
-              <a:buChar char="•"/>
-            </a:pPr>
-            <a:r>
-              <a:rPr b="0" lang="en-GB" sz="3600" spc="-1" strike="noStrike">
-                <a:solidFill>
-                  <a:srgbClr val="000000"/>
-                </a:solidFill>
-                <a:latin typeface="Helvetica Neue Light"/>
-                <a:ea typeface="Helvetica Neue Light"/>
-              </a:rPr>
-              <a:t>If you are using Chrome, it is possible that an error message appears when you load Remix – you can ignore it and then compile your smart contracts as usual, or use Mozilla Firefox instead</a:t>
-            </a:r>
-            <a:endParaRPr b="0" lang="en-GB" sz="3600" spc="-1" strike="noStrike">
-              <a:latin typeface="Arial"/>
-            </a:endParaRPr>
-          </a:p>
-          <a:p>
-            <a:pPr marL="444600" indent="-443520">
+            <a:pPr marL="444600" indent="-443160">
               <a:lnSpc>
                 <a:spcPct val="100000"/>
               </a:lnSpc>
@@ -3724,6 +3648,24 @@
               <a:buFont typeface="Helvetica Neue Light"/>
               <a:buChar char="•"/>
             </a:pPr>
+            <a:endParaRPr b="0" lang="en-GB" sz="1800" spc="-1" strike="noStrike">
+              <a:latin typeface="Arial"/>
+            </a:endParaRPr>
+          </a:p>
+          <a:p>
+            <a:pPr marL="444600" indent="-443160">
+              <a:lnSpc>
+                <a:spcPct val="100000"/>
+              </a:lnSpc>
+              <a:spcBef>
+                <a:spcPts val="4201"/>
+              </a:spcBef>
+              <a:buClr>
+                <a:srgbClr val="000000"/>
+              </a:buClr>
+              <a:buFont typeface="Helvetica Neue Light"/>
+              <a:buChar char="•"/>
+            </a:pPr>
             <a:r>
               <a:rPr b="0" lang="en-GB" sz="3600" spc="-1" strike="noStrike">
                 <a:solidFill>
@@ -3732,8 +3674,126 @@
                 <a:latin typeface="Helvetica Neue Light"/>
                 <a:ea typeface="Helvetica Neue Light"/>
               </a:rPr>
+              <a:t>You can write, debug, deploy (i.e. send to a blockchain) your smart contract via remix Ethereum: </a:t>
+            </a:r>
+            <a:r>
+              <a:rPr b="0" lang="en-GB" sz="3600" spc="-1" strike="noStrike">
+                <a:solidFill>
+                  <a:srgbClr val="942192"/>
+                </a:solidFill>
+                <a:latin typeface="Helvetica Neue Light"/>
+                <a:ea typeface="Helvetica Neue Light"/>
+              </a:rPr>
+              <a:t>http://remix.ethereum.org</a:t>
+            </a:r>
+            <a:r>
+              <a:rPr b="0" lang="en-GB" sz="3600" spc="-1" strike="noStrike">
+                <a:solidFill>
+                  <a:srgbClr val="000000"/>
+                </a:solidFill>
+                <a:latin typeface="Helvetica Neue Light"/>
+                <a:ea typeface="Helvetica Neue Light"/>
+              </a:rPr>
+              <a:t> </a:t>
+            </a:r>
+            <a:endParaRPr b="0" lang="en-GB" sz="3600" spc="-1" strike="noStrike">
+              <a:latin typeface="Arial"/>
+            </a:endParaRPr>
+          </a:p>
+          <a:p>
+            <a:pPr marL="444600" indent="-443160">
+              <a:lnSpc>
+                <a:spcPct val="100000"/>
+              </a:lnSpc>
+              <a:buClr>
+                <a:srgbClr val="000000"/>
+              </a:buClr>
+              <a:buFont typeface="Helvetica Neue Light"/>
+              <a:buChar char="•"/>
+            </a:pPr>
+            <a:r>
+              <a:rPr b="0" lang="en-GB" sz="3600" spc="-1" strike="noStrike">
+                <a:solidFill>
+                  <a:srgbClr val="000000"/>
+                </a:solidFill>
+                <a:latin typeface="Helvetica Neue Light"/>
+                <a:ea typeface="Helvetica Neue Light"/>
+              </a:rPr>
               <a:t>After you deploy your contract, you can interact with it using Remix</a:t>
             </a:r>
+            <a:endParaRPr b="0" lang="en-GB" sz="3600" spc="-1" strike="noStrike">
+              <a:latin typeface="Arial"/>
+            </a:endParaRPr>
+          </a:p>
+          <a:p>
+            <a:pPr marL="444600" indent="-443160">
+              <a:lnSpc>
+                <a:spcPct val="100000"/>
+              </a:lnSpc>
+              <a:buClr>
+                <a:srgbClr val="000000"/>
+              </a:buClr>
+              <a:buFont typeface="Helvetica Neue Light"/>
+              <a:buChar char="•"/>
+            </a:pPr>
+            <a:r>
+              <a:rPr b="0" lang="en-GB" sz="3600" spc="-1" strike="noStrike">
+                <a:solidFill>
+                  <a:srgbClr val="000000"/>
+                </a:solidFill>
+                <a:latin typeface="Helvetica Neue Light"/>
+                <a:ea typeface="Helvetica Neue Light"/>
+              </a:rPr>
+              <a:t>Before you deploy your smart contract to the</a:t>
+            </a:r>
+            <a:r>
+              <a:rPr b="0" lang="en-GB" sz="3600" spc="-1" strike="noStrike">
+                <a:solidFill>
+                  <a:srgbClr val="942192"/>
+                </a:solidFill>
+                <a:latin typeface="Helvetica Neue Light"/>
+                <a:ea typeface="Helvetica Neue Light"/>
+              </a:rPr>
+              <a:t> private chain</a:t>
+            </a:r>
+            <a:r>
+              <a:rPr b="0" lang="en-GB" sz="3600" spc="-1" strike="noStrike">
+                <a:solidFill>
+                  <a:srgbClr val="000000"/>
+                </a:solidFill>
+                <a:latin typeface="Helvetica Neue Light"/>
+                <a:ea typeface="Helvetica Neue Light"/>
+              </a:rPr>
+              <a:t>, run and debug it online.</a:t>
+            </a:r>
+            <a:endParaRPr b="0" lang="en-GB" sz="3600" spc="-1" strike="noStrike">
+              <a:latin typeface="Arial"/>
+            </a:endParaRPr>
+          </a:p>
+          <a:p>
+            <a:pPr>
+              <a:lnSpc>
+                <a:spcPct val="100000"/>
+              </a:lnSpc>
+            </a:pPr>
+            <a:endParaRPr b="0" lang="en-GB" sz="3600" spc="-1" strike="noStrike">
+              <a:latin typeface="Arial"/>
+            </a:endParaRPr>
+          </a:p>
+          <a:p>
+            <a:pPr marL="444600" indent="-443160">
+              <a:lnSpc>
+                <a:spcPct val="100000"/>
+              </a:lnSpc>
+              <a:spcBef>
+                <a:spcPts val="4201"/>
+              </a:spcBef>
+              <a:buClr>
+                <a:srgbClr val="000000"/>
+              </a:buClr>
+              <a:buFont typeface="Helvetica Neue Light"/>
+              <a:buChar char="•"/>
+            </a:pPr>
             <a:endParaRPr b="0" lang="en-GB" sz="3600" spc="-1" strike="noStrike">
               <a:latin typeface="Arial"/>
             </a:endParaRPr>
@@ -3789,9 +3849,160 @@
           <a:chExt cx="0" cy="0"/>
         </a:xfrm>
       </p:grpSpPr>
+      <p:sp>
+        <p:nvSpPr>
+          <p:cNvPr id="104" name="CustomShape 1"/>
+          <p:cNvSpPr/>
+          <p:nvPr/>
+        </p:nvSpPr>
+        <p:spPr>
+          <a:xfrm>
+            <a:off x="936000" y="3794760"/>
+            <a:ext cx="11098440" cy="2469240"/>
+          </a:xfrm>
+          <a:prstGeom prst="rect">
+            <a:avLst/>
+          </a:prstGeom>
+          <a:noFill/>
+          <a:ln>
+            <a:noFill/>
+          </a:ln>
+        </p:spPr>
+        <p:style>
+          <a:lnRef idx="0"/>
+          <a:fillRef idx="0"/>
+          <a:effectRef idx="0"/>
+          <a:fontRef idx="minor"/>
+        </p:style>
+      </p:sp>
+      <p:sp>
+        <p:nvSpPr>
+          <p:cNvPr id="105" name="CustomShape 2"/>
+          <p:cNvSpPr/>
+          <p:nvPr/>
+        </p:nvSpPr>
+        <p:spPr>
+          <a:xfrm>
+            <a:off x="212040" y="2835360"/>
+            <a:ext cx="12579120" cy="2271960"/>
+          </a:xfrm>
+          <a:prstGeom prst="rect">
+            <a:avLst/>
+          </a:prstGeom>
+          <a:noFill/>
+          <a:ln>
+            <a:noFill/>
+          </a:ln>
+        </p:spPr>
+        <p:style>
+          <a:lnRef idx="0"/>
+          <a:fillRef idx="0"/>
+          <a:effectRef idx="0"/>
+          <a:fontRef idx="minor"/>
+        </p:style>
+        <p:txBody>
+          <a:bodyPr lIns="50760" rIns="50760" tIns="50760" bIns="50760" anchor="ctr"/>
+          <a:p>
+            <a:pPr marL="444600" indent="-443160">
+              <a:lnSpc>
+                <a:spcPct val="100000"/>
+              </a:lnSpc>
+              <a:buClr>
+                <a:srgbClr val="000000"/>
+              </a:buClr>
+              <a:buFont typeface="Helvetica Neue Light"/>
+              <a:buChar char="•"/>
+            </a:pPr>
+            <a:r>
+              <a:rPr b="0" lang="en-GB" sz="3600" spc="-1" strike="noStrike">
+                <a:solidFill>
+                  <a:srgbClr val="000000"/>
+                </a:solidFill>
+                <a:latin typeface="Helvetica Neue Light"/>
+                <a:ea typeface="Helvetica Neue Light"/>
+              </a:rPr>
+              <a:t>To view your files and create a new, click on the file explorer, create a new file and write your Solidity code</a:t>
+            </a:r>
+            <a:endParaRPr b="0" lang="en-GB" sz="3600" spc="-1" strike="noStrike">
+              <a:latin typeface="Arial"/>
+            </a:endParaRPr>
+          </a:p>
+        </p:txBody>
+      </p:sp>
+      <p:sp>
+        <p:nvSpPr>
+          <p:cNvPr id="106" name="CustomShape 3"/>
+          <p:cNvSpPr/>
+          <p:nvPr/>
+        </p:nvSpPr>
+        <p:spPr>
+          <a:xfrm>
+            <a:off x="952560" y="444600"/>
+            <a:ext cx="11098440" cy="2157480"/>
+          </a:xfrm>
+          <a:prstGeom prst="rect">
+            <a:avLst/>
+          </a:prstGeom>
+          <a:noFill/>
+          <a:ln>
+            <a:noFill/>
+          </a:ln>
+        </p:spPr>
+        <p:style>
+          <a:lnRef idx="0"/>
+          <a:fillRef idx="0"/>
+          <a:effectRef idx="0"/>
+          <a:fontRef idx="minor"/>
+        </p:style>
+        <p:txBody>
+          <a:bodyPr lIns="50760" rIns="50760" tIns="50760" bIns="50760" anchor="ctr"/>
+          <a:p>
+            <a:pPr algn="ctr">
+              <a:lnSpc>
+                <a:spcPct val="100000"/>
+              </a:lnSpc>
+            </a:pPr>
+            <a:r>
+              <a:rPr b="0" lang="en-GB" sz="4560" spc="-1" strike="noStrike">
+                <a:solidFill>
+                  <a:srgbClr val="000000"/>
+                </a:solidFill>
+                <a:latin typeface="Helvetica Neue Light"/>
+                <a:ea typeface="Helvetica Neue Light"/>
+              </a:rPr>
+              <a:t>Step 3: </a:t>
+            </a:r>
+            <a:br/>
+            <a:r>
+              <a:rPr b="0" lang="en-GB" sz="4560" spc="-1" strike="noStrike">
+                <a:solidFill>
+                  <a:srgbClr val="000000"/>
+                </a:solidFill>
+                <a:latin typeface="Helvetica Neue Light"/>
+                <a:ea typeface="Helvetica Neue Light"/>
+              </a:rPr>
+              <a:t>Getting familiar with Remix Ethereum: </a:t>
+            </a:r>
+            <a:br/>
+            <a:r>
+              <a:rPr b="0" lang="en-GB" sz="4560" spc="-1" strike="noStrike">
+                <a:solidFill>
+                  <a:srgbClr val="000000"/>
+                </a:solidFill>
+                <a:latin typeface="Helvetica Neue Light"/>
+                <a:ea typeface="Helvetica Neue Light"/>
+              </a:rPr>
+              <a:t>Online Solidity Compiler </a:t>
+            </a:r>
+            <a:endParaRPr b="0" lang="en-GB" sz="4560" spc="-1" strike="noStrike">
+              <a:latin typeface="Arial"/>
+            </a:endParaRPr>
+          </a:p>
+        </p:txBody>
+      </p:sp>
       <p:pic>
         <p:nvPicPr>
-          <p:cNvPr id="104" name="" descr=""/>
+          <p:cNvPr id="107" name="" descr=""/>
           <p:cNvPicPr/>
           <p:nvPr/>
         </p:nvPicPr>
@@ -3801,8 +4012,8 @@
         </p:blipFill>
         <p:spPr>
           <a:xfrm>
-            <a:off x="1774440" y="6552000"/>
-            <a:ext cx="10105200" cy="3161520"/>
+            <a:off x="4312080" y="5256000"/>
+            <a:ext cx="6919920" cy="3846960"/>
           </a:xfrm>
           <a:prstGeom prst="rect">
             <a:avLst/>
@@ -3814,142 +4025,14 @@
       </p:pic>
       <p:sp>
         <p:nvSpPr>
-          <p:cNvPr id="105" name="CustomShape 1"/>
+          <p:cNvPr id="108" name="CustomShape 4"/>
           <p:cNvSpPr/>
           <p:nvPr/>
         </p:nvSpPr>
         <p:spPr>
-          <a:xfrm>
-            <a:off x="952560" y="2338920"/>
-            <a:ext cx="11098800" cy="6285600"/>
-          </a:xfrm>
-          <a:prstGeom prst="rect">
-            <a:avLst/>
-          </a:prstGeom>
-          <a:noFill/>
-          <a:ln>
-            <a:noFill/>
-          </a:ln>
-        </p:spPr>
-        <p:style>
-          <a:lnRef idx="0"/>
-          <a:fillRef idx="0"/>
-          <a:effectRef idx="0"/>
-          <a:fontRef idx="minor"/>
-        </p:style>
-        <p:txBody>
-          <a:bodyPr lIns="50760" rIns="50760" tIns="50760" bIns="50760" anchor="ctr"/>
-          <a:p>
-            <a:pPr marL="444600" indent="-443520">
-              <a:lnSpc>
-                <a:spcPct val="100000"/>
-              </a:lnSpc>
-              <a:buClr>
-                <a:srgbClr val="000000"/>
-              </a:buClr>
-              <a:buFont typeface="Helvetica Neue Light"/>
-              <a:buChar char="•"/>
-            </a:pPr>
-            <a:r>
-              <a:rPr b="0" lang="en-GB" sz="3600" spc="-1" strike="noStrike">
-                <a:solidFill>
-                  <a:srgbClr val="000000"/>
-                </a:solidFill>
-                <a:latin typeface="Helvetica Neue Light"/>
-                <a:ea typeface="Helvetica Neue Light"/>
-              </a:rPr>
-              <a:t>In Remix you can choose the development environment</a:t>
-            </a:r>
-            <a:endParaRPr b="0" lang="en-GB" sz="3600" spc="-1" strike="noStrike">
-              <a:latin typeface="Arial"/>
-            </a:endParaRPr>
-          </a:p>
-        </p:txBody>
-      </p:sp>
-      <p:sp>
-        <p:nvSpPr>
-          <p:cNvPr id="106" name="CustomShape 2"/>
-          <p:cNvSpPr/>
-          <p:nvPr/>
-        </p:nvSpPr>
-        <p:spPr>
-          <a:xfrm>
-            <a:off x="212040" y="2835360"/>
-            <a:ext cx="12579480" cy="2272320"/>
-          </a:xfrm>
-          <a:prstGeom prst="rect">
-            <a:avLst/>
-          </a:prstGeom>
-          <a:noFill/>
-          <a:ln>
-            <a:noFill/>
-          </a:ln>
-        </p:spPr>
-        <p:style>
-          <a:lnRef idx="0"/>
-          <a:fillRef idx="0"/>
-          <a:effectRef idx="0"/>
-          <a:fontRef idx="minor"/>
-        </p:style>
-        <p:txBody>
-          <a:bodyPr lIns="50760" rIns="50760" tIns="50760" bIns="50760" anchor="ctr"/>
-          <a:p>
-            <a:pPr marL="444600" indent="-443520">
-              <a:lnSpc>
-                <a:spcPct val="100000"/>
-              </a:lnSpc>
-              <a:buClr>
-                <a:srgbClr val="000000"/>
-              </a:buClr>
-              <a:buFont typeface="Helvetica Neue Light"/>
-              <a:buChar char="•"/>
-            </a:pPr>
-            <a:r>
-              <a:rPr b="0" lang="en-GB" sz="3600" spc="-1" strike="noStrike">
-                <a:solidFill>
-                  <a:srgbClr val="000000"/>
-                </a:solidFill>
-                <a:latin typeface="Helvetica Neue Light"/>
-                <a:ea typeface="Helvetica Neue Light"/>
-              </a:rPr>
-              <a:t>Before you deploy your smart contract to the</a:t>
-            </a:r>
-            <a:r>
-              <a:rPr b="0" lang="en-GB" sz="3600" spc="-1" strike="noStrike">
-                <a:solidFill>
-                  <a:srgbClr val="942192"/>
-                </a:solidFill>
-                <a:latin typeface="Helvetica Neue Light"/>
-                <a:ea typeface="Helvetica Neue Light"/>
-              </a:rPr>
-              <a:t> private chain</a:t>
-            </a:r>
-            <a:r>
-              <a:rPr b="0" lang="en-GB" sz="3600" spc="-1" strike="noStrike">
-                <a:solidFill>
-                  <a:srgbClr val="000000"/>
-                </a:solidFill>
-                <a:latin typeface="Helvetica Neue Light"/>
-                <a:ea typeface="Helvetica Neue Light"/>
-              </a:rPr>
-              <a:t>, run and debug it online. </a:t>
-            </a:r>
-            <a:endParaRPr b="0" lang="en-GB" sz="3600" spc="-1" strike="noStrike">
-              <a:latin typeface="Arial"/>
-            </a:endParaRPr>
-          </a:p>
-        </p:txBody>
-      </p:sp>
-      <p:sp>
-        <p:nvSpPr>
-          <p:cNvPr id="107" name="CustomShape 3"/>
-          <p:cNvSpPr/>
-          <p:nvPr/>
-        </p:nvSpPr>
-        <p:spPr>
-          <a:xfrm>
-            <a:off x="7987320" y="5778360"/>
-            <a:ext cx="868320" cy="1349280"/>
+          <a:xfrm flipH="1">
+            <a:off x="4752000" y="3672000"/>
+            <a:ext cx="4536000" cy="3672000"/>
           </a:xfrm>
           <a:custGeom>
             <a:avLst/>
@@ -3985,21 +4068,38 @@
       </p:sp>
       <p:sp>
         <p:nvSpPr>
-          <p:cNvPr id="108" name="CustomShape 4"/>
+          <p:cNvPr id="109" name="CustomShape 5"/>
           <p:cNvSpPr/>
           <p:nvPr/>
         </p:nvSpPr>
         <p:spPr>
           <a:xfrm>
-            <a:off x="952560" y="444600"/>
-            <a:ext cx="11098800" cy="2157840"/>
-          </a:xfrm>
-          <a:prstGeom prst="rect">
-            <a:avLst/>
-          </a:prstGeom>
+            <a:off x="3960000" y="4248000"/>
+            <a:ext cx="2160000" cy="2592000"/>
+          </a:xfrm>
+          <a:custGeom>
+            <a:avLst/>
+            <a:gdLst/>
+            <a:ahLst/>
+            <a:rect l="l" t="t" r="r" b="b"/>
+            <a:pathLst>
+              <a:path w="21600" h="21600">
+                <a:moveTo>
+                  <a:pt x="0" y="0"/>
+                </a:moveTo>
+                <a:lnTo>
+                  <a:pt x="21600" y="21600"/>
+                </a:lnTo>
+              </a:path>
+            </a:pathLst>
+          </a:custGeom>
           <a:noFill/>
-          <a:ln>
-            <a:noFill/>
+          <a:ln w="25560">
+            <a:solidFill>
+              <a:srgbClr val="000000"/>
+            </a:solidFill>
+            <a:miter/>
+            <a:tailEnd len="med" type="triangle" w="med"/>
           </a:ln>
         </p:spPr>
         <p:style>
@@ -4008,51 +4108,6 @@
           <a:effectRef idx="0"/>
           <a:fontRef idx="minor"/>
         </p:style>
-        <p:txBody>
-          <a:bodyPr lIns="50760" rIns="50760" tIns="50760" bIns="50760" anchor="ctr"/>
-          <a:p>
-            <a:pPr algn="ctr">
-              <a:lnSpc>
-                <a:spcPct val="100000"/>
-              </a:lnSpc>
-            </a:pPr>
-            <a:r>
-              <a:rPr b="0" lang="en-GB" sz="4560" spc="-1" strike="noStrike">
-                <a:solidFill>
-                  <a:srgbClr val="000000"/>
-                </a:solidFill>
-                <a:latin typeface="Helvetica Neue Light"/>
-                <a:ea typeface="Helvetica Neue Light"/>
-              </a:rPr>
-              <a:t>Step 3: </a:t>
-            </a:r>
-            <a:br/>
-            <a:r>
-              <a:rPr b="0" lang="en-GB" sz="4560" spc="-1" strike="noStrike">
-                <a:solidFill>
-                  <a:srgbClr val="000000"/>
-                </a:solidFill>
-                <a:latin typeface="Helvetica Neue Light"/>
-                <a:ea typeface="Helvetica Neue Light"/>
-              </a:rPr>
-              <a:t>Getting familiar with Remix Ethereum: </a:t>
-            </a:r>
-            <a:br/>
-            <a:r>
-              <a:rPr b="0" lang="en-GB" sz="4560" spc="-1" strike="noStrike">
-                <a:solidFill>
-                  <a:srgbClr val="000000"/>
-                </a:solidFill>
-                <a:latin typeface="Helvetica Neue Light"/>
-                <a:ea typeface="Helvetica Neue Light"/>
-              </a:rPr>
-              <a:t>Online Solidity Compiler </a:t>
-            </a:r>
-            <a:endParaRPr b="0" lang="en-GB" sz="4560" spc="-1" strike="noStrike">
-              <a:latin typeface="Arial"/>
-            </a:endParaRPr>
-          </a:p>
-        </p:txBody>
       </p:sp>
     </p:spTree>
   </p:cSld>
@@ -4105,14 +4160,14 @@
       </p:grpSpPr>
       <p:sp>
         <p:nvSpPr>
-          <p:cNvPr id="109" name="CustomShape 1"/>
+          <p:cNvPr id="110" name="CustomShape 1"/>
           <p:cNvSpPr/>
           <p:nvPr/>
         </p:nvSpPr>
         <p:spPr>
           <a:xfrm>
-            <a:off x="144000" y="2835360"/>
-            <a:ext cx="12647520" cy="6668280"/>
+            <a:off x="1357560" y="3794760"/>
+            <a:ext cx="11098440" cy="2469240"/>
           </a:xfrm>
           <a:prstGeom prst="rect">
             <a:avLst/>
@@ -4128,191 +4183,17 @@
           <a:effectRef idx="0"/>
           <a:fontRef idx="minor"/>
         </p:style>
-        <p:txBody>
-          <a:bodyPr lIns="50760" rIns="50760" tIns="50760" bIns="50760" anchor="ctr"/>
-          <a:p>
-            <a:pPr marL="444600" indent="-443520">
-              <a:lnSpc>
-                <a:spcPct val="100000"/>
-              </a:lnSpc>
-              <a:buClr>
-                <a:srgbClr val="000000"/>
-              </a:buClr>
-              <a:buFont typeface="Helvetica Neue Light"/>
-              <a:buChar char="•"/>
-            </a:pPr>
-            <a:r>
-              <a:rPr b="1" lang="en-GB" sz="3600" spc="-1" strike="noStrike">
-                <a:solidFill>
-                  <a:srgbClr val="000000"/>
-                </a:solidFill>
-                <a:latin typeface="Helvetica Neue Light"/>
-                <a:ea typeface="Helvetica Neue Light"/>
-              </a:rPr>
-              <a:t>Javascript VM</a:t>
-            </a:r>
-            <a:endParaRPr b="0" lang="en-GB" sz="3600" spc="-1" strike="noStrike">
-              <a:latin typeface="Arial"/>
-            </a:endParaRPr>
-          </a:p>
-          <a:p>
-            <a:pPr lvl="3" marL="864000" indent="-215640">
-              <a:lnSpc>
-                <a:spcPct val="100000"/>
-              </a:lnSpc>
-              <a:buClr>
-                <a:srgbClr val="000000"/>
-              </a:buClr>
-              <a:buSzPct val="45000"/>
-              <a:buFont typeface="Wingdings" charset="2"/>
-              <a:buChar char=""/>
-            </a:pPr>
-            <a:r>
-              <a:rPr b="0" lang="en-GB" sz="3600" spc="-1" strike="noStrike">
-                <a:solidFill>
-                  <a:srgbClr val="000000"/>
-                </a:solidFill>
-                <a:latin typeface="Helvetica Neue Light"/>
-                <a:ea typeface="Helvetica Neue Light"/>
-              </a:rPr>
-              <a:t>This is a </a:t>
-            </a:r>
-            <a:r>
-              <a:rPr b="0" lang="en-GB" sz="3600" spc="-1" strike="noStrike" u="sng">
-                <a:solidFill>
-                  <a:srgbClr val="000000"/>
-                </a:solidFill>
-                <a:uFillTx/>
-                <a:latin typeface="Helvetica Neue Light"/>
-                <a:ea typeface="Helvetica Neue Light"/>
-              </a:rPr>
-              <a:t>testing</a:t>
-            </a:r>
-            <a:r>
-              <a:rPr b="0" lang="en-GB" sz="3600" spc="-1" strike="noStrike">
-                <a:solidFill>
-                  <a:srgbClr val="000000"/>
-                </a:solidFill>
-                <a:latin typeface="Helvetica Neue Light"/>
-                <a:ea typeface="Helvetica Neue Light"/>
-              </a:rPr>
-              <a:t> environment</a:t>
-            </a:r>
-            <a:endParaRPr b="0" lang="en-GB" sz="3600" spc="-1" strike="noStrike">
-              <a:latin typeface="Arial"/>
-            </a:endParaRPr>
-          </a:p>
-          <a:p>
-            <a:pPr lvl="3" marL="864000" indent="-215640">
-              <a:lnSpc>
-                <a:spcPct val="100000"/>
-              </a:lnSpc>
-              <a:buClr>
-                <a:srgbClr val="000000"/>
-              </a:buClr>
-              <a:buSzPct val="45000"/>
-              <a:buFont typeface="Wingdings" charset="2"/>
-              <a:buChar char=""/>
-            </a:pPr>
-            <a:r>
-              <a:rPr b="0" lang="en-GB" sz="3600" spc="-1" strike="noStrike">
-                <a:solidFill>
-                  <a:srgbClr val="000000"/>
-                </a:solidFill>
-                <a:latin typeface="Helvetica Neue Light"/>
-                <a:ea typeface="Helvetica Neue Light"/>
-              </a:rPr>
-              <a:t>It is a local environment that lives on your browser’s tab</a:t>
-            </a:r>
-            <a:endParaRPr b="0" lang="en-GB" sz="3600" spc="-1" strike="noStrike">
-              <a:latin typeface="Arial"/>
-            </a:endParaRPr>
-          </a:p>
-          <a:p>
-            <a:pPr lvl="3" marL="864000" indent="-215640">
-              <a:lnSpc>
-                <a:spcPct val="100000"/>
-              </a:lnSpc>
-              <a:buClr>
-                <a:srgbClr val="000000"/>
-              </a:buClr>
-              <a:buSzPct val="45000"/>
-              <a:buFont typeface="Wingdings" charset="2"/>
-              <a:buChar char=""/>
-            </a:pPr>
-            <a:r>
-              <a:rPr b="0" lang="en-GB" sz="3600" spc="-1" strike="noStrike">
-                <a:solidFill>
-                  <a:srgbClr val="000000"/>
-                </a:solidFill>
-                <a:latin typeface="Helvetica Neue Light"/>
-                <a:ea typeface="Helvetica Neue Light"/>
-              </a:rPr>
-              <a:t>Whatever you do in this environment </a:t>
-            </a:r>
-            <a:r>
-              <a:rPr b="0" lang="en-GB" sz="3600" spc="-1" strike="noStrike" u="sng">
-                <a:solidFill>
-                  <a:srgbClr val="000000"/>
-                </a:solidFill>
-                <a:uFillTx/>
-                <a:latin typeface="Helvetica Neue Light"/>
-                <a:ea typeface="Helvetica Neue Light"/>
-              </a:rPr>
-              <a:t>does not</a:t>
-            </a:r>
-            <a:r>
-              <a:rPr b="0" lang="en-GB" sz="3600" spc="-1" strike="noStrike">
-                <a:solidFill>
-                  <a:srgbClr val="000000"/>
-                </a:solidFill>
-                <a:latin typeface="Helvetica Neue Light"/>
-                <a:ea typeface="Helvetica Neue Light"/>
-              </a:rPr>
-              <a:t> affect your funds, i.e. it does not have access to your wallet</a:t>
-            </a:r>
-            <a:endParaRPr b="0" lang="en-GB" sz="3600" spc="-1" strike="noStrike">
-              <a:latin typeface="Arial"/>
-            </a:endParaRPr>
-          </a:p>
-          <a:p>
-            <a:pPr lvl="3" marL="864000" indent="-215640">
-              <a:lnSpc>
-                <a:spcPct val="100000"/>
-              </a:lnSpc>
-              <a:buClr>
-                <a:srgbClr val="000000"/>
-              </a:buClr>
-              <a:buSzPct val="45000"/>
-              <a:buFont typeface="Wingdings" charset="2"/>
-              <a:buChar char=""/>
-            </a:pPr>
-            <a:r>
-              <a:rPr b="0" lang="en-GB" sz="3600" spc="-1" strike="noStrike">
-                <a:solidFill>
-                  <a:srgbClr val="000000"/>
-                </a:solidFill>
-                <a:latin typeface="Helvetica Neue Light"/>
-                <a:ea typeface="Helvetica Neue Light"/>
-              </a:rPr>
-              <a:t>When you close the browser it is deleted and when you open it again it is created fresh, so every time you use this environment you need to re-deploy your contracts</a:t>
-            </a:r>
-            <a:endParaRPr b="0" lang="en-GB" sz="3600" spc="-1" strike="noStrike">
-              <a:latin typeface="Arial"/>
-            </a:endParaRPr>
-          </a:p>
-        </p:txBody>
-      </p:sp>
-      <p:sp>
-        <p:nvSpPr>
-          <p:cNvPr id="110" name="CustomShape 2"/>
+      </p:sp>
+      <p:sp>
+        <p:nvSpPr>
+          <p:cNvPr id="111" name="CustomShape 2"/>
           <p:cNvSpPr/>
           <p:nvPr/>
         </p:nvSpPr>
         <p:spPr>
           <a:xfrm>
-            <a:off x="952560" y="444600"/>
-            <a:ext cx="11098800" cy="2157840"/>
+            <a:off x="212040" y="2835360"/>
+            <a:ext cx="12579120" cy="2271960"/>
           </a:xfrm>
           <a:prstGeom prst="rect">
             <a:avLst/>
@@ -4331,6 +4212,70 @@
         <p:txBody>
           <a:bodyPr lIns="50760" rIns="50760" tIns="50760" bIns="50760" anchor="ctr"/>
           <a:p>
+            <a:pPr marL="444600" indent="-443160">
+              <a:lnSpc>
+                <a:spcPct val="100000"/>
+              </a:lnSpc>
+              <a:buClr>
+                <a:srgbClr val="000000"/>
+              </a:buClr>
+              <a:buFont typeface="Helvetica Neue Light"/>
+              <a:buChar char="•"/>
+            </a:pPr>
+            <a:r>
+              <a:rPr b="0" lang="en-GB" sz="3600" spc="-1" strike="noStrike">
+                <a:solidFill>
+                  <a:srgbClr val="000000"/>
+                </a:solidFill>
+                <a:latin typeface="Helvetica Neue Light"/>
+                <a:ea typeface="Helvetica Neue Light"/>
+              </a:rPr>
+              <a:t>Next, click the home button and then choose the Solidity environment</a:t>
+            </a:r>
+            <a:r>
+              <a:rPr b="0" lang="en-GB" sz="1800" spc="-1" strike="noStrike">
+                <a:solidFill>
+                  <a:srgbClr val="000000"/>
+                </a:solidFill>
+                <a:latin typeface="Helvetica Neue Light"/>
+                <a:ea typeface="Helvetica Neue Light"/>
+              </a:rPr>
+              <a:t> </a:t>
+            </a:r>
+            <a:endParaRPr b="0" lang="en-GB" sz="1800" spc="-1" strike="noStrike">
+              <a:latin typeface="Arial"/>
+            </a:endParaRPr>
+          </a:p>
+        </p:txBody>
+      </p:sp>
+      <p:sp>
+        <p:nvSpPr>
+          <p:cNvPr id="112" name="CustomShape 3"/>
+          <p:cNvSpPr/>
+          <p:nvPr/>
+        </p:nvSpPr>
+        <p:spPr>
+          <a:xfrm>
+            <a:off x="952560" y="444600"/>
+            <a:ext cx="11098440" cy="2157480"/>
+          </a:xfrm>
+          <a:prstGeom prst="rect">
+            <a:avLst/>
+          </a:prstGeom>
+          <a:noFill/>
+          <a:ln>
+            <a:noFill/>
+          </a:ln>
+        </p:spPr>
+        <p:style>
+          <a:lnRef idx="0"/>
+          <a:fillRef idx="0"/>
+          <a:effectRef idx="0"/>
+          <a:fontRef idx="minor"/>
+        </p:style>
+        <p:txBody>
+          <a:bodyPr lIns="50760" rIns="50760" tIns="50760" bIns="50760" anchor="ctr"/>
+          <a:p>
             <a:pPr algn="ctr">
               <a:lnSpc>
                 <a:spcPct val="100000"/>
@@ -4355,7 +4300,7 @@
                 <a:latin typeface="Helvetica Neue Light"/>
                 <a:ea typeface="Helvetica Neue Light"/>
               </a:rPr>
-              <a:t>Getting familiar with Remix: </a:t>
+              <a:t>Getting familiar with Remix Ethereum: </a:t>
             </a:r>
             <a:br/>
             <a:r>
@@ -4366,13 +4311,122 @@
                 <a:latin typeface="Helvetica Neue Light"/>
                 <a:ea typeface="Helvetica Neue Light"/>
               </a:rPr>
-              <a:t>Javascript VM environment</a:t>
+              <a:t>Online Solidity Compiler </a:t>
             </a:r>
             <a:endParaRPr b="0" lang="en-GB" sz="4560" spc="-1" strike="noStrike">
               <a:latin typeface="Arial"/>
             </a:endParaRPr>
           </a:p>
         </p:txBody>
+      </p:sp>
+      <p:pic>
+        <p:nvPicPr>
+          <p:cNvPr id="113" name="" descr=""/>
+          <p:cNvPicPr/>
+          <p:nvPr/>
+        </p:nvPicPr>
+        <p:blipFill>
+          <a:blip r:embed="rId1"/>
+          <a:stretch/>
+        </p:blipFill>
+        <p:spPr>
+          <a:xfrm>
+            <a:off x="5544000" y="4855680"/>
+            <a:ext cx="6048000" cy="4792320"/>
+          </a:xfrm>
+          <a:prstGeom prst="rect">
+            <a:avLst/>
+          </a:prstGeom>
+          <a:ln>
+            <a:noFill/>
+          </a:ln>
+        </p:spPr>
+      </p:pic>
+      <p:sp>
+        <p:nvSpPr>
+          <p:cNvPr id="114" name="CustomShape 4"/>
+          <p:cNvSpPr/>
+          <p:nvPr/>
+        </p:nvSpPr>
+        <p:spPr>
+          <a:xfrm flipH="1">
+            <a:off x="5832000" y="3960000"/>
+            <a:ext cx="144000" cy="1584000"/>
+          </a:xfrm>
+          <a:custGeom>
+            <a:avLst/>
+            <a:gdLst/>
+            <a:ahLst/>
+            <a:rect l="l" t="t" r="r" b="b"/>
+            <a:pathLst>
+              <a:path w="21600" h="21600">
+                <a:moveTo>
+                  <a:pt x="0" y="0"/>
+                </a:moveTo>
+                <a:lnTo>
+                  <a:pt x="21600" y="21600"/>
+                </a:lnTo>
+              </a:path>
+            </a:pathLst>
+          </a:custGeom>
+          <a:noFill/>
+          <a:ln w="25560">
+            <a:solidFill>
+              <a:srgbClr val="000000"/>
+            </a:solidFill>
+            <a:miter/>
+            <a:tailEnd len="med" type="triangle" w="med"/>
+          </a:ln>
+        </p:spPr>
+        <p:style>
+          <a:lnRef idx="0"/>
+          <a:fillRef idx="0"/>
+          <a:effectRef idx="0"/>
+          <a:fontRef idx="minor"/>
+        </p:style>
+      </p:sp>
+      <p:sp>
+        <p:nvSpPr>
+          <p:cNvPr id="115" name="CustomShape 5"/>
+          <p:cNvSpPr/>
+          <p:nvPr/>
+        </p:nvSpPr>
+        <p:spPr>
+          <a:xfrm>
+            <a:off x="2160000" y="4608000"/>
+            <a:ext cx="6264000" cy="2880000"/>
+          </a:xfrm>
+          <a:custGeom>
+            <a:avLst/>
+            <a:gdLst/>
+            <a:ahLst/>
+            <a:rect l="l" t="t" r="r" b="b"/>
+            <a:pathLst>
+              <a:path w="21600" h="21600">
+                <a:moveTo>
+                  <a:pt x="0" y="0"/>
+                </a:moveTo>
+                <a:lnTo>
+                  <a:pt x="21600" y="21600"/>
+                </a:lnTo>
+              </a:path>
+            </a:pathLst>
+          </a:custGeom>
+          <a:noFill/>
+          <a:ln w="25560">
+            <a:solidFill>
+              <a:srgbClr val="000000"/>
+            </a:solidFill>
+            <a:miter/>
+            <a:tailEnd len="med" type="triangle" w="med"/>
+          </a:ln>
+        </p:spPr>
+        <p:style>
+          <a:lnRef idx="0"/>
+          <a:fillRef idx="0"/>
+          <a:effectRef idx="0"/>
+          <a:fontRef idx="minor"/>
+        </p:style>
       </p:sp>
     </p:spTree>
   </p:cSld>
@@ -4425,14 +4479,14 @@
       </p:grpSpPr>
       <p:sp>
         <p:nvSpPr>
-          <p:cNvPr id="111" name="CustomShape 1"/>
+          <p:cNvPr id="116" name="CustomShape 1"/>
           <p:cNvSpPr/>
           <p:nvPr/>
         </p:nvSpPr>
         <p:spPr>
           <a:xfrm>
-            <a:off x="96120" y="3384000"/>
-            <a:ext cx="12647520" cy="5012280"/>
+            <a:off x="1357560" y="3794760"/>
+            <a:ext cx="11098440" cy="2469240"/>
           </a:xfrm>
           <a:prstGeom prst="rect">
             <a:avLst/>
@@ -4448,165 +4502,17 @@
           <a:effectRef idx="0"/>
           <a:fontRef idx="minor"/>
         </p:style>
-        <p:txBody>
-          <a:bodyPr lIns="50760" rIns="50760" tIns="50760" bIns="50760" anchor="ctr"/>
-          <a:p>
-            <a:pPr marL="444600" indent="-443520">
-              <a:lnSpc>
-                <a:spcPct val="100000"/>
-              </a:lnSpc>
-              <a:buClr>
-                <a:srgbClr val="000000"/>
-              </a:buClr>
-              <a:buFont typeface="Helvetica Neue Light"/>
-              <a:buChar char="•"/>
-            </a:pPr>
-            <a:r>
-              <a:rPr b="1" lang="en-GB" sz="3600" spc="-1" strike="noStrike">
-                <a:solidFill>
-                  <a:srgbClr val="000000"/>
-                </a:solidFill>
-                <a:latin typeface="Helvetica Neue Light"/>
-                <a:ea typeface="Helvetica Neue Light"/>
-              </a:rPr>
-              <a:t>Injected Web3</a:t>
-            </a:r>
-            <a:endParaRPr b="0" lang="en-GB" sz="3600" spc="-1" strike="noStrike">
-              <a:latin typeface="Arial"/>
-            </a:endParaRPr>
-          </a:p>
-          <a:p>
-            <a:pPr lvl="3" marL="864000" indent="-215640">
-              <a:lnSpc>
-                <a:spcPct val="100000"/>
-              </a:lnSpc>
-              <a:buClr>
-                <a:srgbClr val="000000"/>
-              </a:buClr>
-              <a:buSzPct val="45000"/>
-              <a:buFont typeface="Wingdings" charset="2"/>
-              <a:buChar char=""/>
-            </a:pPr>
-            <a:r>
-              <a:rPr b="0" lang="en-GB" sz="3600" spc="-1" strike="noStrike">
-                <a:solidFill>
-                  <a:srgbClr val="000000"/>
-                </a:solidFill>
-                <a:latin typeface="Helvetica Neue Light"/>
-                <a:ea typeface="Helvetica Neue Light"/>
-              </a:rPr>
-              <a:t>This environment has access to your Metamask</a:t>
-            </a:r>
-            <a:endParaRPr b="0" lang="en-GB" sz="3600" spc="-1" strike="noStrike">
-              <a:latin typeface="Arial"/>
-            </a:endParaRPr>
-          </a:p>
-          <a:p>
-            <a:pPr lvl="3" marL="864000" indent="-215640">
-              <a:lnSpc>
-                <a:spcPct val="100000"/>
-              </a:lnSpc>
-              <a:buClr>
-                <a:srgbClr val="000000"/>
-              </a:buClr>
-              <a:buSzPct val="45000"/>
-              <a:buFont typeface="Wingdings" charset="2"/>
-              <a:buChar char=""/>
-            </a:pPr>
-            <a:r>
-              <a:rPr b="0" lang="en-GB" sz="3600" spc="-1" strike="noStrike">
-                <a:solidFill>
-                  <a:srgbClr val="000000"/>
-                </a:solidFill>
-                <a:latin typeface="Helvetica Neue Light"/>
-                <a:ea typeface="Helvetica Neue Light"/>
-              </a:rPr>
-              <a:t>It </a:t>
-            </a:r>
-            <a:r>
-              <a:rPr b="0" lang="en-GB" sz="3600" spc="-1" strike="noStrike" u="sng">
-                <a:solidFill>
-                  <a:srgbClr val="000000"/>
-                </a:solidFill>
-                <a:uFillTx/>
-                <a:latin typeface="Helvetica Neue Light"/>
-                <a:ea typeface="Helvetica Neue Light"/>
-              </a:rPr>
-              <a:t>connects to the network</a:t>
-            </a:r>
-            <a:r>
-              <a:rPr b="0" lang="en-GB" sz="3600" spc="-1" strike="noStrike">
-                <a:solidFill>
-                  <a:srgbClr val="000000"/>
-                </a:solidFill>
-                <a:latin typeface="Helvetica Neue Light"/>
-                <a:ea typeface="Helvetica Neue Light"/>
-              </a:rPr>
-              <a:t> to which Metamask is connected and </a:t>
-            </a:r>
-            <a:r>
-              <a:rPr b="0" lang="en-GB" sz="3600" spc="-1" strike="noStrike" u="sng">
-                <a:solidFill>
-                  <a:srgbClr val="000000"/>
-                </a:solidFill>
-                <a:uFillTx/>
-                <a:latin typeface="Helvetica Neue Light"/>
-                <a:ea typeface="Helvetica Neue Light"/>
-              </a:rPr>
-              <a:t>uses the funds</a:t>
-            </a:r>
-            <a:r>
-              <a:rPr b="0" lang="en-GB" sz="3600" spc="-1" strike="noStrike">
-                <a:solidFill>
-                  <a:srgbClr val="000000"/>
-                </a:solidFill>
-                <a:latin typeface="Helvetica Neue Light"/>
-                <a:ea typeface="Helvetica Neue Light"/>
-              </a:rPr>
-              <a:t> of your wallet</a:t>
-            </a:r>
-            <a:endParaRPr b="0" lang="en-GB" sz="3600" spc="-1" strike="noStrike">
-              <a:latin typeface="Arial"/>
-            </a:endParaRPr>
-          </a:p>
-          <a:p>
-            <a:pPr lvl="3" marL="864000" indent="-215640">
-              <a:lnSpc>
-                <a:spcPct val="100000"/>
-              </a:lnSpc>
-              <a:buClr>
-                <a:srgbClr val="000000"/>
-              </a:buClr>
-              <a:buSzPct val="45000"/>
-              <a:buFont typeface="Wingdings" charset="2"/>
-              <a:buChar char=""/>
-            </a:pPr>
-            <a:r>
-              <a:rPr b="0" lang="en-GB" sz="3600" spc="-1" strike="noStrike">
-                <a:solidFill>
-                  <a:srgbClr val="000000"/>
-                </a:solidFill>
-                <a:latin typeface="Helvetica Neue Light"/>
-                <a:ea typeface="Helvetica Neue Light"/>
-              </a:rPr>
-              <a:t>Every time you try to use a contract, Metamask will request permission before completing the operation – this is because an actual transaction is posted and the actual funds in your wallet are used</a:t>
-            </a:r>
-            <a:endParaRPr b="0" lang="en-GB" sz="3600" spc="-1" strike="noStrike">
-              <a:latin typeface="Arial"/>
-            </a:endParaRPr>
-          </a:p>
-        </p:txBody>
-      </p:sp>
-      <p:sp>
-        <p:nvSpPr>
-          <p:cNvPr id="112" name="CustomShape 2"/>
+      </p:sp>
+      <p:sp>
+        <p:nvSpPr>
+          <p:cNvPr id="117" name="CustomShape 2"/>
           <p:cNvSpPr/>
           <p:nvPr/>
         </p:nvSpPr>
         <p:spPr>
           <a:xfrm>
-            <a:off x="952560" y="444600"/>
-            <a:ext cx="11098800" cy="2157840"/>
+            <a:off x="212040" y="2835360"/>
+            <a:ext cx="12579120" cy="2271960"/>
           </a:xfrm>
           <a:prstGeom prst="rect">
             <a:avLst/>
@@ -4625,6 +4531,60 @@
         <p:txBody>
           <a:bodyPr lIns="50760" rIns="50760" tIns="50760" bIns="50760" anchor="ctr"/>
           <a:p>
+            <a:pPr marL="444600" indent="-443160">
+              <a:lnSpc>
+                <a:spcPct val="100000"/>
+              </a:lnSpc>
+              <a:buClr>
+                <a:srgbClr val="000000"/>
+              </a:buClr>
+              <a:buFont typeface="Helvetica Neue Light"/>
+              <a:buChar char="•"/>
+            </a:pPr>
+            <a:r>
+              <a:rPr b="0" lang="en-GB" sz="3600" spc="-1" strike="noStrike">
+                <a:solidFill>
+                  <a:srgbClr val="000000"/>
+                </a:solidFill>
+                <a:latin typeface="Helvetica Neue Light"/>
+                <a:ea typeface="Helvetica Neue Light"/>
+              </a:rPr>
+              <a:t>Next, compile your smart contract (every time you change your contract you need to recompile it)</a:t>
+            </a:r>
+            <a:endParaRPr b="0" lang="en-GB" sz="3600" spc="-1" strike="noStrike">
+              <a:latin typeface="Arial"/>
+            </a:endParaRPr>
+          </a:p>
+        </p:txBody>
+      </p:sp>
+      <p:sp>
+        <p:nvSpPr>
+          <p:cNvPr id="118" name="CustomShape 3"/>
+          <p:cNvSpPr/>
+          <p:nvPr/>
+        </p:nvSpPr>
+        <p:spPr>
+          <a:xfrm>
+            <a:off x="952560" y="444600"/>
+            <a:ext cx="11098440" cy="2157480"/>
+          </a:xfrm>
+          <a:prstGeom prst="rect">
+            <a:avLst/>
+          </a:prstGeom>
+          <a:noFill/>
+          <a:ln>
+            <a:noFill/>
+          </a:ln>
+        </p:spPr>
+        <p:style>
+          <a:lnRef idx="0"/>
+          <a:fillRef idx="0"/>
+          <a:effectRef idx="0"/>
+          <a:fontRef idx="minor"/>
+        </p:style>
+        <p:txBody>
+          <a:bodyPr lIns="50760" rIns="50760" tIns="50760" bIns="50760" anchor="ctr"/>
+          <a:p>
             <a:pPr algn="ctr">
               <a:lnSpc>
                 <a:spcPct val="100000"/>
@@ -4649,7 +4609,7 @@
                 <a:latin typeface="Helvetica Neue Light"/>
                 <a:ea typeface="Helvetica Neue Light"/>
               </a:rPr>
-              <a:t>Getting familiar with Remix: </a:t>
+              <a:t>Getting familiar with Remix Ethereum: </a:t>
             </a:r>
             <a:br/>
             <a:r>
@@ -4660,13 +4620,79 @@
                 <a:latin typeface="Helvetica Neue Light"/>
                 <a:ea typeface="Helvetica Neue Light"/>
               </a:rPr>
-              <a:t>Injected Web3 environment</a:t>
+              <a:t>Online Solidity Compiler </a:t>
             </a:r>
             <a:endParaRPr b="0" lang="en-GB" sz="4560" spc="-1" strike="noStrike">
               <a:latin typeface="Arial"/>
             </a:endParaRPr>
           </a:p>
         </p:txBody>
+      </p:sp>
+      <p:pic>
+        <p:nvPicPr>
+          <p:cNvPr id="119" name="" descr=""/>
+          <p:cNvPicPr/>
+          <p:nvPr/>
+        </p:nvPicPr>
+        <p:blipFill>
+          <a:blip r:embed="rId1"/>
+          <a:stretch/>
+        </p:blipFill>
+        <p:spPr>
+          <a:xfrm>
+            <a:off x="5544000" y="4855680"/>
+            <a:ext cx="6048000" cy="4792320"/>
+          </a:xfrm>
+          <a:prstGeom prst="rect">
+            <a:avLst/>
+          </a:prstGeom>
+          <a:ln>
+            <a:noFill/>
+          </a:ln>
+        </p:spPr>
+      </p:pic>
+      <p:sp>
+        <p:nvSpPr>
+          <p:cNvPr id="120" name="CustomShape 4"/>
+          <p:cNvSpPr/>
+          <p:nvPr/>
+        </p:nvSpPr>
+        <p:spPr>
+          <a:xfrm>
+            <a:off x="3312000" y="3960000"/>
+            <a:ext cx="2808000" cy="2880000"/>
+          </a:xfrm>
+          <a:custGeom>
+            <a:avLst/>
+            <a:gdLst/>
+            <a:ahLst/>
+            <a:rect l="l" t="t" r="r" b="b"/>
+            <a:pathLst>
+              <a:path w="21600" h="21600">
+                <a:moveTo>
+                  <a:pt x="0" y="0"/>
+                </a:moveTo>
+                <a:lnTo>
+                  <a:pt x="21600" y="21600"/>
+                </a:lnTo>
+              </a:path>
+            </a:pathLst>
+          </a:custGeom>
+          <a:noFill/>
+          <a:ln w="25560">
+            <a:solidFill>
+              <a:srgbClr val="000000"/>
+            </a:solidFill>
+            <a:miter/>
+            <a:tailEnd len="med" type="triangle" w="med"/>
+          </a:ln>
+        </p:spPr>
+        <p:style>
+          <a:lnRef idx="0"/>
+          <a:fillRef idx="0"/>
+          <a:effectRef idx="0"/>
+          <a:fontRef idx="minor"/>
+        </p:style>
       </p:sp>
     </p:spTree>
   </p:cSld>
@@ -4717,9 +4743,160 @@
           <a:chExt cx="0" cy="0"/>
         </a:xfrm>
       </p:grpSpPr>
+      <p:sp>
+        <p:nvSpPr>
+          <p:cNvPr id="121" name="CustomShape 1"/>
+          <p:cNvSpPr/>
+          <p:nvPr/>
+        </p:nvSpPr>
+        <p:spPr>
+          <a:xfrm>
+            <a:off x="1357560" y="3794760"/>
+            <a:ext cx="11098440" cy="2469240"/>
+          </a:xfrm>
+          <a:prstGeom prst="rect">
+            <a:avLst/>
+          </a:prstGeom>
+          <a:noFill/>
+          <a:ln>
+            <a:noFill/>
+          </a:ln>
+        </p:spPr>
+        <p:style>
+          <a:lnRef idx="0"/>
+          <a:fillRef idx="0"/>
+          <a:effectRef idx="0"/>
+          <a:fontRef idx="minor"/>
+        </p:style>
+      </p:sp>
+      <p:sp>
+        <p:nvSpPr>
+          <p:cNvPr id="122" name="CustomShape 2"/>
+          <p:cNvSpPr/>
+          <p:nvPr/>
+        </p:nvSpPr>
+        <p:spPr>
+          <a:xfrm>
+            <a:off x="212040" y="2835360"/>
+            <a:ext cx="12579120" cy="2271960"/>
+          </a:xfrm>
+          <a:prstGeom prst="rect">
+            <a:avLst/>
+          </a:prstGeom>
+          <a:noFill/>
+          <a:ln>
+            <a:noFill/>
+          </a:ln>
+        </p:spPr>
+        <p:style>
+          <a:lnRef idx="0"/>
+          <a:fillRef idx="0"/>
+          <a:effectRef idx="0"/>
+          <a:fontRef idx="minor"/>
+        </p:style>
+        <p:txBody>
+          <a:bodyPr lIns="50760" rIns="50760" tIns="50760" bIns="50760" anchor="ctr"/>
+          <a:p>
+            <a:pPr marL="444600" indent="-443160">
+              <a:lnSpc>
+                <a:spcPct val="100000"/>
+              </a:lnSpc>
+              <a:buClr>
+                <a:srgbClr val="000000"/>
+              </a:buClr>
+              <a:buFont typeface="Helvetica Neue Light"/>
+              <a:buChar char="•"/>
+            </a:pPr>
+            <a:r>
+              <a:rPr b="0" lang="en-GB" sz="3600" spc="-1" strike="noStrike">
+                <a:solidFill>
+                  <a:srgbClr val="000000"/>
+                </a:solidFill>
+                <a:latin typeface="Helvetica Neue Light"/>
+                <a:ea typeface="Helvetica Neue Light"/>
+              </a:rPr>
+              <a:t>Next, to deploy and test your contract, choose the deployment explorer</a:t>
+            </a:r>
+            <a:endParaRPr b="0" lang="en-GB" sz="3600" spc="-1" strike="noStrike">
+              <a:latin typeface="Arial"/>
+            </a:endParaRPr>
+          </a:p>
+        </p:txBody>
+      </p:sp>
+      <p:sp>
+        <p:nvSpPr>
+          <p:cNvPr id="123" name="CustomShape 3"/>
+          <p:cNvSpPr/>
+          <p:nvPr/>
+        </p:nvSpPr>
+        <p:spPr>
+          <a:xfrm>
+            <a:off x="952560" y="444600"/>
+            <a:ext cx="11098440" cy="2157480"/>
+          </a:xfrm>
+          <a:prstGeom prst="rect">
+            <a:avLst/>
+          </a:prstGeom>
+          <a:noFill/>
+          <a:ln>
+            <a:noFill/>
+          </a:ln>
+        </p:spPr>
+        <p:style>
+          <a:lnRef idx="0"/>
+          <a:fillRef idx="0"/>
+          <a:effectRef idx="0"/>
+          <a:fontRef idx="minor"/>
+        </p:style>
+        <p:txBody>
+          <a:bodyPr lIns="50760" rIns="50760" tIns="50760" bIns="50760" anchor="ctr"/>
+          <a:p>
+            <a:pPr algn="ctr">
+              <a:lnSpc>
+                <a:spcPct val="100000"/>
+              </a:lnSpc>
+            </a:pPr>
+            <a:r>
+              <a:rPr b="0" lang="en-GB" sz="4560" spc="-1" strike="noStrike">
+                <a:solidFill>
+                  <a:srgbClr val="000000"/>
+                </a:solidFill>
+                <a:latin typeface="Helvetica Neue Light"/>
+                <a:ea typeface="Helvetica Neue Light"/>
+              </a:rPr>
+              <a:t>Step 3: </a:t>
+            </a:r>
+            <a:br/>
+            <a:r>
+              <a:rPr b="0" lang="en-GB" sz="4560" spc="-1" strike="noStrike">
+                <a:solidFill>
+                  <a:srgbClr val="000000"/>
+                </a:solidFill>
+                <a:latin typeface="Helvetica Neue Light"/>
+                <a:ea typeface="Helvetica Neue Light"/>
+              </a:rPr>
+              <a:t>Getting familiar with Remix Ethereum: </a:t>
+            </a:r>
+            <a:br/>
+            <a:r>
+              <a:rPr b="0" lang="en-GB" sz="4560" spc="-1" strike="noStrike">
+                <a:solidFill>
+                  <a:srgbClr val="000000"/>
+                </a:solidFill>
+                <a:latin typeface="Helvetica Neue Light"/>
+                <a:ea typeface="Helvetica Neue Light"/>
+              </a:rPr>
+              <a:t>Online Solidity Compiler </a:t>
+            </a:r>
+            <a:endParaRPr b="0" lang="en-GB" sz="4560" spc="-1" strike="noStrike">
+              <a:latin typeface="Arial"/>
+            </a:endParaRPr>
+          </a:p>
+        </p:txBody>
+      </p:sp>
       <p:pic>
         <p:nvPicPr>
-          <p:cNvPr id="113" name="" descr=""/>
+          <p:cNvPr id="124" name="" descr=""/>
           <p:cNvPicPr/>
           <p:nvPr/>
         </p:nvPicPr>
@@ -4729,8 +4906,8 @@
         </p:blipFill>
         <p:spPr>
           <a:xfrm>
-            <a:off x="1774800" y="6552360"/>
-            <a:ext cx="10105200" cy="3161520"/>
+            <a:off x="5544000" y="4855680"/>
+            <a:ext cx="6048000" cy="4792320"/>
           </a:xfrm>
           <a:prstGeom prst="rect">
             <a:avLst/>
@@ -4742,124 +4919,14 @@
       </p:pic>
       <p:sp>
         <p:nvSpPr>
-          <p:cNvPr id="114" name="CustomShape 1"/>
+          <p:cNvPr id="125" name="CustomShape 4"/>
           <p:cNvSpPr/>
           <p:nvPr/>
         </p:nvSpPr>
         <p:spPr>
-          <a:xfrm>
-            <a:off x="212040" y="2632320"/>
-            <a:ext cx="12579480" cy="3897720"/>
-          </a:xfrm>
-          <a:prstGeom prst="rect">
-            <a:avLst/>
-          </a:prstGeom>
-          <a:noFill/>
-          <a:ln>
-            <a:noFill/>
-          </a:ln>
-        </p:spPr>
-        <p:style>
-          <a:lnRef idx="0"/>
-          <a:fillRef idx="0"/>
-          <a:effectRef idx="0"/>
-          <a:fontRef idx="minor"/>
-        </p:style>
-        <p:txBody>
-          <a:bodyPr lIns="50760" rIns="50760" tIns="50760" bIns="50760" anchor="ctr"/>
-          <a:p>
-            <a:pPr marL="444600" indent="-443520">
-              <a:lnSpc>
-                <a:spcPct val="100000"/>
-              </a:lnSpc>
-              <a:buClr>
-                <a:srgbClr val="000000"/>
-              </a:buClr>
-              <a:buFont typeface="Helvetica Neue Light"/>
-              <a:buChar char="•"/>
-            </a:pPr>
-            <a:r>
-              <a:rPr b="0" lang="en-GB" sz="3600" spc="-1" strike="noStrike">
-                <a:solidFill>
-                  <a:srgbClr val="000000"/>
-                </a:solidFill>
-                <a:latin typeface="Helvetica Neue Light"/>
-                <a:ea typeface="Helvetica Neue Light"/>
-              </a:rPr>
-              <a:t>To compile your smart contract, click on </a:t>
-            </a:r>
-            <a:r>
-              <a:rPr b="0" lang="en-GB" sz="3600" spc="-1" strike="noStrike">
-                <a:solidFill>
-                  <a:srgbClr val="942192"/>
-                </a:solidFill>
-                <a:latin typeface="Helvetica Neue Light"/>
-                <a:ea typeface="Helvetica Neue Light"/>
-              </a:rPr>
-              <a:t>Deploy</a:t>
-            </a:r>
-            <a:endParaRPr b="0" lang="en-GB" sz="3600" spc="-1" strike="noStrike">
-              <a:latin typeface="Arial"/>
-            </a:endParaRPr>
-          </a:p>
-          <a:p>
-            <a:pPr marL="444600" indent="-443520">
-              <a:lnSpc>
-                <a:spcPct val="100000"/>
-              </a:lnSpc>
-              <a:buClr>
-                <a:srgbClr val="000000"/>
-              </a:buClr>
-              <a:buFont typeface="Helvetica Neue Light"/>
-              <a:buChar char="•"/>
-            </a:pPr>
-            <a:r>
-              <a:rPr b="0" lang="en-GB" sz="3600" spc="-1" strike="noStrike">
-                <a:solidFill>
-                  <a:srgbClr val="000000"/>
-                </a:solidFill>
-                <a:latin typeface="Helvetica Neue Light"/>
-                <a:ea typeface="Helvetica Neue Light"/>
-              </a:rPr>
-              <a:t>After compiling the contract, Remix creates a </a:t>
-            </a:r>
-            <a:r>
-              <a:rPr b="0" lang="en-GB" sz="3600" spc="-1" strike="noStrike" u="sng">
-                <a:solidFill>
-                  <a:srgbClr val="000000"/>
-                </a:solidFill>
-                <a:uFillTx/>
-                <a:latin typeface="Helvetica Neue Light"/>
-                <a:ea typeface="Helvetica Neue Light"/>
-              </a:rPr>
-              <a:t>user interface</a:t>
-            </a:r>
-            <a:r>
-              <a:rPr b="0" lang="en-GB" sz="3600" spc="-1" strike="noStrike">
-                <a:solidFill>
-                  <a:srgbClr val="000000"/>
-                </a:solidFill>
-                <a:latin typeface="Helvetica Neue Light"/>
-                <a:ea typeface="Helvetica Neue Light"/>
-              </a:rPr>
-              <a:t> to interact with the contract </a:t>
-            </a:r>
-            <a:endParaRPr b="0" lang="en-GB" sz="3600" spc="-1" strike="noStrike">
-              <a:latin typeface="Arial"/>
-            </a:endParaRPr>
-          </a:p>
-        </p:txBody>
-      </p:sp>
-      <p:sp>
-        <p:nvSpPr>
-          <p:cNvPr id="115" name="CustomShape 2"/>
-          <p:cNvSpPr/>
-          <p:nvPr/>
-        </p:nvSpPr>
-        <p:spPr>
           <a:xfrm flipH="1">
-            <a:off x="8279280" y="4320000"/>
-            <a:ext cx="2087640" cy="4463640"/>
+            <a:off x="5760000" y="4032000"/>
+            <a:ext cx="4680000" cy="2664000"/>
           </a:xfrm>
           <a:custGeom>
             <a:avLst/>
@@ -4892,77 +4959,6 @@
           <a:effectRef idx="0"/>
           <a:fontRef idx="minor"/>
         </p:style>
-      </p:sp>
-      <p:sp>
-        <p:nvSpPr>
-          <p:cNvPr id="116" name="CustomShape 3"/>
-          <p:cNvSpPr/>
-          <p:nvPr/>
-        </p:nvSpPr>
-        <p:spPr>
-          <a:xfrm>
-            <a:off x="952560" y="444600"/>
-            <a:ext cx="11098800" cy="2157840"/>
-          </a:xfrm>
-          <a:prstGeom prst="rect">
-            <a:avLst/>
-          </a:prstGeom>
-          <a:noFill/>
-          <a:ln>
-            <a:noFill/>
-          </a:ln>
-        </p:spPr>
-        <p:style>
-          <a:lnRef idx="0"/>
-          <a:fillRef idx="0"/>
-          <a:effectRef idx="0"/>
-          <a:fontRef idx="minor"/>
-        </p:style>
-        <p:txBody>
-          <a:bodyPr lIns="50760" rIns="50760" tIns="50760" bIns="50760" anchor="ctr"/>
-          <a:p>
-            <a:pPr algn="ctr">
-              <a:lnSpc>
-                <a:spcPct val="100000"/>
-              </a:lnSpc>
-            </a:pPr>
-            <a:r>
-              <a:rPr b="0" lang="en-GB" sz="4560" spc="-1" strike="noStrike">
-                <a:solidFill>
-                  <a:srgbClr val="000000"/>
-                </a:solidFill>
-                <a:latin typeface="Helvetica Neue Light"/>
-                <a:ea typeface="Helvetica Neue Light"/>
-              </a:rPr>
-              <a:t>Step 3: </a:t>
-            </a:r>
-            <a:br/>
-            <a:r>
-              <a:rPr b="0" lang="en-GB" sz="4560" spc="-1" strike="noStrike">
-                <a:solidFill>
-                  <a:srgbClr val="000000"/>
-                </a:solidFill>
-                <a:latin typeface="Helvetica Neue Light"/>
-                <a:ea typeface="Helvetica Neue Light"/>
-              </a:rPr>
-              <a:t>Getting familiar with Remix Ethereum: </a:t>
-            </a:r>
-            <a:br/>
-            <a:r>
-              <a:rPr b="0" lang="en-GB" sz="4560" spc="-1" strike="noStrike">
-                <a:solidFill>
-                  <a:srgbClr val="000000"/>
-                </a:solidFill>
-                <a:latin typeface="Helvetica Neue Light"/>
-                <a:ea typeface="Helvetica Neue Light"/>
-              </a:rPr>
-              <a:t>Online Solidity Compiler </a:t>
-            </a:r>
-            <a:endParaRPr b="0" lang="en-GB" sz="4560" spc="-1" strike="noStrike">
-              <a:latin typeface="Arial"/>
-            </a:endParaRPr>
-          </a:p>
-        </p:txBody>
       </p:sp>
     </p:spTree>
   </p:cSld>
@@ -5015,7 +5011,7 @@
       </p:grpSpPr>
       <p:pic>
         <p:nvPicPr>
-          <p:cNvPr id="117" name="" descr=""/>
+          <p:cNvPr id="126" name="" descr=""/>
           <p:cNvPicPr/>
           <p:nvPr/>
         </p:nvPicPr>
@@ -5025,8 +5021,8 @@
         </p:blipFill>
         <p:spPr>
           <a:xfrm>
-            <a:off x="6124320" y="6264000"/>
-            <a:ext cx="6619320" cy="3428280"/>
+            <a:off x="4896000" y="5602320"/>
+            <a:ext cx="5419440" cy="3685680"/>
           </a:xfrm>
           <a:prstGeom prst="rect">
             <a:avLst/>
@@ -5038,14 +5034,14 @@
       </p:pic>
       <p:sp>
         <p:nvSpPr>
-          <p:cNvPr id="118" name="CustomShape 1"/>
+          <p:cNvPr id="127" name="CustomShape 1"/>
           <p:cNvSpPr/>
           <p:nvPr/>
         </p:nvSpPr>
         <p:spPr>
           <a:xfrm>
-            <a:off x="212040" y="2956320"/>
-            <a:ext cx="12792240" cy="3897720"/>
+            <a:off x="1357560" y="3794760"/>
+            <a:ext cx="11098440" cy="2469240"/>
           </a:xfrm>
           <a:prstGeom prst="rect">
             <a:avLst/>
@@ -5061,10 +5057,36 @@
           <a:effectRef idx="0"/>
           <a:fontRef idx="minor"/>
         </p:style>
+      </p:sp>
+      <p:sp>
+        <p:nvSpPr>
+          <p:cNvPr id="128" name="CustomShape 2"/>
+          <p:cNvSpPr/>
+          <p:nvPr/>
+        </p:nvSpPr>
+        <p:spPr>
+          <a:xfrm>
+            <a:off x="212040" y="2835360"/>
+            <a:ext cx="12579120" cy="2271960"/>
+          </a:xfrm>
+          <a:prstGeom prst="rect">
+            <a:avLst/>
+          </a:prstGeom>
+          <a:noFill/>
+          <a:ln>
+            <a:noFill/>
+          </a:ln>
+        </p:spPr>
+        <p:style>
+          <a:lnRef idx="0"/>
+          <a:fillRef idx="0"/>
+          <a:effectRef idx="0"/>
+          <a:fontRef idx="minor"/>
+        </p:style>
         <p:txBody>
           <a:bodyPr lIns="50760" rIns="50760" tIns="50760" bIns="50760" anchor="ctr"/>
           <a:p>
-            <a:pPr marL="444600" indent="-443520">
+            <a:pPr marL="444600" indent="-443160">
               <a:lnSpc>
                 <a:spcPct val="100000"/>
               </a:lnSpc>
@@ -5082,102 +5104,115 @@
                 <a:latin typeface="Helvetica Neue Light"/>
                 <a:ea typeface="Helvetica Neue Light"/>
               </a:rPr>
-              <a:t>In the contract’s interface:</a:t>
+              <a:t>You can deploy your contract in a number of environments </a:t>
             </a:r>
             <a:endParaRPr b="0" lang="en-GB" sz="3600" spc="-1" strike="noStrike">
               <a:latin typeface="Arial"/>
             </a:endParaRPr>
           </a:p>
-          <a:p>
-            <a:pPr lvl="1" marL="432000" indent="-215640">
-              <a:lnSpc>
-                <a:spcPct val="100000"/>
-              </a:lnSpc>
-              <a:buClr>
-                <a:srgbClr val="000000"/>
-              </a:buClr>
-              <a:buSzPct val="45000"/>
-              <a:buFont typeface="Wingdings" charset="2"/>
-              <a:buChar char=""/>
-            </a:pPr>
-            <a:r>
-              <a:rPr b="0" lang="en-GB" sz="3600" spc="-1" strike="noStrike">
-                <a:solidFill>
-                  <a:srgbClr val="000000"/>
-                </a:solidFill>
-                <a:latin typeface="Helvetica Neue Light"/>
-                <a:ea typeface="Helvetica Neue Light"/>
-              </a:rPr>
-              <a:t>You can call functions</a:t>
-            </a:r>
-            <a:endParaRPr b="0" lang="en-GB" sz="3600" spc="-1" strike="noStrike">
-              <a:latin typeface="Arial"/>
-            </a:endParaRPr>
-          </a:p>
-          <a:p>
-            <a:pPr lvl="1" marL="432000" indent="-215640">
-              <a:lnSpc>
-                <a:spcPct val="100000"/>
-              </a:lnSpc>
-              <a:buClr>
-                <a:srgbClr val="000000"/>
-              </a:buClr>
-              <a:buSzPct val="45000"/>
-              <a:buFont typeface="Wingdings" charset="2"/>
-              <a:buChar char=""/>
-            </a:pPr>
-            <a:r>
-              <a:rPr b="0" lang="en-GB" sz="3600" spc="-1" strike="noStrike">
-                <a:solidFill>
-                  <a:srgbClr val="000000"/>
-                </a:solidFill>
-                <a:latin typeface="Helvetica Neue Light"/>
-                <a:ea typeface="Helvetica Neue Light"/>
-              </a:rPr>
-              <a:t>You can pass parameters when calling functions</a:t>
-            </a:r>
-            <a:endParaRPr b="0" lang="en-GB" sz="3600" spc="-1" strike="noStrike">
-              <a:latin typeface="Arial"/>
-            </a:endParaRPr>
-          </a:p>
-          <a:p>
-            <a:pPr lvl="1" marL="432000" indent="-215640">
-              <a:lnSpc>
-                <a:spcPct val="100000"/>
-              </a:lnSpc>
-              <a:buClr>
-                <a:srgbClr val="000000"/>
-              </a:buClr>
-              <a:buSzPct val="45000"/>
-              <a:buFont typeface="Wingdings" charset="2"/>
-              <a:buChar char=""/>
-            </a:pPr>
-            <a:r>
-              <a:rPr b="0" lang="en-GB" sz="3600" spc="-1" strike="noStrike">
-                <a:solidFill>
-                  <a:srgbClr val="000000"/>
-                </a:solidFill>
-                <a:latin typeface="Helvetica Neue Light"/>
-                <a:ea typeface="Helvetica Neue Light"/>
-              </a:rPr>
-              <a:t>You can access public variables of the contract</a:t>
-            </a:r>
-            <a:endParaRPr b="0" lang="en-GB" sz="3600" spc="-1" strike="noStrike">
-              <a:latin typeface="Arial"/>
-            </a:endParaRPr>
-          </a:p>
-        </p:txBody>
-      </p:sp>
-      <p:sp>
-        <p:nvSpPr>
-          <p:cNvPr id="119" name="CustomShape 2"/>
+        </p:txBody>
+      </p:sp>
+      <p:sp>
+        <p:nvSpPr>
+          <p:cNvPr id="129" name="CustomShape 3"/>
           <p:cNvSpPr/>
           <p:nvPr/>
         </p:nvSpPr>
         <p:spPr>
           <a:xfrm>
-            <a:off x="6480000" y="6048000"/>
-            <a:ext cx="2087640" cy="2015640"/>
+            <a:off x="952560" y="444600"/>
+            <a:ext cx="11098440" cy="2157480"/>
+          </a:xfrm>
+          <a:prstGeom prst="rect">
+            <a:avLst/>
+          </a:prstGeom>
+          <a:noFill/>
+          <a:ln>
+            <a:noFill/>
+          </a:ln>
+        </p:spPr>
+        <p:style>
+          <a:lnRef idx="0"/>
+          <a:fillRef idx="0"/>
+          <a:effectRef idx="0"/>
+          <a:fontRef idx="minor"/>
+        </p:style>
+        <p:txBody>
+          <a:bodyPr lIns="50760" rIns="50760" tIns="50760" bIns="50760" anchor="ctr"/>
+          <a:p>
+            <a:pPr algn="ctr">
+              <a:lnSpc>
+                <a:spcPct val="100000"/>
+              </a:lnSpc>
+            </a:pPr>
+            <a:r>
+              <a:rPr b="0" lang="en-GB" sz="4560" spc="-1" strike="noStrike">
+                <a:solidFill>
+                  <a:srgbClr val="000000"/>
+                </a:solidFill>
+                <a:latin typeface="Helvetica Neue Light"/>
+                <a:ea typeface="Helvetica Neue Light"/>
+              </a:rPr>
+              <a:t>Step 3: </a:t>
+            </a:r>
+            <a:br/>
+            <a:r>
+              <a:rPr b="0" lang="en-GB" sz="4560" spc="-1" strike="noStrike">
+                <a:solidFill>
+                  <a:srgbClr val="000000"/>
+                </a:solidFill>
+                <a:latin typeface="Helvetica Neue Light"/>
+                <a:ea typeface="Helvetica Neue Light"/>
+              </a:rPr>
+              <a:t>Getting familiar with </a:t>
+            </a:r>
+            <a:r>
+              <a:rPr b="0" lang="en-GB" sz="4560" spc="-1" strike="noStrike">
+                <a:solidFill>
+                  <a:srgbClr val="000000"/>
+                </a:solidFill>
+                <a:latin typeface="Helvetica Neue Light"/>
+                <a:ea typeface="Helvetica Neue Light"/>
+              </a:rPr>
+              <a:t>Remix Ethereum: </a:t>
+            </a:r>
+            <a:br/>
+            <a:r>
+              <a:rPr b="0" lang="en-GB" sz="4560" spc="-1" strike="noStrike">
+                <a:solidFill>
+                  <a:srgbClr val="000000"/>
+                </a:solidFill>
+                <a:latin typeface="Helvetica Neue Light"/>
+                <a:ea typeface="Helvetica Neue Light"/>
+              </a:rPr>
+              <a:t>Online Solidity </a:t>
+            </a:r>
+            <a:r>
+              <a:rPr b="0" lang="en-GB" sz="4560" spc="-1" strike="noStrike">
+                <a:solidFill>
+                  <a:srgbClr val="000000"/>
+                </a:solidFill>
+                <a:latin typeface="Helvetica Neue Light"/>
+                <a:ea typeface="Helvetica Neue Light"/>
+              </a:rPr>
+              <a:t>Compiler </a:t>
+            </a:r>
+            <a:endParaRPr b="0" lang="en-GB" sz="4560" spc="-1" strike="noStrike">
+              <a:latin typeface="Arial"/>
+            </a:endParaRPr>
+          </a:p>
+        </p:txBody>
+      </p:sp>
+      <p:sp>
+        <p:nvSpPr>
+          <p:cNvPr id="130" name="CustomShape 4"/>
+          <p:cNvSpPr/>
+          <p:nvPr/>
+        </p:nvSpPr>
+        <p:spPr>
+          <a:xfrm>
+            <a:off x="3240000" y="4536000"/>
+            <a:ext cx="3096000" cy="2016000"/>
           </a:xfrm>
           <a:custGeom>
             <a:avLst/>
@@ -5198,164 +5233,7 @@
           <a:noFill/>
           <a:ln w="25560">
             <a:solidFill>
-              <a:srgbClr val="666666"/>
-            </a:solidFill>
-            <a:miter/>
-            <a:tailEnd len="med" type="triangle" w="med"/>
-          </a:ln>
-        </p:spPr>
-        <p:style>
-          <a:lnRef idx="0"/>
-          <a:fillRef idx="0"/>
-          <a:effectRef idx="0"/>
-          <a:fontRef idx="minor"/>
-        </p:style>
-      </p:sp>
-      <p:sp>
-        <p:nvSpPr>
-          <p:cNvPr id="120" name="CustomShape 3"/>
-          <p:cNvSpPr/>
-          <p:nvPr/>
-        </p:nvSpPr>
-        <p:spPr>
-          <a:xfrm>
-            <a:off x="952560" y="444600"/>
-            <a:ext cx="11098800" cy="2157840"/>
-          </a:xfrm>
-          <a:prstGeom prst="rect">
-            <a:avLst/>
-          </a:prstGeom>
-          <a:noFill/>
-          <a:ln>
-            <a:noFill/>
-          </a:ln>
-        </p:spPr>
-        <p:style>
-          <a:lnRef idx="0"/>
-          <a:fillRef idx="0"/>
-          <a:effectRef idx="0"/>
-          <a:fontRef idx="minor"/>
-        </p:style>
-        <p:txBody>
-          <a:bodyPr lIns="50760" rIns="50760" tIns="50760" bIns="50760" anchor="ctr"/>
-          <a:p>
-            <a:pPr algn="ctr">
-              <a:lnSpc>
-                <a:spcPct val="100000"/>
-              </a:lnSpc>
-            </a:pPr>
-            <a:r>
-              <a:rPr b="0" lang="en-GB" sz="4560" spc="-1" strike="noStrike">
-                <a:solidFill>
-                  <a:srgbClr val="000000"/>
-                </a:solidFill>
-                <a:latin typeface="Helvetica Neue Light"/>
-                <a:ea typeface="Helvetica Neue Light"/>
-              </a:rPr>
-              <a:t>Step 3: </a:t>
-            </a:r>
-            <a:br/>
-            <a:r>
-              <a:rPr b="0" lang="en-GB" sz="4560" spc="-1" strike="noStrike">
-                <a:solidFill>
-                  <a:srgbClr val="000000"/>
-                </a:solidFill>
-                <a:latin typeface="Helvetica Neue Light"/>
-                <a:ea typeface="Helvetica Neue Light"/>
-              </a:rPr>
-              <a:t>Getting familiar with Remix Ethereum: </a:t>
-            </a:r>
-            <a:br/>
-            <a:r>
-              <a:rPr b="0" lang="en-GB" sz="4560" spc="-1" strike="noStrike">
-                <a:solidFill>
-                  <a:srgbClr val="000000"/>
-                </a:solidFill>
-                <a:latin typeface="Helvetica Neue Light"/>
-                <a:ea typeface="Helvetica Neue Light"/>
-              </a:rPr>
-              <a:t>Online Solidity Compiler </a:t>
-            </a:r>
-            <a:endParaRPr b="0" lang="en-GB" sz="4560" spc="-1" strike="noStrike">
-              <a:latin typeface="Arial"/>
-            </a:endParaRPr>
-          </a:p>
-        </p:txBody>
-      </p:sp>
-      <p:sp>
-        <p:nvSpPr>
-          <p:cNvPr id="121" name="CustomShape 4"/>
-          <p:cNvSpPr/>
-          <p:nvPr/>
-        </p:nvSpPr>
-        <p:spPr>
-          <a:xfrm>
-            <a:off x="3816000" y="4896000"/>
-            <a:ext cx="4751640" cy="2663640"/>
-          </a:xfrm>
-          <a:custGeom>
-            <a:avLst/>
-            <a:gdLst/>
-            <a:ahLst/>
-            <a:rect l="l" t="t" r="r" b="b"/>
-            <a:pathLst>
-              <a:path w="21600" h="21600">
-                <a:moveTo>
-                  <a:pt x="0" y="0"/>
-                </a:moveTo>
-                <a:lnTo>
-                  <a:pt x="21600" y="21600"/>
-                </a:lnTo>
-              </a:path>
-            </a:pathLst>
-          </a:custGeom>
-          <a:noFill/>
-          <a:ln w="25560">
-            <a:solidFill>
-              <a:srgbClr val="666666"/>
-            </a:solidFill>
-            <a:miter/>
-            <a:tailEnd len="med" type="triangle" w="med"/>
-          </a:ln>
-        </p:spPr>
-        <p:style>
-          <a:lnRef idx="0"/>
-          <a:fillRef idx="0"/>
-          <a:effectRef idx="0"/>
-          <a:fontRef idx="minor"/>
-        </p:style>
-      </p:sp>
-      <p:sp>
-        <p:nvSpPr>
-          <p:cNvPr id="122" name="CustomShape 5"/>
-          <p:cNvSpPr/>
-          <p:nvPr/>
-        </p:nvSpPr>
-        <p:spPr>
-          <a:xfrm>
-            <a:off x="6336000" y="5400000"/>
-            <a:ext cx="3311640" cy="1583640"/>
-          </a:xfrm>
-          <a:custGeom>
-            <a:avLst/>
-            <a:gdLst/>
-            <a:ahLst/>
-            <a:rect l="l" t="t" r="r" b="b"/>
-            <a:pathLst>
-              <a:path w="21600" h="21600">
-                <a:moveTo>
-                  <a:pt x="0" y="0"/>
-                </a:moveTo>
-                <a:lnTo>
-                  <a:pt x="21600" y="21600"/>
-                </a:lnTo>
-              </a:path>
-            </a:pathLst>
-          </a:custGeom>
-          <a:noFill/>
-          <a:ln w="25560">
-            <a:solidFill>
-              <a:srgbClr val="666666"/>
+              <a:srgbClr val="000000"/>
             </a:solidFill>
             <a:miter/>
             <a:tailEnd len="med" type="triangle" w="med"/>
@@ -5419,14 +5297,14 @@
       </p:grpSpPr>
       <p:sp>
         <p:nvSpPr>
-          <p:cNvPr id="123" name="CustomShape 1"/>
+          <p:cNvPr id="131" name="CustomShape 1"/>
           <p:cNvSpPr/>
           <p:nvPr/>
         </p:nvSpPr>
         <p:spPr>
           <a:xfrm>
-            <a:off x="952560" y="444600"/>
-            <a:ext cx="11098800" cy="2157840"/>
+            <a:off x="144000" y="2835360"/>
+            <a:ext cx="12647160" cy="6667920"/>
           </a:xfrm>
           <a:prstGeom prst="rect">
             <a:avLst/>
@@ -5445,59 +5323,188 @@
         <p:txBody>
           <a:bodyPr lIns="50760" rIns="50760" tIns="50760" bIns="50760" anchor="ctr"/>
           <a:p>
-            <a:pPr algn="ctr">
-              <a:lnSpc>
-                <a:spcPct val="100000"/>
-              </a:lnSpc>
-            </a:pPr>
-            <a:r>
-              <a:rPr b="0" lang="en-GB" sz="4200" spc="-1" strike="noStrike">
-                <a:solidFill>
-                  <a:srgbClr val="000000"/>
-                </a:solidFill>
-                <a:latin typeface="Helvetica Neue Light"/>
-                <a:ea typeface="Helvetica Neue Light"/>
-              </a:rPr>
-              <a:t>Step 4.1:</a:t>
-            </a:r>
-            <a:br/>
-            <a:r>
-              <a:rPr b="0" lang="en-GB" sz="4200" spc="-1" strike="noStrike">
-                <a:solidFill>
-                  <a:srgbClr val="000000"/>
-                </a:solidFill>
-                <a:latin typeface="Helvetica Neue Light"/>
-                <a:ea typeface="Helvetica Neue Light"/>
-              </a:rPr>
-              <a:t>Deploying Smart Contract to the Private Chain</a:t>
-            </a:r>
-            <a:br/>
-            <a:r>
-              <a:rPr b="0" lang="en-GB" sz="2800" spc="-1" strike="noStrike">
-                <a:solidFill>
-                  <a:srgbClr val="000000"/>
-                </a:solidFill>
-                <a:latin typeface="Helvetica Neue Light"/>
-                <a:ea typeface="Helvetica Neue Light"/>
-              </a:rPr>
-              <a:t>Configurations</a:t>
-            </a:r>
-            <a:endParaRPr b="0" lang="en-GB" sz="2800" spc="-1" strike="noStrike">
-              <a:latin typeface="Arial"/>
-            </a:endParaRPr>
-          </a:p>
-        </p:txBody>
-      </p:sp>
-      <p:sp>
-        <p:nvSpPr>
-          <p:cNvPr id="124" name="CustomShape 2"/>
+            <a:pPr marL="444600" indent="-443160">
+              <a:lnSpc>
+                <a:spcPct val="100000"/>
+              </a:lnSpc>
+              <a:buClr>
+                <a:srgbClr val="000000"/>
+              </a:buClr>
+              <a:buFont typeface="Helvetica Neue Light"/>
+              <a:buChar char="•"/>
+            </a:pPr>
+            <a:r>
+              <a:rPr b="1" lang="en-GB" sz="3600" spc="-1" strike="noStrike">
+                <a:solidFill>
+                  <a:srgbClr val="000000"/>
+                </a:solidFill>
+                <a:latin typeface="Helvetica Neue Light"/>
+                <a:ea typeface="Helvetica Neue Light"/>
+              </a:rPr>
+              <a:t>Javascript VM</a:t>
+            </a:r>
+            <a:endParaRPr b="0" lang="en-GB" sz="3600" spc="-1" strike="noStrike">
+              <a:latin typeface="Arial"/>
+            </a:endParaRPr>
+          </a:p>
+          <a:p>
+            <a:pPr lvl="3" marL="864000" indent="-215280">
+              <a:lnSpc>
+                <a:spcPct val="100000"/>
+              </a:lnSpc>
+              <a:buClr>
+                <a:srgbClr val="000000"/>
+              </a:buClr>
+              <a:buSzPct val="45000"/>
+              <a:buFont typeface="Wingdings" charset="2"/>
+              <a:buChar char=""/>
+            </a:pPr>
+            <a:r>
+              <a:rPr b="0" lang="en-GB" sz="3600" spc="-1" strike="noStrike">
+                <a:solidFill>
+                  <a:srgbClr val="000000"/>
+                </a:solidFill>
+                <a:latin typeface="Helvetica Neue Light"/>
+                <a:ea typeface="Helvetica Neue Light"/>
+              </a:rPr>
+              <a:t>This is a </a:t>
+            </a:r>
+            <a:r>
+              <a:rPr b="0" lang="en-GB" sz="3600" spc="-1" strike="noStrike" u="sng">
+                <a:solidFill>
+                  <a:srgbClr val="000000"/>
+                </a:solidFill>
+                <a:uFillTx/>
+                <a:latin typeface="Helvetica Neue Light"/>
+                <a:ea typeface="Helvetica Neue Light"/>
+              </a:rPr>
+              <a:t>testing</a:t>
+            </a:r>
+            <a:r>
+              <a:rPr b="0" lang="en-GB" sz="3600" spc="-1" strike="noStrike">
+                <a:solidFill>
+                  <a:srgbClr val="000000"/>
+                </a:solidFill>
+                <a:latin typeface="Helvetica Neue Light"/>
+                <a:ea typeface="Helvetica Neue Light"/>
+              </a:rPr>
+              <a:t> environment</a:t>
+            </a:r>
+            <a:endParaRPr b="0" lang="en-GB" sz="3600" spc="-1" strike="noStrike">
+              <a:latin typeface="Arial"/>
+            </a:endParaRPr>
+          </a:p>
+          <a:p>
+            <a:pPr lvl="3" marL="864000" indent="-215280">
+              <a:lnSpc>
+                <a:spcPct val="100000"/>
+              </a:lnSpc>
+              <a:buClr>
+                <a:srgbClr val="000000"/>
+              </a:buClr>
+              <a:buSzPct val="45000"/>
+              <a:buFont typeface="Wingdings" charset="2"/>
+              <a:buChar char=""/>
+            </a:pPr>
+            <a:r>
+              <a:rPr b="0" lang="en-GB" sz="3600" spc="-1" strike="noStrike">
+                <a:solidFill>
+                  <a:srgbClr val="000000"/>
+                </a:solidFill>
+                <a:latin typeface="Helvetica Neue Light"/>
+                <a:ea typeface="Helvetica Neue Light"/>
+              </a:rPr>
+              <a:t>It is a local environment that lives on your browser’s tab</a:t>
+            </a:r>
+            <a:endParaRPr b="0" lang="en-GB" sz="3600" spc="-1" strike="noStrike">
+              <a:latin typeface="Arial"/>
+            </a:endParaRPr>
+          </a:p>
+          <a:p>
+            <a:pPr lvl="3" marL="864000" indent="-215280">
+              <a:lnSpc>
+                <a:spcPct val="100000"/>
+              </a:lnSpc>
+              <a:buClr>
+                <a:srgbClr val="000000"/>
+              </a:buClr>
+              <a:buSzPct val="45000"/>
+              <a:buFont typeface="Wingdings" charset="2"/>
+              <a:buChar char=""/>
+            </a:pPr>
+            <a:r>
+              <a:rPr b="0" lang="en-GB" sz="3600" spc="-1" strike="noStrike">
+                <a:solidFill>
+                  <a:srgbClr val="000000"/>
+                </a:solidFill>
+                <a:latin typeface="Helvetica Neue Light"/>
+                <a:ea typeface="Helvetica Neue Light"/>
+              </a:rPr>
+              <a:t>Whatever you do in this environment </a:t>
+            </a:r>
+            <a:r>
+              <a:rPr b="0" lang="en-GB" sz="3600" spc="-1" strike="noStrike" u="sng">
+                <a:solidFill>
+                  <a:srgbClr val="000000"/>
+                </a:solidFill>
+                <a:uFillTx/>
+                <a:latin typeface="Helvetica Neue Light"/>
+                <a:ea typeface="Helvetica Neue Light"/>
+              </a:rPr>
+              <a:t>does not</a:t>
+            </a:r>
+            <a:r>
+              <a:rPr b="0" lang="en-GB" sz="3600" spc="-1" strike="noStrike">
+                <a:solidFill>
+                  <a:srgbClr val="000000"/>
+                </a:solidFill>
+                <a:latin typeface="Helvetica Neue Light"/>
+                <a:ea typeface="Helvetica Neue Light"/>
+              </a:rPr>
+              <a:t> affect your funds, i.e. it does not have access to your wallet</a:t>
+            </a:r>
+            <a:endParaRPr b="0" lang="en-GB" sz="3600" spc="-1" strike="noStrike">
+              <a:latin typeface="Arial"/>
+            </a:endParaRPr>
+          </a:p>
+          <a:p>
+            <a:pPr lvl="3" marL="864000" indent="-215280">
+              <a:lnSpc>
+                <a:spcPct val="100000"/>
+              </a:lnSpc>
+              <a:buClr>
+                <a:srgbClr val="000000"/>
+              </a:buClr>
+              <a:buSzPct val="45000"/>
+              <a:buFont typeface="Wingdings" charset="2"/>
+              <a:buChar char=""/>
+            </a:pPr>
+            <a:r>
+              <a:rPr b="0" lang="en-GB" sz="3600" spc="-1" strike="noStrike">
+                <a:solidFill>
+                  <a:srgbClr val="000000"/>
+                </a:solidFill>
+                <a:latin typeface="Helvetica Neue Light"/>
+                <a:ea typeface="Helvetica Neue Light"/>
+              </a:rPr>
+              <a:t>When you close the browser it is deleted and when you open it again it is created fresh, so every time you use this environment you need to re-deploy your contracts</a:t>
+            </a:r>
+            <a:endParaRPr b="0" lang="en-GB" sz="3600" spc="-1" strike="noStrike">
+              <a:latin typeface="Arial"/>
+            </a:endParaRPr>
+          </a:p>
+        </p:txBody>
+      </p:sp>
+      <p:sp>
+        <p:nvSpPr>
+          <p:cNvPr id="132" name="CustomShape 2"/>
           <p:cNvSpPr/>
           <p:nvPr/>
         </p:nvSpPr>
         <p:spPr>
           <a:xfrm>
-            <a:off x="212040" y="2793600"/>
-            <a:ext cx="12740400" cy="3351600"/>
+            <a:off x="952560" y="444600"/>
+            <a:ext cx="11098440" cy="2157480"/>
           </a:xfrm>
           <a:prstGeom prst="rect">
             <a:avLst/>
@@ -5516,143 +5523,48 @@
         <p:txBody>
           <a:bodyPr lIns="50760" rIns="50760" tIns="50760" bIns="50760" anchor="ctr"/>
           <a:p>
-            <a:pPr marL="444600" indent="-443520">
-              <a:lnSpc>
-                <a:spcPct val="100000"/>
-              </a:lnSpc>
-              <a:buClr>
-                <a:srgbClr val="000000"/>
-              </a:buClr>
-              <a:buFont typeface="Helvetica Neue Light"/>
-              <a:buChar char="•"/>
-            </a:pPr>
-            <a:r>
-              <a:rPr b="0" lang="en-GB" sz="3600" spc="-1" strike="noStrike">
-                <a:solidFill>
-                  <a:srgbClr val="000000"/>
-                </a:solidFill>
-                <a:latin typeface="Helvetica Neue Light"/>
-                <a:ea typeface="Helvetica Neue Light"/>
-              </a:rPr>
-              <a:t>First, you need to connect Metamask to the blockchain, as we described in the earlier slides. </a:t>
-            </a:r>
-            <a:endParaRPr b="0" lang="en-GB" sz="3600" spc="-1" strike="noStrike">
-              <a:latin typeface="Arial"/>
-            </a:endParaRPr>
-          </a:p>
-          <a:p>
-            <a:pPr marL="444600" indent="-443520">
-              <a:lnSpc>
-                <a:spcPct val="100000"/>
-              </a:lnSpc>
-              <a:buClr>
-                <a:srgbClr val="000000"/>
-              </a:buClr>
-              <a:buFont typeface="Helvetica Neue Light"/>
-              <a:buChar char="•"/>
-            </a:pPr>
-            <a:r>
-              <a:rPr b="0" lang="en-GB" sz="3600" spc="-1" strike="noStrike">
-                <a:solidFill>
-                  <a:srgbClr val="000000"/>
-                </a:solidFill>
-                <a:latin typeface="Helvetica Neue Light"/>
-                <a:ea typeface="Helvetica Neue Light"/>
-              </a:rPr>
-              <a:t>In Remix, set the environment to: </a:t>
-            </a:r>
-            <a:r>
-              <a:rPr b="0" lang="en-GB" sz="3600" spc="-1" strike="noStrike">
-                <a:solidFill>
-                  <a:srgbClr val="942192"/>
-                </a:solidFill>
-                <a:latin typeface="Helvetica Neue Light"/>
-                <a:ea typeface="Helvetica Neue Light"/>
-              </a:rPr>
-              <a:t>Injected Web3</a:t>
-            </a:r>
-            <a:r>
-              <a:rPr b="0" lang="en-GB" sz="3600" spc="-1" strike="noStrike">
-                <a:solidFill>
-                  <a:srgbClr val="000000"/>
-                </a:solidFill>
-                <a:latin typeface="Helvetica Neue Light"/>
-                <a:ea typeface="Helvetica Neue Light"/>
-              </a:rPr>
-              <a:t>. </a:t>
-            </a:r>
-            <a:endParaRPr b="0" lang="en-GB" sz="3600" spc="-1" strike="noStrike">
-              <a:latin typeface="Arial"/>
-            </a:endParaRPr>
-          </a:p>
-        </p:txBody>
-      </p:sp>
-      <p:pic>
-        <p:nvPicPr>
-          <p:cNvPr id="125" name="Google Shape;146;p26" descr=""/>
-          <p:cNvPicPr/>
-          <p:nvPr/>
-        </p:nvPicPr>
-        <p:blipFill>
-          <a:blip r:embed="rId1"/>
-          <a:srcRect l="8291" t="0" r="0" b="35194"/>
-          <a:stretch/>
-        </p:blipFill>
-        <p:spPr>
-          <a:xfrm>
-            <a:off x="131760" y="5659560"/>
-            <a:ext cx="11925360" cy="3849480"/>
-          </a:xfrm>
-          <a:prstGeom prst="rect">
-            <a:avLst/>
-          </a:prstGeom>
-          <a:ln>
-            <a:noFill/>
-          </a:ln>
-        </p:spPr>
-      </p:pic>
-      <p:sp>
-        <p:nvSpPr>
-          <p:cNvPr id="126" name="CustomShape 3"/>
-          <p:cNvSpPr/>
-          <p:nvPr/>
-        </p:nvSpPr>
-        <p:spPr>
-          <a:xfrm>
-            <a:off x="8001000" y="5409360"/>
-            <a:ext cx="487080" cy="1635120"/>
-          </a:xfrm>
-          <a:custGeom>
-            <a:avLst/>
-            <a:gdLst/>
-            <a:ahLst/>
-            <a:rect l="l" t="t" r="r" b="b"/>
-            <a:pathLst>
-              <a:path w="21600" h="21600">
-                <a:moveTo>
-                  <a:pt x="0" y="0"/>
-                </a:moveTo>
-                <a:lnTo>
-                  <a:pt x="21600" y="21600"/>
-                </a:lnTo>
-              </a:path>
-            </a:pathLst>
-          </a:custGeom>
-          <a:noFill/>
-          <a:ln w="25560">
-            <a:solidFill>
-              <a:srgbClr val="000000"/>
-            </a:solidFill>
-            <a:miter/>
-            <a:tailEnd len="med" type="triangle" w="med"/>
-          </a:ln>
-        </p:spPr>
-        <p:style>
-          <a:lnRef idx="0"/>
-          <a:fillRef idx="0"/>
-          <a:effectRef idx="0"/>
-          <a:fontRef idx="minor"/>
-        </p:style>
+            <a:pPr algn="ctr">
+              <a:lnSpc>
+                <a:spcPct val="100000"/>
+              </a:lnSpc>
+            </a:pPr>
+            <a:r>
+              <a:rPr b="0" lang="en-GB" sz="4560" spc="-1" strike="noStrike">
+                <a:solidFill>
+                  <a:srgbClr val="000000"/>
+                </a:solidFill>
+                <a:latin typeface="Helvetica Neue Light"/>
+                <a:ea typeface="Helvetica Neue Light"/>
+              </a:rPr>
+              <a:t>Step 3: </a:t>
+            </a:r>
+            <a:br/>
+            <a:r>
+              <a:rPr b="0" lang="en-GB" sz="4560" spc="-1" strike="noStrike">
+                <a:solidFill>
+                  <a:srgbClr val="000000"/>
+                </a:solidFill>
+                <a:latin typeface="Helvetica Neue Light"/>
+                <a:ea typeface="Helvetica Neue Light"/>
+              </a:rPr>
+              <a:t>Getting familiar with Remix: </a:t>
+            </a:r>
+            <a:br/>
+            <a:r>
+              <a:rPr b="0" lang="en-GB" sz="4560" spc="-1" strike="noStrike">
+                <a:solidFill>
+                  <a:srgbClr val="000000"/>
+                </a:solidFill>
+                <a:latin typeface="Helvetica Neue Light"/>
+                <a:ea typeface="Helvetica Neue Light"/>
+              </a:rPr>
+              <a:t>Javascript VM environment</a:t>
+            </a:r>
+            <a:endParaRPr b="0" lang="en-GB" sz="4560" spc="-1" strike="noStrike">
+              <a:latin typeface="Arial"/>
+            </a:endParaRPr>
+          </a:p>
+        </p:txBody>
       </p:sp>
     </p:spTree>
   </p:cSld>
@@ -5705,14 +5617,14 @@
       </p:grpSpPr>
       <p:sp>
         <p:nvSpPr>
-          <p:cNvPr id="127" name="CustomShape 1"/>
+          <p:cNvPr id="133" name="CustomShape 1"/>
           <p:cNvSpPr/>
           <p:nvPr/>
         </p:nvSpPr>
         <p:spPr>
           <a:xfrm>
-            <a:off x="212040" y="2516040"/>
-            <a:ext cx="12740400" cy="3351600"/>
+            <a:off x="96120" y="3384000"/>
+            <a:ext cx="12647160" cy="5011920"/>
           </a:xfrm>
           <a:prstGeom prst="rect">
             <a:avLst/>
@@ -5731,13 +5643,10 @@
         <p:txBody>
           <a:bodyPr lIns="50760" rIns="50760" tIns="50760" bIns="50760" anchor="ctr"/>
           <a:p>
-            <a:pPr marL="444600" indent="-443520">
-              <a:lnSpc>
-                <a:spcPct val="100000"/>
-              </a:lnSpc>
-              <a:spcBef>
-                <a:spcPts val="4201"/>
-              </a:spcBef>
+            <a:pPr marL="444600" indent="-443160">
+              <a:lnSpc>
+                <a:spcPct val="100000"/>
+              </a:lnSpc>
               <a:buClr>
                 <a:srgbClr val="000000"/>
               </a:buClr>
@@ -5745,42 +5654,30 @@
               <a:buChar char="•"/>
             </a:pPr>
             <a:r>
-              <a:rPr b="0" lang="en-GB" sz="3600" spc="-1" strike="noStrike">
-                <a:solidFill>
-                  <a:srgbClr val="000000"/>
-                </a:solidFill>
-                <a:latin typeface="Helvetica Neue Light"/>
-                <a:ea typeface="Helvetica Neue Light"/>
-              </a:rPr>
-              <a:t>Click on </a:t>
-            </a:r>
-            <a:r>
-              <a:rPr b="0" lang="en-GB" sz="3600" spc="-1" strike="noStrike">
-                <a:solidFill>
-                  <a:srgbClr val="942192"/>
-                </a:solidFill>
-                <a:latin typeface="Helvetica Neue Light"/>
-                <a:ea typeface="Helvetica Neue Light"/>
-              </a:rPr>
-              <a:t>Deploy</a:t>
+              <a:rPr b="1" lang="en-GB" sz="3600" spc="-1" strike="noStrike">
+                <a:solidFill>
+                  <a:srgbClr val="000000"/>
+                </a:solidFill>
+                <a:latin typeface="Helvetica Neue Light"/>
+                <a:ea typeface="Helvetica Neue Light"/>
+              </a:rPr>
+              <a:t>Injected Web3</a:t>
             </a:r>
             <a:endParaRPr b="0" lang="en-GB" sz="3600" spc="-1" strike="noStrike">
               <a:latin typeface="Arial"/>
             </a:endParaRPr>
           </a:p>
           <a:p>
-            <a:pPr marL="444600" indent="-443520">
-              <a:lnSpc>
-                <a:spcPct val="100000"/>
-              </a:lnSpc>
-              <a:spcBef>
-                <a:spcPts val="4201"/>
-              </a:spcBef>
+            <a:pPr lvl="3" marL="864000" indent="-215280">
+              <a:lnSpc>
+                <a:spcPct val="100000"/>
+              </a:lnSpc>
               <a:buClr>
                 <a:srgbClr val="000000"/>
               </a:buClr>
-              <a:buFont typeface="Helvetica Neue Light"/>
-              <a:buChar char="•"/>
+              <a:buSzPct val="45000"/>
+              <a:buFont typeface="Wingdings" charset="2"/>
+              <a:buChar char=""/>
             </a:pPr>
             <a:r>
               <a:rPr b="0" lang="en-GB" sz="3600" spc="-1" strike="noStrike">
@@ -5790,17 +5687,44 @@
                 <a:latin typeface="Helvetica Neue Light"/>
                 <a:ea typeface="Helvetica Neue Light"/>
               </a:rPr>
-              <a:t>MetaMask will request your permission to send your contract to the blockchain - by clicking on </a:t>
-            </a:r>
+              <a:t>This environment has access to your Metamask</a:t>
+            </a:r>
+            <a:endParaRPr b="0" lang="en-GB" sz="3600" spc="-1" strike="noStrike">
+              <a:latin typeface="Arial"/>
+            </a:endParaRPr>
+          </a:p>
+          <a:p>
+            <a:pPr lvl="3" marL="864000" indent="-215280">
+              <a:lnSpc>
+                <a:spcPct val="100000"/>
+              </a:lnSpc>
+              <a:buClr>
+                <a:srgbClr val="000000"/>
+              </a:buClr>
+              <a:buSzPct val="45000"/>
+              <a:buFont typeface="Wingdings" charset="2"/>
+              <a:buChar char=""/>
+            </a:pPr>
             <a:r>
               <a:rPr b="0" lang="en-GB" sz="3600" spc="-1" strike="noStrike">
                 <a:solidFill>
-                  <a:srgbClr val="942192"/>
-                </a:solidFill>
-                <a:latin typeface="Helvetica Neue Light"/>
-                <a:ea typeface="Helvetica Neue Light"/>
-              </a:rPr>
-              <a:t>submit</a:t>
+                  <a:srgbClr val="000000"/>
+                </a:solidFill>
+                <a:latin typeface="Helvetica Neue Light"/>
+                <a:ea typeface="Helvetica Neue Light"/>
+              </a:rPr>
+              <a:t>It </a:t>
+            </a:r>
+            <a:r>
+              <a:rPr b="0" lang="en-GB" sz="3600" spc="-1" strike="noStrike" u="sng">
+                <a:solidFill>
+                  <a:srgbClr val="000000"/>
+                </a:solidFill>
+                <a:uFillTx/>
+                <a:latin typeface="Helvetica Neue Light"/>
+                <a:ea typeface="Helvetica Neue Light"/>
+              </a:rPr>
+              <a:t>connects to the network</a:t>
             </a:r>
             <a:r>
               <a:rPr b="0" lang="en-GB" sz="3600" spc="-1" strike="noStrike">
@@ -5810,72 +5734,78 @@
                 <a:latin typeface="Helvetica Neue Light"/>
                 <a:ea typeface="Helvetica Neue Light"/>
               </a:rPr>
-              <a:t>, you publish your contract (and pay the fee) </a:t>
+              <a:t> to which Metamask is connected and </a:t>
+            </a:r>
+            <a:r>
+              <a:rPr b="0" lang="en-GB" sz="3600" spc="-1" strike="noStrike" u="sng">
+                <a:solidFill>
+                  <a:srgbClr val="000000"/>
+                </a:solidFill>
+                <a:uFillTx/>
+                <a:latin typeface="Helvetica Neue Light"/>
+                <a:ea typeface="Helvetica Neue Light"/>
+              </a:rPr>
+              <a:t>uses the funds</a:t>
+            </a:r>
+            <a:r>
+              <a:rPr b="0" lang="en-GB" sz="3600" spc="-1" strike="noStrike">
+                <a:solidFill>
+                  <a:srgbClr val="000000"/>
+                </a:solidFill>
+                <a:latin typeface="Helvetica Neue Light"/>
+                <a:ea typeface="Helvetica Neue Light"/>
+              </a:rPr>
+              <a:t> of your wallet</a:t>
             </a:r>
             <a:endParaRPr b="0" lang="en-GB" sz="3600" spc="-1" strike="noStrike">
               <a:latin typeface="Arial"/>
             </a:endParaRPr>
           </a:p>
-        </p:txBody>
-      </p:sp>
-      <p:pic>
-        <p:nvPicPr>
-          <p:cNvPr id="128" name="Google Shape;153;p27" descr=""/>
-          <p:cNvPicPr/>
+          <a:p>
+            <a:pPr lvl="3" marL="864000" indent="-215280">
+              <a:lnSpc>
+                <a:spcPct val="100000"/>
+              </a:lnSpc>
+              <a:buClr>
+                <a:srgbClr val="000000"/>
+              </a:buClr>
+              <a:buSzPct val="45000"/>
+              <a:buFont typeface="Wingdings" charset="2"/>
+              <a:buChar char=""/>
+            </a:pPr>
+            <a:r>
+              <a:rPr b="0" lang="en-GB" sz="3600" spc="-1" strike="noStrike">
+                <a:solidFill>
+                  <a:srgbClr val="000000"/>
+                </a:solidFill>
+                <a:latin typeface="Helvetica Neue Light"/>
+                <a:ea typeface="Helvetica Neue Light"/>
+              </a:rPr>
+              <a:t>Every time you try to use a contract, Metamask will request permission before completing the operation – this is because an actual transaction is posted and the actual funds in your wallet are used</a:t>
+            </a:r>
+            <a:endParaRPr b="0" lang="en-GB" sz="3600" spc="-1" strike="noStrike">
+              <a:latin typeface="Arial"/>
+            </a:endParaRPr>
+          </a:p>
+        </p:txBody>
+      </p:sp>
+      <p:sp>
+        <p:nvSpPr>
+          <p:cNvPr id="134" name="CustomShape 2"/>
+          <p:cNvSpPr/>
           <p:nvPr/>
-        </p:nvPicPr>
-        <p:blipFill>
-          <a:blip r:embed="rId1"/>
-          <a:srcRect l="0" t="0" r="0" b="26734"/>
-          <a:stretch/>
-        </p:blipFill>
-        <p:spPr>
-          <a:xfrm>
-            <a:off x="1790640" y="5786280"/>
-            <a:ext cx="9997920" cy="3831840"/>
-          </a:xfrm>
-          <a:prstGeom prst="rect">
-            <a:avLst/>
-          </a:prstGeom>
+        </p:nvSpPr>
+        <p:spPr>
+          <a:xfrm>
+            <a:off x="952560" y="444600"/>
+            <a:ext cx="11098440" cy="2157480"/>
+          </a:xfrm>
+          <a:prstGeom prst="rect">
+            <a:avLst/>
+          </a:prstGeom>
+          <a:noFill/>
           <a:ln>
             <a:noFill/>
-          </a:ln>
-        </p:spPr>
-      </p:pic>
-      <p:sp>
-        <p:nvSpPr>
-          <p:cNvPr id="129" name="CustomShape 2"/>
-          <p:cNvSpPr/>
-          <p:nvPr/>
-        </p:nvSpPr>
-        <p:spPr>
-          <a:xfrm flipH="1">
-            <a:off x="3394800" y="5040000"/>
-            <a:ext cx="7764120" cy="3327480"/>
-          </a:xfrm>
-          <a:custGeom>
-            <a:avLst/>
-            <a:gdLst/>
-            <a:ahLst/>
-            <a:rect l="l" t="t" r="r" b="b"/>
-            <a:pathLst>
-              <a:path w="21600" h="21600">
-                <a:moveTo>
-                  <a:pt x="0" y="0"/>
-                </a:moveTo>
-                <a:lnTo>
-                  <a:pt x="21600" y="21600"/>
-                </a:lnTo>
-              </a:path>
-            </a:pathLst>
-          </a:custGeom>
-          <a:noFill/>
-          <a:ln w="25560">
-            <a:solidFill>
-              <a:srgbClr val="000000"/>
-            </a:solidFill>
-            <a:miter/>
-            <a:tailEnd len="med" type="triangle" w="med"/>
           </a:ln>
         </p:spPr>
         <p:style>
@@ -5884,32 +5814,6 @@
           <a:effectRef idx="0"/>
           <a:fontRef idx="minor"/>
         </p:style>
-      </p:sp>
-      <p:sp>
-        <p:nvSpPr>
-          <p:cNvPr id="130" name="CustomShape 3"/>
-          <p:cNvSpPr/>
-          <p:nvPr/>
-        </p:nvSpPr>
-        <p:spPr>
-          <a:xfrm>
-            <a:off x="952560" y="444600"/>
-            <a:ext cx="11098800" cy="2157840"/>
-          </a:xfrm>
-          <a:prstGeom prst="rect">
-            <a:avLst/>
-          </a:prstGeom>
-          <a:noFill/>
-          <a:ln>
-            <a:noFill/>
-          </a:ln>
-        </p:spPr>
-        <p:style>
-          <a:lnRef idx="0"/>
-          <a:fillRef idx="0"/>
-          <a:effectRef idx="0"/>
-          <a:fontRef idx="minor"/>
-        </p:style>
         <p:txBody>
           <a:bodyPr lIns="50760" rIns="50760" tIns="50760" bIns="50760" anchor="ctr"/>
           <a:p>
@@ -5919,56 +5823,38 @@
               </a:lnSpc>
             </a:pPr>
             <a:r>
-              <a:rPr b="0" lang="en-GB" sz="4200" spc="-1" strike="noStrike">
-                <a:solidFill>
-                  <a:srgbClr val="000000"/>
-                </a:solidFill>
-                <a:latin typeface="Helvetica Neue Light"/>
-                <a:ea typeface="Helvetica Neue Light"/>
-              </a:rPr>
-              <a:t>Step 4.2:</a:t>
-            </a:r>
-            <a:endParaRPr b="0" lang="en-GB" sz="4200" spc="-1" strike="noStrike">
-              <a:latin typeface="Arial"/>
-            </a:endParaRPr>
-          </a:p>
-          <a:p>
-            <a:pPr algn="ctr">
-              <a:lnSpc>
-                <a:spcPct val="100000"/>
-              </a:lnSpc>
-            </a:pPr>
-            <a:r>
-              <a:rPr b="0" lang="en-GB" sz="4200" spc="-1" strike="noStrike">
-                <a:solidFill>
-                  <a:srgbClr val="000000"/>
-                </a:solidFill>
-                <a:latin typeface="Helvetica Neue Light"/>
-                <a:ea typeface="Helvetica Neue Light"/>
-              </a:rPr>
-              <a:t>Deploying Smart Contract to the Private Chain</a:t>
-            </a:r>
-            <a:endParaRPr b="0" lang="en-GB" sz="4200" spc="-1" strike="noStrike">
-              <a:latin typeface="Arial"/>
-            </a:endParaRPr>
-          </a:p>
-          <a:p>
-            <a:pPr algn="ctr">
-              <a:lnSpc>
-                <a:spcPct val="100000"/>
-              </a:lnSpc>
-            </a:pPr>
-            <a:r>
-              <a:rPr b="0" lang="en-GB" sz="2800" spc="-1" strike="noStrike">
-                <a:solidFill>
-                  <a:srgbClr val="000000"/>
-                </a:solidFill>
-                <a:latin typeface="Helvetica Neue Light"/>
-                <a:ea typeface="Helvetica Neue Light"/>
-              </a:rPr>
-              <a:t>Deploying a Contract to the Blockchain</a:t>
-            </a:r>
-            <a:endParaRPr b="0" lang="en-GB" sz="2800" spc="-1" strike="noStrike">
+              <a:rPr b="0" lang="en-GB" sz="4560" spc="-1" strike="noStrike">
+                <a:solidFill>
+                  <a:srgbClr val="000000"/>
+                </a:solidFill>
+                <a:latin typeface="Helvetica Neue Light"/>
+                <a:ea typeface="Helvetica Neue Light"/>
+              </a:rPr>
+              <a:t>Step 3: </a:t>
+            </a:r>
+            <a:br/>
+            <a:r>
+              <a:rPr b="0" lang="en-GB" sz="4560" spc="-1" strike="noStrike">
+                <a:solidFill>
+                  <a:srgbClr val="000000"/>
+                </a:solidFill>
+                <a:latin typeface="Helvetica Neue Light"/>
+                <a:ea typeface="Helvetica Neue Light"/>
+              </a:rPr>
+              <a:t>Getting familiar with Remix: </a:t>
+            </a:r>
+            <a:br/>
+            <a:r>
+              <a:rPr b="0" lang="en-GB" sz="4560" spc="-1" strike="noStrike">
+                <a:solidFill>
+                  <a:srgbClr val="000000"/>
+                </a:solidFill>
+                <a:latin typeface="Helvetica Neue Light"/>
+                <a:ea typeface="Helvetica Neue Light"/>
+              </a:rPr>
+              <a:t>Injected Web3 environment</a:t>
+            </a:r>
+            <a:endParaRPr b="0" lang="en-GB" sz="4560" spc="-1" strike="noStrike">
               <a:latin typeface="Arial"/>
             </a:endParaRPr>
           </a:p>
@@ -6025,19 +5911,18 @@
       </p:grpSpPr>
       <p:pic>
         <p:nvPicPr>
-          <p:cNvPr id="131" name="Google Shape;160;p28" descr=""/>
+          <p:cNvPr id="135" name="" descr=""/>
           <p:cNvPicPr/>
           <p:nvPr/>
         </p:nvPicPr>
         <p:blipFill>
           <a:blip r:embed="rId1"/>
-          <a:srcRect l="55659" t="12383" r="1961" b="27823"/>
           <a:stretch/>
         </p:blipFill>
         <p:spPr>
           <a:xfrm>
-            <a:off x="7189920" y="2822040"/>
-            <a:ext cx="5489640" cy="6199200"/>
+            <a:off x="4752000" y="5616000"/>
+            <a:ext cx="5419440" cy="3685680"/>
           </a:xfrm>
           <a:prstGeom prst="rect">
             <a:avLst/>
@@ -6049,14 +5934,124 @@
       </p:pic>
       <p:sp>
         <p:nvSpPr>
-          <p:cNvPr id="132" name="CustomShape 1"/>
+          <p:cNvPr id="136" name="CustomShape 1"/>
           <p:cNvSpPr/>
           <p:nvPr/>
         </p:nvSpPr>
         <p:spPr>
           <a:xfrm>
-            <a:off x="4392000" y="5472000"/>
-            <a:ext cx="6856200" cy="1524960"/>
+            <a:off x="212040" y="2632320"/>
+            <a:ext cx="12579120" cy="3897360"/>
+          </a:xfrm>
+          <a:prstGeom prst="rect">
+            <a:avLst/>
+          </a:prstGeom>
+          <a:noFill/>
+          <a:ln>
+            <a:noFill/>
+          </a:ln>
+        </p:spPr>
+        <p:style>
+          <a:lnRef idx="0"/>
+          <a:fillRef idx="0"/>
+          <a:effectRef idx="0"/>
+          <a:fontRef idx="minor"/>
+        </p:style>
+        <p:txBody>
+          <a:bodyPr lIns="50760" rIns="50760" tIns="50760" bIns="50760" anchor="ctr"/>
+          <a:p>
+            <a:pPr marL="444600" indent="-443160">
+              <a:lnSpc>
+                <a:spcPct val="100000"/>
+              </a:lnSpc>
+              <a:buClr>
+                <a:srgbClr val="000000"/>
+              </a:buClr>
+              <a:buFont typeface="Helvetica Neue Light"/>
+              <a:buChar char="•"/>
+            </a:pPr>
+            <a:r>
+              <a:rPr b="0" lang="en-GB" sz="3600" spc="-1" strike="noStrike">
+                <a:solidFill>
+                  <a:srgbClr val="000000"/>
+                </a:solidFill>
+                <a:latin typeface="Helvetica Neue Light"/>
+                <a:ea typeface="Helvetica Neue Light"/>
+              </a:rPr>
+              <a:t>To test your smart contract, click on </a:t>
+            </a:r>
+            <a:r>
+              <a:rPr b="0" lang="en-GB" sz="3600" spc="-1" strike="noStrike">
+                <a:solidFill>
+                  <a:srgbClr val="942192"/>
+                </a:solidFill>
+                <a:latin typeface="Helvetica Neue Light"/>
+                <a:ea typeface="Helvetica Neue Light"/>
+              </a:rPr>
+              <a:t>Deploy</a:t>
+            </a:r>
+            <a:endParaRPr b="0" lang="en-GB" sz="3600" spc="-1" strike="noStrike">
+              <a:latin typeface="Arial"/>
+            </a:endParaRPr>
+          </a:p>
+          <a:p>
+            <a:pPr marL="444600" indent="-443160">
+              <a:lnSpc>
+                <a:spcPct val="100000"/>
+              </a:lnSpc>
+              <a:buClr>
+                <a:srgbClr val="000000"/>
+              </a:buClr>
+              <a:buFont typeface="Helvetica Neue Light"/>
+              <a:buChar char="•"/>
+            </a:pPr>
+            <a:r>
+              <a:rPr b="0" lang="en-GB" sz="3600" spc="-1" strike="noStrike">
+                <a:solidFill>
+                  <a:srgbClr val="000000"/>
+                </a:solidFill>
+                <a:latin typeface="Helvetica Neue Light"/>
+                <a:ea typeface="Helvetica Neue Light"/>
+              </a:rPr>
+              <a:t>Remix creates a </a:t>
+            </a:r>
+            <a:r>
+              <a:rPr b="0" lang="en-GB" sz="3600" spc="-1" strike="noStrike" u="sng">
+                <a:solidFill>
+                  <a:srgbClr val="000000"/>
+                </a:solidFill>
+                <a:uFillTx/>
+                <a:latin typeface="Helvetica Neue Light"/>
+                <a:ea typeface="Helvetica Neue Light"/>
+              </a:rPr>
+              <a:t>user interface</a:t>
+            </a:r>
+            <a:r>
+              <a:rPr b="0" lang="en-GB" sz="3600" spc="-1" strike="noStrike">
+                <a:solidFill>
+                  <a:srgbClr val="000000"/>
+                </a:solidFill>
+                <a:latin typeface="Helvetica Neue Light"/>
+                <a:ea typeface="Helvetica Neue Light"/>
+              </a:rPr>
+              <a:t> to interact with the contract </a:t>
+            </a:r>
+            <a:endParaRPr b="0" lang="en-GB" sz="3600" spc="-1" strike="noStrike">
+              <a:latin typeface="Arial"/>
+            </a:endParaRPr>
+          </a:p>
+        </p:txBody>
+      </p:sp>
+      <p:sp>
+        <p:nvSpPr>
+          <p:cNvPr id="137" name="CustomShape 2"/>
+          <p:cNvSpPr/>
+          <p:nvPr/>
+        </p:nvSpPr>
+        <p:spPr>
+          <a:xfrm flipH="1">
+            <a:off x="6120000" y="4248000"/>
+            <a:ext cx="4248000" cy="4464000"/>
           </a:xfrm>
           <a:custGeom>
             <a:avLst/>
@@ -6092,14 +6087,14 @@
       </p:sp>
       <p:sp>
         <p:nvSpPr>
-          <p:cNvPr id="133" name="CustomShape 2"/>
+          <p:cNvPr id="138" name="CustomShape 3"/>
           <p:cNvSpPr/>
           <p:nvPr/>
         </p:nvSpPr>
         <p:spPr>
           <a:xfrm>
-            <a:off x="372600" y="3321360"/>
-            <a:ext cx="6868800" cy="2919960"/>
+            <a:off x="952560" y="444600"/>
+            <a:ext cx="11098440" cy="2157480"/>
           </a:xfrm>
           <a:prstGeom prst="rect">
             <a:avLst/>
@@ -6118,223 +6113,44 @@
         <p:txBody>
           <a:bodyPr lIns="50760" rIns="50760" tIns="50760" bIns="50760" anchor="ctr"/>
           <a:p>
-            <a:pPr marL="444600" indent="-443520">
-              <a:lnSpc>
-                <a:spcPct val="100000"/>
-              </a:lnSpc>
-              <a:spcBef>
-                <a:spcPts val="4201"/>
-              </a:spcBef>
-              <a:buClr>
-                <a:srgbClr val="000000"/>
-              </a:buClr>
-              <a:buFont typeface="Helvetica Neue Light"/>
-              <a:buChar char="•"/>
-            </a:pPr>
-            <a:r>
-              <a:rPr b="0" lang="en-GB" sz="3000" spc="-1" strike="noStrike">
-                <a:solidFill>
-                  <a:srgbClr val="000000"/>
-                </a:solidFill>
-                <a:latin typeface="Helvetica Neue Light"/>
-                <a:ea typeface="Helvetica Neue Light"/>
-              </a:rPr>
-              <a:t>When, your contract is successfully submitted &amp; deployed, Remix provides the contract’s </a:t>
-            </a:r>
-            <a:r>
-              <a:rPr b="0" lang="en-GB" sz="3000" spc="-1" strike="noStrike">
-                <a:solidFill>
-                  <a:srgbClr val="942192"/>
-                </a:solidFill>
-                <a:latin typeface="Helvetica Neue Light"/>
-                <a:ea typeface="Helvetica Neue Light"/>
-              </a:rPr>
-              <a:t>address</a:t>
-            </a:r>
-            <a:endParaRPr b="0" lang="en-GB" sz="3000" spc="-1" strike="noStrike">
-              <a:latin typeface="Arial"/>
-            </a:endParaRPr>
-          </a:p>
-        </p:txBody>
-      </p:sp>
-      <p:sp>
-        <p:nvSpPr>
-          <p:cNvPr id="134" name="CustomShape 3"/>
-          <p:cNvSpPr/>
-          <p:nvPr/>
-        </p:nvSpPr>
-        <p:spPr>
-          <a:xfrm>
-            <a:off x="203040" y="6320160"/>
-            <a:ext cx="6868800" cy="1472040"/>
-          </a:xfrm>
-          <a:prstGeom prst="rect">
-            <a:avLst/>
-          </a:prstGeom>
-          <a:noFill/>
-          <a:ln>
-            <a:noFill/>
-          </a:ln>
-        </p:spPr>
-        <p:style>
-          <a:lnRef idx="0"/>
-          <a:fillRef idx="0"/>
-          <a:effectRef idx="0"/>
-          <a:fontRef idx="minor"/>
-        </p:style>
-        <p:txBody>
-          <a:bodyPr lIns="50760" rIns="50760" tIns="50760" bIns="50760" anchor="ctr"/>
-          <a:p>
-            <a:pPr marL="444600" indent="-443520">
-              <a:lnSpc>
-                <a:spcPct val="100000"/>
-              </a:lnSpc>
-              <a:buClr>
-                <a:srgbClr val="000000"/>
-              </a:buClr>
-              <a:buFont typeface="Helvetica Neue Light"/>
-              <a:buChar char="•"/>
-            </a:pPr>
-            <a:r>
-              <a:rPr b="0" lang="en-GB" sz="3000" spc="-1" strike="noStrike">
-                <a:solidFill>
-                  <a:srgbClr val="000000"/>
-                </a:solidFill>
-                <a:latin typeface="Helvetica Neue Light"/>
-                <a:ea typeface="Helvetica Neue Light"/>
-              </a:rPr>
-              <a:t>You need the </a:t>
-            </a:r>
-            <a:r>
-              <a:rPr b="0" lang="en-GB" sz="3000" spc="-1" strike="noStrike">
-                <a:solidFill>
-                  <a:srgbClr val="942192"/>
-                </a:solidFill>
-                <a:latin typeface="Helvetica Neue Light"/>
-                <a:ea typeface="Helvetica Neue Light"/>
-              </a:rPr>
-              <a:t>contract’s code</a:t>
-            </a:r>
-            <a:r>
-              <a:rPr b="0" lang="en-GB" sz="3000" spc="-1" strike="noStrike">
-                <a:solidFill>
-                  <a:srgbClr val="000000"/>
-                </a:solidFill>
-                <a:latin typeface="Helvetica Neue Light"/>
-                <a:ea typeface="Helvetica Neue Light"/>
-              </a:rPr>
-              <a:t> and the </a:t>
-            </a:r>
-            <a:r>
-              <a:rPr b="0" lang="en-GB" sz="3000" spc="-1" strike="noStrike">
-                <a:solidFill>
-                  <a:srgbClr val="942192"/>
-                </a:solidFill>
-                <a:latin typeface="Helvetica Neue Light"/>
-                <a:ea typeface="Helvetica Neue Light"/>
-              </a:rPr>
-              <a:t>address</a:t>
-            </a:r>
-            <a:r>
-              <a:rPr b="0" lang="en-GB" sz="3000" spc="-1" strike="noStrike">
-                <a:solidFill>
-                  <a:srgbClr val="000000"/>
-                </a:solidFill>
-                <a:latin typeface="Helvetica Neue Light"/>
-                <a:ea typeface="Helvetica Neue Light"/>
-              </a:rPr>
-              <a:t> next time you want to interact with your deployed contract.</a:t>
-            </a:r>
-            <a:endParaRPr b="0" lang="en-GB" sz="3000" spc="-1" strike="noStrike">
-              <a:latin typeface="Arial"/>
-            </a:endParaRPr>
-          </a:p>
-        </p:txBody>
-      </p:sp>
-      <p:sp>
-        <p:nvSpPr>
-          <p:cNvPr id="135" name="CustomShape 4"/>
-          <p:cNvSpPr/>
-          <p:nvPr/>
-        </p:nvSpPr>
-        <p:spPr>
-          <a:xfrm>
-            <a:off x="952560" y="444600"/>
-            <a:ext cx="11098800" cy="2157840"/>
-          </a:xfrm>
-          <a:prstGeom prst="rect">
-            <a:avLst/>
-          </a:prstGeom>
-          <a:noFill/>
-          <a:ln>
-            <a:noFill/>
-          </a:ln>
-        </p:spPr>
-        <p:style>
-          <a:lnRef idx="0"/>
-          <a:fillRef idx="0"/>
-          <a:effectRef idx="0"/>
-          <a:fontRef idx="minor"/>
-        </p:style>
-        <p:txBody>
-          <a:bodyPr lIns="50760" rIns="50760" tIns="50760" bIns="50760" anchor="ctr"/>
-          <a:p>
             <a:pPr algn="ctr">
               <a:lnSpc>
                 <a:spcPct val="100000"/>
               </a:lnSpc>
             </a:pPr>
             <a:r>
-              <a:rPr b="0" lang="en-GB" sz="4200" spc="-1" strike="noStrike">
-                <a:solidFill>
-                  <a:srgbClr val="000000"/>
-                </a:solidFill>
-                <a:latin typeface="Helvetica Neue Light"/>
-                <a:ea typeface="Helvetica Neue Light"/>
-              </a:rPr>
-              <a:t>Step 4.3:</a:t>
-            </a:r>
-            <a:endParaRPr b="0" lang="en-GB" sz="4200" spc="-1" strike="noStrike">
-              <a:latin typeface="Arial"/>
-            </a:endParaRPr>
-          </a:p>
-          <a:p>
-            <a:pPr algn="ctr">
-              <a:lnSpc>
-                <a:spcPct val="100000"/>
-              </a:lnSpc>
-            </a:pPr>
-            <a:r>
-              <a:rPr b="0" lang="en-GB" sz="4200" spc="-1" strike="noStrike">
-                <a:solidFill>
-                  <a:srgbClr val="000000"/>
-                </a:solidFill>
-                <a:latin typeface="Helvetica Neue Light"/>
-                <a:ea typeface="Helvetica Neue Light"/>
-              </a:rPr>
-              <a:t>Deploying Smart Contract to the Private Chain</a:t>
-            </a:r>
-            <a:endParaRPr b="0" lang="en-GB" sz="4200" spc="-1" strike="noStrike">
-              <a:latin typeface="Arial"/>
-            </a:endParaRPr>
-          </a:p>
-          <a:p>
-            <a:pPr algn="ctr">
-              <a:lnSpc>
-                <a:spcPct val="100000"/>
-              </a:lnSpc>
-            </a:pPr>
-            <a:r>
-              <a:rPr b="0" lang="en-GB" sz="2800" spc="-1" strike="noStrike">
-                <a:solidFill>
-                  <a:srgbClr val="000000"/>
-                </a:solidFill>
-                <a:latin typeface="Helvetica Neue Light"/>
-                <a:ea typeface="Helvetica Neue Light"/>
-              </a:rPr>
-              <a:t>Saving the Deployed Contract's Address</a:t>
-            </a:r>
-            <a:endParaRPr b="0" lang="en-GB" sz="2800" spc="-1" strike="noStrike">
+              <a:rPr b="0" lang="en-GB" sz="4560" spc="-1" strike="noStrike">
+                <a:solidFill>
+                  <a:srgbClr val="000000"/>
+                </a:solidFill>
+                <a:latin typeface="Helvetica Neue Light"/>
+                <a:ea typeface="Helvetica Neue Light"/>
+              </a:rPr>
+              <a:t>Step 3: </a:t>
+            </a:r>
+            <a:br/>
+            <a:r>
+              <a:rPr b="0" lang="en-GB" sz="4560" spc="-1" strike="noStrike">
+                <a:solidFill>
+                  <a:srgbClr val="000000"/>
+                </a:solidFill>
+                <a:latin typeface="Helvetica Neue Light"/>
+                <a:ea typeface="Helvetica Neue Light"/>
+              </a:rPr>
+              <a:t>Getting familiar with Remix Ethereum: </a:t>
+            </a:r>
+            <a:br/>
+            <a:r>
+              <a:rPr b="0" lang="en-GB" sz="4560" spc="-1" strike="noStrike">
+                <a:solidFill>
+                  <a:srgbClr val="000000"/>
+                </a:solidFill>
+                <a:latin typeface="Helvetica Neue Light"/>
+                <a:ea typeface="Helvetica Neue Light"/>
+              </a:rPr>
+              <a:t>Online Solidity Compiler </a:t>
+            </a:r>
+            <a:endParaRPr b="0" lang="en-GB" sz="4560" spc="-1" strike="noStrike">
               <a:latin typeface="Arial"/>
             </a:endParaRPr>
           </a:p>
@@ -6389,21 +6205,190 @@
           <a:chExt cx="0" cy="0"/>
         </a:xfrm>
       </p:grpSpPr>
+      <p:sp>
+        <p:nvSpPr>
+          <p:cNvPr id="139" name="CustomShape 1"/>
+          <p:cNvSpPr/>
+          <p:nvPr/>
+        </p:nvSpPr>
+        <p:spPr>
+          <a:xfrm>
+            <a:off x="952560" y="444600"/>
+            <a:ext cx="11098440" cy="2157480"/>
+          </a:xfrm>
+          <a:prstGeom prst="rect">
+            <a:avLst/>
+          </a:prstGeom>
+          <a:noFill/>
+          <a:ln>
+            <a:noFill/>
+          </a:ln>
+        </p:spPr>
+        <p:style>
+          <a:lnRef idx="0"/>
+          <a:fillRef idx="0"/>
+          <a:effectRef idx="0"/>
+          <a:fontRef idx="minor"/>
+        </p:style>
+        <p:txBody>
+          <a:bodyPr lIns="50760" rIns="50760" tIns="50760" bIns="50760" anchor="ctr"/>
+          <a:p>
+            <a:pPr algn="ctr">
+              <a:lnSpc>
+                <a:spcPct val="100000"/>
+              </a:lnSpc>
+            </a:pPr>
+            <a:r>
+              <a:rPr b="0" lang="en-GB" sz="4200" spc="-1" strike="noStrike">
+                <a:solidFill>
+                  <a:srgbClr val="000000"/>
+                </a:solidFill>
+                <a:latin typeface="Helvetica Neue Light"/>
+                <a:ea typeface="Helvetica Neue Light"/>
+              </a:rPr>
+              <a:t>Step 4.1:</a:t>
+            </a:r>
+            <a:br/>
+            <a:r>
+              <a:rPr b="0" lang="en-GB" sz="4200" spc="-1" strike="noStrike">
+                <a:solidFill>
+                  <a:srgbClr val="000000"/>
+                </a:solidFill>
+                <a:latin typeface="Helvetica Neue Light"/>
+                <a:ea typeface="Helvetica Neue Light"/>
+              </a:rPr>
+              <a:t>Deploying Smart Contract to the Private Chain</a:t>
+            </a:r>
+            <a:br/>
+            <a:r>
+              <a:rPr b="0" lang="en-GB" sz="2800" spc="-1" strike="noStrike">
+                <a:solidFill>
+                  <a:srgbClr val="000000"/>
+                </a:solidFill>
+                <a:latin typeface="Helvetica Neue Light"/>
+                <a:ea typeface="Helvetica Neue Light"/>
+              </a:rPr>
+              <a:t>Configurations</a:t>
+            </a:r>
+            <a:endParaRPr b="0" lang="en-GB" sz="2800" spc="-1" strike="noStrike">
+              <a:latin typeface="Arial"/>
+            </a:endParaRPr>
+          </a:p>
+        </p:txBody>
+      </p:sp>
+      <p:sp>
+        <p:nvSpPr>
+          <p:cNvPr id="140" name="CustomShape 2"/>
+          <p:cNvSpPr/>
+          <p:nvPr/>
+        </p:nvSpPr>
+        <p:spPr>
+          <a:xfrm>
+            <a:off x="212040" y="2793600"/>
+            <a:ext cx="12740040" cy="3351240"/>
+          </a:xfrm>
+          <a:prstGeom prst="rect">
+            <a:avLst/>
+          </a:prstGeom>
+          <a:noFill/>
+          <a:ln>
+            <a:noFill/>
+          </a:ln>
+        </p:spPr>
+        <p:style>
+          <a:lnRef idx="0"/>
+          <a:fillRef idx="0"/>
+          <a:effectRef idx="0"/>
+          <a:fontRef idx="minor"/>
+        </p:style>
+        <p:txBody>
+          <a:bodyPr lIns="50760" rIns="50760" tIns="50760" bIns="50760" anchor="ctr"/>
+          <a:p>
+            <a:pPr marL="444600" indent="-443160">
+              <a:lnSpc>
+                <a:spcPct val="100000"/>
+              </a:lnSpc>
+              <a:buClr>
+                <a:srgbClr val="000000"/>
+              </a:buClr>
+              <a:buFont typeface="Helvetica Neue Light"/>
+              <a:buChar char="•"/>
+            </a:pPr>
+            <a:r>
+              <a:rPr b="0" lang="en-GB" sz="3600" spc="-1" strike="noStrike">
+                <a:solidFill>
+                  <a:srgbClr val="000000"/>
+                </a:solidFill>
+                <a:latin typeface="Helvetica Neue Light"/>
+                <a:ea typeface="Helvetica Neue Light"/>
+              </a:rPr>
+              <a:t>First, you need to allow Remix to connect to Metamask </a:t>
+            </a:r>
+            <a:endParaRPr b="0" lang="en-GB" sz="3600" spc="-1" strike="noStrike">
+              <a:latin typeface="Arial"/>
+            </a:endParaRPr>
+          </a:p>
+          <a:p>
+            <a:pPr marL="444600" indent="-443160">
+              <a:lnSpc>
+                <a:spcPct val="100000"/>
+              </a:lnSpc>
+              <a:buClr>
+                <a:srgbClr val="000000"/>
+              </a:buClr>
+              <a:buFont typeface="Helvetica Neue Light"/>
+              <a:buChar char="•"/>
+            </a:pPr>
+            <a:r>
+              <a:rPr b="0" lang="en-GB" sz="3600" spc="-1" strike="noStrike">
+                <a:solidFill>
+                  <a:srgbClr val="000000"/>
+                </a:solidFill>
+                <a:latin typeface="Helvetica Neue Light"/>
+                <a:ea typeface="Helvetica Neue Light"/>
+              </a:rPr>
+              <a:t>In Remix, set the environment to </a:t>
+            </a:r>
+            <a:r>
+              <a:rPr b="0" lang="en-GB" sz="3600" spc="-1" strike="noStrike">
+                <a:solidFill>
+                  <a:srgbClr val="942192"/>
+                </a:solidFill>
+                <a:latin typeface="Helvetica Neue Light"/>
+                <a:ea typeface="Helvetica Neue Light"/>
+              </a:rPr>
+              <a:t>Injected Web3</a:t>
+            </a:r>
+            <a:r>
+              <a:rPr b="0" lang="en-GB" sz="3600" spc="-1" strike="noStrike">
+                <a:solidFill>
+                  <a:srgbClr val="000000"/>
+                </a:solidFill>
+                <a:latin typeface="Helvetica Neue Light"/>
+                <a:ea typeface="Helvetica Neue Light"/>
+              </a:rPr>
+              <a:t>. </a:t>
+            </a:r>
+            <a:endParaRPr b="0" lang="en-GB" sz="3600" spc="-1" strike="noStrike">
+              <a:latin typeface="Arial"/>
+            </a:endParaRPr>
+          </a:p>
+        </p:txBody>
+      </p:sp>
       <p:pic>
         <p:nvPicPr>
-          <p:cNvPr id="136" name="Google Shape;169;p29" descr=""/>
+          <p:cNvPr id="141" name="" descr=""/>
           <p:cNvPicPr/>
           <p:nvPr/>
         </p:nvPicPr>
         <p:blipFill>
           <a:blip r:embed="rId1"/>
-          <a:srcRect l="7751" t="12383" r="1961" b="27823"/>
           <a:stretch/>
         </p:blipFill>
         <p:spPr>
           <a:xfrm>
-            <a:off x="3862800" y="4740840"/>
-            <a:ext cx="9087120" cy="4813200"/>
+            <a:off x="4248000" y="5472000"/>
+            <a:ext cx="7732800" cy="4190040"/>
           </a:xfrm>
           <a:prstGeom prst="rect">
             <a:avLst/>
@@ -6415,14 +6400,14 @@
       </p:pic>
       <p:sp>
         <p:nvSpPr>
-          <p:cNvPr id="137" name="CustomShape 1"/>
+          <p:cNvPr id="142" name="CustomShape 3"/>
           <p:cNvSpPr/>
           <p:nvPr/>
         </p:nvSpPr>
         <p:spPr>
-          <a:xfrm flipH="1" rot="10800000">
-            <a:off x="6072480" y="6622920"/>
-            <a:ext cx="1104840" cy="215280"/>
+          <a:xfrm flipH="1">
+            <a:off x="7632000" y="5255280"/>
+            <a:ext cx="2088000" cy="2952360"/>
           </a:xfrm>
           <a:custGeom>
             <a:avLst/>
@@ -6455,389 +6440,6 @@
           <a:effectRef idx="0"/>
           <a:fontRef idx="minor"/>
         </p:style>
-      </p:sp>
-      <p:sp>
-        <p:nvSpPr>
-          <p:cNvPr id="138" name="CustomShape 2"/>
-          <p:cNvSpPr/>
-          <p:nvPr/>
-        </p:nvSpPr>
-        <p:spPr>
-          <a:xfrm>
-            <a:off x="320760" y="2014200"/>
-            <a:ext cx="10384200" cy="2996280"/>
-          </a:xfrm>
-          <a:prstGeom prst="rect">
-            <a:avLst/>
-          </a:prstGeom>
-          <a:noFill/>
-          <a:ln>
-            <a:noFill/>
-          </a:ln>
-        </p:spPr>
-        <p:style>
-          <a:lnRef idx="0"/>
-          <a:fillRef idx="0"/>
-          <a:effectRef idx="0"/>
-          <a:fontRef idx="minor"/>
-        </p:style>
-        <p:txBody>
-          <a:bodyPr lIns="50760" rIns="50760" tIns="50760" bIns="50760" anchor="ctr"/>
-          <a:p>
-            <a:pPr marL="529200" indent="-528120">
-              <a:lnSpc>
-                <a:spcPct val="100000"/>
-              </a:lnSpc>
-              <a:buClr>
-                <a:srgbClr val="000000"/>
-              </a:buClr>
-              <a:buFont typeface="StarSymbol"/>
-              <a:buAutoNum type="arabicPeriod"/>
-            </a:pPr>
-            <a:r>
-              <a:rPr b="0" lang="en-GB" sz="3000" spc="-1" strike="noStrike">
-                <a:solidFill>
-                  <a:srgbClr val="000000"/>
-                </a:solidFill>
-                <a:latin typeface="Helvetica Neue Light"/>
-                <a:ea typeface="Helvetica Neue Light"/>
-              </a:rPr>
-              <a:t>Log in to MetaMask and connect to the blockchain (as previously explained)</a:t>
-            </a:r>
-            <a:endParaRPr b="0" lang="en-GB" sz="3000" spc="-1" strike="noStrike">
-              <a:latin typeface="Arial"/>
-            </a:endParaRPr>
-          </a:p>
-          <a:p>
-            <a:pPr marL="529200" indent="-528120">
-              <a:lnSpc>
-                <a:spcPct val="100000"/>
-              </a:lnSpc>
-              <a:buClr>
-                <a:srgbClr val="000000"/>
-              </a:buClr>
-              <a:buFont typeface="StarSymbol"/>
-              <a:buAutoNum type="arabicPeriod"/>
-            </a:pPr>
-            <a:r>
-              <a:rPr b="0" lang="en-GB" sz="3000" spc="-1" strike="noStrike">
-                <a:solidFill>
-                  <a:srgbClr val="000000"/>
-                </a:solidFill>
-                <a:latin typeface="Helvetica Neue Light"/>
-                <a:ea typeface="Helvetica Neue Light"/>
-              </a:rPr>
-              <a:t>In Remix, set the environment to: </a:t>
-            </a:r>
-            <a:r>
-              <a:rPr b="0" lang="en-GB" sz="3000" spc="-1" strike="noStrike">
-                <a:solidFill>
-                  <a:srgbClr val="942192"/>
-                </a:solidFill>
-                <a:latin typeface="Helvetica Neue Light"/>
-                <a:ea typeface="Helvetica Neue Light"/>
-              </a:rPr>
-              <a:t>Injected Web3</a:t>
-            </a:r>
-            <a:r>
-              <a:rPr b="0" lang="en-GB" sz="3000" spc="-1" strike="noStrike">
-                <a:solidFill>
-                  <a:srgbClr val="000000"/>
-                </a:solidFill>
-                <a:latin typeface="Helvetica Neue Light"/>
-                <a:ea typeface="Helvetica Neue Light"/>
-              </a:rPr>
-              <a:t>.</a:t>
-            </a:r>
-            <a:endParaRPr b="0" lang="en-GB" sz="3000" spc="-1" strike="noStrike">
-              <a:latin typeface="Arial"/>
-            </a:endParaRPr>
-          </a:p>
-        </p:txBody>
-      </p:sp>
-      <p:sp>
-        <p:nvSpPr>
-          <p:cNvPr id="139" name="CustomShape 3"/>
-          <p:cNvSpPr/>
-          <p:nvPr/>
-        </p:nvSpPr>
-        <p:spPr>
-          <a:xfrm>
-            <a:off x="129240" y="5860440"/>
-            <a:ext cx="4046040" cy="2386800"/>
-          </a:xfrm>
-          <a:prstGeom prst="rect">
-            <a:avLst/>
-          </a:prstGeom>
-          <a:noFill/>
-          <a:ln>
-            <a:noFill/>
-          </a:ln>
-        </p:spPr>
-        <p:style>
-          <a:lnRef idx="0"/>
-          <a:fillRef idx="0"/>
-          <a:effectRef idx="0"/>
-          <a:fontRef idx="minor"/>
-        </p:style>
-        <p:txBody>
-          <a:bodyPr lIns="50760" rIns="50760" tIns="50760" bIns="50760" anchor="ctr"/>
-          <a:p>
-            <a:pPr>
-              <a:lnSpc>
-                <a:spcPct val="100000"/>
-              </a:lnSpc>
-            </a:pPr>
-            <a:r>
-              <a:rPr b="0" lang="en-GB" sz="3000" spc="-1" strike="noStrike">
-                <a:solidFill>
-                  <a:srgbClr val="000000"/>
-                </a:solidFill>
-                <a:latin typeface="Helvetica Neue Light"/>
-                <a:ea typeface="Helvetica Neue Light"/>
-              </a:rPr>
-              <a:t>3. In Remix, insert the </a:t>
-            </a:r>
-            <a:r>
-              <a:rPr b="0" lang="en-GB" sz="3000" spc="-1" strike="noStrike">
-                <a:solidFill>
-                  <a:srgbClr val="942192"/>
-                </a:solidFill>
-                <a:latin typeface="Helvetica Neue Light"/>
-                <a:ea typeface="Helvetica Neue Light"/>
-              </a:rPr>
-              <a:t>contract’s code</a:t>
-            </a:r>
-            <a:r>
-              <a:rPr b="0" lang="en-GB" sz="3000" spc="-1" strike="noStrike">
-                <a:solidFill>
-                  <a:srgbClr val="000000"/>
-                </a:solidFill>
-                <a:latin typeface="Helvetica Neue Light"/>
-                <a:ea typeface="Helvetica Neue Light"/>
-              </a:rPr>
-              <a:t>, insert the deployed </a:t>
-            </a:r>
-            <a:r>
-              <a:rPr b="0" lang="en-GB" sz="3000" spc="-1" strike="noStrike">
-                <a:solidFill>
-                  <a:srgbClr val="942192"/>
-                </a:solidFill>
-                <a:latin typeface="Helvetica Neue Light"/>
-                <a:ea typeface="Helvetica Neue Light"/>
-              </a:rPr>
-              <a:t>contract’s address</a:t>
-            </a:r>
-            <a:r>
-              <a:rPr b="0" lang="en-GB" sz="3000" spc="-1" strike="noStrike">
-                <a:solidFill>
-                  <a:srgbClr val="000000"/>
-                </a:solidFill>
-                <a:latin typeface="Helvetica Neue Light"/>
-                <a:ea typeface="Helvetica Neue Light"/>
-              </a:rPr>
-              <a:t> and click on: </a:t>
-            </a:r>
-            <a:r>
-              <a:rPr b="0" lang="en-GB" sz="3000" spc="-1" strike="noStrike">
-                <a:solidFill>
-                  <a:srgbClr val="942192"/>
-                </a:solidFill>
-                <a:latin typeface="Helvetica Neue Light"/>
-                <a:ea typeface="Helvetica Neue Light"/>
-              </a:rPr>
-              <a:t>At Address</a:t>
-            </a:r>
-            <a:r>
-              <a:rPr b="0" lang="en-GB" sz="3000" spc="-1" strike="noStrike">
-                <a:solidFill>
-                  <a:srgbClr val="000000"/>
-                </a:solidFill>
-                <a:latin typeface="Helvetica Neue Light"/>
-                <a:ea typeface="Helvetica Neue Light"/>
-              </a:rPr>
-              <a:t>.</a:t>
-            </a:r>
-            <a:endParaRPr b="0" lang="en-GB" sz="3000" spc="-1" strike="noStrike">
-              <a:latin typeface="Arial"/>
-            </a:endParaRPr>
-          </a:p>
-        </p:txBody>
-      </p:sp>
-      <p:sp>
-        <p:nvSpPr>
-          <p:cNvPr id="140" name="CustomShape 4"/>
-          <p:cNvSpPr/>
-          <p:nvPr/>
-        </p:nvSpPr>
-        <p:spPr>
-          <a:xfrm flipH="1" rot="10800000">
-            <a:off x="17922960" y="7729920"/>
-            <a:ext cx="7051320" cy="444600"/>
-          </a:xfrm>
-          <a:custGeom>
-            <a:avLst/>
-            <a:gdLst/>
-            <a:ahLst/>
-            <a:rect l="l" t="t" r="r" b="b"/>
-            <a:pathLst>
-              <a:path w="21600" h="21600">
-                <a:moveTo>
-                  <a:pt x="0" y="0"/>
-                </a:moveTo>
-                <a:lnTo>
-                  <a:pt x="21600" y="21600"/>
-                </a:lnTo>
-              </a:path>
-            </a:pathLst>
-          </a:custGeom>
-          <a:noFill/>
-          <a:ln w="25560">
-            <a:solidFill>
-              <a:srgbClr val="000000"/>
-            </a:solidFill>
-            <a:miter/>
-            <a:tailEnd len="med" type="triangle" w="med"/>
-          </a:ln>
-        </p:spPr>
-        <p:style>
-          <a:lnRef idx="0"/>
-          <a:fillRef idx="0"/>
-          <a:effectRef idx="0"/>
-          <a:fontRef idx="minor"/>
-        </p:style>
-      </p:sp>
-      <p:sp>
-        <p:nvSpPr>
-          <p:cNvPr id="141" name="CustomShape 5"/>
-          <p:cNvSpPr/>
-          <p:nvPr/>
-        </p:nvSpPr>
-        <p:spPr>
-          <a:xfrm flipH="1" rot="10800000">
-            <a:off x="15839280" y="9576000"/>
-            <a:ext cx="6695640" cy="1367640"/>
-          </a:xfrm>
-          <a:custGeom>
-            <a:avLst/>
-            <a:gdLst/>
-            <a:ahLst/>
-            <a:rect l="l" t="t" r="r" b="b"/>
-            <a:pathLst>
-              <a:path w="21600" h="21600">
-                <a:moveTo>
-                  <a:pt x="0" y="0"/>
-                </a:moveTo>
-                <a:lnTo>
-                  <a:pt x="21600" y="21600"/>
-                </a:lnTo>
-              </a:path>
-            </a:pathLst>
-          </a:custGeom>
-          <a:noFill/>
-          <a:ln w="25560">
-            <a:solidFill>
-              <a:srgbClr val="000000"/>
-            </a:solidFill>
-            <a:miter/>
-            <a:tailEnd len="med" type="triangle" w="med"/>
-          </a:ln>
-        </p:spPr>
-        <p:style>
-          <a:lnRef idx="0"/>
-          <a:fillRef idx="0"/>
-          <a:effectRef idx="0"/>
-          <a:fontRef idx="minor"/>
-        </p:style>
-      </p:sp>
-      <p:sp>
-        <p:nvSpPr>
-          <p:cNvPr id="142" name="CustomShape 6"/>
-          <p:cNvSpPr/>
-          <p:nvPr/>
-        </p:nvSpPr>
-        <p:spPr>
-          <a:xfrm>
-            <a:off x="952560" y="444600"/>
-            <a:ext cx="11098800" cy="2157840"/>
-          </a:xfrm>
-          <a:prstGeom prst="rect">
-            <a:avLst/>
-          </a:prstGeom>
-          <a:noFill/>
-          <a:ln>
-            <a:noFill/>
-          </a:ln>
-        </p:spPr>
-        <p:style>
-          <a:lnRef idx="0"/>
-          <a:fillRef idx="0"/>
-          <a:effectRef idx="0"/>
-          <a:fontRef idx="minor"/>
-        </p:style>
-        <p:txBody>
-          <a:bodyPr lIns="50760" rIns="50760" tIns="50760" bIns="50760" anchor="ctr"/>
-          <a:p>
-            <a:pPr algn="ctr">
-              <a:lnSpc>
-                <a:spcPct val="100000"/>
-              </a:lnSpc>
-            </a:pPr>
-            <a:r>
-              <a:rPr b="0" lang="en-GB" sz="4200" spc="-1" strike="noStrike">
-                <a:solidFill>
-                  <a:srgbClr val="000000"/>
-                </a:solidFill>
-                <a:latin typeface="Helvetica Neue Light"/>
-                <a:ea typeface="Helvetica Neue Light"/>
-              </a:rPr>
-              <a:t>Step 4.3:</a:t>
-            </a:r>
-            <a:endParaRPr b="0" lang="en-GB" sz="4200" spc="-1" strike="noStrike">
-              <a:latin typeface="Arial"/>
-            </a:endParaRPr>
-          </a:p>
-          <a:p>
-            <a:pPr algn="ctr">
-              <a:lnSpc>
-                <a:spcPct val="100000"/>
-              </a:lnSpc>
-            </a:pPr>
-            <a:r>
-              <a:rPr b="0" lang="en-GB" sz="4200" spc="-1" strike="noStrike">
-                <a:solidFill>
-                  <a:srgbClr val="000000"/>
-                </a:solidFill>
-                <a:latin typeface="Helvetica Neue Light"/>
-                <a:ea typeface="Helvetica Neue Light"/>
-              </a:rPr>
-              <a:t>Deploying Smart Contract to the Private Chain</a:t>
-            </a:r>
-            <a:endParaRPr b="0" lang="en-GB" sz="4200" spc="-1" strike="noStrike">
-              <a:latin typeface="Arial"/>
-            </a:endParaRPr>
-          </a:p>
-          <a:p>
-            <a:pPr algn="ctr">
-              <a:lnSpc>
-                <a:spcPct val="100000"/>
-              </a:lnSpc>
-            </a:pPr>
-            <a:r>
-              <a:rPr b="0" lang="en-GB" sz="2800" spc="-1" strike="noStrike">
-                <a:solidFill>
-                  <a:srgbClr val="000000"/>
-                </a:solidFill>
-                <a:latin typeface="Helvetica Neue Light"/>
-                <a:ea typeface="Helvetica Neue Light"/>
-              </a:rPr>
-              <a:t>Interacting with a Deployed Contract</a:t>
-            </a:r>
-            <a:endParaRPr b="0" lang="en-GB" sz="2800" spc="-1" strike="noStrike">
-              <a:latin typeface="Arial"/>
-            </a:endParaRPr>
-          </a:p>
-        </p:txBody>
       </p:sp>
     </p:spTree>
   </p:cSld>
@@ -6897,7 +6499,7 @@
         <p:spPr>
           <a:xfrm>
             <a:off x="952560" y="2603520"/>
-            <a:ext cx="11098800" cy="6285600"/>
+            <a:ext cx="11098440" cy="6285240"/>
           </a:xfrm>
           <a:prstGeom prst="rect">
             <a:avLst/>
@@ -6916,7 +6518,7 @@
         <p:txBody>
           <a:bodyPr lIns="50760" rIns="50760" tIns="50760" bIns="50760" anchor="ctr"/>
           <a:p>
-            <a:pPr marL="280080" indent="-279000">
+            <a:pPr marL="280080" indent="-278640">
               <a:lnSpc>
                 <a:spcPct val="100000"/>
               </a:lnSpc>
@@ -6941,7 +6543,7 @@
             </a:endParaRPr>
           </a:p>
           <a:p>
-            <a:pPr marL="280080" indent="-279000">
+            <a:pPr marL="280080" indent="-278640">
               <a:lnSpc>
                 <a:spcPct val="100000"/>
               </a:lnSpc>
@@ -6969,7 +6571,7 @@
             </a:endParaRPr>
           </a:p>
           <a:p>
-            <a:pPr marL="384120" indent="-142920">
+            <a:pPr marL="384120" indent="-142560">
               <a:lnSpc>
                 <a:spcPct val="100000"/>
               </a:lnSpc>
@@ -7007,7 +6609,7 @@
             </a:endParaRPr>
           </a:p>
           <a:p>
-            <a:pPr marL="384120" indent="-142920">
+            <a:pPr marL="384120" indent="-142560">
               <a:lnSpc>
                 <a:spcPct val="100000"/>
               </a:lnSpc>
@@ -7045,7 +6647,7 @@
             </a:endParaRPr>
           </a:p>
           <a:p>
-            <a:pPr marL="384120" indent="-142920">
+            <a:pPr marL="384120" indent="-142560">
               <a:lnSpc>
                 <a:spcPct val="100000"/>
               </a:lnSpc>
@@ -7083,7 +6685,7 @@
             </a:endParaRPr>
           </a:p>
           <a:p>
-            <a:pPr marL="744120" indent="-279000">
+            <a:pPr marL="744120" indent="-278640">
               <a:lnSpc>
                 <a:spcPct val="100000"/>
               </a:lnSpc>
@@ -7111,7 +6713,7 @@
             </a:endParaRPr>
           </a:p>
           <a:p>
-            <a:pPr marL="384120" indent="-142920">
+            <a:pPr marL="384120" indent="-142560">
               <a:lnSpc>
                 <a:spcPct val="100000"/>
               </a:lnSpc>
@@ -7159,7 +6761,7 @@
         <p:spPr>
           <a:xfrm>
             <a:off x="952560" y="444240"/>
-            <a:ext cx="11098800" cy="2158200"/>
+            <a:ext cx="11098440" cy="2157840"/>
           </a:xfrm>
           <a:prstGeom prst="rect">
             <a:avLst/>
@@ -7260,8 +6862,8 @@
         </p:blipFill>
         <p:spPr>
           <a:xfrm>
-            <a:off x="6480000" y="4752000"/>
-            <a:ext cx="6619320" cy="3428280"/>
+            <a:off x="2088000" y="5832000"/>
+            <a:ext cx="4982400" cy="3600000"/>
           </a:xfrm>
           <a:prstGeom prst="rect">
             <a:avLst/>
@@ -7278,58 +6880,9 @@
           <p:nvPr/>
         </p:nvSpPr>
         <p:spPr>
-          <a:xfrm>
-            <a:off x="386640" y="3001320"/>
-            <a:ext cx="6924600" cy="2462760"/>
-          </a:xfrm>
-          <a:prstGeom prst="rect">
-            <a:avLst/>
-          </a:prstGeom>
-          <a:noFill/>
-          <a:ln>
-            <a:noFill/>
-          </a:ln>
-        </p:spPr>
-        <p:style>
-          <a:lnRef idx="0"/>
-          <a:fillRef idx="0"/>
-          <a:effectRef idx="0"/>
-          <a:fontRef idx="minor"/>
-        </p:style>
-        <p:txBody>
-          <a:bodyPr lIns="50760" rIns="50760" tIns="50760" bIns="50760" anchor="ctr"/>
-          <a:p>
-            <a:pPr>
-              <a:lnSpc>
-                <a:spcPct val="100000"/>
-              </a:lnSpc>
-            </a:pPr>
-            <a:r>
-              <a:rPr b="0" lang="en-GB" sz="3000" spc="-1" strike="noStrike">
-                <a:solidFill>
-                  <a:srgbClr val="000000"/>
-                </a:solidFill>
-                <a:latin typeface="Helvetica Neue Light"/>
-                <a:ea typeface="Helvetica Neue Light"/>
-              </a:rPr>
-              <a:t>4- All the public/external functions in the contract are provided and you can pass arguments on them and invoke them </a:t>
-            </a:r>
-            <a:endParaRPr b="0" lang="en-GB" sz="3000" spc="-1" strike="noStrike">
-              <a:latin typeface="Arial"/>
-            </a:endParaRPr>
-          </a:p>
-        </p:txBody>
-      </p:sp>
-      <p:sp>
-        <p:nvSpPr>
-          <p:cNvPr id="145" name="CustomShape 2"/>
-          <p:cNvSpPr/>
-          <p:nvPr/>
-        </p:nvSpPr>
-        <p:spPr>
-          <a:xfrm>
-            <a:off x="3709080" y="4976640"/>
-            <a:ext cx="5074560" cy="495000"/>
+          <a:xfrm flipH="1">
+            <a:off x="5976000" y="5040000"/>
+            <a:ext cx="5182560" cy="3816000"/>
           </a:xfrm>
           <a:custGeom>
             <a:avLst/>
@@ -7365,14 +6918,14 @@
       </p:sp>
       <p:sp>
         <p:nvSpPr>
-          <p:cNvPr id="146" name="CustomShape 3"/>
+          <p:cNvPr id="145" name="CustomShape 2"/>
           <p:cNvSpPr/>
           <p:nvPr/>
         </p:nvSpPr>
         <p:spPr>
           <a:xfrm>
-            <a:off x="-420120" y="5256000"/>
-            <a:ext cx="6864480" cy="4391640"/>
+            <a:off x="212040" y="2516040"/>
+            <a:ext cx="12740040" cy="3351240"/>
           </a:xfrm>
           <a:prstGeom prst="rect">
             <a:avLst/>
@@ -7391,10 +6944,13 @@
         <p:txBody>
           <a:bodyPr lIns="50760" rIns="50760" tIns="50760" bIns="50760" anchor="ctr"/>
           <a:p>
-            <a:pPr marL="1005480" indent="-369360">
-              <a:lnSpc>
-                <a:spcPct val="100000"/>
-              </a:lnSpc>
+            <a:pPr marL="444600" indent="-443160">
+              <a:lnSpc>
+                <a:spcPct val="100000"/>
+              </a:lnSpc>
+              <a:spcBef>
+                <a:spcPts val="4201"/>
+              </a:spcBef>
               <a:buClr>
                 <a:srgbClr val="000000"/>
               </a:buClr>
@@ -7402,34 +6958,37 @@
               <a:buChar char="•"/>
             </a:pPr>
             <a:r>
-              <a:rPr b="0" lang="en-GB" sz="3000" spc="-1" strike="noStrike">
-                <a:solidFill>
-                  <a:srgbClr val="f04e4d"/>
-                </a:solidFill>
-                <a:latin typeface="Helvetica Neue Light"/>
-                <a:ea typeface="Helvetica Neue Light"/>
-              </a:rPr>
-              <a:t>Red</a:t>
-            </a:r>
-            <a:r>
-              <a:rPr b="0" lang="en-GB" sz="3000" spc="-1" strike="noStrike">
-                <a:solidFill>
-                  <a:srgbClr val="000000"/>
-                </a:solidFill>
-                <a:latin typeface="Helvetica Neue Light"/>
-                <a:ea typeface="Helvetica Neue Light"/>
-              </a:rPr>
-              <a:t> fields change the contract’s state, so you create a transaction and spend funds - at minimum you pay the fees, if your transaction does not send funds to the contract</a:t>
-            </a:r>
-            <a:endParaRPr b="0" lang="en-GB" sz="3000" spc="-1" strike="noStrike">
-              <a:latin typeface="Arial"/>
-            </a:endParaRPr>
-          </a:p>
-          <a:p>
-            <a:pPr marL="1005480" indent="-369360">
-              <a:lnSpc>
-                <a:spcPct val="100000"/>
-              </a:lnSpc>
+              <a:rPr b="0" lang="en-GB" sz="3600" spc="-1" strike="noStrike">
+                <a:solidFill>
+                  <a:srgbClr val="000000"/>
+                </a:solidFill>
+                <a:latin typeface="Helvetica Neue Light"/>
+                <a:ea typeface="Helvetica Neue Light"/>
+              </a:rPr>
+              <a:t>Click on </a:t>
+            </a:r>
+            <a:r>
+              <a:rPr b="0" lang="en-GB" sz="3600" spc="-1" strike="noStrike">
+                <a:solidFill>
+                  <a:srgbClr val="942192"/>
+                </a:solidFill>
+                <a:latin typeface="Helvetica Neue Light"/>
+                <a:ea typeface="Helvetica Neue Light"/>
+              </a:rPr>
+              <a:t>Deploy</a:t>
+            </a:r>
+            <a:endParaRPr b="0" lang="en-GB" sz="3600" spc="-1" strike="noStrike">
+              <a:latin typeface="Arial"/>
+            </a:endParaRPr>
+          </a:p>
+          <a:p>
+            <a:pPr marL="444600" indent="-443160">
+              <a:lnSpc>
+                <a:spcPct val="100000"/>
+              </a:lnSpc>
+              <a:spcBef>
+                <a:spcPts val="4201"/>
+              </a:spcBef>
               <a:buClr>
                 <a:srgbClr val="000000"/>
               </a:buClr>
@@ -7437,65 +6996,58 @@
               <a:buChar char="•"/>
             </a:pPr>
             <a:r>
-              <a:rPr b="0" lang="en-GB" sz="3000" spc="-1" strike="noStrike">
-                <a:solidFill>
-                  <a:srgbClr val="7da7d8"/>
-                </a:solidFill>
-                <a:latin typeface="Helvetica Neue Light"/>
-                <a:ea typeface="Helvetica Neue Light"/>
-              </a:rPr>
-              <a:t>Blue</a:t>
-            </a:r>
-            <a:r>
-              <a:rPr b="0" lang="en-GB" sz="3000" spc="-1" strike="noStrike">
-                <a:solidFill>
-                  <a:srgbClr val="000000"/>
-                </a:solidFill>
-                <a:latin typeface="Helvetica Neue Light"/>
-                <a:ea typeface="Helvetica Neue Light"/>
-              </a:rPr>
-              <a:t> fields just show you the contract’s state and are free</a:t>
-            </a:r>
-            <a:endParaRPr b="0" lang="en-GB" sz="3000" spc="-1" strike="noStrike">
-              <a:latin typeface="Arial"/>
-            </a:endParaRPr>
-          </a:p>
-        </p:txBody>
-      </p:sp>
-      <p:sp>
-        <p:nvSpPr>
-          <p:cNvPr id="147" name="CustomShape 4"/>
+              <a:rPr b="0" lang="en-GB" sz="3600" spc="-1" strike="noStrike">
+                <a:solidFill>
+                  <a:srgbClr val="000000"/>
+                </a:solidFill>
+                <a:latin typeface="Helvetica Neue Light"/>
+                <a:ea typeface="Helvetica Neue Light"/>
+              </a:rPr>
+              <a:t>MetaMask will request your permission to send your contract to the blockchain - by clicking on </a:t>
+            </a:r>
+            <a:r>
+              <a:rPr b="0" lang="en-GB" sz="3600" spc="-1" strike="noStrike">
+                <a:solidFill>
+                  <a:srgbClr val="942192"/>
+                </a:solidFill>
+                <a:latin typeface="Helvetica Neue Light"/>
+                <a:ea typeface="Helvetica Neue Light"/>
+              </a:rPr>
+              <a:t>confirm</a:t>
+            </a:r>
+            <a:r>
+              <a:rPr b="0" lang="en-GB" sz="3600" spc="-1" strike="noStrike">
+                <a:solidFill>
+                  <a:srgbClr val="000000"/>
+                </a:solidFill>
+                <a:latin typeface="Helvetica Neue Light"/>
+                <a:ea typeface="Helvetica Neue Light"/>
+              </a:rPr>
+              <a:t>, you publish your contract (and pay the fee) </a:t>
+            </a:r>
+            <a:endParaRPr b="0" lang="en-GB" sz="3600" spc="-1" strike="noStrike">
+              <a:latin typeface="Arial"/>
+            </a:endParaRPr>
+          </a:p>
+        </p:txBody>
+      </p:sp>
+      <p:sp>
+        <p:nvSpPr>
+          <p:cNvPr id="146" name="CustomShape 3"/>
           <p:cNvSpPr/>
           <p:nvPr/>
         </p:nvSpPr>
         <p:spPr>
           <a:xfrm>
-            <a:off x="6264000" y="5218920"/>
-            <a:ext cx="2519640" cy="1044720"/>
-          </a:xfrm>
-          <a:custGeom>
-            <a:avLst/>
-            <a:gdLst/>
-            <a:ahLst/>
-            <a:rect l="l" t="t" r="r" b="b"/>
-            <a:pathLst>
-              <a:path w="21600" h="21600">
-                <a:moveTo>
-                  <a:pt x="0" y="0"/>
-                </a:moveTo>
-                <a:lnTo>
-                  <a:pt x="21600" y="21600"/>
-                </a:lnTo>
-              </a:path>
-            </a:pathLst>
-          </a:custGeom>
+            <a:off x="952560" y="444600"/>
+            <a:ext cx="11098440" cy="2157480"/>
+          </a:xfrm>
+          <a:prstGeom prst="rect">
+            <a:avLst/>
+          </a:prstGeom>
           <a:noFill/>
-          <a:ln w="25560">
-            <a:solidFill>
-              <a:srgbClr val="000000"/>
-            </a:solidFill>
-            <a:miter/>
-            <a:tailEnd len="med" type="triangle" w="med"/>
+          <a:ln>
+            <a:noFill/>
           </a:ln>
         </p:spPr>
         <p:style>
@@ -7504,75 +7056,6 @@
           <a:effectRef idx="0"/>
           <a:fontRef idx="minor"/>
         </p:style>
-      </p:sp>
-      <p:sp>
-        <p:nvSpPr>
-          <p:cNvPr id="148" name="CustomShape 5"/>
-          <p:cNvSpPr/>
-          <p:nvPr/>
-        </p:nvSpPr>
-        <p:spPr>
-          <a:xfrm>
-            <a:off x="6268320" y="5232600"/>
-            <a:ext cx="2515320" cy="2471040"/>
-          </a:xfrm>
-          <a:custGeom>
-            <a:avLst/>
-            <a:gdLst/>
-            <a:ahLst/>
-            <a:rect l="l" t="t" r="r" b="b"/>
-            <a:pathLst>
-              <a:path w="21600" h="21600">
-                <a:moveTo>
-                  <a:pt x="0" y="0"/>
-                </a:moveTo>
-                <a:lnTo>
-                  <a:pt x="21600" y="21600"/>
-                </a:lnTo>
-              </a:path>
-            </a:pathLst>
-          </a:custGeom>
-          <a:noFill/>
-          <a:ln w="25560">
-            <a:solidFill>
-              <a:srgbClr val="000000"/>
-            </a:solidFill>
-            <a:miter/>
-            <a:tailEnd len="med" type="triangle" w="med"/>
-          </a:ln>
-        </p:spPr>
-        <p:style>
-          <a:lnRef idx="0"/>
-          <a:fillRef idx="0"/>
-          <a:effectRef idx="0"/>
-          <a:fontRef idx="minor"/>
-        </p:style>
-      </p:sp>
-      <p:sp>
-        <p:nvSpPr>
-          <p:cNvPr id="149" name="CustomShape 6"/>
-          <p:cNvSpPr/>
-          <p:nvPr/>
-        </p:nvSpPr>
-        <p:spPr>
-          <a:xfrm>
-            <a:off x="952560" y="444600"/>
-            <a:ext cx="11098800" cy="2157840"/>
-          </a:xfrm>
-          <a:prstGeom prst="rect">
-            <a:avLst/>
-          </a:prstGeom>
-          <a:noFill/>
-          <a:ln>
-            <a:noFill/>
-          </a:ln>
-        </p:spPr>
-        <p:style>
-          <a:lnRef idx="0"/>
-          <a:fillRef idx="0"/>
-          <a:effectRef idx="0"/>
-          <a:fontRef idx="minor"/>
-        </p:style>
         <p:txBody>
           <a:bodyPr lIns="50760" rIns="50760" tIns="50760" bIns="50760" anchor="ctr"/>
           <a:p>
@@ -7589,7 +7072,7 @@
                 <a:latin typeface="Helvetica Neue Light"/>
                 <a:ea typeface="Helvetica Neue Light"/>
               </a:rPr>
-              <a:t>Step 4.3:</a:t>
+              <a:t>Step 4.2:</a:t>
             </a:r>
             <a:endParaRPr b="0" lang="en-GB" sz="4200" spc="-1" strike="noStrike">
               <a:latin typeface="Arial"/>
@@ -7629,7 +7112,7 @@
                 <a:latin typeface="Helvetica Neue Light"/>
                 <a:ea typeface="Helvetica Neue Light"/>
               </a:rPr>
-              <a:t>Interacting with a Deployed Contract</a:t>
+              <a:t>Deploying a Contract to the Blockchain</a:t>
             </a:r>
             <a:endParaRPr b="0" lang="en-GB" sz="2800" spc="-1" strike="noStrike">
               <a:latin typeface="Arial"/>
@@ -7686,23 +7169,63 @@
           <a:chExt cx="0" cy="0"/>
         </a:xfrm>
       </p:grpSpPr>
-      <p:sp>
-        <p:nvSpPr>
-          <p:cNvPr id="150" name="CustomShape 1"/>
+      <p:pic>
+        <p:nvPicPr>
+          <p:cNvPr id="147" name="" descr=""/>
+          <p:cNvPicPr/>
+          <p:nvPr/>
+        </p:nvPicPr>
+        <p:blipFill>
+          <a:blip r:embed="rId1"/>
+          <a:stretch/>
+        </p:blipFill>
+        <p:spPr>
+          <a:xfrm>
+            <a:off x="9117360" y="4176000"/>
+            <a:ext cx="3266640" cy="3914280"/>
+          </a:xfrm>
+          <a:prstGeom prst="rect">
+            <a:avLst/>
+          </a:prstGeom>
+          <a:ln>
+            <a:noFill/>
+          </a:ln>
+        </p:spPr>
+      </p:pic>
+      <p:sp>
+        <p:nvSpPr>
+          <p:cNvPr id="148" name="CustomShape 1"/>
           <p:cNvSpPr/>
           <p:nvPr/>
         </p:nvSpPr>
         <p:spPr>
           <a:xfrm>
-            <a:off x="952560" y="1512000"/>
-            <a:ext cx="11098800" cy="8135640"/>
-          </a:xfrm>
-          <a:prstGeom prst="rect">
-            <a:avLst/>
-          </a:prstGeom>
+            <a:off x="4392000" y="5472000"/>
+            <a:ext cx="7272000" cy="360000"/>
+          </a:xfrm>
+          <a:custGeom>
+            <a:avLst/>
+            <a:gdLst/>
+            <a:ahLst/>
+            <a:rect l="l" t="t" r="r" b="b"/>
+            <a:pathLst>
+              <a:path w="21600" h="21600">
+                <a:moveTo>
+                  <a:pt x="0" y="0"/>
+                </a:moveTo>
+                <a:lnTo>
+                  <a:pt x="21600" y="21600"/>
+                </a:lnTo>
+              </a:path>
+            </a:pathLst>
+          </a:custGeom>
           <a:noFill/>
-          <a:ln>
-            <a:noFill/>
+          <a:ln w="25560">
+            <a:solidFill>
+              <a:srgbClr val="000000"/>
+            </a:solidFill>
+            <a:miter/>
+            <a:tailEnd len="med" type="triangle" w="med"/>
           </a:ln>
         </p:spPr>
         <p:style>
@@ -7711,170 +7234,17 @@
           <a:effectRef idx="0"/>
           <a:fontRef idx="minor"/>
         </p:style>
-        <p:txBody>
-          <a:bodyPr lIns="50760" rIns="50760" tIns="50760" bIns="50760" anchor="ctr"/>
-          <a:p>
-            <a:pPr marL="280080" indent="-279000">
-              <a:lnSpc>
-                <a:spcPct val="100000"/>
-              </a:lnSpc>
-              <a:buClr>
-                <a:srgbClr val="000000"/>
-              </a:buClr>
-              <a:buFont typeface="Helvetica Neue Light"/>
-              <a:buChar char="•"/>
-            </a:pPr>
-            <a:r>
-              <a:rPr b="0" lang="en-GB" sz="2270" spc="-1" strike="noStrike" u="sng">
-                <a:solidFill>
-                  <a:srgbClr val="000000"/>
-                </a:solidFill>
-                <a:uFillTx/>
-                <a:latin typeface="Helvetica Neue Light"/>
-                <a:ea typeface="Helvetica Neue Light"/>
-              </a:rPr>
-              <a:t>If you don’t see your funds in Metamask</a:t>
-            </a:r>
-            <a:endParaRPr b="0" lang="en-GB" sz="2270" spc="-1" strike="noStrike">
-              <a:latin typeface="Arial"/>
-            </a:endParaRPr>
-          </a:p>
-          <a:p>
-            <a:pPr lvl="1" marL="432000" indent="-215640">
-              <a:lnSpc>
-                <a:spcPct val="100000"/>
-              </a:lnSpc>
-              <a:buClr>
-                <a:srgbClr val="000000"/>
-              </a:buClr>
-              <a:buSzPct val="45000"/>
-              <a:buFont typeface="Wingdings" charset="2"/>
-              <a:buChar char=""/>
-            </a:pPr>
-            <a:r>
-              <a:rPr b="0" lang="en-GB" sz="2270" spc="-1" strike="noStrike">
-                <a:solidFill>
-                  <a:srgbClr val="000000"/>
-                </a:solidFill>
-                <a:latin typeface="Helvetica Neue Light"/>
-                <a:ea typeface="Helvetica Neue Light"/>
-              </a:rPr>
-              <a:t>Double check that you are connected to the correct network, i.e. the private network and not e.g. the Ethereum mainnet</a:t>
-            </a:r>
-            <a:endParaRPr b="0" lang="en-GB" sz="2270" spc="-1" strike="noStrike">
-              <a:latin typeface="Arial"/>
-            </a:endParaRPr>
-          </a:p>
-          <a:p>
-            <a:pPr lvl="1" marL="432000" indent="-215640">
-              <a:lnSpc>
-                <a:spcPct val="100000"/>
-              </a:lnSpc>
-              <a:buClr>
-                <a:srgbClr val="000000"/>
-              </a:buClr>
-              <a:buSzPct val="45000"/>
-              <a:buFont typeface="Wingdings" charset="2"/>
-              <a:buChar char=""/>
-            </a:pPr>
-            <a:r>
-              <a:rPr b="0" lang="en-GB" sz="2270" spc="-1" strike="noStrike">
-                <a:solidFill>
-                  <a:srgbClr val="000000"/>
-                </a:solidFill>
-                <a:latin typeface="Helvetica Neue Light"/>
-                <a:ea typeface="Helvetica Neue Light"/>
-              </a:rPr>
-              <a:t>If you are connected to the private network, try connecting to a different network (e.g. the Ethereum mainnet) and then reconnecting back to the private network – sometimes Metamask’s connection breaks down, so this will reset the network</a:t>
-            </a:r>
-            <a:endParaRPr b="0" lang="en-GB" sz="2270" spc="-1" strike="noStrike">
-              <a:latin typeface="Arial"/>
-            </a:endParaRPr>
-          </a:p>
-          <a:p>
-            <a:pPr lvl="1" marL="432000" indent="-215640">
-              <a:lnSpc>
-                <a:spcPct val="100000"/>
-              </a:lnSpc>
-              <a:buClr>
-                <a:srgbClr val="000000"/>
-              </a:buClr>
-              <a:buSzPct val="45000"/>
-              <a:buFont typeface="Wingdings" charset="2"/>
-              <a:buChar char=""/>
-            </a:pPr>
-            <a:r>
-              <a:rPr b="0" lang="en-GB" sz="2270" spc="-1" strike="noStrike">
-                <a:solidFill>
-                  <a:srgbClr val="000000"/>
-                </a:solidFill>
-                <a:latin typeface="Helvetica Neue Light"/>
-                <a:ea typeface="Helvetica Neue Light"/>
-              </a:rPr>
-              <a:t>If you still don’t see your funds, try deleting Metamask from your browser (remember to </a:t>
-            </a:r>
-            <a:r>
-              <a:rPr b="1" lang="en-GB" sz="2270" spc="-1" strike="noStrike">
-                <a:solidFill>
-                  <a:srgbClr val="000000"/>
-                </a:solidFill>
-                <a:latin typeface="Helvetica Neue Light"/>
-                <a:ea typeface="Helvetica Neue Light"/>
-              </a:rPr>
-              <a:t>store your seed</a:t>
-            </a:r>
-            <a:r>
-              <a:rPr b="0" lang="en-GB" sz="2270" spc="-1" strike="noStrike">
-                <a:solidFill>
-                  <a:srgbClr val="000000"/>
-                </a:solidFill>
-                <a:latin typeface="Helvetica Neue Light"/>
-                <a:ea typeface="Helvetica Neue Light"/>
-              </a:rPr>
-              <a:t> first), and then re-install it, recreate your wallet using your seed (if you have more than one accounts in your wallet, you have to create them all manually again) and connect to the private network – sometimes Metamask’s internal transaction generator breaks down (due to temporary network issues), so this will reset your wallet from scratch</a:t>
-            </a:r>
-            <a:endParaRPr b="0" lang="en-GB" sz="2270" spc="-1" strike="noStrike">
-              <a:latin typeface="Arial"/>
-            </a:endParaRPr>
-          </a:p>
-          <a:p>
-            <a:pPr lvl="1" marL="432000" indent="-215640">
-              <a:lnSpc>
-                <a:spcPct val="100000"/>
-              </a:lnSpc>
-              <a:buClr>
-                <a:srgbClr val="000000"/>
-              </a:buClr>
-              <a:buSzPct val="45000"/>
-              <a:buFont typeface="Wingdings" charset="2"/>
-              <a:buChar char=""/>
-            </a:pPr>
-            <a:r>
-              <a:rPr b="0" lang="en-GB" sz="2270" spc="-1" strike="noStrike">
-                <a:solidFill>
-                  <a:srgbClr val="000000"/>
-                </a:solidFill>
-                <a:latin typeface="Helvetica Neue Light"/>
-                <a:ea typeface="Helvetica Neue Light"/>
-              </a:rPr>
-              <a:t>If you still don’t see your funds contact the course’s TA</a:t>
-            </a:r>
-            <a:endParaRPr b="0" lang="en-GB" sz="2270" spc="-1" strike="noStrike">
-              <a:latin typeface="Arial"/>
-            </a:endParaRPr>
-          </a:p>
-        </p:txBody>
-      </p:sp>
-      <p:sp>
-        <p:nvSpPr>
-          <p:cNvPr id="151" name="CustomShape 2"/>
+      </p:sp>
+      <p:sp>
+        <p:nvSpPr>
+          <p:cNvPr id="149" name="CustomShape 2"/>
           <p:cNvSpPr/>
           <p:nvPr/>
         </p:nvSpPr>
         <p:spPr>
           <a:xfrm>
-            <a:off x="952560" y="-23760"/>
-            <a:ext cx="11098800" cy="2158200"/>
+            <a:off x="372600" y="3321360"/>
+            <a:ext cx="6868440" cy="2919600"/>
           </a:xfrm>
           <a:prstGeom prst="rect">
             <a:avLst/>
@@ -7893,22 +7263,223 @@
         <p:txBody>
           <a:bodyPr lIns="50760" rIns="50760" tIns="50760" bIns="50760" anchor="ctr"/>
           <a:p>
+            <a:pPr marL="444600" indent="-443160">
+              <a:lnSpc>
+                <a:spcPct val="100000"/>
+              </a:lnSpc>
+              <a:spcBef>
+                <a:spcPts val="4201"/>
+              </a:spcBef>
+              <a:buClr>
+                <a:srgbClr val="000000"/>
+              </a:buClr>
+              <a:buFont typeface="Helvetica Neue Light"/>
+              <a:buChar char="•"/>
+            </a:pPr>
+            <a:r>
+              <a:rPr b="0" lang="en-GB" sz="3000" spc="-1" strike="noStrike">
+                <a:solidFill>
+                  <a:srgbClr val="000000"/>
+                </a:solidFill>
+                <a:latin typeface="Helvetica Neue Light"/>
+                <a:ea typeface="Helvetica Neue Light"/>
+              </a:rPr>
+              <a:t>When, your contract is successfully submitted &amp; deployed, Remix provides the contract’s </a:t>
+            </a:r>
+            <a:r>
+              <a:rPr b="0" lang="en-GB" sz="3000" spc="-1" strike="noStrike">
+                <a:solidFill>
+                  <a:srgbClr val="942192"/>
+                </a:solidFill>
+                <a:latin typeface="Helvetica Neue Light"/>
+                <a:ea typeface="Helvetica Neue Light"/>
+              </a:rPr>
+              <a:t>address</a:t>
+            </a:r>
+            <a:endParaRPr b="0" lang="en-GB" sz="3000" spc="-1" strike="noStrike">
+              <a:latin typeface="Arial"/>
+            </a:endParaRPr>
+          </a:p>
+        </p:txBody>
+      </p:sp>
+      <p:sp>
+        <p:nvSpPr>
+          <p:cNvPr id="150" name="CustomShape 3"/>
+          <p:cNvSpPr/>
+          <p:nvPr/>
+        </p:nvSpPr>
+        <p:spPr>
+          <a:xfrm>
+            <a:off x="203040" y="6320160"/>
+            <a:ext cx="6868440" cy="1471680"/>
+          </a:xfrm>
+          <a:prstGeom prst="rect">
+            <a:avLst/>
+          </a:prstGeom>
+          <a:noFill/>
+          <a:ln>
+            <a:noFill/>
+          </a:ln>
+        </p:spPr>
+        <p:style>
+          <a:lnRef idx="0"/>
+          <a:fillRef idx="0"/>
+          <a:effectRef idx="0"/>
+          <a:fontRef idx="minor"/>
+        </p:style>
+        <p:txBody>
+          <a:bodyPr lIns="50760" rIns="50760" tIns="50760" bIns="50760" anchor="ctr"/>
+          <a:p>
+            <a:pPr marL="444600" indent="-443160">
+              <a:lnSpc>
+                <a:spcPct val="100000"/>
+              </a:lnSpc>
+              <a:buClr>
+                <a:srgbClr val="000000"/>
+              </a:buClr>
+              <a:buFont typeface="Helvetica Neue Light"/>
+              <a:buChar char="•"/>
+            </a:pPr>
+            <a:r>
+              <a:rPr b="0" lang="en-GB" sz="3000" spc="-1" strike="noStrike">
+                <a:solidFill>
+                  <a:srgbClr val="000000"/>
+                </a:solidFill>
+                <a:latin typeface="Helvetica Neue Light"/>
+                <a:ea typeface="Helvetica Neue Light"/>
+              </a:rPr>
+              <a:t>You need the </a:t>
+            </a:r>
+            <a:r>
+              <a:rPr b="0" lang="en-GB" sz="3000" spc="-1" strike="noStrike">
+                <a:solidFill>
+                  <a:srgbClr val="942192"/>
+                </a:solidFill>
+                <a:latin typeface="Helvetica Neue Light"/>
+                <a:ea typeface="Helvetica Neue Light"/>
+              </a:rPr>
+              <a:t>contract’s code</a:t>
+            </a:r>
+            <a:r>
+              <a:rPr b="0" lang="en-GB" sz="3000" spc="-1" strike="noStrike">
+                <a:solidFill>
+                  <a:srgbClr val="000000"/>
+                </a:solidFill>
+                <a:latin typeface="Helvetica Neue Light"/>
+                <a:ea typeface="Helvetica Neue Light"/>
+              </a:rPr>
+              <a:t> and the </a:t>
+            </a:r>
+            <a:r>
+              <a:rPr b="0" lang="en-GB" sz="3000" spc="-1" strike="noStrike">
+                <a:solidFill>
+                  <a:srgbClr val="942192"/>
+                </a:solidFill>
+                <a:latin typeface="Helvetica Neue Light"/>
+                <a:ea typeface="Helvetica Neue Light"/>
+              </a:rPr>
+              <a:t>address</a:t>
+            </a:r>
+            <a:r>
+              <a:rPr b="0" lang="en-GB" sz="3000" spc="-1" strike="noStrike">
+                <a:solidFill>
+                  <a:srgbClr val="000000"/>
+                </a:solidFill>
+                <a:latin typeface="Helvetica Neue Light"/>
+                <a:ea typeface="Helvetica Neue Light"/>
+              </a:rPr>
+              <a:t> next time you want to interact with your deployed contract.</a:t>
+            </a:r>
+            <a:endParaRPr b="0" lang="en-GB" sz="3000" spc="-1" strike="noStrike">
+              <a:latin typeface="Arial"/>
+            </a:endParaRPr>
+          </a:p>
+        </p:txBody>
+      </p:sp>
+      <p:sp>
+        <p:nvSpPr>
+          <p:cNvPr id="151" name="CustomShape 4"/>
+          <p:cNvSpPr/>
+          <p:nvPr/>
+        </p:nvSpPr>
+        <p:spPr>
+          <a:xfrm>
+            <a:off x="952560" y="444600"/>
+            <a:ext cx="11098440" cy="2157480"/>
+          </a:xfrm>
+          <a:prstGeom prst="rect">
+            <a:avLst/>
+          </a:prstGeom>
+          <a:noFill/>
+          <a:ln>
+            <a:noFill/>
+          </a:ln>
+        </p:spPr>
+        <p:style>
+          <a:lnRef idx="0"/>
+          <a:fillRef idx="0"/>
+          <a:effectRef idx="0"/>
+          <a:fontRef idx="minor"/>
+        </p:style>
+        <p:txBody>
+          <a:bodyPr lIns="50760" rIns="50760" tIns="50760" bIns="50760" anchor="ctr"/>
+          <a:p>
             <a:pPr algn="ctr">
               <a:lnSpc>
                 <a:spcPct val="100000"/>
               </a:lnSpc>
             </a:pPr>
             <a:r>
-              <a:rPr b="0" lang="en-GB" sz="8000" spc="-1" strike="noStrike">
-                <a:solidFill>
-                  <a:srgbClr val="000000"/>
-                </a:solidFill>
-                <a:latin typeface="Helvetica Neue Light"/>
-                <a:ea typeface="Helvetica Neue Light"/>
-              </a:rPr>
-              <a:t>Debugging</a:t>
-            </a:r>
-            <a:endParaRPr b="0" lang="en-GB" sz="8000" spc="-1" strike="noStrike">
+              <a:rPr b="0" lang="en-GB" sz="4200" spc="-1" strike="noStrike">
+                <a:solidFill>
+                  <a:srgbClr val="000000"/>
+                </a:solidFill>
+                <a:latin typeface="Helvetica Neue Light"/>
+                <a:ea typeface="Helvetica Neue Light"/>
+              </a:rPr>
+              <a:t>Step 4.3:</a:t>
+            </a:r>
+            <a:endParaRPr b="0" lang="en-GB" sz="4200" spc="-1" strike="noStrike">
+              <a:latin typeface="Arial"/>
+            </a:endParaRPr>
+          </a:p>
+          <a:p>
+            <a:pPr algn="ctr">
+              <a:lnSpc>
+                <a:spcPct val="100000"/>
+              </a:lnSpc>
+            </a:pPr>
+            <a:r>
+              <a:rPr b="0" lang="en-GB" sz="4200" spc="-1" strike="noStrike">
+                <a:solidFill>
+                  <a:srgbClr val="000000"/>
+                </a:solidFill>
+                <a:latin typeface="Helvetica Neue Light"/>
+                <a:ea typeface="Helvetica Neue Light"/>
+              </a:rPr>
+              <a:t>Deploying Smart Contract to the Private Chain</a:t>
+            </a:r>
+            <a:endParaRPr b="0" lang="en-GB" sz="4200" spc="-1" strike="noStrike">
+              <a:latin typeface="Arial"/>
+            </a:endParaRPr>
+          </a:p>
+          <a:p>
+            <a:pPr algn="ctr">
+              <a:lnSpc>
+                <a:spcPct val="100000"/>
+              </a:lnSpc>
+            </a:pPr>
+            <a:r>
+              <a:rPr b="0" lang="en-GB" sz="2800" spc="-1" strike="noStrike">
+                <a:solidFill>
+                  <a:srgbClr val="000000"/>
+                </a:solidFill>
+                <a:latin typeface="Helvetica Neue Light"/>
+                <a:ea typeface="Helvetica Neue Light"/>
+              </a:rPr>
+              <a:t>Saving the Deployed Contract's Address</a:t>
+            </a:r>
+            <a:endParaRPr b="0" lang="en-GB" sz="2800" spc="-1" strike="noStrike">
               <a:latin typeface="Arial"/>
             </a:endParaRPr>
           </a:p>
@@ -7971,8 +7542,8 @@
         </p:nvSpPr>
         <p:spPr>
           <a:xfrm>
-            <a:off x="952560" y="1512000"/>
-            <a:ext cx="11098800" cy="8135640"/>
+            <a:off x="272160" y="2764080"/>
+            <a:ext cx="10383840" cy="2995920"/>
           </a:xfrm>
           <a:prstGeom prst="rect">
             <a:avLst/>
@@ -7991,230 +7562,72 @@
         <p:txBody>
           <a:bodyPr lIns="50760" rIns="50760" tIns="50760" bIns="50760" anchor="ctr"/>
           <a:p>
-            <a:pPr marL="280080" indent="-279000">
+            <a:pPr marL="529200" indent="-527760">
               <a:lnSpc>
                 <a:spcPct val="100000"/>
               </a:lnSpc>
               <a:buClr>
                 <a:srgbClr val="000000"/>
               </a:buClr>
-              <a:buFont typeface="Helvetica Neue Light"/>
-              <a:buChar char="•"/>
-            </a:pPr>
-            <a:r>
-              <a:rPr b="0" lang="en-GB" sz="2270" spc="-1" strike="noStrike" u="sng">
-                <a:solidFill>
-                  <a:srgbClr val="000000"/>
-                </a:solidFill>
-                <a:uFillTx/>
-                <a:latin typeface="Helvetica Neue Light"/>
-                <a:ea typeface="Helvetica Neue Light"/>
-              </a:rPr>
-              <a:t>If you want to find past transactions’ IDs</a:t>
-            </a:r>
-            <a:endParaRPr b="0" lang="en-GB" sz="2270" spc="-1" strike="noStrike">
-              <a:latin typeface="Arial"/>
-            </a:endParaRPr>
-          </a:p>
-          <a:p>
-            <a:pPr lvl="1" marL="432000" indent="-215640">
+              <a:buFont typeface="StarSymbol"/>
+              <a:buAutoNum type="arabicPeriod"/>
+            </a:pPr>
+            <a:r>
+              <a:rPr b="0" lang="en-GB" sz="3000" spc="-1" strike="noStrike">
+                <a:solidFill>
+                  <a:srgbClr val="000000"/>
+                </a:solidFill>
+                <a:latin typeface="Helvetica Neue Light"/>
+                <a:ea typeface="Helvetica Neue Light"/>
+              </a:rPr>
+              <a:t>Log in to MetaMask, connect to the blockchain (as previously explained)</a:t>
+            </a:r>
+            <a:endParaRPr b="0" lang="en-GB" sz="3000" spc="-1" strike="noStrike">
+              <a:latin typeface="Arial"/>
+            </a:endParaRPr>
+          </a:p>
+          <a:p>
+            <a:pPr marL="529200" indent="-527760">
               <a:lnSpc>
                 <a:spcPct val="100000"/>
               </a:lnSpc>
               <a:buClr>
                 <a:srgbClr val="000000"/>
               </a:buClr>
-              <a:buSzPct val="45000"/>
-              <a:buFont typeface="Wingdings" charset="2"/>
-              <a:buChar char=""/>
-            </a:pPr>
-            <a:r>
-              <a:rPr b="0" lang="en-GB" sz="2270" spc="-1" strike="noStrike">
-                <a:solidFill>
-                  <a:srgbClr val="000000"/>
-                </a:solidFill>
-                <a:latin typeface="Helvetica Neue Light"/>
-                <a:ea typeface="Helvetica Neue Light"/>
-              </a:rPr>
-              <a:t>Metamask keeps a list of all transactions that you have made</a:t>
-            </a:r>
-            <a:endParaRPr b="0" lang="en-GB" sz="2270" spc="-1" strike="noStrike">
-              <a:latin typeface="Arial"/>
-            </a:endParaRPr>
-          </a:p>
-          <a:p>
-            <a:pPr lvl="1" marL="432000" indent="-215640">
-              <a:lnSpc>
-                <a:spcPct val="100000"/>
-              </a:lnSpc>
-              <a:buClr>
-                <a:srgbClr val="000000"/>
-              </a:buClr>
-              <a:buSzPct val="45000"/>
-              <a:buFont typeface="Wingdings" charset="2"/>
-              <a:buChar char=""/>
-            </a:pPr>
-            <a:r>
-              <a:rPr b="0" lang="en-GB" sz="2270" spc="-1" strike="noStrike">
-                <a:solidFill>
-                  <a:srgbClr val="000000"/>
-                </a:solidFill>
-                <a:latin typeface="Helvetica Neue Light"/>
-                <a:ea typeface="Helvetica Neue Light"/>
-              </a:rPr>
-              <a:t>Click on a transaction and it will redirect you to Etherscan – the public Ethereum network’s explorer</a:t>
-            </a:r>
-            <a:endParaRPr b="0" lang="en-GB" sz="2270" spc="-1" strike="noStrike">
-              <a:latin typeface="Arial"/>
-            </a:endParaRPr>
-          </a:p>
-          <a:p>
-            <a:pPr lvl="1" marL="432000" indent="-215640">
-              <a:lnSpc>
-                <a:spcPct val="100000"/>
-              </a:lnSpc>
-              <a:buClr>
-                <a:srgbClr val="000000"/>
-              </a:buClr>
-              <a:buSzPct val="45000"/>
-              <a:buFont typeface="Wingdings" charset="2"/>
-              <a:buChar char=""/>
-            </a:pPr>
-            <a:r>
-              <a:rPr b="0" lang="en-GB" sz="2270" spc="-1" strike="noStrike">
-                <a:solidFill>
-                  <a:srgbClr val="000000"/>
-                </a:solidFill>
-                <a:latin typeface="Helvetica Neue Light"/>
-                <a:ea typeface="Helvetica Neue Light"/>
-              </a:rPr>
-              <a:t>Etherscan will not show you anything, because it does not track the private network but the public Ethereum</a:t>
-            </a:r>
-            <a:endParaRPr b="0" lang="en-GB" sz="2270" spc="-1" strike="noStrike">
-              <a:latin typeface="Arial"/>
-            </a:endParaRPr>
-          </a:p>
-          <a:p>
-            <a:pPr lvl="1" marL="432000" indent="-215640">
-              <a:lnSpc>
-                <a:spcPct val="100000"/>
-              </a:lnSpc>
-              <a:buClr>
-                <a:srgbClr val="000000"/>
-              </a:buClr>
-              <a:buSzPct val="45000"/>
-              <a:buFont typeface="Wingdings" charset="2"/>
-              <a:buChar char=""/>
-            </a:pPr>
-            <a:r>
-              <a:rPr b="0" lang="en-GB" sz="2270" spc="-1" strike="noStrike">
-                <a:solidFill>
-                  <a:srgbClr val="000000"/>
-                </a:solidFill>
-                <a:latin typeface="Helvetica Neue Light"/>
-                <a:ea typeface="Helvetica Neue Light"/>
-              </a:rPr>
-              <a:t>Either in the URL or in Etherscan’s page you will find the transaction ID</a:t>
-            </a:r>
-            <a:endParaRPr b="0" lang="en-GB" sz="2270" spc="-1" strike="noStrike">
-              <a:latin typeface="Arial"/>
-            </a:endParaRPr>
-          </a:p>
-          <a:p>
-            <a:pPr>
-              <a:lnSpc>
-                <a:spcPct val="100000"/>
-              </a:lnSpc>
-            </a:pPr>
-            <a:endParaRPr b="0" lang="en-GB" sz="2270" spc="-1" strike="noStrike">
-              <a:latin typeface="Arial"/>
-            </a:endParaRPr>
-          </a:p>
-          <a:p>
-            <a:pPr marL="280080" indent="-279000">
-              <a:lnSpc>
-                <a:spcPct val="100000"/>
-              </a:lnSpc>
-              <a:buClr>
-                <a:srgbClr val="000000"/>
-              </a:buClr>
-              <a:buFont typeface="Helvetica Neue Light"/>
-              <a:buChar char="•"/>
-            </a:pPr>
-            <a:r>
-              <a:rPr b="0" lang="en-GB" sz="2270" spc="-1" strike="noStrike" u="sng">
-                <a:solidFill>
-                  <a:srgbClr val="000000"/>
-                </a:solidFill>
-                <a:uFillTx/>
-                <a:latin typeface="Helvetica Neue Light"/>
-                <a:ea typeface="Helvetica Neue Light"/>
-              </a:rPr>
-              <a:t>If you interact with a contract but don’t see your changes published</a:t>
-            </a:r>
-            <a:endParaRPr b="0" lang="en-GB" sz="2270" spc="-1" strike="noStrike">
-              <a:latin typeface="Arial"/>
-            </a:endParaRPr>
-          </a:p>
-          <a:p>
-            <a:pPr lvl="1" marL="432000" indent="-215640">
-              <a:lnSpc>
-                <a:spcPct val="100000"/>
-              </a:lnSpc>
-              <a:buClr>
-                <a:srgbClr val="000000"/>
-              </a:buClr>
-              <a:buSzPct val="45000"/>
-              <a:buFont typeface="Wingdings" charset="2"/>
-              <a:buChar char=""/>
-            </a:pPr>
-            <a:r>
-              <a:rPr b="0" lang="en-GB" sz="2270" spc="-1" strike="noStrike">
-                <a:solidFill>
-                  <a:srgbClr val="000000"/>
-                </a:solidFill>
-                <a:latin typeface="Helvetica Neue Light"/>
-                <a:ea typeface="Helvetica Neue Light"/>
-              </a:rPr>
-              <a:t>Make sure that you have set the environment to </a:t>
-            </a:r>
-            <a:r>
-              <a:rPr b="0" i="1" lang="en-GB" sz="2270" spc="-1" strike="noStrike">
-                <a:solidFill>
-                  <a:srgbClr val="000000"/>
+              <a:buFont typeface="StarSymbol"/>
+              <a:buAutoNum type="arabicPeriod"/>
+            </a:pPr>
+            <a:r>
+              <a:rPr b="0" lang="en-GB" sz="3000" spc="-1" strike="noStrike">
+                <a:solidFill>
+                  <a:srgbClr val="000000"/>
+                </a:solidFill>
+                <a:latin typeface="Helvetica Neue Light"/>
+                <a:ea typeface="Helvetica Neue Light"/>
+              </a:rPr>
+              <a:t>In Remix, write and compile your contract, and set the environment to </a:t>
+            </a:r>
+            <a:r>
+              <a:rPr b="0" lang="en-GB" sz="3000" spc="-1" strike="noStrike">
+                <a:solidFill>
+                  <a:srgbClr val="942192"/>
                 </a:solidFill>
                 <a:latin typeface="Helvetica Neue Light"/>
                 <a:ea typeface="Helvetica Neue Light"/>
               </a:rPr>
               <a:t>Injected Web3</a:t>
             </a:r>
-            <a:endParaRPr b="0" lang="en-GB" sz="2270" spc="-1" strike="noStrike">
-              <a:latin typeface="Arial"/>
-            </a:endParaRPr>
-          </a:p>
-          <a:p>
-            <a:pPr lvl="1" marL="432000" indent="-215640">
-              <a:lnSpc>
-                <a:spcPct val="100000"/>
-              </a:lnSpc>
-              <a:buClr>
-                <a:srgbClr val="000000"/>
-              </a:buClr>
-              <a:buSzPct val="45000"/>
-              <a:buFont typeface="Wingdings" charset="2"/>
-              <a:buChar char=""/>
-            </a:pPr>
-            <a:r>
-              <a:rPr b="0" lang="en-GB" sz="2270" spc="-1" strike="noStrike">
-                <a:solidFill>
-                  <a:srgbClr val="000000"/>
-                </a:solidFill>
-                <a:latin typeface="Helvetica Neue Light"/>
-                <a:ea typeface="Helvetica Neue Light"/>
-              </a:rPr>
-              <a:t>Double check that the address of the contract to which you connect is the correct one</a:t>
-            </a:r>
-            <a:endParaRPr b="0" lang="en-GB" sz="2270" spc="-1" strike="noStrike">
+            <a:r>
+              <a:rPr b="0" lang="en-GB" sz="3000" spc="-1" strike="noStrike">
+                <a:solidFill>
+                  <a:srgbClr val="000000"/>
+                </a:solidFill>
+                <a:latin typeface="Helvetica Neue Light"/>
+                <a:ea typeface="Helvetica Neue Light"/>
+              </a:rPr>
+              <a:t>.</a:t>
+            </a:r>
+            <a:endParaRPr b="0" lang="en-GB" sz="3000" spc="-1" strike="noStrike">
               <a:latin typeface="Arial"/>
             </a:endParaRPr>
           </a:p>
@@ -8228,8 +7641,8 @@
         </p:nvSpPr>
         <p:spPr>
           <a:xfrm>
-            <a:off x="952560" y="-23760"/>
-            <a:ext cx="11098800" cy="2158200"/>
+            <a:off x="144000" y="5760000"/>
+            <a:ext cx="6998760" cy="2386440"/>
           </a:xfrm>
           <a:prstGeom prst="rect">
             <a:avLst/>
@@ -8248,26 +7661,317 @@
         <p:txBody>
           <a:bodyPr lIns="50760" rIns="50760" tIns="50760" bIns="50760" anchor="ctr"/>
           <a:p>
+            <a:pPr>
+              <a:lnSpc>
+                <a:spcPct val="100000"/>
+              </a:lnSpc>
+            </a:pPr>
+            <a:r>
+              <a:rPr b="0" lang="en-GB" sz="3000" spc="-1" strike="noStrike">
+                <a:solidFill>
+                  <a:srgbClr val="000000"/>
+                </a:solidFill>
+                <a:latin typeface="Helvetica Neue Light"/>
+                <a:ea typeface="Helvetica Neue Light"/>
+              </a:rPr>
+              <a:t>3. I</a:t>
+            </a:r>
+            <a:r>
+              <a:rPr b="0" lang="en-GB" sz="3000" spc="-1" strike="noStrike">
+                <a:solidFill>
+                  <a:srgbClr val="000000"/>
+                </a:solidFill>
+                <a:latin typeface="Helvetica Neue Light"/>
+                <a:ea typeface="Helvetica Neue Light"/>
+              </a:rPr>
+              <a:t>nsert the deployed </a:t>
+            </a:r>
+            <a:r>
+              <a:rPr b="0" lang="en-GB" sz="3000" spc="-1" strike="noStrike">
+                <a:solidFill>
+                  <a:srgbClr val="942192"/>
+                </a:solidFill>
+                <a:latin typeface="Helvetica Neue Light"/>
+                <a:ea typeface="Helvetica Neue Light"/>
+              </a:rPr>
+              <a:t>contract’s address</a:t>
+            </a:r>
+            <a:r>
+              <a:rPr b="0" lang="en-GB" sz="3000" spc="-1" strike="noStrike">
+                <a:solidFill>
+                  <a:srgbClr val="000000"/>
+                </a:solidFill>
+                <a:latin typeface="Helvetica Neue Light"/>
+                <a:ea typeface="Helvetica Neue Light"/>
+              </a:rPr>
+              <a:t> and click on: </a:t>
+            </a:r>
+            <a:r>
+              <a:rPr b="0" lang="en-GB" sz="3000" spc="-1" strike="noStrike">
+                <a:solidFill>
+                  <a:srgbClr val="942192"/>
+                </a:solidFill>
+                <a:latin typeface="Helvetica Neue Light"/>
+                <a:ea typeface="Helvetica Neue Light"/>
+              </a:rPr>
+              <a:t>At Address</a:t>
+            </a:r>
+            <a:r>
+              <a:rPr b="0" lang="en-GB" sz="3000" spc="-1" strike="noStrike">
+                <a:solidFill>
+                  <a:srgbClr val="000000"/>
+                </a:solidFill>
+                <a:latin typeface="Helvetica Neue Light"/>
+                <a:ea typeface="Helvetica Neue Light"/>
+              </a:rPr>
+              <a:t>.</a:t>
+            </a:r>
+            <a:endParaRPr b="0" lang="en-GB" sz="3000" spc="-1" strike="noStrike">
+              <a:latin typeface="Arial"/>
+            </a:endParaRPr>
+          </a:p>
+        </p:txBody>
+      </p:sp>
+      <p:sp>
+        <p:nvSpPr>
+          <p:cNvPr id="154" name="CustomShape 3"/>
+          <p:cNvSpPr/>
+          <p:nvPr/>
+        </p:nvSpPr>
+        <p:spPr>
+          <a:xfrm flipH="1" rot="10800000">
+            <a:off x="24974280" y="8174520"/>
+            <a:ext cx="7050960" cy="444240"/>
+          </a:xfrm>
+          <a:custGeom>
+            <a:avLst/>
+            <a:gdLst/>
+            <a:ahLst/>
+            <a:rect l="l" t="t" r="r" b="b"/>
+            <a:pathLst>
+              <a:path w="21600" h="21600">
+                <a:moveTo>
+                  <a:pt x="0" y="0"/>
+                </a:moveTo>
+                <a:lnTo>
+                  <a:pt x="21600" y="21600"/>
+                </a:lnTo>
+              </a:path>
+            </a:pathLst>
+          </a:custGeom>
+          <a:noFill/>
+          <a:ln w="25560">
+            <a:solidFill>
+              <a:srgbClr val="000000"/>
+            </a:solidFill>
+            <a:miter/>
+            <a:tailEnd len="med" type="triangle" w="med"/>
+          </a:ln>
+        </p:spPr>
+        <p:style>
+          <a:lnRef idx="0"/>
+          <a:fillRef idx="0"/>
+          <a:effectRef idx="0"/>
+          <a:fontRef idx="minor"/>
+        </p:style>
+      </p:sp>
+      <p:sp>
+        <p:nvSpPr>
+          <p:cNvPr id="155" name="CustomShape 4"/>
+          <p:cNvSpPr/>
+          <p:nvPr/>
+        </p:nvSpPr>
+        <p:spPr>
+          <a:xfrm flipH="1" rot="10800000">
+            <a:off x="22534920" y="10943640"/>
+            <a:ext cx="6695280" cy="1367280"/>
+          </a:xfrm>
+          <a:custGeom>
+            <a:avLst/>
+            <a:gdLst/>
+            <a:ahLst/>
+            <a:rect l="l" t="t" r="r" b="b"/>
+            <a:pathLst>
+              <a:path w="21600" h="21600">
+                <a:moveTo>
+                  <a:pt x="0" y="0"/>
+                </a:moveTo>
+                <a:lnTo>
+                  <a:pt x="21600" y="21600"/>
+                </a:lnTo>
+              </a:path>
+            </a:pathLst>
+          </a:custGeom>
+          <a:noFill/>
+          <a:ln w="25560">
+            <a:solidFill>
+              <a:srgbClr val="000000"/>
+            </a:solidFill>
+            <a:miter/>
+            <a:tailEnd len="med" type="triangle" w="med"/>
+          </a:ln>
+        </p:spPr>
+        <p:style>
+          <a:lnRef idx="0"/>
+          <a:fillRef idx="0"/>
+          <a:effectRef idx="0"/>
+          <a:fontRef idx="minor"/>
+        </p:style>
+      </p:sp>
+      <p:sp>
+        <p:nvSpPr>
+          <p:cNvPr id="156" name="CustomShape 5"/>
+          <p:cNvSpPr/>
+          <p:nvPr/>
+        </p:nvSpPr>
+        <p:spPr>
+          <a:xfrm>
+            <a:off x="952560" y="444600"/>
+            <a:ext cx="11098440" cy="2157480"/>
+          </a:xfrm>
+          <a:prstGeom prst="rect">
+            <a:avLst/>
+          </a:prstGeom>
+          <a:noFill/>
+          <a:ln>
+            <a:noFill/>
+          </a:ln>
+        </p:spPr>
+        <p:style>
+          <a:lnRef idx="0"/>
+          <a:fillRef idx="0"/>
+          <a:effectRef idx="0"/>
+          <a:fontRef idx="minor"/>
+        </p:style>
+        <p:txBody>
+          <a:bodyPr lIns="50760" rIns="50760" tIns="50760" bIns="50760" anchor="ctr"/>
+          <a:p>
             <a:pPr algn="ctr">
               <a:lnSpc>
                 <a:spcPct val="100000"/>
               </a:lnSpc>
             </a:pPr>
             <a:r>
-              <a:rPr b="0" lang="en-GB" sz="8000" spc="-1" strike="noStrike">
-                <a:solidFill>
-                  <a:srgbClr val="000000"/>
-                </a:solidFill>
-                <a:latin typeface="Helvetica Neue Light"/>
-                <a:ea typeface="Helvetica Neue Light"/>
-              </a:rPr>
-              <a:t>Debugging</a:t>
-            </a:r>
-            <a:endParaRPr b="0" lang="en-GB" sz="8000" spc="-1" strike="noStrike">
-              <a:latin typeface="Arial"/>
-            </a:endParaRPr>
-          </a:p>
-        </p:txBody>
+              <a:rPr b="0" lang="en-GB" sz="4200" spc="-1" strike="noStrike">
+                <a:solidFill>
+                  <a:srgbClr val="000000"/>
+                </a:solidFill>
+                <a:latin typeface="Helvetica Neue Light"/>
+                <a:ea typeface="Helvetica Neue Light"/>
+              </a:rPr>
+              <a:t>Step 4.3:</a:t>
+            </a:r>
+            <a:endParaRPr b="0" lang="en-GB" sz="4200" spc="-1" strike="noStrike">
+              <a:latin typeface="Arial"/>
+            </a:endParaRPr>
+          </a:p>
+          <a:p>
+            <a:pPr algn="ctr">
+              <a:lnSpc>
+                <a:spcPct val="100000"/>
+              </a:lnSpc>
+            </a:pPr>
+            <a:r>
+              <a:rPr b="0" lang="en-GB" sz="4200" spc="-1" strike="noStrike">
+                <a:solidFill>
+                  <a:srgbClr val="000000"/>
+                </a:solidFill>
+                <a:latin typeface="Helvetica Neue Light"/>
+                <a:ea typeface="Helvetica Neue Light"/>
+              </a:rPr>
+              <a:t>Deploying Smart Contract to the Private Chain</a:t>
+            </a:r>
+            <a:endParaRPr b="0" lang="en-GB" sz="4200" spc="-1" strike="noStrike">
+              <a:latin typeface="Arial"/>
+            </a:endParaRPr>
+          </a:p>
+          <a:p>
+            <a:pPr algn="ctr">
+              <a:lnSpc>
+                <a:spcPct val="100000"/>
+              </a:lnSpc>
+            </a:pPr>
+            <a:r>
+              <a:rPr b="0" lang="en-GB" sz="2800" spc="-1" strike="noStrike">
+                <a:solidFill>
+                  <a:srgbClr val="000000"/>
+                </a:solidFill>
+                <a:latin typeface="Helvetica Neue Light"/>
+                <a:ea typeface="Helvetica Neue Light"/>
+              </a:rPr>
+              <a:t>Interacting with a Deployed Contract</a:t>
+            </a:r>
+            <a:endParaRPr b="0" lang="en-GB" sz="2800" spc="-1" strike="noStrike">
+              <a:latin typeface="Arial"/>
+            </a:endParaRPr>
+          </a:p>
+        </p:txBody>
+      </p:sp>
+      <p:pic>
+        <p:nvPicPr>
+          <p:cNvPr id="157" name="" descr=""/>
+          <p:cNvPicPr/>
+          <p:nvPr/>
+        </p:nvPicPr>
+        <p:blipFill>
+          <a:blip r:embed="rId1"/>
+          <a:stretch/>
+        </p:blipFill>
+        <p:spPr>
+          <a:xfrm>
+            <a:off x="8541360" y="5010120"/>
+            <a:ext cx="3266640" cy="3914280"/>
+          </a:xfrm>
+          <a:prstGeom prst="rect">
+            <a:avLst/>
+          </a:prstGeom>
+          <a:ln>
+            <a:noFill/>
+          </a:ln>
+        </p:spPr>
+      </p:pic>
+      <p:sp>
+        <p:nvSpPr>
+          <p:cNvPr id="158" name="CustomShape 6"/>
+          <p:cNvSpPr/>
+          <p:nvPr/>
+        </p:nvSpPr>
+        <p:spPr>
+          <a:xfrm flipH="1" rot="10800000">
+            <a:off x="10008000" y="7200000"/>
+            <a:ext cx="3528000" cy="1654920"/>
+          </a:xfrm>
+          <a:custGeom>
+            <a:avLst/>
+            <a:gdLst/>
+            <a:ahLst/>
+            <a:rect l="l" t="t" r="r" b="b"/>
+            <a:pathLst>
+              <a:path w="21600" h="21600">
+                <a:moveTo>
+                  <a:pt x="0" y="0"/>
+                </a:moveTo>
+                <a:lnTo>
+                  <a:pt x="21600" y="21600"/>
+                </a:lnTo>
+              </a:path>
+            </a:pathLst>
+          </a:custGeom>
+          <a:noFill/>
+          <a:ln w="25560">
+            <a:solidFill>
+              <a:srgbClr val="000000"/>
+            </a:solidFill>
+            <a:miter/>
+            <a:tailEnd len="med" type="triangle" w="med"/>
+          </a:ln>
+        </p:spPr>
+        <p:style>
+          <a:lnRef idx="0"/>
+          <a:fillRef idx="0"/>
+          <a:effectRef idx="0"/>
+          <a:fontRef idx="minor"/>
+        </p:style>
       </p:sp>
     </p:spTree>
   </p:cSld>
@@ -8278,6 +7982,1108 @@
           <p:childTnLst>
             <p:seq>
               <p:cTn id="44" dur="indefinite" nodeType="mainSeq"/>
+              <p:prevCondLst>
+                <p:cond delay="0" evt="onPrev">
+                  <p:tgtEl>
+                    <p:sldTgt/>
+                  </p:tgtEl>
+                </p:cond>
+              </p:prevCondLst>
+              <p:nextCondLst>
+                <p:cond delay="0" evt="onNext">
+                  <p:tgtEl>
+                    <p:sldTgt/>
+                  </p:tgtEl>
+                </p:cond>
+              </p:nextCondLst>
+            </p:seq>
+          </p:childTnLst>
+        </p:cTn>
+      </p:par>
+    </p:tnLst>
+  </p:timing>
+</p:sld>
+</file>
+
+<file path=ppt/slides/slide23.xml><?xml version="1.0" encoding="utf-8"?>
+<p:sld xmlns:a="http://schemas.openxmlformats.org/drawingml/2006/main" xmlns:p="http://schemas.openxmlformats.org/presentationml/2006/main" xmlns:r="http://schemas.openxmlformats.org/officeDocument/2006/relationships" xmlns:p14="http://schemas.microsoft.com/office/powerpoint/2010/main" xmlns:p15="http://schemas.microsoft.com/office/powerpoint/2012/main" xmlns:mc="http://schemas.openxmlformats.org/markup-compatibility/2006">
+  <p:cSld>
+    <p:spTree>
+      <p:nvGrpSpPr>
+        <p:cNvPr id="1" name=""/>
+        <p:cNvGrpSpPr/>
+        <p:nvPr/>
+      </p:nvGrpSpPr>
+      <p:grpSpPr>
+        <a:xfrm>
+          <a:off x="0" y="0"/>
+          <a:ext cx="0" cy="0"/>
+          <a:chOff x="0" y="0"/>
+          <a:chExt cx="0" cy="0"/>
+        </a:xfrm>
+      </p:grpSpPr>
+      <p:sp>
+        <p:nvSpPr>
+          <p:cNvPr id="159" name="CustomShape 1"/>
+          <p:cNvSpPr/>
+          <p:nvPr/>
+        </p:nvSpPr>
+        <p:spPr>
+          <a:xfrm>
+            <a:off x="386640" y="3001320"/>
+            <a:ext cx="6924240" cy="2462400"/>
+          </a:xfrm>
+          <a:prstGeom prst="rect">
+            <a:avLst/>
+          </a:prstGeom>
+          <a:noFill/>
+          <a:ln>
+            <a:noFill/>
+          </a:ln>
+        </p:spPr>
+        <p:style>
+          <a:lnRef idx="0"/>
+          <a:fillRef idx="0"/>
+          <a:effectRef idx="0"/>
+          <a:fontRef idx="minor"/>
+        </p:style>
+        <p:txBody>
+          <a:bodyPr lIns="50760" rIns="50760" tIns="50760" bIns="50760" anchor="ctr"/>
+          <a:p>
+            <a:pPr>
+              <a:lnSpc>
+                <a:spcPct val="100000"/>
+              </a:lnSpc>
+            </a:pPr>
+            <a:r>
+              <a:rPr b="0" lang="en-GB" sz="3000" spc="-1" strike="noStrike">
+                <a:solidFill>
+                  <a:srgbClr val="000000"/>
+                </a:solidFill>
+                <a:latin typeface="Helvetica Neue Light"/>
+                <a:ea typeface="Helvetica Neue Light"/>
+              </a:rPr>
+              <a:t>4- All the public/external functions in the contract are provided and you can pass arguments on them and invoke them </a:t>
+            </a:r>
+            <a:endParaRPr b="0" lang="en-GB" sz="3000" spc="-1" strike="noStrike">
+              <a:latin typeface="Arial"/>
+            </a:endParaRPr>
+          </a:p>
+        </p:txBody>
+      </p:sp>
+      <p:sp>
+        <p:nvSpPr>
+          <p:cNvPr id="160" name="CustomShape 2"/>
+          <p:cNvSpPr/>
+          <p:nvPr/>
+        </p:nvSpPr>
+        <p:spPr>
+          <a:xfrm>
+            <a:off x="-420120" y="5256000"/>
+            <a:ext cx="6864120" cy="4391280"/>
+          </a:xfrm>
+          <a:prstGeom prst="rect">
+            <a:avLst/>
+          </a:prstGeom>
+          <a:noFill/>
+          <a:ln>
+            <a:noFill/>
+          </a:ln>
+        </p:spPr>
+        <p:style>
+          <a:lnRef idx="0"/>
+          <a:fillRef idx="0"/>
+          <a:effectRef idx="0"/>
+          <a:fontRef idx="minor"/>
+        </p:style>
+        <p:txBody>
+          <a:bodyPr lIns="50760" rIns="50760" tIns="50760" bIns="50760" anchor="ctr"/>
+          <a:p>
+            <a:pPr marL="1005480" indent="-369000">
+              <a:lnSpc>
+                <a:spcPct val="100000"/>
+              </a:lnSpc>
+              <a:buClr>
+                <a:srgbClr val="000000"/>
+              </a:buClr>
+              <a:buFont typeface="Helvetica Neue Light"/>
+              <a:buChar char="•"/>
+            </a:pPr>
+            <a:r>
+              <a:rPr b="0" lang="en-GB" sz="3000" spc="-1" strike="noStrike">
+                <a:solidFill>
+                  <a:srgbClr val="f04e4d"/>
+                </a:solidFill>
+                <a:latin typeface="Helvetica Neue Light"/>
+                <a:ea typeface="Helvetica Neue Light"/>
+              </a:rPr>
+              <a:t>Orange</a:t>
+            </a:r>
+            <a:r>
+              <a:rPr b="0" lang="en-GB" sz="3000" spc="-1" strike="noStrike">
+                <a:solidFill>
+                  <a:srgbClr val="000000"/>
+                </a:solidFill>
+                <a:latin typeface="Helvetica Neue Light"/>
+                <a:ea typeface="Helvetica Neue Light"/>
+              </a:rPr>
+              <a:t> fields change the contract’s state, so you create a transaction and spend funds - at minimum you pay the fees, if your transaction does not send funds to the contract</a:t>
+            </a:r>
+            <a:endParaRPr b="0" lang="en-GB" sz="3000" spc="-1" strike="noStrike">
+              <a:latin typeface="Arial"/>
+            </a:endParaRPr>
+          </a:p>
+          <a:p>
+            <a:pPr marL="1005480" indent="-369000">
+              <a:lnSpc>
+                <a:spcPct val="100000"/>
+              </a:lnSpc>
+              <a:buClr>
+                <a:srgbClr val="000000"/>
+              </a:buClr>
+              <a:buFont typeface="Helvetica Neue Light"/>
+              <a:buChar char="•"/>
+            </a:pPr>
+            <a:r>
+              <a:rPr b="0" lang="en-GB" sz="3000" spc="-1" strike="noStrike">
+                <a:solidFill>
+                  <a:srgbClr val="7da7d8"/>
+                </a:solidFill>
+                <a:latin typeface="Helvetica Neue Light"/>
+                <a:ea typeface="Helvetica Neue Light"/>
+              </a:rPr>
+              <a:t>Blue</a:t>
+            </a:r>
+            <a:r>
+              <a:rPr b="0" lang="en-GB" sz="3000" spc="-1" strike="noStrike">
+                <a:solidFill>
+                  <a:srgbClr val="000000"/>
+                </a:solidFill>
+                <a:latin typeface="Helvetica Neue Light"/>
+                <a:ea typeface="Helvetica Neue Light"/>
+              </a:rPr>
+              <a:t> fields just show you the contract’s state and are free</a:t>
+            </a:r>
+            <a:endParaRPr b="0" lang="en-GB" sz="3000" spc="-1" strike="noStrike">
+              <a:latin typeface="Arial"/>
+            </a:endParaRPr>
+          </a:p>
+        </p:txBody>
+      </p:sp>
+      <p:sp>
+        <p:nvSpPr>
+          <p:cNvPr id="161" name="CustomShape 3"/>
+          <p:cNvSpPr/>
+          <p:nvPr/>
+        </p:nvSpPr>
+        <p:spPr>
+          <a:xfrm>
+            <a:off x="952560" y="444600"/>
+            <a:ext cx="11098440" cy="2157480"/>
+          </a:xfrm>
+          <a:prstGeom prst="rect">
+            <a:avLst/>
+          </a:prstGeom>
+          <a:noFill/>
+          <a:ln>
+            <a:noFill/>
+          </a:ln>
+        </p:spPr>
+        <p:style>
+          <a:lnRef idx="0"/>
+          <a:fillRef idx="0"/>
+          <a:effectRef idx="0"/>
+          <a:fontRef idx="minor"/>
+        </p:style>
+        <p:txBody>
+          <a:bodyPr lIns="50760" rIns="50760" tIns="50760" bIns="50760" anchor="ctr"/>
+          <a:p>
+            <a:pPr algn="ctr">
+              <a:lnSpc>
+                <a:spcPct val="100000"/>
+              </a:lnSpc>
+            </a:pPr>
+            <a:r>
+              <a:rPr b="0" lang="en-GB" sz="4200" spc="-1" strike="noStrike">
+                <a:solidFill>
+                  <a:srgbClr val="000000"/>
+                </a:solidFill>
+                <a:latin typeface="Helvetica Neue Light"/>
+                <a:ea typeface="Helvetica Neue Light"/>
+              </a:rPr>
+              <a:t>Step 4.3:</a:t>
+            </a:r>
+            <a:endParaRPr b="0" lang="en-GB" sz="4200" spc="-1" strike="noStrike">
+              <a:latin typeface="Arial"/>
+            </a:endParaRPr>
+          </a:p>
+          <a:p>
+            <a:pPr algn="ctr">
+              <a:lnSpc>
+                <a:spcPct val="100000"/>
+              </a:lnSpc>
+            </a:pPr>
+            <a:r>
+              <a:rPr b="0" lang="en-GB" sz="4200" spc="-1" strike="noStrike">
+                <a:solidFill>
+                  <a:srgbClr val="000000"/>
+                </a:solidFill>
+                <a:latin typeface="Helvetica Neue Light"/>
+                <a:ea typeface="Helvetica Neue Light"/>
+              </a:rPr>
+              <a:t>Deploying Smart Contract to the Private Chain</a:t>
+            </a:r>
+            <a:endParaRPr b="0" lang="en-GB" sz="4200" spc="-1" strike="noStrike">
+              <a:latin typeface="Arial"/>
+            </a:endParaRPr>
+          </a:p>
+          <a:p>
+            <a:pPr algn="ctr">
+              <a:lnSpc>
+                <a:spcPct val="100000"/>
+              </a:lnSpc>
+            </a:pPr>
+            <a:r>
+              <a:rPr b="0" lang="en-GB" sz="2800" spc="-1" strike="noStrike">
+                <a:solidFill>
+                  <a:srgbClr val="000000"/>
+                </a:solidFill>
+                <a:latin typeface="Helvetica Neue Light"/>
+                <a:ea typeface="Helvetica Neue Light"/>
+              </a:rPr>
+              <a:t>Interacting with a Deployed Contract</a:t>
+            </a:r>
+            <a:endParaRPr b="0" lang="en-GB" sz="2800" spc="-1" strike="noStrike">
+              <a:latin typeface="Arial"/>
+            </a:endParaRPr>
+          </a:p>
+        </p:txBody>
+      </p:sp>
+      <p:pic>
+        <p:nvPicPr>
+          <p:cNvPr id="162" name="" descr=""/>
+          <p:cNvPicPr/>
+          <p:nvPr/>
+        </p:nvPicPr>
+        <p:blipFill>
+          <a:blip r:embed="rId1"/>
+          <a:stretch/>
+        </p:blipFill>
+        <p:spPr>
+          <a:xfrm>
+            <a:off x="8973360" y="4608000"/>
+            <a:ext cx="3266640" cy="3914280"/>
+          </a:xfrm>
+          <a:prstGeom prst="rect">
+            <a:avLst/>
+          </a:prstGeom>
+          <a:ln>
+            <a:noFill/>
+          </a:ln>
+        </p:spPr>
+      </p:pic>
+      <p:sp>
+        <p:nvSpPr>
+          <p:cNvPr id="163" name="CustomShape 4"/>
+          <p:cNvSpPr/>
+          <p:nvPr/>
+        </p:nvSpPr>
+        <p:spPr>
+          <a:xfrm>
+            <a:off x="6552000" y="5939640"/>
+            <a:ext cx="2664000" cy="1620360"/>
+          </a:xfrm>
+          <a:custGeom>
+            <a:avLst/>
+            <a:gdLst/>
+            <a:ahLst/>
+            <a:rect l="l" t="t" r="r" b="b"/>
+            <a:pathLst>
+              <a:path w="21600" h="21600">
+                <a:moveTo>
+                  <a:pt x="0" y="0"/>
+                </a:moveTo>
+                <a:lnTo>
+                  <a:pt x="21600" y="21600"/>
+                </a:lnTo>
+              </a:path>
+            </a:pathLst>
+          </a:custGeom>
+          <a:noFill/>
+          <a:ln w="25560">
+            <a:solidFill>
+              <a:srgbClr val="000000"/>
+            </a:solidFill>
+            <a:miter/>
+            <a:tailEnd len="med" type="triangle" w="med"/>
+          </a:ln>
+        </p:spPr>
+        <p:style>
+          <a:lnRef idx="0"/>
+          <a:fillRef idx="0"/>
+          <a:effectRef idx="0"/>
+          <a:fontRef idx="minor"/>
+        </p:style>
+      </p:sp>
+      <p:sp>
+        <p:nvSpPr>
+          <p:cNvPr id="164" name="CustomShape 5"/>
+          <p:cNvSpPr/>
+          <p:nvPr/>
+        </p:nvSpPr>
+        <p:spPr>
+          <a:xfrm>
+            <a:off x="6552000" y="5939640"/>
+            <a:ext cx="2664000" cy="1260360"/>
+          </a:xfrm>
+          <a:custGeom>
+            <a:avLst/>
+            <a:gdLst/>
+            <a:ahLst/>
+            <a:rect l="l" t="t" r="r" b="b"/>
+            <a:pathLst>
+              <a:path w="21600" h="21600">
+                <a:moveTo>
+                  <a:pt x="0" y="0"/>
+                </a:moveTo>
+                <a:lnTo>
+                  <a:pt x="21600" y="21600"/>
+                </a:lnTo>
+              </a:path>
+            </a:pathLst>
+          </a:custGeom>
+          <a:noFill/>
+          <a:ln w="25560">
+            <a:solidFill>
+              <a:srgbClr val="000000"/>
+            </a:solidFill>
+            <a:miter/>
+            <a:tailEnd len="med" type="triangle" w="med"/>
+          </a:ln>
+        </p:spPr>
+        <p:style>
+          <a:lnRef idx="0"/>
+          <a:fillRef idx="0"/>
+          <a:effectRef idx="0"/>
+          <a:fontRef idx="minor"/>
+        </p:style>
+      </p:sp>
+      <p:sp>
+        <p:nvSpPr>
+          <p:cNvPr id="165" name="CustomShape 6"/>
+          <p:cNvSpPr/>
+          <p:nvPr/>
+        </p:nvSpPr>
+        <p:spPr>
+          <a:xfrm>
+            <a:off x="3709080" y="4976640"/>
+            <a:ext cx="5506920" cy="1863360"/>
+          </a:xfrm>
+          <a:custGeom>
+            <a:avLst/>
+            <a:gdLst/>
+            <a:ahLst/>
+            <a:rect l="l" t="t" r="r" b="b"/>
+            <a:pathLst>
+              <a:path w="21600" h="21600">
+                <a:moveTo>
+                  <a:pt x="0" y="0"/>
+                </a:moveTo>
+                <a:lnTo>
+                  <a:pt x="21600" y="21600"/>
+                </a:lnTo>
+              </a:path>
+            </a:pathLst>
+          </a:custGeom>
+          <a:noFill/>
+          <a:ln w="25560">
+            <a:solidFill>
+              <a:srgbClr val="000000"/>
+            </a:solidFill>
+            <a:miter/>
+            <a:tailEnd len="med" type="triangle" w="med"/>
+          </a:ln>
+        </p:spPr>
+        <p:style>
+          <a:lnRef idx="0"/>
+          <a:fillRef idx="0"/>
+          <a:effectRef idx="0"/>
+          <a:fontRef idx="minor"/>
+        </p:style>
+      </p:sp>
+    </p:spTree>
+  </p:cSld>
+  <p:timing>
+    <p:tnLst>
+      <p:par>
+        <p:cTn id="45" dur="indefinite" restart="never" nodeType="tmRoot">
+          <p:childTnLst>
+            <p:seq>
+              <p:cTn id="46" dur="indefinite" nodeType="mainSeq"/>
+              <p:prevCondLst>
+                <p:cond delay="0" evt="onPrev">
+                  <p:tgtEl>
+                    <p:sldTgt/>
+                  </p:tgtEl>
+                </p:cond>
+              </p:prevCondLst>
+              <p:nextCondLst>
+                <p:cond delay="0" evt="onNext">
+                  <p:tgtEl>
+                    <p:sldTgt/>
+                  </p:tgtEl>
+                </p:cond>
+              </p:nextCondLst>
+            </p:seq>
+          </p:childTnLst>
+        </p:cTn>
+      </p:par>
+    </p:tnLst>
+  </p:timing>
+</p:sld>
+</file>
+
+<file path=ppt/slides/slide24.xml><?xml version="1.0" encoding="utf-8"?>
+<p:sld xmlns:a="http://schemas.openxmlformats.org/drawingml/2006/main" xmlns:p="http://schemas.openxmlformats.org/presentationml/2006/main" xmlns:r="http://schemas.openxmlformats.org/officeDocument/2006/relationships" xmlns:p14="http://schemas.microsoft.com/office/powerpoint/2010/main" xmlns:p15="http://schemas.microsoft.com/office/powerpoint/2012/main" xmlns:mc="http://schemas.openxmlformats.org/markup-compatibility/2006">
+  <p:cSld>
+    <p:spTree>
+      <p:nvGrpSpPr>
+        <p:cNvPr id="1" name=""/>
+        <p:cNvGrpSpPr/>
+        <p:nvPr/>
+      </p:nvGrpSpPr>
+      <p:grpSpPr>
+        <a:xfrm>
+          <a:off x="0" y="0"/>
+          <a:ext cx="0" cy="0"/>
+          <a:chOff x="0" y="0"/>
+          <a:chExt cx="0" cy="0"/>
+        </a:xfrm>
+      </p:grpSpPr>
+      <p:sp>
+        <p:nvSpPr>
+          <p:cNvPr id="166" name="CustomShape 1"/>
+          <p:cNvSpPr/>
+          <p:nvPr/>
+        </p:nvSpPr>
+        <p:spPr>
+          <a:xfrm>
+            <a:off x="952560" y="1512000"/>
+            <a:ext cx="11098440" cy="8135280"/>
+          </a:xfrm>
+          <a:prstGeom prst="rect">
+            <a:avLst/>
+          </a:prstGeom>
+          <a:noFill/>
+          <a:ln>
+            <a:noFill/>
+          </a:ln>
+        </p:spPr>
+        <p:style>
+          <a:lnRef idx="0"/>
+          <a:fillRef idx="0"/>
+          <a:effectRef idx="0"/>
+          <a:fontRef idx="minor"/>
+        </p:style>
+        <p:txBody>
+          <a:bodyPr lIns="50760" rIns="50760" tIns="50760" bIns="50760" anchor="ctr"/>
+          <a:p>
+            <a:pPr marL="280080" indent="-278640">
+              <a:lnSpc>
+                <a:spcPct val="100000"/>
+              </a:lnSpc>
+              <a:buClr>
+                <a:srgbClr val="000000"/>
+              </a:buClr>
+              <a:buFont typeface="Helvetica Neue Light"/>
+              <a:buChar char="•"/>
+            </a:pPr>
+            <a:r>
+              <a:rPr b="0" lang="en-GB" sz="2270" spc="-1" strike="noStrike" u="sng">
+                <a:solidFill>
+                  <a:srgbClr val="000000"/>
+                </a:solidFill>
+                <a:uFillTx/>
+                <a:latin typeface="Helvetica Neue Light"/>
+                <a:ea typeface="Helvetica Neue Light"/>
+              </a:rPr>
+              <a:t>If you don’t see your funds in Metamask</a:t>
+            </a:r>
+            <a:endParaRPr b="0" lang="en-GB" sz="2270" spc="-1" strike="noStrike">
+              <a:latin typeface="Arial"/>
+            </a:endParaRPr>
+          </a:p>
+          <a:p>
+            <a:pPr lvl="1" marL="432000" indent="-215280">
+              <a:lnSpc>
+                <a:spcPct val="100000"/>
+              </a:lnSpc>
+              <a:buClr>
+                <a:srgbClr val="000000"/>
+              </a:buClr>
+              <a:buSzPct val="45000"/>
+              <a:buFont typeface="Wingdings" charset="2"/>
+              <a:buChar char=""/>
+            </a:pPr>
+            <a:r>
+              <a:rPr b="0" lang="en-GB" sz="2270" spc="-1" strike="noStrike">
+                <a:solidFill>
+                  <a:srgbClr val="000000"/>
+                </a:solidFill>
+                <a:latin typeface="Helvetica Neue Light"/>
+                <a:ea typeface="Helvetica Neue Light"/>
+              </a:rPr>
+              <a:t>Double check that you are connected to the correct network, i.e. the private network and not e.g. the Ethereum mainnet</a:t>
+            </a:r>
+            <a:endParaRPr b="0" lang="en-GB" sz="2270" spc="-1" strike="noStrike">
+              <a:latin typeface="Arial"/>
+            </a:endParaRPr>
+          </a:p>
+          <a:p>
+            <a:pPr lvl="1" marL="432000" indent="-215280">
+              <a:lnSpc>
+                <a:spcPct val="100000"/>
+              </a:lnSpc>
+              <a:buClr>
+                <a:srgbClr val="000000"/>
+              </a:buClr>
+              <a:buSzPct val="45000"/>
+              <a:buFont typeface="Wingdings" charset="2"/>
+              <a:buChar char=""/>
+            </a:pPr>
+            <a:r>
+              <a:rPr b="0" lang="en-GB" sz="2270" spc="-1" strike="noStrike">
+                <a:solidFill>
+                  <a:srgbClr val="000000"/>
+                </a:solidFill>
+                <a:latin typeface="Helvetica Neue Light"/>
+                <a:ea typeface="Helvetica Neue Light"/>
+              </a:rPr>
+              <a:t>If you are connected to the private network, try connecting to a different network (e.g. the Ethereum mainnet) and then reconnecting back to the private network – sometimes Metamask’s connection breaks down, so this will reset the network</a:t>
+            </a:r>
+            <a:endParaRPr b="0" lang="en-GB" sz="2270" spc="-1" strike="noStrike">
+              <a:latin typeface="Arial"/>
+            </a:endParaRPr>
+          </a:p>
+          <a:p>
+            <a:pPr lvl="1" marL="432000" indent="-215280">
+              <a:lnSpc>
+                <a:spcPct val="100000"/>
+              </a:lnSpc>
+              <a:buClr>
+                <a:srgbClr val="000000"/>
+              </a:buClr>
+              <a:buSzPct val="45000"/>
+              <a:buFont typeface="Wingdings" charset="2"/>
+              <a:buChar char=""/>
+            </a:pPr>
+            <a:r>
+              <a:rPr b="0" lang="en-GB" sz="2270" spc="-1" strike="noStrike">
+                <a:solidFill>
+                  <a:srgbClr val="000000"/>
+                </a:solidFill>
+                <a:latin typeface="Helvetica Neue Light"/>
+                <a:ea typeface="Helvetica Neue Light"/>
+              </a:rPr>
+              <a:t>If you still don’t see your funds, try deleting Metamask from your browser (remember to </a:t>
+            </a:r>
+            <a:r>
+              <a:rPr b="1" lang="en-GB" sz="2270" spc="-1" strike="noStrike">
+                <a:solidFill>
+                  <a:srgbClr val="000000"/>
+                </a:solidFill>
+                <a:latin typeface="Helvetica Neue Light"/>
+                <a:ea typeface="Helvetica Neue Light"/>
+              </a:rPr>
+              <a:t>store your seed</a:t>
+            </a:r>
+            <a:r>
+              <a:rPr b="0" lang="en-GB" sz="2270" spc="-1" strike="noStrike">
+                <a:solidFill>
+                  <a:srgbClr val="000000"/>
+                </a:solidFill>
+                <a:latin typeface="Helvetica Neue Light"/>
+                <a:ea typeface="Helvetica Neue Light"/>
+              </a:rPr>
+              <a:t> first), and then re-install it, recreate your wallet using your seed (if you have more than one accounts in your wallet, you have to create them all manually again) and connect to the private network – sometimes Metamask’s internal transaction generator breaks down (due to temporary network issues), so this will reset your wallet from scratch</a:t>
+            </a:r>
+            <a:endParaRPr b="0" lang="en-GB" sz="2270" spc="-1" strike="noStrike">
+              <a:latin typeface="Arial"/>
+            </a:endParaRPr>
+          </a:p>
+          <a:p>
+            <a:pPr lvl="1" marL="432000" indent="-215280">
+              <a:lnSpc>
+                <a:spcPct val="100000"/>
+              </a:lnSpc>
+              <a:buClr>
+                <a:srgbClr val="000000"/>
+              </a:buClr>
+              <a:buSzPct val="45000"/>
+              <a:buFont typeface="Wingdings" charset="2"/>
+              <a:buChar char=""/>
+            </a:pPr>
+            <a:r>
+              <a:rPr b="0" lang="en-GB" sz="2270" spc="-1" strike="noStrike">
+                <a:solidFill>
+                  <a:srgbClr val="000000"/>
+                </a:solidFill>
+                <a:latin typeface="Helvetica Neue Light"/>
+                <a:ea typeface="Helvetica Neue Light"/>
+              </a:rPr>
+              <a:t>If you still don’t see your funds contact the course’s TA</a:t>
+            </a:r>
+            <a:endParaRPr b="0" lang="en-GB" sz="2270" spc="-1" strike="noStrike">
+              <a:latin typeface="Arial"/>
+            </a:endParaRPr>
+          </a:p>
+        </p:txBody>
+      </p:sp>
+      <p:sp>
+        <p:nvSpPr>
+          <p:cNvPr id="167" name="CustomShape 2"/>
+          <p:cNvSpPr/>
+          <p:nvPr/>
+        </p:nvSpPr>
+        <p:spPr>
+          <a:xfrm>
+            <a:off x="952560" y="-23760"/>
+            <a:ext cx="11098440" cy="2157840"/>
+          </a:xfrm>
+          <a:prstGeom prst="rect">
+            <a:avLst/>
+          </a:prstGeom>
+          <a:noFill/>
+          <a:ln>
+            <a:noFill/>
+          </a:ln>
+        </p:spPr>
+        <p:style>
+          <a:lnRef idx="0"/>
+          <a:fillRef idx="0"/>
+          <a:effectRef idx="0"/>
+          <a:fontRef idx="minor"/>
+        </p:style>
+        <p:txBody>
+          <a:bodyPr lIns="50760" rIns="50760" tIns="50760" bIns="50760" anchor="ctr"/>
+          <a:p>
+            <a:pPr algn="ctr">
+              <a:lnSpc>
+                <a:spcPct val="100000"/>
+              </a:lnSpc>
+            </a:pPr>
+            <a:r>
+              <a:rPr b="0" lang="en-GB" sz="8000" spc="-1" strike="noStrike">
+                <a:solidFill>
+                  <a:srgbClr val="000000"/>
+                </a:solidFill>
+                <a:latin typeface="Helvetica Neue Light"/>
+                <a:ea typeface="Helvetica Neue Light"/>
+              </a:rPr>
+              <a:t>Debugging</a:t>
+            </a:r>
+            <a:endParaRPr b="0" lang="en-GB" sz="8000" spc="-1" strike="noStrike">
+              <a:latin typeface="Arial"/>
+            </a:endParaRPr>
+          </a:p>
+        </p:txBody>
+      </p:sp>
+    </p:spTree>
+  </p:cSld>
+  <p:timing>
+    <p:tnLst>
+      <p:par>
+        <p:cTn id="47" dur="indefinite" restart="never" nodeType="tmRoot">
+          <p:childTnLst>
+            <p:seq>
+              <p:cTn id="48" dur="indefinite" nodeType="mainSeq"/>
+              <p:prevCondLst>
+                <p:cond delay="0" evt="onPrev">
+                  <p:tgtEl>
+                    <p:sldTgt/>
+                  </p:tgtEl>
+                </p:cond>
+              </p:prevCondLst>
+              <p:nextCondLst>
+                <p:cond delay="0" evt="onNext">
+                  <p:tgtEl>
+                    <p:sldTgt/>
+                  </p:tgtEl>
+                </p:cond>
+              </p:nextCondLst>
+            </p:seq>
+          </p:childTnLst>
+        </p:cTn>
+      </p:par>
+    </p:tnLst>
+  </p:timing>
+</p:sld>
+</file>
+
+<file path=ppt/slides/slide25.xml><?xml version="1.0" encoding="utf-8"?>
+<p:sld xmlns:a="http://schemas.openxmlformats.org/drawingml/2006/main" xmlns:p="http://schemas.openxmlformats.org/presentationml/2006/main" xmlns:r="http://schemas.openxmlformats.org/officeDocument/2006/relationships" xmlns:p14="http://schemas.microsoft.com/office/powerpoint/2010/main" xmlns:p15="http://schemas.microsoft.com/office/powerpoint/2012/main" xmlns:mc="http://schemas.openxmlformats.org/markup-compatibility/2006">
+  <p:cSld>
+    <p:spTree>
+      <p:nvGrpSpPr>
+        <p:cNvPr id="1" name=""/>
+        <p:cNvGrpSpPr/>
+        <p:nvPr/>
+      </p:nvGrpSpPr>
+      <p:grpSpPr>
+        <a:xfrm>
+          <a:off x="0" y="0"/>
+          <a:ext cx="0" cy="0"/>
+          <a:chOff x="0" y="0"/>
+          <a:chExt cx="0" cy="0"/>
+        </a:xfrm>
+      </p:grpSpPr>
+      <p:sp>
+        <p:nvSpPr>
+          <p:cNvPr id="168" name="CustomShape 1"/>
+          <p:cNvSpPr/>
+          <p:nvPr/>
+        </p:nvSpPr>
+        <p:spPr>
+          <a:xfrm>
+            <a:off x="952560" y="1512000"/>
+            <a:ext cx="11098440" cy="8135280"/>
+          </a:xfrm>
+          <a:prstGeom prst="rect">
+            <a:avLst/>
+          </a:prstGeom>
+          <a:noFill/>
+          <a:ln>
+            <a:noFill/>
+          </a:ln>
+        </p:spPr>
+        <p:style>
+          <a:lnRef idx="0"/>
+          <a:fillRef idx="0"/>
+          <a:effectRef idx="0"/>
+          <a:fontRef idx="minor"/>
+        </p:style>
+        <p:txBody>
+          <a:bodyPr lIns="50760" rIns="50760" tIns="50760" bIns="50760" anchor="ctr"/>
+          <a:p>
+            <a:pPr marL="280080" indent="-278640">
+              <a:lnSpc>
+                <a:spcPct val="100000"/>
+              </a:lnSpc>
+              <a:buClr>
+                <a:srgbClr val="000000"/>
+              </a:buClr>
+              <a:buFont typeface="Helvetica Neue Light"/>
+              <a:buChar char="•"/>
+            </a:pPr>
+            <a:r>
+              <a:rPr b="0" lang="en-GB" sz="2270" spc="-1" strike="noStrike" u="sng">
+                <a:solidFill>
+                  <a:srgbClr val="000000"/>
+                </a:solidFill>
+                <a:uFillTx/>
+                <a:latin typeface="Helvetica Neue Light"/>
+                <a:ea typeface="Helvetica Neue Light"/>
+              </a:rPr>
+              <a:t>If you want to find past transactions’ IDs</a:t>
+            </a:r>
+            <a:endParaRPr b="0" lang="en-GB" sz="2270" spc="-1" strike="noStrike">
+              <a:latin typeface="Arial"/>
+            </a:endParaRPr>
+          </a:p>
+          <a:p>
+            <a:pPr lvl="1" marL="432000" indent="-215280">
+              <a:lnSpc>
+                <a:spcPct val="100000"/>
+              </a:lnSpc>
+              <a:buClr>
+                <a:srgbClr val="000000"/>
+              </a:buClr>
+              <a:buSzPct val="45000"/>
+              <a:buFont typeface="Wingdings" charset="2"/>
+              <a:buChar char=""/>
+            </a:pPr>
+            <a:r>
+              <a:rPr b="0" lang="en-GB" sz="2270" spc="-1" strike="noStrike">
+                <a:solidFill>
+                  <a:srgbClr val="000000"/>
+                </a:solidFill>
+                <a:latin typeface="Helvetica Neue Light"/>
+                <a:ea typeface="Helvetica Neue Light"/>
+              </a:rPr>
+              <a:t>Metamask keeps a list of all transactions that you have made</a:t>
+            </a:r>
+            <a:endParaRPr b="0" lang="en-GB" sz="2270" spc="-1" strike="noStrike">
+              <a:latin typeface="Arial"/>
+            </a:endParaRPr>
+          </a:p>
+          <a:p>
+            <a:pPr lvl="1" marL="432000" indent="-215280">
+              <a:lnSpc>
+                <a:spcPct val="100000"/>
+              </a:lnSpc>
+              <a:buClr>
+                <a:srgbClr val="000000"/>
+              </a:buClr>
+              <a:buSzPct val="45000"/>
+              <a:buFont typeface="Wingdings" charset="2"/>
+              <a:buChar char=""/>
+            </a:pPr>
+            <a:r>
+              <a:rPr b="0" lang="en-GB" sz="2270" spc="-1" strike="noStrike">
+                <a:solidFill>
+                  <a:srgbClr val="000000"/>
+                </a:solidFill>
+                <a:latin typeface="Helvetica Neue Light"/>
+                <a:ea typeface="Helvetica Neue Light"/>
+              </a:rPr>
+              <a:t>Click on a transaction and it will redirect you to Etherscan – the public Ethereum network’s explorer</a:t>
+            </a:r>
+            <a:endParaRPr b="0" lang="en-GB" sz="2270" spc="-1" strike="noStrike">
+              <a:latin typeface="Arial"/>
+            </a:endParaRPr>
+          </a:p>
+          <a:p>
+            <a:pPr lvl="1" marL="432000" indent="-215280">
+              <a:lnSpc>
+                <a:spcPct val="100000"/>
+              </a:lnSpc>
+              <a:buClr>
+                <a:srgbClr val="000000"/>
+              </a:buClr>
+              <a:buSzPct val="45000"/>
+              <a:buFont typeface="Wingdings" charset="2"/>
+              <a:buChar char=""/>
+            </a:pPr>
+            <a:r>
+              <a:rPr b="0" lang="en-GB" sz="2270" spc="-1" strike="noStrike">
+                <a:solidFill>
+                  <a:srgbClr val="000000"/>
+                </a:solidFill>
+                <a:latin typeface="Helvetica Neue Light"/>
+                <a:ea typeface="Helvetica Neue Light"/>
+              </a:rPr>
+              <a:t>Etherscan will not show you anything, because it does not track the private network but the public Ethereum, </a:t>
+            </a:r>
+            <a:r>
+              <a:rPr b="0" lang="en-GB" sz="2270" spc="-1" strike="noStrike" u="sng">
+                <a:solidFill>
+                  <a:srgbClr val="000000"/>
+                </a:solidFill>
+                <a:uFillTx/>
+                <a:latin typeface="Helvetica Neue Light"/>
+                <a:ea typeface="Helvetica Neue Light"/>
+              </a:rPr>
+              <a:t>but</a:t>
+            </a:r>
+            <a:endParaRPr b="0" lang="en-GB" sz="2270" spc="-1" strike="noStrike">
+              <a:latin typeface="Arial"/>
+            </a:endParaRPr>
+          </a:p>
+          <a:p>
+            <a:pPr lvl="1" marL="432000" indent="-215280">
+              <a:lnSpc>
+                <a:spcPct val="100000"/>
+              </a:lnSpc>
+              <a:buClr>
+                <a:srgbClr val="000000"/>
+              </a:buClr>
+              <a:buSzPct val="45000"/>
+              <a:buFont typeface="Wingdings" charset="2"/>
+              <a:buChar char=""/>
+            </a:pPr>
+            <a:r>
+              <a:rPr b="0" lang="en-GB" sz="2270" spc="-1" strike="noStrike">
+                <a:solidFill>
+                  <a:srgbClr val="000000"/>
+                </a:solidFill>
+                <a:latin typeface="Helvetica Neue Light"/>
+                <a:ea typeface="Helvetica Neue Light"/>
+              </a:rPr>
+              <a:t>Either in the URL or in Etherscan’s page you will find the transaction ID</a:t>
+            </a:r>
+            <a:endParaRPr b="0" lang="en-GB" sz="2270" spc="-1" strike="noStrike">
+              <a:latin typeface="Arial"/>
+            </a:endParaRPr>
+          </a:p>
+          <a:p>
+            <a:pPr>
+              <a:lnSpc>
+                <a:spcPct val="100000"/>
+              </a:lnSpc>
+            </a:pPr>
+            <a:endParaRPr b="0" lang="en-GB" sz="2270" spc="-1" strike="noStrike">
+              <a:latin typeface="Arial"/>
+            </a:endParaRPr>
+          </a:p>
+          <a:p>
+            <a:pPr marL="280080" indent="-278640">
+              <a:lnSpc>
+                <a:spcPct val="100000"/>
+              </a:lnSpc>
+              <a:buClr>
+                <a:srgbClr val="000000"/>
+              </a:buClr>
+              <a:buFont typeface="Helvetica Neue Light"/>
+              <a:buChar char="•"/>
+            </a:pPr>
+            <a:r>
+              <a:rPr b="0" lang="en-GB" sz="2270" spc="-1" strike="noStrike" u="sng">
+                <a:solidFill>
+                  <a:srgbClr val="000000"/>
+                </a:solidFill>
+                <a:uFillTx/>
+                <a:latin typeface="Helvetica Neue Light"/>
+                <a:ea typeface="Helvetica Neue Light"/>
+              </a:rPr>
+              <a:t>If you interact with a contract but don’t see your changes published</a:t>
+            </a:r>
+            <a:endParaRPr b="0" lang="en-GB" sz="2270" spc="-1" strike="noStrike">
+              <a:latin typeface="Arial"/>
+            </a:endParaRPr>
+          </a:p>
+          <a:p>
+            <a:pPr lvl="1" marL="432000" indent="-215280">
+              <a:lnSpc>
+                <a:spcPct val="100000"/>
+              </a:lnSpc>
+              <a:buClr>
+                <a:srgbClr val="000000"/>
+              </a:buClr>
+              <a:buSzPct val="45000"/>
+              <a:buFont typeface="Wingdings" charset="2"/>
+              <a:buChar char=""/>
+            </a:pPr>
+            <a:r>
+              <a:rPr b="0" lang="en-GB" sz="2270" spc="-1" strike="noStrike">
+                <a:solidFill>
+                  <a:srgbClr val="000000"/>
+                </a:solidFill>
+                <a:latin typeface="Helvetica Neue Light"/>
+                <a:ea typeface="Helvetica Neue Light"/>
+              </a:rPr>
+              <a:t>Make sure that you have set the environment to </a:t>
+            </a:r>
+            <a:r>
+              <a:rPr b="0" i="1" lang="en-GB" sz="2270" spc="-1" strike="noStrike">
+                <a:solidFill>
+                  <a:srgbClr val="000000"/>
+                </a:solidFill>
+                <a:latin typeface="Helvetica Neue Light"/>
+                <a:ea typeface="Helvetica Neue Light"/>
+              </a:rPr>
+              <a:t>Injected Web3</a:t>
+            </a:r>
+            <a:endParaRPr b="0" lang="en-GB" sz="2270" spc="-1" strike="noStrike">
+              <a:latin typeface="Arial"/>
+            </a:endParaRPr>
+          </a:p>
+          <a:p>
+            <a:pPr lvl="1" marL="432000" indent="-215280">
+              <a:lnSpc>
+                <a:spcPct val="100000"/>
+              </a:lnSpc>
+              <a:buClr>
+                <a:srgbClr val="000000"/>
+              </a:buClr>
+              <a:buSzPct val="45000"/>
+              <a:buFont typeface="Wingdings" charset="2"/>
+              <a:buChar char=""/>
+            </a:pPr>
+            <a:r>
+              <a:rPr b="0" lang="en-GB" sz="2270" spc="-1" strike="noStrike">
+                <a:solidFill>
+                  <a:srgbClr val="000000"/>
+                </a:solidFill>
+                <a:latin typeface="Helvetica Neue Light"/>
+                <a:ea typeface="Helvetica Neue Light"/>
+              </a:rPr>
+              <a:t>Double check that the address of the contract to which you connect is the correct one and the contract’s code is </a:t>
+            </a:r>
+            <a:r>
+              <a:rPr b="0" lang="en-GB" sz="2270" spc="-1" strike="noStrike" u="sng">
+                <a:solidFill>
+                  <a:srgbClr val="000000"/>
+                </a:solidFill>
+                <a:uFillTx/>
+                <a:latin typeface="Helvetica Neue Light"/>
+                <a:ea typeface="Helvetica Neue Light"/>
+              </a:rPr>
+              <a:t>exactly the same</a:t>
+            </a:r>
+            <a:r>
+              <a:rPr b="0" lang="en-GB" sz="2270" spc="-1" strike="noStrike">
+                <a:solidFill>
+                  <a:srgbClr val="000000"/>
+                </a:solidFill>
+                <a:latin typeface="Helvetica Neue Light"/>
+                <a:ea typeface="Helvetica Neue Light"/>
+              </a:rPr>
+              <a:t> as the deployed contract</a:t>
+            </a:r>
+            <a:endParaRPr b="0" lang="en-GB" sz="2270" spc="-1" strike="noStrike">
+              <a:latin typeface="Arial"/>
+            </a:endParaRPr>
+          </a:p>
+        </p:txBody>
+      </p:sp>
+      <p:sp>
+        <p:nvSpPr>
+          <p:cNvPr id="169" name="CustomShape 2"/>
+          <p:cNvSpPr/>
+          <p:nvPr/>
+        </p:nvSpPr>
+        <p:spPr>
+          <a:xfrm>
+            <a:off x="952560" y="-23760"/>
+            <a:ext cx="11098440" cy="2157840"/>
+          </a:xfrm>
+          <a:prstGeom prst="rect">
+            <a:avLst/>
+          </a:prstGeom>
+          <a:noFill/>
+          <a:ln>
+            <a:noFill/>
+          </a:ln>
+        </p:spPr>
+        <p:style>
+          <a:lnRef idx="0"/>
+          <a:fillRef idx="0"/>
+          <a:effectRef idx="0"/>
+          <a:fontRef idx="minor"/>
+        </p:style>
+        <p:txBody>
+          <a:bodyPr lIns="50760" rIns="50760" tIns="50760" bIns="50760" anchor="ctr"/>
+          <a:p>
+            <a:pPr algn="ctr">
+              <a:lnSpc>
+                <a:spcPct val="100000"/>
+              </a:lnSpc>
+            </a:pPr>
+            <a:r>
+              <a:rPr b="0" lang="en-GB" sz="8000" spc="-1" strike="noStrike">
+                <a:solidFill>
+                  <a:srgbClr val="000000"/>
+                </a:solidFill>
+                <a:latin typeface="Helvetica Neue Light"/>
+                <a:ea typeface="Helvetica Neue Light"/>
+              </a:rPr>
+              <a:t>Debugging</a:t>
+            </a:r>
+            <a:endParaRPr b="0" lang="en-GB" sz="8000" spc="-1" strike="noStrike">
+              <a:latin typeface="Arial"/>
+            </a:endParaRPr>
+          </a:p>
+        </p:txBody>
+      </p:sp>
+    </p:spTree>
+  </p:cSld>
+  <p:timing>
+    <p:tnLst>
+      <p:par>
+        <p:cTn id="49" dur="indefinite" restart="never" nodeType="tmRoot">
+          <p:childTnLst>
+            <p:seq>
+              <p:cTn id="50" dur="indefinite" nodeType="mainSeq"/>
               <p:prevCondLst>
                 <p:cond delay="0" evt="onPrev">
                   <p:tgtEl>
@@ -8327,7 +9133,7 @@
         <p:spPr>
           <a:xfrm>
             <a:off x="952560" y="444600"/>
-            <a:ext cx="11098800" cy="2157840"/>
+            <a:ext cx="11098440" cy="2157480"/>
           </a:xfrm>
           <a:prstGeom prst="rect">
             <a:avLst/>
@@ -8387,7 +9193,7 @@
         <p:spPr>
           <a:xfrm>
             <a:off x="952560" y="2603520"/>
-            <a:ext cx="11098800" cy="6285600"/>
+            <a:ext cx="11098440" cy="6285240"/>
           </a:xfrm>
           <a:prstGeom prst="rect">
             <a:avLst/>
@@ -8406,7 +9212,7 @@
         <p:txBody>
           <a:bodyPr lIns="50760" rIns="50760" tIns="50760" bIns="50760" anchor="ctr"/>
           <a:p>
-            <a:pPr marL="382320" indent="-381240">
+            <a:pPr marL="382320" indent="-380880">
               <a:lnSpc>
                 <a:spcPct val="100000"/>
               </a:lnSpc>
@@ -8431,7 +9237,7 @@
             </a:endParaRPr>
           </a:p>
           <a:p>
-            <a:pPr marL="382320" indent="-381240">
+            <a:pPr marL="382320" indent="-380880">
               <a:lnSpc>
                 <a:spcPct val="100000"/>
               </a:lnSpc>
@@ -8459,7 +9265,7 @@
             </a:endParaRPr>
           </a:p>
           <a:p>
-            <a:pPr marL="382320" indent="-381240">
+            <a:pPr marL="382320" indent="-380880">
               <a:lnSpc>
                 <a:spcPct val="100000"/>
               </a:lnSpc>
@@ -8487,7 +9293,7 @@
             </a:endParaRPr>
           </a:p>
           <a:p>
-            <a:pPr marL="928440" indent="-381240">
+            <a:pPr marL="928440" indent="-380880">
               <a:lnSpc>
                 <a:spcPct val="100000"/>
               </a:lnSpc>
@@ -8508,21 +9314,8 @@
                 <a:latin typeface="Helvetica Neue Light"/>
                 <a:ea typeface="Helvetica Neue Light"/>
               </a:rPr>
-              <a:t>Download it from:</a:t>
-            </a:r>
-            <a:endParaRPr b="0" lang="en-GB" sz="2580" spc="-1" strike="noStrike">
-              <a:latin typeface="Arial"/>
-            </a:endParaRPr>
-          </a:p>
-          <a:p>
-            <a:pPr>
-              <a:lnSpc>
-                <a:spcPct val="100000"/>
-              </a:lnSpc>
-              <a:spcBef>
-                <a:spcPts val="3600"/>
-              </a:spcBef>
-            </a:pPr>
+              <a:t>Download it from: </a:t>
+            </a:r>
             <a:r>
               <a:rPr b="0" lang="en-GB" sz="2150" spc="-1" strike="noStrike" u="sng">
                 <a:solidFill>
@@ -8540,7 +9333,7 @@
             </a:endParaRPr>
           </a:p>
           <a:p>
-            <a:pPr marL="282960" indent="-281880">
+            <a:pPr marL="282960" indent="-281520">
               <a:lnSpc>
                 <a:spcPct val="100000"/>
               </a:lnSpc>
@@ -8627,7 +9420,7 @@
         <p:spPr>
           <a:xfrm>
             <a:off x="1117440" y="488880"/>
-            <a:ext cx="11098800" cy="6285600"/>
+            <a:ext cx="11098440" cy="6285240"/>
           </a:xfrm>
           <a:prstGeom prst="rect">
             <a:avLst/>
@@ -8646,7 +9439,7 @@
         <p:txBody>
           <a:bodyPr lIns="50760" rIns="50760" tIns="50760" bIns="50760" anchor="ctr"/>
           <a:p>
-            <a:pPr marL="444600" indent="-443520">
+            <a:pPr marL="444600" indent="-443160">
               <a:lnSpc>
                 <a:spcPct val="100000"/>
               </a:lnSpc>
@@ -8681,7 +9474,7 @@
         <p:spPr>
           <a:xfrm>
             <a:off x="952560" y="444600"/>
-            <a:ext cx="11098800" cy="2157840"/>
+            <a:ext cx="11098440" cy="2157480"/>
           </a:xfrm>
           <a:prstGeom prst="rect">
             <a:avLst/>
@@ -8740,13 +9533,13 @@
         </p:nvPicPr>
         <p:blipFill>
           <a:blip r:embed="rId1"/>
-          <a:srcRect l="47055" t="0" r="0" b="62642"/>
+          <a:srcRect l="47049" t="0" r="0" b="62635"/>
           <a:stretch/>
         </p:blipFill>
         <p:spPr>
           <a:xfrm>
             <a:off x="2353320" y="5514120"/>
-            <a:ext cx="8296920" cy="2811600"/>
+            <a:ext cx="8296560" cy="2811240"/>
           </a:xfrm>
           <a:prstGeom prst="rect">
             <a:avLst/>
@@ -8765,7 +9558,7 @@
         <p:spPr>
           <a:xfrm>
             <a:off x="7305120" y="3590640"/>
-            <a:ext cx="2738520" cy="2403360"/>
+            <a:ext cx="2738160" cy="2403000"/>
           </a:xfrm>
           <a:custGeom>
             <a:avLst/>
@@ -8857,7 +9650,7 @@
         <p:spPr>
           <a:xfrm>
             <a:off x="952560" y="2826000"/>
-            <a:ext cx="11098800" cy="6285600"/>
+            <a:ext cx="11098440" cy="6285240"/>
           </a:xfrm>
           <a:prstGeom prst="rect">
             <a:avLst/>
@@ -8876,7 +9669,7 @@
         <p:txBody>
           <a:bodyPr lIns="50760" rIns="50760" tIns="50760" bIns="50760" anchor="ctr"/>
           <a:p>
-            <a:pPr marL="444600" indent="-443520">
+            <a:pPr marL="444600" indent="-443160">
               <a:lnSpc>
                 <a:spcPct val="100000"/>
               </a:lnSpc>
@@ -8901,7 +9694,7 @@
             </a:endParaRPr>
           </a:p>
           <a:p>
-            <a:pPr marL="444600" indent="-443520">
+            <a:pPr marL="444600" indent="-443160">
               <a:lnSpc>
                 <a:spcPct val="100000"/>
               </a:lnSpc>
@@ -8929,7 +9722,7 @@
             </a:endParaRPr>
           </a:p>
           <a:p>
-            <a:pPr marL="444600" indent="-443520">
+            <a:pPr marL="444600" indent="-443160">
               <a:lnSpc>
                 <a:spcPct val="100000"/>
               </a:lnSpc>
@@ -8977,7 +9770,7 @@
         <p:spPr>
           <a:xfrm>
             <a:off x="952560" y="444600"/>
-            <a:ext cx="11098800" cy="2157840"/>
+            <a:ext cx="11098440" cy="2157480"/>
           </a:xfrm>
           <a:prstGeom prst="rect">
             <a:avLst/>
@@ -9086,7 +9879,7 @@
         <p:spPr>
           <a:xfrm>
             <a:off x="952560" y="1396800"/>
-            <a:ext cx="11098800" cy="6285600"/>
+            <a:ext cx="11098440" cy="6285240"/>
           </a:xfrm>
           <a:prstGeom prst="rect">
             <a:avLst/>
@@ -9181,7 +9974,7 @@
         <p:spPr>
           <a:xfrm>
             <a:off x="952560" y="444600"/>
-            <a:ext cx="11098800" cy="2158200"/>
+            <a:ext cx="11098440" cy="2157840"/>
           </a:xfrm>
           <a:prstGeom prst="rect">
             <a:avLst/>
@@ -9244,7 +10037,7 @@
       </p:sp>
       <p:pic>
         <p:nvPicPr>
-          <p:cNvPr id="89" name="Google Shape;92;p19" descr=""/>
+          <p:cNvPr id="89" name="" descr=""/>
           <p:cNvPicPr/>
           <p:nvPr/>
         </p:nvPicPr>
@@ -9254,8 +10047,8 @@
         </p:blipFill>
         <p:spPr>
           <a:xfrm>
-            <a:off x="8773920" y="3186720"/>
-            <a:ext cx="3742200" cy="6266520"/>
+            <a:off x="9565200" y="2592000"/>
+            <a:ext cx="2818800" cy="4896000"/>
           </a:xfrm>
           <a:prstGeom prst="rect">
             <a:avLst/>
@@ -9273,8 +10066,8 @@
         </p:nvSpPr>
         <p:spPr>
           <a:xfrm flipH="1" rot="10800000">
-            <a:off x="11447280" y="5472000"/>
-            <a:ext cx="1511640" cy="791640"/>
+            <a:off x="10800000" y="4679280"/>
+            <a:ext cx="2376000" cy="1295280"/>
           </a:xfrm>
           <a:custGeom>
             <a:avLst/>
@@ -9366,7 +10159,7 @@
         <p:spPr>
           <a:xfrm>
             <a:off x="952560" y="1905840"/>
-            <a:ext cx="11098800" cy="6285600"/>
+            <a:ext cx="11098440" cy="6285240"/>
           </a:xfrm>
           <a:prstGeom prst="rect">
             <a:avLst/>
@@ -9431,7 +10224,7 @@
                 <a:latin typeface="Helvetica Neue Light"/>
                 <a:ea typeface="Helvetica Neue Light"/>
               </a:rPr>
-              <a:t>http://213.168.251.249:8543/</a:t>
+              <a:t>http://46.101.81.163:8543</a:t>
             </a:r>
             <a:endParaRPr b="0" lang="en-GB" sz="2400" spc="-1" strike="noStrike">
               <a:latin typeface="Arial"/>
@@ -9494,7 +10287,7 @@
         <p:spPr>
           <a:xfrm>
             <a:off x="952560" y="444600"/>
-            <a:ext cx="11098800" cy="2157840"/>
+            <a:ext cx="11098440" cy="2157480"/>
           </a:xfrm>
           <a:prstGeom prst="rect">
             <a:avLst/>
@@ -9557,7 +10350,7 @@
       </p:sp>
       <p:pic>
         <p:nvPicPr>
-          <p:cNvPr id="93" name="Google Shape;100;p20" descr=""/>
+          <p:cNvPr id="93" name="" descr=""/>
           <p:cNvPicPr/>
           <p:nvPr/>
         </p:nvPicPr>
@@ -9567,8 +10360,8 @@
         </p:blipFill>
         <p:spPr>
           <a:xfrm>
-            <a:off x="9082800" y="3554640"/>
-            <a:ext cx="3570840" cy="6047280"/>
+            <a:off x="9288000" y="3780000"/>
+            <a:ext cx="3251520" cy="5436000"/>
           </a:xfrm>
           <a:prstGeom prst="rect">
             <a:avLst/>
@@ -9587,7 +10380,7 @@
         <p:spPr>
           <a:xfrm>
             <a:off x="6666840" y="3709080"/>
-            <a:ext cx="3884040" cy="3872160"/>
+            <a:ext cx="2909160" cy="2554920"/>
           </a:xfrm>
           <a:custGeom>
             <a:avLst/>
@@ -9679,7 +10472,7 @@
         <p:spPr>
           <a:xfrm>
             <a:off x="495360" y="5525640"/>
-            <a:ext cx="9944280" cy="3363120"/>
+            <a:ext cx="9943920" cy="3362760"/>
           </a:xfrm>
           <a:prstGeom prst="rect">
             <a:avLst/>
@@ -9698,7 +10491,7 @@
         <p:txBody>
           <a:bodyPr lIns="50760" rIns="50760" tIns="50760" bIns="50760" anchor="ctr"/>
           <a:p>
-            <a:pPr marL="444600" indent="-271800">
+            <a:pPr marL="444600" indent="-271440">
               <a:lnSpc>
                 <a:spcPct val="100000"/>
               </a:lnSpc>
@@ -9708,7 +10501,7 @@
             </a:endParaRPr>
           </a:p>
           <a:p>
-            <a:pPr marL="444600" indent="-443520">
+            <a:pPr marL="444600" indent="-443160">
               <a:lnSpc>
                 <a:spcPct val="100000"/>
               </a:lnSpc>
@@ -9736,7 +10529,7 @@
             </a:endParaRPr>
           </a:p>
           <a:p>
-            <a:pPr marL="444600" indent="-443520">
+            <a:pPr marL="444600" indent="-443160">
               <a:lnSpc>
                 <a:spcPct val="100000"/>
               </a:lnSpc>
@@ -9774,7 +10567,7 @@
         <p:spPr>
           <a:xfrm>
             <a:off x="745200" y="3477600"/>
-            <a:ext cx="6572520" cy="1738800"/>
+            <a:ext cx="6572160" cy="1738440"/>
           </a:xfrm>
           <a:prstGeom prst="rect">
             <a:avLst/>
@@ -9793,7 +10586,7 @@
         <p:txBody>
           <a:bodyPr lIns="50760" rIns="50760" tIns="50760" bIns="50760" anchor="ctr"/>
           <a:p>
-            <a:pPr marL="444600" indent="-443520">
+            <a:pPr marL="444600" indent="-443160">
               <a:lnSpc>
                 <a:spcPct val="100000"/>
               </a:lnSpc>
@@ -9828,7 +10621,7 @@
         <p:spPr>
           <a:xfrm>
             <a:off x="952560" y="444600"/>
-            <a:ext cx="11098800" cy="2157840"/>
+            <a:ext cx="11098440" cy="2157480"/>
           </a:xfrm>
           <a:prstGeom prst="rect">
             <a:avLst/>
@@ -9892,7 +10685,7 @@
         <p:spPr>
           <a:xfrm>
             <a:off x="9288000" y="360000"/>
-            <a:ext cx="3637440" cy="6171120"/>
+            <a:ext cx="3637080" cy="6170760"/>
           </a:xfrm>
           <a:prstGeom prst="rect">
             <a:avLst/>
@@ -9910,8 +10703,8 @@
         </p:nvSpPr>
         <p:spPr>
           <a:xfrm flipH="1" rot="10800000">
-            <a:off x="23131080" y="16524360"/>
-            <a:ext cx="6195960" cy="4658400"/>
+            <a:off x="29327040" y="21182760"/>
+            <a:ext cx="6195600" cy="4658040"/>
           </a:xfrm>
           <a:custGeom>
             <a:avLst/>
@@ -10003,7 +10796,7 @@
         <p:spPr>
           <a:xfrm>
             <a:off x="952560" y="444600"/>
-            <a:ext cx="11098800" cy="2157840"/>
+            <a:ext cx="11098440" cy="2157480"/>
           </a:xfrm>
           <a:prstGeom prst="rect">
             <a:avLst/>
@@ -10063,7 +10856,7 @@
         <p:spPr>
           <a:xfrm>
             <a:off x="952560" y="2652840"/>
-            <a:ext cx="11098800" cy="6285600"/>
+            <a:ext cx="11098440" cy="6285240"/>
           </a:xfrm>
           <a:prstGeom prst="rect">
             <a:avLst/>
@@ -10082,7 +10875,7 @@
         <p:txBody>
           <a:bodyPr lIns="50760" rIns="50760" tIns="50760" bIns="50760" anchor="ctr"/>
           <a:p>
-            <a:pPr marL="444600" indent="-443520">
+            <a:pPr marL="444600" indent="-443160">
               <a:lnSpc>
                 <a:spcPct val="100000"/>
               </a:lnSpc>
@@ -10107,7 +10900,7 @@
             </a:endParaRPr>
           </a:p>
           <a:p>
-            <a:pPr marL="444600" indent="-443520">
+            <a:pPr marL="444600" indent="-443160">
               <a:lnSpc>
                 <a:spcPct val="100000"/>
               </a:lnSpc>
@@ -10135,7 +10928,7 @@
             </a:endParaRPr>
           </a:p>
           <a:p>
-            <a:pPr marL="444600" indent="-443520">
+            <a:pPr marL="444600" indent="-443160">
               <a:lnSpc>
                 <a:spcPct val="100000"/>
               </a:lnSpc>

--- a/How_to_connect_to_university_of_edinburgh_private_blockchain.pptx
+++ b/How_to_connect_to_university_of_edinburgh_private_blockchain.pptx
@@ -4,36 +4,37 @@
   <p:sldMasterIdLst>
     <p:sldMasterId id="2147483648" r:id="rId2"/>
     <p:sldMasterId id="2147483661" r:id="rId3"/>
+    <p:sldMasterId id="2147483674" r:id="rId4"/>
   </p:sldMasterIdLst>
   <p:sldIdLst>
-    <p:sldId id="256" r:id="rId4"/>
-    <p:sldId id="257" r:id="rId5"/>
-    <p:sldId id="258" r:id="rId6"/>
-    <p:sldId id="259" r:id="rId7"/>
-    <p:sldId id="260" r:id="rId8"/>
-    <p:sldId id="261" r:id="rId9"/>
-    <p:sldId id="262" r:id="rId10"/>
-    <p:sldId id="263" r:id="rId11"/>
-    <p:sldId id="264" r:id="rId12"/>
-    <p:sldId id="265" r:id="rId13"/>
-    <p:sldId id="266" r:id="rId14"/>
-    <p:sldId id="267" r:id="rId15"/>
-    <p:sldId id="268" r:id="rId16"/>
-    <p:sldId id="269" r:id="rId17"/>
-    <p:sldId id="270" r:id="rId18"/>
-    <p:sldId id="271" r:id="rId19"/>
-    <p:sldId id="272" r:id="rId20"/>
-    <p:sldId id="273" r:id="rId21"/>
-    <p:sldId id="274" r:id="rId22"/>
-    <p:sldId id="275" r:id="rId23"/>
-    <p:sldId id="276" r:id="rId24"/>
-    <p:sldId id="277" r:id="rId25"/>
-    <p:sldId id="278" r:id="rId26"/>
-    <p:sldId id="279" r:id="rId27"/>
-    <p:sldId id="280" r:id="rId28"/>
+    <p:sldId id="256" r:id="rId5"/>
+    <p:sldId id="257" r:id="rId6"/>
+    <p:sldId id="258" r:id="rId7"/>
+    <p:sldId id="259" r:id="rId8"/>
+    <p:sldId id="260" r:id="rId9"/>
+    <p:sldId id="261" r:id="rId10"/>
+    <p:sldId id="262" r:id="rId11"/>
+    <p:sldId id="263" r:id="rId12"/>
+    <p:sldId id="264" r:id="rId13"/>
+    <p:sldId id="265" r:id="rId14"/>
+    <p:sldId id="266" r:id="rId15"/>
+    <p:sldId id="267" r:id="rId16"/>
+    <p:sldId id="268" r:id="rId17"/>
+    <p:sldId id="269" r:id="rId18"/>
+    <p:sldId id="270" r:id="rId19"/>
+    <p:sldId id="271" r:id="rId20"/>
+    <p:sldId id="272" r:id="rId21"/>
+    <p:sldId id="273" r:id="rId22"/>
+    <p:sldId id="274" r:id="rId23"/>
+    <p:sldId id="275" r:id="rId24"/>
+    <p:sldId id="276" r:id="rId25"/>
+    <p:sldId id="277" r:id="rId26"/>
+    <p:sldId id="278" r:id="rId27"/>
+    <p:sldId id="279" r:id="rId28"/>
+    <p:sldId id="280" r:id="rId29"/>
   </p:sldIdLst>
   <p:sldSz cx="13004800" cy="9753600"/>
-  <p:notesSz cx="7559675" cy="10691812"/>
+  <p:notesSz cx="7772400" cy="10058400"/>
 </p:presentation>
 </file>
 
@@ -96,10 +97,12 @@
           </a:prstGeom>
         </p:spPr>
         <p:txBody>
-          <a:bodyPr lIns="0" rIns="0" tIns="0" bIns="0" anchor="ctr"/>
+          <a:bodyPr lIns="0" rIns="0" tIns="0" bIns="0" anchor="ctr">
+            <a:noAutofit/>
+          </a:bodyPr>
           <a:p>
             <a:pPr algn="ctr"/>
-            <a:endParaRPr b="0" lang="en-GB" sz="4400" spc="-1" strike="noStrike">
+            <a:endParaRPr b="0" lang="en-US" sz="4400" spc="-1" strike="noStrike">
               <a:latin typeface="Arial"/>
             </a:endParaRPr>
           </a:p>
@@ -129,7 +132,7 @@
             <a:normAutofit/>
           </a:bodyPr>
           <a:p>
-            <a:endParaRPr b="0" lang="en-GB" sz="3200" spc="-1" strike="noStrike">
+            <a:endParaRPr b="0" lang="en-US" sz="3200" spc="-1" strike="noStrike">
               <a:latin typeface="Arial"/>
             </a:endParaRPr>
           </a:p>
@@ -159,7 +162,7 @@
             <a:normAutofit/>
           </a:bodyPr>
           <a:p>
-            <a:endParaRPr b="0" lang="en-GB" sz="3200" spc="-1" strike="noStrike">
+            <a:endParaRPr b="0" lang="en-US" sz="3200" spc="-1" strike="noStrike">
               <a:latin typeface="Arial"/>
             </a:endParaRPr>
           </a:p>
@@ -207,10 +210,12 @@
           </a:prstGeom>
         </p:spPr>
         <p:txBody>
-          <a:bodyPr lIns="0" rIns="0" tIns="0" bIns="0" anchor="ctr"/>
+          <a:bodyPr lIns="0" rIns="0" tIns="0" bIns="0" anchor="ctr">
+            <a:noAutofit/>
+          </a:bodyPr>
           <a:p>
             <a:pPr algn="ctr"/>
-            <a:endParaRPr b="0" lang="en-GB" sz="4400" spc="-1" strike="noStrike">
+            <a:endParaRPr b="0" lang="en-US" sz="4400" spc="-1" strike="noStrike">
               <a:latin typeface="Arial"/>
             </a:endParaRPr>
           </a:p>
@@ -240,7 +245,7 @@
             <a:normAutofit/>
           </a:bodyPr>
           <a:p>
-            <a:endParaRPr b="0" lang="en-GB" sz="3200" spc="-1" strike="noStrike">
+            <a:endParaRPr b="0" lang="en-US" sz="3200" spc="-1" strike="noStrike">
               <a:latin typeface="Arial"/>
             </a:endParaRPr>
           </a:p>
@@ -270,7 +275,7 @@
             <a:normAutofit/>
           </a:bodyPr>
           <a:p>
-            <a:endParaRPr b="0" lang="en-GB" sz="3200" spc="-1" strike="noStrike">
+            <a:endParaRPr b="0" lang="en-US" sz="3200" spc="-1" strike="noStrike">
               <a:latin typeface="Arial"/>
             </a:endParaRPr>
           </a:p>
@@ -300,7 +305,7 @@
             <a:normAutofit/>
           </a:bodyPr>
           <a:p>
-            <a:endParaRPr b="0" lang="en-GB" sz="3200" spc="-1" strike="noStrike">
+            <a:endParaRPr b="0" lang="en-US" sz="3200" spc="-1" strike="noStrike">
               <a:latin typeface="Arial"/>
             </a:endParaRPr>
           </a:p>
@@ -330,7 +335,7 @@
             <a:normAutofit/>
           </a:bodyPr>
           <a:p>
-            <a:endParaRPr b="0" lang="en-GB" sz="3200" spc="-1" strike="noStrike">
+            <a:endParaRPr b="0" lang="en-US" sz="3200" spc="-1" strike="noStrike">
               <a:latin typeface="Arial"/>
             </a:endParaRPr>
           </a:p>
@@ -378,10 +383,12 @@
           </a:prstGeom>
         </p:spPr>
         <p:txBody>
-          <a:bodyPr lIns="0" rIns="0" tIns="0" bIns="0" anchor="ctr"/>
+          <a:bodyPr lIns="0" rIns="0" tIns="0" bIns="0" anchor="ctr">
+            <a:noAutofit/>
+          </a:bodyPr>
           <a:p>
             <a:pPr algn="ctr"/>
-            <a:endParaRPr b="0" lang="en-GB" sz="4400" spc="-1" strike="noStrike">
+            <a:endParaRPr b="0" lang="en-US" sz="4400" spc="-1" strike="noStrike">
               <a:latin typeface="Arial"/>
             </a:endParaRPr>
           </a:p>
@@ -411,7 +418,7 @@
             <a:normAutofit/>
           </a:bodyPr>
           <a:p>
-            <a:endParaRPr b="0" lang="en-GB" sz="3200" spc="-1" strike="noStrike">
+            <a:endParaRPr b="0" lang="en-US" sz="3200" spc="-1" strike="noStrike">
               <a:latin typeface="Arial"/>
             </a:endParaRPr>
           </a:p>
@@ -441,7 +448,7 @@
             <a:normAutofit/>
           </a:bodyPr>
           <a:p>
-            <a:endParaRPr b="0" lang="en-GB" sz="3200" spc="-1" strike="noStrike">
+            <a:endParaRPr b="0" lang="en-US" sz="3200" spc="-1" strike="noStrike">
               <a:latin typeface="Arial"/>
             </a:endParaRPr>
           </a:p>
@@ -471,7 +478,7 @@
             <a:normAutofit/>
           </a:bodyPr>
           <a:p>
-            <a:endParaRPr b="0" lang="en-GB" sz="3200" spc="-1" strike="noStrike">
+            <a:endParaRPr b="0" lang="en-US" sz="3200" spc="-1" strike="noStrike">
               <a:latin typeface="Arial"/>
             </a:endParaRPr>
           </a:p>
@@ -501,7 +508,7 @@
             <a:normAutofit/>
           </a:bodyPr>
           <a:p>
-            <a:endParaRPr b="0" lang="en-GB" sz="3200" spc="-1" strike="noStrike">
+            <a:endParaRPr b="0" lang="en-US" sz="3200" spc="-1" strike="noStrike">
               <a:latin typeface="Arial"/>
             </a:endParaRPr>
           </a:p>
@@ -531,7 +538,7 @@
             <a:normAutofit/>
           </a:bodyPr>
           <a:p>
-            <a:endParaRPr b="0" lang="en-GB" sz="3200" spc="-1" strike="noStrike">
+            <a:endParaRPr b="0" lang="en-US" sz="3200" spc="-1" strike="noStrike">
               <a:latin typeface="Arial"/>
             </a:endParaRPr>
           </a:p>
@@ -561,7 +568,7 @@
             <a:normAutofit/>
           </a:bodyPr>
           <a:p>
-            <a:endParaRPr b="0" lang="en-GB" sz="3200" spc="-1" strike="noStrike">
+            <a:endParaRPr b="0" lang="en-US" sz="3200" spc="-1" strike="noStrike">
               <a:latin typeface="Arial"/>
             </a:endParaRPr>
           </a:p>
@@ -631,10 +638,12 @@
           </a:prstGeom>
         </p:spPr>
         <p:txBody>
-          <a:bodyPr lIns="0" rIns="0" tIns="0" bIns="0" anchor="ctr"/>
+          <a:bodyPr lIns="0" rIns="0" tIns="0" bIns="0" anchor="ctr">
+            <a:noAutofit/>
+          </a:bodyPr>
           <a:p>
             <a:pPr algn="ctr"/>
-            <a:endParaRPr b="0" lang="en-GB" sz="4400" spc="-1" strike="noStrike">
+            <a:endParaRPr b="0" lang="en-US" sz="4400" spc="-1" strike="noStrike">
               <a:latin typeface="Arial"/>
             </a:endParaRPr>
           </a:p>
@@ -660,10 +669,12 @@
           </a:prstGeom>
         </p:spPr>
         <p:txBody>
-          <a:bodyPr lIns="0" rIns="0" tIns="0" bIns="0" anchor="ctr"/>
+          <a:bodyPr lIns="0" rIns="0" tIns="0" bIns="0" anchor="ctr">
+            <a:noAutofit/>
+          </a:bodyPr>
           <a:p>
             <a:pPr algn="ctr"/>
-            <a:endParaRPr b="0" lang="en-GB" sz="3200" spc="-1" strike="noStrike">
+            <a:endParaRPr b="0" lang="en-US" sz="3200" spc="-1" strike="noStrike">
               <a:latin typeface="Arial"/>
             </a:endParaRPr>
           </a:p>
@@ -711,10 +722,12 @@
           </a:prstGeom>
         </p:spPr>
         <p:txBody>
-          <a:bodyPr lIns="0" rIns="0" tIns="0" bIns="0" anchor="ctr"/>
+          <a:bodyPr lIns="0" rIns="0" tIns="0" bIns="0" anchor="ctr">
+            <a:noAutofit/>
+          </a:bodyPr>
           <a:p>
             <a:pPr algn="ctr"/>
-            <a:endParaRPr b="0" lang="en-GB" sz="4400" spc="-1" strike="noStrike">
+            <a:endParaRPr b="0" lang="en-US" sz="4400" spc="-1" strike="noStrike">
               <a:latin typeface="Arial"/>
             </a:endParaRPr>
           </a:p>
@@ -744,7 +757,7 @@
             <a:normAutofit/>
           </a:bodyPr>
           <a:p>
-            <a:endParaRPr b="0" lang="en-GB" sz="3200" spc="-1" strike="noStrike">
+            <a:endParaRPr b="0" lang="en-US" sz="3200" spc="-1" strike="noStrike">
               <a:latin typeface="Arial"/>
             </a:endParaRPr>
           </a:p>
@@ -792,10 +805,12 @@
           </a:prstGeom>
         </p:spPr>
         <p:txBody>
-          <a:bodyPr lIns="0" rIns="0" tIns="0" bIns="0" anchor="ctr"/>
+          <a:bodyPr lIns="0" rIns="0" tIns="0" bIns="0" anchor="ctr">
+            <a:noAutofit/>
+          </a:bodyPr>
           <a:p>
             <a:pPr algn="ctr"/>
-            <a:endParaRPr b="0" lang="en-GB" sz="4400" spc="-1" strike="noStrike">
+            <a:endParaRPr b="0" lang="en-US" sz="4400" spc="-1" strike="noStrike">
               <a:latin typeface="Arial"/>
             </a:endParaRPr>
           </a:p>
@@ -825,7 +840,7 @@
             <a:normAutofit/>
           </a:bodyPr>
           <a:p>
-            <a:endParaRPr b="0" lang="en-GB" sz="3200" spc="-1" strike="noStrike">
+            <a:endParaRPr b="0" lang="en-US" sz="3200" spc="-1" strike="noStrike">
               <a:latin typeface="Arial"/>
             </a:endParaRPr>
           </a:p>
@@ -855,7 +870,7 @@
             <a:normAutofit/>
           </a:bodyPr>
           <a:p>
-            <a:endParaRPr b="0" lang="en-GB" sz="3200" spc="-1" strike="noStrike">
+            <a:endParaRPr b="0" lang="en-US" sz="3200" spc="-1" strike="noStrike">
               <a:latin typeface="Arial"/>
             </a:endParaRPr>
           </a:p>
@@ -903,10 +918,12 @@
           </a:prstGeom>
         </p:spPr>
         <p:txBody>
-          <a:bodyPr lIns="0" rIns="0" tIns="0" bIns="0" anchor="ctr"/>
+          <a:bodyPr lIns="0" rIns="0" tIns="0" bIns="0" anchor="ctr">
+            <a:noAutofit/>
+          </a:bodyPr>
           <a:p>
             <a:pPr algn="ctr"/>
-            <a:endParaRPr b="0" lang="en-GB" sz="4400" spc="-1" strike="noStrike">
+            <a:endParaRPr b="0" lang="en-US" sz="4400" spc="-1" strike="noStrike">
               <a:latin typeface="Arial"/>
             </a:endParaRPr>
           </a:p>
@@ -954,10 +971,12 @@
           </a:prstGeom>
         </p:spPr>
         <p:txBody>
-          <a:bodyPr lIns="0" rIns="0" tIns="0" bIns="0" anchor="ctr"/>
+          <a:bodyPr lIns="0" rIns="0" tIns="0" bIns="0" anchor="ctr">
+            <a:noAutofit/>
+          </a:bodyPr>
           <a:p>
             <a:pPr algn="ctr"/>
-            <a:endParaRPr b="0" lang="en-GB" sz="3200" spc="-1" strike="noStrike">
+            <a:endParaRPr b="0" lang="en-US" sz="3200" spc="-1" strike="noStrike">
               <a:latin typeface="Arial"/>
             </a:endParaRPr>
           </a:p>
@@ -1005,10 +1024,12 @@
           </a:prstGeom>
         </p:spPr>
         <p:txBody>
-          <a:bodyPr lIns="0" rIns="0" tIns="0" bIns="0" anchor="ctr"/>
+          <a:bodyPr lIns="0" rIns="0" tIns="0" bIns="0" anchor="ctr">
+            <a:noAutofit/>
+          </a:bodyPr>
           <a:p>
             <a:pPr algn="ctr"/>
-            <a:endParaRPr b="0" lang="en-GB" sz="4400" spc="-1" strike="noStrike">
+            <a:endParaRPr b="0" lang="en-US" sz="4400" spc="-1" strike="noStrike">
               <a:latin typeface="Arial"/>
             </a:endParaRPr>
           </a:p>
@@ -1038,7 +1059,7 @@
             <a:normAutofit/>
           </a:bodyPr>
           <a:p>
-            <a:endParaRPr b="0" lang="en-GB" sz="3200" spc="-1" strike="noStrike">
+            <a:endParaRPr b="0" lang="en-US" sz="3200" spc="-1" strike="noStrike">
               <a:latin typeface="Arial"/>
             </a:endParaRPr>
           </a:p>
@@ -1068,7 +1089,7 @@
             <a:normAutofit/>
           </a:bodyPr>
           <a:p>
-            <a:endParaRPr b="0" lang="en-GB" sz="3200" spc="-1" strike="noStrike">
+            <a:endParaRPr b="0" lang="en-US" sz="3200" spc="-1" strike="noStrike">
               <a:latin typeface="Arial"/>
             </a:endParaRPr>
           </a:p>
@@ -1098,7 +1119,7 @@
             <a:normAutofit/>
           </a:bodyPr>
           <a:p>
-            <a:endParaRPr b="0" lang="en-GB" sz="3200" spc="-1" strike="noStrike">
+            <a:endParaRPr b="0" lang="en-US" sz="3200" spc="-1" strike="noStrike">
               <a:latin typeface="Arial"/>
             </a:endParaRPr>
           </a:p>
@@ -1146,10 +1167,12 @@
           </a:prstGeom>
         </p:spPr>
         <p:txBody>
-          <a:bodyPr lIns="0" rIns="0" tIns="0" bIns="0" anchor="ctr"/>
+          <a:bodyPr lIns="0" rIns="0" tIns="0" bIns="0" anchor="ctr">
+            <a:noAutofit/>
+          </a:bodyPr>
           <a:p>
             <a:pPr algn="ctr"/>
-            <a:endParaRPr b="0" lang="en-GB" sz="4400" spc="-1" strike="noStrike">
+            <a:endParaRPr b="0" lang="en-US" sz="4400" spc="-1" strike="noStrike">
               <a:latin typeface="Arial"/>
             </a:endParaRPr>
           </a:p>
@@ -1175,10 +1198,12 @@
           </a:prstGeom>
         </p:spPr>
         <p:txBody>
-          <a:bodyPr lIns="0" rIns="0" tIns="0" bIns="0" anchor="ctr"/>
+          <a:bodyPr lIns="0" rIns="0" tIns="0" bIns="0" anchor="ctr">
+            <a:noAutofit/>
+          </a:bodyPr>
           <a:p>
             <a:pPr algn="ctr"/>
-            <a:endParaRPr b="0" lang="en-GB" sz="3200" spc="-1" strike="noStrike">
+            <a:endParaRPr b="0" lang="en-US" sz="3200" spc="-1" strike="noStrike">
               <a:latin typeface="Arial"/>
             </a:endParaRPr>
           </a:p>
@@ -1226,10 +1251,12 @@
           </a:prstGeom>
         </p:spPr>
         <p:txBody>
-          <a:bodyPr lIns="0" rIns="0" tIns="0" bIns="0" anchor="ctr"/>
+          <a:bodyPr lIns="0" rIns="0" tIns="0" bIns="0" anchor="ctr">
+            <a:noAutofit/>
+          </a:bodyPr>
           <a:p>
             <a:pPr algn="ctr"/>
-            <a:endParaRPr b="0" lang="en-GB" sz="4400" spc="-1" strike="noStrike">
+            <a:endParaRPr b="0" lang="en-US" sz="4400" spc="-1" strike="noStrike">
               <a:latin typeface="Arial"/>
             </a:endParaRPr>
           </a:p>
@@ -1259,7 +1286,7 @@
             <a:normAutofit/>
           </a:bodyPr>
           <a:p>
-            <a:endParaRPr b="0" lang="en-GB" sz="3200" spc="-1" strike="noStrike">
+            <a:endParaRPr b="0" lang="en-US" sz="3200" spc="-1" strike="noStrike">
               <a:latin typeface="Arial"/>
             </a:endParaRPr>
           </a:p>
@@ -1289,7 +1316,7 @@
             <a:normAutofit/>
           </a:bodyPr>
           <a:p>
-            <a:endParaRPr b="0" lang="en-GB" sz="3200" spc="-1" strike="noStrike">
+            <a:endParaRPr b="0" lang="en-US" sz="3200" spc="-1" strike="noStrike">
               <a:latin typeface="Arial"/>
             </a:endParaRPr>
           </a:p>
@@ -1319,7 +1346,7 @@
             <a:normAutofit/>
           </a:bodyPr>
           <a:p>
-            <a:endParaRPr b="0" lang="en-GB" sz="3200" spc="-1" strike="noStrike">
+            <a:endParaRPr b="0" lang="en-US" sz="3200" spc="-1" strike="noStrike">
               <a:latin typeface="Arial"/>
             </a:endParaRPr>
           </a:p>
@@ -1367,10 +1394,12 @@
           </a:prstGeom>
         </p:spPr>
         <p:txBody>
-          <a:bodyPr lIns="0" rIns="0" tIns="0" bIns="0" anchor="ctr"/>
+          <a:bodyPr lIns="0" rIns="0" tIns="0" bIns="0" anchor="ctr">
+            <a:noAutofit/>
+          </a:bodyPr>
           <a:p>
             <a:pPr algn="ctr"/>
-            <a:endParaRPr b="0" lang="en-GB" sz="4400" spc="-1" strike="noStrike">
+            <a:endParaRPr b="0" lang="en-US" sz="4400" spc="-1" strike="noStrike">
               <a:latin typeface="Arial"/>
             </a:endParaRPr>
           </a:p>
@@ -1400,7 +1429,7 @@
             <a:normAutofit/>
           </a:bodyPr>
           <a:p>
-            <a:endParaRPr b="0" lang="en-GB" sz="3200" spc="-1" strike="noStrike">
+            <a:endParaRPr b="0" lang="en-US" sz="3200" spc="-1" strike="noStrike">
               <a:latin typeface="Arial"/>
             </a:endParaRPr>
           </a:p>
@@ -1430,7 +1459,7 @@
             <a:normAutofit/>
           </a:bodyPr>
           <a:p>
-            <a:endParaRPr b="0" lang="en-GB" sz="3200" spc="-1" strike="noStrike">
+            <a:endParaRPr b="0" lang="en-US" sz="3200" spc="-1" strike="noStrike">
               <a:latin typeface="Arial"/>
             </a:endParaRPr>
           </a:p>
@@ -1460,7 +1489,7 @@
             <a:normAutofit/>
           </a:bodyPr>
           <a:p>
-            <a:endParaRPr b="0" lang="en-GB" sz="3200" spc="-1" strike="noStrike">
+            <a:endParaRPr b="0" lang="en-US" sz="3200" spc="-1" strike="noStrike">
               <a:latin typeface="Arial"/>
             </a:endParaRPr>
           </a:p>
@@ -1508,10 +1537,12 @@
           </a:prstGeom>
         </p:spPr>
         <p:txBody>
-          <a:bodyPr lIns="0" rIns="0" tIns="0" bIns="0" anchor="ctr"/>
+          <a:bodyPr lIns="0" rIns="0" tIns="0" bIns="0" anchor="ctr">
+            <a:noAutofit/>
+          </a:bodyPr>
           <a:p>
             <a:pPr algn="ctr"/>
-            <a:endParaRPr b="0" lang="en-GB" sz="4400" spc="-1" strike="noStrike">
+            <a:endParaRPr b="0" lang="en-US" sz="4400" spc="-1" strike="noStrike">
               <a:latin typeface="Arial"/>
             </a:endParaRPr>
           </a:p>
@@ -1541,7 +1572,7 @@
             <a:normAutofit/>
           </a:bodyPr>
           <a:p>
-            <a:endParaRPr b="0" lang="en-GB" sz="3200" spc="-1" strike="noStrike">
+            <a:endParaRPr b="0" lang="en-US" sz="3200" spc="-1" strike="noStrike">
               <a:latin typeface="Arial"/>
             </a:endParaRPr>
           </a:p>
@@ -1571,7 +1602,7 @@
             <a:normAutofit/>
           </a:bodyPr>
           <a:p>
-            <a:endParaRPr b="0" lang="en-GB" sz="3200" spc="-1" strike="noStrike">
+            <a:endParaRPr b="0" lang="en-US" sz="3200" spc="-1" strike="noStrike">
               <a:latin typeface="Arial"/>
             </a:endParaRPr>
           </a:p>
@@ -1619,10 +1650,12 @@
           </a:prstGeom>
         </p:spPr>
         <p:txBody>
-          <a:bodyPr lIns="0" rIns="0" tIns="0" bIns="0" anchor="ctr"/>
+          <a:bodyPr lIns="0" rIns="0" tIns="0" bIns="0" anchor="ctr">
+            <a:noAutofit/>
+          </a:bodyPr>
           <a:p>
             <a:pPr algn="ctr"/>
-            <a:endParaRPr b="0" lang="en-GB" sz="4400" spc="-1" strike="noStrike">
+            <a:endParaRPr b="0" lang="en-US" sz="4400" spc="-1" strike="noStrike">
               <a:latin typeface="Arial"/>
             </a:endParaRPr>
           </a:p>
@@ -1652,7 +1685,7 @@
             <a:normAutofit/>
           </a:bodyPr>
           <a:p>
-            <a:endParaRPr b="0" lang="en-GB" sz="3200" spc="-1" strike="noStrike">
+            <a:endParaRPr b="0" lang="en-US" sz="3200" spc="-1" strike="noStrike">
               <a:latin typeface="Arial"/>
             </a:endParaRPr>
           </a:p>
@@ -1682,7 +1715,7 @@
             <a:normAutofit/>
           </a:bodyPr>
           <a:p>
-            <a:endParaRPr b="0" lang="en-GB" sz="3200" spc="-1" strike="noStrike">
+            <a:endParaRPr b="0" lang="en-US" sz="3200" spc="-1" strike="noStrike">
               <a:latin typeface="Arial"/>
             </a:endParaRPr>
           </a:p>
@@ -1712,7 +1745,7 @@
             <a:normAutofit/>
           </a:bodyPr>
           <a:p>
-            <a:endParaRPr b="0" lang="en-GB" sz="3200" spc="-1" strike="noStrike">
+            <a:endParaRPr b="0" lang="en-US" sz="3200" spc="-1" strike="noStrike">
               <a:latin typeface="Arial"/>
             </a:endParaRPr>
           </a:p>
@@ -1742,7 +1775,7 @@
             <a:normAutofit/>
           </a:bodyPr>
           <a:p>
-            <a:endParaRPr b="0" lang="en-GB" sz="3200" spc="-1" strike="noStrike">
+            <a:endParaRPr b="0" lang="en-US" sz="3200" spc="-1" strike="noStrike">
               <a:latin typeface="Arial"/>
             </a:endParaRPr>
           </a:p>
@@ -1790,10 +1823,12 @@
           </a:prstGeom>
         </p:spPr>
         <p:txBody>
-          <a:bodyPr lIns="0" rIns="0" tIns="0" bIns="0" anchor="ctr"/>
+          <a:bodyPr lIns="0" rIns="0" tIns="0" bIns="0" anchor="ctr">
+            <a:noAutofit/>
+          </a:bodyPr>
           <a:p>
             <a:pPr algn="ctr"/>
-            <a:endParaRPr b="0" lang="en-GB" sz="4400" spc="-1" strike="noStrike">
+            <a:endParaRPr b="0" lang="en-US" sz="4400" spc="-1" strike="noStrike">
               <a:latin typeface="Arial"/>
             </a:endParaRPr>
           </a:p>
@@ -1823,7 +1858,7 @@
             <a:normAutofit/>
           </a:bodyPr>
           <a:p>
-            <a:endParaRPr b="0" lang="en-GB" sz="3200" spc="-1" strike="noStrike">
+            <a:endParaRPr b="0" lang="en-US" sz="3200" spc="-1" strike="noStrike">
               <a:latin typeface="Arial"/>
             </a:endParaRPr>
           </a:p>
@@ -1853,7 +1888,7 @@
             <a:normAutofit/>
           </a:bodyPr>
           <a:p>
-            <a:endParaRPr b="0" lang="en-GB" sz="3200" spc="-1" strike="noStrike">
+            <a:endParaRPr b="0" lang="en-US" sz="3200" spc="-1" strike="noStrike">
               <a:latin typeface="Arial"/>
             </a:endParaRPr>
           </a:p>
@@ -1883,7 +1918,7 @@
             <a:normAutofit/>
           </a:bodyPr>
           <a:p>
-            <a:endParaRPr b="0" lang="en-GB" sz="3200" spc="-1" strike="noStrike">
+            <a:endParaRPr b="0" lang="en-US" sz="3200" spc="-1" strike="noStrike">
               <a:latin typeface="Arial"/>
             </a:endParaRPr>
           </a:p>
@@ -1913,7 +1948,7 @@
             <a:normAutofit/>
           </a:bodyPr>
           <a:p>
-            <a:endParaRPr b="0" lang="en-GB" sz="3200" spc="-1" strike="noStrike">
+            <a:endParaRPr b="0" lang="en-US" sz="3200" spc="-1" strike="noStrike">
               <a:latin typeface="Arial"/>
             </a:endParaRPr>
           </a:p>
@@ -1943,7 +1978,7 @@
             <a:normAutofit/>
           </a:bodyPr>
           <a:p>
-            <a:endParaRPr b="0" lang="en-GB" sz="3200" spc="-1" strike="noStrike">
+            <a:endParaRPr b="0" lang="en-US" sz="3200" spc="-1" strike="noStrike">
               <a:latin typeface="Arial"/>
             </a:endParaRPr>
           </a:p>
@@ -1973,7 +2008,362 @@
             <a:normAutofit/>
           </a:bodyPr>
           <a:p>
-            <a:endParaRPr b="0" lang="en-GB" sz="3200" spc="-1" strike="noStrike">
+            <a:endParaRPr b="0" lang="en-US" sz="3200" spc="-1" strike="noStrike">
+              <a:latin typeface="Arial"/>
+            </a:endParaRPr>
+          </a:p>
+        </p:txBody>
+      </p:sp>
+    </p:spTree>
+  </p:cSld>
+</p:sldLayout>
+</file>
+
+<file path=ppt/slideLayouts/slideLayout25.xml><?xml version="1.0" encoding="utf-8"?>
+<p:sldLayout xmlns:a="http://schemas.openxmlformats.org/drawingml/2006/main" xmlns:p="http://schemas.openxmlformats.org/presentationml/2006/main" xmlns:r="http://schemas.openxmlformats.org/officeDocument/2006/relationships" xmlns:p14="http://schemas.microsoft.com/office/powerpoint/2010/main" xmlns:p15="http://schemas.microsoft.com/office/powerpoint/2012/main" xmlns:mc="http://schemas.openxmlformats.org/markup-compatibility/2006" type="blank" preserve="1">
+  <p:cSld name="Blank Slide">
+    <p:spTree>
+      <p:nvGrpSpPr>
+        <p:cNvPr id="1" name=""/>
+        <p:cNvGrpSpPr/>
+        <p:nvPr/>
+      </p:nvGrpSpPr>
+      <p:grpSpPr>
+        <a:xfrm>
+          <a:off x="0" y="0"/>
+          <a:ext cx="0" cy="0"/>
+          <a:chOff x="0" y="0"/>
+          <a:chExt cx="0" cy="0"/>
+        </a:xfrm>
+      </p:grpSpPr>
+    </p:spTree>
+  </p:cSld>
+</p:sldLayout>
+</file>
+
+<file path=ppt/slideLayouts/slideLayout26.xml><?xml version="1.0" encoding="utf-8"?>
+<p:sldLayout xmlns:a="http://schemas.openxmlformats.org/drawingml/2006/main" xmlns:p="http://schemas.openxmlformats.org/presentationml/2006/main" xmlns:r="http://schemas.openxmlformats.org/officeDocument/2006/relationships" xmlns:p14="http://schemas.microsoft.com/office/powerpoint/2010/main" xmlns:p15="http://schemas.microsoft.com/office/powerpoint/2012/main" xmlns:mc="http://schemas.openxmlformats.org/markup-compatibility/2006" type="tx" preserve="1">
+  <p:cSld name="Title Slide">
+    <p:spTree>
+      <p:nvGrpSpPr>
+        <p:cNvPr id="1" name=""/>
+        <p:cNvGrpSpPr/>
+        <p:nvPr/>
+      </p:nvGrpSpPr>
+      <p:grpSpPr>
+        <a:xfrm>
+          <a:off x="0" y="0"/>
+          <a:ext cx="0" cy="0"/>
+          <a:chOff x="0" y="0"/>
+          <a:chExt cx="0" cy="0"/>
+        </a:xfrm>
+      </p:grpSpPr>
+      <p:sp>
+        <p:nvSpPr>
+          <p:cNvPr id="78" name="PlaceHolder 1"/>
+          <p:cNvSpPr>
+            <a:spLocks noGrp="1"/>
+          </p:cNvSpPr>
+          <p:nvPr>
+            <p:ph type="title"/>
+          </p:nvPr>
+        </p:nvSpPr>
+        <p:spPr>
+          <a:xfrm>
+            <a:off x="650160" y="389160"/>
+            <a:ext cx="11703600" cy="1628280"/>
+          </a:xfrm>
+          <a:prstGeom prst="rect">
+            <a:avLst/>
+          </a:prstGeom>
+        </p:spPr>
+        <p:txBody>
+          <a:bodyPr lIns="0" rIns="0" tIns="0" bIns="0" anchor="ctr">
+            <a:noAutofit/>
+          </a:bodyPr>
+          <a:p>
+            <a:pPr algn="ctr"/>
+            <a:endParaRPr b="0" lang="en-US" sz="4400" spc="-1" strike="noStrike">
+              <a:latin typeface="Arial"/>
+            </a:endParaRPr>
+          </a:p>
+        </p:txBody>
+      </p:sp>
+      <p:sp>
+        <p:nvSpPr>
+          <p:cNvPr id="79" name="PlaceHolder 2"/>
+          <p:cNvSpPr>
+            <a:spLocks noGrp="1"/>
+          </p:cNvSpPr>
+          <p:nvPr>
+            <p:ph type="subTitle"/>
+          </p:nvPr>
+        </p:nvSpPr>
+        <p:spPr>
+          <a:xfrm>
+            <a:off x="650160" y="2282040"/>
+            <a:ext cx="11703600" cy="5656320"/>
+          </a:xfrm>
+          <a:prstGeom prst="rect">
+            <a:avLst/>
+          </a:prstGeom>
+        </p:spPr>
+        <p:txBody>
+          <a:bodyPr lIns="0" rIns="0" tIns="0" bIns="0" anchor="ctr">
+            <a:noAutofit/>
+          </a:bodyPr>
+          <a:p>
+            <a:pPr algn="ctr"/>
+            <a:endParaRPr b="0" lang="en-US" sz="3200" spc="-1" strike="noStrike">
+              <a:latin typeface="Arial"/>
+            </a:endParaRPr>
+          </a:p>
+        </p:txBody>
+      </p:sp>
+    </p:spTree>
+  </p:cSld>
+</p:sldLayout>
+</file>
+
+<file path=ppt/slideLayouts/slideLayout27.xml><?xml version="1.0" encoding="utf-8"?>
+<p:sldLayout xmlns:a="http://schemas.openxmlformats.org/drawingml/2006/main" xmlns:p="http://schemas.openxmlformats.org/presentationml/2006/main" xmlns:r="http://schemas.openxmlformats.org/officeDocument/2006/relationships" xmlns:p14="http://schemas.microsoft.com/office/powerpoint/2010/main" xmlns:p15="http://schemas.microsoft.com/office/powerpoint/2012/main" xmlns:mc="http://schemas.openxmlformats.org/markup-compatibility/2006" type="obj" preserve="1">
+  <p:cSld name="Title, Content">
+    <p:spTree>
+      <p:nvGrpSpPr>
+        <p:cNvPr id="1" name=""/>
+        <p:cNvGrpSpPr/>
+        <p:nvPr/>
+      </p:nvGrpSpPr>
+      <p:grpSpPr>
+        <a:xfrm>
+          <a:off x="0" y="0"/>
+          <a:ext cx="0" cy="0"/>
+          <a:chOff x="0" y="0"/>
+          <a:chExt cx="0" cy="0"/>
+        </a:xfrm>
+      </p:grpSpPr>
+      <p:sp>
+        <p:nvSpPr>
+          <p:cNvPr id="80" name="PlaceHolder 1"/>
+          <p:cNvSpPr>
+            <a:spLocks noGrp="1"/>
+          </p:cNvSpPr>
+          <p:nvPr>
+            <p:ph type="title"/>
+          </p:nvPr>
+        </p:nvSpPr>
+        <p:spPr>
+          <a:xfrm>
+            <a:off x="650160" y="389160"/>
+            <a:ext cx="11703600" cy="1628280"/>
+          </a:xfrm>
+          <a:prstGeom prst="rect">
+            <a:avLst/>
+          </a:prstGeom>
+        </p:spPr>
+        <p:txBody>
+          <a:bodyPr lIns="0" rIns="0" tIns="0" bIns="0" anchor="ctr">
+            <a:noAutofit/>
+          </a:bodyPr>
+          <a:p>
+            <a:pPr algn="ctr"/>
+            <a:endParaRPr b="0" lang="en-US" sz="4400" spc="-1" strike="noStrike">
+              <a:latin typeface="Arial"/>
+            </a:endParaRPr>
+          </a:p>
+        </p:txBody>
+      </p:sp>
+      <p:sp>
+        <p:nvSpPr>
+          <p:cNvPr id="81" name="PlaceHolder 2"/>
+          <p:cNvSpPr>
+            <a:spLocks noGrp="1"/>
+          </p:cNvSpPr>
+          <p:nvPr>
+            <p:ph type="body"/>
+          </p:nvPr>
+        </p:nvSpPr>
+        <p:spPr>
+          <a:xfrm>
+            <a:off x="650160" y="2282040"/>
+            <a:ext cx="11703600" cy="5656320"/>
+          </a:xfrm>
+          <a:prstGeom prst="rect">
+            <a:avLst/>
+          </a:prstGeom>
+        </p:spPr>
+        <p:txBody>
+          <a:bodyPr lIns="0" rIns="0" tIns="0" bIns="0">
+            <a:normAutofit/>
+          </a:bodyPr>
+          <a:p>
+            <a:endParaRPr b="0" lang="en-US" sz="3200" spc="-1" strike="noStrike">
+              <a:latin typeface="Arial"/>
+            </a:endParaRPr>
+          </a:p>
+        </p:txBody>
+      </p:sp>
+    </p:spTree>
+  </p:cSld>
+</p:sldLayout>
+</file>
+
+<file path=ppt/slideLayouts/slideLayout28.xml><?xml version="1.0" encoding="utf-8"?>
+<p:sldLayout xmlns:a="http://schemas.openxmlformats.org/drawingml/2006/main" xmlns:p="http://schemas.openxmlformats.org/presentationml/2006/main" xmlns:r="http://schemas.openxmlformats.org/officeDocument/2006/relationships" xmlns:p14="http://schemas.microsoft.com/office/powerpoint/2010/main" xmlns:p15="http://schemas.microsoft.com/office/powerpoint/2012/main" xmlns:mc="http://schemas.openxmlformats.org/markup-compatibility/2006" type="twoObj" preserve="1">
+  <p:cSld name="Title, 2 Content">
+    <p:spTree>
+      <p:nvGrpSpPr>
+        <p:cNvPr id="1" name=""/>
+        <p:cNvGrpSpPr/>
+        <p:nvPr/>
+      </p:nvGrpSpPr>
+      <p:grpSpPr>
+        <a:xfrm>
+          <a:off x="0" y="0"/>
+          <a:ext cx="0" cy="0"/>
+          <a:chOff x="0" y="0"/>
+          <a:chExt cx="0" cy="0"/>
+        </a:xfrm>
+      </p:grpSpPr>
+      <p:sp>
+        <p:nvSpPr>
+          <p:cNvPr id="82" name="PlaceHolder 1"/>
+          <p:cNvSpPr>
+            <a:spLocks noGrp="1"/>
+          </p:cNvSpPr>
+          <p:nvPr>
+            <p:ph type="title"/>
+          </p:nvPr>
+        </p:nvSpPr>
+        <p:spPr>
+          <a:xfrm>
+            <a:off x="650160" y="389160"/>
+            <a:ext cx="11703600" cy="1628280"/>
+          </a:xfrm>
+          <a:prstGeom prst="rect">
+            <a:avLst/>
+          </a:prstGeom>
+        </p:spPr>
+        <p:txBody>
+          <a:bodyPr lIns="0" rIns="0" tIns="0" bIns="0" anchor="ctr">
+            <a:noAutofit/>
+          </a:bodyPr>
+          <a:p>
+            <a:pPr algn="ctr"/>
+            <a:endParaRPr b="0" lang="en-US" sz="4400" spc="-1" strike="noStrike">
+              <a:latin typeface="Arial"/>
+            </a:endParaRPr>
+          </a:p>
+        </p:txBody>
+      </p:sp>
+      <p:sp>
+        <p:nvSpPr>
+          <p:cNvPr id="83" name="PlaceHolder 2"/>
+          <p:cNvSpPr>
+            <a:spLocks noGrp="1"/>
+          </p:cNvSpPr>
+          <p:nvPr>
+            <p:ph type="body"/>
+          </p:nvPr>
+        </p:nvSpPr>
+        <p:spPr>
+          <a:xfrm>
+            <a:off x="650160" y="2282040"/>
+            <a:ext cx="5711040" cy="5656320"/>
+          </a:xfrm>
+          <a:prstGeom prst="rect">
+            <a:avLst/>
+          </a:prstGeom>
+        </p:spPr>
+        <p:txBody>
+          <a:bodyPr lIns="0" rIns="0" tIns="0" bIns="0">
+            <a:normAutofit/>
+          </a:bodyPr>
+          <a:p>
+            <a:endParaRPr b="0" lang="en-US" sz="3200" spc="-1" strike="noStrike">
+              <a:latin typeface="Arial"/>
+            </a:endParaRPr>
+          </a:p>
+        </p:txBody>
+      </p:sp>
+      <p:sp>
+        <p:nvSpPr>
+          <p:cNvPr id="84" name="PlaceHolder 3"/>
+          <p:cNvSpPr>
+            <a:spLocks noGrp="1"/>
+          </p:cNvSpPr>
+          <p:nvPr>
+            <p:ph type="body"/>
+          </p:nvPr>
+        </p:nvSpPr>
+        <p:spPr>
+          <a:xfrm>
+            <a:off x="6647040" y="2282040"/>
+            <a:ext cx="5711040" cy="5656320"/>
+          </a:xfrm>
+          <a:prstGeom prst="rect">
+            <a:avLst/>
+          </a:prstGeom>
+        </p:spPr>
+        <p:txBody>
+          <a:bodyPr lIns="0" rIns="0" tIns="0" bIns="0">
+            <a:normAutofit/>
+          </a:bodyPr>
+          <a:p>
+            <a:endParaRPr b="0" lang="en-US" sz="3200" spc="-1" strike="noStrike">
+              <a:latin typeface="Arial"/>
+            </a:endParaRPr>
+          </a:p>
+        </p:txBody>
+      </p:sp>
+    </p:spTree>
+  </p:cSld>
+</p:sldLayout>
+</file>
+
+<file path=ppt/slideLayouts/slideLayout29.xml><?xml version="1.0" encoding="utf-8"?>
+<p:sldLayout xmlns:a="http://schemas.openxmlformats.org/drawingml/2006/main" xmlns:p="http://schemas.openxmlformats.org/presentationml/2006/main" xmlns:r="http://schemas.openxmlformats.org/officeDocument/2006/relationships" xmlns:p14="http://schemas.microsoft.com/office/powerpoint/2010/main" xmlns:p15="http://schemas.microsoft.com/office/powerpoint/2012/main" xmlns:mc="http://schemas.openxmlformats.org/markup-compatibility/2006" type="titleOnly" preserve="1">
+  <p:cSld name="Title Only">
+    <p:spTree>
+      <p:nvGrpSpPr>
+        <p:cNvPr id="1" name=""/>
+        <p:cNvGrpSpPr/>
+        <p:nvPr/>
+      </p:nvGrpSpPr>
+      <p:grpSpPr>
+        <a:xfrm>
+          <a:off x="0" y="0"/>
+          <a:ext cx="0" cy="0"/>
+          <a:chOff x="0" y="0"/>
+          <a:chExt cx="0" cy="0"/>
+        </a:xfrm>
+      </p:grpSpPr>
+      <p:sp>
+        <p:nvSpPr>
+          <p:cNvPr id="85" name="PlaceHolder 1"/>
+          <p:cNvSpPr>
+            <a:spLocks noGrp="1"/>
+          </p:cNvSpPr>
+          <p:nvPr>
+            <p:ph type="title"/>
+          </p:nvPr>
+        </p:nvSpPr>
+        <p:spPr>
+          <a:xfrm>
+            <a:off x="650160" y="389160"/>
+            <a:ext cx="11703600" cy="1628280"/>
+          </a:xfrm>
+          <a:prstGeom prst="rect">
+            <a:avLst/>
+          </a:prstGeom>
+        </p:spPr>
+        <p:txBody>
+          <a:bodyPr lIns="0" rIns="0" tIns="0" bIns="0" anchor="ctr">
+            <a:noAutofit/>
+          </a:bodyPr>
+          <a:p>
+            <a:pPr algn="ctr"/>
+            <a:endParaRPr b="0" lang="en-US" sz="4400" spc="-1" strike="noStrike">
               <a:latin typeface="Arial"/>
             </a:endParaRPr>
           </a:p>
@@ -2021,10 +2411,12 @@
           </a:prstGeom>
         </p:spPr>
         <p:txBody>
-          <a:bodyPr lIns="0" rIns="0" tIns="0" bIns="0" anchor="ctr"/>
+          <a:bodyPr lIns="0" rIns="0" tIns="0" bIns="0" anchor="ctr">
+            <a:noAutofit/>
+          </a:bodyPr>
           <a:p>
             <a:pPr algn="ctr"/>
-            <a:endParaRPr b="0" lang="en-GB" sz="4400" spc="-1" strike="noStrike">
+            <a:endParaRPr b="0" lang="en-US" sz="4400" spc="-1" strike="noStrike">
               <a:latin typeface="Arial"/>
             </a:endParaRPr>
           </a:p>
@@ -2054,7 +2446,1008 @@
             <a:normAutofit/>
           </a:bodyPr>
           <a:p>
-            <a:endParaRPr b="0" lang="en-GB" sz="3200" spc="-1" strike="noStrike">
+            <a:endParaRPr b="0" lang="en-US" sz="3200" spc="-1" strike="noStrike">
+              <a:latin typeface="Arial"/>
+            </a:endParaRPr>
+          </a:p>
+        </p:txBody>
+      </p:sp>
+    </p:spTree>
+  </p:cSld>
+</p:sldLayout>
+</file>
+
+<file path=ppt/slideLayouts/slideLayout30.xml><?xml version="1.0" encoding="utf-8"?>
+<p:sldLayout xmlns:a="http://schemas.openxmlformats.org/drawingml/2006/main" xmlns:p="http://schemas.openxmlformats.org/presentationml/2006/main" xmlns:r="http://schemas.openxmlformats.org/officeDocument/2006/relationships" xmlns:p14="http://schemas.microsoft.com/office/powerpoint/2010/main" xmlns:p15="http://schemas.microsoft.com/office/powerpoint/2012/main" xmlns:mc="http://schemas.openxmlformats.org/markup-compatibility/2006" type="objOnly" preserve="1">
+  <p:cSld name="Centered Text">
+    <p:spTree>
+      <p:nvGrpSpPr>
+        <p:cNvPr id="1" name=""/>
+        <p:cNvGrpSpPr/>
+        <p:nvPr/>
+      </p:nvGrpSpPr>
+      <p:grpSpPr>
+        <a:xfrm>
+          <a:off x="0" y="0"/>
+          <a:ext cx="0" cy="0"/>
+          <a:chOff x="0" y="0"/>
+          <a:chExt cx="0" cy="0"/>
+        </a:xfrm>
+      </p:grpSpPr>
+      <p:sp>
+        <p:nvSpPr>
+          <p:cNvPr id="86" name="PlaceHolder 1"/>
+          <p:cNvSpPr>
+            <a:spLocks noGrp="1"/>
+          </p:cNvSpPr>
+          <p:nvPr>
+            <p:ph type="subTitle"/>
+          </p:nvPr>
+        </p:nvSpPr>
+        <p:spPr>
+          <a:xfrm>
+            <a:off x="650160" y="389160"/>
+            <a:ext cx="11703600" cy="7549200"/>
+          </a:xfrm>
+          <a:prstGeom prst="rect">
+            <a:avLst/>
+          </a:prstGeom>
+        </p:spPr>
+        <p:txBody>
+          <a:bodyPr lIns="0" rIns="0" tIns="0" bIns="0" anchor="ctr">
+            <a:noAutofit/>
+          </a:bodyPr>
+          <a:p>
+            <a:pPr algn="ctr"/>
+            <a:endParaRPr b="0" lang="en-US" sz="3200" spc="-1" strike="noStrike">
+              <a:latin typeface="Arial"/>
+            </a:endParaRPr>
+          </a:p>
+        </p:txBody>
+      </p:sp>
+    </p:spTree>
+  </p:cSld>
+</p:sldLayout>
+</file>
+
+<file path=ppt/slideLayouts/slideLayout31.xml><?xml version="1.0" encoding="utf-8"?>
+<p:sldLayout xmlns:a="http://schemas.openxmlformats.org/drawingml/2006/main" xmlns:p="http://schemas.openxmlformats.org/presentationml/2006/main" xmlns:r="http://schemas.openxmlformats.org/officeDocument/2006/relationships" xmlns:p14="http://schemas.microsoft.com/office/powerpoint/2010/main" xmlns:p15="http://schemas.microsoft.com/office/powerpoint/2012/main" xmlns:mc="http://schemas.openxmlformats.org/markup-compatibility/2006" type="twoObjAndObj" preserve="1">
+  <p:cSld name="Title, 2 Content and Content">
+    <p:spTree>
+      <p:nvGrpSpPr>
+        <p:cNvPr id="1" name=""/>
+        <p:cNvGrpSpPr/>
+        <p:nvPr/>
+      </p:nvGrpSpPr>
+      <p:grpSpPr>
+        <a:xfrm>
+          <a:off x="0" y="0"/>
+          <a:ext cx="0" cy="0"/>
+          <a:chOff x="0" y="0"/>
+          <a:chExt cx="0" cy="0"/>
+        </a:xfrm>
+      </p:grpSpPr>
+      <p:sp>
+        <p:nvSpPr>
+          <p:cNvPr id="87" name="PlaceHolder 1"/>
+          <p:cNvSpPr>
+            <a:spLocks noGrp="1"/>
+          </p:cNvSpPr>
+          <p:nvPr>
+            <p:ph type="title"/>
+          </p:nvPr>
+        </p:nvSpPr>
+        <p:spPr>
+          <a:xfrm>
+            <a:off x="650160" y="389160"/>
+            <a:ext cx="11703600" cy="1628280"/>
+          </a:xfrm>
+          <a:prstGeom prst="rect">
+            <a:avLst/>
+          </a:prstGeom>
+        </p:spPr>
+        <p:txBody>
+          <a:bodyPr lIns="0" rIns="0" tIns="0" bIns="0" anchor="ctr">
+            <a:noAutofit/>
+          </a:bodyPr>
+          <a:p>
+            <a:pPr algn="ctr"/>
+            <a:endParaRPr b="0" lang="en-US" sz="4400" spc="-1" strike="noStrike">
+              <a:latin typeface="Arial"/>
+            </a:endParaRPr>
+          </a:p>
+        </p:txBody>
+      </p:sp>
+      <p:sp>
+        <p:nvSpPr>
+          <p:cNvPr id="88" name="PlaceHolder 2"/>
+          <p:cNvSpPr>
+            <a:spLocks noGrp="1"/>
+          </p:cNvSpPr>
+          <p:nvPr>
+            <p:ph type="body"/>
+          </p:nvPr>
+        </p:nvSpPr>
+        <p:spPr>
+          <a:xfrm>
+            <a:off x="650160" y="2282040"/>
+            <a:ext cx="5711040" cy="2697840"/>
+          </a:xfrm>
+          <a:prstGeom prst="rect">
+            <a:avLst/>
+          </a:prstGeom>
+        </p:spPr>
+        <p:txBody>
+          <a:bodyPr lIns="0" rIns="0" tIns="0" bIns="0">
+            <a:normAutofit/>
+          </a:bodyPr>
+          <a:p>
+            <a:endParaRPr b="0" lang="en-US" sz="3200" spc="-1" strike="noStrike">
+              <a:latin typeface="Arial"/>
+            </a:endParaRPr>
+          </a:p>
+        </p:txBody>
+      </p:sp>
+      <p:sp>
+        <p:nvSpPr>
+          <p:cNvPr id="89" name="PlaceHolder 3"/>
+          <p:cNvSpPr>
+            <a:spLocks noGrp="1"/>
+          </p:cNvSpPr>
+          <p:nvPr>
+            <p:ph type="body"/>
+          </p:nvPr>
+        </p:nvSpPr>
+        <p:spPr>
+          <a:xfrm>
+            <a:off x="6647040" y="2282040"/>
+            <a:ext cx="5711040" cy="5656320"/>
+          </a:xfrm>
+          <a:prstGeom prst="rect">
+            <a:avLst/>
+          </a:prstGeom>
+        </p:spPr>
+        <p:txBody>
+          <a:bodyPr lIns="0" rIns="0" tIns="0" bIns="0">
+            <a:normAutofit/>
+          </a:bodyPr>
+          <a:p>
+            <a:endParaRPr b="0" lang="en-US" sz="3200" spc="-1" strike="noStrike">
+              <a:latin typeface="Arial"/>
+            </a:endParaRPr>
+          </a:p>
+        </p:txBody>
+      </p:sp>
+      <p:sp>
+        <p:nvSpPr>
+          <p:cNvPr id="90" name="PlaceHolder 4"/>
+          <p:cNvSpPr>
+            <a:spLocks noGrp="1"/>
+          </p:cNvSpPr>
+          <p:nvPr>
+            <p:ph type="body"/>
+          </p:nvPr>
+        </p:nvSpPr>
+        <p:spPr>
+          <a:xfrm>
+            <a:off x="650160" y="5236560"/>
+            <a:ext cx="5711040" cy="2697840"/>
+          </a:xfrm>
+          <a:prstGeom prst="rect">
+            <a:avLst/>
+          </a:prstGeom>
+        </p:spPr>
+        <p:txBody>
+          <a:bodyPr lIns="0" rIns="0" tIns="0" bIns="0">
+            <a:normAutofit/>
+          </a:bodyPr>
+          <a:p>
+            <a:endParaRPr b="0" lang="en-US" sz="3200" spc="-1" strike="noStrike">
+              <a:latin typeface="Arial"/>
+            </a:endParaRPr>
+          </a:p>
+        </p:txBody>
+      </p:sp>
+    </p:spTree>
+  </p:cSld>
+</p:sldLayout>
+</file>
+
+<file path=ppt/slideLayouts/slideLayout32.xml><?xml version="1.0" encoding="utf-8"?>
+<p:sldLayout xmlns:a="http://schemas.openxmlformats.org/drawingml/2006/main" xmlns:p="http://schemas.openxmlformats.org/presentationml/2006/main" xmlns:r="http://schemas.openxmlformats.org/officeDocument/2006/relationships" xmlns:p14="http://schemas.microsoft.com/office/powerpoint/2010/main" xmlns:p15="http://schemas.microsoft.com/office/powerpoint/2012/main" xmlns:mc="http://schemas.openxmlformats.org/markup-compatibility/2006" type="objAndTwoObj" preserve="1">
+  <p:cSld name="Title Content and 2 Content">
+    <p:spTree>
+      <p:nvGrpSpPr>
+        <p:cNvPr id="1" name=""/>
+        <p:cNvGrpSpPr/>
+        <p:nvPr/>
+      </p:nvGrpSpPr>
+      <p:grpSpPr>
+        <a:xfrm>
+          <a:off x="0" y="0"/>
+          <a:ext cx="0" cy="0"/>
+          <a:chOff x="0" y="0"/>
+          <a:chExt cx="0" cy="0"/>
+        </a:xfrm>
+      </p:grpSpPr>
+      <p:sp>
+        <p:nvSpPr>
+          <p:cNvPr id="91" name="PlaceHolder 1"/>
+          <p:cNvSpPr>
+            <a:spLocks noGrp="1"/>
+          </p:cNvSpPr>
+          <p:nvPr>
+            <p:ph type="title"/>
+          </p:nvPr>
+        </p:nvSpPr>
+        <p:spPr>
+          <a:xfrm>
+            <a:off x="650160" y="389160"/>
+            <a:ext cx="11703600" cy="1628280"/>
+          </a:xfrm>
+          <a:prstGeom prst="rect">
+            <a:avLst/>
+          </a:prstGeom>
+        </p:spPr>
+        <p:txBody>
+          <a:bodyPr lIns="0" rIns="0" tIns="0" bIns="0" anchor="ctr">
+            <a:noAutofit/>
+          </a:bodyPr>
+          <a:p>
+            <a:pPr algn="ctr"/>
+            <a:endParaRPr b="0" lang="en-US" sz="4400" spc="-1" strike="noStrike">
+              <a:latin typeface="Arial"/>
+            </a:endParaRPr>
+          </a:p>
+        </p:txBody>
+      </p:sp>
+      <p:sp>
+        <p:nvSpPr>
+          <p:cNvPr id="92" name="PlaceHolder 2"/>
+          <p:cNvSpPr>
+            <a:spLocks noGrp="1"/>
+          </p:cNvSpPr>
+          <p:nvPr>
+            <p:ph type="body"/>
+          </p:nvPr>
+        </p:nvSpPr>
+        <p:spPr>
+          <a:xfrm>
+            <a:off x="650160" y="2282040"/>
+            <a:ext cx="5711040" cy="5656320"/>
+          </a:xfrm>
+          <a:prstGeom prst="rect">
+            <a:avLst/>
+          </a:prstGeom>
+        </p:spPr>
+        <p:txBody>
+          <a:bodyPr lIns="0" rIns="0" tIns="0" bIns="0">
+            <a:normAutofit/>
+          </a:bodyPr>
+          <a:p>
+            <a:endParaRPr b="0" lang="en-US" sz="3200" spc="-1" strike="noStrike">
+              <a:latin typeface="Arial"/>
+            </a:endParaRPr>
+          </a:p>
+        </p:txBody>
+      </p:sp>
+      <p:sp>
+        <p:nvSpPr>
+          <p:cNvPr id="93" name="PlaceHolder 3"/>
+          <p:cNvSpPr>
+            <a:spLocks noGrp="1"/>
+          </p:cNvSpPr>
+          <p:nvPr>
+            <p:ph type="body"/>
+          </p:nvPr>
+        </p:nvSpPr>
+        <p:spPr>
+          <a:xfrm>
+            <a:off x="6647040" y="2282040"/>
+            <a:ext cx="5711040" cy="2697840"/>
+          </a:xfrm>
+          <a:prstGeom prst="rect">
+            <a:avLst/>
+          </a:prstGeom>
+        </p:spPr>
+        <p:txBody>
+          <a:bodyPr lIns="0" rIns="0" tIns="0" bIns="0">
+            <a:normAutofit/>
+          </a:bodyPr>
+          <a:p>
+            <a:endParaRPr b="0" lang="en-US" sz="3200" spc="-1" strike="noStrike">
+              <a:latin typeface="Arial"/>
+            </a:endParaRPr>
+          </a:p>
+        </p:txBody>
+      </p:sp>
+      <p:sp>
+        <p:nvSpPr>
+          <p:cNvPr id="94" name="PlaceHolder 4"/>
+          <p:cNvSpPr>
+            <a:spLocks noGrp="1"/>
+          </p:cNvSpPr>
+          <p:nvPr>
+            <p:ph type="body"/>
+          </p:nvPr>
+        </p:nvSpPr>
+        <p:spPr>
+          <a:xfrm>
+            <a:off x="6647040" y="5236560"/>
+            <a:ext cx="5711040" cy="2697840"/>
+          </a:xfrm>
+          <a:prstGeom prst="rect">
+            <a:avLst/>
+          </a:prstGeom>
+        </p:spPr>
+        <p:txBody>
+          <a:bodyPr lIns="0" rIns="0" tIns="0" bIns="0">
+            <a:normAutofit/>
+          </a:bodyPr>
+          <a:p>
+            <a:endParaRPr b="0" lang="en-US" sz="3200" spc="-1" strike="noStrike">
+              <a:latin typeface="Arial"/>
+            </a:endParaRPr>
+          </a:p>
+        </p:txBody>
+      </p:sp>
+    </p:spTree>
+  </p:cSld>
+</p:sldLayout>
+</file>
+
+<file path=ppt/slideLayouts/slideLayout33.xml><?xml version="1.0" encoding="utf-8"?>
+<p:sldLayout xmlns:a="http://schemas.openxmlformats.org/drawingml/2006/main" xmlns:p="http://schemas.openxmlformats.org/presentationml/2006/main" xmlns:r="http://schemas.openxmlformats.org/officeDocument/2006/relationships" xmlns:p14="http://schemas.microsoft.com/office/powerpoint/2010/main" xmlns:p15="http://schemas.microsoft.com/office/powerpoint/2012/main" xmlns:mc="http://schemas.openxmlformats.org/markup-compatibility/2006" type="twoObjOverTx" preserve="1">
+  <p:cSld name="Title, 2 Content over Content">
+    <p:spTree>
+      <p:nvGrpSpPr>
+        <p:cNvPr id="1" name=""/>
+        <p:cNvGrpSpPr/>
+        <p:nvPr/>
+      </p:nvGrpSpPr>
+      <p:grpSpPr>
+        <a:xfrm>
+          <a:off x="0" y="0"/>
+          <a:ext cx="0" cy="0"/>
+          <a:chOff x="0" y="0"/>
+          <a:chExt cx="0" cy="0"/>
+        </a:xfrm>
+      </p:grpSpPr>
+      <p:sp>
+        <p:nvSpPr>
+          <p:cNvPr id="95" name="PlaceHolder 1"/>
+          <p:cNvSpPr>
+            <a:spLocks noGrp="1"/>
+          </p:cNvSpPr>
+          <p:nvPr>
+            <p:ph type="title"/>
+          </p:nvPr>
+        </p:nvSpPr>
+        <p:spPr>
+          <a:xfrm>
+            <a:off x="650160" y="389160"/>
+            <a:ext cx="11703600" cy="1628280"/>
+          </a:xfrm>
+          <a:prstGeom prst="rect">
+            <a:avLst/>
+          </a:prstGeom>
+        </p:spPr>
+        <p:txBody>
+          <a:bodyPr lIns="0" rIns="0" tIns="0" bIns="0" anchor="ctr">
+            <a:noAutofit/>
+          </a:bodyPr>
+          <a:p>
+            <a:pPr algn="ctr"/>
+            <a:endParaRPr b="0" lang="en-US" sz="4400" spc="-1" strike="noStrike">
+              <a:latin typeface="Arial"/>
+            </a:endParaRPr>
+          </a:p>
+        </p:txBody>
+      </p:sp>
+      <p:sp>
+        <p:nvSpPr>
+          <p:cNvPr id="96" name="PlaceHolder 2"/>
+          <p:cNvSpPr>
+            <a:spLocks noGrp="1"/>
+          </p:cNvSpPr>
+          <p:nvPr>
+            <p:ph type="body"/>
+          </p:nvPr>
+        </p:nvSpPr>
+        <p:spPr>
+          <a:xfrm>
+            <a:off x="650160" y="2282040"/>
+            <a:ext cx="5711040" cy="2697840"/>
+          </a:xfrm>
+          <a:prstGeom prst="rect">
+            <a:avLst/>
+          </a:prstGeom>
+        </p:spPr>
+        <p:txBody>
+          <a:bodyPr lIns="0" rIns="0" tIns="0" bIns="0">
+            <a:normAutofit/>
+          </a:bodyPr>
+          <a:p>
+            <a:endParaRPr b="0" lang="en-US" sz="3200" spc="-1" strike="noStrike">
+              <a:latin typeface="Arial"/>
+            </a:endParaRPr>
+          </a:p>
+        </p:txBody>
+      </p:sp>
+      <p:sp>
+        <p:nvSpPr>
+          <p:cNvPr id="97" name="PlaceHolder 3"/>
+          <p:cNvSpPr>
+            <a:spLocks noGrp="1"/>
+          </p:cNvSpPr>
+          <p:nvPr>
+            <p:ph type="body"/>
+          </p:nvPr>
+        </p:nvSpPr>
+        <p:spPr>
+          <a:xfrm>
+            <a:off x="6647040" y="2282040"/>
+            <a:ext cx="5711040" cy="2697840"/>
+          </a:xfrm>
+          <a:prstGeom prst="rect">
+            <a:avLst/>
+          </a:prstGeom>
+        </p:spPr>
+        <p:txBody>
+          <a:bodyPr lIns="0" rIns="0" tIns="0" bIns="0">
+            <a:normAutofit/>
+          </a:bodyPr>
+          <a:p>
+            <a:endParaRPr b="0" lang="en-US" sz="3200" spc="-1" strike="noStrike">
+              <a:latin typeface="Arial"/>
+            </a:endParaRPr>
+          </a:p>
+        </p:txBody>
+      </p:sp>
+      <p:sp>
+        <p:nvSpPr>
+          <p:cNvPr id="98" name="PlaceHolder 4"/>
+          <p:cNvSpPr>
+            <a:spLocks noGrp="1"/>
+          </p:cNvSpPr>
+          <p:nvPr>
+            <p:ph type="body"/>
+          </p:nvPr>
+        </p:nvSpPr>
+        <p:spPr>
+          <a:xfrm>
+            <a:off x="650160" y="5236560"/>
+            <a:ext cx="11703600" cy="2697840"/>
+          </a:xfrm>
+          <a:prstGeom prst="rect">
+            <a:avLst/>
+          </a:prstGeom>
+        </p:spPr>
+        <p:txBody>
+          <a:bodyPr lIns="0" rIns="0" tIns="0" bIns="0">
+            <a:normAutofit/>
+          </a:bodyPr>
+          <a:p>
+            <a:endParaRPr b="0" lang="en-US" sz="3200" spc="-1" strike="noStrike">
+              <a:latin typeface="Arial"/>
+            </a:endParaRPr>
+          </a:p>
+        </p:txBody>
+      </p:sp>
+    </p:spTree>
+  </p:cSld>
+</p:sldLayout>
+</file>
+
+<file path=ppt/slideLayouts/slideLayout34.xml><?xml version="1.0" encoding="utf-8"?>
+<p:sldLayout xmlns:a="http://schemas.openxmlformats.org/drawingml/2006/main" xmlns:p="http://schemas.openxmlformats.org/presentationml/2006/main" xmlns:r="http://schemas.openxmlformats.org/officeDocument/2006/relationships" xmlns:p14="http://schemas.microsoft.com/office/powerpoint/2010/main" xmlns:p15="http://schemas.microsoft.com/office/powerpoint/2012/main" xmlns:mc="http://schemas.openxmlformats.org/markup-compatibility/2006" type="objOverTx" preserve="1">
+  <p:cSld name="Title, Content over Content">
+    <p:spTree>
+      <p:nvGrpSpPr>
+        <p:cNvPr id="1" name=""/>
+        <p:cNvGrpSpPr/>
+        <p:nvPr/>
+      </p:nvGrpSpPr>
+      <p:grpSpPr>
+        <a:xfrm>
+          <a:off x="0" y="0"/>
+          <a:ext cx="0" cy="0"/>
+          <a:chOff x="0" y="0"/>
+          <a:chExt cx="0" cy="0"/>
+        </a:xfrm>
+      </p:grpSpPr>
+      <p:sp>
+        <p:nvSpPr>
+          <p:cNvPr id="99" name="PlaceHolder 1"/>
+          <p:cNvSpPr>
+            <a:spLocks noGrp="1"/>
+          </p:cNvSpPr>
+          <p:nvPr>
+            <p:ph type="title"/>
+          </p:nvPr>
+        </p:nvSpPr>
+        <p:spPr>
+          <a:xfrm>
+            <a:off x="650160" y="389160"/>
+            <a:ext cx="11703600" cy="1628280"/>
+          </a:xfrm>
+          <a:prstGeom prst="rect">
+            <a:avLst/>
+          </a:prstGeom>
+        </p:spPr>
+        <p:txBody>
+          <a:bodyPr lIns="0" rIns="0" tIns="0" bIns="0" anchor="ctr">
+            <a:noAutofit/>
+          </a:bodyPr>
+          <a:p>
+            <a:pPr algn="ctr"/>
+            <a:endParaRPr b="0" lang="en-US" sz="4400" spc="-1" strike="noStrike">
+              <a:latin typeface="Arial"/>
+            </a:endParaRPr>
+          </a:p>
+        </p:txBody>
+      </p:sp>
+      <p:sp>
+        <p:nvSpPr>
+          <p:cNvPr id="100" name="PlaceHolder 2"/>
+          <p:cNvSpPr>
+            <a:spLocks noGrp="1"/>
+          </p:cNvSpPr>
+          <p:nvPr>
+            <p:ph type="body"/>
+          </p:nvPr>
+        </p:nvSpPr>
+        <p:spPr>
+          <a:xfrm>
+            <a:off x="650160" y="2282040"/>
+            <a:ext cx="11703600" cy="2697840"/>
+          </a:xfrm>
+          <a:prstGeom prst="rect">
+            <a:avLst/>
+          </a:prstGeom>
+        </p:spPr>
+        <p:txBody>
+          <a:bodyPr lIns="0" rIns="0" tIns="0" bIns="0">
+            <a:normAutofit/>
+          </a:bodyPr>
+          <a:p>
+            <a:endParaRPr b="0" lang="en-US" sz="3200" spc="-1" strike="noStrike">
+              <a:latin typeface="Arial"/>
+            </a:endParaRPr>
+          </a:p>
+        </p:txBody>
+      </p:sp>
+      <p:sp>
+        <p:nvSpPr>
+          <p:cNvPr id="101" name="PlaceHolder 3"/>
+          <p:cNvSpPr>
+            <a:spLocks noGrp="1"/>
+          </p:cNvSpPr>
+          <p:nvPr>
+            <p:ph type="body"/>
+          </p:nvPr>
+        </p:nvSpPr>
+        <p:spPr>
+          <a:xfrm>
+            <a:off x="650160" y="5236560"/>
+            <a:ext cx="11703600" cy="2697840"/>
+          </a:xfrm>
+          <a:prstGeom prst="rect">
+            <a:avLst/>
+          </a:prstGeom>
+        </p:spPr>
+        <p:txBody>
+          <a:bodyPr lIns="0" rIns="0" tIns="0" bIns="0">
+            <a:normAutofit/>
+          </a:bodyPr>
+          <a:p>
+            <a:endParaRPr b="0" lang="en-US" sz="3200" spc="-1" strike="noStrike">
+              <a:latin typeface="Arial"/>
+            </a:endParaRPr>
+          </a:p>
+        </p:txBody>
+      </p:sp>
+    </p:spTree>
+  </p:cSld>
+</p:sldLayout>
+</file>
+
+<file path=ppt/slideLayouts/slideLayout35.xml><?xml version="1.0" encoding="utf-8"?>
+<p:sldLayout xmlns:a="http://schemas.openxmlformats.org/drawingml/2006/main" xmlns:p="http://schemas.openxmlformats.org/presentationml/2006/main" xmlns:r="http://schemas.openxmlformats.org/officeDocument/2006/relationships" xmlns:p14="http://schemas.microsoft.com/office/powerpoint/2010/main" xmlns:p15="http://schemas.microsoft.com/office/powerpoint/2012/main" xmlns:mc="http://schemas.openxmlformats.org/markup-compatibility/2006" type="fourObj" preserve="1">
+  <p:cSld name="Title, 4 Content">
+    <p:spTree>
+      <p:nvGrpSpPr>
+        <p:cNvPr id="1" name=""/>
+        <p:cNvGrpSpPr/>
+        <p:nvPr/>
+      </p:nvGrpSpPr>
+      <p:grpSpPr>
+        <a:xfrm>
+          <a:off x="0" y="0"/>
+          <a:ext cx="0" cy="0"/>
+          <a:chOff x="0" y="0"/>
+          <a:chExt cx="0" cy="0"/>
+        </a:xfrm>
+      </p:grpSpPr>
+      <p:sp>
+        <p:nvSpPr>
+          <p:cNvPr id="102" name="PlaceHolder 1"/>
+          <p:cNvSpPr>
+            <a:spLocks noGrp="1"/>
+          </p:cNvSpPr>
+          <p:nvPr>
+            <p:ph type="title"/>
+          </p:nvPr>
+        </p:nvSpPr>
+        <p:spPr>
+          <a:xfrm>
+            <a:off x="650160" y="389160"/>
+            <a:ext cx="11703600" cy="1628280"/>
+          </a:xfrm>
+          <a:prstGeom prst="rect">
+            <a:avLst/>
+          </a:prstGeom>
+        </p:spPr>
+        <p:txBody>
+          <a:bodyPr lIns="0" rIns="0" tIns="0" bIns="0" anchor="ctr">
+            <a:noAutofit/>
+          </a:bodyPr>
+          <a:p>
+            <a:pPr algn="ctr"/>
+            <a:endParaRPr b="0" lang="en-US" sz="4400" spc="-1" strike="noStrike">
+              <a:latin typeface="Arial"/>
+            </a:endParaRPr>
+          </a:p>
+        </p:txBody>
+      </p:sp>
+      <p:sp>
+        <p:nvSpPr>
+          <p:cNvPr id="103" name="PlaceHolder 2"/>
+          <p:cNvSpPr>
+            <a:spLocks noGrp="1"/>
+          </p:cNvSpPr>
+          <p:nvPr>
+            <p:ph type="body"/>
+          </p:nvPr>
+        </p:nvSpPr>
+        <p:spPr>
+          <a:xfrm>
+            <a:off x="650160" y="2282040"/>
+            <a:ext cx="5711040" cy="2697840"/>
+          </a:xfrm>
+          <a:prstGeom prst="rect">
+            <a:avLst/>
+          </a:prstGeom>
+        </p:spPr>
+        <p:txBody>
+          <a:bodyPr lIns="0" rIns="0" tIns="0" bIns="0">
+            <a:normAutofit/>
+          </a:bodyPr>
+          <a:p>
+            <a:endParaRPr b="0" lang="en-US" sz="3200" spc="-1" strike="noStrike">
+              <a:latin typeface="Arial"/>
+            </a:endParaRPr>
+          </a:p>
+        </p:txBody>
+      </p:sp>
+      <p:sp>
+        <p:nvSpPr>
+          <p:cNvPr id="104" name="PlaceHolder 3"/>
+          <p:cNvSpPr>
+            <a:spLocks noGrp="1"/>
+          </p:cNvSpPr>
+          <p:nvPr>
+            <p:ph type="body"/>
+          </p:nvPr>
+        </p:nvSpPr>
+        <p:spPr>
+          <a:xfrm>
+            <a:off x="6647040" y="2282040"/>
+            <a:ext cx="5711040" cy="2697840"/>
+          </a:xfrm>
+          <a:prstGeom prst="rect">
+            <a:avLst/>
+          </a:prstGeom>
+        </p:spPr>
+        <p:txBody>
+          <a:bodyPr lIns="0" rIns="0" tIns="0" bIns="0">
+            <a:normAutofit/>
+          </a:bodyPr>
+          <a:p>
+            <a:endParaRPr b="0" lang="en-US" sz="3200" spc="-1" strike="noStrike">
+              <a:latin typeface="Arial"/>
+            </a:endParaRPr>
+          </a:p>
+        </p:txBody>
+      </p:sp>
+      <p:sp>
+        <p:nvSpPr>
+          <p:cNvPr id="105" name="PlaceHolder 4"/>
+          <p:cNvSpPr>
+            <a:spLocks noGrp="1"/>
+          </p:cNvSpPr>
+          <p:nvPr>
+            <p:ph type="body"/>
+          </p:nvPr>
+        </p:nvSpPr>
+        <p:spPr>
+          <a:xfrm>
+            <a:off x="650160" y="5236560"/>
+            <a:ext cx="5711040" cy="2697840"/>
+          </a:xfrm>
+          <a:prstGeom prst="rect">
+            <a:avLst/>
+          </a:prstGeom>
+        </p:spPr>
+        <p:txBody>
+          <a:bodyPr lIns="0" rIns="0" tIns="0" bIns="0">
+            <a:normAutofit/>
+          </a:bodyPr>
+          <a:p>
+            <a:endParaRPr b="0" lang="en-US" sz="3200" spc="-1" strike="noStrike">
+              <a:latin typeface="Arial"/>
+            </a:endParaRPr>
+          </a:p>
+        </p:txBody>
+      </p:sp>
+      <p:sp>
+        <p:nvSpPr>
+          <p:cNvPr id="106" name="PlaceHolder 5"/>
+          <p:cNvSpPr>
+            <a:spLocks noGrp="1"/>
+          </p:cNvSpPr>
+          <p:nvPr>
+            <p:ph type="body"/>
+          </p:nvPr>
+        </p:nvSpPr>
+        <p:spPr>
+          <a:xfrm>
+            <a:off x="6647040" y="5236560"/>
+            <a:ext cx="5711040" cy="2697840"/>
+          </a:xfrm>
+          <a:prstGeom prst="rect">
+            <a:avLst/>
+          </a:prstGeom>
+        </p:spPr>
+        <p:txBody>
+          <a:bodyPr lIns="0" rIns="0" tIns="0" bIns="0">
+            <a:normAutofit/>
+          </a:bodyPr>
+          <a:p>
+            <a:endParaRPr b="0" lang="en-US" sz="3200" spc="-1" strike="noStrike">
+              <a:latin typeface="Arial"/>
+            </a:endParaRPr>
+          </a:p>
+        </p:txBody>
+      </p:sp>
+    </p:spTree>
+  </p:cSld>
+</p:sldLayout>
+</file>
+
+<file path=ppt/slideLayouts/slideLayout36.xml><?xml version="1.0" encoding="utf-8"?>
+<p:sldLayout xmlns:a="http://schemas.openxmlformats.org/drawingml/2006/main" xmlns:p="http://schemas.openxmlformats.org/presentationml/2006/main" xmlns:r="http://schemas.openxmlformats.org/officeDocument/2006/relationships" xmlns:p14="http://schemas.microsoft.com/office/powerpoint/2010/main" xmlns:p15="http://schemas.microsoft.com/office/powerpoint/2012/main" xmlns:mc="http://schemas.openxmlformats.org/markup-compatibility/2006" type="blank" preserve="1">
+  <p:cSld name="Title, 6 Content">
+    <p:spTree>
+      <p:nvGrpSpPr>
+        <p:cNvPr id="1" name=""/>
+        <p:cNvGrpSpPr/>
+        <p:nvPr/>
+      </p:nvGrpSpPr>
+      <p:grpSpPr>
+        <a:xfrm>
+          <a:off x="0" y="0"/>
+          <a:ext cx="0" cy="0"/>
+          <a:chOff x="0" y="0"/>
+          <a:chExt cx="0" cy="0"/>
+        </a:xfrm>
+      </p:grpSpPr>
+      <p:sp>
+        <p:nvSpPr>
+          <p:cNvPr id="107" name="PlaceHolder 1"/>
+          <p:cNvSpPr>
+            <a:spLocks noGrp="1"/>
+          </p:cNvSpPr>
+          <p:nvPr>
+            <p:ph type="title"/>
+          </p:nvPr>
+        </p:nvSpPr>
+        <p:spPr>
+          <a:xfrm>
+            <a:off x="650160" y="389160"/>
+            <a:ext cx="11703600" cy="1628280"/>
+          </a:xfrm>
+          <a:prstGeom prst="rect">
+            <a:avLst/>
+          </a:prstGeom>
+        </p:spPr>
+        <p:txBody>
+          <a:bodyPr lIns="0" rIns="0" tIns="0" bIns="0" anchor="ctr">
+            <a:noAutofit/>
+          </a:bodyPr>
+          <a:p>
+            <a:pPr algn="ctr"/>
+            <a:endParaRPr b="0" lang="en-US" sz="4400" spc="-1" strike="noStrike">
+              <a:latin typeface="Arial"/>
+            </a:endParaRPr>
+          </a:p>
+        </p:txBody>
+      </p:sp>
+      <p:sp>
+        <p:nvSpPr>
+          <p:cNvPr id="108" name="PlaceHolder 2"/>
+          <p:cNvSpPr>
+            <a:spLocks noGrp="1"/>
+          </p:cNvSpPr>
+          <p:nvPr>
+            <p:ph type="body"/>
+          </p:nvPr>
+        </p:nvSpPr>
+        <p:spPr>
+          <a:xfrm>
+            <a:off x="650160" y="2282040"/>
+            <a:ext cx="3768480" cy="2697840"/>
+          </a:xfrm>
+          <a:prstGeom prst="rect">
+            <a:avLst/>
+          </a:prstGeom>
+        </p:spPr>
+        <p:txBody>
+          <a:bodyPr lIns="0" rIns="0" tIns="0" bIns="0">
+            <a:normAutofit/>
+          </a:bodyPr>
+          <a:p>
+            <a:endParaRPr b="0" lang="en-US" sz="3200" spc="-1" strike="noStrike">
+              <a:latin typeface="Arial"/>
+            </a:endParaRPr>
+          </a:p>
+        </p:txBody>
+      </p:sp>
+      <p:sp>
+        <p:nvSpPr>
+          <p:cNvPr id="109" name="PlaceHolder 3"/>
+          <p:cNvSpPr>
+            <a:spLocks noGrp="1"/>
+          </p:cNvSpPr>
+          <p:nvPr>
+            <p:ph type="body"/>
+          </p:nvPr>
+        </p:nvSpPr>
+        <p:spPr>
+          <a:xfrm>
+            <a:off x="4607280" y="2282040"/>
+            <a:ext cx="3768480" cy="2697840"/>
+          </a:xfrm>
+          <a:prstGeom prst="rect">
+            <a:avLst/>
+          </a:prstGeom>
+        </p:spPr>
+        <p:txBody>
+          <a:bodyPr lIns="0" rIns="0" tIns="0" bIns="0">
+            <a:normAutofit/>
+          </a:bodyPr>
+          <a:p>
+            <a:endParaRPr b="0" lang="en-US" sz="3200" spc="-1" strike="noStrike">
+              <a:latin typeface="Arial"/>
+            </a:endParaRPr>
+          </a:p>
+        </p:txBody>
+      </p:sp>
+      <p:sp>
+        <p:nvSpPr>
+          <p:cNvPr id="110" name="PlaceHolder 4"/>
+          <p:cNvSpPr>
+            <a:spLocks noGrp="1"/>
+          </p:cNvSpPr>
+          <p:nvPr>
+            <p:ph type="body"/>
+          </p:nvPr>
+        </p:nvSpPr>
+        <p:spPr>
+          <a:xfrm>
+            <a:off x="8564760" y="2282040"/>
+            <a:ext cx="3768480" cy="2697840"/>
+          </a:xfrm>
+          <a:prstGeom prst="rect">
+            <a:avLst/>
+          </a:prstGeom>
+        </p:spPr>
+        <p:txBody>
+          <a:bodyPr lIns="0" rIns="0" tIns="0" bIns="0">
+            <a:normAutofit/>
+          </a:bodyPr>
+          <a:p>
+            <a:endParaRPr b="0" lang="en-US" sz="3200" spc="-1" strike="noStrike">
+              <a:latin typeface="Arial"/>
+            </a:endParaRPr>
+          </a:p>
+        </p:txBody>
+      </p:sp>
+      <p:sp>
+        <p:nvSpPr>
+          <p:cNvPr id="111" name="PlaceHolder 5"/>
+          <p:cNvSpPr>
+            <a:spLocks noGrp="1"/>
+          </p:cNvSpPr>
+          <p:nvPr>
+            <p:ph type="body"/>
+          </p:nvPr>
+        </p:nvSpPr>
+        <p:spPr>
+          <a:xfrm>
+            <a:off x="650160" y="5236560"/>
+            <a:ext cx="3768480" cy="2697840"/>
+          </a:xfrm>
+          <a:prstGeom prst="rect">
+            <a:avLst/>
+          </a:prstGeom>
+        </p:spPr>
+        <p:txBody>
+          <a:bodyPr lIns="0" rIns="0" tIns="0" bIns="0">
+            <a:normAutofit/>
+          </a:bodyPr>
+          <a:p>
+            <a:endParaRPr b="0" lang="en-US" sz="3200" spc="-1" strike="noStrike">
+              <a:latin typeface="Arial"/>
+            </a:endParaRPr>
+          </a:p>
+        </p:txBody>
+      </p:sp>
+      <p:sp>
+        <p:nvSpPr>
+          <p:cNvPr id="112" name="PlaceHolder 6"/>
+          <p:cNvSpPr>
+            <a:spLocks noGrp="1"/>
+          </p:cNvSpPr>
+          <p:nvPr>
+            <p:ph type="body"/>
+          </p:nvPr>
+        </p:nvSpPr>
+        <p:spPr>
+          <a:xfrm>
+            <a:off x="4607280" y="5236560"/>
+            <a:ext cx="3768480" cy="2697840"/>
+          </a:xfrm>
+          <a:prstGeom prst="rect">
+            <a:avLst/>
+          </a:prstGeom>
+        </p:spPr>
+        <p:txBody>
+          <a:bodyPr lIns="0" rIns="0" tIns="0" bIns="0">
+            <a:normAutofit/>
+          </a:bodyPr>
+          <a:p>
+            <a:endParaRPr b="0" lang="en-US" sz="3200" spc="-1" strike="noStrike">
+              <a:latin typeface="Arial"/>
+            </a:endParaRPr>
+          </a:p>
+        </p:txBody>
+      </p:sp>
+      <p:sp>
+        <p:nvSpPr>
+          <p:cNvPr id="113" name="PlaceHolder 7"/>
+          <p:cNvSpPr>
+            <a:spLocks noGrp="1"/>
+          </p:cNvSpPr>
+          <p:nvPr>
+            <p:ph type="body"/>
+          </p:nvPr>
+        </p:nvSpPr>
+        <p:spPr>
+          <a:xfrm>
+            <a:off x="8564760" y="5236560"/>
+            <a:ext cx="3768480" cy="2697840"/>
+          </a:xfrm>
+          <a:prstGeom prst="rect">
+            <a:avLst/>
+          </a:prstGeom>
+        </p:spPr>
+        <p:txBody>
+          <a:bodyPr lIns="0" rIns="0" tIns="0" bIns="0">
+            <a:normAutofit/>
+          </a:bodyPr>
+          <a:p>
+            <a:endParaRPr b="0" lang="en-US" sz="3200" spc="-1" strike="noStrike">
               <a:latin typeface="Arial"/>
             </a:endParaRPr>
           </a:p>
@@ -2102,10 +3495,12 @@
           </a:prstGeom>
         </p:spPr>
         <p:txBody>
-          <a:bodyPr lIns="0" rIns="0" tIns="0" bIns="0" anchor="ctr"/>
+          <a:bodyPr lIns="0" rIns="0" tIns="0" bIns="0" anchor="ctr">
+            <a:noAutofit/>
+          </a:bodyPr>
           <a:p>
             <a:pPr algn="ctr"/>
-            <a:endParaRPr b="0" lang="en-GB" sz="4400" spc="-1" strike="noStrike">
+            <a:endParaRPr b="0" lang="en-US" sz="4400" spc="-1" strike="noStrike">
               <a:latin typeface="Arial"/>
             </a:endParaRPr>
           </a:p>
@@ -2135,7 +3530,7 @@
             <a:normAutofit/>
           </a:bodyPr>
           <a:p>
-            <a:endParaRPr b="0" lang="en-GB" sz="3200" spc="-1" strike="noStrike">
+            <a:endParaRPr b="0" lang="en-US" sz="3200" spc="-1" strike="noStrike">
               <a:latin typeface="Arial"/>
             </a:endParaRPr>
           </a:p>
@@ -2165,7 +3560,7 @@
             <a:normAutofit/>
           </a:bodyPr>
           <a:p>
-            <a:endParaRPr b="0" lang="en-GB" sz="3200" spc="-1" strike="noStrike">
+            <a:endParaRPr b="0" lang="en-US" sz="3200" spc="-1" strike="noStrike">
               <a:latin typeface="Arial"/>
             </a:endParaRPr>
           </a:p>
@@ -2213,10 +3608,12 @@
           </a:prstGeom>
         </p:spPr>
         <p:txBody>
-          <a:bodyPr lIns="0" rIns="0" tIns="0" bIns="0" anchor="ctr"/>
+          <a:bodyPr lIns="0" rIns="0" tIns="0" bIns="0" anchor="ctr">
+            <a:noAutofit/>
+          </a:bodyPr>
           <a:p>
             <a:pPr algn="ctr"/>
-            <a:endParaRPr b="0" lang="en-GB" sz="4400" spc="-1" strike="noStrike">
+            <a:endParaRPr b="0" lang="en-US" sz="4400" spc="-1" strike="noStrike">
               <a:latin typeface="Arial"/>
             </a:endParaRPr>
           </a:p>
@@ -2264,10 +3661,12 @@
           </a:prstGeom>
         </p:spPr>
         <p:txBody>
-          <a:bodyPr lIns="0" rIns="0" tIns="0" bIns="0" anchor="ctr"/>
+          <a:bodyPr lIns="0" rIns="0" tIns="0" bIns="0" anchor="ctr">
+            <a:noAutofit/>
+          </a:bodyPr>
           <a:p>
             <a:pPr algn="ctr"/>
-            <a:endParaRPr b="0" lang="en-GB" sz="3200" spc="-1" strike="noStrike">
+            <a:endParaRPr b="0" lang="en-US" sz="3200" spc="-1" strike="noStrike">
               <a:latin typeface="Arial"/>
             </a:endParaRPr>
           </a:p>
@@ -2315,10 +3714,12 @@
           </a:prstGeom>
         </p:spPr>
         <p:txBody>
-          <a:bodyPr lIns="0" rIns="0" tIns="0" bIns="0" anchor="ctr"/>
+          <a:bodyPr lIns="0" rIns="0" tIns="0" bIns="0" anchor="ctr">
+            <a:noAutofit/>
+          </a:bodyPr>
           <a:p>
             <a:pPr algn="ctr"/>
-            <a:endParaRPr b="0" lang="en-GB" sz="4400" spc="-1" strike="noStrike">
+            <a:endParaRPr b="0" lang="en-US" sz="4400" spc="-1" strike="noStrike">
               <a:latin typeface="Arial"/>
             </a:endParaRPr>
           </a:p>
@@ -2348,7 +3749,7 @@
             <a:normAutofit/>
           </a:bodyPr>
           <a:p>
-            <a:endParaRPr b="0" lang="en-GB" sz="3200" spc="-1" strike="noStrike">
+            <a:endParaRPr b="0" lang="en-US" sz="3200" spc="-1" strike="noStrike">
               <a:latin typeface="Arial"/>
             </a:endParaRPr>
           </a:p>
@@ -2378,7 +3779,7 @@
             <a:normAutofit/>
           </a:bodyPr>
           <a:p>
-            <a:endParaRPr b="0" lang="en-GB" sz="3200" spc="-1" strike="noStrike">
+            <a:endParaRPr b="0" lang="en-US" sz="3200" spc="-1" strike="noStrike">
               <a:latin typeface="Arial"/>
             </a:endParaRPr>
           </a:p>
@@ -2408,7 +3809,7 @@
             <a:normAutofit/>
           </a:bodyPr>
           <a:p>
-            <a:endParaRPr b="0" lang="en-GB" sz="3200" spc="-1" strike="noStrike">
+            <a:endParaRPr b="0" lang="en-US" sz="3200" spc="-1" strike="noStrike">
               <a:latin typeface="Arial"/>
             </a:endParaRPr>
           </a:p>
@@ -2456,10 +3857,12 @@
           </a:prstGeom>
         </p:spPr>
         <p:txBody>
-          <a:bodyPr lIns="0" rIns="0" tIns="0" bIns="0" anchor="ctr"/>
+          <a:bodyPr lIns="0" rIns="0" tIns="0" bIns="0" anchor="ctr">
+            <a:noAutofit/>
+          </a:bodyPr>
           <a:p>
             <a:pPr algn="ctr"/>
-            <a:endParaRPr b="0" lang="en-GB" sz="4400" spc="-1" strike="noStrike">
+            <a:endParaRPr b="0" lang="en-US" sz="4400" spc="-1" strike="noStrike">
               <a:latin typeface="Arial"/>
             </a:endParaRPr>
           </a:p>
@@ -2489,7 +3892,7 @@
             <a:normAutofit/>
           </a:bodyPr>
           <a:p>
-            <a:endParaRPr b="0" lang="en-GB" sz="3200" spc="-1" strike="noStrike">
+            <a:endParaRPr b="0" lang="en-US" sz="3200" spc="-1" strike="noStrike">
               <a:latin typeface="Arial"/>
             </a:endParaRPr>
           </a:p>
@@ -2519,7 +3922,7 @@
             <a:normAutofit/>
           </a:bodyPr>
           <a:p>
-            <a:endParaRPr b="0" lang="en-GB" sz="3200" spc="-1" strike="noStrike">
+            <a:endParaRPr b="0" lang="en-US" sz="3200" spc="-1" strike="noStrike">
               <a:latin typeface="Arial"/>
             </a:endParaRPr>
           </a:p>
@@ -2549,7 +3952,7 @@
             <a:normAutofit/>
           </a:bodyPr>
           <a:p>
-            <a:endParaRPr b="0" lang="en-GB" sz="3200" spc="-1" strike="noStrike">
+            <a:endParaRPr b="0" lang="en-US" sz="3200" spc="-1" strike="noStrike">
               <a:latin typeface="Arial"/>
             </a:endParaRPr>
           </a:p>
@@ -2597,10 +4000,12 @@
           </a:prstGeom>
         </p:spPr>
         <p:txBody>
-          <a:bodyPr lIns="0" rIns="0" tIns="0" bIns="0" anchor="ctr"/>
+          <a:bodyPr lIns="0" rIns="0" tIns="0" bIns="0" anchor="ctr">
+            <a:noAutofit/>
+          </a:bodyPr>
           <a:p>
             <a:pPr algn="ctr"/>
-            <a:endParaRPr b="0" lang="en-GB" sz="4400" spc="-1" strike="noStrike">
+            <a:endParaRPr b="0" lang="en-US" sz="4400" spc="-1" strike="noStrike">
               <a:latin typeface="Arial"/>
             </a:endParaRPr>
           </a:p>
@@ -2630,7 +4035,7 @@
             <a:normAutofit/>
           </a:bodyPr>
           <a:p>
-            <a:endParaRPr b="0" lang="en-GB" sz="3200" spc="-1" strike="noStrike">
+            <a:endParaRPr b="0" lang="en-US" sz="3200" spc="-1" strike="noStrike">
               <a:latin typeface="Arial"/>
             </a:endParaRPr>
           </a:p>
@@ -2660,7 +4065,7 @@
             <a:normAutofit/>
           </a:bodyPr>
           <a:p>
-            <a:endParaRPr b="0" lang="en-GB" sz="3200" spc="-1" strike="noStrike">
+            <a:endParaRPr b="0" lang="en-US" sz="3200" spc="-1" strike="noStrike">
               <a:latin typeface="Arial"/>
             </a:endParaRPr>
           </a:p>
@@ -2690,7 +4095,7 @@
             <a:normAutofit/>
           </a:bodyPr>
           <a:p>
-            <a:endParaRPr b="0" lang="en-GB" sz="3200" spc="-1" strike="noStrike">
+            <a:endParaRPr b="0" lang="en-US" sz="3200" spc="-1" strike="noStrike">
               <a:latin typeface="Arial"/>
             </a:endParaRPr>
           </a:p>
@@ -2738,23 +4143,25 @@
         <p:spPr>
           <a:xfrm>
             <a:off x="650160" y="389160"/>
-            <a:ext cx="11703600" cy="1628280"/>
-          </a:xfrm>
-          <a:prstGeom prst="rect">
-            <a:avLst/>
-          </a:prstGeom>
-        </p:spPr>
-        <p:txBody>
-          <a:bodyPr lIns="0" rIns="0" tIns="0" bIns="0" anchor="ctr"/>
+            <a:ext cx="11703240" cy="1627920"/>
+          </a:xfrm>
+          <a:prstGeom prst="rect">
+            <a:avLst/>
+          </a:prstGeom>
+        </p:spPr>
+        <p:txBody>
+          <a:bodyPr lIns="0" rIns="0" tIns="0" bIns="0" anchor="ctr">
+            <a:noAutofit/>
+          </a:bodyPr>
           <a:p>
             <a:pPr algn="ctr"/>
             <a:r>
-              <a:rPr b="0" lang="en-GB" sz="4400" spc="-1" strike="noStrike">
+              <a:rPr b="0" lang="en-US" sz="1800" spc="-1" strike="noStrike">
                 <a:latin typeface="Arial"/>
               </a:rPr>
               <a:t>Click to edit the title text format</a:t>
             </a:r>
-            <a:endParaRPr b="0" lang="en-GB" sz="4400" spc="-1" strike="noStrike">
+            <a:endParaRPr b="0" lang="en-US" sz="1800" spc="-1" strike="noStrike">
               <a:latin typeface="Arial"/>
             </a:endParaRPr>
           </a:p>
@@ -2796,12 +4203,12 @@
               <a:buChar char=""/>
             </a:pPr>
             <a:r>
-              <a:rPr b="0" lang="en-GB" sz="3200" spc="-1" strike="noStrike">
+              <a:rPr b="0" lang="en-US" sz="3200" spc="-1" strike="noStrike">
                 <a:latin typeface="Arial"/>
               </a:rPr>
               <a:t>Click to edit the outline text format</a:t>
             </a:r>
-            <a:endParaRPr b="0" lang="en-GB" sz="3200" spc="-1" strike="noStrike">
+            <a:endParaRPr b="0" lang="en-US" sz="3200" spc="-1" strike="noStrike">
               <a:latin typeface="Arial"/>
             </a:endParaRPr>
           </a:p>
@@ -2818,12 +4225,12 @@
               <a:buChar char=""/>
             </a:pPr>
             <a:r>
-              <a:rPr b="0" lang="en-GB" sz="2800" spc="-1" strike="noStrike">
+              <a:rPr b="0" lang="en-US" sz="2800" spc="-1" strike="noStrike">
                 <a:latin typeface="Arial"/>
               </a:rPr>
               <a:t>Second Outline Level</a:t>
             </a:r>
-            <a:endParaRPr b="0" lang="en-GB" sz="2800" spc="-1" strike="noStrike">
+            <a:endParaRPr b="0" lang="en-US" sz="2800" spc="-1" strike="noStrike">
               <a:latin typeface="Arial"/>
             </a:endParaRPr>
           </a:p>
@@ -2840,12 +4247,12 @@
               <a:buChar char=""/>
             </a:pPr>
             <a:r>
-              <a:rPr b="0" lang="en-GB" sz="2400" spc="-1" strike="noStrike">
+              <a:rPr b="0" lang="en-US" sz="2400" spc="-1" strike="noStrike">
                 <a:latin typeface="Arial"/>
               </a:rPr>
               <a:t>Third Outline Level</a:t>
             </a:r>
-            <a:endParaRPr b="0" lang="en-GB" sz="2400" spc="-1" strike="noStrike">
+            <a:endParaRPr b="0" lang="en-US" sz="2400" spc="-1" strike="noStrike">
               <a:latin typeface="Arial"/>
             </a:endParaRPr>
           </a:p>
@@ -2862,12 +4269,12 @@
               <a:buChar char=""/>
             </a:pPr>
             <a:r>
-              <a:rPr b="0" lang="en-GB" sz="2000" spc="-1" strike="noStrike">
+              <a:rPr b="0" lang="en-US" sz="2000" spc="-1" strike="noStrike">
                 <a:latin typeface="Arial"/>
               </a:rPr>
               <a:t>Fourth Outline Level</a:t>
             </a:r>
-            <a:endParaRPr b="0" lang="en-GB" sz="2000" spc="-1" strike="noStrike">
+            <a:endParaRPr b="0" lang="en-US" sz="2000" spc="-1" strike="noStrike">
               <a:latin typeface="Arial"/>
             </a:endParaRPr>
           </a:p>
@@ -2884,12 +4291,12 @@
               <a:buChar char=""/>
             </a:pPr>
             <a:r>
-              <a:rPr b="0" lang="en-GB" sz="2000" spc="-1" strike="noStrike">
+              <a:rPr b="0" lang="en-US" sz="2000" spc="-1" strike="noStrike">
                 <a:latin typeface="Arial"/>
               </a:rPr>
               <a:t>Fifth Outline Level</a:t>
             </a:r>
-            <a:endParaRPr b="0" lang="en-GB" sz="2000" spc="-1" strike="noStrike">
+            <a:endParaRPr b="0" lang="en-US" sz="2000" spc="-1" strike="noStrike">
               <a:latin typeface="Arial"/>
             </a:endParaRPr>
           </a:p>
@@ -2906,12 +4313,12 @@
               <a:buChar char=""/>
             </a:pPr>
             <a:r>
-              <a:rPr b="0" lang="en-GB" sz="2000" spc="-1" strike="noStrike">
+              <a:rPr b="0" lang="en-US" sz="2000" spc="-1" strike="noStrike">
                 <a:latin typeface="Arial"/>
               </a:rPr>
               <a:t>Sixth Outline Level</a:t>
             </a:r>
-            <a:endParaRPr b="0" lang="en-GB" sz="2000" spc="-1" strike="noStrike">
+            <a:endParaRPr b="0" lang="en-US" sz="2000" spc="-1" strike="noStrike">
               <a:latin typeface="Arial"/>
             </a:endParaRPr>
           </a:p>
@@ -2928,12 +4335,12 @@
               <a:buChar char=""/>
             </a:pPr>
             <a:r>
-              <a:rPr b="0" lang="en-GB" sz="2000" spc="-1" strike="noStrike">
+              <a:rPr b="0" lang="en-US" sz="2000" spc="-1" strike="noStrike">
                 <a:latin typeface="Arial"/>
               </a:rPr>
               <a:t>Seventh Outline Level</a:t>
             </a:r>
-            <a:endParaRPr b="0" lang="en-GB" sz="2000" spc="-1" strike="noStrike">
+            <a:endParaRPr b="0" lang="en-US" sz="2000" spc="-1" strike="noStrike">
               <a:latin typeface="Arial"/>
             </a:endParaRPr>
           </a:p>
@@ -3003,16 +4410,18 @@
           </a:prstGeom>
         </p:spPr>
         <p:txBody>
-          <a:bodyPr lIns="0" rIns="0" tIns="0" bIns="0" anchor="ctr"/>
+          <a:bodyPr lIns="0" rIns="0" tIns="0" bIns="0" anchor="ctr">
+            <a:noAutofit/>
+          </a:bodyPr>
           <a:p>
             <a:pPr algn="ctr"/>
             <a:r>
-              <a:rPr b="0" lang="en-GB" sz="4400" spc="-1" strike="noStrike">
+              <a:rPr b="0" lang="en-US" sz="4400" spc="-1" strike="noStrike">
                 <a:latin typeface="Arial"/>
               </a:rPr>
               <a:t>Click to edit the title text format</a:t>
             </a:r>
-            <a:endParaRPr b="0" lang="en-GB" sz="4400" spc="-1" strike="noStrike">
+            <a:endParaRPr b="0" lang="en-US" sz="4400" spc="-1" strike="noStrike">
               <a:latin typeface="Arial"/>
             </a:endParaRPr>
           </a:p>
@@ -3054,12 +4463,12 @@
               <a:buChar char=""/>
             </a:pPr>
             <a:r>
-              <a:rPr b="0" lang="en-GB" sz="3200" spc="-1" strike="noStrike">
+              <a:rPr b="0" lang="en-US" sz="3200" spc="-1" strike="noStrike">
                 <a:latin typeface="Arial"/>
               </a:rPr>
               <a:t>Click to edit the outline text format</a:t>
             </a:r>
-            <a:endParaRPr b="0" lang="en-GB" sz="3200" spc="-1" strike="noStrike">
+            <a:endParaRPr b="0" lang="en-US" sz="3200" spc="-1" strike="noStrike">
               <a:latin typeface="Arial"/>
             </a:endParaRPr>
           </a:p>
@@ -3076,12 +4485,12 @@
               <a:buChar char=""/>
             </a:pPr>
             <a:r>
-              <a:rPr b="0" lang="en-GB" sz="2800" spc="-1" strike="noStrike">
+              <a:rPr b="0" lang="en-US" sz="2800" spc="-1" strike="noStrike">
                 <a:latin typeface="Arial"/>
               </a:rPr>
               <a:t>Second Outline Level</a:t>
             </a:r>
-            <a:endParaRPr b="0" lang="en-GB" sz="2800" spc="-1" strike="noStrike">
+            <a:endParaRPr b="0" lang="en-US" sz="2800" spc="-1" strike="noStrike">
               <a:latin typeface="Arial"/>
             </a:endParaRPr>
           </a:p>
@@ -3098,12 +4507,12 @@
               <a:buChar char=""/>
             </a:pPr>
             <a:r>
-              <a:rPr b="0" lang="en-GB" sz="2400" spc="-1" strike="noStrike">
+              <a:rPr b="0" lang="en-US" sz="2400" spc="-1" strike="noStrike">
                 <a:latin typeface="Arial"/>
               </a:rPr>
               <a:t>Third Outline Level</a:t>
             </a:r>
-            <a:endParaRPr b="0" lang="en-GB" sz="2400" spc="-1" strike="noStrike">
+            <a:endParaRPr b="0" lang="en-US" sz="2400" spc="-1" strike="noStrike">
               <a:latin typeface="Arial"/>
             </a:endParaRPr>
           </a:p>
@@ -3120,12 +4529,12 @@
               <a:buChar char=""/>
             </a:pPr>
             <a:r>
-              <a:rPr b="0" lang="en-GB" sz="2000" spc="-1" strike="noStrike">
+              <a:rPr b="0" lang="en-US" sz="2000" spc="-1" strike="noStrike">
                 <a:latin typeface="Arial"/>
               </a:rPr>
               <a:t>Fourth Outline Level</a:t>
             </a:r>
-            <a:endParaRPr b="0" lang="en-GB" sz="2000" spc="-1" strike="noStrike">
+            <a:endParaRPr b="0" lang="en-US" sz="2000" spc="-1" strike="noStrike">
               <a:latin typeface="Arial"/>
             </a:endParaRPr>
           </a:p>
@@ -3142,12 +4551,12 @@
               <a:buChar char=""/>
             </a:pPr>
             <a:r>
-              <a:rPr b="0" lang="en-GB" sz="2000" spc="-1" strike="noStrike">
+              <a:rPr b="0" lang="en-US" sz="2000" spc="-1" strike="noStrike">
                 <a:latin typeface="Arial"/>
               </a:rPr>
               <a:t>Fifth Outline Level</a:t>
             </a:r>
-            <a:endParaRPr b="0" lang="en-GB" sz="2000" spc="-1" strike="noStrike">
+            <a:endParaRPr b="0" lang="en-US" sz="2000" spc="-1" strike="noStrike">
               <a:latin typeface="Arial"/>
             </a:endParaRPr>
           </a:p>
@@ -3164,12 +4573,12 @@
               <a:buChar char=""/>
             </a:pPr>
             <a:r>
-              <a:rPr b="0" lang="en-GB" sz="2000" spc="-1" strike="noStrike">
+              <a:rPr b="0" lang="en-US" sz="2000" spc="-1" strike="noStrike">
                 <a:latin typeface="Arial"/>
               </a:rPr>
               <a:t>Sixth Outline Level</a:t>
             </a:r>
-            <a:endParaRPr b="0" lang="en-GB" sz="2000" spc="-1" strike="noStrike">
+            <a:endParaRPr b="0" lang="en-US" sz="2000" spc="-1" strike="noStrike">
               <a:latin typeface="Arial"/>
             </a:endParaRPr>
           </a:p>
@@ -3186,12 +4595,12 @@
               <a:buChar char=""/>
             </a:pPr>
             <a:r>
-              <a:rPr b="0" lang="en-GB" sz="2000" spc="-1" strike="noStrike">
+              <a:rPr b="0" lang="en-US" sz="2000" spc="-1" strike="noStrike">
                 <a:latin typeface="Arial"/>
               </a:rPr>
               <a:t>Seventh Outline Level</a:t>
             </a:r>
-            <a:endParaRPr b="0" lang="en-GB" sz="2000" spc="-1" strike="noStrike">
+            <a:endParaRPr b="0" lang="en-US" sz="2000" spc="-1" strike="noStrike">
               <a:latin typeface="Arial"/>
             </a:endParaRPr>
           </a:p>
@@ -3213,6 +4622,266 @@
     <p:sldLayoutId id="2147483671" r:id="rId11"/>
     <p:sldLayoutId id="2147483672" r:id="rId12"/>
     <p:sldLayoutId id="2147483673" r:id="rId13"/>
+  </p:sldLayoutIdLst>
+</p:sldMaster>
+</file>
+
+<file path=ppt/slideMasters/slideMaster3.xml><?xml version="1.0" encoding="utf-8"?>
+<p:sldMaster xmlns:a="http://schemas.openxmlformats.org/drawingml/2006/main" xmlns:p="http://schemas.openxmlformats.org/presentationml/2006/main" xmlns:r="http://schemas.openxmlformats.org/officeDocument/2006/relationships" xmlns:p14="http://schemas.microsoft.com/office/powerpoint/2010/main" xmlns:p15="http://schemas.microsoft.com/office/powerpoint/2012/main" xmlns:mc="http://schemas.openxmlformats.org/markup-compatibility/2006">
+  <p:cSld>
+    <p:bg>
+      <p:bgPr>
+        <a:solidFill>
+          <a:srgbClr val="ffffff"/>
+        </a:solidFill>
+      </p:bgPr>
+    </p:bg>
+    <p:spTree>
+      <p:nvGrpSpPr>
+        <p:cNvPr id="1" name=""/>
+        <p:cNvGrpSpPr/>
+        <p:nvPr/>
+      </p:nvGrpSpPr>
+      <p:grpSpPr>
+        <a:xfrm>
+          <a:off x="0" y="0"/>
+          <a:ext cx="0" cy="0"/>
+          <a:chOff x="0" y="0"/>
+          <a:chExt cx="0" cy="0"/>
+        </a:xfrm>
+      </p:grpSpPr>
+      <p:sp>
+        <p:nvSpPr>
+          <p:cNvPr id="76" name="PlaceHolder 1"/>
+          <p:cNvSpPr>
+            <a:spLocks noGrp="1"/>
+          </p:cNvSpPr>
+          <p:nvPr>
+            <p:ph type="title"/>
+          </p:nvPr>
+        </p:nvSpPr>
+        <p:spPr>
+          <a:xfrm>
+            <a:off x="650160" y="389160"/>
+            <a:ext cx="11703600" cy="1628280"/>
+          </a:xfrm>
+          <a:prstGeom prst="rect">
+            <a:avLst/>
+          </a:prstGeom>
+        </p:spPr>
+        <p:txBody>
+          <a:bodyPr lIns="0" rIns="0" tIns="0" bIns="0" anchor="ctr">
+            <a:noAutofit/>
+          </a:bodyPr>
+          <a:p>
+            <a:pPr algn="ctr"/>
+            <a:r>
+              <a:rPr b="0" lang="en-US" sz="4400" spc="-1" strike="noStrike">
+                <a:latin typeface="Arial"/>
+              </a:rPr>
+              <a:t>Click to edit the title text format</a:t>
+            </a:r>
+            <a:endParaRPr b="0" lang="en-US" sz="4400" spc="-1" strike="noStrike">
+              <a:latin typeface="Arial"/>
+            </a:endParaRPr>
+          </a:p>
+        </p:txBody>
+      </p:sp>
+      <p:sp>
+        <p:nvSpPr>
+          <p:cNvPr id="77" name="PlaceHolder 2"/>
+          <p:cNvSpPr>
+            <a:spLocks noGrp="1"/>
+          </p:cNvSpPr>
+          <p:nvPr>
+            <p:ph type="body"/>
+          </p:nvPr>
+        </p:nvSpPr>
+        <p:spPr>
+          <a:xfrm>
+            <a:off x="650160" y="2282040"/>
+            <a:ext cx="11703600" cy="5656320"/>
+          </a:xfrm>
+          <a:prstGeom prst="rect">
+            <a:avLst/>
+          </a:prstGeom>
+        </p:spPr>
+        <p:txBody>
+          <a:bodyPr lIns="0" rIns="0" tIns="0" bIns="0">
+            <a:normAutofit/>
+          </a:bodyPr>
+          <a:p>
+            <a:pPr marL="432000" indent="-324000">
+              <a:spcBef>
+                <a:spcPts val="1417"/>
+              </a:spcBef>
+              <a:buClr>
+                <a:srgbClr val="000000"/>
+              </a:buClr>
+              <a:buSzPct val="45000"/>
+              <a:buFont typeface="Wingdings" charset="2"/>
+              <a:buChar char=""/>
+            </a:pPr>
+            <a:r>
+              <a:rPr b="0" lang="en-US" sz="3200" spc="-1" strike="noStrike">
+                <a:latin typeface="Arial"/>
+              </a:rPr>
+              <a:t>Click to edit the outline text format</a:t>
+            </a:r>
+            <a:endParaRPr b="0" lang="en-US" sz="3200" spc="-1" strike="noStrike">
+              <a:latin typeface="Arial"/>
+            </a:endParaRPr>
+          </a:p>
+          <a:p>
+            <a:pPr lvl="1" marL="864000" indent="-324000">
+              <a:spcBef>
+                <a:spcPts val="1134"/>
+              </a:spcBef>
+              <a:buClr>
+                <a:srgbClr val="000000"/>
+              </a:buClr>
+              <a:buSzPct val="75000"/>
+              <a:buFont typeface="Symbol" charset="2"/>
+              <a:buChar char=""/>
+            </a:pPr>
+            <a:r>
+              <a:rPr b="0" lang="en-US" sz="2800" spc="-1" strike="noStrike">
+                <a:latin typeface="Arial"/>
+              </a:rPr>
+              <a:t>Second Outline Level</a:t>
+            </a:r>
+            <a:endParaRPr b="0" lang="en-US" sz="2800" spc="-1" strike="noStrike">
+              <a:latin typeface="Arial"/>
+            </a:endParaRPr>
+          </a:p>
+          <a:p>
+            <a:pPr lvl="2" marL="1296000" indent="-288000">
+              <a:spcBef>
+                <a:spcPts val="850"/>
+              </a:spcBef>
+              <a:buClr>
+                <a:srgbClr val="000000"/>
+              </a:buClr>
+              <a:buSzPct val="45000"/>
+              <a:buFont typeface="Wingdings" charset="2"/>
+              <a:buChar char=""/>
+            </a:pPr>
+            <a:r>
+              <a:rPr b="0" lang="en-US" sz="2400" spc="-1" strike="noStrike">
+                <a:latin typeface="Arial"/>
+              </a:rPr>
+              <a:t>Third Outline Level</a:t>
+            </a:r>
+            <a:endParaRPr b="0" lang="en-US" sz="2400" spc="-1" strike="noStrike">
+              <a:latin typeface="Arial"/>
+            </a:endParaRPr>
+          </a:p>
+          <a:p>
+            <a:pPr lvl="3" marL="1728000" indent="-216000">
+              <a:spcBef>
+                <a:spcPts val="567"/>
+              </a:spcBef>
+              <a:buClr>
+                <a:srgbClr val="000000"/>
+              </a:buClr>
+              <a:buSzPct val="75000"/>
+              <a:buFont typeface="Symbol" charset="2"/>
+              <a:buChar char=""/>
+            </a:pPr>
+            <a:r>
+              <a:rPr b="0" lang="en-US" sz="2000" spc="-1" strike="noStrike">
+                <a:latin typeface="Arial"/>
+              </a:rPr>
+              <a:t>Fourth Outline Level</a:t>
+            </a:r>
+            <a:endParaRPr b="0" lang="en-US" sz="2000" spc="-1" strike="noStrike">
+              <a:latin typeface="Arial"/>
+            </a:endParaRPr>
+          </a:p>
+          <a:p>
+            <a:pPr lvl="4" marL="2160000" indent="-216000">
+              <a:spcBef>
+                <a:spcPts val="283"/>
+              </a:spcBef>
+              <a:buClr>
+                <a:srgbClr val="000000"/>
+              </a:buClr>
+              <a:buSzPct val="45000"/>
+              <a:buFont typeface="Wingdings" charset="2"/>
+              <a:buChar char=""/>
+            </a:pPr>
+            <a:r>
+              <a:rPr b="0" lang="en-US" sz="2000" spc="-1" strike="noStrike">
+                <a:latin typeface="Arial"/>
+              </a:rPr>
+              <a:t>Fifth Outline Level</a:t>
+            </a:r>
+            <a:endParaRPr b="0" lang="en-US" sz="2000" spc="-1" strike="noStrike">
+              <a:latin typeface="Arial"/>
+            </a:endParaRPr>
+          </a:p>
+          <a:p>
+            <a:pPr lvl="5" marL="2592000" indent="-216000">
+              <a:spcBef>
+                <a:spcPts val="283"/>
+              </a:spcBef>
+              <a:buClr>
+                <a:srgbClr val="000000"/>
+              </a:buClr>
+              <a:buSzPct val="45000"/>
+              <a:buFont typeface="Wingdings" charset="2"/>
+              <a:buChar char=""/>
+            </a:pPr>
+            <a:r>
+              <a:rPr b="0" lang="en-US" sz="2000" spc="-1" strike="noStrike">
+                <a:latin typeface="Arial"/>
+              </a:rPr>
+              <a:t>Sixth Outline Level</a:t>
+            </a:r>
+            <a:endParaRPr b="0" lang="en-US" sz="2000" spc="-1" strike="noStrike">
+              <a:latin typeface="Arial"/>
+            </a:endParaRPr>
+          </a:p>
+          <a:p>
+            <a:pPr lvl="6" marL="3024000" indent="-216000">
+              <a:spcBef>
+                <a:spcPts val="283"/>
+              </a:spcBef>
+              <a:buClr>
+                <a:srgbClr val="000000"/>
+              </a:buClr>
+              <a:buSzPct val="45000"/>
+              <a:buFont typeface="Wingdings" charset="2"/>
+              <a:buChar char=""/>
+            </a:pPr>
+            <a:r>
+              <a:rPr b="0" lang="en-US" sz="2000" spc="-1" strike="noStrike">
+                <a:latin typeface="Arial"/>
+              </a:rPr>
+              <a:t>Seventh Outline Level</a:t>
+            </a:r>
+            <a:endParaRPr b="0" lang="en-US" sz="2000" spc="-1" strike="noStrike">
+              <a:latin typeface="Arial"/>
+            </a:endParaRPr>
+          </a:p>
+        </p:txBody>
+      </p:sp>
+    </p:spTree>
+  </p:cSld>
+  <p:clrMap bg1="lt1" bg2="lt2" tx1="dk1" tx2="dk2" accent1="accent1" accent2="accent2" accent3="accent3" accent4="accent4" accent5="accent5" accent6="accent6" hlink="hlink" folHlink="folHlink"/>
+  <p:sldLayoutIdLst>
+    <p:sldLayoutId id="2147483675" r:id="rId2"/>
+    <p:sldLayoutId id="2147483676" r:id="rId3"/>
+    <p:sldLayoutId id="2147483677" r:id="rId4"/>
+    <p:sldLayoutId id="2147483678" r:id="rId5"/>
+    <p:sldLayoutId id="2147483679" r:id="rId6"/>
+    <p:sldLayoutId id="2147483680" r:id="rId7"/>
+    <p:sldLayoutId id="2147483681" r:id="rId8"/>
+    <p:sldLayoutId id="2147483682" r:id="rId9"/>
+    <p:sldLayoutId id="2147483683" r:id="rId10"/>
+    <p:sldLayoutId id="2147483684" r:id="rId11"/>
+    <p:sldLayoutId id="2147483685" r:id="rId12"/>
+    <p:sldLayoutId id="2147483686" r:id="rId13"/>
   </p:sldLayoutIdLst>
 </p:sldMaster>
 </file>
@@ -3236,14 +4905,14 @@
       </p:grpSpPr>
       <p:sp>
         <p:nvSpPr>
-          <p:cNvPr id="76" name="CustomShape 1"/>
+          <p:cNvPr id="114" name="CustomShape 1"/>
           <p:cNvSpPr/>
           <p:nvPr/>
         </p:nvSpPr>
         <p:spPr>
           <a:xfrm>
             <a:off x="240840" y="2308320"/>
-            <a:ext cx="12256920" cy="5546880"/>
+            <a:ext cx="12256560" cy="5546520"/>
           </a:xfrm>
           <a:prstGeom prst="rect">
             <a:avLst/>
@@ -3260,7 +4929,9 @@
           <a:fontRef idx="minor"/>
         </p:style>
         <p:txBody>
-          <a:bodyPr lIns="50760" rIns="50760" tIns="50760" bIns="50760"/>
+          <a:bodyPr lIns="50760" rIns="50760" tIns="50760" bIns="50760">
+            <a:noAutofit/>
+          </a:bodyPr>
           <a:p>
             <a:pPr algn="ctr">
               <a:lnSpc>
@@ -3277,7 +4948,7 @@
               </a:rPr>
               <a:t>Connecting our Ethereum private blockchain and</a:t>
             </a:r>
-            <a:endParaRPr b="0" lang="en-GB" sz="3200" spc="-1" strike="noStrike">
+            <a:endParaRPr b="0" lang="en-US" sz="3200" spc="-1" strike="noStrike">
               <a:latin typeface="Arial"/>
             </a:endParaRPr>
           </a:p>
@@ -3307,7 +4978,7 @@
               </a:rPr>
               <a:t>interacting with it.</a:t>
             </a:r>
-            <a:endParaRPr b="0" lang="en-GB" sz="3200" spc="-1" strike="noStrike">
+            <a:endParaRPr b="0" lang="en-US" sz="3200" spc="-1" strike="noStrike">
               <a:latin typeface="Arial"/>
             </a:endParaRPr>
           </a:p>
@@ -3317,7 +4988,7 @@
                 <a:spcPct val="100000"/>
               </a:lnSpc>
             </a:pPr>
-            <a:endParaRPr b="0" lang="en-GB" sz="3200" spc="-1" strike="noStrike">
+            <a:endParaRPr b="0" lang="en-US" sz="3200" spc="-1" strike="noStrike">
               <a:latin typeface="Arial"/>
             </a:endParaRPr>
           </a:p>
@@ -3327,7 +4998,7 @@
                 <a:spcPct val="100000"/>
               </a:lnSpc>
             </a:pPr>
-            <a:endParaRPr b="0" lang="en-GB" sz="3200" spc="-1" strike="noStrike">
+            <a:endParaRPr b="0" lang="en-US" sz="3200" spc="-1" strike="noStrike">
               <a:latin typeface="Arial"/>
             </a:endParaRPr>
           </a:p>
@@ -3337,7 +5008,7 @@
                 <a:spcPct val="100000"/>
               </a:lnSpc>
             </a:pPr>
-            <a:endParaRPr b="0" lang="en-GB" sz="3200" spc="-1" strike="noStrike">
+            <a:endParaRPr b="0" lang="en-US" sz="3200" spc="-1" strike="noStrike">
               <a:latin typeface="Arial"/>
             </a:endParaRPr>
           </a:p>
@@ -3357,7 +5028,7 @@
               </a:rPr>
               <a:t>Tools: </a:t>
             </a:r>
-            <a:endParaRPr b="0" lang="en-GB" sz="3200" spc="-1" strike="noStrike">
+            <a:endParaRPr b="0" lang="en-US" sz="3200" spc="-1" strike="noStrike">
               <a:latin typeface="Arial"/>
             </a:endParaRPr>
           </a:p>
@@ -3367,12 +5038,12 @@
                 <a:spcPct val="100000"/>
               </a:lnSpc>
             </a:pPr>
-            <a:endParaRPr b="0" lang="en-GB" sz="3200" spc="-1" strike="noStrike">
-              <a:latin typeface="Arial"/>
-            </a:endParaRPr>
-          </a:p>
-          <a:p>
-            <a:pPr marL="736560" indent="-227160">
+            <a:endParaRPr b="0" lang="en-US" sz="3200" spc="-1" strike="noStrike">
+              <a:latin typeface="Arial"/>
+            </a:endParaRPr>
+          </a:p>
+          <a:p>
+            <a:pPr marL="736560" indent="-226800">
               <a:lnSpc>
                 <a:spcPct val="100000"/>
               </a:lnSpc>
@@ -3405,12 +5076,12 @@
               </a:rPr>
               <a:t>A private blockchain: Setup and provided by the university.</a:t>
             </a:r>
-            <a:endParaRPr b="0" lang="en-GB" sz="3200" spc="-1" strike="noStrike">
-              <a:latin typeface="Arial"/>
-            </a:endParaRPr>
-          </a:p>
-          <a:p>
-            <a:pPr marL="736560" indent="-227160">
+            <a:endParaRPr b="0" lang="en-US" sz="3200" spc="-1" strike="noStrike">
+              <a:latin typeface="Arial"/>
+            </a:endParaRPr>
+          </a:p>
+          <a:p>
+            <a:pPr marL="736560" indent="-226800">
               <a:lnSpc>
                 <a:spcPct val="100000"/>
               </a:lnSpc>
@@ -3443,12 +5114,12 @@
               </a:rPr>
               <a:t>MetaMask: Wallet.</a:t>
             </a:r>
-            <a:endParaRPr b="0" lang="en-GB" sz="3200" spc="-1" strike="noStrike">
-              <a:latin typeface="Arial"/>
-            </a:endParaRPr>
-          </a:p>
-          <a:p>
-            <a:pPr marL="736560" indent="-227160">
+            <a:endParaRPr b="0" lang="en-US" sz="3200" spc="-1" strike="noStrike">
+              <a:latin typeface="Arial"/>
+            </a:endParaRPr>
+          </a:p>
+          <a:p>
+            <a:pPr marL="736560" indent="-226800">
               <a:lnSpc>
                 <a:spcPct val="100000"/>
               </a:lnSpc>
@@ -3481,7 +5152,7 @@
               </a:rPr>
               <a:t>Remix Ethereum: Online Solidity compiler.</a:t>
             </a:r>
-            <a:endParaRPr b="0" lang="en-GB" sz="3200" spc="-1" strike="noStrike">
+            <a:endParaRPr b="0" lang="en-US" sz="3200" spc="-1" strike="noStrike">
               <a:latin typeface="Arial"/>
             </a:endParaRPr>
           </a:p>
@@ -3489,33 +5160,14 @@
       </p:sp>
     </p:spTree>
   </p:cSld>
-  <p:timing>
-    <p:tnLst>
-      <p:par>
-        <p:cTn id="1" dur="indefinite" restart="never" nodeType="tmRoot">
-          <p:childTnLst>
-            <p:seq>
-              <p:cTn id="2" dur="indefinite" nodeType="mainSeq"/>
-              <p:prevCondLst>
-                <p:cond delay="0" evt="onPrev">
-                  <p:tgtEl>
-                    <p:sldTgt/>
-                  </p:tgtEl>
-                </p:cond>
-              </p:prevCondLst>
-              <p:nextCondLst>
-                <p:cond delay="0" evt="onNext">
-                  <p:tgtEl>
-                    <p:sldTgt/>
-                  </p:tgtEl>
-                </p:cond>
-              </p:nextCondLst>
-            </p:seq>
-          </p:childTnLst>
-        </p:cTn>
-      </p:par>
-    </p:tnLst>
-  </p:timing>
+  <mc:AlternateContent>
+    <mc:Choice Requires="p14">
+      <p:transition spd="slow" p14:dur="2000"/>
+    </mc:Choice>
+    <mc:Fallback>
+      <p:transition spd="slow"/>
+    </mc:Fallback>
+  </mc:AlternateContent>
 </p:sld>
 </file>
 
@@ -3538,14 +5190,14 @@
       </p:grpSpPr>
       <p:sp>
         <p:nvSpPr>
-          <p:cNvPr id="102" name="CustomShape 1"/>
+          <p:cNvPr id="140" name="CustomShape 1"/>
           <p:cNvSpPr/>
           <p:nvPr/>
         </p:nvSpPr>
         <p:spPr>
           <a:xfrm>
             <a:off x="952560" y="444600"/>
-            <a:ext cx="11098440" cy="2157480"/>
+            <a:ext cx="11098080" cy="2157120"/>
           </a:xfrm>
           <a:prstGeom prst="rect">
             <a:avLst/>
@@ -3562,7 +5214,9 @@
           <a:fontRef idx="minor"/>
         </p:style>
         <p:txBody>
-          <a:bodyPr lIns="50760" rIns="50760" tIns="50760" bIns="50760" anchor="ctr"/>
+          <a:bodyPr lIns="50760" rIns="50760" tIns="50760" bIns="50760" anchor="ctr">
+            <a:noAutofit/>
+          </a:bodyPr>
           <a:p>
             <a:pPr algn="ctr">
               <a:lnSpc>
@@ -3601,22 +5255,22 @@
               </a:rPr>
               <a:t>Online Solidity Compiler </a:t>
             </a:r>
-            <a:endParaRPr b="0" lang="en-GB" sz="4560" spc="-1" strike="noStrike">
-              <a:latin typeface="Arial"/>
-            </a:endParaRPr>
-          </a:p>
-        </p:txBody>
-      </p:sp>
-      <p:sp>
-        <p:nvSpPr>
-          <p:cNvPr id="103" name="CustomShape 2"/>
+            <a:endParaRPr b="0" lang="en-US" sz="4560" spc="-1" strike="noStrike">
+              <a:latin typeface="Arial"/>
+            </a:endParaRPr>
+          </a:p>
+        </p:txBody>
+      </p:sp>
+      <p:sp>
+        <p:nvSpPr>
+          <p:cNvPr id="141" name="CustomShape 2"/>
           <p:cNvSpPr/>
           <p:nvPr/>
         </p:nvSpPr>
         <p:spPr>
           <a:xfrm>
             <a:off x="864000" y="3217680"/>
-            <a:ext cx="11098440" cy="6285240"/>
+            <a:ext cx="11098080" cy="6284880"/>
           </a:xfrm>
           <a:prstGeom prst="rect">
             <a:avLst/>
@@ -3633,9 +5287,24 @@
           <a:fontRef idx="minor"/>
         </p:style>
         <p:txBody>
-          <a:bodyPr lIns="50760" rIns="50760" tIns="50760" bIns="50760" anchor="ctr"/>
-          <a:p>
-            <a:pPr marL="444600" indent="-443160">
+          <a:bodyPr lIns="50760" rIns="50760" tIns="50760" bIns="50760" anchor="ctr">
+            <a:noAutofit/>
+          </a:bodyPr>
+          <a:p>
+            <a:pPr>
+              <a:lnSpc>
+                <a:spcPct val="100000"/>
+              </a:lnSpc>
+              <a:spcBef>
+                <a:spcPts val="4201"/>
+              </a:spcBef>
+            </a:pPr>
+            <a:endParaRPr b="0" lang="en-US" sz="1800" spc="-1" strike="noStrike">
+              <a:latin typeface="Arial"/>
+            </a:endParaRPr>
+          </a:p>
+          <a:p>
+            <a:pPr marL="444600" indent="-442800">
               <a:lnSpc>
                 <a:spcPct val="100000"/>
               </a:lnSpc>
@@ -3648,24 +5317,6 @@
               <a:buFont typeface="Helvetica Neue Light"/>
               <a:buChar char="•"/>
             </a:pPr>
-            <a:endParaRPr b="0" lang="en-GB" sz="1800" spc="-1" strike="noStrike">
-              <a:latin typeface="Arial"/>
-            </a:endParaRPr>
-          </a:p>
-          <a:p>
-            <a:pPr marL="444600" indent="-443160">
-              <a:lnSpc>
-                <a:spcPct val="100000"/>
-              </a:lnSpc>
-              <a:spcBef>
-                <a:spcPts val="4201"/>
-              </a:spcBef>
-              <a:buClr>
-                <a:srgbClr val="000000"/>
-              </a:buClr>
-              <a:buFont typeface="Helvetica Neue Light"/>
-              <a:buChar char="•"/>
-            </a:pPr>
             <a:r>
               <a:rPr b="0" lang="en-GB" sz="3600" spc="-1" strike="noStrike">
                 <a:solidFill>
@@ -3696,12 +5347,12 @@
               </a:rPr>
               <a:t> </a:t>
             </a:r>
-            <a:endParaRPr b="0" lang="en-GB" sz="3600" spc="-1" strike="noStrike">
-              <a:latin typeface="Arial"/>
-            </a:endParaRPr>
-          </a:p>
-          <a:p>
-            <a:pPr marL="444600" indent="-443160">
+            <a:endParaRPr b="0" lang="en-US" sz="3600" spc="-1" strike="noStrike">
+              <a:latin typeface="Arial"/>
+            </a:endParaRPr>
+          </a:p>
+          <a:p>
+            <a:pPr marL="444600" indent="-442800">
               <a:lnSpc>
                 <a:spcPct val="100000"/>
               </a:lnSpc>
@@ -3721,12 +5372,12 @@
               </a:rPr>
               <a:t>After you deploy your contract, you can interact with it using Remix</a:t>
             </a:r>
-            <a:endParaRPr b="0" lang="en-GB" sz="3600" spc="-1" strike="noStrike">
-              <a:latin typeface="Arial"/>
-            </a:endParaRPr>
-          </a:p>
-          <a:p>
-            <a:pPr marL="444600" indent="-443160">
+            <a:endParaRPr b="0" lang="en-US" sz="3600" spc="-1" strike="noStrike">
+              <a:latin typeface="Arial"/>
+            </a:endParaRPr>
+          </a:p>
+          <a:p>
+            <a:pPr marL="444600" indent="-442800">
               <a:lnSpc>
                 <a:spcPct val="100000"/>
               </a:lnSpc>
@@ -3766,7 +5417,7 @@
               </a:rPr>
               <a:t>, run and debug it online.</a:t>
             </a:r>
-            <a:endParaRPr b="0" lang="en-GB" sz="3600" spc="-1" strike="noStrike">
+            <a:endParaRPr b="0" lang="en-US" sz="3600" spc="-1" strike="noStrike">
               <a:latin typeface="Arial"/>
             </a:endParaRPr>
           </a:p>
@@ -3776,25 +5427,20 @@
                 <a:spcPct val="100000"/>
               </a:lnSpc>
             </a:pPr>
-            <a:endParaRPr b="0" lang="en-GB" sz="3600" spc="-1" strike="noStrike">
-              <a:latin typeface="Arial"/>
-            </a:endParaRPr>
-          </a:p>
-          <a:p>
-            <a:pPr marL="444600" indent="-443160">
+            <a:endParaRPr b="0" lang="en-US" sz="3600" spc="-1" strike="noStrike">
+              <a:latin typeface="Arial"/>
+            </a:endParaRPr>
+          </a:p>
+          <a:p>
+            <a:pPr>
               <a:lnSpc>
                 <a:spcPct val="100000"/>
               </a:lnSpc>
               <a:spcBef>
                 <a:spcPts val="4201"/>
               </a:spcBef>
-              <a:buClr>
-                <a:srgbClr val="000000"/>
-              </a:buClr>
-              <a:buFont typeface="Helvetica Neue Light"/>
-              <a:buChar char="•"/>
-            </a:pPr>
-            <a:endParaRPr b="0" lang="en-GB" sz="3600" spc="-1" strike="noStrike">
+            </a:pPr>
+            <a:endParaRPr b="0" lang="en-US" sz="3600" spc="-1" strike="noStrike">
               <a:latin typeface="Arial"/>
             </a:endParaRPr>
           </a:p>
@@ -3802,33 +5448,14 @@
       </p:sp>
     </p:spTree>
   </p:cSld>
-  <p:timing>
-    <p:tnLst>
-      <p:par>
-        <p:cTn id="19" dur="indefinite" restart="never" nodeType="tmRoot">
-          <p:childTnLst>
-            <p:seq>
-              <p:cTn id="20" dur="indefinite" nodeType="mainSeq"/>
-              <p:prevCondLst>
-                <p:cond delay="0" evt="onPrev">
-                  <p:tgtEl>
-                    <p:sldTgt/>
-                  </p:tgtEl>
-                </p:cond>
-              </p:prevCondLst>
-              <p:nextCondLst>
-                <p:cond delay="0" evt="onNext">
-                  <p:tgtEl>
-                    <p:sldTgt/>
-                  </p:tgtEl>
-                </p:cond>
-              </p:nextCondLst>
-            </p:seq>
-          </p:childTnLst>
-        </p:cTn>
-      </p:par>
-    </p:tnLst>
-  </p:timing>
+  <mc:AlternateContent>
+    <mc:Choice Requires="p14">
+      <p:transition spd="slow" p14:dur="2000"/>
+    </mc:Choice>
+    <mc:Fallback>
+      <p:transition spd="slow"/>
+    </mc:Fallback>
+  </mc:AlternateContent>
 </p:sld>
 </file>
 
@@ -3851,14 +5478,14 @@
       </p:grpSpPr>
       <p:sp>
         <p:nvSpPr>
-          <p:cNvPr id="104" name="CustomShape 1"/>
+          <p:cNvPr id="142" name="CustomShape 1"/>
           <p:cNvSpPr/>
           <p:nvPr/>
         </p:nvSpPr>
         <p:spPr>
           <a:xfrm>
             <a:off x="936000" y="3794760"/>
-            <a:ext cx="11098440" cy="2469240"/>
+            <a:ext cx="11098080" cy="2468880"/>
           </a:xfrm>
           <a:prstGeom prst="rect">
             <a:avLst/>
@@ -3877,14 +5504,14 @@
       </p:sp>
       <p:sp>
         <p:nvSpPr>
-          <p:cNvPr id="105" name="CustomShape 2"/>
+          <p:cNvPr id="143" name="CustomShape 2"/>
           <p:cNvSpPr/>
           <p:nvPr/>
         </p:nvSpPr>
         <p:spPr>
           <a:xfrm>
             <a:off x="212040" y="2835360"/>
-            <a:ext cx="12579120" cy="2271960"/>
+            <a:ext cx="12578760" cy="2271600"/>
           </a:xfrm>
           <a:prstGeom prst="rect">
             <a:avLst/>
@@ -3901,9 +5528,11 @@
           <a:fontRef idx="minor"/>
         </p:style>
         <p:txBody>
-          <a:bodyPr lIns="50760" rIns="50760" tIns="50760" bIns="50760" anchor="ctr"/>
-          <a:p>
-            <a:pPr marL="444600" indent="-443160">
+          <a:bodyPr lIns="50760" rIns="50760" tIns="50760" bIns="50760" anchor="ctr">
+            <a:noAutofit/>
+          </a:bodyPr>
+          <a:p>
+            <a:pPr marL="444600" indent="-442800">
               <a:lnSpc>
                 <a:spcPct val="100000"/>
               </a:lnSpc>
@@ -3923,22 +5552,22 @@
               </a:rPr>
               <a:t>To view your files and create a new, click on the file explorer, create a new file and write your Solidity code</a:t>
             </a:r>
-            <a:endParaRPr b="0" lang="en-GB" sz="3600" spc="-1" strike="noStrike">
-              <a:latin typeface="Arial"/>
-            </a:endParaRPr>
-          </a:p>
-        </p:txBody>
-      </p:sp>
-      <p:sp>
-        <p:nvSpPr>
-          <p:cNvPr id="106" name="CustomShape 3"/>
+            <a:endParaRPr b="0" lang="en-US" sz="3600" spc="-1" strike="noStrike">
+              <a:latin typeface="Arial"/>
+            </a:endParaRPr>
+          </a:p>
+        </p:txBody>
+      </p:sp>
+      <p:sp>
+        <p:nvSpPr>
+          <p:cNvPr id="144" name="CustomShape 3"/>
           <p:cNvSpPr/>
           <p:nvPr/>
         </p:nvSpPr>
         <p:spPr>
           <a:xfrm>
             <a:off x="952560" y="444600"/>
-            <a:ext cx="11098440" cy="2157480"/>
+            <a:ext cx="11098080" cy="2157120"/>
           </a:xfrm>
           <a:prstGeom prst="rect">
             <a:avLst/>
@@ -3955,7 +5584,9 @@
           <a:fontRef idx="minor"/>
         </p:style>
         <p:txBody>
-          <a:bodyPr lIns="50760" rIns="50760" tIns="50760" bIns="50760" anchor="ctr"/>
+          <a:bodyPr lIns="50760" rIns="50760" tIns="50760" bIns="50760" anchor="ctr">
+            <a:noAutofit/>
+          </a:bodyPr>
           <a:p>
             <a:pPr algn="ctr">
               <a:lnSpc>
@@ -3994,7 +5625,7 @@
               </a:rPr>
               <a:t>Online Solidity Compiler </a:t>
             </a:r>
-            <a:endParaRPr b="0" lang="en-GB" sz="4560" spc="-1" strike="noStrike">
+            <a:endParaRPr b="0" lang="en-US" sz="4560" spc="-1" strike="noStrike">
               <a:latin typeface="Arial"/>
             </a:endParaRPr>
           </a:p>
@@ -4002,7 +5633,7 @@
       </p:sp>
       <p:pic>
         <p:nvPicPr>
-          <p:cNvPr id="107" name="" descr=""/>
+          <p:cNvPr id="145" name="" descr=""/>
           <p:cNvPicPr/>
           <p:nvPr/>
         </p:nvPicPr>
@@ -4013,7 +5644,7 @@
         <p:spPr>
           <a:xfrm>
             <a:off x="4312080" y="5256000"/>
-            <a:ext cx="6919920" cy="3846960"/>
+            <a:ext cx="6919560" cy="3846600"/>
           </a:xfrm>
           <a:prstGeom prst="rect">
             <a:avLst/>
@@ -4025,14 +5656,14 @@
       </p:pic>
       <p:sp>
         <p:nvSpPr>
-          <p:cNvPr id="108" name="CustomShape 4"/>
+          <p:cNvPr id="146" name="CustomShape 4"/>
           <p:cNvSpPr/>
           <p:nvPr/>
         </p:nvSpPr>
         <p:spPr>
-          <a:xfrm flipH="1">
-            <a:off x="4752000" y="3672000"/>
-            <a:ext cx="4536000" cy="3672000"/>
+          <a:xfrm>
+            <a:off x="2102760" y="4297680"/>
+            <a:ext cx="2377800" cy="3045960"/>
           </a:xfrm>
           <a:custGeom>
             <a:avLst/>
@@ -4068,14 +5699,14 @@
       </p:sp>
       <p:sp>
         <p:nvSpPr>
-          <p:cNvPr id="109" name="CustomShape 5"/>
+          <p:cNvPr id="147" name="CustomShape 5"/>
           <p:cNvSpPr/>
           <p:nvPr/>
         </p:nvSpPr>
         <p:spPr>
           <a:xfrm>
             <a:off x="3960000" y="4248000"/>
-            <a:ext cx="2160000" cy="2592000"/>
+            <a:ext cx="2159640" cy="2591640"/>
           </a:xfrm>
           <a:custGeom>
             <a:avLst/>
@@ -4111,33 +5742,14 @@
       </p:sp>
     </p:spTree>
   </p:cSld>
-  <p:timing>
-    <p:tnLst>
-      <p:par>
-        <p:cTn id="21" dur="indefinite" restart="never" nodeType="tmRoot">
-          <p:childTnLst>
-            <p:seq>
-              <p:cTn id="22" dur="indefinite" nodeType="mainSeq"/>
-              <p:prevCondLst>
-                <p:cond delay="0" evt="onPrev">
-                  <p:tgtEl>
-                    <p:sldTgt/>
-                  </p:tgtEl>
-                </p:cond>
-              </p:prevCondLst>
-              <p:nextCondLst>
-                <p:cond delay="0" evt="onNext">
-                  <p:tgtEl>
-                    <p:sldTgt/>
-                  </p:tgtEl>
-                </p:cond>
-              </p:nextCondLst>
-            </p:seq>
-          </p:childTnLst>
-        </p:cTn>
-      </p:par>
-    </p:tnLst>
-  </p:timing>
+  <mc:AlternateContent>
+    <mc:Choice Requires="p14">
+      <p:transition spd="slow" p14:dur="2000"/>
+    </mc:Choice>
+    <mc:Fallback>
+      <p:transition spd="slow"/>
+    </mc:Fallback>
+  </mc:AlternateContent>
 </p:sld>
 </file>
 
@@ -4160,14 +5772,14 @@
       </p:grpSpPr>
       <p:sp>
         <p:nvSpPr>
-          <p:cNvPr id="110" name="CustomShape 1"/>
+          <p:cNvPr id="148" name="CustomShape 1"/>
           <p:cNvSpPr/>
           <p:nvPr/>
         </p:nvSpPr>
         <p:spPr>
           <a:xfrm>
             <a:off x="1357560" y="3794760"/>
-            <a:ext cx="11098440" cy="2469240"/>
+            <a:ext cx="11098080" cy="2468880"/>
           </a:xfrm>
           <a:prstGeom prst="rect">
             <a:avLst/>
@@ -4186,14 +5798,14 @@
       </p:sp>
       <p:sp>
         <p:nvSpPr>
-          <p:cNvPr id="111" name="CustomShape 2"/>
+          <p:cNvPr id="149" name="CustomShape 2"/>
           <p:cNvSpPr/>
           <p:nvPr/>
         </p:nvSpPr>
         <p:spPr>
           <a:xfrm>
             <a:off x="212040" y="2835360"/>
-            <a:ext cx="12579120" cy="2271960"/>
+            <a:ext cx="12578760" cy="2271600"/>
           </a:xfrm>
           <a:prstGeom prst="rect">
             <a:avLst/>
@@ -4210,9 +5822,11 @@
           <a:fontRef idx="minor"/>
         </p:style>
         <p:txBody>
-          <a:bodyPr lIns="50760" rIns="50760" tIns="50760" bIns="50760" anchor="ctr"/>
-          <a:p>
-            <a:pPr marL="444600" indent="-443160">
+          <a:bodyPr lIns="50760" rIns="50760" tIns="50760" bIns="50760" anchor="ctr">
+            <a:noAutofit/>
+          </a:bodyPr>
+          <a:p>
+            <a:pPr marL="444600" indent="-442800">
               <a:lnSpc>
                 <a:spcPct val="100000"/>
               </a:lnSpc>
@@ -4242,22 +5856,22 @@
               </a:rPr>
               <a:t> </a:t>
             </a:r>
-            <a:endParaRPr b="0" lang="en-GB" sz="1800" spc="-1" strike="noStrike">
-              <a:latin typeface="Arial"/>
-            </a:endParaRPr>
-          </a:p>
-        </p:txBody>
-      </p:sp>
-      <p:sp>
-        <p:nvSpPr>
-          <p:cNvPr id="112" name="CustomShape 3"/>
+            <a:endParaRPr b="0" lang="en-US" sz="1800" spc="-1" strike="noStrike">
+              <a:latin typeface="Arial"/>
+            </a:endParaRPr>
+          </a:p>
+        </p:txBody>
+      </p:sp>
+      <p:sp>
+        <p:nvSpPr>
+          <p:cNvPr id="150" name="CustomShape 3"/>
           <p:cNvSpPr/>
           <p:nvPr/>
         </p:nvSpPr>
         <p:spPr>
           <a:xfrm>
             <a:off x="952560" y="444600"/>
-            <a:ext cx="11098440" cy="2157480"/>
+            <a:ext cx="11098080" cy="2157120"/>
           </a:xfrm>
           <a:prstGeom prst="rect">
             <a:avLst/>
@@ -4274,7 +5888,9 @@
           <a:fontRef idx="minor"/>
         </p:style>
         <p:txBody>
-          <a:bodyPr lIns="50760" rIns="50760" tIns="50760" bIns="50760" anchor="ctr"/>
+          <a:bodyPr lIns="50760" rIns="50760" tIns="50760" bIns="50760" anchor="ctr">
+            <a:noAutofit/>
+          </a:bodyPr>
           <a:p>
             <a:pPr algn="ctr">
               <a:lnSpc>
@@ -4313,7 +5929,7 @@
               </a:rPr>
               <a:t>Online Solidity Compiler </a:t>
             </a:r>
-            <a:endParaRPr b="0" lang="en-GB" sz="4560" spc="-1" strike="noStrike">
+            <a:endParaRPr b="0" lang="en-US" sz="4560" spc="-1" strike="noStrike">
               <a:latin typeface="Arial"/>
             </a:endParaRPr>
           </a:p>
@@ -4321,7 +5937,7 @@
       </p:sp>
       <p:pic>
         <p:nvPicPr>
-          <p:cNvPr id="113" name="" descr=""/>
+          <p:cNvPr id="151" name="" descr=""/>
           <p:cNvPicPr/>
           <p:nvPr/>
         </p:nvPicPr>
@@ -4332,7 +5948,7 @@
         <p:spPr>
           <a:xfrm>
             <a:off x="5544000" y="4855680"/>
-            <a:ext cx="6048000" cy="4792320"/>
+            <a:ext cx="6047640" cy="4791960"/>
           </a:xfrm>
           <a:prstGeom prst="rect">
             <a:avLst/>
@@ -4344,14 +5960,14 @@
       </p:pic>
       <p:sp>
         <p:nvSpPr>
-          <p:cNvPr id="114" name="CustomShape 4"/>
+          <p:cNvPr id="152" name="CustomShape 4"/>
           <p:cNvSpPr/>
           <p:nvPr/>
         </p:nvSpPr>
         <p:spPr>
           <a:xfrm flipH="1">
-            <a:off x="5832000" y="3960000"/>
-            <a:ext cx="144000" cy="1584000"/>
+            <a:off x="5831280" y="3960000"/>
+            <a:ext cx="143640" cy="1583640"/>
           </a:xfrm>
           <a:custGeom>
             <a:avLst/>
@@ -4387,14 +6003,14 @@
       </p:sp>
       <p:sp>
         <p:nvSpPr>
-          <p:cNvPr id="115" name="CustomShape 5"/>
+          <p:cNvPr id="153" name="CustomShape 5"/>
           <p:cNvSpPr/>
           <p:nvPr/>
         </p:nvSpPr>
         <p:spPr>
           <a:xfrm>
             <a:off x="2160000" y="4608000"/>
-            <a:ext cx="6264000" cy="2880000"/>
+            <a:ext cx="6263640" cy="2879640"/>
           </a:xfrm>
           <a:custGeom>
             <a:avLst/>
@@ -4430,33 +6046,14 @@
       </p:sp>
     </p:spTree>
   </p:cSld>
-  <p:timing>
-    <p:tnLst>
-      <p:par>
-        <p:cTn id="23" dur="indefinite" restart="never" nodeType="tmRoot">
-          <p:childTnLst>
-            <p:seq>
-              <p:cTn id="24" dur="indefinite" nodeType="mainSeq"/>
-              <p:prevCondLst>
-                <p:cond delay="0" evt="onPrev">
-                  <p:tgtEl>
-                    <p:sldTgt/>
-                  </p:tgtEl>
-                </p:cond>
-              </p:prevCondLst>
-              <p:nextCondLst>
-                <p:cond delay="0" evt="onNext">
-                  <p:tgtEl>
-                    <p:sldTgt/>
-                  </p:tgtEl>
-                </p:cond>
-              </p:nextCondLst>
-            </p:seq>
-          </p:childTnLst>
-        </p:cTn>
-      </p:par>
-    </p:tnLst>
-  </p:timing>
+  <mc:AlternateContent>
+    <mc:Choice Requires="p14">
+      <p:transition spd="slow" p14:dur="2000"/>
+    </mc:Choice>
+    <mc:Fallback>
+      <p:transition spd="slow"/>
+    </mc:Fallback>
+  </mc:AlternateContent>
 </p:sld>
 </file>
 
@@ -4479,14 +6076,14 @@
       </p:grpSpPr>
       <p:sp>
         <p:nvSpPr>
-          <p:cNvPr id="116" name="CustomShape 1"/>
+          <p:cNvPr id="154" name="CustomShape 1"/>
           <p:cNvSpPr/>
           <p:nvPr/>
         </p:nvSpPr>
         <p:spPr>
           <a:xfrm>
             <a:off x="1357560" y="3794760"/>
-            <a:ext cx="11098440" cy="2469240"/>
+            <a:ext cx="11098080" cy="2468880"/>
           </a:xfrm>
           <a:prstGeom prst="rect">
             <a:avLst/>
@@ -4505,14 +6102,14 @@
       </p:sp>
       <p:sp>
         <p:nvSpPr>
-          <p:cNvPr id="117" name="CustomShape 2"/>
+          <p:cNvPr id="155" name="CustomShape 2"/>
           <p:cNvSpPr/>
           <p:nvPr/>
         </p:nvSpPr>
         <p:spPr>
           <a:xfrm>
             <a:off x="212040" y="2835360"/>
-            <a:ext cx="12579120" cy="2271960"/>
+            <a:ext cx="12578760" cy="2271600"/>
           </a:xfrm>
           <a:prstGeom prst="rect">
             <a:avLst/>
@@ -4529,9 +6126,11 @@
           <a:fontRef idx="minor"/>
         </p:style>
         <p:txBody>
-          <a:bodyPr lIns="50760" rIns="50760" tIns="50760" bIns="50760" anchor="ctr"/>
-          <a:p>
-            <a:pPr marL="444600" indent="-443160">
+          <a:bodyPr lIns="50760" rIns="50760" tIns="50760" bIns="50760" anchor="ctr">
+            <a:noAutofit/>
+          </a:bodyPr>
+          <a:p>
+            <a:pPr marL="444600" indent="-442800">
               <a:lnSpc>
                 <a:spcPct val="100000"/>
               </a:lnSpc>
@@ -4551,22 +6150,22 @@
               </a:rPr>
               <a:t>Next, compile your smart contract (every time you change your contract you need to recompile it)</a:t>
             </a:r>
-            <a:endParaRPr b="0" lang="en-GB" sz="3600" spc="-1" strike="noStrike">
-              <a:latin typeface="Arial"/>
-            </a:endParaRPr>
-          </a:p>
-        </p:txBody>
-      </p:sp>
-      <p:sp>
-        <p:nvSpPr>
-          <p:cNvPr id="118" name="CustomShape 3"/>
+            <a:endParaRPr b="0" lang="en-US" sz="3600" spc="-1" strike="noStrike">
+              <a:latin typeface="Arial"/>
+            </a:endParaRPr>
+          </a:p>
+        </p:txBody>
+      </p:sp>
+      <p:sp>
+        <p:nvSpPr>
+          <p:cNvPr id="156" name="CustomShape 3"/>
           <p:cNvSpPr/>
           <p:nvPr/>
         </p:nvSpPr>
         <p:spPr>
           <a:xfrm>
             <a:off x="952560" y="444600"/>
-            <a:ext cx="11098440" cy="2157480"/>
+            <a:ext cx="11098080" cy="2157120"/>
           </a:xfrm>
           <a:prstGeom prst="rect">
             <a:avLst/>
@@ -4583,7 +6182,9 @@
           <a:fontRef idx="minor"/>
         </p:style>
         <p:txBody>
-          <a:bodyPr lIns="50760" rIns="50760" tIns="50760" bIns="50760" anchor="ctr"/>
+          <a:bodyPr lIns="50760" rIns="50760" tIns="50760" bIns="50760" anchor="ctr">
+            <a:noAutofit/>
+          </a:bodyPr>
           <a:p>
             <a:pPr algn="ctr">
               <a:lnSpc>
@@ -4622,7 +6223,7 @@
               </a:rPr>
               <a:t>Online Solidity Compiler </a:t>
             </a:r>
-            <a:endParaRPr b="0" lang="en-GB" sz="4560" spc="-1" strike="noStrike">
+            <a:endParaRPr b="0" lang="en-US" sz="4560" spc="-1" strike="noStrike">
               <a:latin typeface="Arial"/>
             </a:endParaRPr>
           </a:p>
@@ -4630,7 +6231,7 @@
       </p:sp>
       <p:pic>
         <p:nvPicPr>
-          <p:cNvPr id="119" name="" descr=""/>
+          <p:cNvPr id="157" name="" descr=""/>
           <p:cNvPicPr/>
           <p:nvPr/>
         </p:nvPicPr>
@@ -4641,7 +6242,7 @@
         <p:spPr>
           <a:xfrm>
             <a:off x="5544000" y="4855680"/>
-            <a:ext cx="6048000" cy="4792320"/>
+            <a:ext cx="6047640" cy="4791960"/>
           </a:xfrm>
           <a:prstGeom prst="rect">
             <a:avLst/>
@@ -4653,14 +6254,14 @@
       </p:pic>
       <p:sp>
         <p:nvSpPr>
-          <p:cNvPr id="120" name="CustomShape 4"/>
+          <p:cNvPr id="158" name="CustomShape 4"/>
           <p:cNvSpPr/>
           <p:nvPr/>
         </p:nvSpPr>
         <p:spPr>
           <a:xfrm>
-            <a:off x="3312000" y="3960000"/>
-            <a:ext cx="2808000" cy="2880000"/>
+            <a:off x="3200400" y="4937760"/>
+            <a:ext cx="2919240" cy="1901880"/>
           </a:xfrm>
           <a:custGeom>
             <a:avLst/>
@@ -4696,33 +6297,14 @@
       </p:sp>
     </p:spTree>
   </p:cSld>
-  <p:timing>
-    <p:tnLst>
-      <p:par>
-        <p:cTn id="25" dur="indefinite" restart="never" nodeType="tmRoot">
-          <p:childTnLst>
-            <p:seq>
-              <p:cTn id="26" dur="indefinite" nodeType="mainSeq"/>
-              <p:prevCondLst>
-                <p:cond delay="0" evt="onPrev">
-                  <p:tgtEl>
-                    <p:sldTgt/>
-                  </p:tgtEl>
-                </p:cond>
-              </p:prevCondLst>
-              <p:nextCondLst>
-                <p:cond delay="0" evt="onNext">
-                  <p:tgtEl>
-                    <p:sldTgt/>
-                  </p:tgtEl>
-                </p:cond>
-              </p:nextCondLst>
-            </p:seq>
-          </p:childTnLst>
-        </p:cTn>
-      </p:par>
-    </p:tnLst>
-  </p:timing>
+  <mc:AlternateContent>
+    <mc:Choice Requires="p14">
+      <p:transition spd="slow" p14:dur="2000"/>
+    </mc:Choice>
+    <mc:Fallback>
+      <p:transition spd="slow"/>
+    </mc:Fallback>
+  </mc:AlternateContent>
 </p:sld>
 </file>
 
@@ -4745,14 +6327,14 @@
       </p:grpSpPr>
       <p:sp>
         <p:nvSpPr>
-          <p:cNvPr id="121" name="CustomShape 1"/>
+          <p:cNvPr id="159" name="CustomShape 1"/>
           <p:cNvSpPr/>
           <p:nvPr/>
         </p:nvSpPr>
         <p:spPr>
           <a:xfrm>
             <a:off x="1357560" y="3794760"/>
-            <a:ext cx="11098440" cy="2469240"/>
+            <a:ext cx="11098080" cy="2468880"/>
           </a:xfrm>
           <a:prstGeom prst="rect">
             <a:avLst/>
@@ -4771,14 +6353,14 @@
       </p:sp>
       <p:sp>
         <p:nvSpPr>
-          <p:cNvPr id="122" name="CustomShape 2"/>
+          <p:cNvPr id="160" name="CustomShape 2"/>
           <p:cNvSpPr/>
           <p:nvPr/>
         </p:nvSpPr>
         <p:spPr>
           <a:xfrm>
             <a:off x="212040" y="2835360"/>
-            <a:ext cx="12579120" cy="2271960"/>
+            <a:ext cx="12578760" cy="2271600"/>
           </a:xfrm>
           <a:prstGeom prst="rect">
             <a:avLst/>
@@ -4795,9 +6377,11 @@
           <a:fontRef idx="minor"/>
         </p:style>
         <p:txBody>
-          <a:bodyPr lIns="50760" rIns="50760" tIns="50760" bIns="50760" anchor="ctr"/>
-          <a:p>
-            <a:pPr marL="444600" indent="-443160">
+          <a:bodyPr lIns="50760" rIns="50760" tIns="50760" bIns="50760" anchor="ctr">
+            <a:noAutofit/>
+          </a:bodyPr>
+          <a:p>
+            <a:pPr marL="444600" indent="-442800">
               <a:lnSpc>
                 <a:spcPct val="100000"/>
               </a:lnSpc>
@@ -4817,22 +6401,22 @@
               </a:rPr>
               <a:t>Next, to deploy and test your contract, choose the deployment explorer</a:t>
             </a:r>
-            <a:endParaRPr b="0" lang="en-GB" sz="3600" spc="-1" strike="noStrike">
-              <a:latin typeface="Arial"/>
-            </a:endParaRPr>
-          </a:p>
-        </p:txBody>
-      </p:sp>
-      <p:sp>
-        <p:nvSpPr>
-          <p:cNvPr id="123" name="CustomShape 3"/>
+            <a:endParaRPr b="0" lang="en-US" sz="3600" spc="-1" strike="noStrike">
+              <a:latin typeface="Arial"/>
+            </a:endParaRPr>
+          </a:p>
+        </p:txBody>
+      </p:sp>
+      <p:sp>
+        <p:nvSpPr>
+          <p:cNvPr id="161" name="CustomShape 3"/>
           <p:cNvSpPr/>
           <p:nvPr/>
         </p:nvSpPr>
         <p:spPr>
           <a:xfrm>
             <a:off x="952560" y="444600"/>
-            <a:ext cx="11098440" cy="2157480"/>
+            <a:ext cx="11098080" cy="2157120"/>
           </a:xfrm>
           <a:prstGeom prst="rect">
             <a:avLst/>
@@ -4849,7 +6433,9 @@
           <a:fontRef idx="minor"/>
         </p:style>
         <p:txBody>
-          <a:bodyPr lIns="50760" rIns="50760" tIns="50760" bIns="50760" anchor="ctr"/>
+          <a:bodyPr lIns="50760" rIns="50760" tIns="50760" bIns="50760" anchor="ctr">
+            <a:noAutofit/>
+          </a:bodyPr>
           <a:p>
             <a:pPr algn="ctr">
               <a:lnSpc>
@@ -4888,7 +6474,7 @@
               </a:rPr>
               <a:t>Online Solidity Compiler </a:t>
             </a:r>
-            <a:endParaRPr b="0" lang="en-GB" sz="4560" spc="-1" strike="noStrike">
+            <a:endParaRPr b="0" lang="en-US" sz="4560" spc="-1" strike="noStrike">
               <a:latin typeface="Arial"/>
             </a:endParaRPr>
           </a:p>
@@ -4896,7 +6482,7 @@
       </p:sp>
       <p:pic>
         <p:nvPicPr>
-          <p:cNvPr id="124" name="" descr=""/>
+          <p:cNvPr id="162" name="" descr=""/>
           <p:cNvPicPr/>
           <p:nvPr/>
         </p:nvPicPr>
@@ -4907,7 +6493,7 @@
         <p:spPr>
           <a:xfrm>
             <a:off x="5544000" y="4855680"/>
-            <a:ext cx="6048000" cy="4792320"/>
+            <a:ext cx="6047640" cy="4791960"/>
           </a:xfrm>
           <a:prstGeom prst="rect">
             <a:avLst/>
@@ -4919,14 +6505,14 @@
       </p:pic>
       <p:sp>
         <p:nvSpPr>
-          <p:cNvPr id="125" name="CustomShape 4"/>
+          <p:cNvPr id="163" name="CustomShape 4"/>
           <p:cNvSpPr/>
           <p:nvPr/>
         </p:nvSpPr>
         <p:spPr>
-          <a:xfrm flipH="1">
-            <a:off x="5760000" y="4032000"/>
-            <a:ext cx="4680000" cy="2664000"/>
+          <a:xfrm>
+            <a:off x="2925720" y="4572000"/>
+            <a:ext cx="2652120" cy="2123640"/>
           </a:xfrm>
           <a:custGeom>
             <a:avLst/>
@@ -4962,33 +6548,14 @@
       </p:sp>
     </p:spTree>
   </p:cSld>
-  <p:timing>
-    <p:tnLst>
-      <p:par>
-        <p:cTn id="27" dur="indefinite" restart="never" nodeType="tmRoot">
-          <p:childTnLst>
-            <p:seq>
-              <p:cTn id="28" dur="indefinite" nodeType="mainSeq"/>
-              <p:prevCondLst>
-                <p:cond delay="0" evt="onPrev">
-                  <p:tgtEl>
-                    <p:sldTgt/>
-                  </p:tgtEl>
-                </p:cond>
-              </p:prevCondLst>
-              <p:nextCondLst>
-                <p:cond delay="0" evt="onNext">
-                  <p:tgtEl>
-                    <p:sldTgt/>
-                  </p:tgtEl>
-                </p:cond>
-              </p:nextCondLst>
-            </p:seq>
-          </p:childTnLst>
-        </p:cTn>
-      </p:par>
-    </p:tnLst>
-  </p:timing>
+  <mc:AlternateContent>
+    <mc:Choice Requires="p14">
+      <p:transition spd="slow" p14:dur="2000"/>
+    </mc:Choice>
+    <mc:Fallback>
+      <p:transition spd="slow"/>
+    </mc:Fallback>
+  </mc:AlternateContent>
 </p:sld>
 </file>
 
@@ -5011,7 +6578,7 @@
       </p:grpSpPr>
       <p:pic>
         <p:nvPicPr>
-          <p:cNvPr id="126" name="" descr=""/>
+          <p:cNvPr id="164" name="" descr=""/>
           <p:cNvPicPr/>
           <p:nvPr/>
         </p:nvPicPr>
@@ -5022,7 +6589,7 @@
         <p:spPr>
           <a:xfrm>
             <a:off x="4896000" y="5602320"/>
-            <a:ext cx="5419440" cy="3685680"/>
+            <a:ext cx="5419080" cy="3685320"/>
           </a:xfrm>
           <a:prstGeom prst="rect">
             <a:avLst/>
@@ -5034,14 +6601,14 @@
       </p:pic>
       <p:sp>
         <p:nvSpPr>
-          <p:cNvPr id="127" name="CustomShape 1"/>
+          <p:cNvPr id="165" name="CustomShape 1"/>
           <p:cNvSpPr/>
           <p:nvPr/>
         </p:nvSpPr>
         <p:spPr>
           <a:xfrm>
             <a:off x="1357560" y="3794760"/>
-            <a:ext cx="11098440" cy="2469240"/>
+            <a:ext cx="11098080" cy="2468880"/>
           </a:xfrm>
           <a:prstGeom prst="rect">
             <a:avLst/>
@@ -5060,14 +6627,14 @@
       </p:sp>
       <p:sp>
         <p:nvSpPr>
-          <p:cNvPr id="128" name="CustomShape 2"/>
+          <p:cNvPr id="166" name="CustomShape 2"/>
           <p:cNvSpPr/>
           <p:nvPr/>
         </p:nvSpPr>
         <p:spPr>
           <a:xfrm>
             <a:off x="212040" y="2835360"/>
-            <a:ext cx="12579120" cy="2271960"/>
+            <a:ext cx="12578760" cy="2271600"/>
           </a:xfrm>
           <a:prstGeom prst="rect">
             <a:avLst/>
@@ -5084,9 +6651,11 @@
           <a:fontRef idx="minor"/>
         </p:style>
         <p:txBody>
-          <a:bodyPr lIns="50760" rIns="50760" tIns="50760" bIns="50760" anchor="ctr"/>
-          <a:p>
-            <a:pPr marL="444600" indent="-443160">
+          <a:bodyPr lIns="50760" rIns="50760" tIns="50760" bIns="50760" anchor="ctr">
+            <a:noAutofit/>
+          </a:bodyPr>
+          <a:p>
+            <a:pPr marL="444600" indent="-442800">
               <a:lnSpc>
                 <a:spcPct val="100000"/>
               </a:lnSpc>
@@ -5106,22 +6675,22 @@
               </a:rPr>
               <a:t>You can deploy your contract in a number of environments </a:t>
             </a:r>
-            <a:endParaRPr b="0" lang="en-GB" sz="3600" spc="-1" strike="noStrike">
-              <a:latin typeface="Arial"/>
-            </a:endParaRPr>
-          </a:p>
-        </p:txBody>
-      </p:sp>
-      <p:sp>
-        <p:nvSpPr>
-          <p:cNvPr id="129" name="CustomShape 3"/>
+            <a:endParaRPr b="0" lang="en-US" sz="3600" spc="-1" strike="noStrike">
+              <a:latin typeface="Arial"/>
+            </a:endParaRPr>
+          </a:p>
+        </p:txBody>
+      </p:sp>
+      <p:sp>
+        <p:nvSpPr>
+          <p:cNvPr id="167" name="CustomShape 3"/>
           <p:cNvSpPr/>
           <p:nvPr/>
         </p:nvSpPr>
         <p:spPr>
           <a:xfrm>
             <a:off x="952560" y="444600"/>
-            <a:ext cx="11098440" cy="2157480"/>
+            <a:ext cx="11098080" cy="2157120"/>
           </a:xfrm>
           <a:prstGeom prst="rect">
             <a:avLst/>
@@ -5138,7 +6707,9 @@
           <a:fontRef idx="minor"/>
         </p:style>
         <p:txBody>
-          <a:bodyPr lIns="50760" rIns="50760" tIns="50760" bIns="50760" anchor="ctr"/>
+          <a:bodyPr lIns="50760" rIns="50760" tIns="50760" bIns="50760" anchor="ctr">
+            <a:noAutofit/>
+          </a:bodyPr>
           <a:p>
             <a:pPr algn="ctr">
               <a:lnSpc>
@@ -5164,8 +6735,9 @@
                 <a:latin typeface="Helvetica Neue Light"/>
                 <a:ea typeface="Helvetica Neue Light"/>
               </a:rPr>
-              <a:t>Getting familiar with </a:t>
-            </a:r>
+              <a:t>Getting familiar with Remix Ethereum: </a:t>
+            </a:r>
+            <a:br/>
             <a:r>
               <a:rPr b="0" lang="en-GB" sz="4560" spc="-1" strike="noStrike">
                 <a:solidFill>
@@ -5174,45 +6746,24 @@
                 <a:latin typeface="Helvetica Neue Light"/>
                 <a:ea typeface="Helvetica Neue Light"/>
               </a:rPr>
-              <a:t>Remix Ethereum: </a:t>
-            </a:r>
-            <a:br/>
-            <a:r>
-              <a:rPr b="0" lang="en-GB" sz="4560" spc="-1" strike="noStrike">
-                <a:solidFill>
-                  <a:srgbClr val="000000"/>
-                </a:solidFill>
-                <a:latin typeface="Helvetica Neue Light"/>
-                <a:ea typeface="Helvetica Neue Light"/>
-              </a:rPr>
-              <a:t>Online Solidity </a:t>
-            </a:r>
-            <a:r>
-              <a:rPr b="0" lang="en-GB" sz="4560" spc="-1" strike="noStrike">
-                <a:solidFill>
-                  <a:srgbClr val="000000"/>
-                </a:solidFill>
-                <a:latin typeface="Helvetica Neue Light"/>
-                <a:ea typeface="Helvetica Neue Light"/>
-              </a:rPr>
-              <a:t>Compiler </a:t>
-            </a:r>
-            <a:endParaRPr b="0" lang="en-GB" sz="4560" spc="-1" strike="noStrike">
-              <a:latin typeface="Arial"/>
-            </a:endParaRPr>
-          </a:p>
-        </p:txBody>
-      </p:sp>
-      <p:sp>
-        <p:nvSpPr>
-          <p:cNvPr id="130" name="CustomShape 4"/>
+              <a:t>Online Solidity Compiler </a:t>
+            </a:r>
+            <a:endParaRPr b="0" lang="en-US" sz="4560" spc="-1" strike="noStrike">
+              <a:latin typeface="Arial"/>
+            </a:endParaRPr>
+          </a:p>
+        </p:txBody>
+      </p:sp>
+      <p:sp>
+        <p:nvSpPr>
+          <p:cNvPr id="168" name="CustomShape 4"/>
           <p:cNvSpPr/>
           <p:nvPr/>
         </p:nvSpPr>
         <p:spPr>
           <a:xfrm>
             <a:off x="3240000" y="4536000"/>
-            <a:ext cx="3096000" cy="2016000"/>
+            <a:ext cx="3095640" cy="2015640"/>
           </a:xfrm>
           <a:custGeom>
             <a:avLst/>
@@ -5248,33 +6799,14 @@
       </p:sp>
     </p:spTree>
   </p:cSld>
-  <p:timing>
-    <p:tnLst>
-      <p:par>
-        <p:cTn id="29" dur="indefinite" restart="never" nodeType="tmRoot">
-          <p:childTnLst>
-            <p:seq>
-              <p:cTn id="30" dur="indefinite" nodeType="mainSeq"/>
-              <p:prevCondLst>
-                <p:cond delay="0" evt="onPrev">
-                  <p:tgtEl>
-                    <p:sldTgt/>
-                  </p:tgtEl>
-                </p:cond>
-              </p:prevCondLst>
-              <p:nextCondLst>
-                <p:cond delay="0" evt="onNext">
-                  <p:tgtEl>
-                    <p:sldTgt/>
-                  </p:tgtEl>
-                </p:cond>
-              </p:nextCondLst>
-            </p:seq>
-          </p:childTnLst>
-        </p:cTn>
-      </p:par>
-    </p:tnLst>
-  </p:timing>
+  <mc:AlternateContent>
+    <mc:Choice Requires="p14">
+      <p:transition spd="slow" p14:dur="2000"/>
+    </mc:Choice>
+    <mc:Fallback>
+      <p:transition spd="slow"/>
+    </mc:Fallback>
+  </mc:AlternateContent>
 </p:sld>
 </file>
 
@@ -5297,14 +6829,14 @@
       </p:grpSpPr>
       <p:sp>
         <p:nvSpPr>
-          <p:cNvPr id="131" name="CustomShape 1"/>
+          <p:cNvPr id="169" name="CustomShape 1"/>
           <p:cNvSpPr/>
           <p:nvPr/>
         </p:nvSpPr>
         <p:spPr>
           <a:xfrm>
             <a:off x="144000" y="2835360"/>
-            <a:ext cx="12647160" cy="6667920"/>
+            <a:ext cx="12646800" cy="6667560"/>
           </a:xfrm>
           <a:prstGeom prst="rect">
             <a:avLst/>
@@ -5321,9 +6853,11 @@
           <a:fontRef idx="minor"/>
         </p:style>
         <p:txBody>
-          <a:bodyPr lIns="50760" rIns="50760" tIns="50760" bIns="50760" anchor="ctr"/>
-          <a:p>
-            <a:pPr marL="444600" indent="-443160">
+          <a:bodyPr lIns="50760" rIns="50760" tIns="50760" bIns="50760" anchor="ctr">
+            <a:noAutofit/>
+          </a:bodyPr>
+          <a:p>
+            <a:pPr marL="444600" indent="-442800">
               <a:lnSpc>
                 <a:spcPct val="100000"/>
               </a:lnSpc>
@@ -5343,12 +6877,12 @@
               </a:rPr>
               <a:t>Javascript VM</a:t>
             </a:r>
-            <a:endParaRPr b="0" lang="en-GB" sz="3600" spc="-1" strike="noStrike">
-              <a:latin typeface="Arial"/>
-            </a:endParaRPr>
-          </a:p>
-          <a:p>
-            <a:pPr lvl="3" marL="864000" indent="-215280">
+            <a:endParaRPr b="0" lang="en-US" sz="3600" spc="-1" strike="noStrike">
+              <a:latin typeface="Arial"/>
+            </a:endParaRPr>
+          </a:p>
+          <a:p>
+            <a:pPr lvl="3" marL="864000" indent="-214920">
               <a:lnSpc>
                 <a:spcPct val="100000"/>
               </a:lnSpc>
@@ -5390,12 +6924,12 @@
               </a:rPr>
               <a:t> environment</a:t>
             </a:r>
-            <a:endParaRPr b="0" lang="en-GB" sz="3600" spc="-1" strike="noStrike">
-              <a:latin typeface="Arial"/>
-            </a:endParaRPr>
-          </a:p>
-          <a:p>
-            <a:pPr lvl="3" marL="864000" indent="-215280">
+            <a:endParaRPr b="0" lang="en-US" sz="3600" spc="-1" strike="noStrike">
+              <a:latin typeface="Arial"/>
+            </a:endParaRPr>
+          </a:p>
+          <a:p>
+            <a:pPr lvl="3" marL="864000" indent="-214920">
               <a:lnSpc>
                 <a:spcPct val="100000"/>
               </a:lnSpc>
@@ -5416,12 +6950,12 @@
               </a:rPr>
               <a:t>It is a local environment that lives on your browser’s tab</a:t>
             </a:r>
-            <a:endParaRPr b="0" lang="en-GB" sz="3600" spc="-1" strike="noStrike">
-              <a:latin typeface="Arial"/>
-            </a:endParaRPr>
-          </a:p>
-          <a:p>
-            <a:pPr lvl="3" marL="864000" indent="-215280">
+            <a:endParaRPr b="0" lang="en-US" sz="3600" spc="-1" strike="noStrike">
+              <a:latin typeface="Arial"/>
+            </a:endParaRPr>
+          </a:p>
+          <a:p>
+            <a:pPr lvl="3" marL="864000" indent="-214920">
               <a:lnSpc>
                 <a:spcPct val="100000"/>
               </a:lnSpc>
@@ -5463,12 +6997,12 @@
               </a:rPr>
               <a:t> affect your funds, i.e. it does not have access to your wallet</a:t>
             </a:r>
-            <a:endParaRPr b="0" lang="en-GB" sz="3600" spc="-1" strike="noStrike">
-              <a:latin typeface="Arial"/>
-            </a:endParaRPr>
-          </a:p>
-          <a:p>
-            <a:pPr lvl="3" marL="864000" indent="-215280">
+            <a:endParaRPr b="0" lang="en-US" sz="3600" spc="-1" strike="noStrike">
+              <a:latin typeface="Arial"/>
+            </a:endParaRPr>
+          </a:p>
+          <a:p>
+            <a:pPr lvl="3" marL="864000" indent="-214920">
               <a:lnSpc>
                 <a:spcPct val="100000"/>
               </a:lnSpc>
@@ -5489,22 +7023,22 @@
               </a:rPr>
               <a:t>When you close the browser it is deleted and when you open it again it is created fresh, so every time you use this environment you need to re-deploy your contracts</a:t>
             </a:r>
-            <a:endParaRPr b="0" lang="en-GB" sz="3600" spc="-1" strike="noStrike">
-              <a:latin typeface="Arial"/>
-            </a:endParaRPr>
-          </a:p>
-        </p:txBody>
-      </p:sp>
-      <p:sp>
-        <p:nvSpPr>
-          <p:cNvPr id="132" name="CustomShape 2"/>
+            <a:endParaRPr b="0" lang="en-US" sz="3600" spc="-1" strike="noStrike">
+              <a:latin typeface="Arial"/>
+            </a:endParaRPr>
+          </a:p>
+        </p:txBody>
+      </p:sp>
+      <p:sp>
+        <p:nvSpPr>
+          <p:cNvPr id="170" name="CustomShape 2"/>
           <p:cNvSpPr/>
           <p:nvPr/>
         </p:nvSpPr>
         <p:spPr>
           <a:xfrm>
             <a:off x="952560" y="444600"/>
-            <a:ext cx="11098440" cy="2157480"/>
+            <a:ext cx="11098080" cy="2157120"/>
           </a:xfrm>
           <a:prstGeom prst="rect">
             <a:avLst/>
@@ -5521,7 +7055,9 @@
           <a:fontRef idx="minor"/>
         </p:style>
         <p:txBody>
-          <a:bodyPr lIns="50760" rIns="50760" tIns="50760" bIns="50760" anchor="ctr"/>
+          <a:bodyPr lIns="50760" rIns="50760" tIns="50760" bIns="50760" anchor="ctr">
+            <a:noAutofit/>
+          </a:bodyPr>
           <a:p>
             <a:pPr algn="ctr">
               <a:lnSpc>
@@ -5560,7 +7096,7 @@
               </a:rPr>
               <a:t>Javascript VM environment</a:t>
             </a:r>
-            <a:endParaRPr b="0" lang="en-GB" sz="4560" spc="-1" strike="noStrike">
+            <a:endParaRPr b="0" lang="en-US" sz="4560" spc="-1" strike="noStrike">
               <a:latin typeface="Arial"/>
             </a:endParaRPr>
           </a:p>
@@ -5568,33 +7104,14 @@
       </p:sp>
     </p:spTree>
   </p:cSld>
-  <p:timing>
-    <p:tnLst>
-      <p:par>
-        <p:cTn id="31" dur="indefinite" restart="never" nodeType="tmRoot">
-          <p:childTnLst>
-            <p:seq>
-              <p:cTn id="32" dur="indefinite" nodeType="mainSeq"/>
-              <p:prevCondLst>
-                <p:cond delay="0" evt="onPrev">
-                  <p:tgtEl>
-                    <p:sldTgt/>
-                  </p:tgtEl>
-                </p:cond>
-              </p:prevCondLst>
-              <p:nextCondLst>
-                <p:cond delay="0" evt="onNext">
-                  <p:tgtEl>
-                    <p:sldTgt/>
-                  </p:tgtEl>
-                </p:cond>
-              </p:nextCondLst>
-            </p:seq>
-          </p:childTnLst>
-        </p:cTn>
-      </p:par>
-    </p:tnLst>
-  </p:timing>
+  <mc:AlternateContent>
+    <mc:Choice Requires="p14">
+      <p:transition spd="slow" p14:dur="2000"/>
+    </mc:Choice>
+    <mc:Fallback>
+      <p:transition spd="slow"/>
+    </mc:Fallback>
+  </mc:AlternateContent>
 </p:sld>
 </file>
 
@@ -5617,14 +7134,14 @@
       </p:grpSpPr>
       <p:sp>
         <p:nvSpPr>
-          <p:cNvPr id="133" name="CustomShape 1"/>
+          <p:cNvPr id="171" name="CustomShape 1"/>
           <p:cNvSpPr/>
           <p:nvPr/>
         </p:nvSpPr>
         <p:spPr>
           <a:xfrm>
             <a:off x="96120" y="3384000"/>
-            <a:ext cx="12647160" cy="5011920"/>
+            <a:ext cx="12646800" cy="5011560"/>
           </a:xfrm>
           <a:prstGeom prst="rect">
             <a:avLst/>
@@ -5641,9 +7158,11 @@
           <a:fontRef idx="minor"/>
         </p:style>
         <p:txBody>
-          <a:bodyPr lIns="50760" rIns="50760" tIns="50760" bIns="50760" anchor="ctr"/>
-          <a:p>
-            <a:pPr marL="444600" indent="-443160">
+          <a:bodyPr lIns="50760" rIns="50760" tIns="50760" bIns="50760" anchor="ctr">
+            <a:noAutofit/>
+          </a:bodyPr>
+          <a:p>
+            <a:pPr marL="444600" indent="-442800">
               <a:lnSpc>
                 <a:spcPct val="100000"/>
               </a:lnSpc>
@@ -5663,12 +7182,12 @@
               </a:rPr>
               <a:t>Injected Web3</a:t>
             </a:r>
-            <a:endParaRPr b="0" lang="en-GB" sz="3600" spc="-1" strike="noStrike">
-              <a:latin typeface="Arial"/>
-            </a:endParaRPr>
-          </a:p>
-          <a:p>
-            <a:pPr lvl="3" marL="864000" indent="-215280">
+            <a:endParaRPr b="0" lang="en-US" sz="3600" spc="-1" strike="noStrike">
+              <a:latin typeface="Arial"/>
+            </a:endParaRPr>
+          </a:p>
+          <a:p>
+            <a:pPr lvl="3" marL="864000" indent="-214920">
               <a:lnSpc>
                 <a:spcPct val="100000"/>
               </a:lnSpc>
@@ -5689,12 +7208,12 @@
               </a:rPr>
               <a:t>This environment has access to your Metamask</a:t>
             </a:r>
-            <a:endParaRPr b="0" lang="en-GB" sz="3600" spc="-1" strike="noStrike">
-              <a:latin typeface="Arial"/>
-            </a:endParaRPr>
-          </a:p>
-          <a:p>
-            <a:pPr lvl="3" marL="864000" indent="-215280">
+            <a:endParaRPr b="0" lang="en-US" sz="3600" spc="-1" strike="noStrike">
+              <a:latin typeface="Arial"/>
+            </a:endParaRPr>
+          </a:p>
+          <a:p>
+            <a:pPr lvl="3" marL="864000" indent="-214920">
               <a:lnSpc>
                 <a:spcPct val="100000"/>
               </a:lnSpc>
@@ -5757,12 +7276,12 @@
               </a:rPr>
               <a:t> of your wallet</a:t>
             </a:r>
-            <a:endParaRPr b="0" lang="en-GB" sz="3600" spc="-1" strike="noStrike">
-              <a:latin typeface="Arial"/>
-            </a:endParaRPr>
-          </a:p>
-          <a:p>
-            <a:pPr lvl="3" marL="864000" indent="-215280">
+            <a:endParaRPr b="0" lang="en-US" sz="3600" spc="-1" strike="noStrike">
+              <a:latin typeface="Arial"/>
+            </a:endParaRPr>
+          </a:p>
+          <a:p>
+            <a:pPr lvl="3" marL="864000" indent="-214920">
               <a:lnSpc>
                 <a:spcPct val="100000"/>
               </a:lnSpc>
@@ -5783,22 +7302,22 @@
               </a:rPr>
               <a:t>Every time you try to use a contract, Metamask will request permission before completing the operation – this is because an actual transaction is posted and the actual funds in your wallet are used</a:t>
             </a:r>
-            <a:endParaRPr b="0" lang="en-GB" sz="3600" spc="-1" strike="noStrike">
-              <a:latin typeface="Arial"/>
-            </a:endParaRPr>
-          </a:p>
-        </p:txBody>
-      </p:sp>
-      <p:sp>
-        <p:nvSpPr>
-          <p:cNvPr id="134" name="CustomShape 2"/>
+            <a:endParaRPr b="0" lang="en-US" sz="3600" spc="-1" strike="noStrike">
+              <a:latin typeface="Arial"/>
+            </a:endParaRPr>
+          </a:p>
+        </p:txBody>
+      </p:sp>
+      <p:sp>
+        <p:nvSpPr>
+          <p:cNvPr id="172" name="CustomShape 2"/>
           <p:cNvSpPr/>
           <p:nvPr/>
         </p:nvSpPr>
         <p:spPr>
           <a:xfrm>
             <a:off x="952560" y="444600"/>
-            <a:ext cx="11098440" cy="2157480"/>
+            <a:ext cx="11098080" cy="2157120"/>
           </a:xfrm>
           <a:prstGeom prst="rect">
             <a:avLst/>
@@ -5815,7 +7334,9 @@
           <a:fontRef idx="minor"/>
         </p:style>
         <p:txBody>
-          <a:bodyPr lIns="50760" rIns="50760" tIns="50760" bIns="50760" anchor="ctr"/>
+          <a:bodyPr lIns="50760" rIns="50760" tIns="50760" bIns="50760" anchor="ctr">
+            <a:noAutofit/>
+          </a:bodyPr>
           <a:p>
             <a:pPr algn="ctr">
               <a:lnSpc>
@@ -5854,7 +7375,7 @@
               </a:rPr>
               <a:t>Injected Web3 environment</a:t>
             </a:r>
-            <a:endParaRPr b="0" lang="en-GB" sz="4560" spc="-1" strike="noStrike">
+            <a:endParaRPr b="0" lang="en-US" sz="4560" spc="-1" strike="noStrike">
               <a:latin typeface="Arial"/>
             </a:endParaRPr>
           </a:p>
@@ -5862,33 +7383,14 @@
       </p:sp>
     </p:spTree>
   </p:cSld>
-  <p:timing>
-    <p:tnLst>
-      <p:par>
-        <p:cTn id="33" dur="indefinite" restart="never" nodeType="tmRoot">
-          <p:childTnLst>
-            <p:seq>
-              <p:cTn id="34" dur="indefinite" nodeType="mainSeq"/>
-              <p:prevCondLst>
-                <p:cond delay="0" evt="onPrev">
-                  <p:tgtEl>
-                    <p:sldTgt/>
-                  </p:tgtEl>
-                </p:cond>
-              </p:prevCondLst>
-              <p:nextCondLst>
-                <p:cond delay="0" evt="onNext">
-                  <p:tgtEl>
-                    <p:sldTgt/>
-                  </p:tgtEl>
-                </p:cond>
-              </p:nextCondLst>
-            </p:seq>
-          </p:childTnLst>
-        </p:cTn>
-      </p:par>
-    </p:tnLst>
-  </p:timing>
+  <mc:AlternateContent>
+    <mc:Choice Requires="p14">
+      <p:transition spd="slow" p14:dur="2000"/>
+    </mc:Choice>
+    <mc:Fallback>
+      <p:transition spd="slow"/>
+    </mc:Fallback>
+  </mc:AlternateContent>
 </p:sld>
 </file>
 
@@ -5911,7 +7413,7 @@
       </p:grpSpPr>
       <p:pic>
         <p:nvPicPr>
-          <p:cNvPr id="135" name="" descr=""/>
+          <p:cNvPr id="173" name="" descr=""/>
           <p:cNvPicPr/>
           <p:nvPr/>
         </p:nvPicPr>
@@ -5922,7 +7424,7 @@
         <p:spPr>
           <a:xfrm>
             <a:off x="4752000" y="5616000"/>
-            <a:ext cx="5419440" cy="3685680"/>
+            <a:ext cx="5419080" cy="3685320"/>
           </a:xfrm>
           <a:prstGeom prst="rect">
             <a:avLst/>
@@ -5934,14 +7436,14 @@
       </p:pic>
       <p:sp>
         <p:nvSpPr>
-          <p:cNvPr id="136" name="CustomShape 1"/>
+          <p:cNvPr id="174" name="CustomShape 1"/>
           <p:cNvSpPr/>
           <p:nvPr/>
         </p:nvSpPr>
         <p:spPr>
           <a:xfrm>
             <a:off x="212040" y="2632320"/>
-            <a:ext cx="12579120" cy="3897360"/>
+            <a:ext cx="12578760" cy="3897000"/>
           </a:xfrm>
           <a:prstGeom prst="rect">
             <a:avLst/>
@@ -5958,9 +7460,11 @@
           <a:fontRef idx="minor"/>
         </p:style>
         <p:txBody>
-          <a:bodyPr lIns="50760" rIns="50760" tIns="50760" bIns="50760" anchor="ctr"/>
-          <a:p>
-            <a:pPr marL="444600" indent="-443160">
+          <a:bodyPr lIns="50760" rIns="50760" tIns="50760" bIns="50760" anchor="ctr">
+            <a:noAutofit/>
+          </a:bodyPr>
+          <a:p>
+            <a:pPr marL="444600" indent="-442800">
               <a:lnSpc>
                 <a:spcPct val="100000"/>
               </a:lnSpc>
@@ -5990,12 +7494,12 @@
               </a:rPr>
               <a:t>Deploy</a:t>
             </a:r>
-            <a:endParaRPr b="0" lang="en-GB" sz="3600" spc="-1" strike="noStrike">
-              <a:latin typeface="Arial"/>
-            </a:endParaRPr>
-          </a:p>
-          <a:p>
-            <a:pPr marL="444600" indent="-443160">
+            <a:endParaRPr b="0" lang="en-US" sz="3600" spc="-1" strike="noStrike">
+              <a:latin typeface="Arial"/>
+            </a:endParaRPr>
+          </a:p>
+          <a:p>
+            <a:pPr marL="444600" indent="-442800">
               <a:lnSpc>
                 <a:spcPct val="100000"/>
               </a:lnSpc>
@@ -6036,22 +7540,22 @@
               </a:rPr>
               <a:t> to interact with the contract </a:t>
             </a:r>
-            <a:endParaRPr b="0" lang="en-GB" sz="3600" spc="-1" strike="noStrike">
-              <a:latin typeface="Arial"/>
-            </a:endParaRPr>
-          </a:p>
-        </p:txBody>
-      </p:sp>
-      <p:sp>
-        <p:nvSpPr>
-          <p:cNvPr id="137" name="CustomShape 2"/>
+            <a:endParaRPr b="0" lang="en-US" sz="3600" spc="-1" strike="noStrike">
+              <a:latin typeface="Arial"/>
+            </a:endParaRPr>
+          </a:p>
+        </p:txBody>
+      </p:sp>
+      <p:sp>
+        <p:nvSpPr>
+          <p:cNvPr id="175" name="CustomShape 2"/>
           <p:cNvSpPr/>
           <p:nvPr/>
         </p:nvSpPr>
         <p:spPr>
           <a:xfrm flipH="1">
-            <a:off x="6120000" y="4248000"/>
-            <a:ext cx="4248000" cy="4464000"/>
+            <a:off x="6119280" y="4248000"/>
+            <a:ext cx="4247640" cy="4463640"/>
           </a:xfrm>
           <a:custGeom>
             <a:avLst/>
@@ -6087,14 +7591,14 @@
       </p:sp>
       <p:sp>
         <p:nvSpPr>
-          <p:cNvPr id="138" name="CustomShape 3"/>
+          <p:cNvPr id="176" name="CustomShape 3"/>
           <p:cNvSpPr/>
           <p:nvPr/>
         </p:nvSpPr>
         <p:spPr>
           <a:xfrm>
             <a:off x="952560" y="444600"/>
-            <a:ext cx="11098440" cy="2157480"/>
+            <a:ext cx="11098080" cy="2157120"/>
           </a:xfrm>
           <a:prstGeom prst="rect">
             <a:avLst/>
@@ -6111,7 +7615,9 @@
           <a:fontRef idx="minor"/>
         </p:style>
         <p:txBody>
-          <a:bodyPr lIns="50760" rIns="50760" tIns="50760" bIns="50760" anchor="ctr"/>
+          <a:bodyPr lIns="50760" rIns="50760" tIns="50760" bIns="50760" anchor="ctr">
+            <a:noAutofit/>
+          </a:bodyPr>
           <a:p>
             <a:pPr algn="ctr">
               <a:lnSpc>
@@ -6150,7 +7656,7 @@
               </a:rPr>
               <a:t>Online Solidity Compiler </a:t>
             </a:r>
-            <a:endParaRPr b="0" lang="en-GB" sz="4560" spc="-1" strike="noStrike">
+            <a:endParaRPr b="0" lang="en-US" sz="4560" spc="-1" strike="noStrike">
               <a:latin typeface="Arial"/>
             </a:endParaRPr>
           </a:p>
@@ -6158,33 +7664,14 @@
       </p:sp>
     </p:spTree>
   </p:cSld>
-  <p:timing>
-    <p:tnLst>
-      <p:par>
-        <p:cTn id="35" dur="indefinite" restart="never" nodeType="tmRoot">
-          <p:childTnLst>
-            <p:seq>
-              <p:cTn id="36" dur="indefinite" nodeType="mainSeq"/>
-              <p:prevCondLst>
-                <p:cond delay="0" evt="onPrev">
-                  <p:tgtEl>
-                    <p:sldTgt/>
-                  </p:tgtEl>
-                </p:cond>
-              </p:prevCondLst>
-              <p:nextCondLst>
-                <p:cond delay="0" evt="onNext">
-                  <p:tgtEl>
-                    <p:sldTgt/>
-                  </p:tgtEl>
-                </p:cond>
-              </p:nextCondLst>
-            </p:seq>
-          </p:childTnLst>
-        </p:cTn>
-      </p:par>
-    </p:tnLst>
-  </p:timing>
+  <mc:AlternateContent>
+    <mc:Choice Requires="p14">
+      <p:transition spd="slow" p14:dur="2000"/>
+    </mc:Choice>
+    <mc:Fallback>
+      <p:transition spd="slow"/>
+    </mc:Fallback>
+  </mc:AlternateContent>
 </p:sld>
 </file>
 
@@ -6207,14 +7694,14 @@
       </p:grpSpPr>
       <p:sp>
         <p:nvSpPr>
-          <p:cNvPr id="139" name="CustomShape 1"/>
+          <p:cNvPr id="177" name="CustomShape 1"/>
           <p:cNvSpPr/>
           <p:nvPr/>
         </p:nvSpPr>
         <p:spPr>
           <a:xfrm>
             <a:off x="952560" y="444600"/>
-            <a:ext cx="11098440" cy="2157480"/>
+            <a:ext cx="11098080" cy="2157120"/>
           </a:xfrm>
           <a:prstGeom prst="rect">
             <a:avLst/>
@@ -6231,7 +7718,9 @@
           <a:fontRef idx="minor"/>
         </p:style>
         <p:txBody>
-          <a:bodyPr lIns="50760" rIns="50760" tIns="50760" bIns="50760" anchor="ctr"/>
+          <a:bodyPr lIns="50760" rIns="50760" tIns="50760" bIns="50760" anchor="ctr">
+            <a:noAutofit/>
+          </a:bodyPr>
           <a:p>
             <a:pPr algn="ctr">
               <a:lnSpc>
@@ -6270,22 +7759,22 @@
               </a:rPr>
               <a:t>Configurations</a:t>
             </a:r>
-            <a:endParaRPr b="0" lang="en-GB" sz="2800" spc="-1" strike="noStrike">
-              <a:latin typeface="Arial"/>
-            </a:endParaRPr>
-          </a:p>
-        </p:txBody>
-      </p:sp>
-      <p:sp>
-        <p:nvSpPr>
-          <p:cNvPr id="140" name="CustomShape 2"/>
+            <a:endParaRPr b="0" lang="en-US" sz="2800" spc="-1" strike="noStrike">
+              <a:latin typeface="Arial"/>
+            </a:endParaRPr>
+          </a:p>
+        </p:txBody>
+      </p:sp>
+      <p:sp>
+        <p:nvSpPr>
+          <p:cNvPr id="178" name="CustomShape 2"/>
           <p:cNvSpPr/>
           <p:nvPr/>
         </p:nvSpPr>
         <p:spPr>
           <a:xfrm>
             <a:off x="212040" y="2793600"/>
-            <a:ext cx="12740040" cy="3351240"/>
+            <a:ext cx="12739680" cy="3350880"/>
           </a:xfrm>
           <a:prstGeom prst="rect">
             <a:avLst/>
@@ -6302,9 +7791,11 @@
           <a:fontRef idx="minor"/>
         </p:style>
         <p:txBody>
-          <a:bodyPr lIns="50760" rIns="50760" tIns="50760" bIns="50760" anchor="ctr"/>
-          <a:p>
-            <a:pPr marL="444600" indent="-443160">
+          <a:bodyPr lIns="50760" rIns="50760" tIns="50760" bIns="50760" anchor="ctr">
+            <a:noAutofit/>
+          </a:bodyPr>
+          <a:p>
+            <a:pPr marL="444600" indent="-442800">
               <a:lnSpc>
                 <a:spcPct val="100000"/>
               </a:lnSpc>
@@ -6324,12 +7815,12 @@
               </a:rPr>
               <a:t>First, you need to allow Remix to connect to Metamask </a:t>
             </a:r>
-            <a:endParaRPr b="0" lang="en-GB" sz="3600" spc="-1" strike="noStrike">
-              <a:latin typeface="Arial"/>
-            </a:endParaRPr>
-          </a:p>
-          <a:p>
-            <a:pPr marL="444600" indent="-443160">
+            <a:endParaRPr b="0" lang="en-US" sz="3600" spc="-1" strike="noStrike">
+              <a:latin typeface="Arial"/>
+            </a:endParaRPr>
+          </a:p>
+          <a:p>
+            <a:pPr marL="444600" indent="-442800">
               <a:lnSpc>
                 <a:spcPct val="100000"/>
               </a:lnSpc>
@@ -6369,7 +7860,7 @@
               </a:rPr>
               <a:t>. </a:t>
             </a:r>
-            <a:endParaRPr b="0" lang="en-GB" sz="3600" spc="-1" strike="noStrike">
+            <a:endParaRPr b="0" lang="en-US" sz="3600" spc="-1" strike="noStrike">
               <a:latin typeface="Arial"/>
             </a:endParaRPr>
           </a:p>
@@ -6377,7 +7868,7 @@
       </p:sp>
       <p:pic>
         <p:nvPicPr>
-          <p:cNvPr id="141" name="" descr=""/>
+          <p:cNvPr id="179" name="" descr=""/>
           <p:cNvPicPr/>
           <p:nvPr/>
         </p:nvPicPr>
@@ -6388,7 +7879,7 @@
         <p:spPr>
           <a:xfrm>
             <a:off x="4248000" y="5472000"/>
-            <a:ext cx="7732800" cy="4190040"/>
+            <a:ext cx="7732440" cy="4189680"/>
           </a:xfrm>
           <a:prstGeom prst="rect">
             <a:avLst/>
@@ -6400,14 +7891,14 @@
       </p:pic>
       <p:sp>
         <p:nvSpPr>
-          <p:cNvPr id="142" name="CustomShape 3"/>
+          <p:cNvPr id="180" name="CustomShape 3"/>
           <p:cNvSpPr/>
           <p:nvPr/>
         </p:nvSpPr>
         <p:spPr>
           <a:xfrm flipH="1">
-            <a:off x="7632000" y="5255280"/>
-            <a:ext cx="2088000" cy="2952360"/>
+            <a:off x="7631280" y="5255280"/>
+            <a:ext cx="2087640" cy="2952000"/>
           </a:xfrm>
           <a:custGeom>
             <a:avLst/>
@@ -6443,33 +7934,14 @@
       </p:sp>
     </p:spTree>
   </p:cSld>
-  <p:timing>
-    <p:tnLst>
-      <p:par>
-        <p:cTn id="37" dur="indefinite" restart="never" nodeType="tmRoot">
-          <p:childTnLst>
-            <p:seq>
-              <p:cTn id="38" dur="indefinite" nodeType="mainSeq"/>
-              <p:prevCondLst>
-                <p:cond delay="0" evt="onPrev">
-                  <p:tgtEl>
-                    <p:sldTgt/>
-                  </p:tgtEl>
-                </p:cond>
-              </p:prevCondLst>
-              <p:nextCondLst>
-                <p:cond delay="0" evt="onNext">
-                  <p:tgtEl>
-                    <p:sldTgt/>
-                  </p:tgtEl>
-                </p:cond>
-              </p:nextCondLst>
-            </p:seq>
-          </p:childTnLst>
-        </p:cTn>
-      </p:par>
-    </p:tnLst>
-  </p:timing>
+  <mc:AlternateContent>
+    <mc:Choice Requires="p14">
+      <p:transition spd="slow" p14:dur="2000"/>
+    </mc:Choice>
+    <mc:Fallback>
+      <p:transition spd="slow"/>
+    </mc:Fallback>
+  </mc:AlternateContent>
 </p:sld>
 </file>
 
@@ -6492,14 +7964,14 @@
       </p:grpSpPr>
       <p:sp>
         <p:nvSpPr>
-          <p:cNvPr id="77" name="CustomShape 1"/>
+          <p:cNvPr id="115" name="CustomShape 1"/>
           <p:cNvSpPr/>
           <p:nvPr/>
         </p:nvSpPr>
         <p:spPr>
           <a:xfrm>
             <a:off x="952560" y="2603520"/>
-            <a:ext cx="11098440" cy="6285240"/>
+            <a:ext cx="11098080" cy="6284880"/>
           </a:xfrm>
           <a:prstGeom prst="rect">
             <a:avLst/>
@@ -6516,9 +7988,11 @@
           <a:fontRef idx="minor"/>
         </p:style>
         <p:txBody>
-          <a:bodyPr lIns="50760" rIns="50760" tIns="50760" bIns="50760" anchor="ctr"/>
-          <a:p>
-            <a:pPr marL="280080" indent="-278640">
+          <a:bodyPr lIns="50760" rIns="50760" tIns="50760" bIns="50760" anchor="ctr">
+            <a:noAutofit/>
+          </a:bodyPr>
+          <a:p>
+            <a:pPr marL="280080" indent="-278280">
               <a:lnSpc>
                 <a:spcPct val="100000"/>
               </a:lnSpc>
@@ -6538,12 +8012,12 @@
               </a:rPr>
               <a:t>We show how to connect to our private blockchain and interact with it.</a:t>
             </a:r>
-            <a:endParaRPr b="0" lang="en-GB" sz="2270" spc="-1" strike="noStrike">
-              <a:latin typeface="Arial"/>
-            </a:endParaRPr>
-          </a:p>
-          <a:p>
-            <a:pPr marL="280080" indent="-278640">
+            <a:endParaRPr b="0" lang="en-US" sz="2270" spc="-1" strike="noStrike">
+              <a:latin typeface="Arial"/>
+            </a:endParaRPr>
+          </a:p>
+          <a:p>
+            <a:pPr marL="280080" indent="-278280">
               <a:lnSpc>
                 <a:spcPct val="100000"/>
               </a:lnSpc>
@@ -6566,12 +8040,12 @@
               </a:rPr>
               <a:t>Steps: </a:t>
             </a:r>
-            <a:endParaRPr b="0" lang="en-GB" sz="2270" spc="-1" strike="noStrike">
-              <a:latin typeface="Arial"/>
-            </a:endParaRPr>
-          </a:p>
-          <a:p>
-            <a:pPr marL="384120" indent="-142560">
+            <a:endParaRPr b="0" lang="en-US" sz="2270" spc="-1" strike="noStrike">
+              <a:latin typeface="Arial"/>
+            </a:endParaRPr>
+          </a:p>
+          <a:p>
+            <a:pPr marL="384120" indent="-142200">
               <a:lnSpc>
                 <a:spcPct val="100000"/>
               </a:lnSpc>
@@ -6604,12 +8078,12 @@
               </a:rPr>
               <a:t>Install MetaMask. Create an account (i.e. an address and public-private key) via MetaMask.</a:t>
             </a:r>
-            <a:endParaRPr b="0" lang="en-GB" sz="2270" spc="-1" strike="noStrike">
-              <a:latin typeface="Arial"/>
-            </a:endParaRPr>
-          </a:p>
-          <a:p>
-            <a:pPr marL="384120" indent="-142560">
+            <a:endParaRPr b="0" lang="en-US" sz="2270" spc="-1" strike="noStrike">
+              <a:latin typeface="Arial"/>
+            </a:endParaRPr>
+          </a:p>
+          <a:p>
+            <a:pPr marL="384120" indent="-142200">
               <a:lnSpc>
                 <a:spcPct val="100000"/>
               </a:lnSpc>
@@ -6642,12 +8116,12 @@
               </a:rPr>
               <a:t>Send us your account address, so we can give you some Ether.</a:t>
             </a:r>
-            <a:endParaRPr b="0" lang="en-GB" sz="2270" spc="-1" strike="noStrike">
-              <a:latin typeface="Arial"/>
-            </a:endParaRPr>
-          </a:p>
-          <a:p>
-            <a:pPr marL="384120" indent="-142560">
+            <a:endParaRPr b="0" lang="en-US" sz="2270" spc="-1" strike="noStrike">
+              <a:latin typeface="Arial"/>
+            </a:endParaRPr>
+          </a:p>
+          <a:p>
+            <a:pPr marL="384120" indent="-142200">
               <a:lnSpc>
                 <a:spcPct val="100000"/>
               </a:lnSpc>
@@ -6680,12 +8154,12 @@
               </a:rPr>
               <a:t>Get familiar with Solidity and the Remix compiler:</a:t>
             </a:r>
-            <a:endParaRPr b="0" lang="en-GB" sz="2270" spc="-1" strike="noStrike">
-              <a:latin typeface="Arial"/>
-            </a:endParaRPr>
-          </a:p>
-          <a:p>
-            <a:pPr marL="744120" indent="-278640">
+            <a:endParaRPr b="0" lang="en-US" sz="2270" spc="-1" strike="noStrike">
+              <a:latin typeface="Arial"/>
+            </a:endParaRPr>
+          </a:p>
+          <a:p>
+            <a:pPr marL="744120" indent="-278280">
               <a:lnSpc>
                 <a:spcPct val="100000"/>
               </a:lnSpc>
@@ -6708,12 +8182,12 @@
               </a:rPr>
               <a:t>Write smart contracts, debug and compile them online. </a:t>
             </a:r>
-            <a:endParaRPr b="0" lang="en-GB" sz="2270" spc="-1" strike="noStrike">
-              <a:latin typeface="Arial"/>
-            </a:endParaRPr>
-          </a:p>
-          <a:p>
-            <a:pPr marL="384120" indent="-142560">
+            <a:endParaRPr b="0" lang="en-US" sz="2270" spc="-1" strike="noStrike">
+              <a:latin typeface="Arial"/>
+            </a:endParaRPr>
+          </a:p>
+          <a:p>
+            <a:pPr marL="384120" indent="-142200">
               <a:lnSpc>
                 <a:spcPct val="100000"/>
               </a:lnSpc>
@@ -6746,22 +8220,22 @@
               </a:rPr>
               <a:t>Send/deploy the latest version of the contract to the blockchain and interact with the deployed contract. </a:t>
             </a:r>
-            <a:endParaRPr b="0" lang="en-GB" sz="2270" spc="-1" strike="noStrike">
-              <a:latin typeface="Arial"/>
-            </a:endParaRPr>
-          </a:p>
-        </p:txBody>
-      </p:sp>
-      <p:sp>
-        <p:nvSpPr>
-          <p:cNvPr id="78" name="CustomShape 2"/>
+            <a:endParaRPr b="0" lang="en-US" sz="2270" spc="-1" strike="noStrike">
+              <a:latin typeface="Arial"/>
+            </a:endParaRPr>
+          </a:p>
+        </p:txBody>
+      </p:sp>
+      <p:sp>
+        <p:nvSpPr>
+          <p:cNvPr id="116" name="CustomShape 2"/>
           <p:cNvSpPr/>
           <p:nvPr/>
         </p:nvSpPr>
         <p:spPr>
           <a:xfrm>
             <a:off x="952560" y="444240"/>
-            <a:ext cx="11098440" cy="2157840"/>
+            <a:ext cx="11098080" cy="2157480"/>
           </a:xfrm>
           <a:prstGeom prst="rect">
             <a:avLst/>
@@ -6778,7 +8252,9 @@
           <a:fontRef idx="minor"/>
         </p:style>
         <p:txBody>
-          <a:bodyPr lIns="50760" rIns="50760" tIns="50760" bIns="50760" anchor="ctr"/>
+          <a:bodyPr lIns="50760" rIns="50760" tIns="50760" bIns="50760" anchor="ctr">
+            <a:noAutofit/>
+          </a:bodyPr>
           <a:p>
             <a:pPr algn="ctr">
               <a:lnSpc>
@@ -6795,7 +8271,7 @@
               </a:rPr>
               <a:t>Outline</a:t>
             </a:r>
-            <a:endParaRPr b="0" lang="en-GB" sz="8000" spc="-1" strike="noStrike">
+            <a:endParaRPr b="0" lang="en-US" sz="8000" spc="-1" strike="noStrike">
               <a:latin typeface="Arial"/>
             </a:endParaRPr>
           </a:p>
@@ -6803,33 +8279,14 @@
       </p:sp>
     </p:spTree>
   </p:cSld>
-  <p:timing>
-    <p:tnLst>
-      <p:par>
-        <p:cTn id="3" dur="indefinite" restart="never" nodeType="tmRoot">
-          <p:childTnLst>
-            <p:seq>
-              <p:cTn id="4" dur="indefinite" nodeType="mainSeq"/>
-              <p:prevCondLst>
-                <p:cond delay="0" evt="onPrev">
-                  <p:tgtEl>
-                    <p:sldTgt/>
-                  </p:tgtEl>
-                </p:cond>
-              </p:prevCondLst>
-              <p:nextCondLst>
-                <p:cond delay="0" evt="onNext">
-                  <p:tgtEl>
-                    <p:sldTgt/>
-                  </p:tgtEl>
-                </p:cond>
-              </p:nextCondLst>
-            </p:seq>
-          </p:childTnLst>
-        </p:cTn>
-      </p:par>
-    </p:tnLst>
-  </p:timing>
+  <mc:AlternateContent>
+    <mc:Choice Requires="p14">
+      <p:transition spd="slow" p14:dur="2000"/>
+    </mc:Choice>
+    <mc:Fallback>
+      <p:transition spd="slow"/>
+    </mc:Fallback>
+  </mc:AlternateContent>
 </p:sld>
 </file>
 
@@ -6852,7 +8309,7 @@
       </p:grpSpPr>
       <p:pic>
         <p:nvPicPr>
-          <p:cNvPr id="143" name="" descr=""/>
+          <p:cNvPr id="181" name="" descr=""/>
           <p:cNvPicPr/>
           <p:nvPr/>
         </p:nvPicPr>
@@ -6863,7 +8320,7 @@
         <p:spPr>
           <a:xfrm>
             <a:off x="2088000" y="5832000"/>
-            <a:ext cx="4982400" cy="3600000"/>
+            <a:ext cx="4982040" cy="3599640"/>
           </a:xfrm>
           <a:prstGeom prst="rect">
             <a:avLst/>
@@ -6875,14 +8332,14 @@
       </p:pic>
       <p:sp>
         <p:nvSpPr>
-          <p:cNvPr id="144" name="CustomShape 1"/>
+          <p:cNvPr id="182" name="CustomShape 1"/>
           <p:cNvSpPr/>
           <p:nvPr/>
         </p:nvSpPr>
         <p:spPr>
           <a:xfrm flipH="1">
-            <a:off x="5976000" y="5040000"/>
-            <a:ext cx="5182560" cy="3816000"/>
+            <a:off x="6492240" y="5029200"/>
+            <a:ext cx="5394960" cy="3931920"/>
           </a:xfrm>
           <a:custGeom>
             <a:avLst/>
@@ -6918,14 +8375,14 @@
       </p:sp>
       <p:sp>
         <p:nvSpPr>
-          <p:cNvPr id="145" name="CustomShape 2"/>
+          <p:cNvPr id="183" name="CustomShape 2"/>
           <p:cNvSpPr/>
           <p:nvPr/>
         </p:nvSpPr>
         <p:spPr>
           <a:xfrm>
             <a:off x="212040" y="2516040"/>
-            <a:ext cx="12740040" cy="3351240"/>
+            <a:ext cx="12739680" cy="3350880"/>
           </a:xfrm>
           <a:prstGeom prst="rect">
             <a:avLst/>
@@ -6942,9 +8399,11 @@
           <a:fontRef idx="minor"/>
         </p:style>
         <p:txBody>
-          <a:bodyPr lIns="50760" rIns="50760" tIns="50760" bIns="50760" anchor="ctr"/>
-          <a:p>
-            <a:pPr marL="444600" indent="-443160">
+          <a:bodyPr lIns="50760" rIns="50760" tIns="50760" bIns="50760" anchor="ctr">
+            <a:noAutofit/>
+          </a:bodyPr>
+          <a:p>
+            <a:pPr marL="444600" indent="-442800">
               <a:lnSpc>
                 <a:spcPct val="100000"/>
               </a:lnSpc>
@@ -6977,12 +8436,12 @@
               </a:rPr>
               <a:t>Deploy</a:t>
             </a:r>
-            <a:endParaRPr b="0" lang="en-GB" sz="3600" spc="-1" strike="noStrike">
-              <a:latin typeface="Arial"/>
-            </a:endParaRPr>
-          </a:p>
-          <a:p>
-            <a:pPr marL="444600" indent="-443160">
+            <a:endParaRPr b="0" lang="en-US" sz="3600" spc="-1" strike="noStrike">
+              <a:latin typeface="Arial"/>
+            </a:endParaRPr>
+          </a:p>
+          <a:p>
+            <a:pPr marL="444600" indent="-442800">
               <a:lnSpc>
                 <a:spcPct val="100000"/>
               </a:lnSpc>
@@ -7025,22 +8484,22 @@
               </a:rPr>
               <a:t>, you publish your contract (and pay the fee) </a:t>
             </a:r>
-            <a:endParaRPr b="0" lang="en-GB" sz="3600" spc="-1" strike="noStrike">
-              <a:latin typeface="Arial"/>
-            </a:endParaRPr>
-          </a:p>
-        </p:txBody>
-      </p:sp>
-      <p:sp>
-        <p:nvSpPr>
-          <p:cNvPr id="146" name="CustomShape 3"/>
+            <a:endParaRPr b="0" lang="en-US" sz="3600" spc="-1" strike="noStrike">
+              <a:latin typeface="Arial"/>
+            </a:endParaRPr>
+          </a:p>
+        </p:txBody>
+      </p:sp>
+      <p:sp>
+        <p:nvSpPr>
+          <p:cNvPr id="184" name="CustomShape 3"/>
           <p:cNvSpPr/>
           <p:nvPr/>
         </p:nvSpPr>
         <p:spPr>
           <a:xfrm>
             <a:off x="952560" y="444600"/>
-            <a:ext cx="11098440" cy="2157480"/>
+            <a:ext cx="11098080" cy="2157120"/>
           </a:xfrm>
           <a:prstGeom prst="rect">
             <a:avLst/>
@@ -7057,7 +8516,9 @@
           <a:fontRef idx="minor"/>
         </p:style>
         <p:txBody>
-          <a:bodyPr lIns="50760" rIns="50760" tIns="50760" bIns="50760" anchor="ctr"/>
+          <a:bodyPr lIns="50760" rIns="50760" tIns="50760" bIns="50760" anchor="ctr">
+            <a:noAutofit/>
+          </a:bodyPr>
           <a:p>
             <a:pPr algn="ctr">
               <a:lnSpc>
@@ -7074,7 +8535,7 @@
               </a:rPr>
               <a:t>Step 4.2:</a:t>
             </a:r>
-            <a:endParaRPr b="0" lang="en-GB" sz="4200" spc="-1" strike="noStrike">
+            <a:endParaRPr b="0" lang="en-US" sz="4200" spc="-1" strike="noStrike">
               <a:latin typeface="Arial"/>
             </a:endParaRPr>
           </a:p>
@@ -7094,7 +8555,7 @@
               </a:rPr>
               <a:t>Deploying Smart Contract to the Private Chain</a:t>
             </a:r>
-            <a:endParaRPr b="0" lang="en-GB" sz="4200" spc="-1" strike="noStrike">
+            <a:endParaRPr b="0" lang="en-US" sz="4200" spc="-1" strike="noStrike">
               <a:latin typeface="Arial"/>
             </a:endParaRPr>
           </a:p>
@@ -7114,7 +8575,7 @@
               </a:rPr>
               <a:t>Deploying a Contract to the Blockchain</a:t>
             </a:r>
-            <a:endParaRPr b="0" lang="en-GB" sz="2800" spc="-1" strike="noStrike">
+            <a:endParaRPr b="0" lang="en-US" sz="2800" spc="-1" strike="noStrike">
               <a:latin typeface="Arial"/>
             </a:endParaRPr>
           </a:p>
@@ -7122,33 +8583,14 @@
       </p:sp>
     </p:spTree>
   </p:cSld>
-  <p:timing>
-    <p:tnLst>
-      <p:par>
-        <p:cTn id="39" dur="indefinite" restart="never" nodeType="tmRoot">
-          <p:childTnLst>
-            <p:seq>
-              <p:cTn id="40" dur="indefinite" nodeType="mainSeq"/>
-              <p:prevCondLst>
-                <p:cond delay="0" evt="onPrev">
-                  <p:tgtEl>
-                    <p:sldTgt/>
-                  </p:tgtEl>
-                </p:cond>
-              </p:prevCondLst>
-              <p:nextCondLst>
-                <p:cond delay="0" evt="onNext">
-                  <p:tgtEl>
-                    <p:sldTgt/>
-                  </p:tgtEl>
-                </p:cond>
-              </p:nextCondLst>
-            </p:seq>
-          </p:childTnLst>
-        </p:cTn>
-      </p:par>
-    </p:tnLst>
-  </p:timing>
+  <mc:AlternateContent>
+    <mc:Choice Requires="p14">
+      <p:transition spd="slow" p14:dur="2000"/>
+    </mc:Choice>
+    <mc:Fallback>
+      <p:transition spd="slow"/>
+    </mc:Fallback>
+  </mc:AlternateContent>
 </p:sld>
 </file>
 
@@ -7171,7 +8613,7 @@
       </p:grpSpPr>
       <p:pic>
         <p:nvPicPr>
-          <p:cNvPr id="147" name="" descr=""/>
+          <p:cNvPr id="185" name="" descr=""/>
           <p:cNvPicPr/>
           <p:nvPr/>
         </p:nvPicPr>
@@ -7182,7 +8624,7 @@
         <p:spPr>
           <a:xfrm>
             <a:off x="9117360" y="4176000"/>
-            <a:ext cx="3266640" cy="3914280"/>
+            <a:ext cx="3266280" cy="3913920"/>
           </a:xfrm>
           <a:prstGeom prst="rect">
             <a:avLst/>
@@ -7194,14 +8636,14 @@
       </p:pic>
       <p:sp>
         <p:nvSpPr>
-          <p:cNvPr id="148" name="CustomShape 1"/>
+          <p:cNvPr id="186" name="CustomShape 1"/>
           <p:cNvSpPr/>
           <p:nvPr/>
         </p:nvSpPr>
         <p:spPr>
           <a:xfrm>
             <a:off x="4392000" y="5472000"/>
-            <a:ext cx="7272000" cy="360000"/>
+            <a:ext cx="7271640" cy="359640"/>
           </a:xfrm>
           <a:custGeom>
             <a:avLst/>
@@ -7237,14 +8679,14 @@
       </p:sp>
       <p:sp>
         <p:nvSpPr>
-          <p:cNvPr id="149" name="CustomShape 2"/>
+          <p:cNvPr id="187" name="CustomShape 2"/>
           <p:cNvSpPr/>
           <p:nvPr/>
         </p:nvSpPr>
         <p:spPr>
           <a:xfrm>
             <a:off x="372600" y="3321360"/>
-            <a:ext cx="6868440" cy="2919600"/>
+            <a:ext cx="6868080" cy="2919240"/>
           </a:xfrm>
           <a:prstGeom prst="rect">
             <a:avLst/>
@@ -7261,9 +8703,11 @@
           <a:fontRef idx="minor"/>
         </p:style>
         <p:txBody>
-          <a:bodyPr lIns="50760" rIns="50760" tIns="50760" bIns="50760" anchor="ctr"/>
-          <a:p>
-            <a:pPr marL="444600" indent="-443160">
+          <a:bodyPr lIns="50760" rIns="50760" tIns="50760" bIns="50760" anchor="ctr">
+            <a:noAutofit/>
+          </a:bodyPr>
+          <a:p>
+            <a:pPr marL="444600" indent="-442800">
               <a:lnSpc>
                 <a:spcPct val="100000"/>
               </a:lnSpc>
@@ -7296,22 +8740,22 @@
               </a:rPr>
               <a:t>address</a:t>
             </a:r>
-            <a:endParaRPr b="0" lang="en-GB" sz="3000" spc="-1" strike="noStrike">
-              <a:latin typeface="Arial"/>
-            </a:endParaRPr>
-          </a:p>
-        </p:txBody>
-      </p:sp>
-      <p:sp>
-        <p:nvSpPr>
-          <p:cNvPr id="150" name="CustomShape 3"/>
+            <a:endParaRPr b="0" lang="en-US" sz="3000" spc="-1" strike="noStrike">
+              <a:latin typeface="Arial"/>
+            </a:endParaRPr>
+          </a:p>
+        </p:txBody>
+      </p:sp>
+      <p:sp>
+        <p:nvSpPr>
+          <p:cNvPr id="188" name="CustomShape 3"/>
           <p:cNvSpPr/>
           <p:nvPr/>
         </p:nvSpPr>
         <p:spPr>
           <a:xfrm>
             <a:off x="203040" y="6320160"/>
-            <a:ext cx="6868440" cy="1471680"/>
+            <a:ext cx="6868080" cy="1471320"/>
           </a:xfrm>
           <a:prstGeom prst="rect">
             <a:avLst/>
@@ -7328,9 +8772,11 @@
           <a:fontRef idx="minor"/>
         </p:style>
         <p:txBody>
-          <a:bodyPr lIns="50760" rIns="50760" tIns="50760" bIns="50760" anchor="ctr"/>
-          <a:p>
-            <a:pPr marL="444600" indent="-443160">
+          <a:bodyPr lIns="50760" rIns="50760" tIns="50760" bIns="50760" anchor="ctr">
+            <a:noAutofit/>
+          </a:bodyPr>
+          <a:p>
+            <a:pPr marL="444600" indent="-442800">
               <a:lnSpc>
                 <a:spcPct val="100000"/>
               </a:lnSpc>
@@ -7390,22 +8836,22 @@
               </a:rPr>
               <a:t> next time you want to interact with your deployed contract.</a:t>
             </a:r>
-            <a:endParaRPr b="0" lang="en-GB" sz="3000" spc="-1" strike="noStrike">
-              <a:latin typeface="Arial"/>
-            </a:endParaRPr>
-          </a:p>
-        </p:txBody>
-      </p:sp>
-      <p:sp>
-        <p:nvSpPr>
-          <p:cNvPr id="151" name="CustomShape 4"/>
+            <a:endParaRPr b="0" lang="en-US" sz="3000" spc="-1" strike="noStrike">
+              <a:latin typeface="Arial"/>
+            </a:endParaRPr>
+          </a:p>
+        </p:txBody>
+      </p:sp>
+      <p:sp>
+        <p:nvSpPr>
+          <p:cNvPr id="189" name="CustomShape 4"/>
           <p:cNvSpPr/>
           <p:nvPr/>
         </p:nvSpPr>
         <p:spPr>
           <a:xfrm>
             <a:off x="952560" y="444600"/>
-            <a:ext cx="11098440" cy="2157480"/>
+            <a:ext cx="11098080" cy="2157120"/>
           </a:xfrm>
           <a:prstGeom prst="rect">
             <a:avLst/>
@@ -7422,7 +8868,9 @@
           <a:fontRef idx="minor"/>
         </p:style>
         <p:txBody>
-          <a:bodyPr lIns="50760" rIns="50760" tIns="50760" bIns="50760" anchor="ctr"/>
+          <a:bodyPr lIns="50760" rIns="50760" tIns="50760" bIns="50760" anchor="ctr">
+            <a:noAutofit/>
+          </a:bodyPr>
           <a:p>
             <a:pPr algn="ctr">
               <a:lnSpc>
@@ -7439,7 +8887,7 @@
               </a:rPr>
               <a:t>Step 4.3:</a:t>
             </a:r>
-            <a:endParaRPr b="0" lang="en-GB" sz="4200" spc="-1" strike="noStrike">
+            <a:endParaRPr b="0" lang="en-US" sz="4200" spc="-1" strike="noStrike">
               <a:latin typeface="Arial"/>
             </a:endParaRPr>
           </a:p>
@@ -7459,7 +8907,7 @@
               </a:rPr>
               <a:t>Deploying Smart Contract to the Private Chain</a:t>
             </a:r>
-            <a:endParaRPr b="0" lang="en-GB" sz="4200" spc="-1" strike="noStrike">
+            <a:endParaRPr b="0" lang="en-US" sz="4200" spc="-1" strike="noStrike">
               <a:latin typeface="Arial"/>
             </a:endParaRPr>
           </a:p>
@@ -7479,7 +8927,7 @@
               </a:rPr>
               <a:t>Saving the Deployed Contract's Address</a:t>
             </a:r>
-            <a:endParaRPr b="0" lang="en-GB" sz="2800" spc="-1" strike="noStrike">
+            <a:endParaRPr b="0" lang="en-US" sz="2800" spc="-1" strike="noStrike">
               <a:latin typeface="Arial"/>
             </a:endParaRPr>
           </a:p>
@@ -7487,33 +8935,14 @@
       </p:sp>
     </p:spTree>
   </p:cSld>
-  <p:timing>
-    <p:tnLst>
-      <p:par>
-        <p:cTn id="41" dur="indefinite" restart="never" nodeType="tmRoot">
-          <p:childTnLst>
-            <p:seq>
-              <p:cTn id="42" dur="indefinite" nodeType="mainSeq"/>
-              <p:prevCondLst>
-                <p:cond delay="0" evt="onPrev">
-                  <p:tgtEl>
-                    <p:sldTgt/>
-                  </p:tgtEl>
-                </p:cond>
-              </p:prevCondLst>
-              <p:nextCondLst>
-                <p:cond delay="0" evt="onNext">
-                  <p:tgtEl>
-                    <p:sldTgt/>
-                  </p:tgtEl>
-                </p:cond>
-              </p:nextCondLst>
-            </p:seq>
-          </p:childTnLst>
-        </p:cTn>
-      </p:par>
-    </p:tnLst>
-  </p:timing>
+  <mc:AlternateContent>
+    <mc:Choice Requires="p14">
+      <p:transition spd="slow" p14:dur="2000"/>
+    </mc:Choice>
+    <mc:Fallback>
+      <p:transition spd="slow"/>
+    </mc:Fallback>
+  </mc:AlternateContent>
 </p:sld>
 </file>
 
@@ -7536,14 +8965,14 @@
       </p:grpSpPr>
       <p:sp>
         <p:nvSpPr>
-          <p:cNvPr id="152" name="CustomShape 1"/>
+          <p:cNvPr id="190" name="CustomShape 1"/>
           <p:cNvSpPr/>
           <p:nvPr/>
         </p:nvSpPr>
         <p:spPr>
           <a:xfrm>
             <a:off x="272160" y="2764080"/>
-            <a:ext cx="10383840" cy="2995920"/>
+            <a:ext cx="10383480" cy="2995560"/>
           </a:xfrm>
           <a:prstGeom prst="rect">
             <a:avLst/>
@@ -7560,9 +8989,11 @@
           <a:fontRef idx="minor"/>
         </p:style>
         <p:txBody>
-          <a:bodyPr lIns="50760" rIns="50760" tIns="50760" bIns="50760" anchor="ctr"/>
-          <a:p>
-            <a:pPr marL="529200" indent="-527760">
+          <a:bodyPr lIns="50760" rIns="50760" tIns="50760" bIns="50760" anchor="ctr">
+            <a:noAutofit/>
+          </a:bodyPr>
+          <a:p>
+            <a:pPr marL="529200" indent="-527400">
               <a:lnSpc>
                 <a:spcPct val="100000"/>
               </a:lnSpc>
@@ -7582,12 +9013,12 @@
               </a:rPr>
               <a:t>Log in to MetaMask, connect to the blockchain (as previously explained)</a:t>
             </a:r>
-            <a:endParaRPr b="0" lang="en-GB" sz="3000" spc="-1" strike="noStrike">
-              <a:latin typeface="Arial"/>
-            </a:endParaRPr>
-          </a:p>
-          <a:p>
-            <a:pPr marL="529200" indent="-527760">
+            <a:endParaRPr b="0" lang="en-US" sz="3000" spc="-1" strike="noStrike">
+              <a:latin typeface="Arial"/>
+            </a:endParaRPr>
+          </a:p>
+          <a:p>
+            <a:pPr marL="529200" indent="-527400">
               <a:lnSpc>
                 <a:spcPct val="100000"/>
               </a:lnSpc>
@@ -7627,22 +9058,22 @@
               </a:rPr>
               <a:t>.</a:t>
             </a:r>
-            <a:endParaRPr b="0" lang="en-GB" sz="3000" spc="-1" strike="noStrike">
-              <a:latin typeface="Arial"/>
-            </a:endParaRPr>
-          </a:p>
-        </p:txBody>
-      </p:sp>
-      <p:sp>
-        <p:nvSpPr>
-          <p:cNvPr id="153" name="CustomShape 2"/>
+            <a:endParaRPr b="0" lang="en-US" sz="3000" spc="-1" strike="noStrike">
+              <a:latin typeface="Arial"/>
+            </a:endParaRPr>
+          </a:p>
+        </p:txBody>
+      </p:sp>
+      <p:sp>
+        <p:nvSpPr>
+          <p:cNvPr id="191" name="CustomShape 2"/>
           <p:cNvSpPr/>
           <p:nvPr/>
         </p:nvSpPr>
         <p:spPr>
           <a:xfrm>
             <a:off x="144000" y="5760000"/>
-            <a:ext cx="6998760" cy="2386440"/>
+            <a:ext cx="6998400" cy="2386080"/>
           </a:xfrm>
           <a:prstGeom prst="rect">
             <a:avLst/>
@@ -7659,7 +9090,9 @@
           <a:fontRef idx="minor"/>
         </p:style>
         <p:txBody>
-          <a:bodyPr lIns="50760" rIns="50760" tIns="50760" bIns="50760" anchor="ctr"/>
+          <a:bodyPr lIns="50760" rIns="50760" tIns="50760" bIns="50760" anchor="ctr">
+            <a:noAutofit/>
+          </a:bodyPr>
           <a:p>
             <a:pPr>
               <a:lnSpc>
@@ -7674,27 +9107,37 @@
                 <a:latin typeface="Helvetica Neue Light"/>
                 <a:ea typeface="Helvetica Neue Light"/>
               </a:rPr>
-              <a:t>3. I</a:t>
+              <a:t>3. Insert the deployed </a:t>
             </a:r>
             <a:r>
               <a:rPr b="0" lang="en-GB" sz="3000" spc="-1" strike="noStrike">
                 <a:solidFill>
-                  <a:srgbClr val="000000"/>
-                </a:solidFill>
-                <a:latin typeface="Helvetica Neue Light"/>
-                <a:ea typeface="Helvetica Neue Light"/>
-              </a:rPr>
-              <a:t>nsert the deployed </a:t>
+                  <a:srgbClr val="942192"/>
+                </a:solidFill>
+                <a:latin typeface="Helvetica Neue Light"/>
+                <a:ea typeface="Helvetica Neue Light"/>
+              </a:rPr>
+              <a:t>contract’s address</a:t>
             </a:r>
             <a:r>
               <a:rPr b="0" lang="en-GB" sz="3000" spc="-1" strike="noStrike">
                 <a:solidFill>
+                  <a:srgbClr val="000000"/>
+                </a:solidFill>
+                <a:latin typeface="Helvetica Neue Light"/>
+                <a:ea typeface="Helvetica Neue Light"/>
+              </a:rPr>
+              <a:t> and click on: </a:t>
+            </a:r>
+            <a:r>
+              <a:rPr b="0" lang="en-GB" sz="3000" spc="-1" strike="noStrike">
+                <a:solidFill>
                   <a:srgbClr val="942192"/>
                 </a:solidFill>
                 <a:latin typeface="Helvetica Neue Light"/>
                 <a:ea typeface="Helvetica Neue Light"/>
               </a:rPr>
-              <a:t>contract’s address</a:t>
+              <a:t>At Address</a:t>
             </a:r>
             <a:r>
               <a:rPr b="0" lang="en-GB" sz="3000" spc="-1" strike="noStrike">
@@ -7704,44 +9147,24 @@
                 <a:latin typeface="Helvetica Neue Light"/>
                 <a:ea typeface="Helvetica Neue Light"/>
               </a:rPr>
-              <a:t> and click on: </a:t>
-            </a:r>
-            <a:r>
-              <a:rPr b="0" lang="en-GB" sz="3000" spc="-1" strike="noStrike">
-                <a:solidFill>
-                  <a:srgbClr val="942192"/>
-                </a:solidFill>
-                <a:latin typeface="Helvetica Neue Light"/>
-                <a:ea typeface="Helvetica Neue Light"/>
-              </a:rPr>
-              <a:t>At Address</a:t>
-            </a:r>
-            <a:r>
-              <a:rPr b="0" lang="en-GB" sz="3000" spc="-1" strike="noStrike">
-                <a:solidFill>
-                  <a:srgbClr val="000000"/>
-                </a:solidFill>
-                <a:latin typeface="Helvetica Neue Light"/>
-                <a:ea typeface="Helvetica Neue Light"/>
-              </a:rPr>
               <a:t>.</a:t>
             </a:r>
-            <a:endParaRPr b="0" lang="en-GB" sz="3000" spc="-1" strike="noStrike">
-              <a:latin typeface="Arial"/>
-            </a:endParaRPr>
-          </a:p>
-        </p:txBody>
-      </p:sp>
-      <p:sp>
-        <p:nvSpPr>
-          <p:cNvPr id="154" name="CustomShape 3"/>
+            <a:endParaRPr b="0" lang="en-US" sz="3000" spc="-1" strike="noStrike">
+              <a:latin typeface="Arial"/>
+            </a:endParaRPr>
+          </a:p>
+        </p:txBody>
+      </p:sp>
+      <p:sp>
+        <p:nvSpPr>
+          <p:cNvPr id="192" name="CustomShape 3"/>
           <p:cNvSpPr/>
           <p:nvPr/>
         </p:nvSpPr>
         <p:spPr>
           <a:xfrm flipH="1" rot="10800000">
-            <a:off x="24974280" y="8174520"/>
-            <a:ext cx="7050960" cy="444240"/>
+            <a:off x="24973920" y="8174880"/>
+            <a:ext cx="7050600" cy="443880"/>
           </a:xfrm>
           <a:custGeom>
             <a:avLst/>
@@ -7777,14 +9200,14 @@
       </p:sp>
       <p:sp>
         <p:nvSpPr>
-          <p:cNvPr id="155" name="CustomShape 4"/>
+          <p:cNvPr id="193" name="CustomShape 4"/>
           <p:cNvSpPr/>
           <p:nvPr/>
         </p:nvSpPr>
         <p:spPr>
           <a:xfrm flipH="1" rot="10800000">
-            <a:off x="22534920" y="10943640"/>
-            <a:ext cx="6695280" cy="1367280"/>
+            <a:off x="22534560" y="10944000"/>
+            <a:ext cx="6694920" cy="1366920"/>
           </a:xfrm>
           <a:custGeom>
             <a:avLst/>
@@ -7820,14 +9243,14 @@
       </p:sp>
       <p:sp>
         <p:nvSpPr>
-          <p:cNvPr id="156" name="CustomShape 5"/>
+          <p:cNvPr id="194" name="CustomShape 5"/>
           <p:cNvSpPr/>
           <p:nvPr/>
         </p:nvSpPr>
         <p:spPr>
           <a:xfrm>
             <a:off x="952560" y="444600"/>
-            <a:ext cx="11098440" cy="2157480"/>
+            <a:ext cx="11098080" cy="2157120"/>
           </a:xfrm>
           <a:prstGeom prst="rect">
             <a:avLst/>
@@ -7844,7 +9267,9 @@
           <a:fontRef idx="minor"/>
         </p:style>
         <p:txBody>
-          <a:bodyPr lIns="50760" rIns="50760" tIns="50760" bIns="50760" anchor="ctr"/>
+          <a:bodyPr lIns="50760" rIns="50760" tIns="50760" bIns="50760" anchor="ctr">
+            <a:noAutofit/>
+          </a:bodyPr>
           <a:p>
             <a:pPr algn="ctr">
               <a:lnSpc>
@@ -7861,7 +9286,7 @@
               </a:rPr>
               <a:t>Step 4.3:</a:t>
             </a:r>
-            <a:endParaRPr b="0" lang="en-GB" sz="4200" spc="-1" strike="noStrike">
+            <a:endParaRPr b="0" lang="en-US" sz="4200" spc="-1" strike="noStrike">
               <a:latin typeface="Arial"/>
             </a:endParaRPr>
           </a:p>
@@ -7881,7 +9306,7 @@
               </a:rPr>
               <a:t>Deploying Smart Contract to the Private Chain</a:t>
             </a:r>
-            <a:endParaRPr b="0" lang="en-GB" sz="4200" spc="-1" strike="noStrike">
+            <a:endParaRPr b="0" lang="en-US" sz="4200" spc="-1" strike="noStrike">
               <a:latin typeface="Arial"/>
             </a:endParaRPr>
           </a:p>
@@ -7901,7 +9326,7 @@
               </a:rPr>
               <a:t>Interacting with a Deployed Contract</a:t>
             </a:r>
-            <a:endParaRPr b="0" lang="en-GB" sz="2800" spc="-1" strike="noStrike">
+            <a:endParaRPr b="0" lang="en-US" sz="2800" spc="-1" strike="noStrike">
               <a:latin typeface="Arial"/>
             </a:endParaRPr>
           </a:p>
@@ -7909,7 +9334,7 @@
       </p:sp>
       <p:pic>
         <p:nvPicPr>
-          <p:cNvPr id="157" name="" descr=""/>
+          <p:cNvPr id="195" name="" descr=""/>
           <p:cNvPicPr/>
           <p:nvPr/>
         </p:nvPicPr>
@@ -7920,7 +9345,7 @@
         <p:spPr>
           <a:xfrm>
             <a:off x="8541360" y="5010120"/>
-            <a:ext cx="3266640" cy="3914280"/>
+            <a:ext cx="3266280" cy="3913920"/>
           </a:xfrm>
           <a:prstGeom prst="rect">
             <a:avLst/>
@@ -7932,14 +9357,14 @@
       </p:pic>
       <p:sp>
         <p:nvSpPr>
-          <p:cNvPr id="158" name="CustomShape 6"/>
+          <p:cNvPr id="196" name="CustomShape 6"/>
           <p:cNvSpPr/>
           <p:nvPr/>
         </p:nvSpPr>
         <p:spPr>
           <a:xfrm flipH="1" rot="10800000">
-            <a:off x="10008000" y="7200000"/>
-            <a:ext cx="3528000" cy="1654920"/>
+            <a:off x="6438960" y="5486400"/>
+            <a:ext cx="3527640" cy="1654560"/>
           </a:xfrm>
           <a:custGeom>
             <a:avLst/>
@@ -7975,33 +9400,14 @@
       </p:sp>
     </p:spTree>
   </p:cSld>
-  <p:timing>
-    <p:tnLst>
-      <p:par>
-        <p:cTn id="43" dur="indefinite" restart="never" nodeType="tmRoot">
-          <p:childTnLst>
-            <p:seq>
-              <p:cTn id="44" dur="indefinite" nodeType="mainSeq"/>
-              <p:prevCondLst>
-                <p:cond delay="0" evt="onPrev">
-                  <p:tgtEl>
-                    <p:sldTgt/>
-                  </p:tgtEl>
-                </p:cond>
-              </p:prevCondLst>
-              <p:nextCondLst>
-                <p:cond delay="0" evt="onNext">
-                  <p:tgtEl>
-                    <p:sldTgt/>
-                  </p:tgtEl>
-                </p:cond>
-              </p:nextCondLst>
-            </p:seq>
-          </p:childTnLst>
-        </p:cTn>
-      </p:par>
-    </p:tnLst>
-  </p:timing>
+  <mc:AlternateContent>
+    <mc:Choice Requires="p14">
+      <p:transition spd="slow" p14:dur="2000"/>
+    </mc:Choice>
+    <mc:Fallback>
+      <p:transition spd="slow"/>
+    </mc:Fallback>
+  </mc:AlternateContent>
 </p:sld>
 </file>
 
@@ -8024,14 +9430,14 @@
       </p:grpSpPr>
       <p:sp>
         <p:nvSpPr>
-          <p:cNvPr id="159" name="CustomShape 1"/>
+          <p:cNvPr id="197" name="CustomShape 1"/>
           <p:cNvSpPr/>
           <p:nvPr/>
         </p:nvSpPr>
         <p:spPr>
           <a:xfrm>
             <a:off x="386640" y="3001320"/>
-            <a:ext cx="6924240" cy="2462400"/>
+            <a:ext cx="6923880" cy="2462040"/>
           </a:xfrm>
           <a:prstGeom prst="rect">
             <a:avLst/>
@@ -8048,7 +9454,9 @@
           <a:fontRef idx="minor"/>
         </p:style>
         <p:txBody>
-          <a:bodyPr lIns="50760" rIns="50760" tIns="50760" bIns="50760" anchor="ctr"/>
+          <a:bodyPr lIns="50760" rIns="50760" tIns="50760" bIns="50760" anchor="ctr">
+            <a:noAutofit/>
+          </a:bodyPr>
           <a:p>
             <a:pPr>
               <a:lnSpc>
@@ -8065,22 +9473,22 @@
               </a:rPr>
               <a:t>4- All the public/external functions in the contract are provided and you can pass arguments on them and invoke them </a:t>
             </a:r>
-            <a:endParaRPr b="0" lang="en-GB" sz="3000" spc="-1" strike="noStrike">
-              <a:latin typeface="Arial"/>
-            </a:endParaRPr>
-          </a:p>
-        </p:txBody>
-      </p:sp>
-      <p:sp>
-        <p:nvSpPr>
-          <p:cNvPr id="160" name="CustomShape 2"/>
+            <a:endParaRPr b="0" lang="en-US" sz="3000" spc="-1" strike="noStrike">
+              <a:latin typeface="Arial"/>
+            </a:endParaRPr>
+          </a:p>
+        </p:txBody>
+      </p:sp>
+      <p:sp>
+        <p:nvSpPr>
+          <p:cNvPr id="198" name="CustomShape 2"/>
           <p:cNvSpPr/>
           <p:nvPr/>
         </p:nvSpPr>
         <p:spPr>
           <a:xfrm>
             <a:off x="-420120" y="5256000"/>
-            <a:ext cx="6864120" cy="4391280"/>
+            <a:ext cx="6863760" cy="4390920"/>
           </a:xfrm>
           <a:prstGeom prst="rect">
             <a:avLst/>
@@ -8097,9 +9505,11 @@
           <a:fontRef idx="minor"/>
         </p:style>
         <p:txBody>
-          <a:bodyPr lIns="50760" rIns="50760" tIns="50760" bIns="50760" anchor="ctr"/>
-          <a:p>
-            <a:pPr marL="1005480" indent="-369000">
+          <a:bodyPr lIns="50760" rIns="50760" tIns="50760" bIns="50760" anchor="ctr">
+            <a:noAutofit/>
+          </a:bodyPr>
+          <a:p>
+            <a:pPr marL="1005480" indent="-368640">
               <a:lnSpc>
                 <a:spcPct val="100000"/>
               </a:lnSpc>
@@ -8129,12 +9539,12 @@
               </a:rPr>
               <a:t> fields change the contract’s state, so you create a transaction and spend funds - at minimum you pay the fees, if your transaction does not send funds to the contract</a:t>
             </a:r>
-            <a:endParaRPr b="0" lang="en-GB" sz="3000" spc="-1" strike="noStrike">
-              <a:latin typeface="Arial"/>
-            </a:endParaRPr>
-          </a:p>
-          <a:p>
-            <a:pPr marL="1005480" indent="-369000">
+            <a:endParaRPr b="0" lang="en-US" sz="3000" spc="-1" strike="noStrike">
+              <a:latin typeface="Arial"/>
+            </a:endParaRPr>
+          </a:p>
+          <a:p>
+            <a:pPr marL="1005480" indent="-368640">
               <a:lnSpc>
                 <a:spcPct val="100000"/>
               </a:lnSpc>
@@ -8164,22 +9574,22 @@
               </a:rPr>
               <a:t> fields just show you the contract’s state and are free</a:t>
             </a:r>
-            <a:endParaRPr b="0" lang="en-GB" sz="3000" spc="-1" strike="noStrike">
-              <a:latin typeface="Arial"/>
-            </a:endParaRPr>
-          </a:p>
-        </p:txBody>
-      </p:sp>
-      <p:sp>
-        <p:nvSpPr>
-          <p:cNvPr id="161" name="CustomShape 3"/>
+            <a:endParaRPr b="0" lang="en-US" sz="3000" spc="-1" strike="noStrike">
+              <a:latin typeface="Arial"/>
+            </a:endParaRPr>
+          </a:p>
+        </p:txBody>
+      </p:sp>
+      <p:sp>
+        <p:nvSpPr>
+          <p:cNvPr id="199" name="CustomShape 3"/>
           <p:cNvSpPr/>
           <p:nvPr/>
         </p:nvSpPr>
         <p:spPr>
           <a:xfrm>
             <a:off x="952560" y="444600"/>
-            <a:ext cx="11098440" cy="2157480"/>
+            <a:ext cx="11098080" cy="2157120"/>
           </a:xfrm>
           <a:prstGeom prst="rect">
             <a:avLst/>
@@ -8196,7 +9606,9 @@
           <a:fontRef idx="minor"/>
         </p:style>
         <p:txBody>
-          <a:bodyPr lIns="50760" rIns="50760" tIns="50760" bIns="50760" anchor="ctr"/>
+          <a:bodyPr lIns="50760" rIns="50760" tIns="50760" bIns="50760" anchor="ctr">
+            <a:noAutofit/>
+          </a:bodyPr>
           <a:p>
             <a:pPr algn="ctr">
               <a:lnSpc>
@@ -8213,7 +9625,7 @@
               </a:rPr>
               <a:t>Step 4.3:</a:t>
             </a:r>
-            <a:endParaRPr b="0" lang="en-GB" sz="4200" spc="-1" strike="noStrike">
+            <a:endParaRPr b="0" lang="en-US" sz="4200" spc="-1" strike="noStrike">
               <a:latin typeface="Arial"/>
             </a:endParaRPr>
           </a:p>
@@ -8233,7 +9645,7 @@
               </a:rPr>
               <a:t>Deploying Smart Contract to the Private Chain</a:t>
             </a:r>
-            <a:endParaRPr b="0" lang="en-GB" sz="4200" spc="-1" strike="noStrike">
+            <a:endParaRPr b="0" lang="en-US" sz="4200" spc="-1" strike="noStrike">
               <a:latin typeface="Arial"/>
             </a:endParaRPr>
           </a:p>
@@ -8253,7 +9665,7 @@
               </a:rPr>
               <a:t>Interacting with a Deployed Contract</a:t>
             </a:r>
-            <a:endParaRPr b="0" lang="en-GB" sz="2800" spc="-1" strike="noStrike">
+            <a:endParaRPr b="0" lang="en-US" sz="2800" spc="-1" strike="noStrike">
               <a:latin typeface="Arial"/>
             </a:endParaRPr>
           </a:p>
@@ -8261,7 +9673,7 @@
       </p:sp>
       <p:pic>
         <p:nvPicPr>
-          <p:cNvPr id="162" name="" descr=""/>
+          <p:cNvPr id="200" name="" descr=""/>
           <p:cNvPicPr/>
           <p:nvPr/>
         </p:nvPicPr>
@@ -8272,7 +9684,7 @@
         <p:spPr>
           <a:xfrm>
             <a:off x="8973360" y="4608000"/>
-            <a:ext cx="3266640" cy="3914280"/>
+            <a:ext cx="3266280" cy="3913920"/>
           </a:xfrm>
           <a:prstGeom prst="rect">
             <a:avLst/>
@@ -8284,14 +9696,14 @@
       </p:pic>
       <p:sp>
         <p:nvSpPr>
-          <p:cNvPr id="163" name="CustomShape 4"/>
+          <p:cNvPr id="201" name="CustomShape 4"/>
           <p:cNvSpPr/>
           <p:nvPr/>
         </p:nvSpPr>
         <p:spPr>
           <a:xfrm>
             <a:off x="6552000" y="5939640"/>
-            <a:ext cx="2664000" cy="1620360"/>
+            <a:ext cx="2663640" cy="1620000"/>
           </a:xfrm>
           <a:custGeom>
             <a:avLst/>
@@ -8327,14 +9739,14 @@
       </p:sp>
       <p:sp>
         <p:nvSpPr>
-          <p:cNvPr id="164" name="CustomShape 5"/>
+          <p:cNvPr id="202" name="CustomShape 5"/>
           <p:cNvSpPr/>
           <p:nvPr/>
         </p:nvSpPr>
         <p:spPr>
           <a:xfrm>
             <a:off x="6552000" y="5939640"/>
-            <a:ext cx="2664000" cy="1260360"/>
+            <a:ext cx="2663640" cy="1260000"/>
           </a:xfrm>
           <a:custGeom>
             <a:avLst/>
@@ -8370,14 +9782,14 @@
       </p:sp>
       <p:sp>
         <p:nvSpPr>
-          <p:cNvPr id="165" name="CustomShape 6"/>
+          <p:cNvPr id="203" name="CustomShape 6"/>
           <p:cNvSpPr/>
           <p:nvPr/>
         </p:nvSpPr>
         <p:spPr>
           <a:xfrm>
             <a:off x="3709080" y="4976640"/>
-            <a:ext cx="5506920" cy="1863360"/>
+            <a:ext cx="5506560" cy="1863000"/>
           </a:xfrm>
           <a:custGeom>
             <a:avLst/>
@@ -8413,33 +9825,14 @@
       </p:sp>
     </p:spTree>
   </p:cSld>
-  <p:timing>
-    <p:tnLst>
-      <p:par>
-        <p:cTn id="45" dur="indefinite" restart="never" nodeType="tmRoot">
-          <p:childTnLst>
-            <p:seq>
-              <p:cTn id="46" dur="indefinite" nodeType="mainSeq"/>
-              <p:prevCondLst>
-                <p:cond delay="0" evt="onPrev">
-                  <p:tgtEl>
-                    <p:sldTgt/>
-                  </p:tgtEl>
-                </p:cond>
-              </p:prevCondLst>
-              <p:nextCondLst>
-                <p:cond delay="0" evt="onNext">
-                  <p:tgtEl>
-                    <p:sldTgt/>
-                  </p:tgtEl>
-                </p:cond>
-              </p:nextCondLst>
-            </p:seq>
-          </p:childTnLst>
-        </p:cTn>
-      </p:par>
-    </p:tnLst>
-  </p:timing>
+  <mc:AlternateContent>
+    <mc:Choice Requires="p14">
+      <p:transition spd="slow" p14:dur="2000"/>
+    </mc:Choice>
+    <mc:Fallback>
+      <p:transition spd="slow"/>
+    </mc:Fallback>
+  </mc:AlternateContent>
 </p:sld>
 </file>
 
@@ -8462,14 +9855,14 @@
       </p:grpSpPr>
       <p:sp>
         <p:nvSpPr>
-          <p:cNvPr id="166" name="CustomShape 1"/>
+          <p:cNvPr id="204" name="CustomShape 1"/>
           <p:cNvSpPr/>
           <p:nvPr/>
         </p:nvSpPr>
         <p:spPr>
           <a:xfrm>
             <a:off x="952560" y="1512000"/>
-            <a:ext cx="11098440" cy="8135280"/>
+            <a:ext cx="11098080" cy="8134920"/>
           </a:xfrm>
           <a:prstGeom prst="rect">
             <a:avLst/>
@@ -8486,9 +9879,11 @@
           <a:fontRef idx="minor"/>
         </p:style>
         <p:txBody>
-          <a:bodyPr lIns="50760" rIns="50760" tIns="50760" bIns="50760" anchor="ctr"/>
-          <a:p>
-            <a:pPr marL="280080" indent="-278640">
+          <a:bodyPr lIns="50760" rIns="50760" tIns="50760" bIns="50760" anchor="ctr">
+            <a:noAutofit/>
+          </a:bodyPr>
+          <a:p>
+            <a:pPr marL="280080" indent="-278280">
               <a:lnSpc>
                 <a:spcPct val="100000"/>
               </a:lnSpc>
@@ -8509,12 +9904,12 @@
               </a:rPr>
               <a:t>If you don’t see your funds in Metamask</a:t>
             </a:r>
-            <a:endParaRPr b="0" lang="en-GB" sz="2270" spc="-1" strike="noStrike">
-              <a:latin typeface="Arial"/>
-            </a:endParaRPr>
-          </a:p>
-          <a:p>
-            <a:pPr lvl="1" marL="432000" indent="-215280">
+            <a:endParaRPr b="0" lang="en-US" sz="2270" spc="-1" strike="noStrike">
+              <a:latin typeface="Arial"/>
+            </a:endParaRPr>
+          </a:p>
+          <a:p>
+            <a:pPr lvl="1" marL="432000" indent="-214920">
               <a:lnSpc>
                 <a:spcPct val="100000"/>
               </a:lnSpc>
@@ -8535,12 +9930,12 @@
               </a:rPr>
               <a:t>Double check that you are connected to the correct network, i.e. the private network and not e.g. the Ethereum mainnet</a:t>
             </a:r>
-            <a:endParaRPr b="0" lang="en-GB" sz="2270" spc="-1" strike="noStrike">
-              <a:latin typeface="Arial"/>
-            </a:endParaRPr>
-          </a:p>
-          <a:p>
-            <a:pPr lvl="1" marL="432000" indent="-215280">
+            <a:endParaRPr b="0" lang="en-US" sz="2270" spc="-1" strike="noStrike">
+              <a:latin typeface="Arial"/>
+            </a:endParaRPr>
+          </a:p>
+          <a:p>
+            <a:pPr lvl="1" marL="432000" indent="-214920">
               <a:lnSpc>
                 <a:spcPct val="100000"/>
               </a:lnSpc>
@@ -8561,12 +9956,12 @@
               </a:rPr>
               <a:t>If you are connected to the private network, try connecting to a different network (e.g. the Ethereum mainnet) and then reconnecting back to the private network – sometimes Metamask’s connection breaks down, so this will reset the network</a:t>
             </a:r>
-            <a:endParaRPr b="0" lang="en-GB" sz="2270" spc="-1" strike="noStrike">
-              <a:latin typeface="Arial"/>
-            </a:endParaRPr>
-          </a:p>
-          <a:p>
-            <a:pPr lvl="1" marL="432000" indent="-215280">
+            <a:endParaRPr b="0" lang="en-US" sz="2270" spc="-1" strike="noStrike">
+              <a:latin typeface="Arial"/>
+            </a:endParaRPr>
+          </a:p>
+          <a:p>
+            <a:pPr lvl="1" marL="432000" indent="-214920">
               <a:lnSpc>
                 <a:spcPct val="100000"/>
               </a:lnSpc>
@@ -8607,12 +10002,12 @@
               </a:rPr>
               <a:t> first), and then re-install it, recreate your wallet using your seed (if you have more than one accounts in your wallet, you have to create them all manually again) and connect to the private network – sometimes Metamask’s internal transaction generator breaks down (due to temporary network issues), so this will reset your wallet from scratch</a:t>
             </a:r>
-            <a:endParaRPr b="0" lang="en-GB" sz="2270" spc="-1" strike="noStrike">
-              <a:latin typeface="Arial"/>
-            </a:endParaRPr>
-          </a:p>
-          <a:p>
-            <a:pPr lvl="1" marL="432000" indent="-215280">
+            <a:endParaRPr b="0" lang="en-US" sz="2270" spc="-1" strike="noStrike">
+              <a:latin typeface="Arial"/>
+            </a:endParaRPr>
+          </a:p>
+          <a:p>
+            <a:pPr lvl="1" marL="432000" indent="-214920">
               <a:lnSpc>
                 <a:spcPct val="100000"/>
               </a:lnSpc>
@@ -8633,22 +10028,22 @@
               </a:rPr>
               <a:t>If you still don’t see your funds contact the course’s TA</a:t>
             </a:r>
-            <a:endParaRPr b="0" lang="en-GB" sz="2270" spc="-1" strike="noStrike">
-              <a:latin typeface="Arial"/>
-            </a:endParaRPr>
-          </a:p>
-        </p:txBody>
-      </p:sp>
-      <p:sp>
-        <p:nvSpPr>
-          <p:cNvPr id="167" name="CustomShape 2"/>
+            <a:endParaRPr b="0" lang="en-US" sz="2270" spc="-1" strike="noStrike">
+              <a:latin typeface="Arial"/>
+            </a:endParaRPr>
+          </a:p>
+        </p:txBody>
+      </p:sp>
+      <p:sp>
+        <p:nvSpPr>
+          <p:cNvPr id="205" name="CustomShape 2"/>
           <p:cNvSpPr/>
           <p:nvPr/>
         </p:nvSpPr>
         <p:spPr>
           <a:xfrm>
             <a:off x="952560" y="-23760"/>
-            <a:ext cx="11098440" cy="2157840"/>
+            <a:ext cx="11098080" cy="2157480"/>
           </a:xfrm>
           <a:prstGeom prst="rect">
             <a:avLst/>
@@ -8665,7 +10060,9 @@
           <a:fontRef idx="minor"/>
         </p:style>
         <p:txBody>
-          <a:bodyPr lIns="50760" rIns="50760" tIns="50760" bIns="50760" anchor="ctr"/>
+          <a:bodyPr lIns="50760" rIns="50760" tIns="50760" bIns="50760" anchor="ctr">
+            <a:noAutofit/>
+          </a:bodyPr>
           <a:p>
             <a:pPr algn="ctr">
               <a:lnSpc>
@@ -8682,7 +10079,7 @@
               </a:rPr>
               <a:t>Debugging</a:t>
             </a:r>
-            <a:endParaRPr b="0" lang="en-GB" sz="8000" spc="-1" strike="noStrike">
+            <a:endParaRPr b="0" lang="en-US" sz="8000" spc="-1" strike="noStrike">
               <a:latin typeface="Arial"/>
             </a:endParaRPr>
           </a:p>
@@ -8690,33 +10087,14 @@
       </p:sp>
     </p:spTree>
   </p:cSld>
-  <p:timing>
-    <p:tnLst>
-      <p:par>
-        <p:cTn id="47" dur="indefinite" restart="never" nodeType="tmRoot">
-          <p:childTnLst>
-            <p:seq>
-              <p:cTn id="48" dur="indefinite" nodeType="mainSeq"/>
-              <p:prevCondLst>
-                <p:cond delay="0" evt="onPrev">
-                  <p:tgtEl>
-                    <p:sldTgt/>
-                  </p:tgtEl>
-                </p:cond>
-              </p:prevCondLst>
-              <p:nextCondLst>
-                <p:cond delay="0" evt="onNext">
-                  <p:tgtEl>
-                    <p:sldTgt/>
-                  </p:tgtEl>
-                </p:cond>
-              </p:nextCondLst>
-            </p:seq>
-          </p:childTnLst>
-        </p:cTn>
-      </p:par>
-    </p:tnLst>
-  </p:timing>
+  <mc:AlternateContent>
+    <mc:Choice Requires="p14">
+      <p:transition spd="slow" p14:dur="2000"/>
+    </mc:Choice>
+    <mc:Fallback>
+      <p:transition spd="slow"/>
+    </mc:Fallback>
+  </mc:AlternateContent>
 </p:sld>
 </file>
 
@@ -8739,14 +10117,14 @@
       </p:grpSpPr>
       <p:sp>
         <p:nvSpPr>
-          <p:cNvPr id="168" name="CustomShape 1"/>
+          <p:cNvPr id="206" name="CustomShape 1"/>
           <p:cNvSpPr/>
           <p:nvPr/>
         </p:nvSpPr>
         <p:spPr>
           <a:xfrm>
             <a:off x="952560" y="1512000"/>
-            <a:ext cx="11098440" cy="8135280"/>
+            <a:ext cx="11098080" cy="8134920"/>
           </a:xfrm>
           <a:prstGeom prst="rect">
             <a:avLst/>
@@ -8763,9 +10141,11 @@
           <a:fontRef idx="minor"/>
         </p:style>
         <p:txBody>
-          <a:bodyPr lIns="50760" rIns="50760" tIns="50760" bIns="50760" anchor="ctr"/>
-          <a:p>
-            <a:pPr marL="280080" indent="-278640">
+          <a:bodyPr lIns="50760" rIns="50760" tIns="50760" bIns="50760" anchor="ctr">
+            <a:noAutofit/>
+          </a:bodyPr>
+          <a:p>
+            <a:pPr marL="280080" indent="-278280">
               <a:lnSpc>
                 <a:spcPct val="100000"/>
               </a:lnSpc>
@@ -8786,12 +10166,12 @@
               </a:rPr>
               <a:t>If you want to find past transactions’ IDs</a:t>
             </a:r>
-            <a:endParaRPr b="0" lang="en-GB" sz="2270" spc="-1" strike="noStrike">
-              <a:latin typeface="Arial"/>
-            </a:endParaRPr>
-          </a:p>
-          <a:p>
-            <a:pPr lvl="1" marL="432000" indent="-215280">
+            <a:endParaRPr b="0" lang="en-US" sz="2270" spc="-1" strike="noStrike">
+              <a:latin typeface="Arial"/>
+            </a:endParaRPr>
+          </a:p>
+          <a:p>
+            <a:pPr lvl="1" marL="432000" indent="-214920">
               <a:lnSpc>
                 <a:spcPct val="100000"/>
               </a:lnSpc>
@@ -8812,12 +10192,12 @@
               </a:rPr>
               <a:t>Metamask keeps a list of all transactions that you have made</a:t>
             </a:r>
-            <a:endParaRPr b="0" lang="en-GB" sz="2270" spc="-1" strike="noStrike">
-              <a:latin typeface="Arial"/>
-            </a:endParaRPr>
-          </a:p>
-          <a:p>
-            <a:pPr lvl="1" marL="432000" indent="-215280">
+            <a:endParaRPr b="0" lang="en-US" sz="2270" spc="-1" strike="noStrike">
+              <a:latin typeface="Arial"/>
+            </a:endParaRPr>
+          </a:p>
+          <a:p>
+            <a:pPr lvl="1" marL="432000" indent="-214920">
               <a:lnSpc>
                 <a:spcPct val="100000"/>
               </a:lnSpc>
@@ -8838,12 +10218,12 @@
               </a:rPr>
               <a:t>Click on a transaction and it will redirect you to Etherscan – the public Ethereum network’s explorer</a:t>
             </a:r>
-            <a:endParaRPr b="0" lang="en-GB" sz="2270" spc="-1" strike="noStrike">
-              <a:latin typeface="Arial"/>
-            </a:endParaRPr>
-          </a:p>
-          <a:p>
-            <a:pPr lvl="1" marL="432000" indent="-215280">
+            <a:endParaRPr b="0" lang="en-US" sz="2270" spc="-1" strike="noStrike">
+              <a:latin typeface="Arial"/>
+            </a:endParaRPr>
+          </a:p>
+          <a:p>
+            <a:pPr lvl="1" marL="432000" indent="-214920">
               <a:lnSpc>
                 <a:spcPct val="100000"/>
               </a:lnSpc>
@@ -8875,12 +10255,12 @@
               </a:rPr>
               <a:t>but</a:t>
             </a:r>
-            <a:endParaRPr b="0" lang="en-GB" sz="2270" spc="-1" strike="noStrike">
-              <a:latin typeface="Arial"/>
-            </a:endParaRPr>
-          </a:p>
-          <a:p>
-            <a:pPr lvl="1" marL="432000" indent="-215280">
+            <a:endParaRPr b="0" lang="en-US" sz="2270" spc="-1" strike="noStrike">
+              <a:latin typeface="Arial"/>
+            </a:endParaRPr>
+          </a:p>
+          <a:p>
+            <a:pPr lvl="1" marL="432000" indent="-214920">
               <a:lnSpc>
                 <a:spcPct val="100000"/>
               </a:lnSpc>
@@ -8901,7 +10281,7 @@
               </a:rPr>
               <a:t>Either in the URL or in Etherscan’s page you will find the transaction ID</a:t>
             </a:r>
-            <a:endParaRPr b="0" lang="en-GB" sz="2270" spc="-1" strike="noStrike">
+            <a:endParaRPr b="0" lang="en-US" sz="2270" spc="-1" strike="noStrike">
               <a:latin typeface="Arial"/>
             </a:endParaRPr>
           </a:p>
@@ -8911,12 +10291,12 @@
                 <a:spcPct val="100000"/>
               </a:lnSpc>
             </a:pPr>
-            <a:endParaRPr b="0" lang="en-GB" sz="2270" spc="-1" strike="noStrike">
-              <a:latin typeface="Arial"/>
-            </a:endParaRPr>
-          </a:p>
-          <a:p>
-            <a:pPr marL="280080" indent="-278640">
+            <a:endParaRPr b="0" lang="en-US" sz="2270" spc="-1" strike="noStrike">
+              <a:latin typeface="Arial"/>
+            </a:endParaRPr>
+          </a:p>
+          <a:p>
+            <a:pPr marL="280080" indent="-278280">
               <a:lnSpc>
                 <a:spcPct val="100000"/>
               </a:lnSpc>
@@ -8937,12 +10317,12 @@
               </a:rPr>
               <a:t>If you interact with a contract but don’t see your changes published</a:t>
             </a:r>
-            <a:endParaRPr b="0" lang="en-GB" sz="2270" spc="-1" strike="noStrike">
-              <a:latin typeface="Arial"/>
-            </a:endParaRPr>
-          </a:p>
-          <a:p>
-            <a:pPr lvl="1" marL="432000" indent="-215280">
+            <a:endParaRPr b="0" lang="en-US" sz="2270" spc="-1" strike="noStrike">
+              <a:latin typeface="Arial"/>
+            </a:endParaRPr>
+          </a:p>
+          <a:p>
+            <a:pPr lvl="1" marL="432000" indent="-214920">
               <a:lnSpc>
                 <a:spcPct val="100000"/>
               </a:lnSpc>
@@ -8973,12 +10353,12 @@
               </a:rPr>
               <a:t>Injected Web3</a:t>
             </a:r>
-            <a:endParaRPr b="0" lang="en-GB" sz="2270" spc="-1" strike="noStrike">
-              <a:latin typeface="Arial"/>
-            </a:endParaRPr>
-          </a:p>
-          <a:p>
-            <a:pPr lvl="1" marL="432000" indent="-215280">
+            <a:endParaRPr b="0" lang="en-US" sz="2270" spc="-1" strike="noStrike">
+              <a:latin typeface="Arial"/>
+            </a:endParaRPr>
+          </a:p>
+          <a:p>
+            <a:pPr lvl="1" marL="432000" indent="-214920">
               <a:lnSpc>
                 <a:spcPct val="100000"/>
               </a:lnSpc>
@@ -9020,22 +10400,22 @@
               </a:rPr>
               <a:t> as the deployed contract</a:t>
             </a:r>
-            <a:endParaRPr b="0" lang="en-GB" sz="2270" spc="-1" strike="noStrike">
-              <a:latin typeface="Arial"/>
-            </a:endParaRPr>
-          </a:p>
-        </p:txBody>
-      </p:sp>
-      <p:sp>
-        <p:nvSpPr>
-          <p:cNvPr id="169" name="CustomShape 2"/>
+            <a:endParaRPr b="0" lang="en-US" sz="2270" spc="-1" strike="noStrike">
+              <a:latin typeface="Arial"/>
+            </a:endParaRPr>
+          </a:p>
+        </p:txBody>
+      </p:sp>
+      <p:sp>
+        <p:nvSpPr>
+          <p:cNvPr id="207" name="CustomShape 2"/>
           <p:cNvSpPr/>
           <p:nvPr/>
         </p:nvSpPr>
         <p:spPr>
           <a:xfrm>
             <a:off x="952560" y="-23760"/>
-            <a:ext cx="11098440" cy="2157840"/>
+            <a:ext cx="11098080" cy="2157480"/>
           </a:xfrm>
           <a:prstGeom prst="rect">
             <a:avLst/>
@@ -9052,7 +10432,9 @@
           <a:fontRef idx="minor"/>
         </p:style>
         <p:txBody>
-          <a:bodyPr lIns="50760" rIns="50760" tIns="50760" bIns="50760" anchor="ctr"/>
+          <a:bodyPr lIns="50760" rIns="50760" tIns="50760" bIns="50760" anchor="ctr">
+            <a:noAutofit/>
+          </a:bodyPr>
           <a:p>
             <a:pPr algn="ctr">
               <a:lnSpc>
@@ -9069,7 +10451,7 @@
               </a:rPr>
               <a:t>Debugging</a:t>
             </a:r>
-            <a:endParaRPr b="0" lang="en-GB" sz="8000" spc="-1" strike="noStrike">
+            <a:endParaRPr b="0" lang="en-US" sz="8000" spc="-1" strike="noStrike">
               <a:latin typeface="Arial"/>
             </a:endParaRPr>
           </a:p>
@@ -9077,33 +10459,14 @@
       </p:sp>
     </p:spTree>
   </p:cSld>
-  <p:timing>
-    <p:tnLst>
-      <p:par>
-        <p:cTn id="49" dur="indefinite" restart="never" nodeType="tmRoot">
-          <p:childTnLst>
-            <p:seq>
-              <p:cTn id="50" dur="indefinite" nodeType="mainSeq"/>
-              <p:prevCondLst>
-                <p:cond delay="0" evt="onPrev">
-                  <p:tgtEl>
-                    <p:sldTgt/>
-                  </p:tgtEl>
-                </p:cond>
-              </p:prevCondLst>
-              <p:nextCondLst>
-                <p:cond delay="0" evt="onNext">
-                  <p:tgtEl>
-                    <p:sldTgt/>
-                  </p:tgtEl>
-                </p:cond>
-              </p:nextCondLst>
-            </p:seq>
-          </p:childTnLst>
-        </p:cTn>
-      </p:par>
-    </p:tnLst>
-  </p:timing>
+  <mc:AlternateContent>
+    <mc:Choice Requires="p14">
+      <p:transition spd="slow" p14:dur="2000"/>
+    </mc:Choice>
+    <mc:Fallback>
+      <p:transition spd="slow"/>
+    </mc:Fallback>
+  </mc:AlternateContent>
 </p:sld>
 </file>
 
@@ -9126,14 +10489,14 @@
       </p:grpSpPr>
       <p:sp>
         <p:nvSpPr>
-          <p:cNvPr id="79" name="CustomShape 1"/>
+          <p:cNvPr id="117" name="CustomShape 1"/>
           <p:cNvSpPr/>
           <p:nvPr/>
         </p:nvSpPr>
         <p:spPr>
           <a:xfrm>
             <a:off x="952560" y="444600"/>
-            <a:ext cx="11098440" cy="2157480"/>
+            <a:ext cx="11098080" cy="2157120"/>
           </a:xfrm>
           <a:prstGeom prst="rect">
             <a:avLst/>
@@ -9150,7 +10513,9 @@
           <a:fontRef idx="minor"/>
         </p:style>
         <p:txBody>
-          <a:bodyPr lIns="50760" rIns="50760" tIns="50760" bIns="50760" anchor="ctr"/>
+          <a:bodyPr lIns="50760" rIns="50760" tIns="50760" bIns="50760" anchor="ctr">
+            <a:noAutofit/>
+          </a:bodyPr>
           <a:p>
             <a:pPr algn="ctr">
               <a:lnSpc>
@@ -9178,22 +10543,22 @@
               </a:rPr>
               <a:t>Install Metamask</a:t>
             </a:r>
-            <a:endParaRPr b="0" lang="en-GB" sz="6719" spc="-1" strike="noStrike">
-              <a:latin typeface="Arial"/>
-            </a:endParaRPr>
-          </a:p>
-        </p:txBody>
-      </p:sp>
-      <p:sp>
-        <p:nvSpPr>
-          <p:cNvPr id="80" name="CustomShape 2"/>
+            <a:endParaRPr b="0" lang="en-US" sz="6719" spc="-1" strike="noStrike">
+              <a:latin typeface="Arial"/>
+            </a:endParaRPr>
+          </a:p>
+        </p:txBody>
+      </p:sp>
+      <p:sp>
+        <p:nvSpPr>
+          <p:cNvPr id="118" name="CustomShape 2"/>
           <p:cNvSpPr/>
           <p:nvPr/>
         </p:nvSpPr>
         <p:spPr>
           <a:xfrm>
             <a:off x="952560" y="2603520"/>
-            <a:ext cx="11098440" cy="6285240"/>
+            <a:ext cx="11098080" cy="6284880"/>
           </a:xfrm>
           <a:prstGeom prst="rect">
             <a:avLst/>
@@ -9210,9 +10575,11 @@
           <a:fontRef idx="minor"/>
         </p:style>
         <p:txBody>
-          <a:bodyPr lIns="50760" rIns="50760" tIns="50760" bIns="50760" anchor="ctr"/>
-          <a:p>
-            <a:pPr marL="382320" indent="-380880">
+          <a:bodyPr lIns="50760" rIns="50760" tIns="50760" bIns="50760" anchor="ctr">
+            <a:noAutofit/>
+          </a:bodyPr>
+          <a:p>
+            <a:pPr marL="382320" indent="-380520">
               <a:lnSpc>
                 <a:spcPct val="100000"/>
               </a:lnSpc>
@@ -9232,12 +10599,12 @@
               </a:rPr>
               <a:t>It is an extension for Firefox and Google Chrome.</a:t>
             </a:r>
-            <a:endParaRPr b="0" lang="en-GB" sz="3100" spc="-1" strike="noStrike">
-              <a:latin typeface="Arial"/>
-            </a:endParaRPr>
-          </a:p>
-          <a:p>
-            <a:pPr marL="382320" indent="-380880">
+            <a:endParaRPr b="0" lang="en-US" sz="3100" spc="-1" strike="noStrike">
+              <a:latin typeface="Arial"/>
+            </a:endParaRPr>
+          </a:p>
+          <a:p>
+            <a:pPr marL="382320" indent="-380520">
               <a:lnSpc>
                 <a:spcPct val="100000"/>
               </a:lnSpc>
@@ -9260,12 +10627,12 @@
               </a:rPr>
               <a:t>Allows us to create our public/private keys and connect to the blockchain. </a:t>
             </a:r>
-            <a:endParaRPr b="0" lang="en-GB" sz="3100" spc="-1" strike="noStrike">
-              <a:latin typeface="Arial"/>
-            </a:endParaRPr>
-          </a:p>
-          <a:p>
-            <a:pPr marL="382320" indent="-380880">
+            <a:endParaRPr b="0" lang="en-US" sz="3100" spc="-1" strike="noStrike">
+              <a:latin typeface="Arial"/>
+            </a:endParaRPr>
+          </a:p>
+          <a:p>
+            <a:pPr marL="382320" indent="-380520">
               <a:lnSpc>
                 <a:spcPct val="100000"/>
               </a:lnSpc>
@@ -9288,12 +10655,12 @@
               </a:rPr>
               <a:t>We recommend using MetaMask for Firefox or Chrome</a:t>
             </a:r>
-            <a:endParaRPr b="0" lang="en-GB" sz="3100" spc="-1" strike="noStrike">
-              <a:latin typeface="Arial"/>
-            </a:endParaRPr>
-          </a:p>
-          <a:p>
-            <a:pPr marL="928440" indent="-380880">
+            <a:endParaRPr b="0" lang="en-US" sz="3100" spc="-1" strike="noStrike">
+              <a:latin typeface="Arial"/>
+            </a:endParaRPr>
+          </a:p>
+          <a:p>
+            <a:pPr marL="928440" indent="-380520">
               <a:lnSpc>
                 <a:spcPct val="100000"/>
               </a:lnSpc>
@@ -9328,12 +10695,12 @@
               </a:rPr>
               <a:t>https://metamask.io/</a:t>
             </a:r>
-            <a:endParaRPr b="0" lang="en-GB" sz="2150" spc="-1" strike="noStrike">
-              <a:latin typeface="Arial"/>
-            </a:endParaRPr>
-          </a:p>
-          <a:p>
-            <a:pPr marL="282960" indent="-281520">
+            <a:endParaRPr b="0" lang="en-US" sz="2150" spc="-1" strike="noStrike">
+              <a:latin typeface="Arial"/>
+            </a:endParaRPr>
+          </a:p>
+          <a:p>
+            <a:pPr marL="282960" indent="-281160">
               <a:lnSpc>
                 <a:spcPct val="100000"/>
               </a:lnSpc>
@@ -9356,7 +10723,7 @@
               </a:rPr>
               <a:t>Follow the instructions to install it.</a:t>
             </a:r>
-            <a:endParaRPr b="0" lang="en-GB" sz="3100" spc="-1" strike="noStrike">
+            <a:endParaRPr b="0" lang="en-US" sz="3100" spc="-1" strike="noStrike">
               <a:latin typeface="Arial"/>
             </a:endParaRPr>
           </a:p>
@@ -9364,33 +10731,14 @@
       </p:sp>
     </p:spTree>
   </p:cSld>
-  <p:timing>
-    <p:tnLst>
-      <p:par>
-        <p:cTn id="5" dur="indefinite" restart="never" nodeType="tmRoot">
-          <p:childTnLst>
-            <p:seq>
-              <p:cTn id="6" dur="indefinite" nodeType="mainSeq"/>
-              <p:prevCondLst>
-                <p:cond delay="0" evt="onPrev">
-                  <p:tgtEl>
-                    <p:sldTgt/>
-                  </p:tgtEl>
-                </p:cond>
-              </p:prevCondLst>
-              <p:nextCondLst>
-                <p:cond delay="0" evt="onNext">
-                  <p:tgtEl>
-                    <p:sldTgt/>
-                  </p:tgtEl>
-                </p:cond>
-              </p:nextCondLst>
-            </p:seq>
-          </p:childTnLst>
-        </p:cTn>
-      </p:par>
-    </p:tnLst>
-  </p:timing>
+  <mc:AlternateContent>
+    <mc:Choice Requires="p14">
+      <p:transition spd="slow" p14:dur="2000"/>
+    </mc:Choice>
+    <mc:Fallback>
+      <p:transition spd="slow"/>
+    </mc:Fallback>
+  </mc:AlternateContent>
 </p:sld>
 </file>
 
@@ -9413,14 +10761,14 @@
       </p:grpSpPr>
       <p:sp>
         <p:nvSpPr>
-          <p:cNvPr id="81" name="CustomShape 1"/>
+          <p:cNvPr id="119" name="CustomShape 1"/>
           <p:cNvSpPr/>
           <p:nvPr/>
         </p:nvSpPr>
         <p:spPr>
           <a:xfrm>
             <a:off x="1117440" y="488880"/>
-            <a:ext cx="11098440" cy="6285240"/>
+            <a:ext cx="11098080" cy="6284880"/>
           </a:xfrm>
           <a:prstGeom prst="rect">
             <a:avLst/>
@@ -9437,9 +10785,11 @@
           <a:fontRef idx="minor"/>
         </p:style>
         <p:txBody>
-          <a:bodyPr lIns="50760" rIns="50760" tIns="50760" bIns="50760" anchor="ctr"/>
-          <a:p>
-            <a:pPr marL="444600" indent="-443160">
+          <a:bodyPr lIns="50760" rIns="50760" tIns="50760" bIns="50760" anchor="ctr">
+            <a:noAutofit/>
+          </a:bodyPr>
+          <a:p>
+            <a:pPr marL="444600" indent="-442800">
               <a:lnSpc>
                 <a:spcPct val="100000"/>
               </a:lnSpc>
@@ -9459,22 +10809,22 @@
               </a:rPr>
               <a:t>Click on the MetaMask icon on the top right side of your browser.</a:t>
             </a:r>
-            <a:endParaRPr b="0" lang="en-GB" sz="3600" spc="-1" strike="noStrike">
-              <a:latin typeface="Arial"/>
-            </a:endParaRPr>
-          </a:p>
-        </p:txBody>
-      </p:sp>
-      <p:sp>
-        <p:nvSpPr>
-          <p:cNvPr id="82" name="CustomShape 2"/>
+            <a:endParaRPr b="0" lang="en-US" sz="3600" spc="-1" strike="noStrike">
+              <a:latin typeface="Arial"/>
+            </a:endParaRPr>
+          </a:p>
+        </p:txBody>
+      </p:sp>
+      <p:sp>
+        <p:nvSpPr>
+          <p:cNvPr id="120" name="CustomShape 2"/>
           <p:cNvSpPr/>
           <p:nvPr/>
         </p:nvSpPr>
         <p:spPr>
           <a:xfrm>
             <a:off x="952560" y="444600"/>
-            <a:ext cx="11098440" cy="2157480"/>
+            <a:ext cx="11098080" cy="2157120"/>
           </a:xfrm>
           <a:prstGeom prst="rect">
             <a:avLst/>
@@ -9491,7 +10841,9 @@
           <a:fontRef idx="minor"/>
         </p:style>
         <p:txBody>
-          <a:bodyPr lIns="50760" rIns="50760" tIns="50760" bIns="50760" anchor="ctr"/>
+          <a:bodyPr lIns="50760" rIns="50760" tIns="50760" bIns="50760" anchor="ctr">
+            <a:noAutofit/>
+          </a:bodyPr>
           <a:p>
             <a:pPr algn="ctr">
               <a:lnSpc>
@@ -9519,7 +10871,7 @@
               </a:rPr>
               <a:t> Set Up an Account in MetaMask</a:t>
             </a:r>
-            <a:endParaRPr b="0" lang="en-GB" sz="5840" spc="-1" strike="noStrike">
+            <a:endParaRPr b="0" lang="en-US" sz="5840" spc="-1" strike="noStrike">
               <a:latin typeface="Arial"/>
             </a:endParaRPr>
           </a:p>
@@ -9527,19 +10879,19 @@
       </p:sp>
       <p:pic>
         <p:nvPicPr>
-          <p:cNvPr id="83" name="Google Shape;78;p17" descr=""/>
+          <p:cNvPr id="121" name="Google Shape;78;p17" descr=""/>
           <p:cNvPicPr/>
           <p:nvPr/>
         </p:nvPicPr>
         <p:blipFill>
           <a:blip r:embed="rId1"/>
-          <a:srcRect l="47049" t="0" r="0" b="62635"/>
+          <a:srcRect l="47043" t="0" r="0" b="62626"/>
           <a:stretch/>
         </p:blipFill>
         <p:spPr>
           <a:xfrm>
             <a:off x="2353320" y="5514120"/>
-            <a:ext cx="8296560" cy="2811240"/>
+            <a:ext cx="8296200" cy="2810880"/>
           </a:xfrm>
           <a:prstGeom prst="rect">
             <a:avLst/>
@@ -9551,14 +10903,14 @@
       </p:pic>
       <p:sp>
         <p:nvSpPr>
-          <p:cNvPr id="84" name="CustomShape 3"/>
+          <p:cNvPr id="122" name="CustomShape 3"/>
           <p:cNvSpPr/>
           <p:nvPr/>
         </p:nvSpPr>
         <p:spPr>
           <a:xfrm>
             <a:off x="7305120" y="3590640"/>
-            <a:ext cx="2738160" cy="2403000"/>
+            <a:ext cx="2737800" cy="2402640"/>
           </a:xfrm>
           <a:custGeom>
             <a:avLst/>
@@ -9594,33 +10946,14 @@
       </p:sp>
     </p:spTree>
   </p:cSld>
-  <p:timing>
-    <p:tnLst>
-      <p:par>
-        <p:cTn id="7" dur="indefinite" restart="never" nodeType="tmRoot">
-          <p:childTnLst>
-            <p:seq>
-              <p:cTn id="8" dur="indefinite" nodeType="mainSeq"/>
-              <p:prevCondLst>
-                <p:cond delay="0" evt="onPrev">
-                  <p:tgtEl>
-                    <p:sldTgt/>
-                  </p:tgtEl>
-                </p:cond>
-              </p:prevCondLst>
-              <p:nextCondLst>
-                <p:cond delay="0" evt="onNext">
-                  <p:tgtEl>
-                    <p:sldTgt/>
-                  </p:tgtEl>
-                </p:cond>
-              </p:nextCondLst>
-            </p:seq>
-          </p:childTnLst>
-        </p:cTn>
-      </p:par>
-    </p:tnLst>
-  </p:timing>
+  <mc:AlternateContent>
+    <mc:Choice Requires="p14">
+      <p:transition spd="slow" p14:dur="2000"/>
+    </mc:Choice>
+    <mc:Fallback>
+      <p:transition spd="slow"/>
+    </mc:Fallback>
+  </mc:AlternateContent>
 </p:sld>
 </file>
 
@@ -9643,14 +10976,14 @@
       </p:grpSpPr>
       <p:sp>
         <p:nvSpPr>
-          <p:cNvPr id="85" name="CustomShape 1"/>
+          <p:cNvPr id="123" name="CustomShape 1"/>
           <p:cNvSpPr/>
           <p:nvPr/>
         </p:nvSpPr>
         <p:spPr>
           <a:xfrm>
             <a:off x="952560" y="2826000"/>
-            <a:ext cx="11098440" cy="6285240"/>
+            <a:ext cx="11098080" cy="6284880"/>
           </a:xfrm>
           <a:prstGeom prst="rect">
             <a:avLst/>
@@ -9667,9 +11000,11 @@
           <a:fontRef idx="minor"/>
         </p:style>
         <p:txBody>
-          <a:bodyPr lIns="50760" rIns="50760" tIns="50760" bIns="50760" anchor="ctr"/>
-          <a:p>
-            <a:pPr marL="444600" indent="-443160">
+          <a:bodyPr lIns="50760" rIns="50760" tIns="50760" bIns="50760" anchor="ctr">
+            <a:noAutofit/>
+          </a:bodyPr>
+          <a:p>
+            <a:pPr marL="444600" indent="-442800">
               <a:lnSpc>
                 <a:spcPct val="100000"/>
               </a:lnSpc>
@@ -9689,12 +11024,12 @@
               </a:rPr>
               <a:t>Follow the instructions to create an account – you can choose the beta version which is more user friendly</a:t>
             </a:r>
-            <a:endParaRPr b="0" lang="en-GB" sz="3600" spc="-1" strike="noStrike">
-              <a:latin typeface="Arial"/>
-            </a:endParaRPr>
-          </a:p>
-          <a:p>
-            <a:pPr marL="444600" indent="-443160">
+            <a:endParaRPr b="0" lang="en-US" sz="3600" spc="-1" strike="noStrike">
+              <a:latin typeface="Arial"/>
+            </a:endParaRPr>
+          </a:p>
+          <a:p>
+            <a:pPr marL="444600" indent="-442800">
               <a:lnSpc>
                 <a:spcPct val="100000"/>
               </a:lnSpc>
@@ -9717,12 +11052,12 @@
               </a:rPr>
               <a:t>After you provide a password, an account (i.e. an address, public and secret keys) will be created for you – you can also create more than one accounts per wallet</a:t>
             </a:r>
-            <a:endParaRPr b="0" lang="en-GB" sz="3600" spc="-1" strike="noStrike">
-              <a:latin typeface="Arial"/>
-            </a:endParaRPr>
-          </a:p>
-          <a:p>
-            <a:pPr marL="444600" indent="-443160">
+            <a:endParaRPr b="0" lang="en-US" sz="3600" spc="-1" strike="noStrike">
+              <a:latin typeface="Arial"/>
+            </a:endParaRPr>
+          </a:p>
+          <a:p>
+            <a:pPr marL="444600" indent="-442800">
               <a:lnSpc>
                 <a:spcPct val="100000"/>
               </a:lnSpc>
@@ -9755,22 +11090,22 @@
               </a:rPr>
               <a:t>: you will need it to restore your wallet in case you delete Metamask</a:t>
             </a:r>
-            <a:endParaRPr b="0" lang="en-GB" sz="3600" spc="-1" strike="noStrike">
-              <a:latin typeface="Arial"/>
-            </a:endParaRPr>
-          </a:p>
-        </p:txBody>
-      </p:sp>
-      <p:sp>
-        <p:nvSpPr>
-          <p:cNvPr id="86" name="CustomShape 2"/>
+            <a:endParaRPr b="0" lang="en-US" sz="3600" spc="-1" strike="noStrike">
+              <a:latin typeface="Arial"/>
+            </a:endParaRPr>
+          </a:p>
+        </p:txBody>
+      </p:sp>
+      <p:sp>
+        <p:nvSpPr>
+          <p:cNvPr id="124" name="CustomShape 2"/>
           <p:cNvSpPr/>
           <p:nvPr/>
         </p:nvSpPr>
         <p:spPr>
           <a:xfrm>
             <a:off x="952560" y="444600"/>
-            <a:ext cx="11098440" cy="2157480"/>
+            <a:ext cx="11098080" cy="2157120"/>
           </a:xfrm>
           <a:prstGeom prst="rect">
             <a:avLst/>
@@ -9787,7 +11122,9 @@
           <a:fontRef idx="minor"/>
         </p:style>
         <p:txBody>
-          <a:bodyPr lIns="50760" rIns="50760" tIns="50760" bIns="50760" anchor="ctr"/>
+          <a:bodyPr lIns="50760" rIns="50760" tIns="50760" bIns="50760" anchor="ctr">
+            <a:noAutofit/>
+          </a:bodyPr>
           <a:p>
             <a:pPr algn="ctr">
               <a:lnSpc>
@@ -9815,7 +11152,7 @@
               </a:rPr>
               <a:t> Create an Account in MetaMask</a:t>
             </a:r>
-            <a:endParaRPr b="0" lang="en-GB" sz="5920" spc="-1" strike="noStrike">
+            <a:endParaRPr b="0" lang="en-US" sz="5920" spc="-1" strike="noStrike">
               <a:latin typeface="Arial"/>
             </a:endParaRPr>
           </a:p>
@@ -9823,33 +11160,14 @@
       </p:sp>
     </p:spTree>
   </p:cSld>
-  <p:timing>
-    <p:tnLst>
-      <p:par>
-        <p:cTn id="9" dur="indefinite" restart="never" nodeType="tmRoot">
-          <p:childTnLst>
-            <p:seq>
-              <p:cTn id="10" dur="indefinite" nodeType="mainSeq"/>
-              <p:prevCondLst>
-                <p:cond delay="0" evt="onPrev">
-                  <p:tgtEl>
-                    <p:sldTgt/>
-                  </p:tgtEl>
-                </p:cond>
-              </p:prevCondLst>
-              <p:nextCondLst>
-                <p:cond delay="0" evt="onNext">
-                  <p:tgtEl>
-                    <p:sldTgt/>
-                  </p:tgtEl>
-                </p:cond>
-              </p:nextCondLst>
-            </p:seq>
-          </p:childTnLst>
-        </p:cTn>
-      </p:par>
-    </p:tnLst>
-  </p:timing>
+  <mc:AlternateContent>
+    <mc:Choice Requires="p14">
+      <p:transition spd="slow" p14:dur="2000"/>
+    </mc:Choice>
+    <mc:Fallback>
+      <p:transition spd="slow"/>
+    </mc:Fallback>
+  </mc:AlternateContent>
 </p:sld>
 </file>
 
@@ -9872,14 +11190,14 @@
       </p:grpSpPr>
       <p:sp>
         <p:nvSpPr>
-          <p:cNvPr id="87" name="CustomShape 1"/>
+          <p:cNvPr id="125" name="CustomShape 1"/>
           <p:cNvSpPr/>
           <p:nvPr/>
         </p:nvSpPr>
         <p:spPr>
           <a:xfrm>
             <a:off x="952560" y="1396800"/>
-            <a:ext cx="11098440" cy="6285240"/>
+            <a:ext cx="11098080" cy="6284880"/>
           </a:xfrm>
           <a:prstGeom prst="rect">
             <a:avLst/>
@@ -9896,7 +11214,9 @@
           <a:fontRef idx="minor"/>
         </p:style>
         <p:txBody>
-          <a:bodyPr lIns="50760" rIns="50760" tIns="50760" bIns="50760" anchor="ctr"/>
+          <a:bodyPr lIns="50760" rIns="50760" tIns="50760" bIns="50760" anchor="ctr">
+            <a:noAutofit/>
+          </a:bodyPr>
           <a:p>
             <a:pPr>
               <a:lnSpc>
@@ -9913,7 +11233,7 @@
               </a:rPr>
               <a:t>3.1. Click the MetaMask icon.</a:t>
             </a:r>
-            <a:endParaRPr b="0" lang="en-GB" sz="3600" spc="-1" strike="noStrike">
+            <a:endParaRPr b="0" lang="en-US" sz="3600" spc="-1" strike="noStrike">
               <a:latin typeface="Arial"/>
             </a:endParaRPr>
           </a:p>
@@ -9936,7 +11256,7 @@
               </a:rPr>
               <a:t>3.2. Click on the Network option</a:t>
             </a:r>
-            <a:endParaRPr b="0" lang="en-GB" sz="3600" spc="-1" strike="noStrike">
+            <a:endParaRPr b="0" lang="en-US" sz="3600" spc="-1" strike="noStrike">
               <a:latin typeface="Arial"/>
             </a:endParaRPr>
           </a:p>
@@ -9959,22 +11279,22 @@
               </a:rPr>
               <a:t>3.3. Click on “Custom RPC”</a:t>
             </a:r>
-            <a:endParaRPr b="0" lang="en-GB" sz="3600" spc="-1" strike="noStrike">
-              <a:latin typeface="Arial"/>
-            </a:endParaRPr>
-          </a:p>
-        </p:txBody>
-      </p:sp>
-      <p:sp>
-        <p:nvSpPr>
-          <p:cNvPr id="88" name="CustomShape 2"/>
+            <a:endParaRPr b="0" lang="en-US" sz="3600" spc="-1" strike="noStrike">
+              <a:latin typeface="Arial"/>
+            </a:endParaRPr>
+          </a:p>
+        </p:txBody>
+      </p:sp>
+      <p:sp>
+        <p:nvSpPr>
+          <p:cNvPr id="126" name="CustomShape 2"/>
           <p:cNvSpPr/>
           <p:nvPr/>
         </p:nvSpPr>
         <p:spPr>
           <a:xfrm>
             <a:off x="952560" y="444600"/>
-            <a:ext cx="11098440" cy="2157840"/>
+            <a:ext cx="11098080" cy="2157480"/>
           </a:xfrm>
           <a:prstGeom prst="rect">
             <a:avLst/>
@@ -9991,7 +11311,9 @@
           <a:fontRef idx="minor"/>
         </p:style>
         <p:txBody>
-          <a:bodyPr lIns="50760" rIns="50760" tIns="50760" bIns="50760" anchor="ctr"/>
+          <a:bodyPr lIns="50760" rIns="50760" tIns="50760" bIns="50760" anchor="ctr">
+            <a:noAutofit/>
+          </a:bodyPr>
           <a:p>
             <a:pPr algn="ctr">
               <a:lnSpc>
@@ -10029,7 +11351,7 @@
               </a:rPr>
               <a:t>Connect MetaMask to the Private Blockchain</a:t>
             </a:r>
-            <a:endParaRPr b="0" lang="en-GB" sz="4200" spc="-1" strike="noStrike">
+            <a:endParaRPr b="0" lang="en-US" sz="4200" spc="-1" strike="noStrike">
               <a:latin typeface="Arial"/>
             </a:endParaRPr>
           </a:p>
@@ -10037,7 +11359,7 @@
       </p:sp>
       <p:pic>
         <p:nvPicPr>
-          <p:cNvPr id="89" name="" descr=""/>
+          <p:cNvPr id="127" name="" descr=""/>
           <p:cNvPicPr/>
           <p:nvPr/>
         </p:nvPicPr>
@@ -10048,7 +11370,7 @@
         <p:spPr>
           <a:xfrm>
             <a:off x="9565200" y="2592000"/>
-            <a:ext cx="2818800" cy="4896000"/>
+            <a:ext cx="2818440" cy="4895640"/>
           </a:xfrm>
           <a:prstGeom prst="rect">
             <a:avLst/>
@@ -10060,14 +11382,14 @@
       </p:pic>
       <p:sp>
         <p:nvSpPr>
-          <p:cNvPr id="90" name="CustomShape 3"/>
+          <p:cNvPr id="128" name="CustomShape 3"/>
           <p:cNvSpPr/>
           <p:nvPr/>
         </p:nvSpPr>
         <p:spPr>
           <a:xfrm flipH="1" rot="10800000">
-            <a:off x="10800000" y="4679280"/>
-            <a:ext cx="2376000" cy="1295280"/>
+            <a:off x="8503920" y="3368520"/>
+            <a:ext cx="2377440" cy="1203480"/>
           </a:xfrm>
           <a:custGeom>
             <a:avLst/>
@@ -10103,33 +11425,14 @@
       </p:sp>
     </p:spTree>
   </p:cSld>
-  <p:timing>
-    <p:tnLst>
-      <p:par>
-        <p:cTn id="11" dur="indefinite" restart="never" nodeType="tmRoot">
-          <p:childTnLst>
-            <p:seq>
-              <p:cTn id="12" dur="indefinite" nodeType="mainSeq"/>
-              <p:prevCondLst>
-                <p:cond delay="0" evt="onPrev">
-                  <p:tgtEl>
-                    <p:sldTgt/>
-                  </p:tgtEl>
-                </p:cond>
-              </p:prevCondLst>
-              <p:nextCondLst>
-                <p:cond delay="0" evt="onNext">
-                  <p:tgtEl>
-                    <p:sldTgt/>
-                  </p:tgtEl>
-                </p:cond>
-              </p:nextCondLst>
-            </p:seq>
-          </p:childTnLst>
-        </p:cTn>
-      </p:par>
-    </p:tnLst>
-  </p:timing>
+  <mc:AlternateContent>
+    <mc:Choice Requires="p14">
+      <p:transition spd="slow" p14:dur="2000"/>
+    </mc:Choice>
+    <mc:Fallback>
+      <p:transition spd="slow"/>
+    </mc:Fallback>
+  </mc:AlternateContent>
 </p:sld>
 </file>
 
@@ -10152,14 +11455,14 @@
       </p:grpSpPr>
       <p:sp>
         <p:nvSpPr>
-          <p:cNvPr id="91" name="CustomShape 1"/>
+          <p:cNvPr id="129" name="CustomShape 1"/>
           <p:cNvSpPr/>
           <p:nvPr/>
         </p:nvSpPr>
         <p:spPr>
           <a:xfrm>
             <a:off x="952560" y="1905840"/>
-            <a:ext cx="11098440" cy="6285240"/>
+            <a:ext cx="11098080" cy="6284880"/>
           </a:xfrm>
           <a:prstGeom prst="rect">
             <a:avLst/>
@@ -10176,7 +11479,9 @@
           <a:fontRef idx="minor"/>
         </p:style>
         <p:txBody>
-          <a:bodyPr lIns="50760" rIns="50760" tIns="50760" bIns="50760" anchor="ctr"/>
+          <a:bodyPr lIns="50760" rIns="50760" tIns="50760" bIns="50760" anchor="ctr">
+            <a:noAutofit/>
+          </a:bodyPr>
           <a:p>
             <a:pPr>
               <a:lnSpc>
@@ -10193,7 +11498,7 @@
               </a:rPr>
               <a:t>3.1. In the “New RPC URL” box, insert the following link:</a:t>
             </a:r>
-            <a:endParaRPr b="0" lang="en-GB" sz="3600" spc="-1" strike="noStrike">
+            <a:endParaRPr b="0" lang="en-US" sz="3600" spc="-1" strike="noStrike">
               <a:latin typeface="Arial"/>
             </a:endParaRPr>
           </a:p>
@@ -10224,9 +11529,9 @@
                 <a:latin typeface="Helvetica Neue Light"/>
                 <a:ea typeface="Helvetica Neue Light"/>
               </a:rPr>
-              <a:t>http://46.101.81.163:8543</a:t>
-            </a:r>
-            <a:endParaRPr b="0" lang="en-GB" sz="2400" spc="-1" strike="noStrike">
+              <a:t>http://129.215.199.19:8545</a:t>
+            </a:r>
+            <a:endParaRPr b="0" lang="en-US" sz="2400" spc="-1" strike="noStrike">
               <a:latin typeface="Arial"/>
             </a:endParaRPr>
           </a:p>
@@ -10249,7 +11554,7 @@
               </a:rPr>
               <a:t>3.2. Click on Save</a:t>
             </a:r>
-            <a:endParaRPr b="0" lang="en-GB" sz="3600" spc="-1" strike="noStrike">
+            <a:endParaRPr b="0" lang="en-US" sz="3600" spc="-1" strike="noStrike">
               <a:latin typeface="Arial"/>
             </a:endParaRPr>
           </a:p>
@@ -10272,22 +11577,22 @@
               </a:rPr>
               <a:t>3.3. Press X to go to the main page</a:t>
             </a:r>
-            <a:endParaRPr b="0" lang="en-GB" sz="3600" spc="-1" strike="noStrike">
-              <a:latin typeface="Arial"/>
-            </a:endParaRPr>
-          </a:p>
-        </p:txBody>
-      </p:sp>
-      <p:sp>
-        <p:nvSpPr>
-          <p:cNvPr id="92" name="CustomShape 2"/>
+            <a:endParaRPr b="0" lang="en-US" sz="3600" spc="-1" strike="noStrike">
+              <a:latin typeface="Arial"/>
+            </a:endParaRPr>
+          </a:p>
+        </p:txBody>
+      </p:sp>
+      <p:sp>
+        <p:nvSpPr>
+          <p:cNvPr id="130" name="CustomShape 2"/>
           <p:cNvSpPr/>
           <p:nvPr/>
         </p:nvSpPr>
         <p:spPr>
           <a:xfrm>
             <a:off x="952560" y="444600"/>
-            <a:ext cx="11098440" cy="2157480"/>
+            <a:ext cx="11098080" cy="2157120"/>
           </a:xfrm>
           <a:prstGeom prst="rect">
             <a:avLst/>
@@ -10304,7 +11609,9 @@
           <a:fontRef idx="minor"/>
         </p:style>
         <p:txBody>
-          <a:bodyPr lIns="50760" rIns="50760" tIns="50760" bIns="50760" anchor="ctr"/>
+          <a:bodyPr lIns="50760" rIns="50760" tIns="50760" bIns="50760" anchor="ctr">
+            <a:noAutofit/>
+          </a:bodyPr>
           <a:p>
             <a:pPr algn="ctr">
               <a:lnSpc>
@@ -10342,7 +11649,7 @@
               </a:rPr>
               <a:t>Connect MetaMask to the Private Blockchain</a:t>
             </a:r>
-            <a:endParaRPr b="0" lang="en-GB" sz="4200" spc="-1" strike="noStrike">
+            <a:endParaRPr b="0" lang="en-US" sz="4200" spc="-1" strike="noStrike">
               <a:latin typeface="Arial"/>
             </a:endParaRPr>
           </a:p>
@@ -10350,7 +11657,7 @@
       </p:sp>
       <p:pic>
         <p:nvPicPr>
-          <p:cNvPr id="93" name="" descr=""/>
+          <p:cNvPr id="131" name="" descr=""/>
           <p:cNvPicPr/>
           <p:nvPr/>
         </p:nvPicPr>
@@ -10361,7 +11668,7 @@
         <p:spPr>
           <a:xfrm>
             <a:off x="9288000" y="3780000"/>
-            <a:ext cx="3251520" cy="5436000"/>
+            <a:ext cx="3251160" cy="5435640"/>
           </a:xfrm>
           <a:prstGeom prst="rect">
             <a:avLst/>
@@ -10373,14 +11680,14 @@
       </p:pic>
       <p:sp>
         <p:nvSpPr>
-          <p:cNvPr id="94" name="CustomShape 3"/>
+          <p:cNvPr id="132" name="CustomShape 3"/>
           <p:cNvSpPr/>
           <p:nvPr/>
         </p:nvSpPr>
         <p:spPr>
           <a:xfrm>
             <a:off x="6666840" y="3709080"/>
-            <a:ext cx="2909160" cy="2554920"/>
+            <a:ext cx="2908800" cy="2554560"/>
           </a:xfrm>
           <a:custGeom>
             <a:avLst/>
@@ -10416,33 +11723,14 @@
       </p:sp>
     </p:spTree>
   </p:cSld>
-  <p:timing>
-    <p:tnLst>
-      <p:par>
-        <p:cTn id="13" dur="indefinite" restart="never" nodeType="tmRoot">
-          <p:childTnLst>
-            <p:seq>
-              <p:cTn id="14" dur="indefinite" nodeType="mainSeq"/>
-              <p:prevCondLst>
-                <p:cond delay="0" evt="onPrev">
-                  <p:tgtEl>
-                    <p:sldTgt/>
-                  </p:tgtEl>
-                </p:cond>
-              </p:prevCondLst>
-              <p:nextCondLst>
-                <p:cond delay="0" evt="onNext">
-                  <p:tgtEl>
-                    <p:sldTgt/>
-                  </p:tgtEl>
-                </p:cond>
-              </p:nextCondLst>
-            </p:seq>
-          </p:childTnLst>
-        </p:cTn>
-      </p:par>
-    </p:tnLst>
-  </p:timing>
+  <mc:AlternateContent>
+    <mc:Choice Requires="p14">
+      <p:transition spd="slow" p14:dur="2000"/>
+    </mc:Choice>
+    <mc:Fallback>
+      <p:transition spd="slow"/>
+    </mc:Fallback>
+  </mc:AlternateContent>
 </p:sld>
 </file>
 
@@ -10465,14 +11753,14 @@
       </p:grpSpPr>
       <p:sp>
         <p:nvSpPr>
-          <p:cNvPr id="95" name="CustomShape 1"/>
+          <p:cNvPr id="133" name="CustomShape 1"/>
           <p:cNvSpPr/>
           <p:nvPr/>
         </p:nvSpPr>
         <p:spPr>
           <a:xfrm>
             <a:off x="495360" y="5525640"/>
-            <a:ext cx="9943920" cy="3362760"/>
+            <a:ext cx="9943560" cy="3362400"/>
           </a:xfrm>
           <a:prstGeom prst="rect">
             <a:avLst/>
@@ -10489,19 +11777,24 @@
           <a:fontRef idx="minor"/>
         </p:style>
         <p:txBody>
-          <a:bodyPr lIns="50760" rIns="50760" tIns="50760" bIns="50760" anchor="ctr"/>
-          <a:p>
-            <a:pPr marL="444600" indent="-271440">
+          <a:bodyPr lIns="50760" rIns="50760" tIns="50760" bIns="50760" anchor="ctr">
+            <a:noAutofit/>
+          </a:bodyPr>
+          <a:p>
+            <a:pPr marL="444600" indent="-271080">
               <a:lnSpc>
                 <a:spcPct val="100000"/>
               </a:lnSpc>
-            </a:pPr>
-            <a:endParaRPr b="0" lang="en-GB" sz="1800" spc="-1" strike="noStrike">
-              <a:latin typeface="Arial"/>
-            </a:endParaRPr>
-          </a:p>
-          <a:p>
-            <a:pPr marL="444600" indent="-443160">
+              <a:tabLst>
+                <a:tab algn="l" pos="0"/>
+              </a:tabLst>
+            </a:pPr>
+            <a:endParaRPr b="0" lang="en-US" sz="1800" spc="-1" strike="noStrike">
+              <a:latin typeface="Arial"/>
+            </a:endParaRPr>
+          </a:p>
+          <a:p>
+            <a:pPr marL="444600" indent="-442800">
               <a:lnSpc>
                 <a:spcPct val="100000"/>
               </a:lnSpc>
@@ -10513,6 +11806,9 @@
               </a:buClr>
               <a:buFont typeface="Helvetica Neue Light"/>
               <a:buChar char="•"/>
+              <a:tabLst>
+                <a:tab algn="l" pos="0"/>
+              </a:tabLst>
             </a:pPr>
             <a:r>
               <a:rPr b="0" lang="en-GB" sz="3600" spc="-1" strike="noStrike">
@@ -10524,12 +11820,12 @@
               </a:rPr>
               <a:t>Your address is under the account’s name – here it starts with “0x8c” and ends with “c9d9”</a:t>
             </a:r>
-            <a:endParaRPr b="0" lang="en-GB" sz="3600" spc="-1" strike="noStrike">
-              <a:latin typeface="Arial"/>
-            </a:endParaRPr>
-          </a:p>
-          <a:p>
-            <a:pPr marL="444600" indent="-443160">
+            <a:endParaRPr b="0" lang="en-US" sz="3600" spc="-1" strike="noStrike">
+              <a:latin typeface="Arial"/>
+            </a:endParaRPr>
+          </a:p>
+          <a:p>
+            <a:pPr marL="444600" indent="-442800">
               <a:lnSpc>
                 <a:spcPct val="100000"/>
               </a:lnSpc>
@@ -10541,6 +11837,9 @@
               </a:buClr>
               <a:buFont typeface="Helvetica Neue Light"/>
               <a:buChar char="•"/>
+              <a:tabLst>
+                <a:tab algn="l" pos="0"/>
+              </a:tabLst>
             </a:pPr>
             <a:r>
               <a:rPr b="0" lang="en-GB" sz="3600" spc="-1" strike="noStrike">
@@ -10552,22 +11851,22 @@
               </a:rPr>
               <a:t>Click on it to copy it and then send it to those who want to pay you</a:t>
             </a:r>
-            <a:endParaRPr b="0" lang="en-GB" sz="3600" spc="-1" strike="noStrike">
-              <a:latin typeface="Arial"/>
-            </a:endParaRPr>
-          </a:p>
-        </p:txBody>
-      </p:sp>
-      <p:sp>
-        <p:nvSpPr>
-          <p:cNvPr id="96" name="CustomShape 2"/>
+            <a:endParaRPr b="0" lang="en-US" sz="3600" spc="-1" strike="noStrike">
+              <a:latin typeface="Arial"/>
+            </a:endParaRPr>
+          </a:p>
+        </p:txBody>
+      </p:sp>
+      <p:sp>
+        <p:nvSpPr>
+          <p:cNvPr id="134" name="CustomShape 2"/>
           <p:cNvSpPr/>
           <p:nvPr/>
         </p:nvSpPr>
         <p:spPr>
           <a:xfrm>
             <a:off x="745200" y="3477600"/>
-            <a:ext cx="6572160" cy="1738440"/>
+            <a:ext cx="6571800" cy="1738080"/>
           </a:xfrm>
           <a:prstGeom prst="rect">
             <a:avLst/>
@@ -10584,9 +11883,11 @@
           <a:fontRef idx="minor"/>
         </p:style>
         <p:txBody>
-          <a:bodyPr lIns="50760" rIns="50760" tIns="50760" bIns="50760" anchor="ctr"/>
-          <a:p>
-            <a:pPr marL="444600" indent="-443160">
+          <a:bodyPr lIns="50760" rIns="50760" tIns="50760" bIns="50760" anchor="ctr">
+            <a:noAutofit/>
+          </a:bodyPr>
+          <a:p>
+            <a:pPr marL="444600" indent="-442800">
               <a:lnSpc>
                 <a:spcPct val="100000"/>
               </a:lnSpc>
@@ -10606,22 +11907,22 @@
               </a:rPr>
               <a:t>When you’ve successfully connected to the chain, this page will appear</a:t>
             </a:r>
-            <a:endParaRPr b="0" lang="en-GB" sz="3600" spc="-1" strike="noStrike">
-              <a:latin typeface="Arial"/>
-            </a:endParaRPr>
-          </a:p>
-        </p:txBody>
-      </p:sp>
-      <p:sp>
-        <p:nvSpPr>
-          <p:cNvPr id="97" name="CustomShape 3"/>
+            <a:endParaRPr b="0" lang="en-US" sz="3600" spc="-1" strike="noStrike">
+              <a:latin typeface="Arial"/>
+            </a:endParaRPr>
+          </a:p>
+        </p:txBody>
+      </p:sp>
+      <p:sp>
+        <p:nvSpPr>
+          <p:cNvPr id="135" name="CustomShape 3"/>
           <p:cNvSpPr/>
           <p:nvPr/>
         </p:nvSpPr>
         <p:spPr>
           <a:xfrm>
             <a:off x="952560" y="444600"/>
-            <a:ext cx="11098440" cy="2157480"/>
+            <a:ext cx="11098080" cy="2157120"/>
           </a:xfrm>
           <a:prstGeom prst="rect">
             <a:avLst/>
@@ -10638,7 +11939,9 @@
           <a:fontRef idx="minor"/>
         </p:style>
         <p:txBody>
-          <a:bodyPr lIns="50760" rIns="50760" tIns="50760" bIns="50760" anchor="ctr"/>
+          <a:bodyPr lIns="50760" rIns="50760" tIns="50760" bIns="50760" anchor="ctr">
+            <a:noAutofit/>
+          </a:bodyPr>
           <a:p>
             <a:pPr algn="ctr">
               <a:lnSpc>
@@ -10666,7 +11969,7 @@
               </a:rPr>
               <a:t>Your Address</a:t>
             </a:r>
-            <a:endParaRPr b="0" lang="en-GB" sz="6719" spc="-1" strike="noStrike">
+            <a:endParaRPr b="0" lang="en-US" sz="6719" spc="-1" strike="noStrike">
               <a:latin typeface="Arial"/>
             </a:endParaRPr>
           </a:p>
@@ -10674,7 +11977,7 @@
       </p:sp>
       <p:pic>
         <p:nvPicPr>
-          <p:cNvPr id="98" name="Google Shape;109;p21" descr=""/>
+          <p:cNvPr id="136" name="Google Shape;109;p21" descr=""/>
           <p:cNvPicPr/>
           <p:nvPr/>
         </p:nvPicPr>
@@ -10685,7 +11988,7 @@
         <p:spPr>
           <a:xfrm>
             <a:off x="9288000" y="360000"/>
-            <a:ext cx="3637080" cy="6170760"/>
+            <a:ext cx="3636720" cy="6170400"/>
           </a:xfrm>
           <a:prstGeom prst="rect">
             <a:avLst/>
@@ -10697,14 +12000,14 @@
       </p:pic>
       <p:sp>
         <p:nvSpPr>
-          <p:cNvPr id="99" name="CustomShape 4"/>
+          <p:cNvPr id="137" name="CustomShape 4"/>
           <p:cNvSpPr/>
           <p:nvPr/>
         </p:nvSpPr>
         <p:spPr>
           <a:xfrm flipH="1" rot="10800000">
-            <a:off x="29327040" y="21182760"/>
-            <a:ext cx="6195600" cy="4658040"/>
+            <a:off x="29326680" y="21183120"/>
+            <a:ext cx="6195240" cy="4657680"/>
           </a:xfrm>
           <a:custGeom>
             <a:avLst/>
@@ -10740,33 +12043,14 @@
       </p:sp>
     </p:spTree>
   </p:cSld>
-  <p:timing>
-    <p:tnLst>
-      <p:par>
-        <p:cTn id="15" dur="indefinite" restart="never" nodeType="tmRoot">
-          <p:childTnLst>
-            <p:seq>
-              <p:cTn id="16" dur="indefinite" nodeType="mainSeq"/>
-              <p:prevCondLst>
-                <p:cond delay="0" evt="onPrev">
-                  <p:tgtEl>
-                    <p:sldTgt/>
-                  </p:tgtEl>
-                </p:cond>
-              </p:prevCondLst>
-              <p:nextCondLst>
-                <p:cond delay="0" evt="onNext">
-                  <p:tgtEl>
-                    <p:sldTgt/>
-                  </p:tgtEl>
-                </p:cond>
-              </p:nextCondLst>
-            </p:seq>
-          </p:childTnLst>
-        </p:cTn>
-      </p:par>
-    </p:tnLst>
-  </p:timing>
+  <mc:AlternateContent>
+    <mc:Choice Requires="p14">
+      <p:transition spd="slow" p14:dur="2000"/>
+    </mc:Choice>
+    <mc:Fallback>
+      <p:transition spd="slow"/>
+    </mc:Fallback>
+  </mc:AlternateContent>
 </p:sld>
 </file>
 
@@ -10789,14 +12073,14 @@
       </p:grpSpPr>
       <p:sp>
         <p:nvSpPr>
-          <p:cNvPr id="100" name="CustomShape 1"/>
+          <p:cNvPr id="138" name="CustomShape 1"/>
           <p:cNvSpPr/>
           <p:nvPr/>
         </p:nvSpPr>
         <p:spPr>
           <a:xfrm>
             <a:off x="952560" y="444600"/>
-            <a:ext cx="11098440" cy="2157480"/>
+            <a:ext cx="11098080" cy="2157120"/>
           </a:xfrm>
           <a:prstGeom prst="rect">
             <a:avLst/>
@@ -10813,7 +12097,9 @@
           <a:fontRef idx="minor"/>
         </p:style>
         <p:txBody>
-          <a:bodyPr lIns="50760" rIns="50760" tIns="50760" bIns="50760" anchor="ctr"/>
+          <a:bodyPr lIns="50760" rIns="50760" tIns="50760" bIns="50760" anchor="ctr">
+            <a:noAutofit/>
+          </a:bodyPr>
           <a:p>
             <a:pPr algn="ctr">
               <a:lnSpc>
@@ -10841,22 +12127,22 @@
               </a:rPr>
               <a:t>Send us Your Account Address</a:t>
             </a:r>
-            <a:endParaRPr b="0" lang="en-GB" sz="6000" spc="-1" strike="noStrike">
-              <a:latin typeface="Arial"/>
-            </a:endParaRPr>
-          </a:p>
-        </p:txBody>
-      </p:sp>
-      <p:sp>
-        <p:nvSpPr>
-          <p:cNvPr id="101" name="CustomShape 2"/>
+            <a:endParaRPr b="0" lang="en-US" sz="6000" spc="-1" strike="noStrike">
+              <a:latin typeface="Arial"/>
+            </a:endParaRPr>
+          </a:p>
+        </p:txBody>
+      </p:sp>
+      <p:sp>
+        <p:nvSpPr>
+          <p:cNvPr id="139" name="CustomShape 2"/>
           <p:cNvSpPr/>
           <p:nvPr/>
         </p:nvSpPr>
         <p:spPr>
           <a:xfrm>
             <a:off x="952560" y="2652840"/>
-            <a:ext cx="11098440" cy="6285240"/>
+            <a:ext cx="11098080" cy="6284880"/>
           </a:xfrm>
           <a:prstGeom prst="rect">
             <a:avLst/>
@@ -10873,9 +12159,11 @@
           <a:fontRef idx="minor"/>
         </p:style>
         <p:txBody>
-          <a:bodyPr lIns="50760" rIns="50760" tIns="50760" bIns="50760" anchor="ctr"/>
-          <a:p>
-            <a:pPr marL="444600" indent="-443160">
+          <a:bodyPr lIns="50760" rIns="50760" tIns="50760" bIns="50760" anchor="ctr">
+            <a:noAutofit/>
+          </a:bodyPr>
+          <a:p>
+            <a:pPr marL="444600" indent="-442800">
               <a:lnSpc>
                 <a:spcPct val="100000"/>
               </a:lnSpc>
@@ -10895,12 +12183,12 @@
               </a:rPr>
               <a:t>You need some Ether to send a transaction and interact with a smart contract.</a:t>
             </a:r>
-            <a:endParaRPr b="0" lang="en-GB" sz="3600" spc="-1" strike="noStrike">
-              <a:latin typeface="Arial"/>
-            </a:endParaRPr>
-          </a:p>
-          <a:p>
-            <a:pPr marL="444600" indent="-443160">
+            <a:endParaRPr b="0" lang="en-US" sz="3600" spc="-1" strike="noStrike">
+              <a:latin typeface="Arial"/>
+            </a:endParaRPr>
+          </a:p>
+          <a:p>
+            <a:pPr marL="444600" indent="-442800">
               <a:lnSpc>
                 <a:spcPct val="100000"/>
               </a:lnSpc>
@@ -10923,12 +12211,12 @@
               </a:rPr>
               <a:t>We have created a lot of Ether - you can also have some.</a:t>
             </a:r>
-            <a:endParaRPr b="0" lang="en-GB" sz="3600" spc="-1" strike="noStrike">
-              <a:latin typeface="Arial"/>
-            </a:endParaRPr>
-          </a:p>
-          <a:p>
-            <a:pPr marL="444600" indent="-443160">
+            <a:endParaRPr b="0" lang="en-US" sz="3600" spc="-1" strike="noStrike">
+              <a:latin typeface="Arial"/>
+            </a:endParaRPr>
+          </a:p>
+          <a:p>
+            <a:pPr marL="444600" indent="-442800">
               <a:lnSpc>
                 <a:spcPct val="100000"/>
               </a:lnSpc>
@@ -10951,7 +12239,7 @@
               </a:rPr>
               <a:t>Request some Ether by sending your account’s address to this email address:</a:t>
             </a:r>
-            <a:endParaRPr b="0" lang="en-GB" sz="3600" spc="-1" strike="noStrike">
+            <a:endParaRPr b="0" lang="en-US" sz="3600" spc="-1" strike="noStrike">
               <a:latin typeface="Arial"/>
             </a:endParaRPr>
           </a:p>
@@ -10986,7 +12274,7 @@
               </a:rPr>
               <a:t>dimitris.karakostas@ed.ac.uk</a:t>
             </a:r>
-            <a:endParaRPr b="0" lang="en-GB" sz="3000" spc="-1" strike="noStrike">
+            <a:endParaRPr b="0" lang="en-US" sz="3000" spc="-1" strike="noStrike">
               <a:latin typeface="Arial"/>
             </a:endParaRPr>
           </a:p>
@@ -10994,33 +12282,14 @@
       </p:sp>
     </p:spTree>
   </p:cSld>
-  <p:timing>
-    <p:tnLst>
-      <p:par>
-        <p:cTn id="17" dur="indefinite" restart="never" nodeType="tmRoot">
-          <p:childTnLst>
-            <p:seq>
-              <p:cTn id="18" dur="indefinite" nodeType="mainSeq"/>
-              <p:prevCondLst>
-                <p:cond delay="0" evt="onPrev">
-                  <p:tgtEl>
-                    <p:sldTgt/>
-                  </p:tgtEl>
-                </p:cond>
-              </p:prevCondLst>
-              <p:nextCondLst>
-                <p:cond delay="0" evt="onNext">
-                  <p:tgtEl>
-                    <p:sldTgt/>
-                  </p:tgtEl>
-                </p:cond>
-              </p:nextCondLst>
-            </p:seq>
-          </p:childTnLst>
-        </p:cTn>
-      </p:par>
-    </p:tnLst>
-  </p:timing>
+  <mc:AlternateContent>
+    <mc:Choice Requires="p14">
+      <p:transition spd="slow" p14:dur="2000"/>
+    </mc:Choice>
+    <mc:Fallback>
+      <p:transition spd="slow"/>
+    </mc:Fallback>
+  </mc:AlternateContent>
 </p:sld>
 </file>
 
@@ -11138,18 +12407,21 @@
             </a:schemeClr>
           </a:solidFill>
           <a:prstDash val="solid"/>
+          <a:miter/>
         </a:ln>
         <a:ln w="25400" cap="flat" cmpd="sng" algn="ctr">
           <a:solidFill>
             <a:schemeClr val="phClr"/>
           </a:solidFill>
           <a:prstDash val="solid"/>
+          <a:miter/>
         </a:ln>
         <a:ln w="38100" cap="flat" cmpd="sng" algn="ctr">
           <a:solidFill>
             <a:schemeClr val="phClr"/>
           </a:solidFill>
           <a:prstDash val="solid"/>
+          <a:miter/>
         </a:ln>
       </a:lnStyleLst>
       <a:effectStyleLst>
@@ -11361,18 +12633,247 @@
             </a:schemeClr>
           </a:solidFill>
           <a:prstDash val="solid"/>
+          <a:miter/>
         </a:ln>
         <a:ln w="25400" cap="flat" cmpd="sng" algn="ctr">
           <a:solidFill>
             <a:schemeClr val="phClr"/>
           </a:solidFill>
           <a:prstDash val="solid"/>
+          <a:miter/>
         </a:ln>
         <a:ln w="38100" cap="flat" cmpd="sng" algn="ctr">
           <a:solidFill>
             <a:schemeClr val="phClr"/>
           </a:solidFill>
           <a:prstDash val="solid"/>
+          <a:miter/>
+        </a:ln>
+      </a:lnStyleLst>
+      <a:effectStyleLst>
+        <a:effectStyle>
+          <a:effectLst>
+            <a:outerShdw blurRad="40000" dist="20000" dir="5400000" rotWithShape="0">
+              <a:srgbClr val="000000">
+                <a:alpha val="38000"/>
+              </a:srgbClr>
+            </a:outerShdw>
+          </a:effectLst>
+        </a:effectStyle>
+        <a:effectStyle>
+          <a:effectLst>
+            <a:outerShdw blurRad="40000" dist="23000" dir="5400000" rotWithShape="0">
+              <a:srgbClr val="000000">
+                <a:alpha val="35000"/>
+              </a:srgbClr>
+            </a:outerShdw>
+          </a:effectLst>
+        </a:effectStyle>
+        <a:effectStyle>
+          <a:effectLst>
+            <a:outerShdw blurRad="40000" dist="23000" dir="5400000" rotWithShape="0">
+              <a:srgbClr val="000000">
+                <a:alpha val="35000"/>
+              </a:srgbClr>
+            </a:outerShdw>
+          </a:effectLst>
+          <a:scene3d>
+            <a:camera prst="orthographicFront">
+              <a:rot lat="0" lon="0" rev="0"/>
+            </a:camera>
+            <a:lightRig rig="threePt" dir="t">
+              <a:rot lat="0" lon="0" rev="1200000"/>
+            </a:lightRig>
+          </a:scene3d>
+          <a:sp3d>
+            <a:bevelT w="63500" h="25400"/>
+          </a:sp3d>
+        </a:effectStyle>
+      </a:effectStyleLst>
+      <a:bgFillStyleLst>
+        <a:solidFill>
+          <a:schemeClr val="phClr"/>
+        </a:solidFill>
+        <a:gradFill rotWithShape="1">
+          <a:gsLst>
+            <a:gs pos="0">
+              <a:schemeClr val="phClr">
+                <a:tint val="40000"/>
+                <a:satMod val="350000"/>
+              </a:schemeClr>
+            </a:gs>
+            <a:gs pos="40000">
+              <a:schemeClr val="phClr">
+                <a:tint val="45000"/>
+                <a:shade val="99000"/>
+                <a:satMod val="350000"/>
+              </a:schemeClr>
+            </a:gs>
+            <a:gs pos="100000">
+              <a:schemeClr val="phClr">
+                <a:shade val="20000"/>
+                <a:satMod val="255000"/>
+              </a:schemeClr>
+            </a:gs>
+          </a:gsLst>
+          <a:path path="circle">
+            <a:fillToRect l="50000" t="-80000" r="50000" b="180000"/>
+          </a:path>
+        </a:gradFill>
+        <a:gradFill rotWithShape="1">
+          <a:gsLst>
+            <a:gs pos="0">
+              <a:schemeClr val="phClr">
+                <a:tint val="80000"/>
+                <a:satMod val="300000"/>
+              </a:schemeClr>
+            </a:gs>
+            <a:gs pos="100000">
+              <a:schemeClr val="phClr">
+                <a:shade val="30000"/>
+                <a:satMod val="200000"/>
+              </a:schemeClr>
+            </a:gs>
+          </a:gsLst>
+          <a:path path="circle">
+            <a:fillToRect l="50000" t="50000" r="50000" b="50000"/>
+          </a:path>
+        </a:gradFill>
+      </a:bgFillStyleLst>
+    </a:fmtScheme>
+  </a:themeElements>
+</a:theme>
+</file>
+
+<file path=ppt/theme/theme3.xml><?xml version="1.0" encoding="utf-8"?>
+<a:theme xmlns:a="http://schemas.openxmlformats.org/drawingml/2006/main" name="Office Theme">
+  <a:themeElements>
+    <a:clrScheme name="Office">
+      <a:dk1>
+        <a:sysClr val="windowText" lastClr="000000"/>
+      </a:dk1>
+      <a:lt1>
+        <a:sysClr val="window" lastClr="FFFFFF"/>
+      </a:lt1>
+      <a:dk2>
+        <a:srgbClr val="1f497d"/>
+      </a:dk2>
+      <a:lt2>
+        <a:srgbClr val="eeece1"/>
+      </a:lt2>
+      <a:accent1>
+        <a:srgbClr val="4f81bd"/>
+      </a:accent1>
+      <a:accent2>
+        <a:srgbClr val="c0504d"/>
+      </a:accent2>
+      <a:accent3>
+        <a:srgbClr val="9bbb59"/>
+      </a:accent3>
+      <a:accent4>
+        <a:srgbClr val="8064a2"/>
+      </a:accent4>
+      <a:accent5>
+        <a:srgbClr val="4bacc6"/>
+      </a:accent5>
+      <a:accent6>
+        <a:srgbClr val="f79646"/>
+      </a:accent6>
+      <a:hlink>
+        <a:srgbClr val="0000ff"/>
+      </a:hlink>
+      <a:folHlink>
+        <a:srgbClr val="800080"/>
+      </a:folHlink>
+    </a:clrScheme>
+    <a:fontScheme name="Office">
+      <a:majorFont>
+        <a:latin typeface="Arial"/>
+        <a:ea typeface="DejaVu Sans"/>
+        <a:cs typeface="DejaVu Sans"/>
+      </a:majorFont>
+      <a:minorFont>
+        <a:latin typeface="Arial"/>
+        <a:ea typeface="DejaVu Sans"/>
+        <a:cs typeface="DejaVu Sans"/>
+      </a:minorFont>
+    </a:fontScheme>
+    <a:fmtScheme name="Office">
+      <a:fillStyleLst>
+        <a:solidFill>
+          <a:schemeClr val="phClr"/>
+        </a:solidFill>
+        <a:gradFill rotWithShape="1">
+          <a:gsLst>
+            <a:gs pos="0">
+              <a:schemeClr val="phClr">
+                <a:tint val="50000"/>
+                <a:satMod val="300000"/>
+              </a:schemeClr>
+            </a:gs>
+            <a:gs pos="35000">
+              <a:schemeClr val="phClr">
+                <a:tint val="37000"/>
+                <a:satMod val="300000"/>
+              </a:schemeClr>
+            </a:gs>
+            <a:gs pos="100000">
+              <a:schemeClr val="phClr">
+                <a:tint val="15000"/>
+                <a:satMod val="350000"/>
+              </a:schemeClr>
+            </a:gs>
+          </a:gsLst>
+          <a:lin ang="16200000" scaled="1"/>
+        </a:gradFill>
+        <a:gradFill rotWithShape="1">
+          <a:gsLst>
+            <a:gs pos="0">
+              <a:schemeClr val="phClr">
+                <a:shade val="51000"/>
+                <a:satMod val="130000"/>
+              </a:schemeClr>
+            </a:gs>
+            <a:gs pos="80000">
+              <a:schemeClr val="phClr">
+                <a:shade val="93000"/>
+                <a:satMod val="130000"/>
+              </a:schemeClr>
+            </a:gs>
+            <a:gs pos="100000">
+              <a:schemeClr val="phClr">
+                <a:shade val="94000"/>
+                <a:satMod val="135000"/>
+              </a:schemeClr>
+            </a:gs>
+          </a:gsLst>
+          <a:lin ang="16200000" scaled="0"/>
+        </a:gradFill>
+      </a:fillStyleLst>
+      <a:lnStyleLst>
+        <a:ln w="9525" cap="flat" cmpd="sng" algn="ctr">
+          <a:solidFill>
+            <a:schemeClr val="phClr">
+              <a:shade val="95000"/>
+              <a:satMod val="105000"/>
+            </a:schemeClr>
+          </a:solidFill>
+          <a:prstDash val="solid"/>
+          <a:miter/>
+        </a:ln>
+        <a:ln w="25400" cap="flat" cmpd="sng" algn="ctr">
+          <a:solidFill>
+            <a:schemeClr val="phClr"/>
+          </a:solidFill>
+          <a:prstDash val="solid"/>
+          <a:miter/>
+        </a:ln>
+        <a:ln w="38100" cap="flat" cmpd="sng" algn="ctr">
+          <a:solidFill>
+            <a:schemeClr val="phClr"/>
+          </a:solidFill>
+          <a:prstDash val="solid"/>
+          <a:miter/>
         </a:ln>
       </a:lnStyleLst>
       <a:effectStyleLst>

--- a/How_to_connect_to_university_of_edinburgh_private_blockchain.pptx
+++ b/How_to_connect_to_university_of_edinburgh_private_blockchain.pptx
@@ -4180,7 +4180,7 @@
         <p:spPr>
           <a:xfrm>
             <a:off x="650160" y="2282040"/>
-            <a:ext cx="11703600" cy="5656320"/>
+            <a:ext cx="11703240" cy="5655960"/>
           </a:xfrm>
           <a:prstGeom prst="rect">
             <a:avLst/>
@@ -4191,7 +4191,7 @@
             <a:normAutofit/>
           </a:bodyPr>
           <a:p>
-            <a:pPr marL="432000" indent="-324000">
+            <a:pPr marL="432000" indent="-324000" algn="ctr">
               <a:spcBef>
                 <a:spcPts val="1417"/>
               </a:spcBef>
@@ -4203,17 +4203,17 @@
               <a:buChar char=""/>
             </a:pPr>
             <a:r>
-              <a:rPr b="0" lang="en-US" sz="3200" spc="-1" strike="noStrike">
+              <a:rPr b="0" lang="en-US" sz="1800" spc="-1" strike="noStrike">
                 <a:latin typeface="Arial"/>
               </a:rPr>
               <a:t>Click to edit the outline text format</a:t>
             </a:r>
-            <a:endParaRPr b="0" lang="en-US" sz="3200" spc="-1" strike="noStrike">
-              <a:latin typeface="Arial"/>
-            </a:endParaRPr>
-          </a:p>
-          <a:p>
-            <a:pPr lvl="1" marL="864000" indent="-324000">
+            <a:endParaRPr b="0" lang="en-US" sz="1800" spc="-1" strike="noStrike">
+              <a:latin typeface="Arial"/>
+            </a:endParaRPr>
+          </a:p>
+          <a:p>
+            <a:pPr lvl="1" marL="864000" indent="-324000" algn="ctr">
               <a:spcBef>
                 <a:spcPts val="1134"/>
               </a:spcBef>
@@ -4225,17 +4225,17 @@
               <a:buChar char=""/>
             </a:pPr>
             <a:r>
-              <a:rPr b="0" lang="en-US" sz="2800" spc="-1" strike="noStrike">
+              <a:rPr b="0" lang="en-US" sz="1800" spc="-1" strike="noStrike">
                 <a:latin typeface="Arial"/>
               </a:rPr>
               <a:t>Second Outline Level</a:t>
             </a:r>
-            <a:endParaRPr b="0" lang="en-US" sz="2800" spc="-1" strike="noStrike">
-              <a:latin typeface="Arial"/>
-            </a:endParaRPr>
-          </a:p>
-          <a:p>
-            <a:pPr lvl="2" marL="1296000" indent="-288000">
+            <a:endParaRPr b="0" lang="en-US" sz="1800" spc="-1" strike="noStrike">
+              <a:latin typeface="Arial"/>
+            </a:endParaRPr>
+          </a:p>
+          <a:p>
+            <a:pPr lvl="2" marL="1296000" indent="-288000" algn="ctr">
               <a:spcBef>
                 <a:spcPts val="850"/>
               </a:spcBef>
@@ -4247,17 +4247,17 @@
               <a:buChar char=""/>
             </a:pPr>
             <a:r>
-              <a:rPr b="0" lang="en-US" sz="2400" spc="-1" strike="noStrike">
+              <a:rPr b="0" lang="en-US" sz="1800" spc="-1" strike="noStrike">
                 <a:latin typeface="Arial"/>
               </a:rPr>
               <a:t>Third Outline Level</a:t>
             </a:r>
-            <a:endParaRPr b="0" lang="en-US" sz="2400" spc="-1" strike="noStrike">
-              <a:latin typeface="Arial"/>
-            </a:endParaRPr>
-          </a:p>
-          <a:p>
-            <a:pPr lvl="3" marL="1728000" indent="-216000">
+            <a:endParaRPr b="0" lang="en-US" sz="1800" spc="-1" strike="noStrike">
+              <a:latin typeface="Arial"/>
+            </a:endParaRPr>
+          </a:p>
+          <a:p>
+            <a:pPr lvl="3" marL="1728000" indent="-216000" algn="ctr">
               <a:spcBef>
                 <a:spcPts val="567"/>
               </a:spcBef>
@@ -4269,17 +4269,17 @@
               <a:buChar char=""/>
             </a:pPr>
             <a:r>
-              <a:rPr b="0" lang="en-US" sz="2000" spc="-1" strike="noStrike">
+              <a:rPr b="0" lang="en-US" sz="1800" spc="-1" strike="noStrike">
                 <a:latin typeface="Arial"/>
               </a:rPr>
               <a:t>Fourth Outline Level</a:t>
             </a:r>
-            <a:endParaRPr b="0" lang="en-US" sz="2000" spc="-1" strike="noStrike">
-              <a:latin typeface="Arial"/>
-            </a:endParaRPr>
-          </a:p>
-          <a:p>
-            <a:pPr lvl="4" marL="2160000" indent="-216000">
+            <a:endParaRPr b="0" lang="en-US" sz="1800" spc="-1" strike="noStrike">
+              <a:latin typeface="Arial"/>
+            </a:endParaRPr>
+          </a:p>
+          <a:p>
+            <a:pPr lvl="4" marL="2160000" indent="-216000" algn="ctr">
               <a:spcBef>
                 <a:spcPts val="283"/>
               </a:spcBef>
@@ -4291,17 +4291,17 @@
               <a:buChar char=""/>
             </a:pPr>
             <a:r>
-              <a:rPr b="0" lang="en-US" sz="2000" spc="-1" strike="noStrike">
+              <a:rPr b="0" lang="en-US" sz="1800" spc="-1" strike="noStrike">
                 <a:latin typeface="Arial"/>
               </a:rPr>
               <a:t>Fifth Outline Level</a:t>
             </a:r>
-            <a:endParaRPr b="0" lang="en-US" sz="2000" spc="-1" strike="noStrike">
-              <a:latin typeface="Arial"/>
-            </a:endParaRPr>
-          </a:p>
-          <a:p>
-            <a:pPr lvl="5" marL="2592000" indent="-216000">
+            <a:endParaRPr b="0" lang="en-US" sz="1800" spc="-1" strike="noStrike">
+              <a:latin typeface="Arial"/>
+            </a:endParaRPr>
+          </a:p>
+          <a:p>
+            <a:pPr lvl="5" marL="2592000" indent="-216000" algn="ctr">
               <a:spcBef>
                 <a:spcPts val="283"/>
               </a:spcBef>
@@ -4313,17 +4313,17 @@
               <a:buChar char=""/>
             </a:pPr>
             <a:r>
-              <a:rPr b="0" lang="en-US" sz="2000" spc="-1" strike="noStrike">
+              <a:rPr b="0" lang="en-US" sz="1800" spc="-1" strike="noStrike">
                 <a:latin typeface="Arial"/>
               </a:rPr>
               <a:t>Sixth Outline Level</a:t>
             </a:r>
-            <a:endParaRPr b="0" lang="en-US" sz="2000" spc="-1" strike="noStrike">
-              <a:latin typeface="Arial"/>
-            </a:endParaRPr>
-          </a:p>
-          <a:p>
-            <a:pPr lvl="6" marL="3024000" indent="-216000">
+            <a:endParaRPr b="0" lang="en-US" sz="1800" spc="-1" strike="noStrike">
+              <a:latin typeface="Arial"/>
+            </a:endParaRPr>
+          </a:p>
+          <a:p>
+            <a:pPr lvl="6" marL="3024000" indent="-216000" algn="ctr">
               <a:spcBef>
                 <a:spcPts val="283"/>
               </a:spcBef>
@@ -4335,12 +4335,12 @@
               <a:buChar char=""/>
             </a:pPr>
             <a:r>
-              <a:rPr b="0" lang="en-US" sz="2000" spc="-1" strike="noStrike">
+              <a:rPr b="0" lang="en-US" sz="1800" spc="-1" strike="noStrike">
                 <a:latin typeface="Arial"/>
               </a:rPr>
               <a:t>Seventh Outline Level</a:t>
             </a:r>
-            <a:endParaRPr b="0" lang="en-US" sz="2000" spc="-1" strike="noStrike">
+            <a:endParaRPr b="0" lang="en-US" sz="1800" spc="-1" strike="noStrike">
               <a:latin typeface="Arial"/>
             </a:endParaRPr>
           </a:p>
@@ -4912,7 +4912,7 @@
         <p:spPr>
           <a:xfrm>
             <a:off x="240840" y="2308320"/>
-            <a:ext cx="12256560" cy="5546520"/>
+            <a:ext cx="12256200" cy="5546160"/>
           </a:xfrm>
           <a:prstGeom prst="rect">
             <a:avLst/>
@@ -5043,7 +5043,7 @@
             </a:endParaRPr>
           </a:p>
           <a:p>
-            <a:pPr marL="736560" indent="-226800">
+            <a:pPr marL="736560" indent="-226440">
               <a:lnSpc>
                 <a:spcPct val="100000"/>
               </a:lnSpc>
@@ -5081,7 +5081,7 @@
             </a:endParaRPr>
           </a:p>
           <a:p>
-            <a:pPr marL="736560" indent="-226800">
+            <a:pPr marL="736560" indent="-226440">
               <a:lnSpc>
                 <a:spcPct val="100000"/>
               </a:lnSpc>
@@ -5119,7 +5119,7 @@
             </a:endParaRPr>
           </a:p>
           <a:p>
-            <a:pPr marL="736560" indent="-226800">
+            <a:pPr marL="736560" indent="-226440">
               <a:lnSpc>
                 <a:spcPct val="100000"/>
               </a:lnSpc>
@@ -5197,7 +5197,7 @@
         <p:spPr>
           <a:xfrm>
             <a:off x="952560" y="444600"/>
-            <a:ext cx="11098080" cy="2157120"/>
+            <a:ext cx="11097720" cy="2156760"/>
           </a:xfrm>
           <a:prstGeom prst="rect">
             <a:avLst/>
@@ -5270,7 +5270,7 @@
         <p:spPr>
           <a:xfrm>
             <a:off x="864000" y="3217680"/>
-            <a:ext cx="11098080" cy="6284880"/>
+            <a:ext cx="11097720" cy="6284520"/>
           </a:xfrm>
           <a:prstGeom prst="rect">
             <a:avLst/>
@@ -5304,7 +5304,7 @@
             </a:endParaRPr>
           </a:p>
           <a:p>
-            <a:pPr marL="444600" indent="-442800">
+            <a:pPr marL="444600" indent="-442440">
               <a:lnSpc>
                 <a:spcPct val="100000"/>
               </a:lnSpc>
@@ -5352,7 +5352,7 @@
             </a:endParaRPr>
           </a:p>
           <a:p>
-            <a:pPr marL="444600" indent="-442800">
+            <a:pPr marL="444600" indent="-442440">
               <a:lnSpc>
                 <a:spcPct val="100000"/>
               </a:lnSpc>
@@ -5377,7 +5377,7 @@
             </a:endParaRPr>
           </a:p>
           <a:p>
-            <a:pPr marL="444600" indent="-442800">
+            <a:pPr marL="444600" indent="-442440">
               <a:lnSpc>
                 <a:spcPct val="100000"/>
               </a:lnSpc>
@@ -5485,7 +5485,7 @@
         <p:spPr>
           <a:xfrm>
             <a:off x="936000" y="3794760"/>
-            <a:ext cx="11098080" cy="2468880"/>
+            <a:ext cx="11097720" cy="2468520"/>
           </a:xfrm>
           <a:prstGeom prst="rect">
             <a:avLst/>
@@ -5511,7 +5511,7 @@
         <p:spPr>
           <a:xfrm>
             <a:off x="212040" y="2835360"/>
-            <a:ext cx="12578760" cy="2271600"/>
+            <a:ext cx="12578400" cy="2271240"/>
           </a:xfrm>
           <a:prstGeom prst="rect">
             <a:avLst/>
@@ -5532,7 +5532,7 @@
             <a:noAutofit/>
           </a:bodyPr>
           <a:p>
-            <a:pPr marL="444600" indent="-442800">
+            <a:pPr marL="444600" indent="-442440">
               <a:lnSpc>
                 <a:spcPct val="100000"/>
               </a:lnSpc>
@@ -5567,7 +5567,7 @@
         <p:spPr>
           <a:xfrm>
             <a:off x="952560" y="444600"/>
-            <a:ext cx="11098080" cy="2157120"/>
+            <a:ext cx="11097720" cy="2156760"/>
           </a:xfrm>
           <a:prstGeom prst="rect">
             <a:avLst/>
@@ -5644,7 +5644,7 @@
         <p:spPr>
           <a:xfrm>
             <a:off x="4312080" y="5256000"/>
-            <a:ext cx="6919560" cy="3846600"/>
+            <a:ext cx="6919200" cy="3846240"/>
           </a:xfrm>
           <a:prstGeom prst="rect">
             <a:avLst/>
@@ -5663,7 +5663,7 @@
         <p:spPr>
           <a:xfrm>
             <a:off x="2102760" y="4297680"/>
-            <a:ext cx="2377800" cy="3045960"/>
+            <a:ext cx="2377440" cy="3045600"/>
           </a:xfrm>
           <a:custGeom>
             <a:avLst/>
@@ -5706,7 +5706,7 @@
         <p:spPr>
           <a:xfrm>
             <a:off x="3960000" y="4248000"/>
-            <a:ext cx="2159640" cy="2591640"/>
+            <a:ext cx="2159280" cy="2591280"/>
           </a:xfrm>
           <a:custGeom>
             <a:avLst/>
@@ -5779,7 +5779,7 @@
         <p:spPr>
           <a:xfrm>
             <a:off x="1357560" y="3794760"/>
-            <a:ext cx="11098080" cy="2468880"/>
+            <a:ext cx="11097720" cy="2468520"/>
           </a:xfrm>
           <a:prstGeom prst="rect">
             <a:avLst/>
@@ -5805,7 +5805,7 @@
         <p:spPr>
           <a:xfrm>
             <a:off x="212040" y="2835360"/>
-            <a:ext cx="12578760" cy="2271600"/>
+            <a:ext cx="12578400" cy="2271240"/>
           </a:xfrm>
           <a:prstGeom prst="rect">
             <a:avLst/>
@@ -5826,7 +5826,7 @@
             <a:noAutofit/>
           </a:bodyPr>
           <a:p>
-            <a:pPr marL="444600" indent="-442800">
+            <a:pPr marL="444600" indent="-442440">
               <a:lnSpc>
                 <a:spcPct val="100000"/>
               </a:lnSpc>
@@ -5871,7 +5871,7 @@
         <p:spPr>
           <a:xfrm>
             <a:off x="952560" y="444600"/>
-            <a:ext cx="11098080" cy="2157120"/>
+            <a:ext cx="11097720" cy="2156760"/>
           </a:xfrm>
           <a:prstGeom prst="rect">
             <a:avLst/>
@@ -5948,7 +5948,7 @@
         <p:spPr>
           <a:xfrm>
             <a:off x="5544000" y="4855680"/>
-            <a:ext cx="6047640" cy="4791960"/>
+            <a:ext cx="6047280" cy="4791600"/>
           </a:xfrm>
           <a:prstGeom prst="rect">
             <a:avLst/>
@@ -5967,7 +5967,7 @@
         <p:spPr>
           <a:xfrm flipH="1">
             <a:off x="5831280" y="3960000"/>
-            <a:ext cx="143640" cy="1583640"/>
+            <a:ext cx="143280" cy="1583280"/>
           </a:xfrm>
           <a:custGeom>
             <a:avLst/>
@@ -6010,7 +6010,7 @@
         <p:spPr>
           <a:xfrm>
             <a:off x="2160000" y="4608000"/>
-            <a:ext cx="6263640" cy="2879640"/>
+            <a:ext cx="6263280" cy="2879280"/>
           </a:xfrm>
           <a:custGeom>
             <a:avLst/>
@@ -6083,7 +6083,7 @@
         <p:spPr>
           <a:xfrm>
             <a:off x="1357560" y="3794760"/>
-            <a:ext cx="11098080" cy="2468880"/>
+            <a:ext cx="11097720" cy="2468520"/>
           </a:xfrm>
           <a:prstGeom prst="rect">
             <a:avLst/>
@@ -6109,7 +6109,7 @@
         <p:spPr>
           <a:xfrm>
             <a:off x="212040" y="2835360"/>
-            <a:ext cx="12578760" cy="2271600"/>
+            <a:ext cx="12578400" cy="2271240"/>
           </a:xfrm>
           <a:prstGeom prst="rect">
             <a:avLst/>
@@ -6130,7 +6130,7 @@
             <a:noAutofit/>
           </a:bodyPr>
           <a:p>
-            <a:pPr marL="444600" indent="-442800">
+            <a:pPr marL="444600" indent="-442440">
               <a:lnSpc>
                 <a:spcPct val="100000"/>
               </a:lnSpc>
@@ -6165,7 +6165,7 @@
         <p:spPr>
           <a:xfrm>
             <a:off x="952560" y="444600"/>
-            <a:ext cx="11098080" cy="2157120"/>
+            <a:ext cx="11097720" cy="2156760"/>
           </a:xfrm>
           <a:prstGeom prst="rect">
             <a:avLst/>
@@ -6242,7 +6242,7 @@
         <p:spPr>
           <a:xfrm>
             <a:off x="5544000" y="4855680"/>
-            <a:ext cx="6047640" cy="4791960"/>
+            <a:ext cx="6047280" cy="4791600"/>
           </a:xfrm>
           <a:prstGeom prst="rect">
             <a:avLst/>
@@ -6261,7 +6261,7 @@
         <p:spPr>
           <a:xfrm>
             <a:off x="3200400" y="4937760"/>
-            <a:ext cx="2919240" cy="1901880"/>
+            <a:ext cx="2918880" cy="1901520"/>
           </a:xfrm>
           <a:custGeom>
             <a:avLst/>
@@ -6334,7 +6334,7 @@
         <p:spPr>
           <a:xfrm>
             <a:off x="1357560" y="3794760"/>
-            <a:ext cx="11098080" cy="2468880"/>
+            <a:ext cx="11097720" cy="2468520"/>
           </a:xfrm>
           <a:prstGeom prst="rect">
             <a:avLst/>
@@ -6360,7 +6360,7 @@
         <p:spPr>
           <a:xfrm>
             <a:off x="212040" y="2835360"/>
-            <a:ext cx="12578760" cy="2271600"/>
+            <a:ext cx="12578400" cy="2271240"/>
           </a:xfrm>
           <a:prstGeom prst="rect">
             <a:avLst/>
@@ -6381,7 +6381,7 @@
             <a:noAutofit/>
           </a:bodyPr>
           <a:p>
-            <a:pPr marL="444600" indent="-442800">
+            <a:pPr marL="444600" indent="-442440">
               <a:lnSpc>
                 <a:spcPct val="100000"/>
               </a:lnSpc>
@@ -6416,7 +6416,7 @@
         <p:spPr>
           <a:xfrm>
             <a:off x="952560" y="444600"/>
-            <a:ext cx="11098080" cy="2157120"/>
+            <a:ext cx="11097720" cy="2156760"/>
           </a:xfrm>
           <a:prstGeom prst="rect">
             <a:avLst/>
@@ -6493,7 +6493,7 @@
         <p:spPr>
           <a:xfrm>
             <a:off x="5544000" y="4855680"/>
-            <a:ext cx="6047640" cy="4791960"/>
+            <a:ext cx="6047280" cy="4791600"/>
           </a:xfrm>
           <a:prstGeom prst="rect">
             <a:avLst/>
@@ -6512,7 +6512,7 @@
         <p:spPr>
           <a:xfrm>
             <a:off x="2925720" y="4572000"/>
-            <a:ext cx="2652120" cy="2123640"/>
+            <a:ext cx="2651760" cy="2123280"/>
           </a:xfrm>
           <a:custGeom>
             <a:avLst/>
@@ -6589,7 +6589,7 @@
         <p:spPr>
           <a:xfrm>
             <a:off x="4896000" y="5602320"/>
-            <a:ext cx="5419080" cy="3685320"/>
+            <a:ext cx="5418720" cy="3684960"/>
           </a:xfrm>
           <a:prstGeom prst="rect">
             <a:avLst/>
@@ -6608,7 +6608,7 @@
         <p:spPr>
           <a:xfrm>
             <a:off x="1357560" y="3794760"/>
-            <a:ext cx="11098080" cy="2468880"/>
+            <a:ext cx="11097720" cy="2468520"/>
           </a:xfrm>
           <a:prstGeom prst="rect">
             <a:avLst/>
@@ -6634,7 +6634,7 @@
         <p:spPr>
           <a:xfrm>
             <a:off x="212040" y="2835360"/>
-            <a:ext cx="12578760" cy="2271600"/>
+            <a:ext cx="12578400" cy="2271240"/>
           </a:xfrm>
           <a:prstGeom prst="rect">
             <a:avLst/>
@@ -6655,7 +6655,7 @@
             <a:noAutofit/>
           </a:bodyPr>
           <a:p>
-            <a:pPr marL="444600" indent="-442800">
+            <a:pPr marL="444600" indent="-442440">
               <a:lnSpc>
                 <a:spcPct val="100000"/>
               </a:lnSpc>
@@ -6690,7 +6690,7 @@
         <p:spPr>
           <a:xfrm>
             <a:off x="952560" y="444600"/>
-            <a:ext cx="11098080" cy="2157120"/>
+            <a:ext cx="11097720" cy="2156760"/>
           </a:xfrm>
           <a:prstGeom prst="rect">
             <a:avLst/>
@@ -6763,7 +6763,7 @@
         <p:spPr>
           <a:xfrm>
             <a:off x="3240000" y="4536000"/>
-            <a:ext cx="3095640" cy="2015640"/>
+            <a:ext cx="3095280" cy="2015280"/>
           </a:xfrm>
           <a:custGeom>
             <a:avLst/>
@@ -6836,7 +6836,7 @@
         <p:spPr>
           <a:xfrm>
             <a:off x="144000" y="2835360"/>
-            <a:ext cx="12646800" cy="6667560"/>
+            <a:ext cx="12646440" cy="6667200"/>
           </a:xfrm>
           <a:prstGeom prst="rect">
             <a:avLst/>
@@ -6857,7 +6857,7 @@
             <a:noAutofit/>
           </a:bodyPr>
           <a:p>
-            <a:pPr marL="444600" indent="-442800">
+            <a:pPr marL="444600" indent="-442440">
               <a:lnSpc>
                 <a:spcPct val="100000"/>
               </a:lnSpc>
@@ -6882,7 +6882,7 @@
             </a:endParaRPr>
           </a:p>
           <a:p>
-            <a:pPr lvl="3" marL="864000" indent="-214920">
+            <a:pPr lvl="3" marL="864000" indent="-214560">
               <a:lnSpc>
                 <a:spcPct val="100000"/>
               </a:lnSpc>
@@ -6929,7 +6929,7 @@
             </a:endParaRPr>
           </a:p>
           <a:p>
-            <a:pPr lvl="3" marL="864000" indent="-214920">
+            <a:pPr lvl="3" marL="864000" indent="-214560">
               <a:lnSpc>
                 <a:spcPct val="100000"/>
               </a:lnSpc>
@@ -6955,7 +6955,7 @@
             </a:endParaRPr>
           </a:p>
           <a:p>
-            <a:pPr lvl="3" marL="864000" indent="-214920">
+            <a:pPr lvl="3" marL="864000" indent="-214560">
               <a:lnSpc>
                 <a:spcPct val="100000"/>
               </a:lnSpc>
@@ -7002,7 +7002,7 @@
             </a:endParaRPr>
           </a:p>
           <a:p>
-            <a:pPr lvl="3" marL="864000" indent="-214920">
+            <a:pPr lvl="3" marL="864000" indent="-214560">
               <a:lnSpc>
                 <a:spcPct val="100000"/>
               </a:lnSpc>
@@ -7038,7 +7038,7 @@
         <p:spPr>
           <a:xfrm>
             <a:off x="952560" y="444600"/>
-            <a:ext cx="11098080" cy="2157120"/>
+            <a:ext cx="11097720" cy="2156760"/>
           </a:xfrm>
           <a:prstGeom prst="rect">
             <a:avLst/>
@@ -7141,7 +7141,7 @@
         <p:spPr>
           <a:xfrm>
             <a:off x="96120" y="3384000"/>
-            <a:ext cx="12646800" cy="5011560"/>
+            <a:ext cx="12646440" cy="5011200"/>
           </a:xfrm>
           <a:prstGeom prst="rect">
             <a:avLst/>
@@ -7162,7 +7162,7 @@
             <a:noAutofit/>
           </a:bodyPr>
           <a:p>
-            <a:pPr marL="444600" indent="-442800">
+            <a:pPr marL="444600" indent="-442440">
               <a:lnSpc>
                 <a:spcPct val="100000"/>
               </a:lnSpc>
@@ -7187,7 +7187,7 @@
             </a:endParaRPr>
           </a:p>
           <a:p>
-            <a:pPr lvl="3" marL="864000" indent="-214920">
+            <a:pPr lvl="3" marL="864000" indent="-214560">
               <a:lnSpc>
                 <a:spcPct val="100000"/>
               </a:lnSpc>
@@ -7213,7 +7213,7 @@
             </a:endParaRPr>
           </a:p>
           <a:p>
-            <a:pPr lvl="3" marL="864000" indent="-214920">
+            <a:pPr lvl="3" marL="864000" indent="-214560">
               <a:lnSpc>
                 <a:spcPct val="100000"/>
               </a:lnSpc>
@@ -7281,7 +7281,7 @@
             </a:endParaRPr>
           </a:p>
           <a:p>
-            <a:pPr lvl="3" marL="864000" indent="-214920">
+            <a:pPr lvl="3" marL="864000" indent="-214560">
               <a:lnSpc>
                 <a:spcPct val="100000"/>
               </a:lnSpc>
@@ -7317,7 +7317,7 @@
         <p:spPr>
           <a:xfrm>
             <a:off x="952560" y="444600"/>
-            <a:ext cx="11098080" cy="2157120"/>
+            <a:ext cx="11097720" cy="2156760"/>
           </a:xfrm>
           <a:prstGeom prst="rect">
             <a:avLst/>
@@ -7424,7 +7424,7 @@
         <p:spPr>
           <a:xfrm>
             <a:off x="4752000" y="5616000"/>
-            <a:ext cx="5419080" cy="3685320"/>
+            <a:ext cx="5418720" cy="3684960"/>
           </a:xfrm>
           <a:prstGeom prst="rect">
             <a:avLst/>
@@ -7443,7 +7443,7 @@
         <p:spPr>
           <a:xfrm>
             <a:off x="212040" y="2632320"/>
-            <a:ext cx="12578760" cy="3897000"/>
+            <a:ext cx="12578400" cy="3896640"/>
           </a:xfrm>
           <a:prstGeom prst="rect">
             <a:avLst/>
@@ -7464,7 +7464,7 @@
             <a:noAutofit/>
           </a:bodyPr>
           <a:p>
-            <a:pPr marL="444600" indent="-442800">
+            <a:pPr marL="444600" indent="-442440">
               <a:lnSpc>
                 <a:spcPct val="100000"/>
               </a:lnSpc>
@@ -7499,7 +7499,7 @@
             </a:endParaRPr>
           </a:p>
           <a:p>
-            <a:pPr marL="444600" indent="-442800">
+            <a:pPr marL="444600" indent="-442440">
               <a:lnSpc>
                 <a:spcPct val="100000"/>
               </a:lnSpc>
@@ -7555,7 +7555,7 @@
         <p:spPr>
           <a:xfrm flipH="1">
             <a:off x="6119280" y="4248000"/>
-            <a:ext cx="4247640" cy="4463640"/>
+            <a:ext cx="4247280" cy="4463280"/>
           </a:xfrm>
           <a:custGeom>
             <a:avLst/>
@@ -7598,7 +7598,7 @@
         <p:spPr>
           <a:xfrm>
             <a:off x="952560" y="444600"/>
-            <a:ext cx="11098080" cy="2157120"/>
+            <a:ext cx="11097720" cy="2156760"/>
           </a:xfrm>
           <a:prstGeom prst="rect">
             <a:avLst/>
@@ -7701,7 +7701,7 @@
         <p:spPr>
           <a:xfrm>
             <a:off x="952560" y="444600"/>
-            <a:ext cx="11098080" cy="2157120"/>
+            <a:ext cx="11097720" cy="2156760"/>
           </a:xfrm>
           <a:prstGeom prst="rect">
             <a:avLst/>
@@ -7774,7 +7774,7 @@
         <p:spPr>
           <a:xfrm>
             <a:off x="212040" y="2793600"/>
-            <a:ext cx="12739680" cy="3350880"/>
+            <a:ext cx="12739320" cy="3350520"/>
           </a:xfrm>
           <a:prstGeom prst="rect">
             <a:avLst/>
@@ -7795,7 +7795,7 @@
             <a:noAutofit/>
           </a:bodyPr>
           <a:p>
-            <a:pPr marL="444600" indent="-442800">
+            <a:pPr marL="444600" indent="-442440">
               <a:lnSpc>
                 <a:spcPct val="100000"/>
               </a:lnSpc>
@@ -7820,7 +7820,7 @@
             </a:endParaRPr>
           </a:p>
           <a:p>
-            <a:pPr marL="444600" indent="-442800">
+            <a:pPr marL="444600" indent="-442440">
               <a:lnSpc>
                 <a:spcPct val="100000"/>
               </a:lnSpc>
@@ -7879,7 +7879,7 @@
         <p:spPr>
           <a:xfrm>
             <a:off x="4248000" y="5472000"/>
-            <a:ext cx="7732440" cy="4189680"/>
+            <a:ext cx="7732080" cy="4189320"/>
           </a:xfrm>
           <a:prstGeom prst="rect">
             <a:avLst/>
@@ -7898,7 +7898,7 @@
         <p:spPr>
           <a:xfrm flipH="1">
             <a:off x="7631280" y="5255280"/>
-            <a:ext cx="2087640" cy="2952000"/>
+            <a:ext cx="2087280" cy="2951640"/>
           </a:xfrm>
           <a:custGeom>
             <a:avLst/>
@@ -7971,7 +7971,7 @@
         <p:spPr>
           <a:xfrm>
             <a:off x="952560" y="2603520"/>
-            <a:ext cx="11098080" cy="6284880"/>
+            <a:ext cx="11097720" cy="6284520"/>
           </a:xfrm>
           <a:prstGeom prst="rect">
             <a:avLst/>
@@ -7992,7 +7992,7 @@
             <a:noAutofit/>
           </a:bodyPr>
           <a:p>
-            <a:pPr marL="280080" indent="-278280">
+            <a:pPr marL="280080" indent="-277920">
               <a:lnSpc>
                 <a:spcPct val="100000"/>
               </a:lnSpc>
@@ -8017,7 +8017,7 @@
             </a:endParaRPr>
           </a:p>
           <a:p>
-            <a:pPr marL="280080" indent="-278280">
+            <a:pPr marL="280080" indent="-277920">
               <a:lnSpc>
                 <a:spcPct val="100000"/>
               </a:lnSpc>
@@ -8045,7 +8045,7 @@
             </a:endParaRPr>
           </a:p>
           <a:p>
-            <a:pPr marL="384120" indent="-142200">
+            <a:pPr marL="384120" indent="-141840">
               <a:lnSpc>
                 <a:spcPct val="100000"/>
               </a:lnSpc>
@@ -8083,7 +8083,7 @@
             </a:endParaRPr>
           </a:p>
           <a:p>
-            <a:pPr marL="384120" indent="-142200">
+            <a:pPr marL="384120" indent="-141840">
               <a:lnSpc>
                 <a:spcPct val="100000"/>
               </a:lnSpc>
@@ -8121,7 +8121,7 @@
             </a:endParaRPr>
           </a:p>
           <a:p>
-            <a:pPr marL="384120" indent="-142200">
+            <a:pPr marL="384120" indent="-141840">
               <a:lnSpc>
                 <a:spcPct val="100000"/>
               </a:lnSpc>
@@ -8159,7 +8159,7 @@
             </a:endParaRPr>
           </a:p>
           <a:p>
-            <a:pPr marL="744120" indent="-278280">
+            <a:pPr marL="744120" indent="-277920">
               <a:lnSpc>
                 <a:spcPct val="100000"/>
               </a:lnSpc>
@@ -8187,7 +8187,7 @@
             </a:endParaRPr>
           </a:p>
           <a:p>
-            <a:pPr marL="384120" indent="-142200">
+            <a:pPr marL="384120" indent="-141840">
               <a:lnSpc>
                 <a:spcPct val="100000"/>
               </a:lnSpc>
@@ -8235,7 +8235,7 @@
         <p:spPr>
           <a:xfrm>
             <a:off x="952560" y="444240"/>
-            <a:ext cx="11098080" cy="2157480"/>
+            <a:ext cx="11097720" cy="2157120"/>
           </a:xfrm>
           <a:prstGeom prst="rect">
             <a:avLst/>
@@ -8320,7 +8320,7 @@
         <p:spPr>
           <a:xfrm>
             <a:off x="2088000" y="5832000"/>
-            <a:ext cx="4982040" cy="3599640"/>
+            <a:ext cx="4981680" cy="3599280"/>
           </a:xfrm>
           <a:prstGeom prst="rect">
             <a:avLst/>
@@ -8338,8 +8338,8 @@
         </p:nvSpPr>
         <p:spPr>
           <a:xfrm flipH="1">
-            <a:off x="6492240" y="5029200"/>
-            <a:ext cx="5394960" cy="3931920"/>
+            <a:off x="6491520" y="5029200"/>
+            <a:ext cx="5394600" cy="3931560"/>
           </a:xfrm>
           <a:custGeom>
             <a:avLst/>
@@ -8382,7 +8382,7 @@
         <p:spPr>
           <a:xfrm>
             <a:off x="212040" y="2516040"/>
-            <a:ext cx="12739680" cy="3350880"/>
+            <a:ext cx="12739320" cy="3350520"/>
           </a:xfrm>
           <a:prstGeom prst="rect">
             <a:avLst/>
@@ -8403,7 +8403,7 @@
             <a:noAutofit/>
           </a:bodyPr>
           <a:p>
-            <a:pPr marL="444600" indent="-442800">
+            <a:pPr marL="444600" indent="-442440">
               <a:lnSpc>
                 <a:spcPct val="100000"/>
               </a:lnSpc>
@@ -8441,7 +8441,7 @@
             </a:endParaRPr>
           </a:p>
           <a:p>
-            <a:pPr marL="444600" indent="-442800">
+            <a:pPr marL="444600" indent="-442440">
               <a:lnSpc>
                 <a:spcPct val="100000"/>
               </a:lnSpc>
@@ -8499,7 +8499,7 @@
         <p:spPr>
           <a:xfrm>
             <a:off x="952560" y="444600"/>
-            <a:ext cx="11098080" cy="2157120"/>
+            <a:ext cx="11097720" cy="2156760"/>
           </a:xfrm>
           <a:prstGeom prst="rect">
             <a:avLst/>
@@ -8624,7 +8624,7 @@
         <p:spPr>
           <a:xfrm>
             <a:off x="9117360" y="4176000"/>
-            <a:ext cx="3266280" cy="3913920"/>
+            <a:ext cx="3265920" cy="3913560"/>
           </a:xfrm>
           <a:prstGeom prst="rect">
             <a:avLst/>
@@ -8643,7 +8643,7 @@
         <p:spPr>
           <a:xfrm>
             <a:off x="4392000" y="5472000"/>
-            <a:ext cx="7271640" cy="359640"/>
+            <a:ext cx="7271280" cy="359280"/>
           </a:xfrm>
           <a:custGeom>
             <a:avLst/>
@@ -8686,7 +8686,7 @@
         <p:spPr>
           <a:xfrm>
             <a:off x="372600" y="3321360"/>
-            <a:ext cx="6868080" cy="2919240"/>
+            <a:ext cx="6867720" cy="2918880"/>
           </a:xfrm>
           <a:prstGeom prst="rect">
             <a:avLst/>
@@ -8707,7 +8707,7 @@
             <a:noAutofit/>
           </a:bodyPr>
           <a:p>
-            <a:pPr marL="444600" indent="-442800">
+            <a:pPr marL="444600" indent="-442440">
               <a:lnSpc>
                 <a:spcPct val="100000"/>
               </a:lnSpc>
@@ -8755,7 +8755,7 @@
         <p:spPr>
           <a:xfrm>
             <a:off x="203040" y="6320160"/>
-            <a:ext cx="6868080" cy="1471320"/>
+            <a:ext cx="6867720" cy="1470960"/>
           </a:xfrm>
           <a:prstGeom prst="rect">
             <a:avLst/>
@@ -8776,7 +8776,7 @@
             <a:noAutofit/>
           </a:bodyPr>
           <a:p>
-            <a:pPr marL="444600" indent="-442800">
+            <a:pPr marL="444600" indent="-442440">
               <a:lnSpc>
                 <a:spcPct val="100000"/>
               </a:lnSpc>
@@ -8851,7 +8851,7 @@
         <p:spPr>
           <a:xfrm>
             <a:off x="952560" y="444600"/>
-            <a:ext cx="11098080" cy="2157120"/>
+            <a:ext cx="11097720" cy="2156760"/>
           </a:xfrm>
           <a:prstGeom prst="rect">
             <a:avLst/>
@@ -8972,7 +8972,7 @@
         <p:spPr>
           <a:xfrm>
             <a:off x="272160" y="2764080"/>
-            <a:ext cx="10383480" cy="2995560"/>
+            <a:ext cx="10383120" cy="2995200"/>
           </a:xfrm>
           <a:prstGeom prst="rect">
             <a:avLst/>
@@ -8993,7 +8993,7 @@
             <a:noAutofit/>
           </a:bodyPr>
           <a:p>
-            <a:pPr marL="529200" indent="-527400">
+            <a:pPr marL="529200" indent="-527040">
               <a:lnSpc>
                 <a:spcPct val="100000"/>
               </a:lnSpc>
@@ -9018,7 +9018,7 @@
             </a:endParaRPr>
           </a:p>
           <a:p>
-            <a:pPr marL="529200" indent="-527400">
+            <a:pPr marL="529200" indent="-527040">
               <a:lnSpc>
                 <a:spcPct val="100000"/>
               </a:lnSpc>
@@ -9073,7 +9073,7 @@
         <p:spPr>
           <a:xfrm>
             <a:off x="144000" y="5760000"/>
-            <a:ext cx="6998400" cy="2386080"/>
+            <a:ext cx="6998040" cy="2385720"/>
           </a:xfrm>
           <a:prstGeom prst="rect">
             <a:avLst/>
@@ -9163,8 +9163,8 @@
         </p:nvSpPr>
         <p:spPr>
           <a:xfrm flipH="1" rot="10800000">
-            <a:off x="24973920" y="8174880"/>
-            <a:ext cx="7050600" cy="443880"/>
+            <a:off x="24974280" y="8175240"/>
+            <a:ext cx="7050240" cy="443520"/>
           </a:xfrm>
           <a:custGeom>
             <a:avLst/>
@@ -9206,8 +9206,8 @@
         </p:nvSpPr>
         <p:spPr>
           <a:xfrm flipH="1" rot="10800000">
-            <a:off x="22534560" y="10944000"/>
-            <a:ext cx="6694920" cy="1366920"/>
+            <a:off x="22534920" y="10944360"/>
+            <a:ext cx="6694560" cy="1366560"/>
           </a:xfrm>
           <a:custGeom>
             <a:avLst/>
@@ -9250,7 +9250,7 @@
         <p:spPr>
           <a:xfrm>
             <a:off x="952560" y="444600"/>
-            <a:ext cx="11098080" cy="2157120"/>
+            <a:ext cx="11097720" cy="2156760"/>
           </a:xfrm>
           <a:prstGeom prst="rect">
             <a:avLst/>
@@ -9345,7 +9345,7 @@
         <p:spPr>
           <a:xfrm>
             <a:off x="8541360" y="5010120"/>
-            <a:ext cx="3266280" cy="3913920"/>
+            <a:ext cx="3265920" cy="3913560"/>
           </a:xfrm>
           <a:prstGeom prst="rect">
             <a:avLst/>
@@ -9363,8 +9363,8 @@
         </p:nvSpPr>
         <p:spPr>
           <a:xfrm flipH="1" rot="10800000">
-            <a:off x="6438960" y="5486400"/>
-            <a:ext cx="3527640" cy="1654560"/>
+            <a:off x="6439320" y="5486760"/>
+            <a:ext cx="3527280" cy="1654200"/>
           </a:xfrm>
           <a:custGeom>
             <a:avLst/>
@@ -9437,7 +9437,7 @@
         <p:spPr>
           <a:xfrm>
             <a:off x="386640" y="3001320"/>
-            <a:ext cx="6923880" cy="2462040"/>
+            <a:ext cx="6923520" cy="2461680"/>
           </a:xfrm>
           <a:prstGeom prst="rect">
             <a:avLst/>
@@ -9488,7 +9488,7 @@
         <p:spPr>
           <a:xfrm>
             <a:off x="-420120" y="5256000"/>
-            <a:ext cx="6863760" cy="4390920"/>
+            <a:ext cx="6863400" cy="4390560"/>
           </a:xfrm>
           <a:prstGeom prst="rect">
             <a:avLst/>
@@ -9509,7 +9509,7 @@
             <a:noAutofit/>
           </a:bodyPr>
           <a:p>
-            <a:pPr marL="1005480" indent="-368640">
+            <a:pPr marL="1005480" indent="-368280">
               <a:lnSpc>
                 <a:spcPct val="100000"/>
               </a:lnSpc>
@@ -9544,7 +9544,7 @@
             </a:endParaRPr>
           </a:p>
           <a:p>
-            <a:pPr marL="1005480" indent="-368640">
+            <a:pPr marL="1005480" indent="-368280">
               <a:lnSpc>
                 <a:spcPct val="100000"/>
               </a:lnSpc>
@@ -9589,7 +9589,7 @@
         <p:spPr>
           <a:xfrm>
             <a:off x="952560" y="444600"/>
-            <a:ext cx="11098080" cy="2157120"/>
+            <a:ext cx="11097720" cy="2156760"/>
           </a:xfrm>
           <a:prstGeom prst="rect">
             <a:avLst/>
@@ -9684,7 +9684,7 @@
         <p:spPr>
           <a:xfrm>
             <a:off x="8973360" y="4608000"/>
-            <a:ext cx="3266280" cy="3913920"/>
+            <a:ext cx="3265920" cy="3913560"/>
           </a:xfrm>
           <a:prstGeom prst="rect">
             <a:avLst/>
@@ -9703,7 +9703,7 @@
         <p:spPr>
           <a:xfrm>
             <a:off x="6552000" y="5939640"/>
-            <a:ext cx="2663640" cy="1620000"/>
+            <a:ext cx="2663280" cy="1619640"/>
           </a:xfrm>
           <a:custGeom>
             <a:avLst/>
@@ -9746,7 +9746,7 @@
         <p:spPr>
           <a:xfrm>
             <a:off x="6552000" y="5939640"/>
-            <a:ext cx="2663640" cy="1260000"/>
+            <a:ext cx="2663280" cy="1259640"/>
           </a:xfrm>
           <a:custGeom>
             <a:avLst/>
@@ -9789,7 +9789,7 @@
         <p:spPr>
           <a:xfrm>
             <a:off x="3709080" y="4976640"/>
-            <a:ext cx="5506560" cy="1863000"/>
+            <a:ext cx="5506200" cy="1862640"/>
           </a:xfrm>
           <a:custGeom>
             <a:avLst/>
@@ -9862,7 +9862,7 @@
         <p:spPr>
           <a:xfrm>
             <a:off x="952560" y="1512000"/>
-            <a:ext cx="11098080" cy="8134920"/>
+            <a:ext cx="11097720" cy="8134560"/>
           </a:xfrm>
           <a:prstGeom prst="rect">
             <a:avLst/>
@@ -9883,7 +9883,7 @@
             <a:noAutofit/>
           </a:bodyPr>
           <a:p>
-            <a:pPr marL="280080" indent="-278280">
+            <a:pPr marL="280080" indent="-277920">
               <a:lnSpc>
                 <a:spcPct val="100000"/>
               </a:lnSpc>
@@ -9909,7 +9909,7 @@
             </a:endParaRPr>
           </a:p>
           <a:p>
-            <a:pPr lvl="1" marL="432000" indent="-214920">
+            <a:pPr lvl="1" marL="432000" indent="-214560">
               <a:lnSpc>
                 <a:spcPct val="100000"/>
               </a:lnSpc>
@@ -9935,7 +9935,7 @@
             </a:endParaRPr>
           </a:p>
           <a:p>
-            <a:pPr lvl="1" marL="432000" indent="-214920">
+            <a:pPr lvl="1" marL="432000" indent="-214560">
               <a:lnSpc>
                 <a:spcPct val="100000"/>
               </a:lnSpc>
@@ -9961,7 +9961,7 @@
             </a:endParaRPr>
           </a:p>
           <a:p>
-            <a:pPr lvl="1" marL="432000" indent="-214920">
+            <a:pPr lvl="1" marL="432000" indent="-214560">
               <a:lnSpc>
                 <a:spcPct val="100000"/>
               </a:lnSpc>
@@ -10007,7 +10007,7 @@
             </a:endParaRPr>
           </a:p>
           <a:p>
-            <a:pPr lvl="1" marL="432000" indent="-214920">
+            <a:pPr lvl="1" marL="432000" indent="-214560">
               <a:lnSpc>
                 <a:spcPct val="100000"/>
               </a:lnSpc>
@@ -10043,7 +10043,7 @@
         <p:spPr>
           <a:xfrm>
             <a:off x="952560" y="-23760"/>
-            <a:ext cx="11098080" cy="2157480"/>
+            <a:ext cx="11097720" cy="2157120"/>
           </a:xfrm>
           <a:prstGeom prst="rect">
             <a:avLst/>
@@ -10124,7 +10124,7 @@
         <p:spPr>
           <a:xfrm>
             <a:off x="952560" y="1512000"/>
-            <a:ext cx="11098080" cy="8134920"/>
+            <a:ext cx="11097720" cy="8134560"/>
           </a:xfrm>
           <a:prstGeom prst="rect">
             <a:avLst/>
@@ -10145,7 +10145,7 @@
             <a:noAutofit/>
           </a:bodyPr>
           <a:p>
-            <a:pPr marL="280080" indent="-278280">
+            <a:pPr marL="280080" indent="-277920">
               <a:lnSpc>
                 <a:spcPct val="100000"/>
               </a:lnSpc>
@@ -10171,7 +10171,7 @@
             </a:endParaRPr>
           </a:p>
           <a:p>
-            <a:pPr lvl="1" marL="432000" indent="-214920">
+            <a:pPr lvl="1" marL="432000" indent="-214560">
               <a:lnSpc>
                 <a:spcPct val="100000"/>
               </a:lnSpc>
@@ -10197,7 +10197,7 @@
             </a:endParaRPr>
           </a:p>
           <a:p>
-            <a:pPr lvl="1" marL="432000" indent="-214920">
+            <a:pPr lvl="1" marL="432000" indent="-214560">
               <a:lnSpc>
                 <a:spcPct val="100000"/>
               </a:lnSpc>
@@ -10223,7 +10223,7 @@
             </a:endParaRPr>
           </a:p>
           <a:p>
-            <a:pPr lvl="1" marL="432000" indent="-214920">
+            <a:pPr lvl="1" marL="432000" indent="-214560">
               <a:lnSpc>
                 <a:spcPct val="100000"/>
               </a:lnSpc>
@@ -10260,7 +10260,7 @@
             </a:endParaRPr>
           </a:p>
           <a:p>
-            <a:pPr lvl="1" marL="432000" indent="-214920">
+            <a:pPr lvl="1" marL="432000" indent="-214560">
               <a:lnSpc>
                 <a:spcPct val="100000"/>
               </a:lnSpc>
@@ -10296,7 +10296,7 @@
             </a:endParaRPr>
           </a:p>
           <a:p>
-            <a:pPr marL="280080" indent="-278280">
+            <a:pPr marL="280080" indent="-277920">
               <a:lnSpc>
                 <a:spcPct val="100000"/>
               </a:lnSpc>
@@ -10322,7 +10322,7 @@
             </a:endParaRPr>
           </a:p>
           <a:p>
-            <a:pPr lvl="1" marL="432000" indent="-214920">
+            <a:pPr lvl="1" marL="432000" indent="-214560">
               <a:lnSpc>
                 <a:spcPct val="100000"/>
               </a:lnSpc>
@@ -10358,7 +10358,7 @@
             </a:endParaRPr>
           </a:p>
           <a:p>
-            <a:pPr lvl="1" marL="432000" indent="-214920">
+            <a:pPr lvl="1" marL="432000" indent="-214560">
               <a:lnSpc>
                 <a:spcPct val="100000"/>
               </a:lnSpc>
@@ -10415,7 +10415,7 @@
         <p:spPr>
           <a:xfrm>
             <a:off x="952560" y="-23760"/>
-            <a:ext cx="11098080" cy="2157480"/>
+            <a:ext cx="11097720" cy="2157120"/>
           </a:xfrm>
           <a:prstGeom prst="rect">
             <a:avLst/>
@@ -10496,7 +10496,7 @@
         <p:spPr>
           <a:xfrm>
             <a:off x="952560" y="444600"/>
-            <a:ext cx="11098080" cy="2157120"/>
+            <a:ext cx="11097720" cy="2156760"/>
           </a:xfrm>
           <a:prstGeom prst="rect">
             <a:avLst/>
@@ -10558,7 +10558,7 @@
         <p:spPr>
           <a:xfrm>
             <a:off x="952560" y="2603520"/>
-            <a:ext cx="11098080" cy="6284880"/>
+            <a:ext cx="11097720" cy="6284520"/>
           </a:xfrm>
           <a:prstGeom prst="rect">
             <a:avLst/>
@@ -10579,7 +10579,7 @@
             <a:noAutofit/>
           </a:bodyPr>
           <a:p>
-            <a:pPr marL="382320" indent="-380520">
+            <a:pPr marL="382320" indent="-380160">
               <a:lnSpc>
                 <a:spcPct val="100000"/>
               </a:lnSpc>
@@ -10604,7 +10604,7 @@
             </a:endParaRPr>
           </a:p>
           <a:p>
-            <a:pPr marL="382320" indent="-380520">
+            <a:pPr marL="382320" indent="-380160">
               <a:lnSpc>
                 <a:spcPct val="100000"/>
               </a:lnSpc>
@@ -10632,7 +10632,7 @@
             </a:endParaRPr>
           </a:p>
           <a:p>
-            <a:pPr marL="382320" indent="-380520">
+            <a:pPr marL="382320" indent="-380160">
               <a:lnSpc>
                 <a:spcPct val="100000"/>
               </a:lnSpc>
@@ -10660,7 +10660,7 @@
             </a:endParaRPr>
           </a:p>
           <a:p>
-            <a:pPr marL="928440" indent="-380520">
+            <a:pPr marL="928440" indent="-380160">
               <a:lnSpc>
                 <a:spcPct val="100000"/>
               </a:lnSpc>
@@ -10700,7 +10700,7 @@
             </a:endParaRPr>
           </a:p>
           <a:p>
-            <a:pPr marL="282960" indent="-281160">
+            <a:pPr marL="282960" indent="-280800">
               <a:lnSpc>
                 <a:spcPct val="100000"/>
               </a:lnSpc>
@@ -10768,7 +10768,7 @@
         <p:spPr>
           <a:xfrm>
             <a:off x="1117440" y="488880"/>
-            <a:ext cx="11098080" cy="6284880"/>
+            <a:ext cx="11097720" cy="6284520"/>
           </a:xfrm>
           <a:prstGeom prst="rect">
             <a:avLst/>
@@ -10789,7 +10789,7 @@
             <a:noAutofit/>
           </a:bodyPr>
           <a:p>
-            <a:pPr marL="444600" indent="-442800">
+            <a:pPr marL="444600" indent="-442440">
               <a:lnSpc>
                 <a:spcPct val="100000"/>
               </a:lnSpc>
@@ -10824,7 +10824,7 @@
         <p:spPr>
           <a:xfrm>
             <a:off x="952560" y="444600"/>
-            <a:ext cx="11098080" cy="2157120"/>
+            <a:ext cx="11097720" cy="2156760"/>
           </a:xfrm>
           <a:prstGeom prst="rect">
             <a:avLst/>
@@ -10885,13 +10885,13 @@
         </p:nvPicPr>
         <p:blipFill>
           <a:blip r:embed="rId1"/>
-          <a:srcRect l="47043" t="0" r="0" b="62626"/>
+          <a:srcRect l="47037" t="0" r="0" b="62620"/>
           <a:stretch/>
         </p:blipFill>
         <p:spPr>
           <a:xfrm>
             <a:off x="2353320" y="5514120"/>
-            <a:ext cx="8296200" cy="2810880"/>
+            <a:ext cx="8295840" cy="2810520"/>
           </a:xfrm>
           <a:prstGeom prst="rect">
             <a:avLst/>
@@ -10910,7 +10910,7 @@
         <p:spPr>
           <a:xfrm>
             <a:off x="7305120" y="3590640"/>
-            <a:ext cx="2737800" cy="2402640"/>
+            <a:ext cx="2737440" cy="2402280"/>
           </a:xfrm>
           <a:custGeom>
             <a:avLst/>
@@ -10983,7 +10983,7 @@
         <p:spPr>
           <a:xfrm>
             <a:off x="952560" y="2826000"/>
-            <a:ext cx="11098080" cy="6284880"/>
+            <a:ext cx="11097720" cy="6284520"/>
           </a:xfrm>
           <a:prstGeom prst="rect">
             <a:avLst/>
@@ -11004,7 +11004,7 @@
             <a:noAutofit/>
           </a:bodyPr>
           <a:p>
-            <a:pPr marL="444600" indent="-442800">
+            <a:pPr marL="444600" indent="-442440">
               <a:lnSpc>
                 <a:spcPct val="100000"/>
               </a:lnSpc>
@@ -11029,7 +11029,7 @@
             </a:endParaRPr>
           </a:p>
           <a:p>
-            <a:pPr marL="444600" indent="-442800">
+            <a:pPr marL="444600" indent="-442440">
               <a:lnSpc>
                 <a:spcPct val="100000"/>
               </a:lnSpc>
@@ -11057,7 +11057,7 @@
             </a:endParaRPr>
           </a:p>
           <a:p>
-            <a:pPr marL="444600" indent="-442800">
+            <a:pPr marL="444600" indent="-442440">
               <a:lnSpc>
                 <a:spcPct val="100000"/>
               </a:lnSpc>
@@ -11105,7 +11105,7 @@
         <p:spPr>
           <a:xfrm>
             <a:off x="952560" y="444600"/>
-            <a:ext cx="11098080" cy="2157120"/>
+            <a:ext cx="11097720" cy="2156760"/>
           </a:xfrm>
           <a:prstGeom prst="rect">
             <a:avLst/>
@@ -11197,7 +11197,7 @@
         <p:spPr>
           <a:xfrm>
             <a:off x="952560" y="1396800"/>
-            <a:ext cx="11098080" cy="6284880"/>
+            <a:ext cx="11097720" cy="6284520"/>
           </a:xfrm>
           <a:prstGeom prst="rect">
             <a:avLst/>
@@ -11294,7 +11294,7 @@
         <p:spPr>
           <a:xfrm>
             <a:off x="952560" y="444600"/>
-            <a:ext cx="11098080" cy="2157480"/>
+            <a:ext cx="11097720" cy="2157120"/>
           </a:xfrm>
           <a:prstGeom prst="rect">
             <a:avLst/>
@@ -11370,7 +11370,7 @@
         <p:spPr>
           <a:xfrm>
             <a:off x="9565200" y="2592000"/>
-            <a:ext cx="2818440" cy="4895640"/>
+            <a:ext cx="2818080" cy="4895280"/>
           </a:xfrm>
           <a:prstGeom prst="rect">
             <a:avLst/>
@@ -11388,8 +11388,8 @@
         </p:nvSpPr>
         <p:spPr>
           <a:xfrm flipH="1" rot="10800000">
-            <a:off x="8503920" y="3368520"/>
-            <a:ext cx="2377440" cy="1203480"/>
+            <a:off x="8503560" y="3368880"/>
+            <a:ext cx="2377080" cy="1203120"/>
           </a:xfrm>
           <a:custGeom>
             <a:avLst/>
@@ -11461,8 +11461,8 @@
         </p:nvSpPr>
         <p:spPr>
           <a:xfrm>
-            <a:off x="952560" y="1905840"/>
-            <a:ext cx="11098080" cy="6284880"/>
+            <a:off x="952560" y="2769840"/>
+            <a:ext cx="11097720" cy="6284520"/>
           </a:xfrm>
           <a:prstGeom prst="rect">
             <a:avLst/>
@@ -11552,7 +11552,7 @@
                 <a:latin typeface="Helvetica Neue Light"/>
                 <a:ea typeface="Helvetica Neue Light"/>
               </a:rPr>
-              <a:t>3.2. Click on Save</a:t>
+              <a:t>3.2. In the “ChainId” box, insert:</a:t>
             </a:r>
             <a:endParaRPr b="0" lang="en-US" sz="3600" spc="-1" strike="noStrike">
               <a:latin typeface="Arial"/>
@@ -11568,6 +11568,39 @@
               </a:spcBef>
             </a:pPr>
             <a:r>
+              <a:rPr b="0" lang="en-GB" sz="2400" spc="-1" strike="noStrike">
+                <a:solidFill>
+                  <a:srgbClr val="942192"/>
+                </a:solidFill>
+                <a:latin typeface="Helvetica Neue Light"/>
+                <a:ea typeface="Helvetica Neue Light"/>
+              </a:rPr>
+              <a:t>  </a:t>
+            </a:r>
+            <a:r>
+              <a:rPr b="0" lang="en-GB" sz="2400" spc="-1" strike="noStrike">
+                <a:solidFill>
+                  <a:srgbClr val="942192"/>
+                </a:solidFill>
+                <a:latin typeface="Helvetica Neue Light"/>
+                <a:ea typeface="Helvetica Neue Light"/>
+              </a:rPr>
+              <a:t>13777222009</a:t>
+            </a:r>
+            <a:endParaRPr b="0" lang="en-US" sz="2400" spc="-1" strike="noStrike">
+              <a:latin typeface="Arial"/>
+            </a:endParaRPr>
+          </a:p>
+          <a:p>
+            <a:pPr>
+              <a:lnSpc>
+                <a:spcPct val="100000"/>
+              </a:lnSpc>
+              <a:spcBef>
+                <a:spcPts val="4201"/>
+              </a:spcBef>
+            </a:pPr>
+            <a:r>
               <a:rPr b="0" lang="en-GB" sz="3600" spc="-1" strike="noStrike">
                 <a:solidFill>
                   <a:srgbClr val="000000"/>
@@ -11575,7 +11608,30 @@
                 <a:latin typeface="Helvetica Neue Light"/>
                 <a:ea typeface="Helvetica Neue Light"/>
               </a:rPr>
-              <a:t>3.3. Press X to go to the main page</a:t>
+              <a:t>3.3. Click on Save</a:t>
+            </a:r>
+            <a:endParaRPr b="0" lang="en-US" sz="3600" spc="-1" strike="noStrike">
+              <a:latin typeface="Arial"/>
+            </a:endParaRPr>
+          </a:p>
+          <a:p>
+            <a:pPr>
+              <a:lnSpc>
+                <a:spcPct val="100000"/>
+              </a:lnSpc>
+              <a:spcBef>
+                <a:spcPts val="4201"/>
+              </a:spcBef>
+            </a:pPr>
+            <a:r>
+              <a:rPr b="0" lang="en-GB" sz="3600" spc="-1" strike="noStrike">
+                <a:solidFill>
+                  <a:srgbClr val="000000"/>
+                </a:solidFill>
+                <a:latin typeface="Helvetica Neue Light"/>
+                <a:ea typeface="Helvetica Neue Light"/>
+              </a:rPr>
+              <a:t>3.4. Press X to go to the main page</a:t>
             </a:r>
             <a:endParaRPr b="0" lang="en-US" sz="3600" spc="-1" strike="noStrike">
               <a:latin typeface="Arial"/>
@@ -11592,7 +11648,7 @@
         <p:spPr>
           <a:xfrm>
             <a:off x="952560" y="444600"/>
-            <a:ext cx="11098080" cy="2157120"/>
+            <a:ext cx="11097720" cy="2156760"/>
           </a:xfrm>
           <a:prstGeom prst="rect">
             <a:avLst/>
@@ -11668,7 +11724,7 @@
         <p:spPr>
           <a:xfrm>
             <a:off x="9288000" y="3780000"/>
-            <a:ext cx="3251160" cy="5435640"/>
+            <a:ext cx="3250800" cy="5435280"/>
           </a:xfrm>
           <a:prstGeom prst="rect">
             <a:avLst/>
@@ -11687,7 +11743,7 @@
         <p:spPr>
           <a:xfrm>
             <a:off x="6666840" y="3709080"/>
-            <a:ext cx="2908800" cy="2554560"/>
+            <a:ext cx="2908440" cy="2554200"/>
           </a:xfrm>
           <a:custGeom>
             <a:avLst/>
@@ -11760,7 +11816,7 @@
         <p:spPr>
           <a:xfrm>
             <a:off x="495360" y="5525640"/>
-            <a:ext cx="9943560" cy="3362400"/>
+            <a:ext cx="9943200" cy="3362040"/>
           </a:xfrm>
           <a:prstGeom prst="rect">
             <a:avLst/>
@@ -11781,7 +11837,7 @@
             <a:noAutofit/>
           </a:bodyPr>
           <a:p>
-            <a:pPr marL="444600" indent="-271080">
+            <a:pPr marL="444600" indent="-270720">
               <a:lnSpc>
                 <a:spcPct val="100000"/>
               </a:lnSpc>
@@ -11794,7 +11850,7 @@
             </a:endParaRPr>
           </a:p>
           <a:p>
-            <a:pPr marL="444600" indent="-442800">
+            <a:pPr marL="444600" indent="-442440">
               <a:lnSpc>
                 <a:spcPct val="100000"/>
               </a:lnSpc>
@@ -11825,7 +11881,7 @@
             </a:endParaRPr>
           </a:p>
           <a:p>
-            <a:pPr marL="444600" indent="-442800">
+            <a:pPr marL="444600" indent="-442440">
               <a:lnSpc>
                 <a:spcPct val="100000"/>
               </a:lnSpc>
@@ -11866,7 +11922,7 @@
         <p:spPr>
           <a:xfrm>
             <a:off x="745200" y="3477600"/>
-            <a:ext cx="6571800" cy="1738080"/>
+            <a:ext cx="6571440" cy="1737720"/>
           </a:xfrm>
           <a:prstGeom prst="rect">
             <a:avLst/>
@@ -11887,7 +11943,7 @@
             <a:noAutofit/>
           </a:bodyPr>
           <a:p>
-            <a:pPr marL="444600" indent="-442800">
+            <a:pPr marL="444600" indent="-442440">
               <a:lnSpc>
                 <a:spcPct val="100000"/>
               </a:lnSpc>
@@ -11922,7 +11978,7 @@
         <p:spPr>
           <a:xfrm>
             <a:off x="952560" y="444600"/>
-            <a:ext cx="11098080" cy="2157120"/>
+            <a:ext cx="11097720" cy="2156760"/>
           </a:xfrm>
           <a:prstGeom prst="rect">
             <a:avLst/>
@@ -11988,7 +12044,7 @@
         <p:spPr>
           <a:xfrm>
             <a:off x="9288000" y="360000"/>
-            <a:ext cx="3636720" cy="6170400"/>
+            <a:ext cx="3636360" cy="6170040"/>
           </a:xfrm>
           <a:prstGeom prst="rect">
             <a:avLst/>
@@ -12006,8 +12062,8 @@
         </p:nvSpPr>
         <p:spPr>
           <a:xfrm flipH="1" rot="10800000">
-            <a:off x="29326680" y="21183120"/>
-            <a:ext cx="6195240" cy="4657680"/>
+            <a:off x="29327040" y="21183480"/>
+            <a:ext cx="6194880" cy="4657320"/>
           </a:xfrm>
           <a:custGeom>
             <a:avLst/>
@@ -12080,7 +12136,7 @@
         <p:spPr>
           <a:xfrm>
             <a:off x="952560" y="444600"/>
-            <a:ext cx="11098080" cy="2157120"/>
+            <a:ext cx="11097720" cy="2156760"/>
           </a:xfrm>
           <a:prstGeom prst="rect">
             <a:avLst/>
@@ -12142,7 +12198,7 @@
         <p:spPr>
           <a:xfrm>
             <a:off x="952560" y="2652840"/>
-            <a:ext cx="11098080" cy="6284880"/>
+            <a:ext cx="11097720" cy="6284520"/>
           </a:xfrm>
           <a:prstGeom prst="rect">
             <a:avLst/>
@@ -12163,7 +12219,7 @@
             <a:noAutofit/>
           </a:bodyPr>
           <a:p>
-            <a:pPr marL="444600" indent="-442800">
+            <a:pPr marL="444600" indent="-442440">
               <a:lnSpc>
                 <a:spcPct val="100000"/>
               </a:lnSpc>
@@ -12188,7 +12244,7 @@
             </a:endParaRPr>
           </a:p>
           <a:p>
-            <a:pPr marL="444600" indent="-442800">
+            <a:pPr marL="444600" indent="-442440">
               <a:lnSpc>
                 <a:spcPct val="100000"/>
               </a:lnSpc>
@@ -12216,7 +12272,7 @@
             </a:endParaRPr>
           </a:p>
           <a:p>
-            <a:pPr marL="444600" indent="-442800">
+            <a:pPr marL="444600" indent="-442440">
               <a:lnSpc>
                 <a:spcPct val="100000"/>
               </a:lnSpc>
